--- a/P_POINT_SO.pptx
+++ b/P_POINT_SO.pptx
@@ -230,7 +230,7 @@
           <a:p>
             <a:fld id="{0FF640A4-F258-4979-A828-AC330B9379A5}" type="datetimeFigureOut">
               <a:rPr lang="pt-PT" smtClean="0"/>
-              <a:t>05/05/2023</a:t>
+              <a:t>06/05/2023</a:t>
             </a:fld>
             <a:endParaRPr lang="pt-PT"/>
           </a:p>
@@ -742,7 +742,7 @@
                 </a:solidFill>
               </a:rPr>
               <a:pPr/>
-              <a:t>5/5/2023</a:t>
+              <a:t>5/6/2023</a:t>
             </a:fld>
             <a:endParaRPr lang="en-US">
               <a:solidFill>
@@ -803,7 +803,7 @@
                 </a:solidFill>
               </a:rPr>
               <a:pPr/>
-              <a:t>‹nº›</a:t>
+              <a:t>‹#›</a:t>
             </a:fld>
             <a:endParaRPr lang="en-US">
               <a:solidFill>
@@ -944,7 +944,7 @@
                 </a:solidFill>
               </a:rPr>
               <a:pPr/>
-              <a:t>5/5/2023</a:t>
+              <a:t>5/6/2023</a:t>
             </a:fld>
             <a:endParaRPr lang="en-US">
               <a:solidFill>
@@ -1005,7 +1005,7 @@
                 </a:solidFill>
               </a:rPr>
               <a:pPr/>
-              <a:t>‹nº›</a:t>
+              <a:t>‹#›</a:t>
             </a:fld>
             <a:endParaRPr lang="en-US">
               <a:solidFill>
@@ -1156,7 +1156,7 @@
                 </a:solidFill>
               </a:rPr>
               <a:pPr/>
-              <a:t>5/5/2023</a:t>
+              <a:t>5/6/2023</a:t>
             </a:fld>
             <a:endParaRPr lang="en-US">
               <a:solidFill>
@@ -1217,7 +1217,7 @@
                 </a:solidFill>
               </a:rPr>
               <a:pPr/>
-              <a:t>‹nº›</a:t>
+              <a:t>‹#›</a:t>
             </a:fld>
             <a:endParaRPr lang="en-US">
               <a:solidFill>
@@ -1452,7 +1452,7 @@
                 </a:solidFill>
               </a:rPr>
               <a:pPr/>
-              <a:t>5/5/2023</a:t>
+              <a:t>5/6/2023</a:t>
             </a:fld>
             <a:endParaRPr lang="en-US" dirty="0">
               <a:solidFill>
@@ -1513,7 +1513,7 @@
                 </a:solidFill>
               </a:rPr>
               <a:pPr/>
-              <a:t>‹nº›</a:t>
+              <a:t>‹#›</a:t>
             </a:fld>
             <a:endParaRPr lang="en-US">
               <a:solidFill>
@@ -1730,7 +1730,7 @@
                 </a:solidFill>
               </a:rPr>
               <a:pPr/>
-              <a:t>5/5/2023</a:t>
+              <a:t>5/6/2023</a:t>
             </a:fld>
             <a:endParaRPr lang="en-US">
               <a:solidFill>
@@ -1791,7 +1791,7 @@
                 </a:solidFill>
               </a:rPr>
               <a:pPr/>
-              <a:t>‹nº›</a:t>
+              <a:t>‹#›</a:t>
             </a:fld>
             <a:endParaRPr lang="en-US">
               <a:solidFill>
@@ -2050,7 +2050,7 @@
                 </a:solidFill>
               </a:rPr>
               <a:pPr/>
-              <a:t>5/5/2023</a:t>
+              <a:t>5/6/2023</a:t>
             </a:fld>
             <a:endParaRPr lang="en-US">
               <a:solidFill>
@@ -2111,7 +2111,7 @@
                 </a:solidFill>
               </a:rPr>
               <a:pPr/>
-              <a:t>‹nº›</a:t>
+              <a:t>‹#›</a:t>
             </a:fld>
             <a:endParaRPr lang="en-US">
               <a:solidFill>
@@ -2504,7 +2504,7 @@
                 </a:solidFill>
               </a:rPr>
               <a:pPr/>
-              <a:t>5/5/2023</a:t>
+              <a:t>5/6/2023</a:t>
             </a:fld>
             <a:endParaRPr lang="en-US">
               <a:solidFill>
@@ -2565,7 +2565,7 @@
                 </a:solidFill>
               </a:rPr>
               <a:pPr/>
-              <a:t>‹nº›</a:t>
+              <a:t>‹#›</a:t>
             </a:fld>
             <a:endParaRPr lang="en-US">
               <a:solidFill>
@@ -2654,7 +2654,7 @@
                 </a:solidFill>
               </a:rPr>
               <a:pPr/>
-              <a:t>5/5/2023</a:t>
+              <a:t>5/6/2023</a:t>
             </a:fld>
             <a:endParaRPr lang="en-US">
               <a:solidFill>
@@ -2715,7 +2715,7 @@
                 </a:solidFill>
               </a:rPr>
               <a:pPr/>
-              <a:t>‹nº›</a:t>
+              <a:t>‹#›</a:t>
             </a:fld>
             <a:endParaRPr lang="en-US">
               <a:solidFill>
@@ -2781,7 +2781,7 @@
                 </a:solidFill>
               </a:rPr>
               <a:pPr/>
-              <a:t>5/5/2023</a:t>
+              <a:t>5/6/2023</a:t>
             </a:fld>
             <a:endParaRPr lang="en-US">
               <a:solidFill>
@@ -2842,7 +2842,7 @@
                 </a:solidFill>
               </a:rPr>
               <a:pPr/>
-              <a:t>‹nº›</a:t>
+              <a:t>‹#›</a:t>
             </a:fld>
             <a:endParaRPr lang="en-US">
               <a:solidFill>
@@ -3090,7 +3090,7 @@
                 </a:solidFill>
               </a:rPr>
               <a:pPr/>
-              <a:t>5/5/2023</a:t>
+              <a:t>5/6/2023</a:t>
             </a:fld>
             <a:endParaRPr lang="en-US">
               <a:solidFill>
@@ -3151,7 +3151,7 @@
                 </a:solidFill>
               </a:rPr>
               <a:pPr/>
-              <a:t>‹nº›</a:t>
+              <a:t>‹#›</a:t>
             </a:fld>
             <a:endParaRPr lang="en-US">
               <a:solidFill>
@@ -3375,7 +3375,7 @@
                 </a:solidFill>
               </a:rPr>
               <a:pPr/>
-              <a:t>5/5/2023</a:t>
+              <a:t>5/6/2023</a:t>
             </a:fld>
             <a:endParaRPr lang="en-US">
               <a:solidFill>
@@ -3436,7 +3436,7 @@
                 </a:solidFill>
               </a:rPr>
               <a:pPr/>
-              <a:t>‹nº›</a:t>
+              <a:t>‹#›</a:t>
             </a:fld>
             <a:endParaRPr lang="en-US">
               <a:solidFill>
@@ -3624,7 +3624,7 @@
                 </a:solidFill>
               </a:rPr>
               <a:pPr defTabSz="457200"/>
-              <a:t>5/5/2023</a:t>
+              <a:t>5/6/2023</a:t>
             </a:fld>
             <a:endParaRPr lang="en-US">
               <a:solidFill>
@@ -3723,7 +3723,7 @@
                 </a:solidFill>
               </a:rPr>
               <a:pPr defTabSz="457200"/>
-              <a:t>‹nº›</a:t>
+              <a:t>‹#›</a:t>
             </a:fld>
             <a:endParaRPr lang="en-US">
               <a:solidFill>
@@ -4360,6 +4360,12 @@
             </a:r>
           </a:p>
           <a:p>
+            <a:r>
+              <a:rPr lang="en-US" dirty="0"/>
+              <a:t>Firstly, we will discuss the SSCFLP with some approaches from literature. Our approach is then presented with computational results. Lastly, we compare our results (Optimal Solution and Gap) with the literature.</a:t>
+            </a:r>
+          </a:p>
+          <a:p>
             <a:endParaRPr lang="pt-PT" dirty="0"/>
           </a:p>
         </p:txBody>
@@ -5582,7 +5588,9 @@
         </p:nvSpPr>
         <p:spPr/>
         <p:txBody>
-          <a:bodyPr/>
+          <a:bodyPr>
+            <a:normAutofit/>
+          </a:bodyPr>
           <a:lstStyle/>
           <a:p>
             <a:r>
@@ -5593,7 +5601,13 @@
           <a:p>
             <a:r>
               <a:rPr lang="en-US" dirty="0"/>
-              <a:t>OR-Tools was used in python as a framework to solve 5 instances of datasets (</a:t>
+              <a:t>In order to reproduce the equations, we used the OR-Tools Library in Python.</a:t>
+            </a:r>
+          </a:p>
+          <a:p>
+            <a:r>
+              <a:rPr lang="en-US" dirty="0"/>
+              <a:t>The solver was used in 5 instances of datasets (</a:t>
             </a:r>
             <a:r>
               <a:rPr lang="en-US" dirty="0" err="1"/>
@@ -5605,10 +5619,7 @@
             </a:r>
           </a:p>
           <a:p>
-            <a:r>
-              <a:rPr lang="en-US" dirty="0"/>
-              <a:t>We worked with constrains, variables and … </a:t>
-            </a:r>
+            <a:endParaRPr lang="en-US" dirty="0"/>
           </a:p>
         </p:txBody>
       </p:sp>
@@ -5972,33 +5983,40 @@
           <a:p>
             <a:r>
               <a:rPr lang="en-US" dirty="0"/>
-              <a:t>Code?? Formulas??</a:t>
-            </a:r>
-          </a:p>
-        </p:txBody>
-      </p:sp>
-      <p:sp>
-        <p:nvSpPr>
-          <p:cNvPr id="3" name="Marcador de Posição de Conteúdo 2"/>
-          <p:cNvSpPr>
-            <a:spLocks noGrp="1"/>
-          </p:cNvSpPr>
+              <a:t>Equation of the problem</a:t>
+            </a:r>
+          </a:p>
+        </p:txBody>
+      </p:sp>
+      <p:pic>
+        <p:nvPicPr>
+          <p:cNvPr id="7" name="Content Placeholder 6">
+            <a:extLst>
+              <a:ext uri="{FF2B5EF4-FFF2-40B4-BE49-F238E27FC236}">
+                <a16:creationId xmlns:a16="http://schemas.microsoft.com/office/drawing/2014/main" id="{56E93E14-3FD6-7E75-DFBE-69306F9A0AF8}"/>
+              </a:ext>
+            </a:extLst>
+          </p:cNvPr>
+          <p:cNvPicPr>
+            <a:picLocks noGrp="1" noChangeAspect="1"/>
+          </p:cNvPicPr>
           <p:nvPr>
             <p:ph idx="1"/>
           </p:nvPr>
-        </p:nvSpPr>
-        <p:spPr/>
-        <p:txBody>
-          <a:bodyPr/>
-          <a:lstStyle/>
-          <a:p>
-            <a:r>
-              <a:rPr lang="en-US" dirty="0"/>
-              <a:t>Text</a:t>
-            </a:r>
-          </a:p>
-        </p:txBody>
-      </p:sp>
+        </p:nvPicPr>
+        <p:blipFill>
+          <a:blip r:embed="rId2"/>
+          <a:stretch>
+            <a:fillRect/>
+          </a:stretch>
+        </p:blipFill>
+        <p:spPr>
+          <a:xfrm>
+            <a:off x="1154701" y="1927202"/>
+            <a:ext cx="6834597" cy="3003595"/>
+          </a:xfrm>
+        </p:spPr>
+      </p:pic>
       <p:sp>
         <p:nvSpPr>
           <p:cNvPr id="4" name="CaixaDeTexto 1"/>
@@ -6306,6 +6324,178 @@
                 <a:latin typeface="Porto Sans Light" panose="00000400000000000000" pitchFamily="50" charset="0"/>
               </a:rPr>
               <a:t>Óscar Oliveira / Simulação e Otimização (2022/23)</a:t>
+            </a:r>
+          </a:p>
+        </p:txBody>
+      </p:sp>
+      <p:sp>
+        <p:nvSpPr>
+          <p:cNvPr id="8" name="Marcador de Posição de Conteúdo 2">
+            <a:extLst>
+              <a:ext uri="{FF2B5EF4-FFF2-40B4-BE49-F238E27FC236}">
+                <a16:creationId xmlns:a16="http://schemas.microsoft.com/office/drawing/2014/main" id="{53BB69E1-F416-D8FF-7B45-29AC8CB77E9F}"/>
+              </a:ext>
+            </a:extLst>
+          </p:cNvPr>
+          <p:cNvSpPr txBox="1">
+            <a:spLocks/>
+          </p:cNvSpPr>
+          <p:nvPr/>
+        </p:nvSpPr>
+        <p:spPr>
+          <a:xfrm>
+            <a:off x="457200" y="5157191"/>
+            <a:ext cx="8229600" cy="792089"/>
+          </a:xfrm>
+          <a:prstGeom prst="rect">
+            <a:avLst/>
+          </a:prstGeom>
+        </p:spPr>
+        <p:txBody>
+          <a:bodyPr vert="horz" lIns="91440" tIns="45720" rIns="91440" bIns="45720" rtlCol="0">
+            <a:normAutofit fontScale="85000" lnSpcReduction="20000"/>
+          </a:bodyPr>
+          <a:lstStyle>
+            <a:lvl1pPr marL="342900" indent="-342900" algn="l" defTabSz="457200" rtl="0" eaLnBrk="1" latinLnBrk="0" hangingPunct="1">
+              <a:spcBef>
+                <a:spcPct val="20000"/>
+              </a:spcBef>
+              <a:buFont typeface="Arial"/>
+              <a:buChar char="•"/>
+              <a:defRPr sz="3200" kern="1200">
+                <a:solidFill>
+                  <a:schemeClr val="tx1"/>
+                </a:solidFill>
+                <a:latin typeface="+mn-lt"/>
+                <a:ea typeface="+mn-ea"/>
+                <a:cs typeface="+mn-cs"/>
+              </a:defRPr>
+            </a:lvl1pPr>
+            <a:lvl2pPr marL="742950" indent="-285750" algn="l" defTabSz="457200" rtl="0" eaLnBrk="1" latinLnBrk="0" hangingPunct="1">
+              <a:spcBef>
+                <a:spcPct val="20000"/>
+              </a:spcBef>
+              <a:buFont typeface="Arial"/>
+              <a:buChar char="–"/>
+              <a:defRPr sz="2800" kern="1200">
+                <a:solidFill>
+                  <a:schemeClr val="tx1"/>
+                </a:solidFill>
+                <a:latin typeface="+mn-lt"/>
+                <a:ea typeface="+mn-ea"/>
+                <a:cs typeface="+mn-cs"/>
+              </a:defRPr>
+            </a:lvl2pPr>
+            <a:lvl3pPr marL="1143000" indent="-228600" algn="l" defTabSz="457200" rtl="0" eaLnBrk="1" latinLnBrk="0" hangingPunct="1">
+              <a:spcBef>
+                <a:spcPct val="20000"/>
+              </a:spcBef>
+              <a:buFont typeface="Arial"/>
+              <a:buChar char="•"/>
+              <a:defRPr sz="2400" kern="1200">
+                <a:solidFill>
+                  <a:schemeClr val="tx1"/>
+                </a:solidFill>
+                <a:latin typeface="+mn-lt"/>
+                <a:ea typeface="+mn-ea"/>
+                <a:cs typeface="+mn-cs"/>
+              </a:defRPr>
+            </a:lvl3pPr>
+            <a:lvl4pPr marL="1600200" indent="-228600" algn="l" defTabSz="457200" rtl="0" eaLnBrk="1" latinLnBrk="0" hangingPunct="1">
+              <a:spcBef>
+                <a:spcPct val="20000"/>
+              </a:spcBef>
+              <a:buFont typeface="Arial"/>
+              <a:buChar char="–"/>
+              <a:defRPr sz="2000" kern="1200">
+                <a:solidFill>
+                  <a:schemeClr val="tx1"/>
+                </a:solidFill>
+                <a:latin typeface="+mn-lt"/>
+                <a:ea typeface="+mn-ea"/>
+                <a:cs typeface="+mn-cs"/>
+              </a:defRPr>
+            </a:lvl4pPr>
+            <a:lvl5pPr marL="2057400" indent="-228600" algn="l" defTabSz="457200" rtl="0" eaLnBrk="1" latinLnBrk="0" hangingPunct="1">
+              <a:spcBef>
+                <a:spcPct val="20000"/>
+              </a:spcBef>
+              <a:buFont typeface="Arial"/>
+              <a:buChar char="»"/>
+              <a:defRPr sz="2000" kern="1200">
+                <a:solidFill>
+                  <a:schemeClr val="tx1"/>
+                </a:solidFill>
+                <a:latin typeface="+mn-lt"/>
+                <a:ea typeface="+mn-ea"/>
+                <a:cs typeface="+mn-cs"/>
+              </a:defRPr>
+            </a:lvl5pPr>
+            <a:lvl6pPr marL="2514600" indent="-228600" algn="l" defTabSz="457200" rtl="0" eaLnBrk="1" latinLnBrk="0" hangingPunct="1">
+              <a:spcBef>
+                <a:spcPct val="20000"/>
+              </a:spcBef>
+              <a:buFont typeface="Arial"/>
+              <a:buChar char="•"/>
+              <a:defRPr sz="2000" kern="1200">
+                <a:solidFill>
+                  <a:schemeClr val="tx1"/>
+                </a:solidFill>
+                <a:latin typeface="+mn-lt"/>
+                <a:ea typeface="+mn-ea"/>
+                <a:cs typeface="+mn-cs"/>
+              </a:defRPr>
+            </a:lvl6pPr>
+            <a:lvl7pPr marL="2971800" indent="-228600" algn="l" defTabSz="457200" rtl="0" eaLnBrk="1" latinLnBrk="0" hangingPunct="1">
+              <a:spcBef>
+                <a:spcPct val="20000"/>
+              </a:spcBef>
+              <a:buFont typeface="Arial"/>
+              <a:buChar char="•"/>
+              <a:defRPr sz="2000" kern="1200">
+                <a:solidFill>
+                  <a:schemeClr val="tx1"/>
+                </a:solidFill>
+                <a:latin typeface="+mn-lt"/>
+                <a:ea typeface="+mn-ea"/>
+                <a:cs typeface="+mn-cs"/>
+              </a:defRPr>
+            </a:lvl7pPr>
+            <a:lvl8pPr marL="3429000" indent="-228600" algn="l" defTabSz="457200" rtl="0" eaLnBrk="1" latinLnBrk="0" hangingPunct="1">
+              <a:spcBef>
+                <a:spcPct val="20000"/>
+              </a:spcBef>
+              <a:buFont typeface="Arial"/>
+              <a:buChar char="•"/>
+              <a:defRPr sz="2000" kern="1200">
+                <a:solidFill>
+                  <a:schemeClr val="tx1"/>
+                </a:solidFill>
+                <a:latin typeface="+mn-lt"/>
+                <a:ea typeface="+mn-ea"/>
+                <a:cs typeface="+mn-cs"/>
+              </a:defRPr>
+            </a:lvl8pPr>
+            <a:lvl9pPr marL="3886200" indent="-228600" algn="l" defTabSz="457200" rtl="0" eaLnBrk="1" latinLnBrk="0" hangingPunct="1">
+              <a:spcBef>
+                <a:spcPct val="20000"/>
+              </a:spcBef>
+              <a:buFont typeface="Arial"/>
+              <a:buChar char="•"/>
+              <a:defRPr sz="2000" kern="1200">
+                <a:solidFill>
+                  <a:schemeClr val="tx1"/>
+                </a:solidFill>
+                <a:latin typeface="+mn-lt"/>
+                <a:ea typeface="+mn-ea"/>
+                <a:cs typeface="+mn-cs"/>
+              </a:defRPr>
+            </a:lvl9pPr>
+          </a:lstStyle>
+          <a:p>
+            <a:r>
+              <a:rPr lang="en-US" dirty="0"/>
+              <a:t>It contains the objective function, constraints and decision variables. </a:t>
             </a:r>
           </a:p>
         </p:txBody>
@@ -6374,12 +6564,100 @@
             <p:ph idx="1"/>
           </p:nvPr>
         </p:nvSpPr>
-        <p:spPr/>
+        <p:spPr>
+          <a:xfrm>
+            <a:off x="457200" y="1844825"/>
+            <a:ext cx="8229600" cy="3096343"/>
+          </a:xfrm>
+        </p:spPr>
         <p:txBody>
           <a:bodyPr/>
           <a:lstStyle/>
           <a:p>
-            <a:endParaRPr lang="pt-PT" dirty="0"/>
+            <a:r>
+              <a:rPr lang="pt-PT" dirty="0" err="1"/>
+              <a:t>Delmaire</a:t>
+            </a:r>
+            <a:r>
+              <a:rPr lang="pt-PT" dirty="0"/>
+              <a:t> (52 OS out </a:t>
+            </a:r>
+            <a:r>
+              <a:rPr lang="pt-PT" dirty="0" err="1"/>
+              <a:t>of</a:t>
+            </a:r>
+            <a:r>
+              <a:rPr lang="pt-PT" dirty="0"/>
+              <a:t> 57)</a:t>
+            </a:r>
+          </a:p>
+          <a:p>
+            <a:r>
+              <a:rPr lang="pt-PT" dirty="0" err="1"/>
+              <a:t>Holmberg</a:t>
+            </a:r>
+            <a:r>
+              <a:rPr lang="pt-PT" dirty="0"/>
+              <a:t> (71 OS out </a:t>
+            </a:r>
+            <a:r>
+              <a:rPr lang="pt-PT" dirty="0" err="1"/>
+              <a:t>of</a:t>
+            </a:r>
+            <a:r>
+              <a:rPr lang="pt-PT" dirty="0"/>
+              <a:t> 71)</a:t>
+            </a:r>
+          </a:p>
+          <a:p>
+            <a:r>
+              <a:rPr lang="pt-PT" dirty="0"/>
+              <a:t>OR-</a:t>
+            </a:r>
+            <a:r>
+              <a:rPr lang="pt-PT" dirty="0" err="1"/>
+              <a:t>Library</a:t>
+            </a:r>
+            <a:r>
+              <a:rPr lang="pt-PT" dirty="0"/>
+              <a:t> (9 OS out </a:t>
+            </a:r>
+            <a:r>
+              <a:rPr lang="pt-PT" dirty="0" err="1"/>
+              <a:t>of</a:t>
+            </a:r>
+            <a:r>
+              <a:rPr lang="pt-PT" dirty="0"/>
+              <a:t> 36)</a:t>
+            </a:r>
+          </a:p>
+          <a:p>
+            <a:r>
+              <a:rPr lang="pt-PT" dirty="0"/>
+              <a:t>Yang (9 OS out </a:t>
+            </a:r>
+            <a:r>
+              <a:rPr lang="pt-PT" dirty="0" err="1"/>
+              <a:t>of</a:t>
+            </a:r>
+            <a:r>
+              <a:rPr lang="pt-PT" dirty="0"/>
+              <a:t> 20)</a:t>
+            </a:r>
+          </a:p>
+          <a:p>
+            <a:r>
+              <a:rPr lang="pt-PT" dirty="0"/>
+              <a:t>TBED1 (0 OS out </a:t>
+            </a:r>
+            <a:r>
+              <a:rPr lang="pt-PT" dirty="0" err="1"/>
+              <a:t>of</a:t>
+            </a:r>
+            <a:r>
+              <a:rPr lang="pt-PT" dirty="0"/>
+              <a:t> 60)</a:t>
+            </a:r>
           </a:p>
         </p:txBody>
       </p:sp>
@@ -6691,6 +6969,59 @@
               </a:rPr>
               <a:t>Óscar Oliveira / Simulação e Otimização (2022/23)</a:t>
             </a:r>
+          </a:p>
+        </p:txBody>
+      </p:sp>
+      <p:sp>
+        <p:nvSpPr>
+          <p:cNvPr id="6" name="TextBox 5">
+            <a:extLst>
+              <a:ext uri="{FF2B5EF4-FFF2-40B4-BE49-F238E27FC236}">
+                <a16:creationId xmlns:a16="http://schemas.microsoft.com/office/drawing/2014/main" id="{C79ADF5F-C195-05E1-0173-75597FC02C5A}"/>
+              </a:ext>
+            </a:extLst>
+          </p:cNvPr>
+          <p:cNvSpPr txBox="1"/>
+          <p:nvPr/>
+        </p:nvSpPr>
+        <p:spPr>
+          <a:xfrm>
+            <a:off x="457200" y="5302078"/>
+            <a:ext cx="7211144" cy="646331"/>
+          </a:xfrm>
+          <a:prstGeom prst="rect">
+            <a:avLst/>
+          </a:prstGeom>
+          <a:noFill/>
+        </p:spPr>
+        <p:txBody>
+          <a:bodyPr wrap="square" rtlCol="0">
+            <a:spAutoFit/>
+          </a:bodyPr>
+          <a:lstStyle/>
+          <a:p>
+            <a:r>
+              <a:rPr lang="pt-PT" dirty="0"/>
+              <a:t>*OS – </a:t>
+            </a:r>
+            <a:r>
+              <a:rPr lang="en-US" dirty="0"/>
+              <a:t>Optimal Solutions</a:t>
+            </a:r>
+          </a:p>
+          <a:p>
+            <a:r>
+              <a:rPr lang="en-US" dirty="0"/>
+              <a:t>** Optimal Solutions considered when </a:t>
+            </a:r>
+            <a:r>
+              <a:rPr lang="en-US" dirty="0">
+                <a:effectLst/>
+                <a:latin typeface="Arial" panose="020B0604020202020204" pitchFamily="34" charset="0"/>
+              </a:rPr>
+              <a:t>Z-Z* was 0 or ≈0 </a:t>
+            </a:r>
+            <a:endParaRPr lang="en-US" dirty="0"/>
           </a:p>
         </p:txBody>
       </p:sp>
@@ -6763,7 +7094,16 @@
           <a:bodyPr/>
           <a:lstStyle/>
           <a:p>
-            <a:endParaRPr lang="pt-PT" dirty="0"/>
+            <a:r>
+              <a:rPr lang="en-US" dirty="0"/>
+              <a:t>The results were pleasant, some algorithms could only be solved by changing the time limit for the Solver.</a:t>
+            </a:r>
+          </a:p>
+          <a:p>
+            <a:r>
+              <a:rPr lang="en-US" dirty="0"/>
+              <a:t>Exact Method algorithm uses a ton of resources. Works well in small instances.</a:t>
+            </a:r>
           </a:p>
         </p:txBody>
       </p:sp>

--- a/P_POINT_SO.pptx
+++ b/P_POINT_SO.pptx
@@ -5,18 +5,25 @@
     <p:sldMasterId id="2147483660" r:id="rId1"/>
   </p:sldMasterIdLst>
   <p:notesMasterIdLst>
-    <p:notesMasterId r:id="rId11"/>
+    <p:notesMasterId r:id="rId18"/>
   </p:notesMasterIdLst>
   <p:sldIdLst>
     <p:sldId id="369" r:id="rId2"/>
     <p:sldId id="370" r:id="rId3"/>
     <p:sldId id="375" r:id="rId4"/>
     <p:sldId id="371" r:id="rId5"/>
-    <p:sldId id="372" r:id="rId6"/>
-    <p:sldId id="376" r:id="rId7"/>
-    <p:sldId id="373" r:id="rId8"/>
-    <p:sldId id="374" r:id="rId9"/>
-    <p:sldId id="359" r:id="rId10"/>
+    <p:sldId id="376" r:id="rId6"/>
+    <p:sldId id="381" r:id="rId7"/>
+    <p:sldId id="372" r:id="rId8"/>
+    <p:sldId id="378" r:id="rId9"/>
+    <p:sldId id="380" r:id="rId10"/>
+    <p:sldId id="379" r:id="rId11"/>
+    <p:sldId id="377" r:id="rId12"/>
+    <p:sldId id="373" r:id="rId13"/>
+    <p:sldId id="382" r:id="rId14"/>
+    <p:sldId id="383" r:id="rId15"/>
+    <p:sldId id="374" r:id="rId16"/>
+    <p:sldId id="359" r:id="rId17"/>
   </p:sldIdLst>
   <p:sldSz cx="9144000" cy="6858000" type="screen4x3"/>
   <p:notesSz cx="6858000" cy="9144000"/>
@@ -230,7 +237,7 @@
           <a:p>
             <a:fld id="{0FF640A4-F258-4979-A828-AC330B9379A5}" type="datetimeFigureOut">
               <a:rPr lang="pt-PT" smtClean="0"/>
-              <a:t>06/05/2023</a:t>
+              <a:t>07/06/2023</a:t>
             </a:fld>
             <a:endParaRPr lang="pt-PT"/>
           </a:p>
@@ -742,7 +749,7 @@
                 </a:solidFill>
               </a:rPr>
               <a:pPr/>
-              <a:t>5/6/2023</a:t>
+              <a:t>6/7/2023</a:t>
             </a:fld>
             <a:endParaRPr lang="en-US">
               <a:solidFill>
@@ -803,7 +810,7 @@
                 </a:solidFill>
               </a:rPr>
               <a:pPr/>
-              <a:t>‹#›</a:t>
+              <a:t>‹nº›</a:t>
             </a:fld>
             <a:endParaRPr lang="en-US">
               <a:solidFill>
@@ -944,7 +951,7 @@
                 </a:solidFill>
               </a:rPr>
               <a:pPr/>
-              <a:t>5/6/2023</a:t>
+              <a:t>6/7/2023</a:t>
             </a:fld>
             <a:endParaRPr lang="en-US">
               <a:solidFill>
@@ -1005,7 +1012,7 @@
                 </a:solidFill>
               </a:rPr>
               <a:pPr/>
-              <a:t>‹#›</a:t>
+              <a:t>‹nº›</a:t>
             </a:fld>
             <a:endParaRPr lang="en-US">
               <a:solidFill>
@@ -1156,7 +1163,7 @@
                 </a:solidFill>
               </a:rPr>
               <a:pPr/>
-              <a:t>5/6/2023</a:t>
+              <a:t>6/7/2023</a:t>
             </a:fld>
             <a:endParaRPr lang="en-US">
               <a:solidFill>
@@ -1217,7 +1224,7 @@
                 </a:solidFill>
               </a:rPr>
               <a:pPr/>
-              <a:t>‹#›</a:t>
+              <a:t>‹nº›</a:t>
             </a:fld>
             <a:endParaRPr lang="en-US">
               <a:solidFill>
@@ -1452,7 +1459,7 @@
                 </a:solidFill>
               </a:rPr>
               <a:pPr/>
-              <a:t>5/6/2023</a:t>
+              <a:t>6/7/2023</a:t>
             </a:fld>
             <a:endParaRPr lang="en-US" dirty="0">
               <a:solidFill>
@@ -1513,7 +1520,7 @@
                 </a:solidFill>
               </a:rPr>
               <a:pPr/>
-              <a:t>‹#›</a:t>
+              <a:t>‹nº›</a:t>
             </a:fld>
             <a:endParaRPr lang="en-US">
               <a:solidFill>
@@ -1730,7 +1737,7 @@
                 </a:solidFill>
               </a:rPr>
               <a:pPr/>
-              <a:t>5/6/2023</a:t>
+              <a:t>6/7/2023</a:t>
             </a:fld>
             <a:endParaRPr lang="en-US">
               <a:solidFill>
@@ -1791,7 +1798,7 @@
                 </a:solidFill>
               </a:rPr>
               <a:pPr/>
-              <a:t>‹#›</a:t>
+              <a:t>‹nº›</a:t>
             </a:fld>
             <a:endParaRPr lang="en-US">
               <a:solidFill>
@@ -2050,7 +2057,7 @@
                 </a:solidFill>
               </a:rPr>
               <a:pPr/>
-              <a:t>5/6/2023</a:t>
+              <a:t>6/7/2023</a:t>
             </a:fld>
             <a:endParaRPr lang="en-US">
               <a:solidFill>
@@ -2111,7 +2118,7 @@
                 </a:solidFill>
               </a:rPr>
               <a:pPr/>
-              <a:t>‹#›</a:t>
+              <a:t>‹nº›</a:t>
             </a:fld>
             <a:endParaRPr lang="en-US">
               <a:solidFill>
@@ -2504,7 +2511,7 @@
                 </a:solidFill>
               </a:rPr>
               <a:pPr/>
-              <a:t>5/6/2023</a:t>
+              <a:t>6/7/2023</a:t>
             </a:fld>
             <a:endParaRPr lang="en-US">
               <a:solidFill>
@@ -2565,7 +2572,7 @@
                 </a:solidFill>
               </a:rPr>
               <a:pPr/>
-              <a:t>‹#›</a:t>
+              <a:t>‹nº›</a:t>
             </a:fld>
             <a:endParaRPr lang="en-US">
               <a:solidFill>
@@ -2654,7 +2661,7 @@
                 </a:solidFill>
               </a:rPr>
               <a:pPr/>
-              <a:t>5/6/2023</a:t>
+              <a:t>6/7/2023</a:t>
             </a:fld>
             <a:endParaRPr lang="en-US">
               <a:solidFill>
@@ -2715,7 +2722,7 @@
                 </a:solidFill>
               </a:rPr>
               <a:pPr/>
-              <a:t>‹#›</a:t>
+              <a:t>‹nº›</a:t>
             </a:fld>
             <a:endParaRPr lang="en-US">
               <a:solidFill>
@@ -2781,7 +2788,7 @@
                 </a:solidFill>
               </a:rPr>
               <a:pPr/>
-              <a:t>5/6/2023</a:t>
+              <a:t>6/7/2023</a:t>
             </a:fld>
             <a:endParaRPr lang="en-US">
               <a:solidFill>
@@ -2842,7 +2849,7 @@
                 </a:solidFill>
               </a:rPr>
               <a:pPr/>
-              <a:t>‹#›</a:t>
+              <a:t>‹nº›</a:t>
             </a:fld>
             <a:endParaRPr lang="en-US">
               <a:solidFill>
@@ -3090,7 +3097,7 @@
                 </a:solidFill>
               </a:rPr>
               <a:pPr/>
-              <a:t>5/6/2023</a:t>
+              <a:t>6/7/2023</a:t>
             </a:fld>
             <a:endParaRPr lang="en-US">
               <a:solidFill>
@@ -3151,7 +3158,7 @@
                 </a:solidFill>
               </a:rPr>
               <a:pPr/>
-              <a:t>‹#›</a:t>
+              <a:t>‹nº›</a:t>
             </a:fld>
             <a:endParaRPr lang="en-US">
               <a:solidFill>
@@ -3375,7 +3382,7 @@
                 </a:solidFill>
               </a:rPr>
               <a:pPr/>
-              <a:t>5/6/2023</a:t>
+              <a:t>6/7/2023</a:t>
             </a:fld>
             <a:endParaRPr lang="en-US">
               <a:solidFill>
@@ -3436,7 +3443,7 @@
                 </a:solidFill>
               </a:rPr>
               <a:pPr/>
-              <a:t>‹#›</a:t>
+              <a:t>‹nº›</a:t>
             </a:fld>
             <a:endParaRPr lang="en-US">
               <a:solidFill>
@@ -3624,7 +3631,7 @@
                 </a:solidFill>
               </a:rPr>
               <a:pPr defTabSz="457200"/>
-              <a:t>5/6/2023</a:t>
+              <a:t>6/7/2023</a:t>
             </a:fld>
             <a:endParaRPr lang="en-US">
               <a:solidFill>
@@ -3723,7 +3730,7 @@
                 </a:solidFill>
               </a:rPr>
               <a:pPr defTabSz="457200"/>
-              <a:t>‹#›</a:t>
+              <a:t>‹nº›</a:t>
             </a:fld>
             <a:endParaRPr lang="en-US">
               <a:solidFill>
@@ -4228,7 +4235,7 @@
         <p:spPr>
           <a:xfrm>
             <a:off x="1115616" y="5229200"/>
-            <a:ext cx="6408712" cy="1446550"/>
+            <a:ext cx="6696744" cy="1446550"/>
           </a:xfrm>
           <a:prstGeom prst="rect">
             <a:avLst/>
@@ -4245,7 +4252,7 @@
               <a:rPr lang="en-GB" sz="2400" dirty="0">
                 <a:latin typeface="Porto Sans Light" panose="00000400000000000000" pitchFamily="50" charset="0"/>
               </a:rPr>
-              <a:t>An exact method algorithm for single source capacitated facility location problems</a:t>
+              <a:t>An exact method and Heuristic algorithms for single source capacitated facility location problems</a:t>
             </a:r>
           </a:p>
           <a:p>
@@ -4289,7 +4296,7 @@
 </p:sld>
 </file>
 
-<file path=ppt/slides/slide2.xml><?xml version="1.0" encoding="utf-8"?>
+<file path=ppt/slides/slide10.xml><?xml version="1.0" encoding="utf-8"?>
 <p:sld xmlns:a="http://schemas.openxmlformats.org/drawingml/2006/main" xmlns:r="http://schemas.openxmlformats.org/officeDocument/2006/relationships" xmlns:p="http://schemas.openxmlformats.org/presentationml/2006/main">
   <p:cSld>
     <p:spTree>
@@ -4308,7 +4315,13 @@
       </p:grpSpPr>
       <p:sp>
         <p:nvSpPr>
-          <p:cNvPr id="2" name="Título 1"/>
+          <p:cNvPr id="2" name="Título 1">
+            <a:extLst>
+              <a:ext uri="{FF2B5EF4-FFF2-40B4-BE49-F238E27FC236}">
+                <a16:creationId xmlns:a16="http://schemas.microsoft.com/office/drawing/2014/main" id="{A8485180-9441-B495-E912-C7A78A4A251E}"/>
+              </a:ext>
+            </a:extLst>
+          </p:cNvPr>
           <p:cNvSpPr>
             <a:spLocks noGrp="1"/>
           </p:cNvSpPr>
@@ -4324,1676 +4337,19 @@
           <a:lstStyle/>
           <a:p>
             <a:r>
-              <a:rPr lang="en-US" dirty="0"/>
-              <a:t>Introduction</a:t>
+              <a:rPr lang="pt-PT"/>
+              <a:t>Local Search</a:t>
             </a:r>
             <a:endParaRPr lang="pt-PT" dirty="0"/>
-          </a:p>
-        </p:txBody>
-      </p:sp>
-      <p:sp>
-        <p:nvSpPr>
-          <p:cNvPr id="3" name="Marcador de Posição de Conteúdo 2"/>
-          <p:cNvSpPr>
-            <a:spLocks noGrp="1"/>
-          </p:cNvSpPr>
-          <p:nvPr>
-            <p:ph idx="1"/>
-          </p:nvPr>
-        </p:nvSpPr>
-        <p:spPr/>
-        <p:txBody>
-          <a:bodyPr/>
-          <a:lstStyle/>
-          <a:p>
-            <a:r>
-              <a:rPr lang="en-US" dirty="0"/>
-              <a:t>In this presentation</a:t>
-            </a:r>
-            <a:r>
-              <a:rPr lang="pt-PT" dirty="0"/>
-              <a:t>, </a:t>
-            </a:r>
-            <a:r>
-              <a:rPr lang="en-US" dirty="0"/>
-              <a:t>we will approach the SSCFLP with the Exact Method Algorithm.</a:t>
-            </a:r>
-          </a:p>
-          <a:p>
-            <a:r>
-              <a:rPr lang="en-US" dirty="0"/>
-              <a:t>Firstly, we will discuss the SSCFLP with some approaches from literature. Our approach is then presented with computational results. Lastly, we compare our results (Optimal Solution and Gap) with the literature.</a:t>
-            </a:r>
-          </a:p>
-          <a:p>
-            <a:endParaRPr lang="pt-PT" dirty="0"/>
-          </a:p>
-        </p:txBody>
-      </p:sp>
-      <p:sp>
-        <p:nvSpPr>
-          <p:cNvPr id="4" name="CaixaDeTexto 1"/>
-          <p:cNvSpPr txBox="1">
-            <a:spLocks noChangeArrowheads="1"/>
-          </p:cNvSpPr>
-          <p:nvPr/>
-        </p:nvSpPr>
-        <p:spPr bwMode="auto">
-          <a:xfrm>
-            <a:off x="6228184" y="6309320"/>
-            <a:ext cx="2387228" cy="461665"/>
-          </a:xfrm>
-          <a:prstGeom prst="rect">
-            <a:avLst/>
-          </a:prstGeom>
-          <a:noFill/>
-          <a:ln>
-            <a:noFill/>
-          </a:ln>
-          <a:extLst>
-            <a:ext uri="{909E8E84-426E-40DD-AFC4-6F175D3DCCD1}">
-              <a14:hiddenFill xmlns:a14="http://schemas.microsoft.com/office/drawing/2010/main">
-                <a:solidFill>
-                  <a:srgbClr val="FFFFFF"/>
-                </a:solidFill>
-              </a14:hiddenFill>
-            </a:ext>
-            <a:ext uri="{91240B29-F687-4F45-9708-019B960494DF}">
-              <a14:hiddenLine xmlns:a14="http://schemas.microsoft.com/office/drawing/2010/main" w="9525">
-                <a:solidFill>
-                  <a:srgbClr val="000000"/>
-                </a:solidFill>
-                <a:miter lim="800000"/>
-                <a:headEnd/>
-                <a:tailEnd/>
-              </a14:hiddenLine>
-            </a:ext>
-          </a:extLst>
-        </p:spPr>
-        <p:txBody>
-          <a:bodyPr wrap="square">
-            <a:spAutoFit/>
-          </a:bodyPr>
-          <a:lstStyle>
-            <a:lvl1pPr>
-              <a:defRPr>
-                <a:solidFill>
-                  <a:schemeClr val="tx1"/>
-                </a:solidFill>
-                <a:latin typeface="Calibri" panose="020F0502020204030204" pitchFamily="34" charset="0"/>
-              </a:defRPr>
-            </a:lvl1pPr>
-            <a:lvl2pPr marL="742950" indent="-285750">
-              <a:defRPr>
-                <a:solidFill>
-                  <a:schemeClr val="tx1"/>
-                </a:solidFill>
-                <a:latin typeface="Calibri" panose="020F0502020204030204" pitchFamily="34" charset="0"/>
-              </a:defRPr>
-            </a:lvl2pPr>
-            <a:lvl3pPr marL="1143000" indent="-228600">
-              <a:defRPr>
-                <a:solidFill>
-                  <a:schemeClr val="tx1"/>
-                </a:solidFill>
-                <a:latin typeface="Calibri" panose="020F0502020204030204" pitchFamily="34" charset="0"/>
-              </a:defRPr>
-            </a:lvl3pPr>
-            <a:lvl4pPr marL="1600200" indent="-228600">
-              <a:defRPr>
-                <a:solidFill>
-                  <a:schemeClr val="tx1"/>
-                </a:solidFill>
-                <a:latin typeface="Calibri" panose="020F0502020204030204" pitchFamily="34" charset="0"/>
-              </a:defRPr>
-            </a:lvl4pPr>
-            <a:lvl5pPr marL="2057400" indent="-228600">
-              <a:defRPr>
-                <a:solidFill>
-                  <a:schemeClr val="tx1"/>
-                </a:solidFill>
-                <a:latin typeface="Calibri" panose="020F0502020204030204" pitchFamily="34" charset="0"/>
-              </a:defRPr>
-            </a:lvl5pPr>
-            <a:lvl6pPr marL="2514600" indent="-228600" defTabSz="457200" fontAlgn="base">
-              <a:spcBef>
-                <a:spcPct val="0"/>
-              </a:spcBef>
-              <a:spcAft>
-                <a:spcPct val="0"/>
-              </a:spcAft>
-              <a:defRPr>
-                <a:solidFill>
-                  <a:schemeClr val="tx1"/>
-                </a:solidFill>
-                <a:latin typeface="Calibri" panose="020F0502020204030204" pitchFamily="34" charset="0"/>
-              </a:defRPr>
-            </a:lvl6pPr>
-            <a:lvl7pPr marL="2971800" indent="-228600" defTabSz="457200" fontAlgn="base">
-              <a:spcBef>
-                <a:spcPct val="0"/>
-              </a:spcBef>
-              <a:spcAft>
-                <a:spcPct val="0"/>
-              </a:spcAft>
-              <a:defRPr>
-                <a:solidFill>
-                  <a:schemeClr val="tx1"/>
-                </a:solidFill>
-                <a:latin typeface="Calibri" panose="020F0502020204030204" pitchFamily="34" charset="0"/>
-              </a:defRPr>
-            </a:lvl7pPr>
-            <a:lvl8pPr marL="3429000" indent="-228600" defTabSz="457200" fontAlgn="base">
-              <a:spcBef>
-                <a:spcPct val="0"/>
-              </a:spcBef>
-              <a:spcAft>
-                <a:spcPct val="0"/>
-              </a:spcAft>
-              <a:defRPr>
-                <a:solidFill>
-                  <a:schemeClr val="tx1"/>
-                </a:solidFill>
-                <a:latin typeface="Calibri" panose="020F0502020204030204" pitchFamily="34" charset="0"/>
-              </a:defRPr>
-            </a:lvl8pPr>
-            <a:lvl9pPr marL="3886200" indent="-228600" defTabSz="457200" fontAlgn="base">
-              <a:spcBef>
-                <a:spcPct val="0"/>
-              </a:spcBef>
-              <a:spcAft>
-                <a:spcPct val="0"/>
-              </a:spcAft>
-              <a:defRPr>
-                <a:solidFill>
-                  <a:schemeClr val="tx1"/>
-                </a:solidFill>
-                <a:latin typeface="Calibri" panose="020F0502020204030204" pitchFamily="34" charset="0"/>
-              </a:defRPr>
-            </a:lvl9pPr>
-          </a:lstStyle>
-          <a:p>
-            <a:r>
-              <a:rPr lang="pt-PT" sz="1200" dirty="0">
-                <a:latin typeface="Porto Sans Light" panose="00000400000000000000" pitchFamily="50" charset="0"/>
-              </a:rPr>
-              <a:t>João Silva | Olavo Alves | Luís Silva</a:t>
-            </a:r>
-          </a:p>
-          <a:p>
-            <a:pPr eaLnBrk="1" hangingPunct="1"/>
-            <a:endParaRPr lang="pt-PT" altLang="pt-PT" sz="1200" dirty="0">
-              <a:latin typeface="Porto Sans Light" panose="00000400000000000000" pitchFamily="50" charset="0"/>
-            </a:endParaRPr>
-          </a:p>
-        </p:txBody>
-      </p:sp>
-      <p:sp>
-        <p:nvSpPr>
-          <p:cNvPr id="5" name="CaixaDeTexto 2"/>
-          <p:cNvSpPr txBox="1">
-            <a:spLocks noChangeArrowheads="1"/>
-          </p:cNvSpPr>
-          <p:nvPr/>
-        </p:nvSpPr>
-        <p:spPr bwMode="auto">
-          <a:xfrm>
-            <a:off x="462100" y="6309320"/>
-            <a:ext cx="3317812" cy="276999"/>
-          </a:xfrm>
-          <a:prstGeom prst="rect">
-            <a:avLst/>
-          </a:prstGeom>
-          <a:noFill/>
-          <a:ln>
-            <a:noFill/>
-          </a:ln>
-          <a:extLst>
-            <a:ext uri="{909E8E84-426E-40DD-AFC4-6F175D3DCCD1}">
-              <a14:hiddenFill xmlns:a14="http://schemas.microsoft.com/office/drawing/2010/main">
-                <a:solidFill>
-                  <a:srgbClr val="FFFFFF"/>
-                </a:solidFill>
-              </a14:hiddenFill>
-            </a:ext>
-            <a:ext uri="{91240B29-F687-4F45-9708-019B960494DF}">
-              <a14:hiddenLine xmlns:a14="http://schemas.microsoft.com/office/drawing/2010/main" w="9525">
-                <a:solidFill>
-                  <a:srgbClr val="000000"/>
-                </a:solidFill>
-                <a:miter lim="800000"/>
-                <a:headEnd/>
-                <a:tailEnd/>
-              </a14:hiddenLine>
-            </a:ext>
-          </a:extLst>
-        </p:spPr>
-        <p:txBody>
-          <a:bodyPr wrap="square">
-            <a:spAutoFit/>
-          </a:bodyPr>
-          <a:lstStyle>
-            <a:lvl1pPr>
-              <a:defRPr>
-                <a:solidFill>
-                  <a:schemeClr val="tx1"/>
-                </a:solidFill>
-                <a:latin typeface="Calibri" panose="020F0502020204030204" pitchFamily="34" charset="0"/>
-              </a:defRPr>
-            </a:lvl1pPr>
-            <a:lvl2pPr marL="742950" indent="-285750">
-              <a:defRPr>
-                <a:solidFill>
-                  <a:schemeClr val="tx1"/>
-                </a:solidFill>
-                <a:latin typeface="Calibri" panose="020F0502020204030204" pitchFamily="34" charset="0"/>
-              </a:defRPr>
-            </a:lvl2pPr>
-            <a:lvl3pPr marL="1143000" indent="-228600">
-              <a:defRPr>
-                <a:solidFill>
-                  <a:schemeClr val="tx1"/>
-                </a:solidFill>
-                <a:latin typeface="Calibri" panose="020F0502020204030204" pitchFamily="34" charset="0"/>
-              </a:defRPr>
-            </a:lvl3pPr>
-            <a:lvl4pPr marL="1600200" indent="-228600">
-              <a:defRPr>
-                <a:solidFill>
-                  <a:schemeClr val="tx1"/>
-                </a:solidFill>
-                <a:latin typeface="Calibri" panose="020F0502020204030204" pitchFamily="34" charset="0"/>
-              </a:defRPr>
-            </a:lvl4pPr>
-            <a:lvl5pPr marL="2057400" indent="-228600">
-              <a:defRPr>
-                <a:solidFill>
-                  <a:schemeClr val="tx1"/>
-                </a:solidFill>
-                <a:latin typeface="Calibri" panose="020F0502020204030204" pitchFamily="34" charset="0"/>
-              </a:defRPr>
-            </a:lvl5pPr>
-            <a:lvl6pPr marL="2514600" indent="-228600" defTabSz="457200" fontAlgn="base">
-              <a:spcBef>
-                <a:spcPct val="0"/>
-              </a:spcBef>
-              <a:spcAft>
-                <a:spcPct val="0"/>
-              </a:spcAft>
-              <a:defRPr>
-                <a:solidFill>
-                  <a:schemeClr val="tx1"/>
-                </a:solidFill>
-                <a:latin typeface="Calibri" panose="020F0502020204030204" pitchFamily="34" charset="0"/>
-              </a:defRPr>
-            </a:lvl6pPr>
-            <a:lvl7pPr marL="2971800" indent="-228600" defTabSz="457200" fontAlgn="base">
-              <a:spcBef>
-                <a:spcPct val="0"/>
-              </a:spcBef>
-              <a:spcAft>
-                <a:spcPct val="0"/>
-              </a:spcAft>
-              <a:defRPr>
-                <a:solidFill>
-                  <a:schemeClr val="tx1"/>
-                </a:solidFill>
-                <a:latin typeface="Calibri" panose="020F0502020204030204" pitchFamily="34" charset="0"/>
-              </a:defRPr>
-            </a:lvl7pPr>
-            <a:lvl8pPr marL="3429000" indent="-228600" defTabSz="457200" fontAlgn="base">
-              <a:spcBef>
-                <a:spcPct val="0"/>
-              </a:spcBef>
-              <a:spcAft>
-                <a:spcPct val="0"/>
-              </a:spcAft>
-              <a:defRPr>
-                <a:solidFill>
-                  <a:schemeClr val="tx1"/>
-                </a:solidFill>
-                <a:latin typeface="Calibri" panose="020F0502020204030204" pitchFamily="34" charset="0"/>
-              </a:defRPr>
-            </a:lvl8pPr>
-            <a:lvl9pPr marL="3886200" indent="-228600" defTabSz="457200" fontAlgn="base">
-              <a:spcBef>
-                <a:spcPct val="0"/>
-              </a:spcBef>
-              <a:spcAft>
-                <a:spcPct val="0"/>
-              </a:spcAft>
-              <a:defRPr>
-                <a:solidFill>
-                  <a:schemeClr val="tx1"/>
-                </a:solidFill>
-                <a:latin typeface="Calibri" panose="020F0502020204030204" pitchFamily="34" charset="0"/>
-              </a:defRPr>
-            </a:lvl9pPr>
-          </a:lstStyle>
-          <a:p>
-            <a:pPr eaLnBrk="1" hangingPunct="1"/>
-            <a:r>
-              <a:rPr lang="pt-PT" altLang="pt-PT" sz="1200" dirty="0">
-                <a:latin typeface="Porto Sans Light" panose="00000400000000000000" pitchFamily="50" charset="0"/>
-              </a:rPr>
-              <a:t>Óscar Oliveira / Simulação e Otimização (2022/23)</a:t>
-            </a:r>
-          </a:p>
-        </p:txBody>
-      </p:sp>
-    </p:spTree>
-    <p:extLst>
-      <p:ext uri="{BB962C8B-B14F-4D97-AF65-F5344CB8AC3E}">
-        <p14:creationId xmlns:p14="http://schemas.microsoft.com/office/powerpoint/2010/main" val="3990843653"/>
-      </p:ext>
-    </p:extLst>
-  </p:cSld>
-  <p:clrMapOvr>
-    <a:masterClrMapping/>
-  </p:clrMapOvr>
-</p:sld>
-</file>
-
-<file path=ppt/slides/slide3.xml><?xml version="1.0" encoding="utf-8"?>
-<p:sld xmlns:a="http://schemas.openxmlformats.org/drawingml/2006/main" xmlns:r="http://schemas.openxmlformats.org/officeDocument/2006/relationships" xmlns:p="http://schemas.openxmlformats.org/presentationml/2006/main">
-  <p:cSld>
-    <p:spTree>
-      <p:nvGrpSpPr>
-        <p:cNvPr id="1" name=""/>
-        <p:cNvGrpSpPr/>
-        <p:nvPr/>
-      </p:nvGrpSpPr>
-      <p:grpSpPr>
-        <a:xfrm>
-          <a:off x="0" y="0"/>
-          <a:ext cx="0" cy="0"/>
-          <a:chOff x="0" y="0"/>
-          <a:chExt cx="0" cy="0"/>
-        </a:xfrm>
-      </p:grpSpPr>
-      <p:sp>
-        <p:nvSpPr>
-          <p:cNvPr id="2" name="Título 1"/>
-          <p:cNvSpPr>
-            <a:spLocks noGrp="1"/>
-          </p:cNvSpPr>
-          <p:nvPr>
-            <p:ph type="title"/>
-          </p:nvPr>
-        </p:nvSpPr>
-        <p:spPr/>
-        <p:txBody>
-          <a:bodyPr>
-            <a:normAutofit fontScale="90000"/>
-          </a:bodyPr>
-          <a:lstStyle/>
-          <a:p>
-            <a:r>
-              <a:rPr lang="en-US" dirty="0"/>
-              <a:t>The</a:t>
-            </a:r>
-            <a:r>
-              <a:rPr lang="pt-PT" dirty="0"/>
-              <a:t> SSCFLP</a:t>
-            </a:r>
-          </a:p>
-        </p:txBody>
-      </p:sp>
-      <p:sp>
-        <p:nvSpPr>
-          <p:cNvPr id="3" name="Marcador de Posição de Conteúdo 2"/>
-          <p:cNvSpPr>
-            <a:spLocks noGrp="1"/>
-          </p:cNvSpPr>
-          <p:nvPr>
-            <p:ph idx="1"/>
-          </p:nvPr>
-        </p:nvSpPr>
-        <p:spPr/>
-        <p:txBody>
-          <a:bodyPr>
-            <a:normAutofit/>
-          </a:bodyPr>
-          <a:lstStyle/>
-          <a:p>
-            <a:r>
-              <a:rPr lang="pt-PT" dirty="0"/>
-              <a:t>T</a:t>
-            </a:r>
-            <a:r>
-              <a:rPr lang="en-GB" dirty="0"/>
-              <a:t>he SSCFLP is a problem where the goal is to minimize the total cost of opening and assigning customers to facilities from a set of potential locations and a set of customers, while determining which facilities should be opened and which customers should be assigned to each facility.</a:t>
-            </a:r>
-            <a:endParaRPr lang="pt-PT" dirty="0"/>
-          </a:p>
-        </p:txBody>
-      </p:sp>
-      <p:sp>
-        <p:nvSpPr>
-          <p:cNvPr id="4" name="CaixaDeTexto 1"/>
-          <p:cNvSpPr txBox="1">
-            <a:spLocks noChangeArrowheads="1"/>
-          </p:cNvSpPr>
-          <p:nvPr/>
-        </p:nvSpPr>
-        <p:spPr bwMode="auto">
-          <a:xfrm>
-            <a:off x="6228184" y="6309320"/>
-            <a:ext cx="2387228" cy="461665"/>
-          </a:xfrm>
-          <a:prstGeom prst="rect">
-            <a:avLst/>
-          </a:prstGeom>
-          <a:noFill/>
-          <a:ln>
-            <a:noFill/>
-          </a:ln>
-          <a:extLst>
-            <a:ext uri="{909E8E84-426E-40DD-AFC4-6F175D3DCCD1}">
-              <a14:hiddenFill xmlns:a14="http://schemas.microsoft.com/office/drawing/2010/main">
-                <a:solidFill>
-                  <a:srgbClr val="FFFFFF"/>
-                </a:solidFill>
-              </a14:hiddenFill>
-            </a:ext>
-            <a:ext uri="{91240B29-F687-4F45-9708-019B960494DF}">
-              <a14:hiddenLine xmlns:a14="http://schemas.microsoft.com/office/drawing/2010/main" w="9525">
-                <a:solidFill>
-                  <a:srgbClr val="000000"/>
-                </a:solidFill>
-                <a:miter lim="800000"/>
-                <a:headEnd/>
-                <a:tailEnd/>
-              </a14:hiddenLine>
-            </a:ext>
-          </a:extLst>
-        </p:spPr>
-        <p:txBody>
-          <a:bodyPr wrap="square">
-            <a:spAutoFit/>
-          </a:bodyPr>
-          <a:lstStyle>
-            <a:lvl1pPr>
-              <a:defRPr>
-                <a:solidFill>
-                  <a:schemeClr val="tx1"/>
-                </a:solidFill>
-                <a:latin typeface="Calibri" panose="020F0502020204030204" pitchFamily="34" charset="0"/>
-              </a:defRPr>
-            </a:lvl1pPr>
-            <a:lvl2pPr marL="742950" indent="-285750">
-              <a:defRPr>
-                <a:solidFill>
-                  <a:schemeClr val="tx1"/>
-                </a:solidFill>
-                <a:latin typeface="Calibri" panose="020F0502020204030204" pitchFamily="34" charset="0"/>
-              </a:defRPr>
-            </a:lvl2pPr>
-            <a:lvl3pPr marL="1143000" indent="-228600">
-              <a:defRPr>
-                <a:solidFill>
-                  <a:schemeClr val="tx1"/>
-                </a:solidFill>
-                <a:latin typeface="Calibri" panose="020F0502020204030204" pitchFamily="34" charset="0"/>
-              </a:defRPr>
-            </a:lvl3pPr>
-            <a:lvl4pPr marL="1600200" indent="-228600">
-              <a:defRPr>
-                <a:solidFill>
-                  <a:schemeClr val="tx1"/>
-                </a:solidFill>
-                <a:latin typeface="Calibri" panose="020F0502020204030204" pitchFamily="34" charset="0"/>
-              </a:defRPr>
-            </a:lvl4pPr>
-            <a:lvl5pPr marL="2057400" indent="-228600">
-              <a:defRPr>
-                <a:solidFill>
-                  <a:schemeClr val="tx1"/>
-                </a:solidFill>
-                <a:latin typeface="Calibri" panose="020F0502020204030204" pitchFamily="34" charset="0"/>
-              </a:defRPr>
-            </a:lvl5pPr>
-            <a:lvl6pPr marL="2514600" indent="-228600" defTabSz="457200" fontAlgn="base">
-              <a:spcBef>
-                <a:spcPct val="0"/>
-              </a:spcBef>
-              <a:spcAft>
-                <a:spcPct val="0"/>
-              </a:spcAft>
-              <a:defRPr>
-                <a:solidFill>
-                  <a:schemeClr val="tx1"/>
-                </a:solidFill>
-                <a:latin typeface="Calibri" panose="020F0502020204030204" pitchFamily="34" charset="0"/>
-              </a:defRPr>
-            </a:lvl6pPr>
-            <a:lvl7pPr marL="2971800" indent="-228600" defTabSz="457200" fontAlgn="base">
-              <a:spcBef>
-                <a:spcPct val="0"/>
-              </a:spcBef>
-              <a:spcAft>
-                <a:spcPct val="0"/>
-              </a:spcAft>
-              <a:defRPr>
-                <a:solidFill>
-                  <a:schemeClr val="tx1"/>
-                </a:solidFill>
-                <a:latin typeface="Calibri" panose="020F0502020204030204" pitchFamily="34" charset="0"/>
-              </a:defRPr>
-            </a:lvl7pPr>
-            <a:lvl8pPr marL="3429000" indent="-228600" defTabSz="457200" fontAlgn="base">
-              <a:spcBef>
-                <a:spcPct val="0"/>
-              </a:spcBef>
-              <a:spcAft>
-                <a:spcPct val="0"/>
-              </a:spcAft>
-              <a:defRPr>
-                <a:solidFill>
-                  <a:schemeClr val="tx1"/>
-                </a:solidFill>
-                <a:latin typeface="Calibri" panose="020F0502020204030204" pitchFamily="34" charset="0"/>
-              </a:defRPr>
-            </a:lvl8pPr>
-            <a:lvl9pPr marL="3886200" indent="-228600" defTabSz="457200" fontAlgn="base">
-              <a:spcBef>
-                <a:spcPct val="0"/>
-              </a:spcBef>
-              <a:spcAft>
-                <a:spcPct val="0"/>
-              </a:spcAft>
-              <a:defRPr>
-                <a:solidFill>
-                  <a:schemeClr val="tx1"/>
-                </a:solidFill>
-                <a:latin typeface="Calibri" panose="020F0502020204030204" pitchFamily="34" charset="0"/>
-              </a:defRPr>
-            </a:lvl9pPr>
-          </a:lstStyle>
-          <a:p>
-            <a:r>
-              <a:rPr lang="pt-PT" sz="1200" dirty="0">
-                <a:latin typeface="Porto Sans Light" panose="00000400000000000000" pitchFamily="50" charset="0"/>
-              </a:rPr>
-              <a:t>João Silva | Olavo Alves | Luís Silva</a:t>
-            </a:r>
-          </a:p>
-          <a:p>
-            <a:pPr eaLnBrk="1" hangingPunct="1"/>
-            <a:endParaRPr lang="pt-PT" altLang="pt-PT" sz="1200" dirty="0">
-              <a:latin typeface="Porto Sans Light" panose="00000400000000000000" pitchFamily="50" charset="0"/>
-            </a:endParaRPr>
-          </a:p>
-        </p:txBody>
-      </p:sp>
-      <p:sp>
-        <p:nvSpPr>
-          <p:cNvPr id="5" name="CaixaDeTexto 2"/>
-          <p:cNvSpPr txBox="1">
-            <a:spLocks noChangeArrowheads="1"/>
-          </p:cNvSpPr>
-          <p:nvPr/>
-        </p:nvSpPr>
-        <p:spPr bwMode="auto">
-          <a:xfrm>
-            <a:off x="462100" y="6309320"/>
-            <a:ext cx="3317812" cy="276999"/>
-          </a:xfrm>
-          <a:prstGeom prst="rect">
-            <a:avLst/>
-          </a:prstGeom>
-          <a:noFill/>
-          <a:ln>
-            <a:noFill/>
-          </a:ln>
-          <a:extLst>
-            <a:ext uri="{909E8E84-426E-40DD-AFC4-6F175D3DCCD1}">
-              <a14:hiddenFill xmlns:a14="http://schemas.microsoft.com/office/drawing/2010/main">
-                <a:solidFill>
-                  <a:srgbClr val="FFFFFF"/>
-                </a:solidFill>
-              </a14:hiddenFill>
-            </a:ext>
-            <a:ext uri="{91240B29-F687-4F45-9708-019B960494DF}">
-              <a14:hiddenLine xmlns:a14="http://schemas.microsoft.com/office/drawing/2010/main" w="9525">
-                <a:solidFill>
-                  <a:srgbClr val="000000"/>
-                </a:solidFill>
-                <a:miter lim="800000"/>
-                <a:headEnd/>
-                <a:tailEnd/>
-              </a14:hiddenLine>
-            </a:ext>
-          </a:extLst>
-        </p:spPr>
-        <p:txBody>
-          <a:bodyPr wrap="square">
-            <a:spAutoFit/>
-          </a:bodyPr>
-          <a:lstStyle>
-            <a:lvl1pPr>
-              <a:defRPr>
-                <a:solidFill>
-                  <a:schemeClr val="tx1"/>
-                </a:solidFill>
-                <a:latin typeface="Calibri" panose="020F0502020204030204" pitchFamily="34" charset="0"/>
-              </a:defRPr>
-            </a:lvl1pPr>
-            <a:lvl2pPr marL="742950" indent="-285750">
-              <a:defRPr>
-                <a:solidFill>
-                  <a:schemeClr val="tx1"/>
-                </a:solidFill>
-                <a:latin typeface="Calibri" panose="020F0502020204030204" pitchFamily="34" charset="0"/>
-              </a:defRPr>
-            </a:lvl2pPr>
-            <a:lvl3pPr marL="1143000" indent="-228600">
-              <a:defRPr>
-                <a:solidFill>
-                  <a:schemeClr val="tx1"/>
-                </a:solidFill>
-                <a:latin typeface="Calibri" panose="020F0502020204030204" pitchFamily="34" charset="0"/>
-              </a:defRPr>
-            </a:lvl3pPr>
-            <a:lvl4pPr marL="1600200" indent="-228600">
-              <a:defRPr>
-                <a:solidFill>
-                  <a:schemeClr val="tx1"/>
-                </a:solidFill>
-                <a:latin typeface="Calibri" panose="020F0502020204030204" pitchFamily="34" charset="0"/>
-              </a:defRPr>
-            </a:lvl4pPr>
-            <a:lvl5pPr marL="2057400" indent="-228600">
-              <a:defRPr>
-                <a:solidFill>
-                  <a:schemeClr val="tx1"/>
-                </a:solidFill>
-                <a:latin typeface="Calibri" panose="020F0502020204030204" pitchFamily="34" charset="0"/>
-              </a:defRPr>
-            </a:lvl5pPr>
-            <a:lvl6pPr marL="2514600" indent="-228600" defTabSz="457200" fontAlgn="base">
-              <a:spcBef>
-                <a:spcPct val="0"/>
-              </a:spcBef>
-              <a:spcAft>
-                <a:spcPct val="0"/>
-              </a:spcAft>
-              <a:defRPr>
-                <a:solidFill>
-                  <a:schemeClr val="tx1"/>
-                </a:solidFill>
-                <a:latin typeface="Calibri" panose="020F0502020204030204" pitchFamily="34" charset="0"/>
-              </a:defRPr>
-            </a:lvl6pPr>
-            <a:lvl7pPr marL="2971800" indent="-228600" defTabSz="457200" fontAlgn="base">
-              <a:spcBef>
-                <a:spcPct val="0"/>
-              </a:spcBef>
-              <a:spcAft>
-                <a:spcPct val="0"/>
-              </a:spcAft>
-              <a:defRPr>
-                <a:solidFill>
-                  <a:schemeClr val="tx1"/>
-                </a:solidFill>
-                <a:latin typeface="Calibri" panose="020F0502020204030204" pitchFamily="34" charset="0"/>
-              </a:defRPr>
-            </a:lvl7pPr>
-            <a:lvl8pPr marL="3429000" indent="-228600" defTabSz="457200" fontAlgn="base">
-              <a:spcBef>
-                <a:spcPct val="0"/>
-              </a:spcBef>
-              <a:spcAft>
-                <a:spcPct val="0"/>
-              </a:spcAft>
-              <a:defRPr>
-                <a:solidFill>
-                  <a:schemeClr val="tx1"/>
-                </a:solidFill>
-                <a:latin typeface="Calibri" panose="020F0502020204030204" pitchFamily="34" charset="0"/>
-              </a:defRPr>
-            </a:lvl8pPr>
-            <a:lvl9pPr marL="3886200" indent="-228600" defTabSz="457200" fontAlgn="base">
-              <a:spcBef>
-                <a:spcPct val="0"/>
-              </a:spcBef>
-              <a:spcAft>
-                <a:spcPct val="0"/>
-              </a:spcAft>
-              <a:defRPr>
-                <a:solidFill>
-                  <a:schemeClr val="tx1"/>
-                </a:solidFill>
-                <a:latin typeface="Calibri" panose="020F0502020204030204" pitchFamily="34" charset="0"/>
-              </a:defRPr>
-            </a:lvl9pPr>
-          </a:lstStyle>
-          <a:p>
-            <a:pPr eaLnBrk="1" hangingPunct="1"/>
-            <a:r>
-              <a:rPr lang="pt-PT" altLang="pt-PT" sz="1200" dirty="0">
-                <a:latin typeface="Porto Sans Light" panose="00000400000000000000" pitchFamily="50" charset="0"/>
-              </a:rPr>
-              <a:t>Óscar Oliveira / Simulação e Otimização (2022/23)</a:t>
-            </a:r>
-          </a:p>
-        </p:txBody>
-      </p:sp>
-    </p:spTree>
-    <p:extLst>
-      <p:ext uri="{BB962C8B-B14F-4D97-AF65-F5344CB8AC3E}">
-        <p14:creationId xmlns:p14="http://schemas.microsoft.com/office/powerpoint/2010/main" val="1765661296"/>
-      </p:ext>
-    </p:extLst>
-  </p:cSld>
-  <p:clrMapOvr>
-    <a:masterClrMapping/>
-  </p:clrMapOvr>
-</p:sld>
-</file>
-
-<file path=ppt/slides/slide4.xml><?xml version="1.0" encoding="utf-8"?>
-<p:sld xmlns:a="http://schemas.openxmlformats.org/drawingml/2006/main" xmlns:r="http://schemas.openxmlformats.org/officeDocument/2006/relationships" xmlns:p="http://schemas.openxmlformats.org/presentationml/2006/main">
-  <p:cSld>
-    <p:spTree>
-      <p:nvGrpSpPr>
-        <p:cNvPr id="1" name=""/>
-        <p:cNvGrpSpPr/>
-        <p:nvPr/>
-      </p:nvGrpSpPr>
-      <p:grpSpPr>
-        <a:xfrm>
-          <a:off x="0" y="0"/>
-          <a:ext cx="0" cy="0"/>
-          <a:chOff x="0" y="0"/>
-          <a:chExt cx="0" cy="0"/>
-        </a:xfrm>
-      </p:grpSpPr>
-      <p:sp>
-        <p:nvSpPr>
-          <p:cNvPr id="2" name="Título 1"/>
-          <p:cNvSpPr>
-            <a:spLocks noGrp="1"/>
-          </p:cNvSpPr>
-          <p:nvPr>
-            <p:ph type="title"/>
-          </p:nvPr>
-        </p:nvSpPr>
-        <p:spPr/>
-        <p:txBody>
-          <a:bodyPr>
-            <a:normAutofit fontScale="90000"/>
-          </a:bodyPr>
-          <a:lstStyle/>
-          <a:p>
-            <a:r>
-              <a:rPr lang="en-US" dirty="0"/>
-              <a:t>Approaches from literature</a:t>
-            </a:r>
-          </a:p>
-        </p:txBody>
-      </p:sp>
-      <p:sp>
-        <p:nvSpPr>
-          <p:cNvPr id="3" name="Marcador de Posição de Conteúdo 2"/>
-          <p:cNvSpPr>
-            <a:spLocks noGrp="1"/>
-          </p:cNvSpPr>
-          <p:nvPr>
-            <p:ph idx="1"/>
-          </p:nvPr>
-        </p:nvSpPr>
-        <p:spPr/>
-        <p:txBody>
-          <a:bodyPr/>
-          <a:lstStyle/>
-          <a:p>
-            <a:r>
-              <a:rPr lang="en-US" dirty="0"/>
-              <a:t>Repeated Matching Algorithm (</a:t>
-            </a:r>
-            <a:r>
-              <a:rPr lang="en-US" dirty="0" err="1"/>
-              <a:t>Rönnqvist</a:t>
-            </a:r>
-            <a:r>
-              <a:rPr lang="en-US" dirty="0"/>
-              <a:t>, M.)</a:t>
-            </a:r>
-          </a:p>
-          <a:p>
-            <a:r>
-              <a:rPr lang="en-US" dirty="0"/>
-              <a:t>Kernel Search (</a:t>
-            </a:r>
-            <a:r>
-              <a:rPr lang="en-US" dirty="0" err="1"/>
-              <a:t>Guastaroba</a:t>
-            </a:r>
-            <a:r>
-              <a:rPr lang="en-US" dirty="0"/>
-              <a:t>, G.)</a:t>
-            </a:r>
-          </a:p>
-          <a:p>
-            <a:r>
-              <a:rPr lang="en-US" dirty="0"/>
-              <a:t>Corridor Method (Caserta, M.)</a:t>
-            </a:r>
-          </a:p>
-          <a:p>
-            <a:r>
-              <a:rPr lang="en-US" dirty="0"/>
-              <a:t>Dual RAMP (Oliveira, Ó)</a:t>
-            </a:r>
-          </a:p>
-          <a:p>
-            <a:r>
-              <a:rPr lang="en-US" dirty="0"/>
-              <a:t>Ant Colony Optimization (</a:t>
-            </a:r>
-            <a:r>
-              <a:rPr lang="en-US" dirty="0" err="1"/>
-              <a:t>Kumweang</a:t>
-            </a:r>
-            <a:r>
-              <a:rPr lang="en-US" dirty="0"/>
-              <a:t>, K.)</a:t>
-            </a:r>
-          </a:p>
-        </p:txBody>
-      </p:sp>
-      <p:sp>
-        <p:nvSpPr>
-          <p:cNvPr id="4" name="CaixaDeTexto 1"/>
-          <p:cNvSpPr txBox="1">
-            <a:spLocks noChangeArrowheads="1"/>
-          </p:cNvSpPr>
-          <p:nvPr/>
-        </p:nvSpPr>
-        <p:spPr bwMode="auto">
-          <a:xfrm>
-            <a:off x="6228184" y="6309320"/>
-            <a:ext cx="2387228" cy="461665"/>
-          </a:xfrm>
-          <a:prstGeom prst="rect">
-            <a:avLst/>
-          </a:prstGeom>
-          <a:noFill/>
-          <a:ln>
-            <a:noFill/>
-          </a:ln>
-          <a:extLst>
-            <a:ext uri="{909E8E84-426E-40DD-AFC4-6F175D3DCCD1}">
-              <a14:hiddenFill xmlns:a14="http://schemas.microsoft.com/office/drawing/2010/main">
-                <a:solidFill>
-                  <a:srgbClr val="FFFFFF"/>
-                </a:solidFill>
-              </a14:hiddenFill>
-            </a:ext>
-            <a:ext uri="{91240B29-F687-4F45-9708-019B960494DF}">
-              <a14:hiddenLine xmlns:a14="http://schemas.microsoft.com/office/drawing/2010/main" w="9525">
-                <a:solidFill>
-                  <a:srgbClr val="000000"/>
-                </a:solidFill>
-                <a:miter lim="800000"/>
-                <a:headEnd/>
-                <a:tailEnd/>
-              </a14:hiddenLine>
-            </a:ext>
-          </a:extLst>
-        </p:spPr>
-        <p:txBody>
-          <a:bodyPr wrap="square">
-            <a:spAutoFit/>
-          </a:bodyPr>
-          <a:lstStyle>
-            <a:lvl1pPr>
-              <a:defRPr>
-                <a:solidFill>
-                  <a:schemeClr val="tx1"/>
-                </a:solidFill>
-                <a:latin typeface="Calibri" panose="020F0502020204030204" pitchFamily="34" charset="0"/>
-              </a:defRPr>
-            </a:lvl1pPr>
-            <a:lvl2pPr marL="742950" indent="-285750">
-              <a:defRPr>
-                <a:solidFill>
-                  <a:schemeClr val="tx1"/>
-                </a:solidFill>
-                <a:latin typeface="Calibri" panose="020F0502020204030204" pitchFamily="34" charset="0"/>
-              </a:defRPr>
-            </a:lvl2pPr>
-            <a:lvl3pPr marL="1143000" indent="-228600">
-              <a:defRPr>
-                <a:solidFill>
-                  <a:schemeClr val="tx1"/>
-                </a:solidFill>
-                <a:latin typeface="Calibri" panose="020F0502020204030204" pitchFamily="34" charset="0"/>
-              </a:defRPr>
-            </a:lvl3pPr>
-            <a:lvl4pPr marL="1600200" indent="-228600">
-              <a:defRPr>
-                <a:solidFill>
-                  <a:schemeClr val="tx1"/>
-                </a:solidFill>
-                <a:latin typeface="Calibri" panose="020F0502020204030204" pitchFamily="34" charset="0"/>
-              </a:defRPr>
-            </a:lvl4pPr>
-            <a:lvl5pPr marL="2057400" indent="-228600">
-              <a:defRPr>
-                <a:solidFill>
-                  <a:schemeClr val="tx1"/>
-                </a:solidFill>
-                <a:latin typeface="Calibri" panose="020F0502020204030204" pitchFamily="34" charset="0"/>
-              </a:defRPr>
-            </a:lvl5pPr>
-            <a:lvl6pPr marL="2514600" indent="-228600" defTabSz="457200" fontAlgn="base">
-              <a:spcBef>
-                <a:spcPct val="0"/>
-              </a:spcBef>
-              <a:spcAft>
-                <a:spcPct val="0"/>
-              </a:spcAft>
-              <a:defRPr>
-                <a:solidFill>
-                  <a:schemeClr val="tx1"/>
-                </a:solidFill>
-                <a:latin typeface="Calibri" panose="020F0502020204030204" pitchFamily="34" charset="0"/>
-              </a:defRPr>
-            </a:lvl6pPr>
-            <a:lvl7pPr marL="2971800" indent="-228600" defTabSz="457200" fontAlgn="base">
-              <a:spcBef>
-                <a:spcPct val="0"/>
-              </a:spcBef>
-              <a:spcAft>
-                <a:spcPct val="0"/>
-              </a:spcAft>
-              <a:defRPr>
-                <a:solidFill>
-                  <a:schemeClr val="tx1"/>
-                </a:solidFill>
-                <a:latin typeface="Calibri" panose="020F0502020204030204" pitchFamily="34" charset="0"/>
-              </a:defRPr>
-            </a:lvl7pPr>
-            <a:lvl8pPr marL="3429000" indent="-228600" defTabSz="457200" fontAlgn="base">
-              <a:spcBef>
-                <a:spcPct val="0"/>
-              </a:spcBef>
-              <a:spcAft>
-                <a:spcPct val="0"/>
-              </a:spcAft>
-              <a:defRPr>
-                <a:solidFill>
-                  <a:schemeClr val="tx1"/>
-                </a:solidFill>
-                <a:latin typeface="Calibri" panose="020F0502020204030204" pitchFamily="34" charset="0"/>
-              </a:defRPr>
-            </a:lvl8pPr>
-            <a:lvl9pPr marL="3886200" indent="-228600" defTabSz="457200" fontAlgn="base">
-              <a:spcBef>
-                <a:spcPct val="0"/>
-              </a:spcBef>
-              <a:spcAft>
-                <a:spcPct val="0"/>
-              </a:spcAft>
-              <a:defRPr>
-                <a:solidFill>
-                  <a:schemeClr val="tx1"/>
-                </a:solidFill>
-                <a:latin typeface="Calibri" panose="020F0502020204030204" pitchFamily="34" charset="0"/>
-              </a:defRPr>
-            </a:lvl9pPr>
-          </a:lstStyle>
-          <a:p>
-            <a:r>
-              <a:rPr lang="pt-PT" sz="1200" dirty="0">
-                <a:latin typeface="Porto Sans Light" panose="00000400000000000000" pitchFamily="50" charset="0"/>
-              </a:rPr>
-              <a:t>João Silva | Olavo Alves | Luís Silva</a:t>
-            </a:r>
-          </a:p>
-          <a:p>
-            <a:pPr eaLnBrk="1" hangingPunct="1"/>
-            <a:endParaRPr lang="pt-PT" altLang="pt-PT" sz="1200" dirty="0">
-              <a:latin typeface="Porto Sans Light" panose="00000400000000000000" pitchFamily="50" charset="0"/>
-            </a:endParaRPr>
-          </a:p>
-        </p:txBody>
-      </p:sp>
-      <p:sp>
-        <p:nvSpPr>
-          <p:cNvPr id="5" name="CaixaDeTexto 2"/>
-          <p:cNvSpPr txBox="1">
-            <a:spLocks noChangeArrowheads="1"/>
-          </p:cNvSpPr>
-          <p:nvPr/>
-        </p:nvSpPr>
-        <p:spPr bwMode="auto">
-          <a:xfrm>
-            <a:off x="462100" y="6309320"/>
-            <a:ext cx="3317812" cy="276999"/>
-          </a:xfrm>
-          <a:prstGeom prst="rect">
-            <a:avLst/>
-          </a:prstGeom>
-          <a:noFill/>
-          <a:ln>
-            <a:noFill/>
-          </a:ln>
-          <a:extLst>
-            <a:ext uri="{909E8E84-426E-40DD-AFC4-6F175D3DCCD1}">
-              <a14:hiddenFill xmlns:a14="http://schemas.microsoft.com/office/drawing/2010/main">
-                <a:solidFill>
-                  <a:srgbClr val="FFFFFF"/>
-                </a:solidFill>
-              </a14:hiddenFill>
-            </a:ext>
-            <a:ext uri="{91240B29-F687-4F45-9708-019B960494DF}">
-              <a14:hiddenLine xmlns:a14="http://schemas.microsoft.com/office/drawing/2010/main" w="9525">
-                <a:solidFill>
-                  <a:srgbClr val="000000"/>
-                </a:solidFill>
-                <a:miter lim="800000"/>
-                <a:headEnd/>
-                <a:tailEnd/>
-              </a14:hiddenLine>
-            </a:ext>
-          </a:extLst>
-        </p:spPr>
-        <p:txBody>
-          <a:bodyPr wrap="square">
-            <a:spAutoFit/>
-          </a:bodyPr>
-          <a:lstStyle>
-            <a:lvl1pPr>
-              <a:defRPr>
-                <a:solidFill>
-                  <a:schemeClr val="tx1"/>
-                </a:solidFill>
-                <a:latin typeface="Calibri" panose="020F0502020204030204" pitchFamily="34" charset="0"/>
-              </a:defRPr>
-            </a:lvl1pPr>
-            <a:lvl2pPr marL="742950" indent="-285750">
-              <a:defRPr>
-                <a:solidFill>
-                  <a:schemeClr val="tx1"/>
-                </a:solidFill>
-                <a:latin typeface="Calibri" panose="020F0502020204030204" pitchFamily="34" charset="0"/>
-              </a:defRPr>
-            </a:lvl2pPr>
-            <a:lvl3pPr marL="1143000" indent="-228600">
-              <a:defRPr>
-                <a:solidFill>
-                  <a:schemeClr val="tx1"/>
-                </a:solidFill>
-                <a:latin typeface="Calibri" panose="020F0502020204030204" pitchFamily="34" charset="0"/>
-              </a:defRPr>
-            </a:lvl3pPr>
-            <a:lvl4pPr marL="1600200" indent="-228600">
-              <a:defRPr>
-                <a:solidFill>
-                  <a:schemeClr val="tx1"/>
-                </a:solidFill>
-                <a:latin typeface="Calibri" panose="020F0502020204030204" pitchFamily="34" charset="0"/>
-              </a:defRPr>
-            </a:lvl4pPr>
-            <a:lvl5pPr marL="2057400" indent="-228600">
-              <a:defRPr>
-                <a:solidFill>
-                  <a:schemeClr val="tx1"/>
-                </a:solidFill>
-                <a:latin typeface="Calibri" panose="020F0502020204030204" pitchFamily="34" charset="0"/>
-              </a:defRPr>
-            </a:lvl5pPr>
-            <a:lvl6pPr marL="2514600" indent="-228600" defTabSz="457200" fontAlgn="base">
-              <a:spcBef>
-                <a:spcPct val="0"/>
-              </a:spcBef>
-              <a:spcAft>
-                <a:spcPct val="0"/>
-              </a:spcAft>
-              <a:defRPr>
-                <a:solidFill>
-                  <a:schemeClr val="tx1"/>
-                </a:solidFill>
-                <a:latin typeface="Calibri" panose="020F0502020204030204" pitchFamily="34" charset="0"/>
-              </a:defRPr>
-            </a:lvl6pPr>
-            <a:lvl7pPr marL="2971800" indent="-228600" defTabSz="457200" fontAlgn="base">
-              <a:spcBef>
-                <a:spcPct val="0"/>
-              </a:spcBef>
-              <a:spcAft>
-                <a:spcPct val="0"/>
-              </a:spcAft>
-              <a:defRPr>
-                <a:solidFill>
-                  <a:schemeClr val="tx1"/>
-                </a:solidFill>
-                <a:latin typeface="Calibri" panose="020F0502020204030204" pitchFamily="34" charset="0"/>
-              </a:defRPr>
-            </a:lvl7pPr>
-            <a:lvl8pPr marL="3429000" indent="-228600" defTabSz="457200" fontAlgn="base">
-              <a:spcBef>
-                <a:spcPct val="0"/>
-              </a:spcBef>
-              <a:spcAft>
-                <a:spcPct val="0"/>
-              </a:spcAft>
-              <a:defRPr>
-                <a:solidFill>
-                  <a:schemeClr val="tx1"/>
-                </a:solidFill>
-                <a:latin typeface="Calibri" panose="020F0502020204030204" pitchFamily="34" charset="0"/>
-              </a:defRPr>
-            </a:lvl8pPr>
-            <a:lvl9pPr marL="3886200" indent="-228600" defTabSz="457200" fontAlgn="base">
-              <a:spcBef>
-                <a:spcPct val="0"/>
-              </a:spcBef>
-              <a:spcAft>
-                <a:spcPct val="0"/>
-              </a:spcAft>
-              <a:defRPr>
-                <a:solidFill>
-                  <a:schemeClr val="tx1"/>
-                </a:solidFill>
-                <a:latin typeface="Calibri" panose="020F0502020204030204" pitchFamily="34" charset="0"/>
-              </a:defRPr>
-            </a:lvl9pPr>
-          </a:lstStyle>
-          <a:p>
-            <a:pPr eaLnBrk="1" hangingPunct="1"/>
-            <a:r>
-              <a:rPr lang="pt-PT" altLang="pt-PT" sz="1200" dirty="0">
-                <a:latin typeface="Porto Sans Light" panose="00000400000000000000" pitchFamily="50" charset="0"/>
-              </a:rPr>
-              <a:t>Óscar Oliveira / Simulação e Otimização (2022/23)</a:t>
-            </a:r>
-          </a:p>
-        </p:txBody>
-      </p:sp>
-    </p:spTree>
-    <p:extLst>
-      <p:ext uri="{BB962C8B-B14F-4D97-AF65-F5344CB8AC3E}">
-        <p14:creationId xmlns:p14="http://schemas.microsoft.com/office/powerpoint/2010/main" val="1196561525"/>
-      </p:ext>
-    </p:extLst>
-  </p:cSld>
-  <p:clrMapOvr>
-    <a:masterClrMapping/>
-  </p:clrMapOvr>
-</p:sld>
-</file>
-
-<file path=ppt/slides/slide5.xml><?xml version="1.0" encoding="utf-8"?>
-<p:sld xmlns:a="http://schemas.openxmlformats.org/drawingml/2006/main" xmlns:r="http://schemas.openxmlformats.org/officeDocument/2006/relationships" xmlns:p="http://schemas.openxmlformats.org/presentationml/2006/main">
-  <p:cSld>
-    <p:spTree>
-      <p:nvGrpSpPr>
-        <p:cNvPr id="1" name=""/>
-        <p:cNvGrpSpPr/>
-        <p:nvPr/>
-      </p:nvGrpSpPr>
-      <p:grpSpPr>
-        <a:xfrm>
-          <a:off x="0" y="0"/>
-          <a:ext cx="0" cy="0"/>
-          <a:chOff x="0" y="0"/>
-          <a:chExt cx="0" cy="0"/>
-        </a:xfrm>
-      </p:grpSpPr>
-      <p:sp>
-        <p:nvSpPr>
-          <p:cNvPr id="2" name="Título 1"/>
-          <p:cNvSpPr>
-            <a:spLocks noGrp="1"/>
-          </p:cNvSpPr>
-          <p:nvPr>
-            <p:ph type="title"/>
-          </p:nvPr>
-        </p:nvSpPr>
-        <p:spPr/>
-        <p:txBody>
-          <a:bodyPr>
-            <a:normAutofit fontScale="90000"/>
-          </a:bodyPr>
-          <a:lstStyle/>
-          <a:p>
-            <a:r>
-              <a:rPr lang="en-US" dirty="0"/>
-              <a:t>Our</a:t>
-            </a:r>
-            <a:r>
-              <a:rPr lang="pt-PT" dirty="0"/>
-              <a:t> </a:t>
-            </a:r>
-            <a:r>
-              <a:rPr lang="en-US" dirty="0"/>
-              <a:t>approach</a:t>
-            </a:r>
-          </a:p>
-        </p:txBody>
-      </p:sp>
-      <p:sp>
-        <p:nvSpPr>
-          <p:cNvPr id="3" name="Marcador de Posição de Conteúdo 2"/>
-          <p:cNvSpPr>
-            <a:spLocks noGrp="1"/>
-          </p:cNvSpPr>
-          <p:nvPr>
-            <p:ph idx="1"/>
-          </p:nvPr>
-        </p:nvSpPr>
-        <p:spPr/>
-        <p:txBody>
-          <a:bodyPr>
-            <a:normAutofit/>
-          </a:bodyPr>
-          <a:lstStyle/>
-          <a:p>
-            <a:r>
-              <a:rPr lang="en-US" dirty="0"/>
-              <a:t>We decided to approach this problem using an exact method algorithm.</a:t>
-            </a:r>
-          </a:p>
-          <a:p>
-            <a:r>
-              <a:rPr lang="en-US" dirty="0"/>
-              <a:t>In order to reproduce the equations, we used the OR-Tools Library in Python.</a:t>
-            </a:r>
-          </a:p>
-          <a:p>
-            <a:r>
-              <a:rPr lang="en-US" dirty="0"/>
-              <a:t>The solver was used in 5 instances of datasets (</a:t>
-            </a:r>
-            <a:r>
-              <a:rPr lang="en-US" dirty="0" err="1"/>
-              <a:t>Delmaire</a:t>
-            </a:r>
-            <a:r>
-              <a:rPr lang="en-US" dirty="0"/>
-              <a:t>, Holmberg, OR-library, Yang, TBED1). </a:t>
-            </a:r>
-          </a:p>
-          <a:p>
-            <a:endParaRPr lang="en-US" dirty="0"/>
-          </a:p>
-        </p:txBody>
-      </p:sp>
-      <p:sp>
-        <p:nvSpPr>
-          <p:cNvPr id="4" name="CaixaDeTexto 1"/>
-          <p:cNvSpPr txBox="1">
-            <a:spLocks noChangeArrowheads="1"/>
-          </p:cNvSpPr>
-          <p:nvPr/>
-        </p:nvSpPr>
-        <p:spPr bwMode="auto">
-          <a:xfrm>
-            <a:off x="6228184" y="6309320"/>
-            <a:ext cx="2387228" cy="461665"/>
-          </a:xfrm>
-          <a:prstGeom prst="rect">
-            <a:avLst/>
-          </a:prstGeom>
-          <a:noFill/>
-          <a:ln>
-            <a:noFill/>
-          </a:ln>
-          <a:extLst>
-            <a:ext uri="{909E8E84-426E-40DD-AFC4-6F175D3DCCD1}">
-              <a14:hiddenFill xmlns:a14="http://schemas.microsoft.com/office/drawing/2010/main">
-                <a:solidFill>
-                  <a:srgbClr val="FFFFFF"/>
-                </a:solidFill>
-              </a14:hiddenFill>
-            </a:ext>
-            <a:ext uri="{91240B29-F687-4F45-9708-019B960494DF}">
-              <a14:hiddenLine xmlns:a14="http://schemas.microsoft.com/office/drawing/2010/main" w="9525">
-                <a:solidFill>
-                  <a:srgbClr val="000000"/>
-                </a:solidFill>
-                <a:miter lim="800000"/>
-                <a:headEnd/>
-                <a:tailEnd/>
-              </a14:hiddenLine>
-            </a:ext>
-          </a:extLst>
-        </p:spPr>
-        <p:txBody>
-          <a:bodyPr wrap="square">
-            <a:spAutoFit/>
-          </a:bodyPr>
-          <a:lstStyle>
-            <a:lvl1pPr>
-              <a:defRPr>
-                <a:solidFill>
-                  <a:schemeClr val="tx1"/>
-                </a:solidFill>
-                <a:latin typeface="Calibri" panose="020F0502020204030204" pitchFamily="34" charset="0"/>
-              </a:defRPr>
-            </a:lvl1pPr>
-            <a:lvl2pPr marL="742950" indent="-285750">
-              <a:defRPr>
-                <a:solidFill>
-                  <a:schemeClr val="tx1"/>
-                </a:solidFill>
-                <a:latin typeface="Calibri" panose="020F0502020204030204" pitchFamily="34" charset="0"/>
-              </a:defRPr>
-            </a:lvl2pPr>
-            <a:lvl3pPr marL="1143000" indent="-228600">
-              <a:defRPr>
-                <a:solidFill>
-                  <a:schemeClr val="tx1"/>
-                </a:solidFill>
-                <a:latin typeface="Calibri" panose="020F0502020204030204" pitchFamily="34" charset="0"/>
-              </a:defRPr>
-            </a:lvl3pPr>
-            <a:lvl4pPr marL="1600200" indent="-228600">
-              <a:defRPr>
-                <a:solidFill>
-                  <a:schemeClr val="tx1"/>
-                </a:solidFill>
-                <a:latin typeface="Calibri" panose="020F0502020204030204" pitchFamily="34" charset="0"/>
-              </a:defRPr>
-            </a:lvl4pPr>
-            <a:lvl5pPr marL="2057400" indent="-228600">
-              <a:defRPr>
-                <a:solidFill>
-                  <a:schemeClr val="tx1"/>
-                </a:solidFill>
-                <a:latin typeface="Calibri" panose="020F0502020204030204" pitchFamily="34" charset="0"/>
-              </a:defRPr>
-            </a:lvl5pPr>
-            <a:lvl6pPr marL="2514600" indent="-228600" defTabSz="457200" fontAlgn="base">
-              <a:spcBef>
-                <a:spcPct val="0"/>
-              </a:spcBef>
-              <a:spcAft>
-                <a:spcPct val="0"/>
-              </a:spcAft>
-              <a:defRPr>
-                <a:solidFill>
-                  <a:schemeClr val="tx1"/>
-                </a:solidFill>
-                <a:latin typeface="Calibri" panose="020F0502020204030204" pitchFamily="34" charset="0"/>
-              </a:defRPr>
-            </a:lvl6pPr>
-            <a:lvl7pPr marL="2971800" indent="-228600" defTabSz="457200" fontAlgn="base">
-              <a:spcBef>
-                <a:spcPct val="0"/>
-              </a:spcBef>
-              <a:spcAft>
-                <a:spcPct val="0"/>
-              </a:spcAft>
-              <a:defRPr>
-                <a:solidFill>
-                  <a:schemeClr val="tx1"/>
-                </a:solidFill>
-                <a:latin typeface="Calibri" panose="020F0502020204030204" pitchFamily="34" charset="0"/>
-              </a:defRPr>
-            </a:lvl7pPr>
-            <a:lvl8pPr marL="3429000" indent="-228600" defTabSz="457200" fontAlgn="base">
-              <a:spcBef>
-                <a:spcPct val="0"/>
-              </a:spcBef>
-              <a:spcAft>
-                <a:spcPct val="0"/>
-              </a:spcAft>
-              <a:defRPr>
-                <a:solidFill>
-                  <a:schemeClr val="tx1"/>
-                </a:solidFill>
-                <a:latin typeface="Calibri" panose="020F0502020204030204" pitchFamily="34" charset="0"/>
-              </a:defRPr>
-            </a:lvl8pPr>
-            <a:lvl9pPr marL="3886200" indent="-228600" defTabSz="457200" fontAlgn="base">
-              <a:spcBef>
-                <a:spcPct val="0"/>
-              </a:spcBef>
-              <a:spcAft>
-                <a:spcPct val="0"/>
-              </a:spcAft>
-              <a:defRPr>
-                <a:solidFill>
-                  <a:schemeClr val="tx1"/>
-                </a:solidFill>
-                <a:latin typeface="Calibri" panose="020F0502020204030204" pitchFamily="34" charset="0"/>
-              </a:defRPr>
-            </a:lvl9pPr>
-          </a:lstStyle>
-          <a:p>
-            <a:r>
-              <a:rPr lang="pt-PT" sz="1200" dirty="0">
-                <a:latin typeface="Porto Sans Light" panose="00000400000000000000" pitchFamily="50" charset="0"/>
-              </a:rPr>
-              <a:t>João Silva | Olavo Alves | Luís Silva</a:t>
-            </a:r>
-          </a:p>
-          <a:p>
-            <a:pPr eaLnBrk="1" hangingPunct="1"/>
-            <a:endParaRPr lang="pt-PT" altLang="pt-PT" sz="1200" dirty="0">
-              <a:latin typeface="Porto Sans Light" panose="00000400000000000000" pitchFamily="50" charset="0"/>
-            </a:endParaRPr>
-          </a:p>
-        </p:txBody>
-      </p:sp>
-      <p:sp>
-        <p:nvSpPr>
-          <p:cNvPr id="5" name="CaixaDeTexto 2"/>
-          <p:cNvSpPr txBox="1">
-            <a:spLocks noChangeArrowheads="1"/>
-          </p:cNvSpPr>
-          <p:nvPr/>
-        </p:nvSpPr>
-        <p:spPr bwMode="auto">
-          <a:xfrm>
-            <a:off x="457200" y="6309320"/>
-            <a:ext cx="3317812" cy="276999"/>
-          </a:xfrm>
-          <a:prstGeom prst="rect">
-            <a:avLst/>
-          </a:prstGeom>
-          <a:noFill/>
-          <a:ln>
-            <a:noFill/>
-          </a:ln>
-          <a:extLst>
-            <a:ext uri="{909E8E84-426E-40DD-AFC4-6F175D3DCCD1}">
-              <a14:hiddenFill xmlns:a14="http://schemas.microsoft.com/office/drawing/2010/main">
-                <a:solidFill>
-                  <a:srgbClr val="FFFFFF"/>
-                </a:solidFill>
-              </a14:hiddenFill>
-            </a:ext>
-            <a:ext uri="{91240B29-F687-4F45-9708-019B960494DF}">
-              <a14:hiddenLine xmlns:a14="http://schemas.microsoft.com/office/drawing/2010/main" w="9525">
-                <a:solidFill>
-                  <a:srgbClr val="000000"/>
-                </a:solidFill>
-                <a:miter lim="800000"/>
-                <a:headEnd/>
-                <a:tailEnd/>
-              </a14:hiddenLine>
-            </a:ext>
-          </a:extLst>
-        </p:spPr>
-        <p:txBody>
-          <a:bodyPr wrap="square">
-            <a:spAutoFit/>
-          </a:bodyPr>
-          <a:lstStyle>
-            <a:lvl1pPr>
-              <a:defRPr>
-                <a:solidFill>
-                  <a:schemeClr val="tx1"/>
-                </a:solidFill>
-                <a:latin typeface="Calibri" panose="020F0502020204030204" pitchFamily="34" charset="0"/>
-              </a:defRPr>
-            </a:lvl1pPr>
-            <a:lvl2pPr marL="742950" indent="-285750">
-              <a:defRPr>
-                <a:solidFill>
-                  <a:schemeClr val="tx1"/>
-                </a:solidFill>
-                <a:latin typeface="Calibri" panose="020F0502020204030204" pitchFamily="34" charset="0"/>
-              </a:defRPr>
-            </a:lvl2pPr>
-            <a:lvl3pPr marL="1143000" indent="-228600">
-              <a:defRPr>
-                <a:solidFill>
-                  <a:schemeClr val="tx1"/>
-                </a:solidFill>
-                <a:latin typeface="Calibri" panose="020F0502020204030204" pitchFamily="34" charset="0"/>
-              </a:defRPr>
-            </a:lvl3pPr>
-            <a:lvl4pPr marL="1600200" indent="-228600">
-              <a:defRPr>
-                <a:solidFill>
-                  <a:schemeClr val="tx1"/>
-                </a:solidFill>
-                <a:latin typeface="Calibri" panose="020F0502020204030204" pitchFamily="34" charset="0"/>
-              </a:defRPr>
-            </a:lvl4pPr>
-            <a:lvl5pPr marL="2057400" indent="-228600">
-              <a:defRPr>
-                <a:solidFill>
-                  <a:schemeClr val="tx1"/>
-                </a:solidFill>
-                <a:latin typeface="Calibri" panose="020F0502020204030204" pitchFamily="34" charset="0"/>
-              </a:defRPr>
-            </a:lvl5pPr>
-            <a:lvl6pPr marL="2514600" indent="-228600" defTabSz="457200" fontAlgn="base">
-              <a:spcBef>
-                <a:spcPct val="0"/>
-              </a:spcBef>
-              <a:spcAft>
-                <a:spcPct val="0"/>
-              </a:spcAft>
-              <a:defRPr>
-                <a:solidFill>
-                  <a:schemeClr val="tx1"/>
-                </a:solidFill>
-                <a:latin typeface="Calibri" panose="020F0502020204030204" pitchFamily="34" charset="0"/>
-              </a:defRPr>
-            </a:lvl6pPr>
-            <a:lvl7pPr marL="2971800" indent="-228600" defTabSz="457200" fontAlgn="base">
-              <a:spcBef>
-                <a:spcPct val="0"/>
-              </a:spcBef>
-              <a:spcAft>
-                <a:spcPct val="0"/>
-              </a:spcAft>
-              <a:defRPr>
-                <a:solidFill>
-                  <a:schemeClr val="tx1"/>
-                </a:solidFill>
-                <a:latin typeface="Calibri" panose="020F0502020204030204" pitchFamily="34" charset="0"/>
-              </a:defRPr>
-            </a:lvl7pPr>
-            <a:lvl8pPr marL="3429000" indent="-228600" defTabSz="457200" fontAlgn="base">
-              <a:spcBef>
-                <a:spcPct val="0"/>
-              </a:spcBef>
-              <a:spcAft>
-                <a:spcPct val="0"/>
-              </a:spcAft>
-              <a:defRPr>
-                <a:solidFill>
-                  <a:schemeClr val="tx1"/>
-                </a:solidFill>
-                <a:latin typeface="Calibri" panose="020F0502020204030204" pitchFamily="34" charset="0"/>
-              </a:defRPr>
-            </a:lvl8pPr>
-            <a:lvl9pPr marL="3886200" indent="-228600" defTabSz="457200" fontAlgn="base">
-              <a:spcBef>
-                <a:spcPct val="0"/>
-              </a:spcBef>
-              <a:spcAft>
-                <a:spcPct val="0"/>
-              </a:spcAft>
-              <a:defRPr>
-                <a:solidFill>
-                  <a:schemeClr val="tx1"/>
-                </a:solidFill>
-                <a:latin typeface="Calibri" panose="020F0502020204030204" pitchFamily="34" charset="0"/>
-              </a:defRPr>
-            </a:lvl9pPr>
-          </a:lstStyle>
-          <a:p>
-            <a:pPr eaLnBrk="1" hangingPunct="1"/>
-            <a:r>
-              <a:rPr lang="pt-PT" altLang="pt-PT" sz="1200" dirty="0">
-                <a:latin typeface="Porto Sans Light" panose="00000400000000000000" pitchFamily="50" charset="0"/>
-              </a:rPr>
-              <a:t>Óscar Oliveira / Simulação e Otimização (2022/23)</a:t>
-            </a:r>
-          </a:p>
-        </p:txBody>
-      </p:sp>
-    </p:spTree>
-    <p:extLst>
-      <p:ext uri="{BB962C8B-B14F-4D97-AF65-F5344CB8AC3E}">
-        <p14:creationId xmlns:p14="http://schemas.microsoft.com/office/powerpoint/2010/main" val="4051685628"/>
-      </p:ext>
-    </p:extLst>
-  </p:cSld>
-  <p:clrMapOvr>
-    <a:masterClrMapping/>
-  </p:clrMapOvr>
-</p:sld>
-</file>
-
-<file path=ppt/slides/slide6.xml><?xml version="1.0" encoding="utf-8"?>
-<p:sld xmlns:a="http://schemas.openxmlformats.org/drawingml/2006/main" xmlns:r="http://schemas.openxmlformats.org/officeDocument/2006/relationships" xmlns:p="http://schemas.openxmlformats.org/presentationml/2006/main">
-  <p:cSld>
-    <p:spTree>
-      <p:nvGrpSpPr>
-        <p:cNvPr id="1" name=""/>
-        <p:cNvGrpSpPr/>
-        <p:nvPr/>
-      </p:nvGrpSpPr>
-      <p:grpSpPr>
-        <a:xfrm>
-          <a:off x="0" y="0"/>
-          <a:ext cx="0" cy="0"/>
-          <a:chOff x="0" y="0"/>
-          <a:chExt cx="0" cy="0"/>
-        </a:xfrm>
-      </p:grpSpPr>
-      <p:sp>
-        <p:nvSpPr>
-          <p:cNvPr id="2" name="Título 1"/>
-          <p:cNvSpPr>
-            <a:spLocks noGrp="1"/>
-          </p:cNvSpPr>
-          <p:nvPr>
-            <p:ph type="title"/>
-          </p:nvPr>
-        </p:nvSpPr>
-        <p:spPr/>
-        <p:txBody>
-          <a:bodyPr>
-            <a:normAutofit fontScale="90000"/>
-          </a:bodyPr>
-          <a:lstStyle/>
-          <a:p>
-            <a:r>
-              <a:rPr lang="en-US" dirty="0"/>
-              <a:t>Equation of the problem</a:t>
-            </a:r>
           </a:p>
         </p:txBody>
       </p:sp>
       <p:pic>
         <p:nvPicPr>
-          <p:cNvPr id="7" name="Content Placeholder 6">
+          <p:cNvPr id="5" name="Marcador de Posição de Conteúdo 4">
             <a:extLst>
               <a:ext uri="{FF2B5EF4-FFF2-40B4-BE49-F238E27FC236}">
-                <a16:creationId xmlns:a16="http://schemas.microsoft.com/office/drawing/2014/main" id="{56E93E14-3FD6-7E75-DFBE-69306F9A0AF8}"/>
+                <a16:creationId xmlns:a16="http://schemas.microsoft.com/office/drawing/2014/main" id="{DD13C129-25D1-C5C7-390A-60FBEB9C453B}"/>
               </a:ext>
             </a:extLst>
           </p:cNvPr>
@@ -6012,498 +4368,52 @@
         </p:blipFill>
         <p:spPr>
           <a:xfrm>
-            <a:off x="1154701" y="1927202"/>
-            <a:ext cx="6834597" cy="3003595"/>
+            <a:off x="623377" y="3070379"/>
+            <a:ext cx="7897246" cy="2813394"/>
           </a:xfrm>
         </p:spPr>
       </p:pic>
       <p:sp>
         <p:nvSpPr>
-          <p:cNvPr id="4" name="CaixaDeTexto 1"/>
-          <p:cNvSpPr txBox="1">
-            <a:spLocks noChangeArrowheads="1"/>
-          </p:cNvSpPr>
+          <p:cNvPr id="6" name="CaixaDeTexto 5">
+            <a:extLst>
+              <a:ext uri="{FF2B5EF4-FFF2-40B4-BE49-F238E27FC236}">
+                <a16:creationId xmlns:a16="http://schemas.microsoft.com/office/drawing/2014/main" id="{117C26EA-A566-9452-C742-46A469A78829}"/>
+              </a:ext>
+            </a:extLst>
+          </p:cNvPr>
+          <p:cNvSpPr txBox="1"/>
           <p:nvPr/>
         </p:nvSpPr>
-        <p:spPr bwMode="auto">
+        <p:spPr>
           <a:xfrm>
-            <a:off x="6228184" y="6309320"/>
-            <a:ext cx="2387228" cy="461665"/>
+            <a:off x="635066" y="1844824"/>
+            <a:ext cx="7704856" cy="923330"/>
           </a:xfrm>
           <a:prstGeom prst="rect">
             <a:avLst/>
           </a:prstGeom>
           <a:noFill/>
-          <a:ln>
-            <a:noFill/>
-          </a:ln>
-          <a:extLst>
-            <a:ext uri="{909E8E84-426E-40DD-AFC4-6F175D3DCCD1}">
-              <a14:hiddenFill xmlns:a14="http://schemas.microsoft.com/office/drawing/2010/main">
-                <a:solidFill>
-                  <a:srgbClr val="FFFFFF"/>
-                </a:solidFill>
-              </a14:hiddenFill>
-            </a:ext>
-            <a:ext uri="{91240B29-F687-4F45-9708-019B960494DF}">
-              <a14:hiddenLine xmlns:a14="http://schemas.microsoft.com/office/drawing/2010/main" w="9525">
-                <a:solidFill>
-                  <a:srgbClr val="000000"/>
-                </a:solidFill>
-                <a:miter lim="800000"/>
-                <a:headEnd/>
-                <a:tailEnd/>
-              </a14:hiddenLine>
-            </a:ext>
-          </a:extLst>
         </p:spPr>
         <p:txBody>
-          <a:bodyPr wrap="square">
+          <a:bodyPr wrap="square" rtlCol="0">
             <a:spAutoFit/>
           </a:bodyPr>
-          <a:lstStyle>
-            <a:lvl1pPr>
-              <a:defRPr>
-                <a:solidFill>
-                  <a:schemeClr val="tx1"/>
-                </a:solidFill>
-                <a:latin typeface="Calibri" panose="020F0502020204030204" pitchFamily="34" charset="0"/>
-              </a:defRPr>
-            </a:lvl1pPr>
-            <a:lvl2pPr marL="742950" indent="-285750">
-              <a:defRPr>
-                <a:solidFill>
-                  <a:schemeClr val="tx1"/>
-                </a:solidFill>
-                <a:latin typeface="Calibri" panose="020F0502020204030204" pitchFamily="34" charset="0"/>
-              </a:defRPr>
-            </a:lvl2pPr>
-            <a:lvl3pPr marL="1143000" indent="-228600">
-              <a:defRPr>
-                <a:solidFill>
-                  <a:schemeClr val="tx1"/>
-                </a:solidFill>
-                <a:latin typeface="Calibri" panose="020F0502020204030204" pitchFamily="34" charset="0"/>
-              </a:defRPr>
-            </a:lvl3pPr>
-            <a:lvl4pPr marL="1600200" indent="-228600">
-              <a:defRPr>
-                <a:solidFill>
-                  <a:schemeClr val="tx1"/>
-                </a:solidFill>
-                <a:latin typeface="Calibri" panose="020F0502020204030204" pitchFamily="34" charset="0"/>
-              </a:defRPr>
-            </a:lvl4pPr>
-            <a:lvl5pPr marL="2057400" indent="-228600">
-              <a:defRPr>
-                <a:solidFill>
-                  <a:schemeClr val="tx1"/>
-                </a:solidFill>
-                <a:latin typeface="Calibri" panose="020F0502020204030204" pitchFamily="34" charset="0"/>
-              </a:defRPr>
-            </a:lvl5pPr>
-            <a:lvl6pPr marL="2514600" indent="-228600" defTabSz="457200" fontAlgn="base">
-              <a:spcBef>
-                <a:spcPct val="0"/>
-              </a:spcBef>
-              <a:spcAft>
-                <a:spcPct val="0"/>
-              </a:spcAft>
-              <a:defRPr>
-                <a:solidFill>
-                  <a:schemeClr val="tx1"/>
-                </a:solidFill>
-                <a:latin typeface="Calibri" panose="020F0502020204030204" pitchFamily="34" charset="0"/>
-              </a:defRPr>
-            </a:lvl6pPr>
-            <a:lvl7pPr marL="2971800" indent="-228600" defTabSz="457200" fontAlgn="base">
-              <a:spcBef>
-                <a:spcPct val="0"/>
-              </a:spcBef>
-              <a:spcAft>
-                <a:spcPct val="0"/>
-              </a:spcAft>
-              <a:defRPr>
-                <a:solidFill>
-                  <a:schemeClr val="tx1"/>
-                </a:solidFill>
-                <a:latin typeface="Calibri" panose="020F0502020204030204" pitchFamily="34" charset="0"/>
-              </a:defRPr>
-            </a:lvl7pPr>
-            <a:lvl8pPr marL="3429000" indent="-228600" defTabSz="457200" fontAlgn="base">
-              <a:spcBef>
-                <a:spcPct val="0"/>
-              </a:spcBef>
-              <a:spcAft>
-                <a:spcPct val="0"/>
-              </a:spcAft>
-              <a:defRPr>
-                <a:solidFill>
-                  <a:schemeClr val="tx1"/>
-                </a:solidFill>
-                <a:latin typeface="Calibri" panose="020F0502020204030204" pitchFamily="34" charset="0"/>
-              </a:defRPr>
-            </a:lvl8pPr>
-            <a:lvl9pPr marL="3886200" indent="-228600" defTabSz="457200" fontAlgn="base">
-              <a:spcBef>
-                <a:spcPct val="0"/>
-              </a:spcBef>
-              <a:spcAft>
-                <a:spcPct val="0"/>
-              </a:spcAft>
-              <a:defRPr>
-                <a:solidFill>
-                  <a:schemeClr val="tx1"/>
-                </a:solidFill>
-                <a:latin typeface="Calibri" panose="020F0502020204030204" pitchFamily="34" charset="0"/>
-              </a:defRPr>
-            </a:lvl9pPr>
-          </a:lstStyle>
-          <a:p>
-            <a:r>
-              <a:rPr lang="pt-PT" sz="1200" dirty="0">
-                <a:latin typeface="Porto Sans Light" panose="00000400000000000000" pitchFamily="50" charset="0"/>
-              </a:rPr>
-              <a:t>João Silva | Olavo Alves | Luís Silva</a:t>
-            </a:r>
-          </a:p>
-          <a:p>
-            <a:pPr eaLnBrk="1" hangingPunct="1"/>
-            <a:endParaRPr lang="pt-PT" altLang="pt-PT" sz="1200" dirty="0">
-              <a:latin typeface="Porto Sans Light" panose="00000400000000000000" pitchFamily="50" charset="0"/>
-            </a:endParaRPr>
-          </a:p>
-        </p:txBody>
-      </p:sp>
-      <p:sp>
-        <p:nvSpPr>
-          <p:cNvPr id="5" name="CaixaDeTexto 2"/>
-          <p:cNvSpPr txBox="1">
-            <a:spLocks noChangeArrowheads="1"/>
-          </p:cNvSpPr>
-          <p:nvPr/>
-        </p:nvSpPr>
-        <p:spPr bwMode="auto">
-          <a:xfrm>
-            <a:off x="457200" y="6309320"/>
-            <a:ext cx="3317812" cy="276999"/>
-          </a:xfrm>
-          <a:prstGeom prst="rect">
-            <a:avLst/>
-          </a:prstGeom>
-          <a:noFill/>
-          <a:ln>
-            <a:noFill/>
-          </a:ln>
-          <a:extLst>
-            <a:ext uri="{909E8E84-426E-40DD-AFC4-6F175D3DCCD1}">
-              <a14:hiddenFill xmlns:a14="http://schemas.microsoft.com/office/drawing/2010/main">
-                <a:solidFill>
-                  <a:srgbClr val="FFFFFF"/>
-                </a:solidFill>
-              </a14:hiddenFill>
-            </a:ext>
-            <a:ext uri="{91240B29-F687-4F45-9708-019B960494DF}">
-              <a14:hiddenLine xmlns:a14="http://schemas.microsoft.com/office/drawing/2010/main" w="9525">
-                <a:solidFill>
-                  <a:srgbClr val="000000"/>
-                </a:solidFill>
-                <a:miter lim="800000"/>
-                <a:headEnd/>
-                <a:tailEnd/>
-              </a14:hiddenLine>
-            </a:ext>
-          </a:extLst>
-        </p:spPr>
-        <p:txBody>
-          <a:bodyPr wrap="square">
-            <a:spAutoFit/>
-          </a:bodyPr>
-          <a:lstStyle>
-            <a:lvl1pPr>
-              <a:defRPr>
-                <a:solidFill>
-                  <a:schemeClr val="tx1"/>
-                </a:solidFill>
-                <a:latin typeface="Calibri" panose="020F0502020204030204" pitchFamily="34" charset="0"/>
-              </a:defRPr>
-            </a:lvl1pPr>
-            <a:lvl2pPr marL="742950" indent="-285750">
-              <a:defRPr>
-                <a:solidFill>
-                  <a:schemeClr val="tx1"/>
-                </a:solidFill>
-                <a:latin typeface="Calibri" panose="020F0502020204030204" pitchFamily="34" charset="0"/>
-              </a:defRPr>
-            </a:lvl2pPr>
-            <a:lvl3pPr marL="1143000" indent="-228600">
-              <a:defRPr>
-                <a:solidFill>
-                  <a:schemeClr val="tx1"/>
-                </a:solidFill>
-                <a:latin typeface="Calibri" panose="020F0502020204030204" pitchFamily="34" charset="0"/>
-              </a:defRPr>
-            </a:lvl3pPr>
-            <a:lvl4pPr marL="1600200" indent="-228600">
-              <a:defRPr>
-                <a:solidFill>
-                  <a:schemeClr val="tx1"/>
-                </a:solidFill>
-                <a:latin typeface="Calibri" panose="020F0502020204030204" pitchFamily="34" charset="0"/>
-              </a:defRPr>
-            </a:lvl4pPr>
-            <a:lvl5pPr marL="2057400" indent="-228600">
-              <a:defRPr>
-                <a:solidFill>
-                  <a:schemeClr val="tx1"/>
-                </a:solidFill>
-                <a:latin typeface="Calibri" panose="020F0502020204030204" pitchFamily="34" charset="0"/>
-              </a:defRPr>
-            </a:lvl5pPr>
-            <a:lvl6pPr marL="2514600" indent="-228600" defTabSz="457200" fontAlgn="base">
-              <a:spcBef>
-                <a:spcPct val="0"/>
-              </a:spcBef>
-              <a:spcAft>
-                <a:spcPct val="0"/>
-              </a:spcAft>
-              <a:defRPr>
-                <a:solidFill>
-                  <a:schemeClr val="tx1"/>
-                </a:solidFill>
-                <a:latin typeface="Calibri" panose="020F0502020204030204" pitchFamily="34" charset="0"/>
-              </a:defRPr>
-            </a:lvl6pPr>
-            <a:lvl7pPr marL="2971800" indent="-228600" defTabSz="457200" fontAlgn="base">
-              <a:spcBef>
-                <a:spcPct val="0"/>
-              </a:spcBef>
-              <a:spcAft>
-                <a:spcPct val="0"/>
-              </a:spcAft>
-              <a:defRPr>
-                <a:solidFill>
-                  <a:schemeClr val="tx1"/>
-                </a:solidFill>
-                <a:latin typeface="Calibri" panose="020F0502020204030204" pitchFamily="34" charset="0"/>
-              </a:defRPr>
-            </a:lvl7pPr>
-            <a:lvl8pPr marL="3429000" indent="-228600" defTabSz="457200" fontAlgn="base">
-              <a:spcBef>
-                <a:spcPct val="0"/>
-              </a:spcBef>
-              <a:spcAft>
-                <a:spcPct val="0"/>
-              </a:spcAft>
-              <a:defRPr>
-                <a:solidFill>
-                  <a:schemeClr val="tx1"/>
-                </a:solidFill>
-                <a:latin typeface="Calibri" panose="020F0502020204030204" pitchFamily="34" charset="0"/>
-              </a:defRPr>
-            </a:lvl8pPr>
-            <a:lvl9pPr marL="3886200" indent="-228600" defTabSz="457200" fontAlgn="base">
-              <a:spcBef>
-                <a:spcPct val="0"/>
-              </a:spcBef>
-              <a:spcAft>
-                <a:spcPct val="0"/>
-              </a:spcAft>
-              <a:defRPr>
-                <a:solidFill>
-                  <a:schemeClr val="tx1"/>
-                </a:solidFill>
-                <a:latin typeface="Calibri" panose="020F0502020204030204" pitchFamily="34" charset="0"/>
-              </a:defRPr>
-            </a:lvl9pPr>
-          </a:lstStyle>
-          <a:p>
-            <a:pPr eaLnBrk="1" hangingPunct="1"/>
-            <a:r>
-              <a:rPr lang="pt-PT" altLang="pt-PT" sz="1200" dirty="0">
-                <a:latin typeface="Porto Sans Light" panose="00000400000000000000" pitchFamily="50" charset="0"/>
-              </a:rPr>
-              <a:t>Óscar Oliveira / Simulação e Otimização (2022/23)</a:t>
-            </a:r>
-          </a:p>
-        </p:txBody>
-      </p:sp>
-      <p:sp>
-        <p:nvSpPr>
-          <p:cNvPr id="8" name="Marcador de Posição de Conteúdo 2">
-            <a:extLst>
-              <a:ext uri="{FF2B5EF4-FFF2-40B4-BE49-F238E27FC236}">
-                <a16:creationId xmlns:a16="http://schemas.microsoft.com/office/drawing/2014/main" id="{53BB69E1-F416-D8FF-7B45-29AC8CB77E9F}"/>
-              </a:ext>
-            </a:extLst>
-          </p:cNvPr>
-          <p:cNvSpPr txBox="1">
-            <a:spLocks/>
-          </p:cNvSpPr>
-          <p:nvPr/>
-        </p:nvSpPr>
-        <p:spPr>
-          <a:xfrm>
-            <a:off x="457200" y="5157191"/>
-            <a:ext cx="8229600" cy="792089"/>
-          </a:xfrm>
-          <a:prstGeom prst="rect">
-            <a:avLst/>
-          </a:prstGeom>
-        </p:spPr>
-        <p:txBody>
-          <a:bodyPr vert="horz" lIns="91440" tIns="45720" rIns="91440" bIns="45720" rtlCol="0">
-            <a:normAutofit fontScale="85000" lnSpcReduction="20000"/>
-          </a:bodyPr>
-          <a:lstStyle>
-            <a:lvl1pPr marL="342900" indent="-342900" algn="l" defTabSz="457200" rtl="0" eaLnBrk="1" latinLnBrk="0" hangingPunct="1">
-              <a:spcBef>
-                <a:spcPct val="20000"/>
-              </a:spcBef>
-              <a:buFont typeface="Arial"/>
-              <a:buChar char="•"/>
-              <a:defRPr sz="3200" kern="1200">
-                <a:solidFill>
-                  <a:schemeClr val="tx1"/>
-                </a:solidFill>
-                <a:latin typeface="+mn-lt"/>
-                <a:ea typeface="+mn-ea"/>
-                <a:cs typeface="+mn-cs"/>
-              </a:defRPr>
-            </a:lvl1pPr>
-            <a:lvl2pPr marL="742950" indent="-285750" algn="l" defTabSz="457200" rtl="0" eaLnBrk="1" latinLnBrk="0" hangingPunct="1">
-              <a:spcBef>
-                <a:spcPct val="20000"/>
-              </a:spcBef>
-              <a:buFont typeface="Arial"/>
-              <a:buChar char="–"/>
-              <a:defRPr sz="2800" kern="1200">
-                <a:solidFill>
-                  <a:schemeClr val="tx1"/>
-                </a:solidFill>
-                <a:latin typeface="+mn-lt"/>
-                <a:ea typeface="+mn-ea"/>
-                <a:cs typeface="+mn-cs"/>
-              </a:defRPr>
-            </a:lvl2pPr>
-            <a:lvl3pPr marL="1143000" indent="-228600" algn="l" defTabSz="457200" rtl="0" eaLnBrk="1" latinLnBrk="0" hangingPunct="1">
-              <a:spcBef>
-                <a:spcPct val="20000"/>
-              </a:spcBef>
-              <a:buFont typeface="Arial"/>
-              <a:buChar char="•"/>
-              <a:defRPr sz="2400" kern="1200">
-                <a:solidFill>
-                  <a:schemeClr val="tx1"/>
-                </a:solidFill>
-                <a:latin typeface="+mn-lt"/>
-                <a:ea typeface="+mn-ea"/>
-                <a:cs typeface="+mn-cs"/>
-              </a:defRPr>
-            </a:lvl3pPr>
-            <a:lvl4pPr marL="1600200" indent="-228600" algn="l" defTabSz="457200" rtl="0" eaLnBrk="1" latinLnBrk="0" hangingPunct="1">
-              <a:spcBef>
-                <a:spcPct val="20000"/>
-              </a:spcBef>
-              <a:buFont typeface="Arial"/>
-              <a:buChar char="–"/>
-              <a:defRPr sz="2000" kern="1200">
-                <a:solidFill>
-                  <a:schemeClr val="tx1"/>
-                </a:solidFill>
-                <a:latin typeface="+mn-lt"/>
-                <a:ea typeface="+mn-ea"/>
-                <a:cs typeface="+mn-cs"/>
-              </a:defRPr>
-            </a:lvl4pPr>
-            <a:lvl5pPr marL="2057400" indent="-228600" algn="l" defTabSz="457200" rtl="0" eaLnBrk="1" latinLnBrk="0" hangingPunct="1">
-              <a:spcBef>
-                <a:spcPct val="20000"/>
-              </a:spcBef>
-              <a:buFont typeface="Arial"/>
-              <a:buChar char="»"/>
-              <a:defRPr sz="2000" kern="1200">
-                <a:solidFill>
-                  <a:schemeClr val="tx1"/>
-                </a:solidFill>
-                <a:latin typeface="+mn-lt"/>
-                <a:ea typeface="+mn-ea"/>
-                <a:cs typeface="+mn-cs"/>
-              </a:defRPr>
-            </a:lvl5pPr>
-            <a:lvl6pPr marL="2514600" indent="-228600" algn="l" defTabSz="457200" rtl="0" eaLnBrk="1" latinLnBrk="0" hangingPunct="1">
-              <a:spcBef>
-                <a:spcPct val="20000"/>
-              </a:spcBef>
-              <a:buFont typeface="Arial"/>
-              <a:buChar char="•"/>
-              <a:defRPr sz="2000" kern="1200">
-                <a:solidFill>
-                  <a:schemeClr val="tx1"/>
-                </a:solidFill>
-                <a:latin typeface="+mn-lt"/>
-                <a:ea typeface="+mn-ea"/>
-                <a:cs typeface="+mn-cs"/>
-              </a:defRPr>
-            </a:lvl6pPr>
-            <a:lvl7pPr marL="2971800" indent="-228600" algn="l" defTabSz="457200" rtl="0" eaLnBrk="1" latinLnBrk="0" hangingPunct="1">
-              <a:spcBef>
-                <a:spcPct val="20000"/>
-              </a:spcBef>
-              <a:buFont typeface="Arial"/>
-              <a:buChar char="•"/>
-              <a:defRPr sz="2000" kern="1200">
-                <a:solidFill>
-                  <a:schemeClr val="tx1"/>
-                </a:solidFill>
-                <a:latin typeface="+mn-lt"/>
-                <a:ea typeface="+mn-ea"/>
-                <a:cs typeface="+mn-cs"/>
-              </a:defRPr>
-            </a:lvl7pPr>
-            <a:lvl8pPr marL="3429000" indent="-228600" algn="l" defTabSz="457200" rtl="0" eaLnBrk="1" latinLnBrk="0" hangingPunct="1">
-              <a:spcBef>
-                <a:spcPct val="20000"/>
-              </a:spcBef>
-              <a:buFont typeface="Arial"/>
-              <a:buChar char="•"/>
-              <a:defRPr sz="2000" kern="1200">
-                <a:solidFill>
-                  <a:schemeClr val="tx1"/>
-                </a:solidFill>
-                <a:latin typeface="+mn-lt"/>
-                <a:ea typeface="+mn-ea"/>
-                <a:cs typeface="+mn-cs"/>
-              </a:defRPr>
-            </a:lvl8pPr>
-            <a:lvl9pPr marL="3886200" indent="-228600" algn="l" defTabSz="457200" rtl="0" eaLnBrk="1" latinLnBrk="0" hangingPunct="1">
-              <a:spcBef>
-                <a:spcPct val="20000"/>
-              </a:spcBef>
-              <a:buFont typeface="Arial"/>
-              <a:buChar char="•"/>
-              <a:defRPr sz="2000" kern="1200">
-                <a:solidFill>
-                  <a:schemeClr val="tx1"/>
-                </a:solidFill>
-                <a:latin typeface="+mn-lt"/>
-                <a:ea typeface="+mn-ea"/>
-                <a:cs typeface="+mn-cs"/>
-              </a:defRPr>
-            </a:lvl9pPr>
-          </a:lstStyle>
-          <a:p>
+          <a:lstStyle/>
+          <a:p>
+            <a:pPr algn="just"/>
             <a:r>
               <a:rPr lang="en-US" dirty="0"/>
-              <a:t>It contains the objective function, constraints and decision variables. </a:t>
-            </a:r>
+              <a:t>Local search (or improvement) heuristics start from a solution and, in each iteration, by exploring the space of neighboring solutions , try to find a solution that is better than the current one.</a:t>
+            </a:r>
+            <a:endParaRPr lang="pt-PT" dirty="0"/>
           </a:p>
         </p:txBody>
       </p:sp>
     </p:spTree>
     <p:extLst>
       <p:ext uri="{BB962C8B-B14F-4D97-AF65-F5344CB8AC3E}">
-        <p14:creationId xmlns:p14="http://schemas.microsoft.com/office/powerpoint/2010/main" val="3414645283"/>
+        <p14:creationId xmlns:p14="http://schemas.microsoft.com/office/powerpoint/2010/main" val="3424456739"/>
       </p:ext>
     </p:extLst>
   </p:cSld>
@@ -6513,7 +4423,7 @@
 </p:sld>
 </file>
 
-<file path=ppt/slides/slide7.xml><?xml version="1.0" encoding="utf-8"?>
+<file path=ppt/slides/slide11.xml><?xml version="1.0" encoding="utf-8"?>
 <p:sld xmlns:a="http://schemas.openxmlformats.org/drawingml/2006/main" xmlns:r="http://schemas.openxmlformats.org/officeDocument/2006/relationships" xmlns:p="http://schemas.openxmlformats.org/presentationml/2006/main">
   <p:cSld>
     <p:spTree>
@@ -6548,9 +4458,10 @@
           <a:lstStyle/>
           <a:p>
             <a:r>
-              <a:rPr lang="en-GB" dirty="0"/>
-              <a:t>Results</a:t>
-            </a:r>
+              <a:rPr lang="pt-PT" dirty="0" err="1"/>
+              <a:t>Grasp</a:t>
+            </a:r>
+            <a:endParaRPr lang="en-US" dirty="0"/>
           </a:p>
         </p:txBody>
       </p:sp>
@@ -6564,100 +4475,66 @@
             <p:ph idx="1"/>
           </p:nvPr>
         </p:nvSpPr>
-        <p:spPr>
-          <a:xfrm>
-            <a:off x="457200" y="1844825"/>
-            <a:ext cx="8229600" cy="3096343"/>
-          </a:xfrm>
-        </p:spPr>
-        <p:txBody>
-          <a:bodyPr/>
+        <p:spPr/>
+        <p:txBody>
+          <a:bodyPr>
+            <a:normAutofit/>
+          </a:bodyPr>
           <a:lstStyle/>
           <a:p>
-            <a:r>
-              <a:rPr lang="pt-PT" dirty="0" err="1"/>
-              <a:t>Delmaire</a:t>
-            </a:r>
-            <a:r>
-              <a:rPr lang="pt-PT" dirty="0"/>
-              <a:t> (52 OS out </a:t>
-            </a:r>
-            <a:r>
-              <a:rPr lang="pt-PT" dirty="0" err="1"/>
-              <a:t>of</a:t>
-            </a:r>
-            <a:r>
-              <a:rPr lang="pt-PT" dirty="0"/>
-              <a:t> 57)</a:t>
-            </a:r>
-          </a:p>
-          <a:p>
-            <a:r>
-              <a:rPr lang="pt-PT" dirty="0" err="1"/>
-              <a:t>Holmberg</a:t>
-            </a:r>
-            <a:r>
-              <a:rPr lang="pt-PT" dirty="0"/>
-              <a:t> (71 OS out </a:t>
-            </a:r>
-            <a:r>
-              <a:rPr lang="pt-PT" dirty="0" err="1"/>
-              <a:t>of</a:t>
-            </a:r>
-            <a:r>
-              <a:rPr lang="pt-PT" dirty="0"/>
-              <a:t> 71)</a:t>
-            </a:r>
-          </a:p>
-          <a:p>
-            <a:r>
-              <a:rPr lang="pt-PT" dirty="0"/>
-              <a:t>OR-</a:t>
-            </a:r>
-            <a:r>
-              <a:rPr lang="pt-PT" dirty="0" err="1"/>
-              <a:t>Library</a:t>
-            </a:r>
-            <a:r>
-              <a:rPr lang="pt-PT" dirty="0"/>
-              <a:t> (9 OS out </a:t>
-            </a:r>
-            <a:r>
-              <a:rPr lang="pt-PT" dirty="0" err="1"/>
-              <a:t>of</a:t>
-            </a:r>
-            <a:r>
-              <a:rPr lang="pt-PT" dirty="0"/>
-              <a:t> 36)</a:t>
-            </a:r>
-          </a:p>
-          <a:p>
-            <a:r>
-              <a:rPr lang="pt-PT" dirty="0"/>
-              <a:t>Yang (9 OS out </a:t>
-            </a:r>
-            <a:r>
-              <a:rPr lang="pt-PT" dirty="0" err="1"/>
-              <a:t>of</a:t>
-            </a:r>
-            <a:r>
-              <a:rPr lang="pt-PT" dirty="0"/>
-              <a:t> 20)</a:t>
-            </a:r>
-          </a:p>
-          <a:p>
-            <a:r>
-              <a:rPr lang="pt-PT" dirty="0"/>
-              <a:t>TBED1 (0 OS out </a:t>
-            </a:r>
-            <a:r>
-              <a:rPr lang="pt-PT" dirty="0" err="1"/>
-              <a:t>of</a:t>
-            </a:r>
-            <a:r>
-              <a:rPr lang="pt-PT" dirty="0"/>
-              <a:t> 60)</a:t>
-            </a:r>
+            <a:pPr marL="0" indent="0" algn="just">
+              <a:buNone/>
+            </a:pPr>
+            <a:r>
+              <a:rPr lang="en-US" sz="2000" dirty="0"/>
+              <a:t>GRASP is a method that works with </a:t>
+            </a:r>
+            <a:r>
+              <a:rPr lang="en-US" sz="2000" b="1" dirty="0"/>
+              <a:t>local improvement procedures </a:t>
+            </a:r>
+            <a:r>
+              <a:rPr lang="en-US" sz="2000" dirty="0"/>
+              <a:t>and other </a:t>
+            </a:r>
+            <a:r>
+              <a:rPr lang="en-US" sz="2000" b="1" dirty="0"/>
+              <a:t>higher level strategies</a:t>
+            </a:r>
+            <a:r>
+              <a:rPr lang="en-US" sz="2000" dirty="0"/>
+              <a:t> to create processes capable of </a:t>
+            </a:r>
+            <a:r>
+              <a:rPr lang="en-US" sz="2000" b="1" dirty="0"/>
+              <a:t>escaping</a:t>
+            </a:r>
+            <a:r>
+              <a:rPr lang="en-US" sz="2000" dirty="0"/>
+              <a:t> from </a:t>
+            </a:r>
+            <a:r>
+              <a:rPr lang="en-US" sz="2000" b="1" dirty="0"/>
+              <a:t>local optima</a:t>
+            </a:r>
+            <a:r>
+              <a:rPr lang="en-US" sz="2000" dirty="0"/>
+              <a:t>, and performing a </a:t>
+            </a:r>
+            <a:r>
+              <a:rPr lang="en-US" sz="2000" b="1" dirty="0"/>
+              <a:t>robust search </a:t>
+            </a:r>
+            <a:r>
+              <a:rPr lang="en-US" sz="2000" dirty="0"/>
+              <a:t>of a solution space.</a:t>
+            </a:r>
+          </a:p>
+          <a:p>
+            <a:pPr marL="0" indent="0">
+              <a:buNone/>
+            </a:pPr>
+            <a:endParaRPr lang="en-US" dirty="0"/>
           </a:p>
         </p:txBody>
       </p:sp>
@@ -6829,7 +4706,7 @@
         </p:nvSpPr>
         <p:spPr bwMode="auto">
           <a:xfrm>
-            <a:off x="462100" y="6309320"/>
+            <a:off x="457200" y="6309320"/>
             <a:ext cx="3317812" cy="276999"/>
           </a:xfrm>
           <a:prstGeom prst="rect">
@@ -6972,63 +4849,2101 @@
           </a:p>
         </p:txBody>
       </p:sp>
-      <p:sp>
-        <p:nvSpPr>
-          <p:cNvPr id="6" name="TextBox 5">
+      <p:grpSp>
+        <p:nvGrpSpPr>
+          <p:cNvPr id="6" name="Group 7">
             <a:extLst>
               <a:ext uri="{FF2B5EF4-FFF2-40B4-BE49-F238E27FC236}">
-                <a16:creationId xmlns:a16="http://schemas.microsoft.com/office/drawing/2014/main" id="{C79ADF5F-C195-05E1-0173-75597FC02C5A}"/>
+                <a16:creationId xmlns:a16="http://schemas.microsoft.com/office/drawing/2014/main" id="{525E0DDA-60B1-BB76-6299-1952D07A124D}"/>
               </a:ext>
             </a:extLst>
           </p:cNvPr>
-          <p:cNvSpPr txBox="1"/>
+          <p:cNvGrpSpPr/>
+          <p:nvPr/>
+        </p:nvGrpSpPr>
+        <p:grpSpPr>
+          <a:xfrm>
+            <a:off x="270299" y="3212976"/>
+            <a:ext cx="8345113" cy="2356426"/>
+            <a:chOff x="399444" y="3663374"/>
+            <a:chExt cx="8345113" cy="2356426"/>
+          </a:xfrm>
+        </p:grpSpPr>
+        <p:sp>
+          <p:nvSpPr>
+            <p:cNvPr id="8" name="Rectangle 37">
+              <a:extLst>
+                <a:ext uri="{FF2B5EF4-FFF2-40B4-BE49-F238E27FC236}">
+                  <a16:creationId xmlns:a16="http://schemas.microsoft.com/office/drawing/2014/main" id="{3F264B89-C66D-D8F4-2A08-ECFD8C8E16C0}"/>
+                </a:ext>
+              </a:extLst>
+            </p:cNvPr>
+            <p:cNvSpPr/>
+            <p:nvPr/>
+          </p:nvSpPr>
+          <p:spPr>
+            <a:xfrm>
+              <a:off x="2309041" y="3663374"/>
+              <a:ext cx="4282260" cy="2356426"/>
+            </a:xfrm>
+            <a:prstGeom prst="rect">
+              <a:avLst/>
+            </a:prstGeom>
+            <a:noFill/>
+            <a:ln>
+              <a:solidFill>
+                <a:schemeClr val="tx1"/>
+              </a:solidFill>
+            </a:ln>
+          </p:spPr>
+          <p:style>
+            <a:lnRef idx="2">
+              <a:schemeClr val="accent1">
+                <a:shade val="50000"/>
+              </a:schemeClr>
+            </a:lnRef>
+            <a:fillRef idx="1">
+              <a:schemeClr val="accent1"/>
+            </a:fillRef>
+            <a:effectRef idx="0">
+              <a:schemeClr val="accent1"/>
+            </a:effectRef>
+            <a:fontRef idx="minor">
+              <a:schemeClr val="lt1"/>
+            </a:fontRef>
+          </p:style>
+          <p:txBody>
+            <a:bodyPr rtlCol="0" anchor="ctr"/>
+            <a:lstStyle>
+              <a:defPPr>
+                <a:defRPr lang="en-US"/>
+              </a:defPPr>
+              <a:lvl1pPr marL="0" algn="l" defTabSz="914400" rtl="0" eaLnBrk="1" latinLnBrk="0" hangingPunct="1">
+                <a:defRPr sz="1800" kern="1200">
+                  <a:solidFill>
+                    <a:schemeClr val="lt1"/>
+                  </a:solidFill>
+                  <a:latin typeface="+mn-lt"/>
+                  <a:ea typeface="+mn-ea"/>
+                  <a:cs typeface="+mn-cs"/>
+                </a:defRPr>
+              </a:lvl1pPr>
+              <a:lvl2pPr marL="457200" algn="l" defTabSz="914400" rtl="0" eaLnBrk="1" latinLnBrk="0" hangingPunct="1">
+                <a:defRPr sz="1800" kern="1200">
+                  <a:solidFill>
+                    <a:schemeClr val="lt1"/>
+                  </a:solidFill>
+                  <a:latin typeface="+mn-lt"/>
+                  <a:ea typeface="+mn-ea"/>
+                  <a:cs typeface="+mn-cs"/>
+                </a:defRPr>
+              </a:lvl2pPr>
+              <a:lvl3pPr marL="914400" algn="l" defTabSz="914400" rtl="0" eaLnBrk="1" latinLnBrk="0" hangingPunct="1">
+                <a:defRPr sz="1800" kern="1200">
+                  <a:solidFill>
+                    <a:schemeClr val="lt1"/>
+                  </a:solidFill>
+                  <a:latin typeface="+mn-lt"/>
+                  <a:ea typeface="+mn-ea"/>
+                  <a:cs typeface="+mn-cs"/>
+                </a:defRPr>
+              </a:lvl3pPr>
+              <a:lvl4pPr marL="1371600" algn="l" defTabSz="914400" rtl="0" eaLnBrk="1" latinLnBrk="0" hangingPunct="1">
+                <a:defRPr sz="1800" kern="1200">
+                  <a:solidFill>
+                    <a:schemeClr val="lt1"/>
+                  </a:solidFill>
+                  <a:latin typeface="+mn-lt"/>
+                  <a:ea typeface="+mn-ea"/>
+                  <a:cs typeface="+mn-cs"/>
+                </a:defRPr>
+              </a:lvl4pPr>
+              <a:lvl5pPr marL="1828800" algn="l" defTabSz="914400" rtl="0" eaLnBrk="1" latinLnBrk="0" hangingPunct="1">
+                <a:defRPr sz="1800" kern="1200">
+                  <a:solidFill>
+                    <a:schemeClr val="lt1"/>
+                  </a:solidFill>
+                  <a:latin typeface="+mn-lt"/>
+                  <a:ea typeface="+mn-ea"/>
+                  <a:cs typeface="+mn-cs"/>
+                </a:defRPr>
+              </a:lvl5pPr>
+              <a:lvl6pPr marL="2286000" algn="l" defTabSz="914400" rtl="0" eaLnBrk="1" latinLnBrk="0" hangingPunct="1">
+                <a:defRPr sz="1800" kern="1200">
+                  <a:solidFill>
+                    <a:schemeClr val="lt1"/>
+                  </a:solidFill>
+                  <a:latin typeface="+mn-lt"/>
+                  <a:ea typeface="+mn-ea"/>
+                  <a:cs typeface="+mn-cs"/>
+                </a:defRPr>
+              </a:lvl6pPr>
+              <a:lvl7pPr marL="2743200" algn="l" defTabSz="914400" rtl="0" eaLnBrk="1" latinLnBrk="0" hangingPunct="1">
+                <a:defRPr sz="1800" kern="1200">
+                  <a:solidFill>
+                    <a:schemeClr val="lt1"/>
+                  </a:solidFill>
+                  <a:latin typeface="+mn-lt"/>
+                  <a:ea typeface="+mn-ea"/>
+                  <a:cs typeface="+mn-cs"/>
+                </a:defRPr>
+              </a:lvl7pPr>
+              <a:lvl8pPr marL="3200400" algn="l" defTabSz="914400" rtl="0" eaLnBrk="1" latinLnBrk="0" hangingPunct="1">
+                <a:defRPr sz="1800" kern="1200">
+                  <a:solidFill>
+                    <a:schemeClr val="lt1"/>
+                  </a:solidFill>
+                  <a:latin typeface="+mn-lt"/>
+                  <a:ea typeface="+mn-ea"/>
+                  <a:cs typeface="+mn-cs"/>
+                </a:defRPr>
+              </a:lvl8pPr>
+              <a:lvl9pPr marL="3657600" algn="l" defTabSz="914400" rtl="0" eaLnBrk="1" latinLnBrk="0" hangingPunct="1">
+                <a:defRPr sz="1800" kern="1200">
+                  <a:solidFill>
+                    <a:schemeClr val="lt1"/>
+                  </a:solidFill>
+                  <a:latin typeface="+mn-lt"/>
+                  <a:ea typeface="+mn-ea"/>
+                  <a:cs typeface="+mn-cs"/>
+                </a:defRPr>
+              </a:lvl9pPr>
+            </a:lstStyle>
+            <a:p>
+              <a:pPr algn="ctr"/>
+              <a:endParaRPr lang="pt-PT"/>
+            </a:p>
+          </p:txBody>
+        </p:sp>
+        <p:sp>
+          <p:nvSpPr>
+            <p:cNvPr id="9" name="Down Arrow 38">
+              <a:extLst>
+                <a:ext uri="{FF2B5EF4-FFF2-40B4-BE49-F238E27FC236}">
+                  <a16:creationId xmlns:a16="http://schemas.microsoft.com/office/drawing/2014/main" id="{F115CEC7-9B40-59BA-F610-AF08EFEAFA7E}"/>
+                </a:ext>
+              </a:extLst>
+            </p:cNvPr>
+            <p:cNvSpPr/>
+            <p:nvPr/>
+          </p:nvSpPr>
+          <p:spPr>
+            <a:xfrm rot="16200000">
+              <a:off x="2189773" y="4148585"/>
+              <a:ext cx="360040" cy="580087"/>
+            </a:xfrm>
+            <a:prstGeom prst="downArrow">
+              <a:avLst/>
+            </a:prstGeom>
+            <a:solidFill>
+              <a:srgbClr val="9F2D20"/>
+            </a:solidFill>
+            <a:ln>
+              <a:solidFill>
+                <a:schemeClr val="tx1"/>
+              </a:solidFill>
+            </a:ln>
+          </p:spPr>
+          <p:style>
+            <a:lnRef idx="2">
+              <a:schemeClr val="accent1">
+                <a:shade val="50000"/>
+              </a:schemeClr>
+            </a:lnRef>
+            <a:fillRef idx="1">
+              <a:schemeClr val="accent1"/>
+            </a:fillRef>
+            <a:effectRef idx="0">
+              <a:schemeClr val="accent1"/>
+            </a:effectRef>
+            <a:fontRef idx="minor">
+              <a:schemeClr val="lt1"/>
+            </a:fontRef>
+          </p:style>
+          <p:txBody>
+            <a:bodyPr rtlCol="0" anchor="ctr"/>
+            <a:lstStyle>
+              <a:defPPr>
+                <a:defRPr lang="en-US"/>
+              </a:defPPr>
+              <a:lvl1pPr marL="0" algn="l" defTabSz="914400" rtl="0" eaLnBrk="1" latinLnBrk="0" hangingPunct="1">
+                <a:defRPr sz="1800" kern="1200">
+                  <a:solidFill>
+                    <a:schemeClr val="lt1"/>
+                  </a:solidFill>
+                  <a:latin typeface="+mn-lt"/>
+                  <a:ea typeface="+mn-ea"/>
+                  <a:cs typeface="+mn-cs"/>
+                </a:defRPr>
+              </a:lvl1pPr>
+              <a:lvl2pPr marL="457200" algn="l" defTabSz="914400" rtl="0" eaLnBrk="1" latinLnBrk="0" hangingPunct="1">
+                <a:defRPr sz="1800" kern="1200">
+                  <a:solidFill>
+                    <a:schemeClr val="lt1"/>
+                  </a:solidFill>
+                  <a:latin typeface="+mn-lt"/>
+                  <a:ea typeface="+mn-ea"/>
+                  <a:cs typeface="+mn-cs"/>
+                </a:defRPr>
+              </a:lvl2pPr>
+              <a:lvl3pPr marL="914400" algn="l" defTabSz="914400" rtl="0" eaLnBrk="1" latinLnBrk="0" hangingPunct="1">
+                <a:defRPr sz="1800" kern="1200">
+                  <a:solidFill>
+                    <a:schemeClr val="lt1"/>
+                  </a:solidFill>
+                  <a:latin typeface="+mn-lt"/>
+                  <a:ea typeface="+mn-ea"/>
+                  <a:cs typeface="+mn-cs"/>
+                </a:defRPr>
+              </a:lvl3pPr>
+              <a:lvl4pPr marL="1371600" algn="l" defTabSz="914400" rtl="0" eaLnBrk="1" latinLnBrk="0" hangingPunct="1">
+                <a:defRPr sz="1800" kern="1200">
+                  <a:solidFill>
+                    <a:schemeClr val="lt1"/>
+                  </a:solidFill>
+                  <a:latin typeface="+mn-lt"/>
+                  <a:ea typeface="+mn-ea"/>
+                  <a:cs typeface="+mn-cs"/>
+                </a:defRPr>
+              </a:lvl4pPr>
+              <a:lvl5pPr marL="1828800" algn="l" defTabSz="914400" rtl="0" eaLnBrk="1" latinLnBrk="0" hangingPunct="1">
+                <a:defRPr sz="1800" kern="1200">
+                  <a:solidFill>
+                    <a:schemeClr val="lt1"/>
+                  </a:solidFill>
+                  <a:latin typeface="+mn-lt"/>
+                  <a:ea typeface="+mn-ea"/>
+                  <a:cs typeface="+mn-cs"/>
+                </a:defRPr>
+              </a:lvl5pPr>
+              <a:lvl6pPr marL="2286000" algn="l" defTabSz="914400" rtl="0" eaLnBrk="1" latinLnBrk="0" hangingPunct="1">
+                <a:defRPr sz="1800" kern="1200">
+                  <a:solidFill>
+                    <a:schemeClr val="lt1"/>
+                  </a:solidFill>
+                  <a:latin typeface="+mn-lt"/>
+                  <a:ea typeface="+mn-ea"/>
+                  <a:cs typeface="+mn-cs"/>
+                </a:defRPr>
+              </a:lvl6pPr>
+              <a:lvl7pPr marL="2743200" algn="l" defTabSz="914400" rtl="0" eaLnBrk="1" latinLnBrk="0" hangingPunct="1">
+                <a:defRPr sz="1800" kern="1200">
+                  <a:solidFill>
+                    <a:schemeClr val="lt1"/>
+                  </a:solidFill>
+                  <a:latin typeface="+mn-lt"/>
+                  <a:ea typeface="+mn-ea"/>
+                  <a:cs typeface="+mn-cs"/>
+                </a:defRPr>
+              </a:lvl7pPr>
+              <a:lvl8pPr marL="3200400" algn="l" defTabSz="914400" rtl="0" eaLnBrk="1" latinLnBrk="0" hangingPunct="1">
+                <a:defRPr sz="1800" kern="1200">
+                  <a:solidFill>
+                    <a:schemeClr val="lt1"/>
+                  </a:solidFill>
+                  <a:latin typeface="+mn-lt"/>
+                  <a:ea typeface="+mn-ea"/>
+                  <a:cs typeface="+mn-cs"/>
+                </a:defRPr>
+              </a:lvl8pPr>
+              <a:lvl9pPr marL="3657600" algn="l" defTabSz="914400" rtl="0" eaLnBrk="1" latinLnBrk="0" hangingPunct="1">
+                <a:defRPr sz="1800" kern="1200">
+                  <a:solidFill>
+                    <a:schemeClr val="lt1"/>
+                  </a:solidFill>
+                  <a:latin typeface="+mn-lt"/>
+                  <a:ea typeface="+mn-ea"/>
+                  <a:cs typeface="+mn-cs"/>
+                </a:defRPr>
+              </a:lvl9pPr>
+            </a:lstStyle>
+            <a:p>
+              <a:pPr algn="ctr"/>
+              <a:endParaRPr lang="pt-PT"/>
+            </a:p>
+          </p:txBody>
+        </p:sp>
+        <p:sp>
+          <p:nvSpPr>
+            <p:cNvPr id="10" name="Rectangle 39">
+              <a:extLst>
+                <a:ext uri="{FF2B5EF4-FFF2-40B4-BE49-F238E27FC236}">
+                  <a16:creationId xmlns:a16="http://schemas.microsoft.com/office/drawing/2014/main" id="{AA4D4DD6-6320-EE8C-E1C3-FC530368C660}"/>
+                </a:ext>
+              </a:extLst>
+            </p:cNvPr>
+            <p:cNvSpPr/>
+            <p:nvPr/>
+          </p:nvSpPr>
+          <p:spPr>
+            <a:xfrm>
+              <a:off x="2736294" y="4196218"/>
+              <a:ext cx="1105973" cy="484821"/>
+            </a:xfrm>
+            <a:prstGeom prst="rect">
+              <a:avLst/>
+            </a:prstGeom>
+            <a:solidFill>
+              <a:srgbClr val="9F2D20"/>
+            </a:solidFill>
+            <a:ln>
+              <a:solidFill>
+                <a:schemeClr val="tx1"/>
+              </a:solidFill>
+            </a:ln>
+          </p:spPr>
+          <p:style>
+            <a:lnRef idx="2">
+              <a:schemeClr val="accent1">
+                <a:shade val="50000"/>
+              </a:schemeClr>
+            </a:lnRef>
+            <a:fillRef idx="1">
+              <a:schemeClr val="accent1"/>
+            </a:fillRef>
+            <a:effectRef idx="0">
+              <a:schemeClr val="accent1"/>
+            </a:effectRef>
+            <a:fontRef idx="minor">
+              <a:schemeClr val="lt1"/>
+            </a:fontRef>
+          </p:style>
+          <p:txBody>
+            <a:bodyPr rtlCol="0" anchor="ctr"/>
+            <a:lstStyle>
+              <a:defPPr>
+                <a:defRPr lang="en-US"/>
+              </a:defPPr>
+              <a:lvl1pPr marL="0" algn="l" defTabSz="914400" rtl="0" eaLnBrk="1" latinLnBrk="0" hangingPunct="1">
+                <a:defRPr sz="1800" kern="1200">
+                  <a:solidFill>
+                    <a:schemeClr val="lt1"/>
+                  </a:solidFill>
+                  <a:latin typeface="+mn-lt"/>
+                  <a:ea typeface="+mn-ea"/>
+                  <a:cs typeface="+mn-cs"/>
+                </a:defRPr>
+              </a:lvl1pPr>
+              <a:lvl2pPr marL="457200" algn="l" defTabSz="914400" rtl="0" eaLnBrk="1" latinLnBrk="0" hangingPunct="1">
+                <a:defRPr sz="1800" kern="1200">
+                  <a:solidFill>
+                    <a:schemeClr val="lt1"/>
+                  </a:solidFill>
+                  <a:latin typeface="+mn-lt"/>
+                  <a:ea typeface="+mn-ea"/>
+                  <a:cs typeface="+mn-cs"/>
+                </a:defRPr>
+              </a:lvl2pPr>
+              <a:lvl3pPr marL="914400" algn="l" defTabSz="914400" rtl="0" eaLnBrk="1" latinLnBrk="0" hangingPunct="1">
+                <a:defRPr sz="1800" kern="1200">
+                  <a:solidFill>
+                    <a:schemeClr val="lt1"/>
+                  </a:solidFill>
+                  <a:latin typeface="+mn-lt"/>
+                  <a:ea typeface="+mn-ea"/>
+                  <a:cs typeface="+mn-cs"/>
+                </a:defRPr>
+              </a:lvl3pPr>
+              <a:lvl4pPr marL="1371600" algn="l" defTabSz="914400" rtl="0" eaLnBrk="1" latinLnBrk="0" hangingPunct="1">
+                <a:defRPr sz="1800" kern="1200">
+                  <a:solidFill>
+                    <a:schemeClr val="lt1"/>
+                  </a:solidFill>
+                  <a:latin typeface="+mn-lt"/>
+                  <a:ea typeface="+mn-ea"/>
+                  <a:cs typeface="+mn-cs"/>
+                </a:defRPr>
+              </a:lvl4pPr>
+              <a:lvl5pPr marL="1828800" algn="l" defTabSz="914400" rtl="0" eaLnBrk="1" latinLnBrk="0" hangingPunct="1">
+                <a:defRPr sz="1800" kern="1200">
+                  <a:solidFill>
+                    <a:schemeClr val="lt1"/>
+                  </a:solidFill>
+                  <a:latin typeface="+mn-lt"/>
+                  <a:ea typeface="+mn-ea"/>
+                  <a:cs typeface="+mn-cs"/>
+                </a:defRPr>
+              </a:lvl5pPr>
+              <a:lvl6pPr marL="2286000" algn="l" defTabSz="914400" rtl="0" eaLnBrk="1" latinLnBrk="0" hangingPunct="1">
+                <a:defRPr sz="1800" kern="1200">
+                  <a:solidFill>
+                    <a:schemeClr val="lt1"/>
+                  </a:solidFill>
+                  <a:latin typeface="+mn-lt"/>
+                  <a:ea typeface="+mn-ea"/>
+                  <a:cs typeface="+mn-cs"/>
+                </a:defRPr>
+              </a:lvl6pPr>
+              <a:lvl7pPr marL="2743200" algn="l" defTabSz="914400" rtl="0" eaLnBrk="1" latinLnBrk="0" hangingPunct="1">
+                <a:defRPr sz="1800" kern="1200">
+                  <a:solidFill>
+                    <a:schemeClr val="lt1"/>
+                  </a:solidFill>
+                  <a:latin typeface="+mn-lt"/>
+                  <a:ea typeface="+mn-ea"/>
+                  <a:cs typeface="+mn-cs"/>
+                </a:defRPr>
+              </a:lvl7pPr>
+              <a:lvl8pPr marL="3200400" algn="l" defTabSz="914400" rtl="0" eaLnBrk="1" latinLnBrk="0" hangingPunct="1">
+                <a:defRPr sz="1800" kern="1200">
+                  <a:solidFill>
+                    <a:schemeClr val="lt1"/>
+                  </a:solidFill>
+                  <a:latin typeface="+mn-lt"/>
+                  <a:ea typeface="+mn-ea"/>
+                  <a:cs typeface="+mn-cs"/>
+                </a:defRPr>
+              </a:lvl8pPr>
+              <a:lvl9pPr marL="3657600" algn="l" defTabSz="914400" rtl="0" eaLnBrk="1" latinLnBrk="0" hangingPunct="1">
+                <a:defRPr sz="1800" kern="1200">
+                  <a:solidFill>
+                    <a:schemeClr val="lt1"/>
+                  </a:solidFill>
+                  <a:latin typeface="+mn-lt"/>
+                  <a:ea typeface="+mn-ea"/>
+                  <a:cs typeface="+mn-cs"/>
+                </a:defRPr>
+              </a:lvl9pPr>
+            </a:lstStyle>
+            <a:p>
+              <a:pPr algn="ctr"/>
+              <a:r>
+                <a:rPr lang="en-US" sz="1400" dirty="0"/>
+                <a:t>Build RCL</a:t>
+              </a:r>
+            </a:p>
+          </p:txBody>
+        </p:sp>
+        <p:sp>
+          <p:nvSpPr>
+            <p:cNvPr id="11" name="Rectangle 40">
+              <a:extLst>
+                <a:ext uri="{FF2B5EF4-FFF2-40B4-BE49-F238E27FC236}">
+                  <a16:creationId xmlns:a16="http://schemas.microsoft.com/office/drawing/2014/main" id="{81E39998-6AA7-DE6D-4E24-584830E036D2}"/>
+                </a:ext>
+              </a:extLst>
+            </p:cNvPr>
+            <p:cNvSpPr/>
+            <p:nvPr/>
+          </p:nvSpPr>
+          <p:spPr>
+            <a:xfrm>
+              <a:off x="399444" y="4196218"/>
+              <a:ext cx="1603848" cy="484821"/>
+            </a:xfrm>
+            <a:prstGeom prst="rect">
+              <a:avLst/>
+            </a:prstGeom>
+            <a:solidFill>
+              <a:srgbClr val="9F2D20"/>
+            </a:solidFill>
+            <a:ln>
+              <a:solidFill>
+                <a:schemeClr val="tx1"/>
+              </a:solidFill>
+            </a:ln>
+          </p:spPr>
+          <p:style>
+            <a:lnRef idx="2">
+              <a:schemeClr val="accent1">
+                <a:shade val="50000"/>
+              </a:schemeClr>
+            </a:lnRef>
+            <a:fillRef idx="1">
+              <a:schemeClr val="accent1"/>
+            </a:fillRef>
+            <a:effectRef idx="0">
+              <a:schemeClr val="accent1"/>
+            </a:effectRef>
+            <a:fontRef idx="minor">
+              <a:schemeClr val="lt1"/>
+            </a:fontRef>
+          </p:style>
+          <p:txBody>
+            <a:bodyPr rtlCol="0" anchor="ctr"/>
+            <a:lstStyle>
+              <a:defPPr>
+                <a:defRPr lang="en-US"/>
+              </a:defPPr>
+              <a:lvl1pPr marL="0" algn="l" defTabSz="914400" rtl="0" eaLnBrk="1" latinLnBrk="0" hangingPunct="1">
+                <a:defRPr sz="1800" kern="1200">
+                  <a:solidFill>
+                    <a:schemeClr val="lt1"/>
+                  </a:solidFill>
+                  <a:latin typeface="+mn-lt"/>
+                  <a:ea typeface="+mn-ea"/>
+                  <a:cs typeface="+mn-cs"/>
+                </a:defRPr>
+              </a:lvl1pPr>
+              <a:lvl2pPr marL="457200" algn="l" defTabSz="914400" rtl="0" eaLnBrk="1" latinLnBrk="0" hangingPunct="1">
+                <a:defRPr sz="1800" kern="1200">
+                  <a:solidFill>
+                    <a:schemeClr val="lt1"/>
+                  </a:solidFill>
+                  <a:latin typeface="+mn-lt"/>
+                  <a:ea typeface="+mn-ea"/>
+                  <a:cs typeface="+mn-cs"/>
+                </a:defRPr>
+              </a:lvl2pPr>
+              <a:lvl3pPr marL="914400" algn="l" defTabSz="914400" rtl="0" eaLnBrk="1" latinLnBrk="0" hangingPunct="1">
+                <a:defRPr sz="1800" kern="1200">
+                  <a:solidFill>
+                    <a:schemeClr val="lt1"/>
+                  </a:solidFill>
+                  <a:latin typeface="+mn-lt"/>
+                  <a:ea typeface="+mn-ea"/>
+                  <a:cs typeface="+mn-cs"/>
+                </a:defRPr>
+              </a:lvl3pPr>
+              <a:lvl4pPr marL="1371600" algn="l" defTabSz="914400" rtl="0" eaLnBrk="1" latinLnBrk="0" hangingPunct="1">
+                <a:defRPr sz="1800" kern="1200">
+                  <a:solidFill>
+                    <a:schemeClr val="lt1"/>
+                  </a:solidFill>
+                  <a:latin typeface="+mn-lt"/>
+                  <a:ea typeface="+mn-ea"/>
+                  <a:cs typeface="+mn-cs"/>
+                </a:defRPr>
+              </a:lvl4pPr>
+              <a:lvl5pPr marL="1828800" algn="l" defTabSz="914400" rtl="0" eaLnBrk="1" latinLnBrk="0" hangingPunct="1">
+                <a:defRPr sz="1800" kern="1200">
+                  <a:solidFill>
+                    <a:schemeClr val="lt1"/>
+                  </a:solidFill>
+                  <a:latin typeface="+mn-lt"/>
+                  <a:ea typeface="+mn-ea"/>
+                  <a:cs typeface="+mn-cs"/>
+                </a:defRPr>
+              </a:lvl5pPr>
+              <a:lvl6pPr marL="2286000" algn="l" defTabSz="914400" rtl="0" eaLnBrk="1" latinLnBrk="0" hangingPunct="1">
+                <a:defRPr sz="1800" kern="1200">
+                  <a:solidFill>
+                    <a:schemeClr val="lt1"/>
+                  </a:solidFill>
+                  <a:latin typeface="+mn-lt"/>
+                  <a:ea typeface="+mn-ea"/>
+                  <a:cs typeface="+mn-cs"/>
+                </a:defRPr>
+              </a:lvl6pPr>
+              <a:lvl7pPr marL="2743200" algn="l" defTabSz="914400" rtl="0" eaLnBrk="1" latinLnBrk="0" hangingPunct="1">
+                <a:defRPr sz="1800" kern="1200">
+                  <a:solidFill>
+                    <a:schemeClr val="lt1"/>
+                  </a:solidFill>
+                  <a:latin typeface="+mn-lt"/>
+                  <a:ea typeface="+mn-ea"/>
+                  <a:cs typeface="+mn-cs"/>
+                </a:defRPr>
+              </a:lvl7pPr>
+              <a:lvl8pPr marL="3200400" algn="l" defTabSz="914400" rtl="0" eaLnBrk="1" latinLnBrk="0" hangingPunct="1">
+                <a:defRPr sz="1800" kern="1200">
+                  <a:solidFill>
+                    <a:schemeClr val="lt1"/>
+                  </a:solidFill>
+                  <a:latin typeface="+mn-lt"/>
+                  <a:ea typeface="+mn-ea"/>
+                  <a:cs typeface="+mn-cs"/>
+                </a:defRPr>
+              </a:lvl8pPr>
+              <a:lvl9pPr marL="3657600" algn="l" defTabSz="914400" rtl="0" eaLnBrk="1" latinLnBrk="0" hangingPunct="1">
+                <a:defRPr sz="1800" kern="1200">
+                  <a:solidFill>
+                    <a:schemeClr val="lt1"/>
+                  </a:solidFill>
+                  <a:latin typeface="+mn-lt"/>
+                  <a:ea typeface="+mn-ea"/>
+                  <a:cs typeface="+mn-cs"/>
+                </a:defRPr>
+              </a:lvl9pPr>
+            </a:lstStyle>
+            <a:p>
+              <a:pPr algn="ctr"/>
+              <a:r>
+                <a:rPr lang="en-US" sz="1400" dirty="0"/>
+                <a:t>Initialize elements</a:t>
+              </a:r>
+            </a:p>
+          </p:txBody>
+        </p:sp>
+        <p:sp>
+          <p:nvSpPr>
+            <p:cNvPr id="12" name="Rectangle 41">
+              <a:extLst>
+                <a:ext uri="{FF2B5EF4-FFF2-40B4-BE49-F238E27FC236}">
+                  <a16:creationId xmlns:a16="http://schemas.microsoft.com/office/drawing/2014/main" id="{C4A500D8-1255-1C32-E663-45A9A19147CF}"/>
+                </a:ext>
+              </a:extLst>
+            </p:cNvPr>
+            <p:cNvSpPr/>
+            <p:nvPr/>
+          </p:nvSpPr>
+          <p:spPr>
+            <a:xfrm>
+              <a:off x="2469524" y="5341426"/>
+              <a:ext cx="1639513" cy="484821"/>
+            </a:xfrm>
+            <a:prstGeom prst="rect">
+              <a:avLst/>
+            </a:prstGeom>
+            <a:solidFill>
+              <a:srgbClr val="9F2D20"/>
+            </a:solidFill>
+            <a:ln>
+              <a:solidFill>
+                <a:schemeClr val="tx1"/>
+              </a:solidFill>
+            </a:ln>
+          </p:spPr>
+          <p:style>
+            <a:lnRef idx="2">
+              <a:schemeClr val="accent1">
+                <a:shade val="50000"/>
+              </a:schemeClr>
+            </a:lnRef>
+            <a:fillRef idx="1">
+              <a:schemeClr val="accent1"/>
+            </a:fillRef>
+            <a:effectRef idx="0">
+              <a:schemeClr val="accent1"/>
+            </a:effectRef>
+            <a:fontRef idx="minor">
+              <a:schemeClr val="lt1"/>
+            </a:fontRef>
+          </p:style>
+          <p:txBody>
+            <a:bodyPr rtlCol="0" anchor="ctr"/>
+            <a:lstStyle>
+              <a:defPPr>
+                <a:defRPr lang="en-US"/>
+              </a:defPPr>
+              <a:lvl1pPr marL="0" algn="l" defTabSz="914400" rtl="0" eaLnBrk="1" latinLnBrk="0" hangingPunct="1">
+                <a:defRPr sz="1800" kern="1200">
+                  <a:solidFill>
+                    <a:schemeClr val="lt1"/>
+                  </a:solidFill>
+                  <a:latin typeface="+mn-lt"/>
+                  <a:ea typeface="+mn-ea"/>
+                  <a:cs typeface="+mn-cs"/>
+                </a:defRPr>
+              </a:lvl1pPr>
+              <a:lvl2pPr marL="457200" algn="l" defTabSz="914400" rtl="0" eaLnBrk="1" latinLnBrk="0" hangingPunct="1">
+                <a:defRPr sz="1800" kern="1200">
+                  <a:solidFill>
+                    <a:schemeClr val="lt1"/>
+                  </a:solidFill>
+                  <a:latin typeface="+mn-lt"/>
+                  <a:ea typeface="+mn-ea"/>
+                  <a:cs typeface="+mn-cs"/>
+                </a:defRPr>
+              </a:lvl2pPr>
+              <a:lvl3pPr marL="914400" algn="l" defTabSz="914400" rtl="0" eaLnBrk="1" latinLnBrk="0" hangingPunct="1">
+                <a:defRPr sz="1800" kern="1200">
+                  <a:solidFill>
+                    <a:schemeClr val="lt1"/>
+                  </a:solidFill>
+                  <a:latin typeface="+mn-lt"/>
+                  <a:ea typeface="+mn-ea"/>
+                  <a:cs typeface="+mn-cs"/>
+                </a:defRPr>
+              </a:lvl3pPr>
+              <a:lvl4pPr marL="1371600" algn="l" defTabSz="914400" rtl="0" eaLnBrk="1" latinLnBrk="0" hangingPunct="1">
+                <a:defRPr sz="1800" kern="1200">
+                  <a:solidFill>
+                    <a:schemeClr val="lt1"/>
+                  </a:solidFill>
+                  <a:latin typeface="+mn-lt"/>
+                  <a:ea typeface="+mn-ea"/>
+                  <a:cs typeface="+mn-cs"/>
+                </a:defRPr>
+              </a:lvl4pPr>
+              <a:lvl5pPr marL="1828800" algn="l" defTabSz="914400" rtl="0" eaLnBrk="1" latinLnBrk="0" hangingPunct="1">
+                <a:defRPr sz="1800" kern="1200">
+                  <a:solidFill>
+                    <a:schemeClr val="lt1"/>
+                  </a:solidFill>
+                  <a:latin typeface="+mn-lt"/>
+                  <a:ea typeface="+mn-ea"/>
+                  <a:cs typeface="+mn-cs"/>
+                </a:defRPr>
+              </a:lvl5pPr>
+              <a:lvl6pPr marL="2286000" algn="l" defTabSz="914400" rtl="0" eaLnBrk="1" latinLnBrk="0" hangingPunct="1">
+                <a:defRPr sz="1800" kern="1200">
+                  <a:solidFill>
+                    <a:schemeClr val="lt1"/>
+                  </a:solidFill>
+                  <a:latin typeface="+mn-lt"/>
+                  <a:ea typeface="+mn-ea"/>
+                  <a:cs typeface="+mn-cs"/>
+                </a:defRPr>
+              </a:lvl6pPr>
+              <a:lvl7pPr marL="2743200" algn="l" defTabSz="914400" rtl="0" eaLnBrk="1" latinLnBrk="0" hangingPunct="1">
+                <a:defRPr sz="1800" kern="1200">
+                  <a:solidFill>
+                    <a:schemeClr val="lt1"/>
+                  </a:solidFill>
+                  <a:latin typeface="+mn-lt"/>
+                  <a:ea typeface="+mn-ea"/>
+                  <a:cs typeface="+mn-cs"/>
+                </a:defRPr>
+              </a:lvl7pPr>
+              <a:lvl8pPr marL="3200400" algn="l" defTabSz="914400" rtl="0" eaLnBrk="1" latinLnBrk="0" hangingPunct="1">
+                <a:defRPr sz="1800" kern="1200">
+                  <a:solidFill>
+                    <a:schemeClr val="lt1"/>
+                  </a:solidFill>
+                  <a:latin typeface="+mn-lt"/>
+                  <a:ea typeface="+mn-ea"/>
+                  <a:cs typeface="+mn-cs"/>
+                </a:defRPr>
+              </a:lvl8pPr>
+              <a:lvl9pPr marL="3657600" algn="l" defTabSz="914400" rtl="0" eaLnBrk="1" latinLnBrk="0" hangingPunct="1">
+                <a:defRPr sz="1800" kern="1200">
+                  <a:solidFill>
+                    <a:schemeClr val="lt1"/>
+                  </a:solidFill>
+                  <a:latin typeface="+mn-lt"/>
+                  <a:ea typeface="+mn-ea"/>
+                  <a:cs typeface="+mn-cs"/>
+                </a:defRPr>
+              </a:lvl9pPr>
+            </a:lstStyle>
+            <a:p>
+              <a:pPr algn="ctr"/>
+              <a:r>
+                <a:rPr lang="en-US" sz="1400" dirty="0"/>
+                <a:t>Randomly choose an element</a:t>
+              </a:r>
+            </a:p>
+          </p:txBody>
+        </p:sp>
+        <p:sp>
+          <p:nvSpPr>
+            <p:cNvPr id="13" name="Down Arrow 42">
+              <a:extLst>
+                <a:ext uri="{FF2B5EF4-FFF2-40B4-BE49-F238E27FC236}">
+                  <a16:creationId xmlns:a16="http://schemas.microsoft.com/office/drawing/2014/main" id="{2E94B3F3-EBDB-196A-115E-9EDD6DC847BF}"/>
+                </a:ext>
+              </a:extLst>
+            </p:cNvPr>
+            <p:cNvSpPr/>
+            <p:nvPr/>
+          </p:nvSpPr>
+          <p:spPr>
+            <a:xfrm>
+              <a:off x="3109260" y="4827956"/>
+              <a:ext cx="360040" cy="360040"/>
+            </a:xfrm>
+            <a:prstGeom prst="downArrow">
+              <a:avLst/>
+            </a:prstGeom>
+            <a:solidFill>
+              <a:srgbClr val="9F2D20"/>
+            </a:solidFill>
+            <a:ln>
+              <a:solidFill>
+                <a:schemeClr val="tx1"/>
+              </a:solidFill>
+            </a:ln>
+          </p:spPr>
+          <p:style>
+            <a:lnRef idx="2">
+              <a:schemeClr val="accent1">
+                <a:shade val="50000"/>
+              </a:schemeClr>
+            </a:lnRef>
+            <a:fillRef idx="1">
+              <a:schemeClr val="accent1"/>
+            </a:fillRef>
+            <a:effectRef idx="0">
+              <a:schemeClr val="accent1"/>
+            </a:effectRef>
+            <a:fontRef idx="minor">
+              <a:schemeClr val="lt1"/>
+            </a:fontRef>
+          </p:style>
+          <p:txBody>
+            <a:bodyPr rtlCol="0" anchor="ctr"/>
+            <a:lstStyle>
+              <a:defPPr>
+                <a:defRPr lang="en-US"/>
+              </a:defPPr>
+              <a:lvl1pPr marL="0" algn="l" defTabSz="914400" rtl="0" eaLnBrk="1" latinLnBrk="0" hangingPunct="1">
+                <a:defRPr sz="1800" kern="1200">
+                  <a:solidFill>
+                    <a:schemeClr val="lt1"/>
+                  </a:solidFill>
+                  <a:latin typeface="+mn-lt"/>
+                  <a:ea typeface="+mn-ea"/>
+                  <a:cs typeface="+mn-cs"/>
+                </a:defRPr>
+              </a:lvl1pPr>
+              <a:lvl2pPr marL="457200" algn="l" defTabSz="914400" rtl="0" eaLnBrk="1" latinLnBrk="0" hangingPunct="1">
+                <a:defRPr sz="1800" kern="1200">
+                  <a:solidFill>
+                    <a:schemeClr val="lt1"/>
+                  </a:solidFill>
+                  <a:latin typeface="+mn-lt"/>
+                  <a:ea typeface="+mn-ea"/>
+                  <a:cs typeface="+mn-cs"/>
+                </a:defRPr>
+              </a:lvl2pPr>
+              <a:lvl3pPr marL="914400" algn="l" defTabSz="914400" rtl="0" eaLnBrk="1" latinLnBrk="0" hangingPunct="1">
+                <a:defRPr sz="1800" kern="1200">
+                  <a:solidFill>
+                    <a:schemeClr val="lt1"/>
+                  </a:solidFill>
+                  <a:latin typeface="+mn-lt"/>
+                  <a:ea typeface="+mn-ea"/>
+                  <a:cs typeface="+mn-cs"/>
+                </a:defRPr>
+              </a:lvl3pPr>
+              <a:lvl4pPr marL="1371600" algn="l" defTabSz="914400" rtl="0" eaLnBrk="1" latinLnBrk="0" hangingPunct="1">
+                <a:defRPr sz="1800" kern="1200">
+                  <a:solidFill>
+                    <a:schemeClr val="lt1"/>
+                  </a:solidFill>
+                  <a:latin typeface="+mn-lt"/>
+                  <a:ea typeface="+mn-ea"/>
+                  <a:cs typeface="+mn-cs"/>
+                </a:defRPr>
+              </a:lvl4pPr>
+              <a:lvl5pPr marL="1828800" algn="l" defTabSz="914400" rtl="0" eaLnBrk="1" latinLnBrk="0" hangingPunct="1">
+                <a:defRPr sz="1800" kern="1200">
+                  <a:solidFill>
+                    <a:schemeClr val="lt1"/>
+                  </a:solidFill>
+                  <a:latin typeface="+mn-lt"/>
+                  <a:ea typeface="+mn-ea"/>
+                  <a:cs typeface="+mn-cs"/>
+                </a:defRPr>
+              </a:lvl5pPr>
+              <a:lvl6pPr marL="2286000" algn="l" defTabSz="914400" rtl="0" eaLnBrk="1" latinLnBrk="0" hangingPunct="1">
+                <a:defRPr sz="1800" kern="1200">
+                  <a:solidFill>
+                    <a:schemeClr val="lt1"/>
+                  </a:solidFill>
+                  <a:latin typeface="+mn-lt"/>
+                  <a:ea typeface="+mn-ea"/>
+                  <a:cs typeface="+mn-cs"/>
+                </a:defRPr>
+              </a:lvl6pPr>
+              <a:lvl7pPr marL="2743200" algn="l" defTabSz="914400" rtl="0" eaLnBrk="1" latinLnBrk="0" hangingPunct="1">
+                <a:defRPr sz="1800" kern="1200">
+                  <a:solidFill>
+                    <a:schemeClr val="lt1"/>
+                  </a:solidFill>
+                  <a:latin typeface="+mn-lt"/>
+                  <a:ea typeface="+mn-ea"/>
+                  <a:cs typeface="+mn-cs"/>
+                </a:defRPr>
+              </a:lvl7pPr>
+              <a:lvl8pPr marL="3200400" algn="l" defTabSz="914400" rtl="0" eaLnBrk="1" latinLnBrk="0" hangingPunct="1">
+                <a:defRPr sz="1800" kern="1200">
+                  <a:solidFill>
+                    <a:schemeClr val="lt1"/>
+                  </a:solidFill>
+                  <a:latin typeface="+mn-lt"/>
+                  <a:ea typeface="+mn-ea"/>
+                  <a:cs typeface="+mn-cs"/>
+                </a:defRPr>
+              </a:lvl8pPr>
+              <a:lvl9pPr marL="3657600" algn="l" defTabSz="914400" rtl="0" eaLnBrk="1" latinLnBrk="0" hangingPunct="1">
+                <a:defRPr sz="1800" kern="1200">
+                  <a:solidFill>
+                    <a:schemeClr val="lt1"/>
+                  </a:solidFill>
+                  <a:latin typeface="+mn-lt"/>
+                  <a:ea typeface="+mn-ea"/>
+                  <a:cs typeface="+mn-cs"/>
+                </a:defRPr>
+              </a:lvl9pPr>
+            </a:lstStyle>
+            <a:p>
+              <a:pPr algn="ctr"/>
+              <a:endParaRPr lang="pt-PT"/>
+            </a:p>
+          </p:txBody>
+        </p:sp>
+        <p:sp>
+          <p:nvSpPr>
+            <p:cNvPr id="14" name="Rectangle 43">
+              <a:extLst>
+                <a:ext uri="{FF2B5EF4-FFF2-40B4-BE49-F238E27FC236}">
+                  <a16:creationId xmlns:a16="http://schemas.microsoft.com/office/drawing/2014/main" id="{F74E6E1A-7604-AB35-8E05-2311A45FB773}"/>
+                </a:ext>
+              </a:extLst>
+            </p:cNvPr>
+            <p:cNvSpPr/>
+            <p:nvPr/>
+          </p:nvSpPr>
+          <p:spPr>
+            <a:xfrm>
+              <a:off x="4699565" y="5341424"/>
+              <a:ext cx="1639513" cy="484821"/>
+            </a:xfrm>
+            <a:prstGeom prst="rect">
+              <a:avLst/>
+            </a:prstGeom>
+            <a:solidFill>
+              <a:srgbClr val="9F2D20"/>
+            </a:solidFill>
+            <a:ln>
+              <a:solidFill>
+                <a:schemeClr val="tx1"/>
+              </a:solidFill>
+            </a:ln>
+          </p:spPr>
+          <p:style>
+            <a:lnRef idx="2">
+              <a:schemeClr val="accent1">
+                <a:shade val="50000"/>
+              </a:schemeClr>
+            </a:lnRef>
+            <a:fillRef idx="1">
+              <a:schemeClr val="accent1"/>
+            </a:fillRef>
+            <a:effectRef idx="0">
+              <a:schemeClr val="accent1"/>
+            </a:effectRef>
+            <a:fontRef idx="minor">
+              <a:schemeClr val="lt1"/>
+            </a:fontRef>
+          </p:style>
+          <p:txBody>
+            <a:bodyPr rtlCol="0" anchor="ctr"/>
+            <a:lstStyle>
+              <a:defPPr>
+                <a:defRPr lang="en-US"/>
+              </a:defPPr>
+              <a:lvl1pPr marL="0" algn="l" defTabSz="914400" rtl="0" eaLnBrk="1" latinLnBrk="0" hangingPunct="1">
+                <a:defRPr sz="1800" kern="1200">
+                  <a:solidFill>
+                    <a:schemeClr val="lt1"/>
+                  </a:solidFill>
+                  <a:latin typeface="+mn-lt"/>
+                  <a:ea typeface="+mn-ea"/>
+                  <a:cs typeface="+mn-cs"/>
+                </a:defRPr>
+              </a:lvl1pPr>
+              <a:lvl2pPr marL="457200" algn="l" defTabSz="914400" rtl="0" eaLnBrk="1" latinLnBrk="0" hangingPunct="1">
+                <a:defRPr sz="1800" kern="1200">
+                  <a:solidFill>
+                    <a:schemeClr val="lt1"/>
+                  </a:solidFill>
+                  <a:latin typeface="+mn-lt"/>
+                  <a:ea typeface="+mn-ea"/>
+                  <a:cs typeface="+mn-cs"/>
+                </a:defRPr>
+              </a:lvl2pPr>
+              <a:lvl3pPr marL="914400" algn="l" defTabSz="914400" rtl="0" eaLnBrk="1" latinLnBrk="0" hangingPunct="1">
+                <a:defRPr sz="1800" kern="1200">
+                  <a:solidFill>
+                    <a:schemeClr val="lt1"/>
+                  </a:solidFill>
+                  <a:latin typeface="+mn-lt"/>
+                  <a:ea typeface="+mn-ea"/>
+                  <a:cs typeface="+mn-cs"/>
+                </a:defRPr>
+              </a:lvl3pPr>
+              <a:lvl4pPr marL="1371600" algn="l" defTabSz="914400" rtl="0" eaLnBrk="1" latinLnBrk="0" hangingPunct="1">
+                <a:defRPr sz="1800" kern="1200">
+                  <a:solidFill>
+                    <a:schemeClr val="lt1"/>
+                  </a:solidFill>
+                  <a:latin typeface="+mn-lt"/>
+                  <a:ea typeface="+mn-ea"/>
+                  <a:cs typeface="+mn-cs"/>
+                </a:defRPr>
+              </a:lvl4pPr>
+              <a:lvl5pPr marL="1828800" algn="l" defTabSz="914400" rtl="0" eaLnBrk="1" latinLnBrk="0" hangingPunct="1">
+                <a:defRPr sz="1800" kern="1200">
+                  <a:solidFill>
+                    <a:schemeClr val="lt1"/>
+                  </a:solidFill>
+                  <a:latin typeface="+mn-lt"/>
+                  <a:ea typeface="+mn-ea"/>
+                  <a:cs typeface="+mn-cs"/>
+                </a:defRPr>
+              </a:lvl5pPr>
+              <a:lvl6pPr marL="2286000" algn="l" defTabSz="914400" rtl="0" eaLnBrk="1" latinLnBrk="0" hangingPunct="1">
+                <a:defRPr sz="1800" kern="1200">
+                  <a:solidFill>
+                    <a:schemeClr val="lt1"/>
+                  </a:solidFill>
+                  <a:latin typeface="+mn-lt"/>
+                  <a:ea typeface="+mn-ea"/>
+                  <a:cs typeface="+mn-cs"/>
+                </a:defRPr>
+              </a:lvl6pPr>
+              <a:lvl7pPr marL="2743200" algn="l" defTabSz="914400" rtl="0" eaLnBrk="1" latinLnBrk="0" hangingPunct="1">
+                <a:defRPr sz="1800" kern="1200">
+                  <a:solidFill>
+                    <a:schemeClr val="lt1"/>
+                  </a:solidFill>
+                  <a:latin typeface="+mn-lt"/>
+                  <a:ea typeface="+mn-ea"/>
+                  <a:cs typeface="+mn-cs"/>
+                </a:defRPr>
+              </a:lvl7pPr>
+              <a:lvl8pPr marL="3200400" algn="l" defTabSz="914400" rtl="0" eaLnBrk="1" latinLnBrk="0" hangingPunct="1">
+                <a:defRPr sz="1800" kern="1200">
+                  <a:solidFill>
+                    <a:schemeClr val="lt1"/>
+                  </a:solidFill>
+                  <a:latin typeface="+mn-lt"/>
+                  <a:ea typeface="+mn-ea"/>
+                  <a:cs typeface="+mn-cs"/>
+                </a:defRPr>
+              </a:lvl8pPr>
+              <a:lvl9pPr marL="3657600" algn="l" defTabSz="914400" rtl="0" eaLnBrk="1" latinLnBrk="0" hangingPunct="1">
+                <a:defRPr sz="1800" kern="1200">
+                  <a:solidFill>
+                    <a:schemeClr val="lt1"/>
+                  </a:solidFill>
+                  <a:latin typeface="+mn-lt"/>
+                  <a:ea typeface="+mn-ea"/>
+                  <a:cs typeface="+mn-cs"/>
+                </a:defRPr>
+              </a:lvl9pPr>
+            </a:lstStyle>
+            <a:p>
+              <a:pPr algn="ctr"/>
+              <a:r>
+                <a:rPr lang="en-US" sz="1400" dirty="0"/>
+                <a:t>Update Solution</a:t>
+              </a:r>
+            </a:p>
+          </p:txBody>
+        </p:sp>
+        <p:sp>
+          <p:nvSpPr>
+            <p:cNvPr id="15" name="Down Arrow 44">
+              <a:extLst>
+                <a:ext uri="{FF2B5EF4-FFF2-40B4-BE49-F238E27FC236}">
+                  <a16:creationId xmlns:a16="http://schemas.microsoft.com/office/drawing/2014/main" id="{A18E0986-0104-6A2F-ACE8-C84B07C564AE}"/>
+                </a:ext>
+              </a:extLst>
+            </p:cNvPr>
+            <p:cNvSpPr/>
+            <p:nvPr/>
+          </p:nvSpPr>
+          <p:spPr>
+            <a:xfrm rot="10800000">
+              <a:off x="5339301" y="4827955"/>
+              <a:ext cx="360040" cy="360040"/>
+            </a:xfrm>
+            <a:prstGeom prst="downArrow">
+              <a:avLst/>
+            </a:prstGeom>
+            <a:solidFill>
+              <a:srgbClr val="9F2D20"/>
+            </a:solidFill>
+            <a:ln>
+              <a:solidFill>
+                <a:schemeClr val="tx1"/>
+              </a:solidFill>
+            </a:ln>
+          </p:spPr>
+          <p:style>
+            <a:lnRef idx="2">
+              <a:schemeClr val="accent1">
+                <a:shade val="50000"/>
+              </a:schemeClr>
+            </a:lnRef>
+            <a:fillRef idx="1">
+              <a:schemeClr val="accent1"/>
+            </a:fillRef>
+            <a:effectRef idx="0">
+              <a:schemeClr val="accent1"/>
+            </a:effectRef>
+            <a:fontRef idx="minor">
+              <a:schemeClr val="lt1"/>
+            </a:fontRef>
+          </p:style>
+          <p:txBody>
+            <a:bodyPr rtlCol="0" anchor="ctr"/>
+            <a:lstStyle>
+              <a:defPPr>
+                <a:defRPr lang="en-US"/>
+              </a:defPPr>
+              <a:lvl1pPr marL="0" algn="l" defTabSz="914400" rtl="0" eaLnBrk="1" latinLnBrk="0" hangingPunct="1">
+                <a:defRPr sz="1800" kern="1200">
+                  <a:solidFill>
+                    <a:schemeClr val="lt1"/>
+                  </a:solidFill>
+                  <a:latin typeface="+mn-lt"/>
+                  <a:ea typeface="+mn-ea"/>
+                  <a:cs typeface="+mn-cs"/>
+                </a:defRPr>
+              </a:lvl1pPr>
+              <a:lvl2pPr marL="457200" algn="l" defTabSz="914400" rtl="0" eaLnBrk="1" latinLnBrk="0" hangingPunct="1">
+                <a:defRPr sz="1800" kern="1200">
+                  <a:solidFill>
+                    <a:schemeClr val="lt1"/>
+                  </a:solidFill>
+                  <a:latin typeface="+mn-lt"/>
+                  <a:ea typeface="+mn-ea"/>
+                  <a:cs typeface="+mn-cs"/>
+                </a:defRPr>
+              </a:lvl2pPr>
+              <a:lvl3pPr marL="914400" algn="l" defTabSz="914400" rtl="0" eaLnBrk="1" latinLnBrk="0" hangingPunct="1">
+                <a:defRPr sz="1800" kern="1200">
+                  <a:solidFill>
+                    <a:schemeClr val="lt1"/>
+                  </a:solidFill>
+                  <a:latin typeface="+mn-lt"/>
+                  <a:ea typeface="+mn-ea"/>
+                  <a:cs typeface="+mn-cs"/>
+                </a:defRPr>
+              </a:lvl3pPr>
+              <a:lvl4pPr marL="1371600" algn="l" defTabSz="914400" rtl="0" eaLnBrk="1" latinLnBrk="0" hangingPunct="1">
+                <a:defRPr sz="1800" kern="1200">
+                  <a:solidFill>
+                    <a:schemeClr val="lt1"/>
+                  </a:solidFill>
+                  <a:latin typeface="+mn-lt"/>
+                  <a:ea typeface="+mn-ea"/>
+                  <a:cs typeface="+mn-cs"/>
+                </a:defRPr>
+              </a:lvl4pPr>
+              <a:lvl5pPr marL="1828800" algn="l" defTabSz="914400" rtl="0" eaLnBrk="1" latinLnBrk="0" hangingPunct="1">
+                <a:defRPr sz="1800" kern="1200">
+                  <a:solidFill>
+                    <a:schemeClr val="lt1"/>
+                  </a:solidFill>
+                  <a:latin typeface="+mn-lt"/>
+                  <a:ea typeface="+mn-ea"/>
+                  <a:cs typeface="+mn-cs"/>
+                </a:defRPr>
+              </a:lvl5pPr>
+              <a:lvl6pPr marL="2286000" algn="l" defTabSz="914400" rtl="0" eaLnBrk="1" latinLnBrk="0" hangingPunct="1">
+                <a:defRPr sz="1800" kern="1200">
+                  <a:solidFill>
+                    <a:schemeClr val="lt1"/>
+                  </a:solidFill>
+                  <a:latin typeface="+mn-lt"/>
+                  <a:ea typeface="+mn-ea"/>
+                  <a:cs typeface="+mn-cs"/>
+                </a:defRPr>
+              </a:lvl6pPr>
+              <a:lvl7pPr marL="2743200" algn="l" defTabSz="914400" rtl="0" eaLnBrk="1" latinLnBrk="0" hangingPunct="1">
+                <a:defRPr sz="1800" kern="1200">
+                  <a:solidFill>
+                    <a:schemeClr val="lt1"/>
+                  </a:solidFill>
+                  <a:latin typeface="+mn-lt"/>
+                  <a:ea typeface="+mn-ea"/>
+                  <a:cs typeface="+mn-cs"/>
+                </a:defRPr>
+              </a:lvl7pPr>
+              <a:lvl8pPr marL="3200400" algn="l" defTabSz="914400" rtl="0" eaLnBrk="1" latinLnBrk="0" hangingPunct="1">
+                <a:defRPr sz="1800" kern="1200">
+                  <a:solidFill>
+                    <a:schemeClr val="lt1"/>
+                  </a:solidFill>
+                  <a:latin typeface="+mn-lt"/>
+                  <a:ea typeface="+mn-ea"/>
+                  <a:cs typeface="+mn-cs"/>
+                </a:defRPr>
+              </a:lvl8pPr>
+              <a:lvl9pPr marL="3657600" algn="l" defTabSz="914400" rtl="0" eaLnBrk="1" latinLnBrk="0" hangingPunct="1">
+                <a:defRPr sz="1800" kern="1200">
+                  <a:solidFill>
+                    <a:schemeClr val="lt1"/>
+                  </a:solidFill>
+                  <a:latin typeface="+mn-lt"/>
+                  <a:ea typeface="+mn-ea"/>
+                  <a:cs typeface="+mn-cs"/>
+                </a:defRPr>
+              </a:lvl9pPr>
+            </a:lstStyle>
+            <a:p>
+              <a:pPr algn="ctr"/>
+              <a:endParaRPr lang="pt-PT"/>
+            </a:p>
+          </p:txBody>
+        </p:sp>
+        <p:sp>
+          <p:nvSpPr>
+            <p:cNvPr id="16" name="Down Arrow 46">
+              <a:extLst>
+                <a:ext uri="{FF2B5EF4-FFF2-40B4-BE49-F238E27FC236}">
+                  <a16:creationId xmlns:a16="http://schemas.microsoft.com/office/drawing/2014/main" id="{54F6A87C-9F06-2A39-905F-15FE3B5FF141}"/>
+                </a:ext>
+              </a:extLst>
+            </p:cNvPr>
+            <p:cNvSpPr/>
+            <p:nvPr/>
+          </p:nvSpPr>
+          <p:spPr>
+            <a:xfrm rot="5400000">
+              <a:off x="4090896" y="4259163"/>
+              <a:ext cx="360040" cy="360040"/>
+            </a:xfrm>
+            <a:prstGeom prst="downArrow">
+              <a:avLst/>
+            </a:prstGeom>
+            <a:solidFill>
+              <a:srgbClr val="9F2D20"/>
+            </a:solidFill>
+            <a:ln>
+              <a:solidFill>
+                <a:schemeClr val="tx1"/>
+              </a:solidFill>
+            </a:ln>
+          </p:spPr>
+          <p:style>
+            <a:lnRef idx="2">
+              <a:schemeClr val="accent1">
+                <a:shade val="50000"/>
+              </a:schemeClr>
+            </a:lnRef>
+            <a:fillRef idx="1">
+              <a:schemeClr val="accent1"/>
+            </a:fillRef>
+            <a:effectRef idx="0">
+              <a:schemeClr val="accent1"/>
+            </a:effectRef>
+            <a:fontRef idx="minor">
+              <a:schemeClr val="lt1"/>
+            </a:fontRef>
+          </p:style>
+          <p:txBody>
+            <a:bodyPr rtlCol="0" anchor="ctr"/>
+            <a:lstStyle>
+              <a:defPPr>
+                <a:defRPr lang="en-US"/>
+              </a:defPPr>
+              <a:lvl1pPr marL="0" algn="l" defTabSz="914400" rtl="0" eaLnBrk="1" latinLnBrk="0" hangingPunct="1">
+                <a:defRPr sz="1800" kern="1200">
+                  <a:solidFill>
+                    <a:schemeClr val="lt1"/>
+                  </a:solidFill>
+                  <a:latin typeface="+mn-lt"/>
+                  <a:ea typeface="+mn-ea"/>
+                  <a:cs typeface="+mn-cs"/>
+                </a:defRPr>
+              </a:lvl1pPr>
+              <a:lvl2pPr marL="457200" algn="l" defTabSz="914400" rtl="0" eaLnBrk="1" latinLnBrk="0" hangingPunct="1">
+                <a:defRPr sz="1800" kern="1200">
+                  <a:solidFill>
+                    <a:schemeClr val="lt1"/>
+                  </a:solidFill>
+                  <a:latin typeface="+mn-lt"/>
+                  <a:ea typeface="+mn-ea"/>
+                  <a:cs typeface="+mn-cs"/>
+                </a:defRPr>
+              </a:lvl2pPr>
+              <a:lvl3pPr marL="914400" algn="l" defTabSz="914400" rtl="0" eaLnBrk="1" latinLnBrk="0" hangingPunct="1">
+                <a:defRPr sz="1800" kern="1200">
+                  <a:solidFill>
+                    <a:schemeClr val="lt1"/>
+                  </a:solidFill>
+                  <a:latin typeface="+mn-lt"/>
+                  <a:ea typeface="+mn-ea"/>
+                  <a:cs typeface="+mn-cs"/>
+                </a:defRPr>
+              </a:lvl3pPr>
+              <a:lvl4pPr marL="1371600" algn="l" defTabSz="914400" rtl="0" eaLnBrk="1" latinLnBrk="0" hangingPunct="1">
+                <a:defRPr sz="1800" kern="1200">
+                  <a:solidFill>
+                    <a:schemeClr val="lt1"/>
+                  </a:solidFill>
+                  <a:latin typeface="+mn-lt"/>
+                  <a:ea typeface="+mn-ea"/>
+                  <a:cs typeface="+mn-cs"/>
+                </a:defRPr>
+              </a:lvl4pPr>
+              <a:lvl5pPr marL="1828800" algn="l" defTabSz="914400" rtl="0" eaLnBrk="1" latinLnBrk="0" hangingPunct="1">
+                <a:defRPr sz="1800" kern="1200">
+                  <a:solidFill>
+                    <a:schemeClr val="lt1"/>
+                  </a:solidFill>
+                  <a:latin typeface="+mn-lt"/>
+                  <a:ea typeface="+mn-ea"/>
+                  <a:cs typeface="+mn-cs"/>
+                </a:defRPr>
+              </a:lvl5pPr>
+              <a:lvl6pPr marL="2286000" algn="l" defTabSz="914400" rtl="0" eaLnBrk="1" latinLnBrk="0" hangingPunct="1">
+                <a:defRPr sz="1800" kern="1200">
+                  <a:solidFill>
+                    <a:schemeClr val="lt1"/>
+                  </a:solidFill>
+                  <a:latin typeface="+mn-lt"/>
+                  <a:ea typeface="+mn-ea"/>
+                  <a:cs typeface="+mn-cs"/>
+                </a:defRPr>
+              </a:lvl6pPr>
+              <a:lvl7pPr marL="2743200" algn="l" defTabSz="914400" rtl="0" eaLnBrk="1" latinLnBrk="0" hangingPunct="1">
+                <a:defRPr sz="1800" kern="1200">
+                  <a:solidFill>
+                    <a:schemeClr val="lt1"/>
+                  </a:solidFill>
+                  <a:latin typeface="+mn-lt"/>
+                  <a:ea typeface="+mn-ea"/>
+                  <a:cs typeface="+mn-cs"/>
+                </a:defRPr>
+              </a:lvl7pPr>
+              <a:lvl8pPr marL="3200400" algn="l" defTabSz="914400" rtl="0" eaLnBrk="1" latinLnBrk="0" hangingPunct="1">
+                <a:defRPr sz="1800" kern="1200">
+                  <a:solidFill>
+                    <a:schemeClr val="lt1"/>
+                  </a:solidFill>
+                  <a:latin typeface="+mn-lt"/>
+                  <a:ea typeface="+mn-ea"/>
+                  <a:cs typeface="+mn-cs"/>
+                </a:defRPr>
+              </a:lvl8pPr>
+              <a:lvl9pPr marL="3657600" algn="l" defTabSz="914400" rtl="0" eaLnBrk="1" latinLnBrk="0" hangingPunct="1">
+                <a:defRPr sz="1800" kern="1200">
+                  <a:solidFill>
+                    <a:schemeClr val="lt1"/>
+                  </a:solidFill>
+                  <a:latin typeface="+mn-lt"/>
+                  <a:ea typeface="+mn-ea"/>
+                  <a:cs typeface="+mn-cs"/>
+                </a:defRPr>
+              </a:lvl9pPr>
+            </a:lstStyle>
+            <a:p>
+              <a:pPr algn="ctr"/>
+              <a:endParaRPr lang="pt-PT"/>
+            </a:p>
+          </p:txBody>
+        </p:sp>
+        <p:sp>
+          <p:nvSpPr>
+            <p:cNvPr id="17" name="Rectangle 47">
+              <a:extLst>
+                <a:ext uri="{FF2B5EF4-FFF2-40B4-BE49-F238E27FC236}">
+                  <a16:creationId xmlns:a16="http://schemas.microsoft.com/office/drawing/2014/main" id="{903924D5-E4D6-0735-993D-C836F6E65D09}"/>
+                </a:ext>
+              </a:extLst>
+            </p:cNvPr>
+            <p:cNvSpPr/>
+            <p:nvPr/>
+          </p:nvSpPr>
+          <p:spPr>
+            <a:xfrm>
+              <a:off x="7105044" y="4196774"/>
+              <a:ext cx="1639513" cy="484821"/>
+            </a:xfrm>
+            <a:prstGeom prst="rect">
+              <a:avLst/>
+            </a:prstGeom>
+            <a:solidFill>
+              <a:srgbClr val="9F2D20"/>
+            </a:solidFill>
+            <a:ln>
+              <a:solidFill>
+                <a:schemeClr val="tx1"/>
+              </a:solidFill>
+            </a:ln>
+          </p:spPr>
+          <p:style>
+            <a:lnRef idx="2">
+              <a:schemeClr val="accent1">
+                <a:shade val="50000"/>
+              </a:schemeClr>
+            </a:lnRef>
+            <a:fillRef idx="1">
+              <a:schemeClr val="accent1"/>
+            </a:fillRef>
+            <a:effectRef idx="0">
+              <a:schemeClr val="accent1"/>
+            </a:effectRef>
+            <a:fontRef idx="minor">
+              <a:schemeClr val="lt1"/>
+            </a:fontRef>
+          </p:style>
+          <p:txBody>
+            <a:bodyPr rtlCol="0" anchor="ctr"/>
+            <a:lstStyle>
+              <a:defPPr>
+                <a:defRPr lang="en-US"/>
+              </a:defPPr>
+              <a:lvl1pPr marL="0" algn="l" defTabSz="914400" rtl="0" eaLnBrk="1" latinLnBrk="0" hangingPunct="1">
+                <a:defRPr sz="1800" kern="1200">
+                  <a:solidFill>
+                    <a:schemeClr val="lt1"/>
+                  </a:solidFill>
+                  <a:latin typeface="+mn-lt"/>
+                  <a:ea typeface="+mn-ea"/>
+                  <a:cs typeface="+mn-cs"/>
+                </a:defRPr>
+              </a:lvl1pPr>
+              <a:lvl2pPr marL="457200" algn="l" defTabSz="914400" rtl="0" eaLnBrk="1" latinLnBrk="0" hangingPunct="1">
+                <a:defRPr sz="1800" kern="1200">
+                  <a:solidFill>
+                    <a:schemeClr val="lt1"/>
+                  </a:solidFill>
+                  <a:latin typeface="+mn-lt"/>
+                  <a:ea typeface="+mn-ea"/>
+                  <a:cs typeface="+mn-cs"/>
+                </a:defRPr>
+              </a:lvl2pPr>
+              <a:lvl3pPr marL="914400" algn="l" defTabSz="914400" rtl="0" eaLnBrk="1" latinLnBrk="0" hangingPunct="1">
+                <a:defRPr sz="1800" kern="1200">
+                  <a:solidFill>
+                    <a:schemeClr val="lt1"/>
+                  </a:solidFill>
+                  <a:latin typeface="+mn-lt"/>
+                  <a:ea typeface="+mn-ea"/>
+                  <a:cs typeface="+mn-cs"/>
+                </a:defRPr>
+              </a:lvl3pPr>
+              <a:lvl4pPr marL="1371600" algn="l" defTabSz="914400" rtl="0" eaLnBrk="1" latinLnBrk="0" hangingPunct="1">
+                <a:defRPr sz="1800" kern="1200">
+                  <a:solidFill>
+                    <a:schemeClr val="lt1"/>
+                  </a:solidFill>
+                  <a:latin typeface="+mn-lt"/>
+                  <a:ea typeface="+mn-ea"/>
+                  <a:cs typeface="+mn-cs"/>
+                </a:defRPr>
+              </a:lvl4pPr>
+              <a:lvl5pPr marL="1828800" algn="l" defTabSz="914400" rtl="0" eaLnBrk="1" latinLnBrk="0" hangingPunct="1">
+                <a:defRPr sz="1800" kern="1200">
+                  <a:solidFill>
+                    <a:schemeClr val="lt1"/>
+                  </a:solidFill>
+                  <a:latin typeface="+mn-lt"/>
+                  <a:ea typeface="+mn-ea"/>
+                  <a:cs typeface="+mn-cs"/>
+                </a:defRPr>
+              </a:lvl5pPr>
+              <a:lvl6pPr marL="2286000" algn="l" defTabSz="914400" rtl="0" eaLnBrk="1" latinLnBrk="0" hangingPunct="1">
+                <a:defRPr sz="1800" kern="1200">
+                  <a:solidFill>
+                    <a:schemeClr val="lt1"/>
+                  </a:solidFill>
+                  <a:latin typeface="+mn-lt"/>
+                  <a:ea typeface="+mn-ea"/>
+                  <a:cs typeface="+mn-cs"/>
+                </a:defRPr>
+              </a:lvl6pPr>
+              <a:lvl7pPr marL="2743200" algn="l" defTabSz="914400" rtl="0" eaLnBrk="1" latinLnBrk="0" hangingPunct="1">
+                <a:defRPr sz="1800" kern="1200">
+                  <a:solidFill>
+                    <a:schemeClr val="lt1"/>
+                  </a:solidFill>
+                  <a:latin typeface="+mn-lt"/>
+                  <a:ea typeface="+mn-ea"/>
+                  <a:cs typeface="+mn-cs"/>
+                </a:defRPr>
+              </a:lvl7pPr>
+              <a:lvl8pPr marL="3200400" algn="l" defTabSz="914400" rtl="0" eaLnBrk="1" latinLnBrk="0" hangingPunct="1">
+                <a:defRPr sz="1800" kern="1200">
+                  <a:solidFill>
+                    <a:schemeClr val="lt1"/>
+                  </a:solidFill>
+                  <a:latin typeface="+mn-lt"/>
+                  <a:ea typeface="+mn-ea"/>
+                  <a:cs typeface="+mn-cs"/>
+                </a:defRPr>
+              </a:lvl8pPr>
+              <a:lvl9pPr marL="3657600" algn="l" defTabSz="914400" rtl="0" eaLnBrk="1" latinLnBrk="0" hangingPunct="1">
+                <a:defRPr sz="1800" kern="1200">
+                  <a:solidFill>
+                    <a:schemeClr val="lt1"/>
+                  </a:solidFill>
+                  <a:latin typeface="+mn-lt"/>
+                  <a:ea typeface="+mn-ea"/>
+                  <a:cs typeface="+mn-cs"/>
+                </a:defRPr>
+              </a:lvl9pPr>
+            </a:lstStyle>
+            <a:p>
+              <a:pPr algn="ctr"/>
+              <a:r>
+                <a:rPr lang="pt-PT" sz="1400" dirty="0"/>
+                <a:t>Contructed Solution</a:t>
+              </a:r>
+              <a:endParaRPr lang="en-US" sz="1400" dirty="0"/>
+            </a:p>
+          </p:txBody>
+        </p:sp>
+        <p:sp>
+          <p:nvSpPr>
+            <p:cNvPr id="18" name="Down Arrow 48">
+              <a:extLst>
+                <a:ext uri="{FF2B5EF4-FFF2-40B4-BE49-F238E27FC236}">
+                  <a16:creationId xmlns:a16="http://schemas.microsoft.com/office/drawing/2014/main" id="{30C364B9-A1C1-FB91-7D49-67C1A06A6EBB}"/>
+                </a:ext>
+              </a:extLst>
+            </p:cNvPr>
+            <p:cNvSpPr/>
+            <p:nvPr/>
+          </p:nvSpPr>
+          <p:spPr>
+            <a:xfrm rot="16200000">
+              <a:off x="4224281" y="5403816"/>
+              <a:ext cx="360040" cy="360040"/>
+            </a:xfrm>
+            <a:prstGeom prst="downArrow">
+              <a:avLst/>
+            </a:prstGeom>
+            <a:solidFill>
+              <a:srgbClr val="9F2D20"/>
+            </a:solidFill>
+            <a:ln>
+              <a:solidFill>
+                <a:schemeClr val="tx1"/>
+              </a:solidFill>
+            </a:ln>
+          </p:spPr>
+          <p:style>
+            <a:lnRef idx="2">
+              <a:schemeClr val="accent1">
+                <a:shade val="50000"/>
+              </a:schemeClr>
+            </a:lnRef>
+            <a:fillRef idx="1">
+              <a:schemeClr val="accent1"/>
+            </a:fillRef>
+            <a:effectRef idx="0">
+              <a:schemeClr val="accent1"/>
+            </a:effectRef>
+            <a:fontRef idx="minor">
+              <a:schemeClr val="lt1"/>
+            </a:fontRef>
+          </p:style>
+          <p:txBody>
+            <a:bodyPr rtlCol="0" anchor="ctr"/>
+            <a:lstStyle>
+              <a:defPPr>
+                <a:defRPr lang="en-US"/>
+              </a:defPPr>
+              <a:lvl1pPr marL="0" algn="l" defTabSz="914400" rtl="0" eaLnBrk="1" latinLnBrk="0" hangingPunct="1">
+                <a:defRPr sz="1800" kern="1200">
+                  <a:solidFill>
+                    <a:schemeClr val="lt1"/>
+                  </a:solidFill>
+                  <a:latin typeface="+mn-lt"/>
+                  <a:ea typeface="+mn-ea"/>
+                  <a:cs typeface="+mn-cs"/>
+                </a:defRPr>
+              </a:lvl1pPr>
+              <a:lvl2pPr marL="457200" algn="l" defTabSz="914400" rtl="0" eaLnBrk="1" latinLnBrk="0" hangingPunct="1">
+                <a:defRPr sz="1800" kern="1200">
+                  <a:solidFill>
+                    <a:schemeClr val="lt1"/>
+                  </a:solidFill>
+                  <a:latin typeface="+mn-lt"/>
+                  <a:ea typeface="+mn-ea"/>
+                  <a:cs typeface="+mn-cs"/>
+                </a:defRPr>
+              </a:lvl2pPr>
+              <a:lvl3pPr marL="914400" algn="l" defTabSz="914400" rtl="0" eaLnBrk="1" latinLnBrk="0" hangingPunct="1">
+                <a:defRPr sz="1800" kern="1200">
+                  <a:solidFill>
+                    <a:schemeClr val="lt1"/>
+                  </a:solidFill>
+                  <a:latin typeface="+mn-lt"/>
+                  <a:ea typeface="+mn-ea"/>
+                  <a:cs typeface="+mn-cs"/>
+                </a:defRPr>
+              </a:lvl3pPr>
+              <a:lvl4pPr marL="1371600" algn="l" defTabSz="914400" rtl="0" eaLnBrk="1" latinLnBrk="0" hangingPunct="1">
+                <a:defRPr sz="1800" kern="1200">
+                  <a:solidFill>
+                    <a:schemeClr val="lt1"/>
+                  </a:solidFill>
+                  <a:latin typeface="+mn-lt"/>
+                  <a:ea typeface="+mn-ea"/>
+                  <a:cs typeface="+mn-cs"/>
+                </a:defRPr>
+              </a:lvl4pPr>
+              <a:lvl5pPr marL="1828800" algn="l" defTabSz="914400" rtl="0" eaLnBrk="1" latinLnBrk="0" hangingPunct="1">
+                <a:defRPr sz="1800" kern="1200">
+                  <a:solidFill>
+                    <a:schemeClr val="lt1"/>
+                  </a:solidFill>
+                  <a:latin typeface="+mn-lt"/>
+                  <a:ea typeface="+mn-ea"/>
+                  <a:cs typeface="+mn-cs"/>
+                </a:defRPr>
+              </a:lvl5pPr>
+              <a:lvl6pPr marL="2286000" algn="l" defTabSz="914400" rtl="0" eaLnBrk="1" latinLnBrk="0" hangingPunct="1">
+                <a:defRPr sz="1800" kern="1200">
+                  <a:solidFill>
+                    <a:schemeClr val="lt1"/>
+                  </a:solidFill>
+                  <a:latin typeface="+mn-lt"/>
+                  <a:ea typeface="+mn-ea"/>
+                  <a:cs typeface="+mn-cs"/>
+                </a:defRPr>
+              </a:lvl6pPr>
+              <a:lvl7pPr marL="2743200" algn="l" defTabSz="914400" rtl="0" eaLnBrk="1" latinLnBrk="0" hangingPunct="1">
+                <a:defRPr sz="1800" kern="1200">
+                  <a:solidFill>
+                    <a:schemeClr val="lt1"/>
+                  </a:solidFill>
+                  <a:latin typeface="+mn-lt"/>
+                  <a:ea typeface="+mn-ea"/>
+                  <a:cs typeface="+mn-cs"/>
+                </a:defRPr>
+              </a:lvl7pPr>
+              <a:lvl8pPr marL="3200400" algn="l" defTabSz="914400" rtl="0" eaLnBrk="1" latinLnBrk="0" hangingPunct="1">
+                <a:defRPr sz="1800" kern="1200">
+                  <a:solidFill>
+                    <a:schemeClr val="lt1"/>
+                  </a:solidFill>
+                  <a:latin typeface="+mn-lt"/>
+                  <a:ea typeface="+mn-ea"/>
+                  <a:cs typeface="+mn-cs"/>
+                </a:defRPr>
+              </a:lvl8pPr>
+              <a:lvl9pPr marL="3657600" algn="l" defTabSz="914400" rtl="0" eaLnBrk="1" latinLnBrk="0" hangingPunct="1">
+                <a:defRPr sz="1800" kern="1200">
+                  <a:solidFill>
+                    <a:schemeClr val="lt1"/>
+                  </a:solidFill>
+                  <a:latin typeface="+mn-lt"/>
+                  <a:ea typeface="+mn-ea"/>
+                  <a:cs typeface="+mn-cs"/>
+                </a:defRPr>
+              </a:lvl9pPr>
+            </a:lstStyle>
+            <a:p>
+              <a:pPr algn="ctr"/>
+              <a:endParaRPr lang="pt-PT"/>
+            </a:p>
+          </p:txBody>
+        </p:sp>
+        <p:sp>
+          <p:nvSpPr>
+            <p:cNvPr id="19" name="TextBox 49">
+              <a:extLst>
+                <a:ext uri="{FF2B5EF4-FFF2-40B4-BE49-F238E27FC236}">
+                  <a16:creationId xmlns:a16="http://schemas.microsoft.com/office/drawing/2014/main" id="{3542971B-26C6-4D31-BB86-D643E0AD9653}"/>
+                </a:ext>
+              </a:extLst>
+            </p:cNvPr>
+            <p:cNvSpPr txBox="1"/>
+            <p:nvPr/>
+          </p:nvSpPr>
+          <p:spPr>
+            <a:xfrm>
+              <a:off x="3064794" y="3734728"/>
+              <a:ext cx="2686248" cy="307777"/>
+            </a:xfrm>
+            <a:prstGeom prst="rect">
+              <a:avLst/>
+            </a:prstGeom>
+            <a:noFill/>
+          </p:spPr>
+          <p:txBody>
+            <a:bodyPr wrap="none" rtlCol="0">
+              <a:spAutoFit/>
+            </a:bodyPr>
+            <a:lstStyle>
+              <a:defPPr>
+                <a:defRPr lang="en-US"/>
+              </a:defPPr>
+              <a:lvl1pPr marL="0" algn="l" defTabSz="914400" rtl="0" eaLnBrk="1" latinLnBrk="0" hangingPunct="1">
+                <a:defRPr sz="1800" kern="1200">
+                  <a:solidFill>
+                    <a:schemeClr val="tx1"/>
+                  </a:solidFill>
+                  <a:latin typeface="+mn-lt"/>
+                  <a:ea typeface="+mn-ea"/>
+                  <a:cs typeface="+mn-cs"/>
+                </a:defRPr>
+              </a:lvl1pPr>
+              <a:lvl2pPr marL="457200" algn="l" defTabSz="914400" rtl="0" eaLnBrk="1" latinLnBrk="0" hangingPunct="1">
+                <a:defRPr sz="1800" kern="1200">
+                  <a:solidFill>
+                    <a:schemeClr val="tx1"/>
+                  </a:solidFill>
+                  <a:latin typeface="+mn-lt"/>
+                  <a:ea typeface="+mn-ea"/>
+                  <a:cs typeface="+mn-cs"/>
+                </a:defRPr>
+              </a:lvl2pPr>
+              <a:lvl3pPr marL="914400" algn="l" defTabSz="914400" rtl="0" eaLnBrk="1" latinLnBrk="0" hangingPunct="1">
+                <a:defRPr sz="1800" kern="1200">
+                  <a:solidFill>
+                    <a:schemeClr val="tx1"/>
+                  </a:solidFill>
+                  <a:latin typeface="+mn-lt"/>
+                  <a:ea typeface="+mn-ea"/>
+                  <a:cs typeface="+mn-cs"/>
+                </a:defRPr>
+              </a:lvl3pPr>
+              <a:lvl4pPr marL="1371600" algn="l" defTabSz="914400" rtl="0" eaLnBrk="1" latinLnBrk="0" hangingPunct="1">
+                <a:defRPr sz="1800" kern="1200">
+                  <a:solidFill>
+                    <a:schemeClr val="tx1"/>
+                  </a:solidFill>
+                  <a:latin typeface="+mn-lt"/>
+                  <a:ea typeface="+mn-ea"/>
+                  <a:cs typeface="+mn-cs"/>
+                </a:defRPr>
+              </a:lvl4pPr>
+              <a:lvl5pPr marL="1828800" algn="l" defTabSz="914400" rtl="0" eaLnBrk="1" latinLnBrk="0" hangingPunct="1">
+                <a:defRPr sz="1800" kern="1200">
+                  <a:solidFill>
+                    <a:schemeClr val="tx1"/>
+                  </a:solidFill>
+                  <a:latin typeface="+mn-lt"/>
+                  <a:ea typeface="+mn-ea"/>
+                  <a:cs typeface="+mn-cs"/>
+                </a:defRPr>
+              </a:lvl5pPr>
+              <a:lvl6pPr marL="2286000" algn="l" defTabSz="914400" rtl="0" eaLnBrk="1" latinLnBrk="0" hangingPunct="1">
+                <a:defRPr sz="1800" kern="1200">
+                  <a:solidFill>
+                    <a:schemeClr val="tx1"/>
+                  </a:solidFill>
+                  <a:latin typeface="+mn-lt"/>
+                  <a:ea typeface="+mn-ea"/>
+                  <a:cs typeface="+mn-cs"/>
+                </a:defRPr>
+              </a:lvl6pPr>
+              <a:lvl7pPr marL="2743200" algn="l" defTabSz="914400" rtl="0" eaLnBrk="1" latinLnBrk="0" hangingPunct="1">
+                <a:defRPr sz="1800" kern="1200">
+                  <a:solidFill>
+                    <a:schemeClr val="tx1"/>
+                  </a:solidFill>
+                  <a:latin typeface="+mn-lt"/>
+                  <a:ea typeface="+mn-ea"/>
+                  <a:cs typeface="+mn-cs"/>
+                </a:defRPr>
+              </a:lvl7pPr>
+              <a:lvl8pPr marL="3200400" algn="l" defTabSz="914400" rtl="0" eaLnBrk="1" latinLnBrk="0" hangingPunct="1">
+                <a:defRPr sz="1800" kern="1200">
+                  <a:solidFill>
+                    <a:schemeClr val="tx1"/>
+                  </a:solidFill>
+                  <a:latin typeface="+mn-lt"/>
+                  <a:ea typeface="+mn-ea"/>
+                  <a:cs typeface="+mn-cs"/>
+                </a:defRPr>
+              </a:lvl8pPr>
+              <a:lvl9pPr marL="3657600" algn="l" defTabSz="914400" rtl="0" eaLnBrk="1" latinLnBrk="0" hangingPunct="1">
+                <a:defRPr sz="1800" kern="1200">
+                  <a:solidFill>
+                    <a:schemeClr val="tx1"/>
+                  </a:solidFill>
+                  <a:latin typeface="+mn-lt"/>
+                  <a:ea typeface="+mn-ea"/>
+                  <a:cs typeface="+mn-cs"/>
+                </a:defRPr>
+              </a:lvl9pPr>
+            </a:lstStyle>
+            <a:p>
+              <a:r>
+                <a:rPr lang="en-US" sz="1400" b="1" dirty="0"/>
+                <a:t>Repeat until element list is empty</a:t>
+              </a:r>
+            </a:p>
+          </p:txBody>
+        </p:sp>
+        <p:sp>
+          <p:nvSpPr>
+            <p:cNvPr id="20" name="Down Arrow 50">
+              <a:extLst>
+                <a:ext uri="{FF2B5EF4-FFF2-40B4-BE49-F238E27FC236}">
+                  <a16:creationId xmlns:a16="http://schemas.microsoft.com/office/drawing/2014/main" id="{0595DBB3-F358-95C9-BB44-E095E7E9BADB}"/>
+                </a:ext>
+              </a:extLst>
+            </p:cNvPr>
+            <p:cNvSpPr/>
+            <p:nvPr/>
+          </p:nvSpPr>
+          <p:spPr>
+            <a:xfrm rot="16200000">
+              <a:off x="6542042" y="4149141"/>
+              <a:ext cx="360040" cy="580087"/>
+            </a:xfrm>
+            <a:prstGeom prst="downArrow">
+              <a:avLst/>
+            </a:prstGeom>
+            <a:solidFill>
+              <a:srgbClr val="9F2D20"/>
+            </a:solidFill>
+            <a:ln>
+              <a:solidFill>
+                <a:schemeClr val="tx1"/>
+              </a:solidFill>
+            </a:ln>
+          </p:spPr>
+          <p:style>
+            <a:lnRef idx="2">
+              <a:schemeClr val="accent1">
+                <a:shade val="50000"/>
+              </a:schemeClr>
+            </a:lnRef>
+            <a:fillRef idx="1">
+              <a:schemeClr val="accent1"/>
+            </a:fillRef>
+            <a:effectRef idx="0">
+              <a:schemeClr val="accent1"/>
+            </a:effectRef>
+            <a:fontRef idx="minor">
+              <a:schemeClr val="lt1"/>
+            </a:fontRef>
+          </p:style>
+          <p:txBody>
+            <a:bodyPr rtlCol="0" anchor="ctr"/>
+            <a:lstStyle>
+              <a:defPPr>
+                <a:defRPr lang="en-US"/>
+              </a:defPPr>
+              <a:lvl1pPr marL="0" algn="l" defTabSz="914400" rtl="0" eaLnBrk="1" latinLnBrk="0" hangingPunct="1">
+                <a:defRPr sz="1800" kern="1200">
+                  <a:solidFill>
+                    <a:schemeClr val="lt1"/>
+                  </a:solidFill>
+                  <a:latin typeface="+mn-lt"/>
+                  <a:ea typeface="+mn-ea"/>
+                  <a:cs typeface="+mn-cs"/>
+                </a:defRPr>
+              </a:lvl1pPr>
+              <a:lvl2pPr marL="457200" algn="l" defTabSz="914400" rtl="0" eaLnBrk="1" latinLnBrk="0" hangingPunct="1">
+                <a:defRPr sz="1800" kern="1200">
+                  <a:solidFill>
+                    <a:schemeClr val="lt1"/>
+                  </a:solidFill>
+                  <a:latin typeface="+mn-lt"/>
+                  <a:ea typeface="+mn-ea"/>
+                  <a:cs typeface="+mn-cs"/>
+                </a:defRPr>
+              </a:lvl2pPr>
+              <a:lvl3pPr marL="914400" algn="l" defTabSz="914400" rtl="0" eaLnBrk="1" latinLnBrk="0" hangingPunct="1">
+                <a:defRPr sz="1800" kern="1200">
+                  <a:solidFill>
+                    <a:schemeClr val="lt1"/>
+                  </a:solidFill>
+                  <a:latin typeface="+mn-lt"/>
+                  <a:ea typeface="+mn-ea"/>
+                  <a:cs typeface="+mn-cs"/>
+                </a:defRPr>
+              </a:lvl3pPr>
+              <a:lvl4pPr marL="1371600" algn="l" defTabSz="914400" rtl="0" eaLnBrk="1" latinLnBrk="0" hangingPunct="1">
+                <a:defRPr sz="1800" kern="1200">
+                  <a:solidFill>
+                    <a:schemeClr val="lt1"/>
+                  </a:solidFill>
+                  <a:latin typeface="+mn-lt"/>
+                  <a:ea typeface="+mn-ea"/>
+                  <a:cs typeface="+mn-cs"/>
+                </a:defRPr>
+              </a:lvl4pPr>
+              <a:lvl5pPr marL="1828800" algn="l" defTabSz="914400" rtl="0" eaLnBrk="1" latinLnBrk="0" hangingPunct="1">
+                <a:defRPr sz="1800" kern="1200">
+                  <a:solidFill>
+                    <a:schemeClr val="lt1"/>
+                  </a:solidFill>
+                  <a:latin typeface="+mn-lt"/>
+                  <a:ea typeface="+mn-ea"/>
+                  <a:cs typeface="+mn-cs"/>
+                </a:defRPr>
+              </a:lvl5pPr>
+              <a:lvl6pPr marL="2286000" algn="l" defTabSz="914400" rtl="0" eaLnBrk="1" latinLnBrk="0" hangingPunct="1">
+                <a:defRPr sz="1800" kern="1200">
+                  <a:solidFill>
+                    <a:schemeClr val="lt1"/>
+                  </a:solidFill>
+                  <a:latin typeface="+mn-lt"/>
+                  <a:ea typeface="+mn-ea"/>
+                  <a:cs typeface="+mn-cs"/>
+                </a:defRPr>
+              </a:lvl6pPr>
+              <a:lvl7pPr marL="2743200" algn="l" defTabSz="914400" rtl="0" eaLnBrk="1" latinLnBrk="0" hangingPunct="1">
+                <a:defRPr sz="1800" kern="1200">
+                  <a:solidFill>
+                    <a:schemeClr val="lt1"/>
+                  </a:solidFill>
+                  <a:latin typeface="+mn-lt"/>
+                  <a:ea typeface="+mn-ea"/>
+                  <a:cs typeface="+mn-cs"/>
+                </a:defRPr>
+              </a:lvl7pPr>
+              <a:lvl8pPr marL="3200400" algn="l" defTabSz="914400" rtl="0" eaLnBrk="1" latinLnBrk="0" hangingPunct="1">
+                <a:defRPr sz="1800" kern="1200">
+                  <a:solidFill>
+                    <a:schemeClr val="lt1"/>
+                  </a:solidFill>
+                  <a:latin typeface="+mn-lt"/>
+                  <a:ea typeface="+mn-ea"/>
+                  <a:cs typeface="+mn-cs"/>
+                </a:defRPr>
+              </a:lvl8pPr>
+              <a:lvl9pPr marL="3657600" algn="l" defTabSz="914400" rtl="0" eaLnBrk="1" latinLnBrk="0" hangingPunct="1">
+                <a:defRPr sz="1800" kern="1200">
+                  <a:solidFill>
+                    <a:schemeClr val="lt1"/>
+                  </a:solidFill>
+                  <a:latin typeface="+mn-lt"/>
+                  <a:ea typeface="+mn-ea"/>
+                  <a:cs typeface="+mn-cs"/>
+                </a:defRPr>
+              </a:lvl9pPr>
+            </a:lstStyle>
+            <a:p>
+              <a:pPr algn="ctr"/>
+              <a:endParaRPr lang="pt-PT"/>
+            </a:p>
+          </p:txBody>
+        </p:sp>
+      </p:grpSp>
+      <p:sp>
+        <p:nvSpPr>
+          <p:cNvPr id="7" name="Rectangle 45">
+            <a:extLst>
+              <a:ext uri="{FF2B5EF4-FFF2-40B4-BE49-F238E27FC236}">
+                <a16:creationId xmlns:a16="http://schemas.microsoft.com/office/drawing/2014/main" id="{D1886E8D-19A6-D297-461F-2017CBB86CEF}"/>
+              </a:ext>
+            </a:extLst>
+          </p:cNvPr>
+          <p:cNvSpPr/>
           <p:nvPr/>
         </p:nvSpPr>
         <p:spPr>
           <a:xfrm>
-            <a:off x="457200" y="5302078"/>
-            <a:ext cx="7211144" cy="646331"/>
+            <a:off x="4512453" y="3775107"/>
+            <a:ext cx="1639513" cy="484821"/>
           </a:xfrm>
           <a:prstGeom prst="rect">
             <a:avLst/>
           </a:prstGeom>
-          <a:noFill/>
+          <a:solidFill>
+            <a:srgbClr val="9F2D20"/>
+          </a:solidFill>
+          <a:ln>
+            <a:solidFill>
+              <a:schemeClr val="tx1"/>
+            </a:solidFill>
+          </a:ln>
         </p:spPr>
-        <p:txBody>
-          <a:bodyPr wrap="square" rtlCol="0">
-            <a:spAutoFit/>
-          </a:bodyPr>
-          <a:lstStyle/>
-          <a:p>
-            <a:r>
-              <a:rPr lang="pt-PT" dirty="0"/>
-              <a:t>*OS – </a:t>
-            </a:r>
-            <a:r>
-              <a:rPr lang="en-US" dirty="0"/>
-              <a:t>Optimal Solutions</a:t>
-            </a:r>
-          </a:p>
-          <a:p>
-            <a:r>
-              <a:rPr lang="en-US" dirty="0"/>
-              <a:t>** Optimal Solutions considered when </a:t>
-            </a:r>
-            <a:r>
-              <a:rPr lang="en-US" dirty="0">
-                <a:effectLst/>
-                <a:latin typeface="Arial" panose="020B0604020202020204" pitchFamily="34" charset="0"/>
-              </a:rPr>
-              <a:t>Z-Z* was 0 or ≈0 </a:t>
-            </a:r>
-            <a:endParaRPr lang="en-US" dirty="0"/>
+        <p:style>
+          <a:lnRef idx="2">
+            <a:schemeClr val="accent1">
+              <a:shade val="50000"/>
+            </a:schemeClr>
+          </a:lnRef>
+          <a:fillRef idx="1">
+            <a:schemeClr val="accent1"/>
+          </a:fillRef>
+          <a:effectRef idx="0">
+            <a:schemeClr val="accent1"/>
+          </a:effectRef>
+          <a:fontRef idx="minor">
+            <a:schemeClr val="lt1"/>
+          </a:fontRef>
+        </p:style>
+        <p:txBody>
+          <a:bodyPr rtlCol="0" anchor="ctr"/>
+          <a:lstStyle>
+            <a:defPPr>
+              <a:defRPr lang="en-US"/>
+            </a:defPPr>
+            <a:lvl1pPr marL="0" algn="l" defTabSz="914400" rtl="0" eaLnBrk="1" latinLnBrk="0" hangingPunct="1">
+              <a:defRPr sz="1800" kern="1200">
+                <a:solidFill>
+                  <a:schemeClr val="lt1"/>
+                </a:solidFill>
+                <a:latin typeface="+mn-lt"/>
+                <a:ea typeface="+mn-ea"/>
+                <a:cs typeface="+mn-cs"/>
+              </a:defRPr>
+            </a:lvl1pPr>
+            <a:lvl2pPr marL="457200" algn="l" defTabSz="914400" rtl="0" eaLnBrk="1" latinLnBrk="0" hangingPunct="1">
+              <a:defRPr sz="1800" kern="1200">
+                <a:solidFill>
+                  <a:schemeClr val="lt1"/>
+                </a:solidFill>
+                <a:latin typeface="+mn-lt"/>
+                <a:ea typeface="+mn-ea"/>
+                <a:cs typeface="+mn-cs"/>
+              </a:defRPr>
+            </a:lvl2pPr>
+            <a:lvl3pPr marL="914400" algn="l" defTabSz="914400" rtl="0" eaLnBrk="1" latinLnBrk="0" hangingPunct="1">
+              <a:defRPr sz="1800" kern="1200">
+                <a:solidFill>
+                  <a:schemeClr val="lt1"/>
+                </a:solidFill>
+                <a:latin typeface="+mn-lt"/>
+                <a:ea typeface="+mn-ea"/>
+                <a:cs typeface="+mn-cs"/>
+              </a:defRPr>
+            </a:lvl3pPr>
+            <a:lvl4pPr marL="1371600" algn="l" defTabSz="914400" rtl="0" eaLnBrk="1" latinLnBrk="0" hangingPunct="1">
+              <a:defRPr sz="1800" kern="1200">
+                <a:solidFill>
+                  <a:schemeClr val="lt1"/>
+                </a:solidFill>
+                <a:latin typeface="+mn-lt"/>
+                <a:ea typeface="+mn-ea"/>
+                <a:cs typeface="+mn-cs"/>
+              </a:defRPr>
+            </a:lvl4pPr>
+            <a:lvl5pPr marL="1828800" algn="l" defTabSz="914400" rtl="0" eaLnBrk="1" latinLnBrk="0" hangingPunct="1">
+              <a:defRPr sz="1800" kern="1200">
+                <a:solidFill>
+                  <a:schemeClr val="lt1"/>
+                </a:solidFill>
+                <a:latin typeface="+mn-lt"/>
+                <a:ea typeface="+mn-ea"/>
+                <a:cs typeface="+mn-cs"/>
+              </a:defRPr>
+            </a:lvl5pPr>
+            <a:lvl6pPr marL="2286000" algn="l" defTabSz="914400" rtl="0" eaLnBrk="1" latinLnBrk="0" hangingPunct="1">
+              <a:defRPr sz="1800" kern="1200">
+                <a:solidFill>
+                  <a:schemeClr val="lt1"/>
+                </a:solidFill>
+                <a:latin typeface="+mn-lt"/>
+                <a:ea typeface="+mn-ea"/>
+                <a:cs typeface="+mn-cs"/>
+              </a:defRPr>
+            </a:lvl6pPr>
+            <a:lvl7pPr marL="2743200" algn="l" defTabSz="914400" rtl="0" eaLnBrk="1" latinLnBrk="0" hangingPunct="1">
+              <a:defRPr sz="1800" kern="1200">
+                <a:solidFill>
+                  <a:schemeClr val="lt1"/>
+                </a:solidFill>
+                <a:latin typeface="+mn-lt"/>
+                <a:ea typeface="+mn-ea"/>
+                <a:cs typeface="+mn-cs"/>
+              </a:defRPr>
+            </a:lvl7pPr>
+            <a:lvl8pPr marL="3200400" algn="l" defTabSz="914400" rtl="0" eaLnBrk="1" latinLnBrk="0" hangingPunct="1">
+              <a:defRPr sz="1800" kern="1200">
+                <a:solidFill>
+                  <a:schemeClr val="lt1"/>
+                </a:solidFill>
+                <a:latin typeface="+mn-lt"/>
+                <a:ea typeface="+mn-ea"/>
+                <a:cs typeface="+mn-cs"/>
+              </a:defRPr>
+            </a:lvl8pPr>
+            <a:lvl9pPr marL="3657600" algn="l" defTabSz="914400" rtl="0" eaLnBrk="1" latinLnBrk="0" hangingPunct="1">
+              <a:defRPr sz="1800" kern="1200">
+                <a:solidFill>
+                  <a:schemeClr val="lt1"/>
+                </a:solidFill>
+                <a:latin typeface="+mn-lt"/>
+                <a:ea typeface="+mn-ea"/>
+                <a:cs typeface="+mn-cs"/>
+              </a:defRPr>
+            </a:lvl9pPr>
+          </a:lstStyle>
+          <a:p>
+            <a:pPr algn="ctr"/>
+            <a:r>
+              <a:rPr lang="en-US" sz="1400" dirty="0"/>
+              <a:t>Update Candidate List</a:t>
+            </a:r>
           </a:p>
         </p:txBody>
       </p:sp>
     </p:spTree>
     <p:extLst>
       <p:ext uri="{BB962C8B-B14F-4D97-AF65-F5344CB8AC3E}">
-        <p14:creationId xmlns:p14="http://schemas.microsoft.com/office/powerpoint/2010/main" val="2513354738"/>
+        <p14:creationId xmlns:p14="http://schemas.microsoft.com/office/powerpoint/2010/main" val="2381588700"/>
       </p:ext>
     </p:extLst>
   </p:cSld>
@@ -7038,7 +6953,7 @@
 </p:sld>
 </file>
 
-<file path=ppt/slides/slide8.xml><?xml version="1.0" encoding="utf-8"?>
+<file path=ppt/slides/slide12.xml><?xml version="1.0" encoding="utf-8"?>
 <p:sld xmlns:a="http://schemas.openxmlformats.org/drawingml/2006/main" xmlns:r="http://schemas.openxmlformats.org/officeDocument/2006/relationships" xmlns:p="http://schemas.openxmlformats.org/presentationml/2006/main">
   <p:cSld>
     <p:spTree>
@@ -7073,8 +6988,8 @@
           <a:lstStyle/>
           <a:p>
             <a:r>
-              <a:rPr lang="en-US" dirty="0"/>
-              <a:t>Conclusion</a:t>
+              <a:rPr lang="en-GB" dirty="0"/>
+              <a:t>Results of the Exact Method</a:t>
             </a:r>
           </a:p>
         </p:txBody>
@@ -7089,20 +7004,107 @@
             <p:ph idx="1"/>
           </p:nvPr>
         </p:nvSpPr>
-        <p:spPr/>
+        <p:spPr>
+          <a:xfrm>
+            <a:off x="457200" y="1844825"/>
+            <a:ext cx="8229600" cy="3096343"/>
+          </a:xfrm>
+        </p:spPr>
         <p:txBody>
           <a:bodyPr/>
           <a:lstStyle/>
           <a:p>
             <a:r>
-              <a:rPr lang="en-US" dirty="0"/>
-              <a:t>The results were pleasant, some algorithms could only be solved by changing the time limit for the Solver.</a:t>
-            </a:r>
-          </a:p>
-          <a:p>
-            <a:r>
-              <a:rPr lang="en-US" dirty="0"/>
-              <a:t>Exact Method algorithm uses a ton of resources. Works well in small instances.</a:t>
+              <a:rPr lang="pt-PT" dirty="0" err="1"/>
+              <a:t>Delmaire</a:t>
+            </a:r>
+            <a:r>
+              <a:rPr lang="pt-PT" dirty="0"/>
+              <a:t> (52 OS out </a:t>
+            </a:r>
+            <a:r>
+              <a:rPr lang="pt-PT" dirty="0" err="1"/>
+              <a:t>of</a:t>
+            </a:r>
+            <a:r>
+              <a:rPr lang="pt-PT" dirty="0"/>
+              <a:t> 57)</a:t>
+            </a:r>
+          </a:p>
+          <a:p>
+            <a:r>
+              <a:rPr lang="pt-PT" dirty="0" err="1"/>
+              <a:t>Holmberg</a:t>
+            </a:r>
+            <a:r>
+              <a:rPr lang="pt-PT" dirty="0"/>
+              <a:t> (71 OS out </a:t>
+            </a:r>
+            <a:r>
+              <a:rPr lang="pt-PT" dirty="0" err="1"/>
+              <a:t>of</a:t>
+            </a:r>
+            <a:r>
+              <a:rPr lang="pt-PT" dirty="0"/>
+              <a:t> 71)</a:t>
+            </a:r>
+          </a:p>
+          <a:p>
+            <a:r>
+              <a:rPr lang="pt-PT" dirty="0"/>
+              <a:t>OR-</a:t>
+            </a:r>
+            <a:r>
+              <a:rPr lang="pt-PT" dirty="0" err="1"/>
+              <a:t>Library</a:t>
+            </a:r>
+            <a:r>
+              <a:rPr lang="pt-PT" dirty="0"/>
+              <a:t> (9 OS out </a:t>
+            </a:r>
+            <a:r>
+              <a:rPr lang="pt-PT" dirty="0" err="1"/>
+              <a:t>of</a:t>
+            </a:r>
+            <a:r>
+              <a:rPr lang="pt-PT" dirty="0"/>
+              <a:t> </a:t>
+            </a:r>
+            <a:r>
+              <a:rPr lang="pt-PT" u="sng" dirty="0"/>
+              <a:t>36</a:t>
+            </a:r>
+            <a:r>
+              <a:rPr lang="pt-PT" dirty="0"/>
+              <a:t>)</a:t>
+            </a:r>
+          </a:p>
+          <a:p>
+            <a:r>
+              <a:rPr lang="pt-PT" dirty="0"/>
+              <a:t>Yang (9 OS out </a:t>
+            </a:r>
+            <a:r>
+              <a:rPr lang="pt-PT" dirty="0" err="1"/>
+              <a:t>of</a:t>
+            </a:r>
+            <a:r>
+              <a:rPr lang="pt-PT" dirty="0"/>
+              <a:t> 20)</a:t>
+            </a:r>
+          </a:p>
+          <a:p>
+            <a:r>
+              <a:rPr lang="pt-PT" dirty="0"/>
+              <a:t>TBED1 (0 OS out </a:t>
+            </a:r>
+            <a:r>
+              <a:rPr lang="pt-PT" dirty="0" err="1"/>
+              <a:t>of</a:t>
+            </a:r>
+            <a:r>
+              <a:rPr lang="pt-PT" dirty="0"/>
+              <a:t> 60)</a:t>
             </a:r>
           </a:p>
         </p:txBody>
@@ -7418,6 +7420,683 @@
           </a:p>
         </p:txBody>
       </p:sp>
+      <p:sp>
+        <p:nvSpPr>
+          <p:cNvPr id="6" name="TextBox 5">
+            <a:extLst>
+              <a:ext uri="{FF2B5EF4-FFF2-40B4-BE49-F238E27FC236}">
+                <a16:creationId xmlns:a16="http://schemas.microsoft.com/office/drawing/2014/main" id="{C79ADF5F-C195-05E1-0173-75597FC02C5A}"/>
+              </a:ext>
+            </a:extLst>
+          </p:cNvPr>
+          <p:cNvSpPr txBox="1"/>
+          <p:nvPr/>
+        </p:nvSpPr>
+        <p:spPr>
+          <a:xfrm>
+            <a:off x="457200" y="5302078"/>
+            <a:ext cx="7211144" cy="646331"/>
+          </a:xfrm>
+          <a:prstGeom prst="rect">
+            <a:avLst/>
+          </a:prstGeom>
+          <a:noFill/>
+        </p:spPr>
+        <p:txBody>
+          <a:bodyPr wrap="square" rtlCol="0">
+            <a:spAutoFit/>
+          </a:bodyPr>
+          <a:lstStyle/>
+          <a:p>
+            <a:r>
+              <a:rPr lang="pt-PT" dirty="0"/>
+              <a:t>*OS – </a:t>
+            </a:r>
+            <a:r>
+              <a:rPr lang="en-US" dirty="0"/>
+              <a:t>Optimal Solutions</a:t>
+            </a:r>
+          </a:p>
+          <a:p>
+            <a:r>
+              <a:rPr lang="en-US" dirty="0"/>
+              <a:t>** Optimal Solutions considered when </a:t>
+            </a:r>
+            <a:r>
+              <a:rPr lang="en-US" dirty="0">
+                <a:effectLst/>
+                <a:latin typeface="Arial" panose="020B0604020202020204" pitchFamily="34" charset="0"/>
+              </a:rPr>
+              <a:t>Z-Z* was 0 or ≈0 </a:t>
+            </a:r>
+            <a:endParaRPr lang="en-US" dirty="0"/>
+          </a:p>
+        </p:txBody>
+      </p:sp>
+    </p:spTree>
+    <p:extLst>
+      <p:ext uri="{BB962C8B-B14F-4D97-AF65-F5344CB8AC3E}">
+        <p14:creationId xmlns:p14="http://schemas.microsoft.com/office/powerpoint/2010/main" val="2513354738"/>
+      </p:ext>
+    </p:extLst>
+  </p:cSld>
+  <p:clrMapOvr>
+    <a:masterClrMapping/>
+  </p:clrMapOvr>
+</p:sld>
+</file>
+
+<file path=ppt/slides/slide13.xml><?xml version="1.0" encoding="utf-8"?>
+<p:sld xmlns:a="http://schemas.openxmlformats.org/drawingml/2006/main" xmlns:r="http://schemas.openxmlformats.org/officeDocument/2006/relationships" xmlns:p="http://schemas.openxmlformats.org/presentationml/2006/main">
+  <p:cSld>
+    <p:spTree>
+      <p:nvGrpSpPr>
+        <p:cNvPr id="1" name=""/>
+        <p:cNvGrpSpPr/>
+        <p:nvPr/>
+      </p:nvGrpSpPr>
+      <p:grpSpPr>
+        <a:xfrm>
+          <a:off x="0" y="0"/>
+          <a:ext cx="0" cy="0"/>
+          <a:chOff x="0" y="0"/>
+          <a:chExt cx="0" cy="0"/>
+        </a:xfrm>
+      </p:grpSpPr>
+      <p:sp>
+        <p:nvSpPr>
+          <p:cNvPr id="2" name="Título 1">
+            <a:extLst>
+              <a:ext uri="{FF2B5EF4-FFF2-40B4-BE49-F238E27FC236}">
+                <a16:creationId xmlns:a16="http://schemas.microsoft.com/office/drawing/2014/main" id="{04E4B5AE-7F82-3BFF-C656-BDBEBAC95271}"/>
+              </a:ext>
+            </a:extLst>
+          </p:cNvPr>
+          <p:cNvSpPr>
+            <a:spLocks noGrp="1"/>
+          </p:cNvSpPr>
+          <p:nvPr>
+            <p:ph type="title"/>
+          </p:nvPr>
+        </p:nvSpPr>
+        <p:spPr/>
+        <p:txBody>
+          <a:bodyPr>
+            <a:normAutofit fontScale="90000"/>
+          </a:bodyPr>
+          <a:lstStyle/>
+          <a:p>
+            <a:r>
+              <a:rPr lang="pt-PT" dirty="0" err="1"/>
+              <a:t>Results</a:t>
+            </a:r>
+            <a:r>
+              <a:rPr lang="pt-PT" dirty="0"/>
+              <a:t> </a:t>
+            </a:r>
+            <a:r>
+              <a:rPr lang="pt-PT" dirty="0" err="1"/>
+              <a:t>of</a:t>
+            </a:r>
+            <a:r>
+              <a:rPr lang="pt-PT" dirty="0"/>
+              <a:t> </a:t>
+            </a:r>
+            <a:r>
+              <a:rPr lang="pt-PT" dirty="0" err="1"/>
+              <a:t>the</a:t>
+            </a:r>
+            <a:r>
+              <a:rPr lang="pt-PT" dirty="0"/>
+              <a:t> </a:t>
+            </a:r>
+            <a:r>
+              <a:rPr lang="pt-PT" dirty="0" err="1"/>
+              <a:t>Heuristic</a:t>
+            </a:r>
+            <a:r>
+              <a:rPr lang="pt-PT" dirty="0"/>
+              <a:t> </a:t>
+            </a:r>
+            <a:r>
+              <a:rPr lang="pt-PT" dirty="0" err="1"/>
+              <a:t>Constructive</a:t>
+            </a:r>
+            <a:endParaRPr lang="pt-PT" dirty="0"/>
+          </a:p>
+        </p:txBody>
+      </p:sp>
+      <p:sp>
+        <p:nvSpPr>
+          <p:cNvPr id="3" name="Marcador de Posição de Conteúdo 2">
+            <a:extLst>
+              <a:ext uri="{FF2B5EF4-FFF2-40B4-BE49-F238E27FC236}">
+                <a16:creationId xmlns:a16="http://schemas.microsoft.com/office/drawing/2014/main" id="{D0EE71FC-D94D-00ED-191F-1FA4CC307E9B}"/>
+              </a:ext>
+            </a:extLst>
+          </p:cNvPr>
+          <p:cNvSpPr>
+            <a:spLocks noGrp="1"/>
+          </p:cNvSpPr>
+          <p:nvPr>
+            <p:ph idx="1"/>
+          </p:nvPr>
+        </p:nvSpPr>
+        <p:spPr/>
+        <p:txBody>
+          <a:bodyPr/>
+          <a:lstStyle/>
+          <a:p>
+            <a:endParaRPr lang="pt-PT" dirty="0"/>
+          </a:p>
+        </p:txBody>
+      </p:sp>
+    </p:spTree>
+    <p:extLst>
+      <p:ext uri="{BB962C8B-B14F-4D97-AF65-F5344CB8AC3E}">
+        <p14:creationId xmlns:p14="http://schemas.microsoft.com/office/powerpoint/2010/main" val="2921815347"/>
+      </p:ext>
+    </p:extLst>
+  </p:cSld>
+  <p:clrMapOvr>
+    <a:masterClrMapping/>
+  </p:clrMapOvr>
+</p:sld>
+</file>
+
+<file path=ppt/slides/slide14.xml><?xml version="1.0" encoding="utf-8"?>
+<p:sld xmlns:a="http://schemas.openxmlformats.org/drawingml/2006/main" xmlns:r="http://schemas.openxmlformats.org/officeDocument/2006/relationships" xmlns:p="http://schemas.openxmlformats.org/presentationml/2006/main">
+  <p:cSld>
+    <p:spTree>
+      <p:nvGrpSpPr>
+        <p:cNvPr id="1" name=""/>
+        <p:cNvGrpSpPr/>
+        <p:nvPr/>
+      </p:nvGrpSpPr>
+      <p:grpSpPr>
+        <a:xfrm>
+          <a:off x="0" y="0"/>
+          <a:ext cx="0" cy="0"/>
+          <a:chOff x="0" y="0"/>
+          <a:chExt cx="0" cy="0"/>
+        </a:xfrm>
+      </p:grpSpPr>
+      <p:sp>
+        <p:nvSpPr>
+          <p:cNvPr id="2" name="Título 1">
+            <a:extLst>
+              <a:ext uri="{FF2B5EF4-FFF2-40B4-BE49-F238E27FC236}">
+                <a16:creationId xmlns:a16="http://schemas.microsoft.com/office/drawing/2014/main" id="{733842DD-E028-2728-5794-61A1920AA9AF}"/>
+              </a:ext>
+            </a:extLst>
+          </p:cNvPr>
+          <p:cNvSpPr>
+            <a:spLocks noGrp="1"/>
+          </p:cNvSpPr>
+          <p:nvPr>
+            <p:ph type="title"/>
+          </p:nvPr>
+        </p:nvSpPr>
+        <p:spPr/>
+        <p:txBody>
+          <a:bodyPr>
+            <a:normAutofit fontScale="90000"/>
+          </a:bodyPr>
+          <a:lstStyle/>
+          <a:p>
+            <a:r>
+              <a:rPr lang="pt-PT" dirty="0" err="1"/>
+              <a:t>Results</a:t>
+            </a:r>
+            <a:r>
+              <a:rPr lang="pt-PT" dirty="0"/>
+              <a:t> </a:t>
+            </a:r>
+            <a:r>
+              <a:rPr lang="pt-PT" dirty="0" err="1"/>
+              <a:t>of</a:t>
+            </a:r>
+            <a:r>
+              <a:rPr lang="pt-PT" dirty="0"/>
+              <a:t> </a:t>
+            </a:r>
+            <a:r>
+              <a:rPr lang="pt-PT" dirty="0" err="1"/>
+              <a:t>the</a:t>
+            </a:r>
+            <a:r>
+              <a:rPr lang="pt-PT" dirty="0"/>
+              <a:t> GRASP</a:t>
+            </a:r>
+          </a:p>
+        </p:txBody>
+      </p:sp>
+      <p:sp>
+        <p:nvSpPr>
+          <p:cNvPr id="3" name="Marcador de Posição de Conteúdo 2">
+            <a:extLst>
+              <a:ext uri="{FF2B5EF4-FFF2-40B4-BE49-F238E27FC236}">
+                <a16:creationId xmlns:a16="http://schemas.microsoft.com/office/drawing/2014/main" id="{81537AC6-9F9F-4B01-DC13-1FF456F37681}"/>
+              </a:ext>
+            </a:extLst>
+          </p:cNvPr>
+          <p:cNvSpPr>
+            <a:spLocks noGrp="1"/>
+          </p:cNvSpPr>
+          <p:nvPr>
+            <p:ph idx="1"/>
+          </p:nvPr>
+        </p:nvSpPr>
+        <p:spPr/>
+        <p:txBody>
+          <a:bodyPr/>
+          <a:lstStyle/>
+          <a:p>
+            <a:endParaRPr lang="pt-PT" dirty="0"/>
+          </a:p>
+        </p:txBody>
+      </p:sp>
+    </p:spTree>
+    <p:extLst>
+      <p:ext uri="{BB962C8B-B14F-4D97-AF65-F5344CB8AC3E}">
+        <p14:creationId xmlns:p14="http://schemas.microsoft.com/office/powerpoint/2010/main" val="3595565641"/>
+      </p:ext>
+    </p:extLst>
+  </p:cSld>
+  <p:clrMapOvr>
+    <a:masterClrMapping/>
+  </p:clrMapOvr>
+</p:sld>
+</file>
+
+<file path=ppt/slides/slide15.xml><?xml version="1.0" encoding="utf-8"?>
+<p:sld xmlns:a="http://schemas.openxmlformats.org/drawingml/2006/main" xmlns:r="http://schemas.openxmlformats.org/officeDocument/2006/relationships" xmlns:p="http://schemas.openxmlformats.org/presentationml/2006/main">
+  <p:cSld>
+    <p:spTree>
+      <p:nvGrpSpPr>
+        <p:cNvPr id="1" name=""/>
+        <p:cNvGrpSpPr/>
+        <p:nvPr/>
+      </p:nvGrpSpPr>
+      <p:grpSpPr>
+        <a:xfrm>
+          <a:off x="0" y="0"/>
+          <a:ext cx="0" cy="0"/>
+          <a:chOff x="0" y="0"/>
+          <a:chExt cx="0" cy="0"/>
+        </a:xfrm>
+      </p:grpSpPr>
+      <p:sp>
+        <p:nvSpPr>
+          <p:cNvPr id="2" name="Título 1"/>
+          <p:cNvSpPr>
+            <a:spLocks noGrp="1"/>
+          </p:cNvSpPr>
+          <p:nvPr>
+            <p:ph type="title"/>
+          </p:nvPr>
+        </p:nvSpPr>
+        <p:spPr/>
+        <p:txBody>
+          <a:bodyPr>
+            <a:normAutofit fontScale="90000"/>
+          </a:bodyPr>
+          <a:lstStyle/>
+          <a:p>
+            <a:r>
+              <a:rPr lang="en-US" dirty="0"/>
+              <a:t>Conclusion</a:t>
+            </a:r>
+          </a:p>
+        </p:txBody>
+      </p:sp>
+      <p:sp>
+        <p:nvSpPr>
+          <p:cNvPr id="3" name="Marcador de Posição de Conteúdo 2"/>
+          <p:cNvSpPr>
+            <a:spLocks noGrp="1"/>
+          </p:cNvSpPr>
+          <p:nvPr>
+            <p:ph idx="1"/>
+          </p:nvPr>
+        </p:nvSpPr>
+        <p:spPr/>
+        <p:txBody>
+          <a:bodyPr/>
+          <a:lstStyle/>
+          <a:p>
+            <a:r>
+              <a:rPr lang="en-US" dirty="0"/>
+              <a:t>The results were pleasant, some algorithms could only be solved by changing the time limit for the </a:t>
+            </a:r>
+            <a:r>
+              <a:rPr lang="en-US" u="sng" dirty="0"/>
+              <a:t>Solver</a:t>
+            </a:r>
+            <a:r>
+              <a:rPr lang="en-US" dirty="0"/>
+              <a:t>.</a:t>
+            </a:r>
+          </a:p>
+          <a:p>
+            <a:r>
+              <a:rPr lang="en-US" dirty="0"/>
+              <a:t>Exact Method algorithm uses a ton of resources. Works well in small instances.</a:t>
+            </a:r>
+          </a:p>
+        </p:txBody>
+      </p:sp>
+      <p:sp>
+        <p:nvSpPr>
+          <p:cNvPr id="4" name="CaixaDeTexto 1"/>
+          <p:cNvSpPr txBox="1">
+            <a:spLocks noChangeArrowheads="1"/>
+          </p:cNvSpPr>
+          <p:nvPr/>
+        </p:nvSpPr>
+        <p:spPr bwMode="auto">
+          <a:xfrm>
+            <a:off x="6228184" y="6309320"/>
+            <a:ext cx="2387228" cy="461665"/>
+          </a:xfrm>
+          <a:prstGeom prst="rect">
+            <a:avLst/>
+          </a:prstGeom>
+          <a:noFill/>
+          <a:ln>
+            <a:noFill/>
+          </a:ln>
+          <a:extLst>
+            <a:ext uri="{909E8E84-426E-40DD-AFC4-6F175D3DCCD1}">
+              <a14:hiddenFill xmlns:a14="http://schemas.microsoft.com/office/drawing/2010/main">
+                <a:solidFill>
+                  <a:srgbClr val="FFFFFF"/>
+                </a:solidFill>
+              </a14:hiddenFill>
+            </a:ext>
+            <a:ext uri="{91240B29-F687-4F45-9708-019B960494DF}">
+              <a14:hiddenLine xmlns:a14="http://schemas.microsoft.com/office/drawing/2010/main" w="9525">
+                <a:solidFill>
+                  <a:srgbClr val="000000"/>
+                </a:solidFill>
+                <a:miter lim="800000"/>
+                <a:headEnd/>
+                <a:tailEnd/>
+              </a14:hiddenLine>
+            </a:ext>
+          </a:extLst>
+        </p:spPr>
+        <p:txBody>
+          <a:bodyPr wrap="square">
+            <a:spAutoFit/>
+          </a:bodyPr>
+          <a:lstStyle>
+            <a:lvl1pPr>
+              <a:defRPr>
+                <a:solidFill>
+                  <a:schemeClr val="tx1"/>
+                </a:solidFill>
+                <a:latin typeface="Calibri" panose="020F0502020204030204" pitchFamily="34" charset="0"/>
+              </a:defRPr>
+            </a:lvl1pPr>
+            <a:lvl2pPr marL="742950" indent="-285750">
+              <a:defRPr>
+                <a:solidFill>
+                  <a:schemeClr val="tx1"/>
+                </a:solidFill>
+                <a:latin typeface="Calibri" panose="020F0502020204030204" pitchFamily="34" charset="0"/>
+              </a:defRPr>
+            </a:lvl2pPr>
+            <a:lvl3pPr marL="1143000" indent="-228600">
+              <a:defRPr>
+                <a:solidFill>
+                  <a:schemeClr val="tx1"/>
+                </a:solidFill>
+                <a:latin typeface="Calibri" panose="020F0502020204030204" pitchFamily="34" charset="0"/>
+              </a:defRPr>
+            </a:lvl3pPr>
+            <a:lvl4pPr marL="1600200" indent="-228600">
+              <a:defRPr>
+                <a:solidFill>
+                  <a:schemeClr val="tx1"/>
+                </a:solidFill>
+                <a:latin typeface="Calibri" panose="020F0502020204030204" pitchFamily="34" charset="0"/>
+              </a:defRPr>
+            </a:lvl4pPr>
+            <a:lvl5pPr marL="2057400" indent="-228600">
+              <a:defRPr>
+                <a:solidFill>
+                  <a:schemeClr val="tx1"/>
+                </a:solidFill>
+                <a:latin typeface="Calibri" panose="020F0502020204030204" pitchFamily="34" charset="0"/>
+              </a:defRPr>
+            </a:lvl5pPr>
+            <a:lvl6pPr marL="2514600" indent="-228600" defTabSz="457200" fontAlgn="base">
+              <a:spcBef>
+                <a:spcPct val="0"/>
+              </a:spcBef>
+              <a:spcAft>
+                <a:spcPct val="0"/>
+              </a:spcAft>
+              <a:defRPr>
+                <a:solidFill>
+                  <a:schemeClr val="tx1"/>
+                </a:solidFill>
+                <a:latin typeface="Calibri" panose="020F0502020204030204" pitchFamily="34" charset="0"/>
+              </a:defRPr>
+            </a:lvl6pPr>
+            <a:lvl7pPr marL="2971800" indent="-228600" defTabSz="457200" fontAlgn="base">
+              <a:spcBef>
+                <a:spcPct val="0"/>
+              </a:spcBef>
+              <a:spcAft>
+                <a:spcPct val="0"/>
+              </a:spcAft>
+              <a:defRPr>
+                <a:solidFill>
+                  <a:schemeClr val="tx1"/>
+                </a:solidFill>
+                <a:latin typeface="Calibri" panose="020F0502020204030204" pitchFamily="34" charset="0"/>
+              </a:defRPr>
+            </a:lvl7pPr>
+            <a:lvl8pPr marL="3429000" indent="-228600" defTabSz="457200" fontAlgn="base">
+              <a:spcBef>
+                <a:spcPct val="0"/>
+              </a:spcBef>
+              <a:spcAft>
+                <a:spcPct val="0"/>
+              </a:spcAft>
+              <a:defRPr>
+                <a:solidFill>
+                  <a:schemeClr val="tx1"/>
+                </a:solidFill>
+                <a:latin typeface="Calibri" panose="020F0502020204030204" pitchFamily="34" charset="0"/>
+              </a:defRPr>
+            </a:lvl8pPr>
+            <a:lvl9pPr marL="3886200" indent="-228600" defTabSz="457200" fontAlgn="base">
+              <a:spcBef>
+                <a:spcPct val="0"/>
+              </a:spcBef>
+              <a:spcAft>
+                <a:spcPct val="0"/>
+              </a:spcAft>
+              <a:defRPr>
+                <a:solidFill>
+                  <a:schemeClr val="tx1"/>
+                </a:solidFill>
+                <a:latin typeface="Calibri" panose="020F0502020204030204" pitchFamily="34" charset="0"/>
+              </a:defRPr>
+            </a:lvl9pPr>
+          </a:lstStyle>
+          <a:p>
+            <a:r>
+              <a:rPr lang="pt-PT" sz="1200" dirty="0">
+                <a:latin typeface="Porto Sans Light" panose="00000400000000000000" pitchFamily="50" charset="0"/>
+              </a:rPr>
+              <a:t>João Silva | Olavo Alves | Luís Silva</a:t>
+            </a:r>
+          </a:p>
+          <a:p>
+            <a:pPr eaLnBrk="1" hangingPunct="1"/>
+            <a:endParaRPr lang="pt-PT" altLang="pt-PT" sz="1200" dirty="0">
+              <a:latin typeface="Porto Sans Light" panose="00000400000000000000" pitchFamily="50" charset="0"/>
+            </a:endParaRPr>
+          </a:p>
+        </p:txBody>
+      </p:sp>
+      <p:sp>
+        <p:nvSpPr>
+          <p:cNvPr id="5" name="CaixaDeTexto 2"/>
+          <p:cNvSpPr txBox="1">
+            <a:spLocks noChangeArrowheads="1"/>
+          </p:cNvSpPr>
+          <p:nvPr/>
+        </p:nvSpPr>
+        <p:spPr bwMode="auto">
+          <a:xfrm>
+            <a:off x="462100" y="6309320"/>
+            <a:ext cx="3317812" cy="276999"/>
+          </a:xfrm>
+          <a:prstGeom prst="rect">
+            <a:avLst/>
+          </a:prstGeom>
+          <a:noFill/>
+          <a:ln>
+            <a:noFill/>
+          </a:ln>
+          <a:extLst>
+            <a:ext uri="{909E8E84-426E-40DD-AFC4-6F175D3DCCD1}">
+              <a14:hiddenFill xmlns:a14="http://schemas.microsoft.com/office/drawing/2010/main">
+                <a:solidFill>
+                  <a:srgbClr val="FFFFFF"/>
+                </a:solidFill>
+              </a14:hiddenFill>
+            </a:ext>
+            <a:ext uri="{91240B29-F687-4F45-9708-019B960494DF}">
+              <a14:hiddenLine xmlns:a14="http://schemas.microsoft.com/office/drawing/2010/main" w="9525">
+                <a:solidFill>
+                  <a:srgbClr val="000000"/>
+                </a:solidFill>
+                <a:miter lim="800000"/>
+                <a:headEnd/>
+                <a:tailEnd/>
+              </a14:hiddenLine>
+            </a:ext>
+          </a:extLst>
+        </p:spPr>
+        <p:txBody>
+          <a:bodyPr wrap="square">
+            <a:spAutoFit/>
+          </a:bodyPr>
+          <a:lstStyle>
+            <a:lvl1pPr>
+              <a:defRPr>
+                <a:solidFill>
+                  <a:schemeClr val="tx1"/>
+                </a:solidFill>
+                <a:latin typeface="Calibri" panose="020F0502020204030204" pitchFamily="34" charset="0"/>
+              </a:defRPr>
+            </a:lvl1pPr>
+            <a:lvl2pPr marL="742950" indent="-285750">
+              <a:defRPr>
+                <a:solidFill>
+                  <a:schemeClr val="tx1"/>
+                </a:solidFill>
+                <a:latin typeface="Calibri" panose="020F0502020204030204" pitchFamily="34" charset="0"/>
+              </a:defRPr>
+            </a:lvl2pPr>
+            <a:lvl3pPr marL="1143000" indent="-228600">
+              <a:defRPr>
+                <a:solidFill>
+                  <a:schemeClr val="tx1"/>
+                </a:solidFill>
+                <a:latin typeface="Calibri" panose="020F0502020204030204" pitchFamily="34" charset="0"/>
+              </a:defRPr>
+            </a:lvl3pPr>
+            <a:lvl4pPr marL="1600200" indent="-228600">
+              <a:defRPr>
+                <a:solidFill>
+                  <a:schemeClr val="tx1"/>
+                </a:solidFill>
+                <a:latin typeface="Calibri" panose="020F0502020204030204" pitchFamily="34" charset="0"/>
+              </a:defRPr>
+            </a:lvl4pPr>
+            <a:lvl5pPr marL="2057400" indent="-228600">
+              <a:defRPr>
+                <a:solidFill>
+                  <a:schemeClr val="tx1"/>
+                </a:solidFill>
+                <a:latin typeface="Calibri" panose="020F0502020204030204" pitchFamily="34" charset="0"/>
+              </a:defRPr>
+            </a:lvl5pPr>
+            <a:lvl6pPr marL="2514600" indent="-228600" defTabSz="457200" fontAlgn="base">
+              <a:spcBef>
+                <a:spcPct val="0"/>
+              </a:spcBef>
+              <a:spcAft>
+                <a:spcPct val="0"/>
+              </a:spcAft>
+              <a:defRPr>
+                <a:solidFill>
+                  <a:schemeClr val="tx1"/>
+                </a:solidFill>
+                <a:latin typeface="Calibri" panose="020F0502020204030204" pitchFamily="34" charset="0"/>
+              </a:defRPr>
+            </a:lvl6pPr>
+            <a:lvl7pPr marL="2971800" indent="-228600" defTabSz="457200" fontAlgn="base">
+              <a:spcBef>
+                <a:spcPct val="0"/>
+              </a:spcBef>
+              <a:spcAft>
+                <a:spcPct val="0"/>
+              </a:spcAft>
+              <a:defRPr>
+                <a:solidFill>
+                  <a:schemeClr val="tx1"/>
+                </a:solidFill>
+                <a:latin typeface="Calibri" panose="020F0502020204030204" pitchFamily="34" charset="0"/>
+              </a:defRPr>
+            </a:lvl7pPr>
+            <a:lvl8pPr marL="3429000" indent="-228600" defTabSz="457200" fontAlgn="base">
+              <a:spcBef>
+                <a:spcPct val="0"/>
+              </a:spcBef>
+              <a:spcAft>
+                <a:spcPct val="0"/>
+              </a:spcAft>
+              <a:defRPr>
+                <a:solidFill>
+                  <a:schemeClr val="tx1"/>
+                </a:solidFill>
+                <a:latin typeface="Calibri" panose="020F0502020204030204" pitchFamily="34" charset="0"/>
+              </a:defRPr>
+            </a:lvl8pPr>
+            <a:lvl9pPr marL="3886200" indent="-228600" defTabSz="457200" fontAlgn="base">
+              <a:spcBef>
+                <a:spcPct val="0"/>
+              </a:spcBef>
+              <a:spcAft>
+                <a:spcPct val="0"/>
+              </a:spcAft>
+              <a:defRPr>
+                <a:solidFill>
+                  <a:schemeClr val="tx1"/>
+                </a:solidFill>
+                <a:latin typeface="Calibri" panose="020F0502020204030204" pitchFamily="34" charset="0"/>
+              </a:defRPr>
+            </a:lvl9pPr>
+          </a:lstStyle>
+          <a:p>
+            <a:pPr eaLnBrk="1" hangingPunct="1"/>
+            <a:r>
+              <a:rPr lang="pt-PT" altLang="pt-PT" sz="1200" dirty="0">
+                <a:latin typeface="Porto Sans Light" panose="00000400000000000000" pitchFamily="50" charset="0"/>
+              </a:rPr>
+              <a:t>Óscar Oliveira / Simulação e Otimização (2022/23)</a:t>
+            </a:r>
+          </a:p>
+        </p:txBody>
+      </p:sp>
     </p:spTree>
     <p:extLst>
       <p:ext uri="{BB962C8B-B14F-4D97-AF65-F5344CB8AC3E}">
@@ -7431,7 +8110,7 @@
 </p:sld>
 </file>
 
-<file path=ppt/slides/slide9.xml><?xml version="1.0" encoding="utf-8"?>
+<file path=ppt/slides/slide16.xml><?xml version="1.0" encoding="utf-8"?>
 <p:sld xmlns:a="http://schemas.openxmlformats.org/drawingml/2006/main" xmlns:r="http://schemas.openxmlformats.org/officeDocument/2006/relationships" xmlns:p="http://schemas.openxmlformats.org/presentationml/2006/main" showMasterSp="0">
   <p:cSld>
     <p:spTree>
@@ -7539,6 +8218,3226 @@
     <p:extLst>
       <p:ext uri="{BB962C8B-B14F-4D97-AF65-F5344CB8AC3E}">
         <p14:creationId xmlns:p14="http://schemas.microsoft.com/office/powerpoint/2010/main" val="2577748838"/>
+      </p:ext>
+    </p:extLst>
+  </p:cSld>
+  <p:clrMapOvr>
+    <a:masterClrMapping/>
+  </p:clrMapOvr>
+</p:sld>
+</file>
+
+<file path=ppt/slides/slide2.xml><?xml version="1.0" encoding="utf-8"?>
+<p:sld xmlns:a="http://schemas.openxmlformats.org/drawingml/2006/main" xmlns:r="http://schemas.openxmlformats.org/officeDocument/2006/relationships" xmlns:p="http://schemas.openxmlformats.org/presentationml/2006/main">
+  <p:cSld>
+    <p:spTree>
+      <p:nvGrpSpPr>
+        <p:cNvPr id="1" name=""/>
+        <p:cNvGrpSpPr/>
+        <p:nvPr/>
+      </p:nvGrpSpPr>
+      <p:grpSpPr>
+        <a:xfrm>
+          <a:off x="0" y="0"/>
+          <a:ext cx="0" cy="0"/>
+          <a:chOff x="0" y="0"/>
+          <a:chExt cx="0" cy="0"/>
+        </a:xfrm>
+      </p:grpSpPr>
+      <p:sp>
+        <p:nvSpPr>
+          <p:cNvPr id="2" name="Título 1"/>
+          <p:cNvSpPr>
+            <a:spLocks noGrp="1"/>
+          </p:cNvSpPr>
+          <p:nvPr>
+            <p:ph type="title"/>
+          </p:nvPr>
+        </p:nvSpPr>
+        <p:spPr/>
+        <p:txBody>
+          <a:bodyPr>
+            <a:normAutofit fontScale="90000"/>
+          </a:bodyPr>
+          <a:lstStyle/>
+          <a:p>
+            <a:r>
+              <a:rPr lang="en-US" dirty="0"/>
+              <a:t>Introduction</a:t>
+            </a:r>
+            <a:endParaRPr lang="pt-PT" dirty="0"/>
+          </a:p>
+        </p:txBody>
+      </p:sp>
+      <p:sp>
+        <p:nvSpPr>
+          <p:cNvPr id="3" name="Marcador de Posição de Conteúdo 2"/>
+          <p:cNvSpPr>
+            <a:spLocks noGrp="1"/>
+          </p:cNvSpPr>
+          <p:nvPr>
+            <p:ph idx="1"/>
+          </p:nvPr>
+        </p:nvSpPr>
+        <p:spPr/>
+        <p:txBody>
+          <a:bodyPr/>
+          <a:lstStyle/>
+          <a:p>
+            <a:r>
+              <a:rPr lang="en-US" dirty="0"/>
+              <a:t>In this presentation</a:t>
+            </a:r>
+            <a:r>
+              <a:rPr lang="pt-PT" dirty="0"/>
+              <a:t>, </a:t>
+            </a:r>
+            <a:r>
+              <a:rPr lang="en-US" dirty="0"/>
+              <a:t>we will approach the SSCFLP with an Exact Method Algorithm, Heuristics and Metaheuristic approach.</a:t>
+            </a:r>
+          </a:p>
+          <a:p>
+            <a:r>
+              <a:rPr lang="en-US" dirty="0"/>
+              <a:t>Firstly, we will discuss the SSCFLP with some approaches from literature. Our approach is then presented with computational results. Lastly, we compare our results (Optimal Solution and Gap) with the literature.</a:t>
+            </a:r>
+          </a:p>
+          <a:p>
+            <a:endParaRPr lang="pt-PT" dirty="0"/>
+          </a:p>
+        </p:txBody>
+      </p:sp>
+      <p:sp>
+        <p:nvSpPr>
+          <p:cNvPr id="4" name="CaixaDeTexto 1"/>
+          <p:cNvSpPr txBox="1">
+            <a:spLocks noChangeArrowheads="1"/>
+          </p:cNvSpPr>
+          <p:nvPr/>
+        </p:nvSpPr>
+        <p:spPr bwMode="auto">
+          <a:xfrm>
+            <a:off x="6228184" y="6309320"/>
+            <a:ext cx="2387228" cy="461665"/>
+          </a:xfrm>
+          <a:prstGeom prst="rect">
+            <a:avLst/>
+          </a:prstGeom>
+          <a:noFill/>
+          <a:ln>
+            <a:noFill/>
+          </a:ln>
+          <a:extLst>
+            <a:ext uri="{909E8E84-426E-40DD-AFC4-6F175D3DCCD1}">
+              <a14:hiddenFill xmlns:a14="http://schemas.microsoft.com/office/drawing/2010/main">
+                <a:solidFill>
+                  <a:srgbClr val="FFFFFF"/>
+                </a:solidFill>
+              </a14:hiddenFill>
+            </a:ext>
+            <a:ext uri="{91240B29-F687-4F45-9708-019B960494DF}">
+              <a14:hiddenLine xmlns:a14="http://schemas.microsoft.com/office/drawing/2010/main" w="9525">
+                <a:solidFill>
+                  <a:srgbClr val="000000"/>
+                </a:solidFill>
+                <a:miter lim="800000"/>
+                <a:headEnd/>
+                <a:tailEnd/>
+              </a14:hiddenLine>
+            </a:ext>
+          </a:extLst>
+        </p:spPr>
+        <p:txBody>
+          <a:bodyPr wrap="square">
+            <a:spAutoFit/>
+          </a:bodyPr>
+          <a:lstStyle>
+            <a:lvl1pPr>
+              <a:defRPr>
+                <a:solidFill>
+                  <a:schemeClr val="tx1"/>
+                </a:solidFill>
+                <a:latin typeface="Calibri" panose="020F0502020204030204" pitchFamily="34" charset="0"/>
+              </a:defRPr>
+            </a:lvl1pPr>
+            <a:lvl2pPr marL="742950" indent="-285750">
+              <a:defRPr>
+                <a:solidFill>
+                  <a:schemeClr val="tx1"/>
+                </a:solidFill>
+                <a:latin typeface="Calibri" panose="020F0502020204030204" pitchFamily="34" charset="0"/>
+              </a:defRPr>
+            </a:lvl2pPr>
+            <a:lvl3pPr marL="1143000" indent="-228600">
+              <a:defRPr>
+                <a:solidFill>
+                  <a:schemeClr val="tx1"/>
+                </a:solidFill>
+                <a:latin typeface="Calibri" panose="020F0502020204030204" pitchFamily="34" charset="0"/>
+              </a:defRPr>
+            </a:lvl3pPr>
+            <a:lvl4pPr marL="1600200" indent="-228600">
+              <a:defRPr>
+                <a:solidFill>
+                  <a:schemeClr val="tx1"/>
+                </a:solidFill>
+                <a:latin typeface="Calibri" panose="020F0502020204030204" pitchFamily="34" charset="0"/>
+              </a:defRPr>
+            </a:lvl4pPr>
+            <a:lvl5pPr marL="2057400" indent="-228600">
+              <a:defRPr>
+                <a:solidFill>
+                  <a:schemeClr val="tx1"/>
+                </a:solidFill>
+                <a:latin typeface="Calibri" panose="020F0502020204030204" pitchFamily="34" charset="0"/>
+              </a:defRPr>
+            </a:lvl5pPr>
+            <a:lvl6pPr marL="2514600" indent="-228600" defTabSz="457200" fontAlgn="base">
+              <a:spcBef>
+                <a:spcPct val="0"/>
+              </a:spcBef>
+              <a:spcAft>
+                <a:spcPct val="0"/>
+              </a:spcAft>
+              <a:defRPr>
+                <a:solidFill>
+                  <a:schemeClr val="tx1"/>
+                </a:solidFill>
+                <a:latin typeface="Calibri" panose="020F0502020204030204" pitchFamily="34" charset="0"/>
+              </a:defRPr>
+            </a:lvl6pPr>
+            <a:lvl7pPr marL="2971800" indent="-228600" defTabSz="457200" fontAlgn="base">
+              <a:spcBef>
+                <a:spcPct val="0"/>
+              </a:spcBef>
+              <a:spcAft>
+                <a:spcPct val="0"/>
+              </a:spcAft>
+              <a:defRPr>
+                <a:solidFill>
+                  <a:schemeClr val="tx1"/>
+                </a:solidFill>
+                <a:latin typeface="Calibri" panose="020F0502020204030204" pitchFamily="34" charset="0"/>
+              </a:defRPr>
+            </a:lvl7pPr>
+            <a:lvl8pPr marL="3429000" indent="-228600" defTabSz="457200" fontAlgn="base">
+              <a:spcBef>
+                <a:spcPct val="0"/>
+              </a:spcBef>
+              <a:spcAft>
+                <a:spcPct val="0"/>
+              </a:spcAft>
+              <a:defRPr>
+                <a:solidFill>
+                  <a:schemeClr val="tx1"/>
+                </a:solidFill>
+                <a:latin typeface="Calibri" panose="020F0502020204030204" pitchFamily="34" charset="0"/>
+              </a:defRPr>
+            </a:lvl8pPr>
+            <a:lvl9pPr marL="3886200" indent="-228600" defTabSz="457200" fontAlgn="base">
+              <a:spcBef>
+                <a:spcPct val="0"/>
+              </a:spcBef>
+              <a:spcAft>
+                <a:spcPct val="0"/>
+              </a:spcAft>
+              <a:defRPr>
+                <a:solidFill>
+                  <a:schemeClr val="tx1"/>
+                </a:solidFill>
+                <a:latin typeface="Calibri" panose="020F0502020204030204" pitchFamily="34" charset="0"/>
+              </a:defRPr>
+            </a:lvl9pPr>
+          </a:lstStyle>
+          <a:p>
+            <a:r>
+              <a:rPr lang="pt-PT" sz="1200" dirty="0">
+                <a:latin typeface="Porto Sans Light" panose="00000400000000000000" pitchFamily="50" charset="0"/>
+              </a:rPr>
+              <a:t>João Silva | Olavo Alves | Luís Silva</a:t>
+            </a:r>
+          </a:p>
+          <a:p>
+            <a:pPr eaLnBrk="1" hangingPunct="1"/>
+            <a:endParaRPr lang="pt-PT" altLang="pt-PT" sz="1200" dirty="0">
+              <a:latin typeface="Porto Sans Light" panose="00000400000000000000" pitchFamily="50" charset="0"/>
+            </a:endParaRPr>
+          </a:p>
+        </p:txBody>
+      </p:sp>
+      <p:sp>
+        <p:nvSpPr>
+          <p:cNvPr id="5" name="CaixaDeTexto 2"/>
+          <p:cNvSpPr txBox="1">
+            <a:spLocks noChangeArrowheads="1"/>
+          </p:cNvSpPr>
+          <p:nvPr/>
+        </p:nvSpPr>
+        <p:spPr bwMode="auto">
+          <a:xfrm>
+            <a:off x="462100" y="6309320"/>
+            <a:ext cx="3317812" cy="276999"/>
+          </a:xfrm>
+          <a:prstGeom prst="rect">
+            <a:avLst/>
+          </a:prstGeom>
+          <a:noFill/>
+          <a:ln>
+            <a:noFill/>
+          </a:ln>
+          <a:extLst>
+            <a:ext uri="{909E8E84-426E-40DD-AFC4-6F175D3DCCD1}">
+              <a14:hiddenFill xmlns:a14="http://schemas.microsoft.com/office/drawing/2010/main">
+                <a:solidFill>
+                  <a:srgbClr val="FFFFFF"/>
+                </a:solidFill>
+              </a14:hiddenFill>
+            </a:ext>
+            <a:ext uri="{91240B29-F687-4F45-9708-019B960494DF}">
+              <a14:hiddenLine xmlns:a14="http://schemas.microsoft.com/office/drawing/2010/main" w="9525">
+                <a:solidFill>
+                  <a:srgbClr val="000000"/>
+                </a:solidFill>
+                <a:miter lim="800000"/>
+                <a:headEnd/>
+                <a:tailEnd/>
+              </a14:hiddenLine>
+            </a:ext>
+          </a:extLst>
+        </p:spPr>
+        <p:txBody>
+          <a:bodyPr wrap="square">
+            <a:spAutoFit/>
+          </a:bodyPr>
+          <a:lstStyle>
+            <a:lvl1pPr>
+              <a:defRPr>
+                <a:solidFill>
+                  <a:schemeClr val="tx1"/>
+                </a:solidFill>
+                <a:latin typeface="Calibri" panose="020F0502020204030204" pitchFamily="34" charset="0"/>
+              </a:defRPr>
+            </a:lvl1pPr>
+            <a:lvl2pPr marL="742950" indent="-285750">
+              <a:defRPr>
+                <a:solidFill>
+                  <a:schemeClr val="tx1"/>
+                </a:solidFill>
+                <a:latin typeface="Calibri" panose="020F0502020204030204" pitchFamily="34" charset="0"/>
+              </a:defRPr>
+            </a:lvl2pPr>
+            <a:lvl3pPr marL="1143000" indent="-228600">
+              <a:defRPr>
+                <a:solidFill>
+                  <a:schemeClr val="tx1"/>
+                </a:solidFill>
+                <a:latin typeface="Calibri" panose="020F0502020204030204" pitchFamily="34" charset="0"/>
+              </a:defRPr>
+            </a:lvl3pPr>
+            <a:lvl4pPr marL="1600200" indent="-228600">
+              <a:defRPr>
+                <a:solidFill>
+                  <a:schemeClr val="tx1"/>
+                </a:solidFill>
+                <a:latin typeface="Calibri" panose="020F0502020204030204" pitchFamily="34" charset="0"/>
+              </a:defRPr>
+            </a:lvl4pPr>
+            <a:lvl5pPr marL="2057400" indent="-228600">
+              <a:defRPr>
+                <a:solidFill>
+                  <a:schemeClr val="tx1"/>
+                </a:solidFill>
+                <a:latin typeface="Calibri" panose="020F0502020204030204" pitchFamily="34" charset="0"/>
+              </a:defRPr>
+            </a:lvl5pPr>
+            <a:lvl6pPr marL="2514600" indent="-228600" defTabSz="457200" fontAlgn="base">
+              <a:spcBef>
+                <a:spcPct val="0"/>
+              </a:spcBef>
+              <a:spcAft>
+                <a:spcPct val="0"/>
+              </a:spcAft>
+              <a:defRPr>
+                <a:solidFill>
+                  <a:schemeClr val="tx1"/>
+                </a:solidFill>
+                <a:latin typeface="Calibri" panose="020F0502020204030204" pitchFamily="34" charset="0"/>
+              </a:defRPr>
+            </a:lvl6pPr>
+            <a:lvl7pPr marL="2971800" indent="-228600" defTabSz="457200" fontAlgn="base">
+              <a:spcBef>
+                <a:spcPct val="0"/>
+              </a:spcBef>
+              <a:spcAft>
+                <a:spcPct val="0"/>
+              </a:spcAft>
+              <a:defRPr>
+                <a:solidFill>
+                  <a:schemeClr val="tx1"/>
+                </a:solidFill>
+                <a:latin typeface="Calibri" panose="020F0502020204030204" pitchFamily="34" charset="0"/>
+              </a:defRPr>
+            </a:lvl7pPr>
+            <a:lvl8pPr marL="3429000" indent="-228600" defTabSz="457200" fontAlgn="base">
+              <a:spcBef>
+                <a:spcPct val="0"/>
+              </a:spcBef>
+              <a:spcAft>
+                <a:spcPct val="0"/>
+              </a:spcAft>
+              <a:defRPr>
+                <a:solidFill>
+                  <a:schemeClr val="tx1"/>
+                </a:solidFill>
+                <a:latin typeface="Calibri" panose="020F0502020204030204" pitchFamily="34" charset="0"/>
+              </a:defRPr>
+            </a:lvl8pPr>
+            <a:lvl9pPr marL="3886200" indent="-228600" defTabSz="457200" fontAlgn="base">
+              <a:spcBef>
+                <a:spcPct val="0"/>
+              </a:spcBef>
+              <a:spcAft>
+                <a:spcPct val="0"/>
+              </a:spcAft>
+              <a:defRPr>
+                <a:solidFill>
+                  <a:schemeClr val="tx1"/>
+                </a:solidFill>
+                <a:latin typeface="Calibri" panose="020F0502020204030204" pitchFamily="34" charset="0"/>
+              </a:defRPr>
+            </a:lvl9pPr>
+          </a:lstStyle>
+          <a:p>
+            <a:pPr eaLnBrk="1" hangingPunct="1"/>
+            <a:r>
+              <a:rPr lang="pt-PT" altLang="pt-PT" sz="1200" dirty="0">
+                <a:latin typeface="Porto Sans Light" panose="00000400000000000000" pitchFamily="50" charset="0"/>
+              </a:rPr>
+              <a:t>Óscar Oliveira / Simulação e Otimização (2022/23)</a:t>
+            </a:r>
+          </a:p>
+        </p:txBody>
+      </p:sp>
+    </p:spTree>
+    <p:extLst>
+      <p:ext uri="{BB962C8B-B14F-4D97-AF65-F5344CB8AC3E}">
+        <p14:creationId xmlns:p14="http://schemas.microsoft.com/office/powerpoint/2010/main" val="3990843653"/>
+      </p:ext>
+    </p:extLst>
+  </p:cSld>
+  <p:clrMapOvr>
+    <a:masterClrMapping/>
+  </p:clrMapOvr>
+</p:sld>
+</file>
+
+<file path=ppt/slides/slide3.xml><?xml version="1.0" encoding="utf-8"?>
+<p:sld xmlns:a="http://schemas.openxmlformats.org/drawingml/2006/main" xmlns:r="http://schemas.openxmlformats.org/officeDocument/2006/relationships" xmlns:p="http://schemas.openxmlformats.org/presentationml/2006/main">
+  <p:cSld>
+    <p:spTree>
+      <p:nvGrpSpPr>
+        <p:cNvPr id="1" name=""/>
+        <p:cNvGrpSpPr/>
+        <p:nvPr/>
+      </p:nvGrpSpPr>
+      <p:grpSpPr>
+        <a:xfrm>
+          <a:off x="0" y="0"/>
+          <a:ext cx="0" cy="0"/>
+          <a:chOff x="0" y="0"/>
+          <a:chExt cx="0" cy="0"/>
+        </a:xfrm>
+      </p:grpSpPr>
+      <p:sp>
+        <p:nvSpPr>
+          <p:cNvPr id="2" name="Título 1"/>
+          <p:cNvSpPr>
+            <a:spLocks noGrp="1"/>
+          </p:cNvSpPr>
+          <p:nvPr>
+            <p:ph type="title"/>
+          </p:nvPr>
+        </p:nvSpPr>
+        <p:spPr/>
+        <p:txBody>
+          <a:bodyPr>
+            <a:normAutofit fontScale="90000"/>
+          </a:bodyPr>
+          <a:lstStyle/>
+          <a:p>
+            <a:r>
+              <a:rPr lang="en-US" dirty="0"/>
+              <a:t>The</a:t>
+            </a:r>
+            <a:r>
+              <a:rPr lang="pt-PT" dirty="0"/>
+              <a:t> SSCFLP</a:t>
+            </a:r>
+          </a:p>
+        </p:txBody>
+      </p:sp>
+      <p:sp>
+        <p:nvSpPr>
+          <p:cNvPr id="3" name="Marcador de Posição de Conteúdo 2"/>
+          <p:cNvSpPr>
+            <a:spLocks noGrp="1"/>
+          </p:cNvSpPr>
+          <p:nvPr>
+            <p:ph idx="1"/>
+          </p:nvPr>
+        </p:nvSpPr>
+        <p:spPr/>
+        <p:txBody>
+          <a:bodyPr>
+            <a:normAutofit/>
+          </a:bodyPr>
+          <a:lstStyle/>
+          <a:p>
+            <a:r>
+              <a:rPr lang="pt-PT" dirty="0"/>
+              <a:t>T</a:t>
+            </a:r>
+            <a:r>
+              <a:rPr lang="en-GB" dirty="0"/>
+              <a:t>he SSCFLP is a problem where the goal is to minimize the total cost of opening and assigning customers to facilities from a set of potential locations and a set of customers, while determining which facilities should be opened and which customers should be assigned to each facility.</a:t>
+            </a:r>
+          </a:p>
+          <a:p>
+            <a:endParaRPr lang="en-GB" dirty="0"/>
+          </a:p>
+          <a:p>
+            <a:endParaRPr lang="pt-PT" dirty="0"/>
+          </a:p>
+        </p:txBody>
+      </p:sp>
+      <p:sp>
+        <p:nvSpPr>
+          <p:cNvPr id="4" name="CaixaDeTexto 1"/>
+          <p:cNvSpPr txBox="1">
+            <a:spLocks noChangeArrowheads="1"/>
+          </p:cNvSpPr>
+          <p:nvPr/>
+        </p:nvSpPr>
+        <p:spPr bwMode="auto">
+          <a:xfrm>
+            <a:off x="6228184" y="6309320"/>
+            <a:ext cx="2387228" cy="461665"/>
+          </a:xfrm>
+          <a:prstGeom prst="rect">
+            <a:avLst/>
+          </a:prstGeom>
+          <a:noFill/>
+          <a:ln>
+            <a:noFill/>
+          </a:ln>
+          <a:extLst>
+            <a:ext uri="{909E8E84-426E-40DD-AFC4-6F175D3DCCD1}">
+              <a14:hiddenFill xmlns:a14="http://schemas.microsoft.com/office/drawing/2010/main">
+                <a:solidFill>
+                  <a:srgbClr val="FFFFFF"/>
+                </a:solidFill>
+              </a14:hiddenFill>
+            </a:ext>
+            <a:ext uri="{91240B29-F687-4F45-9708-019B960494DF}">
+              <a14:hiddenLine xmlns:a14="http://schemas.microsoft.com/office/drawing/2010/main" w="9525">
+                <a:solidFill>
+                  <a:srgbClr val="000000"/>
+                </a:solidFill>
+                <a:miter lim="800000"/>
+                <a:headEnd/>
+                <a:tailEnd/>
+              </a14:hiddenLine>
+            </a:ext>
+          </a:extLst>
+        </p:spPr>
+        <p:txBody>
+          <a:bodyPr wrap="square">
+            <a:spAutoFit/>
+          </a:bodyPr>
+          <a:lstStyle>
+            <a:lvl1pPr>
+              <a:defRPr>
+                <a:solidFill>
+                  <a:schemeClr val="tx1"/>
+                </a:solidFill>
+                <a:latin typeface="Calibri" panose="020F0502020204030204" pitchFamily="34" charset="0"/>
+              </a:defRPr>
+            </a:lvl1pPr>
+            <a:lvl2pPr marL="742950" indent="-285750">
+              <a:defRPr>
+                <a:solidFill>
+                  <a:schemeClr val="tx1"/>
+                </a:solidFill>
+                <a:latin typeface="Calibri" panose="020F0502020204030204" pitchFamily="34" charset="0"/>
+              </a:defRPr>
+            </a:lvl2pPr>
+            <a:lvl3pPr marL="1143000" indent="-228600">
+              <a:defRPr>
+                <a:solidFill>
+                  <a:schemeClr val="tx1"/>
+                </a:solidFill>
+                <a:latin typeface="Calibri" panose="020F0502020204030204" pitchFamily="34" charset="0"/>
+              </a:defRPr>
+            </a:lvl3pPr>
+            <a:lvl4pPr marL="1600200" indent="-228600">
+              <a:defRPr>
+                <a:solidFill>
+                  <a:schemeClr val="tx1"/>
+                </a:solidFill>
+                <a:latin typeface="Calibri" panose="020F0502020204030204" pitchFamily="34" charset="0"/>
+              </a:defRPr>
+            </a:lvl4pPr>
+            <a:lvl5pPr marL="2057400" indent="-228600">
+              <a:defRPr>
+                <a:solidFill>
+                  <a:schemeClr val="tx1"/>
+                </a:solidFill>
+                <a:latin typeface="Calibri" panose="020F0502020204030204" pitchFamily="34" charset="0"/>
+              </a:defRPr>
+            </a:lvl5pPr>
+            <a:lvl6pPr marL="2514600" indent="-228600" defTabSz="457200" fontAlgn="base">
+              <a:spcBef>
+                <a:spcPct val="0"/>
+              </a:spcBef>
+              <a:spcAft>
+                <a:spcPct val="0"/>
+              </a:spcAft>
+              <a:defRPr>
+                <a:solidFill>
+                  <a:schemeClr val="tx1"/>
+                </a:solidFill>
+                <a:latin typeface="Calibri" panose="020F0502020204030204" pitchFamily="34" charset="0"/>
+              </a:defRPr>
+            </a:lvl6pPr>
+            <a:lvl7pPr marL="2971800" indent="-228600" defTabSz="457200" fontAlgn="base">
+              <a:spcBef>
+                <a:spcPct val="0"/>
+              </a:spcBef>
+              <a:spcAft>
+                <a:spcPct val="0"/>
+              </a:spcAft>
+              <a:defRPr>
+                <a:solidFill>
+                  <a:schemeClr val="tx1"/>
+                </a:solidFill>
+                <a:latin typeface="Calibri" panose="020F0502020204030204" pitchFamily="34" charset="0"/>
+              </a:defRPr>
+            </a:lvl7pPr>
+            <a:lvl8pPr marL="3429000" indent="-228600" defTabSz="457200" fontAlgn="base">
+              <a:spcBef>
+                <a:spcPct val="0"/>
+              </a:spcBef>
+              <a:spcAft>
+                <a:spcPct val="0"/>
+              </a:spcAft>
+              <a:defRPr>
+                <a:solidFill>
+                  <a:schemeClr val="tx1"/>
+                </a:solidFill>
+                <a:latin typeface="Calibri" panose="020F0502020204030204" pitchFamily="34" charset="0"/>
+              </a:defRPr>
+            </a:lvl8pPr>
+            <a:lvl9pPr marL="3886200" indent="-228600" defTabSz="457200" fontAlgn="base">
+              <a:spcBef>
+                <a:spcPct val="0"/>
+              </a:spcBef>
+              <a:spcAft>
+                <a:spcPct val="0"/>
+              </a:spcAft>
+              <a:defRPr>
+                <a:solidFill>
+                  <a:schemeClr val="tx1"/>
+                </a:solidFill>
+                <a:latin typeface="Calibri" panose="020F0502020204030204" pitchFamily="34" charset="0"/>
+              </a:defRPr>
+            </a:lvl9pPr>
+          </a:lstStyle>
+          <a:p>
+            <a:r>
+              <a:rPr lang="pt-PT" sz="1200" dirty="0">
+                <a:latin typeface="Porto Sans Light" panose="00000400000000000000" pitchFamily="50" charset="0"/>
+              </a:rPr>
+              <a:t>João Silva | Olavo Alves | Luís Silva</a:t>
+            </a:r>
+          </a:p>
+          <a:p>
+            <a:pPr eaLnBrk="1" hangingPunct="1"/>
+            <a:endParaRPr lang="pt-PT" altLang="pt-PT" sz="1200" dirty="0">
+              <a:latin typeface="Porto Sans Light" panose="00000400000000000000" pitchFamily="50" charset="0"/>
+            </a:endParaRPr>
+          </a:p>
+        </p:txBody>
+      </p:sp>
+      <p:sp>
+        <p:nvSpPr>
+          <p:cNvPr id="5" name="CaixaDeTexto 2"/>
+          <p:cNvSpPr txBox="1">
+            <a:spLocks noChangeArrowheads="1"/>
+          </p:cNvSpPr>
+          <p:nvPr/>
+        </p:nvSpPr>
+        <p:spPr bwMode="auto">
+          <a:xfrm>
+            <a:off x="462100" y="6309320"/>
+            <a:ext cx="3317812" cy="276999"/>
+          </a:xfrm>
+          <a:prstGeom prst="rect">
+            <a:avLst/>
+          </a:prstGeom>
+          <a:noFill/>
+          <a:ln>
+            <a:noFill/>
+          </a:ln>
+          <a:extLst>
+            <a:ext uri="{909E8E84-426E-40DD-AFC4-6F175D3DCCD1}">
+              <a14:hiddenFill xmlns:a14="http://schemas.microsoft.com/office/drawing/2010/main">
+                <a:solidFill>
+                  <a:srgbClr val="FFFFFF"/>
+                </a:solidFill>
+              </a14:hiddenFill>
+            </a:ext>
+            <a:ext uri="{91240B29-F687-4F45-9708-019B960494DF}">
+              <a14:hiddenLine xmlns:a14="http://schemas.microsoft.com/office/drawing/2010/main" w="9525">
+                <a:solidFill>
+                  <a:srgbClr val="000000"/>
+                </a:solidFill>
+                <a:miter lim="800000"/>
+                <a:headEnd/>
+                <a:tailEnd/>
+              </a14:hiddenLine>
+            </a:ext>
+          </a:extLst>
+        </p:spPr>
+        <p:txBody>
+          <a:bodyPr wrap="square">
+            <a:spAutoFit/>
+          </a:bodyPr>
+          <a:lstStyle>
+            <a:lvl1pPr>
+              <a:defRPr>
+                <a:solidFill>
+                  <a:schemeClr val="tx1"/>
+                </a:solidFill>
+                <a:latin typeface="Calibri" panose="020F0502020204030204" pitchFamily="34" charset="0"/>
+              </a:defRPr>
+            </a:lvl1pPr>
+            <a:lvl2pPr marL="742950" indent="-285750">
+              <a:defRPr>
+                <a:solidFill>
+                  <a:schemeClr val="tx1"/>
+                </a:solidFill>
+                <a:latin typeface="Calibri" panose="020F0502020204030204" pitchFamily="34" charset="0"/>
+              </a:defRPr>
+            </a:lvl2pPr>
+            <a:lvl3pPr marL="1143000" indent="-228600">
+              <a:defRPr>
+                <a:solidFill>
+                  <a:schemeClr val="tx1"/>
+                </a:solidFill>
+                <a:latin typeface="Calibri" panose="020F0502020204030204" pitchFamily="34" charset="0"/>
+              </a:defRPr>
+            </a:lvl3pPr>
+            <a:lvl4pPr marL="1600200" indent="-228600">
+              <a:defRPr>
+                <a:solidFill>
+                  <a:schemeClr val="tx1"/>
+                </a:solidFill>
+                <a:latin typeface="Calibri" panose="020F0502020204030204" pitchFamily="34" charset="0"/>
+              </a:defRPr>
+            </a:lvl4pPr>
+            <a:lvl5pPr marL="2057400" indent="-228600">
+              <a:defRPr>
+                <a:solidFill>
+                  <a:schemeClr val="tx1"/>
+                </a:solidFill>
+                <a:latin typeface="Calibri" panose="020F0502020204030204" pitchFamily="34" charset="0"/>
+              </a:defRPr>
+            </a:lvl5pPr>
+            <a:lvl6pPr marL="2514600" indent="-228600" defTabSz="457200" fontAlgn="base">
+              <a:spcBef>
+                <a:spcPct val="0"/>
+              </a:spcBef>
+              <a:spcAft>
+                <a:spcPct val="0"/>
+              </a:spcAft>
+              <a:defRPr>
+                <a:solidFill>
+                  <a:schemeClr val="tx1"/>
+                </a:solidFill>
+                <a:latin typeface="Calibri" panose="020F0502020204030204" pitchFamily="34" charset="0"/>
+              </a:defRPr>
+            </a:lvl6pPr>
+            <a:lvl7pPr marL="2971800" indent="-228600" defTabSz="457200" fontAlgn="base">
+              <a:spcBef>
+                <a:spcPct val="0"/>
+              </a:spcBef>
+              <a:spcAft>
+                <a:spcPct val="0"/>
+              </a:spcAft>
+              <a:defRPr>
+                <a:solidFill>
+                  <a:schemeClr val="tx1"/>
+                </a:solidFill>
+                <a:latin typeface="Calibri" panose="020F0502020204030204" pitchFamily="34" charset="0"/>
+              </a:defRPr>
+            </a:lvl7pPr>
+            <a:lvl8pPr marL="3429000" indent="-228600" defTabSz="457200" fontAlgn="base">
+              <a:spcBef>
+                <a:spcPct val="0"/>
+              </a:spcBef>
+              <a:spcAft>
+                <a:spcPct val="0"/>
+              </a:spcAft>
+              <a:defRPr>
+                <a:solidFill>
+                  <a:schemeClr val="tx1"/>
+                </a:solidFill>
+                <a:latin typeface="Calibri" panose="020F0502020204030204" pitchFamily="34" charset="0"/>
+              </a:defRPr>
+            </a:lvl8pPr>
+            <a:lvl9pPr marL="3886200" indent="-228600" defTabSz="457200" fontAlgn="base">
+              <a:spcBef>
+                <a:spcPct val="0"/>
+              </a:spcBef>
+              <a:spcAft>
+                <a:spcPct val="0"/>
+              </a:spcAft>
+              <a:defRPr>
+                <a:solidFill>
+                  <a:schemeClr val="tx1"/>
+                </a:solidFill>
+                <a:latin typeface="Calibri" panose="020F0502020204030204" pitchFamily="34" charset="0"/>
+              </a:defRPr>
+            </a:lvl9pPr>
+          </a:lstStyle>
+          <a:p>
+            <a:pPr eaLnBrk="1" hangingPunct="1"/>
+            <a:r>
+              <a:rPr lang="pt-PT" altLang="pt-PT" sz="1200" dirty="0">
+                <a:latin typeface="Porto Sans Light" panose="00000400000000000000" pitchFamily="50" charset="0"/>
+              </a:rPr>
+              <a:t>Óscar Oliveira / Simulação e Otimização (2022/23)</a:t>
+            </a:r>
+          </a:p>
+        </p:txBody>
+      </p:sp>
+    </p:spTree>
+    <p:extLst>
+      <p:ext uri="{BB962C8B-B14F-4D97-AF65-F5344CB8AC3E}">
+        <p14:creationId xmlns:p14="http://schemas.microsoft.com/office/powerpoint/2010/main" val="1765661296"/>
+      </p:ext>
+    </p:extLst>
+  </p:cSld>
+  <p:clrMapOvr>
+    <a:masterClrMapping/>
+  </p:clrMapOvr>
+</p:sld>
+</file>
+
+<file path=ppt/slides/slide4.xml><?xml version="1.0" encoding="utf-8"?>
+<p:sld xmlns:a="http://schemas.openxmlformats.org/drawingml/2006/main" xmlns:r="http://schemas.openxmlformats.org/officeDocument/2006/relationships" xmlns:p="http://schemas.openxmlformats.org/presentationml/2006/main">
+  <p:cSld>
+    <p:spTree>
+      <p:nvGrpSpPr>
+        <p:cNvPr id="1" name=""/>
+        <p:cNvGrpSpPr/>
+        <p:nvPr/>
+      </p:nvGrpSpPr>
+      <p:grpSpPr>
+        <a:xfrm>
+          <a:off x="0" y="0"/>
+          <a:ext cx="0" cy="0"/>
+          <a:chOff x="0" y="0"/>
+          <a:chExt cx="0" cy="0"/>
+        </a:xfrm>
+      </p:grpSpPr>
+      <p:sp>
+        <p:nvSpPr>
+          <p:cNvPr id="2" name="Título 1"/>
+          <p:cNvSpPr>
+            <a:spLocks noGrp="1"/>
+          </p:cNvSpPr>
+          <p:nvPr>
+            <p:ph type="title"/>
+          </p:nvPr>
+        </p:nvSpPr>
+        <p:spPr/>
+        <p:txBody>
+          <a:bodyPr>
+            <a:normAutofit fontScale="90000"/>
+          </a:bodyPr>
+          <a:lstStyle/>
+          <a:p>
+            <a:r>
+              <a:rPr lang="en-US" dirty="0"/>
+              <a:t>Approaches from literature</a:t>
+            </a:r>
+          </a:p>
+        </p:txBody>
+      </p:sp>
+      <p:sp>
+        <p:nvSpPr>
+          <p:cNvPr id="3" name="Marcador de Posição de Conteúdo 2"/>
+          <p:cNvSpPr>
+            <a:spLocks noGrp="1"/>
+          </p:cNvSpPr>
+          <p:nvPr>
+            <p:ph idx="1"/>
+          </p:nvPr>
+        </p:nvSpPr>
+        <p:spPr/>
+        <p:txBody>
+          <a:bodyPr/>
+          <a:lstStyle/>
+          <a:p>
+            <a:r>
+              <a:rPr lang="en-US" dirty="0"/>
+              <a:t>Repeated Matching Algorithm (</a:t>
+            </a:r>
+            <a:r>
+              <a:rPr lang="en-US" dirty="0" err="1"/>
+              <a:t>Rönnqvist</a:t>
+            </a:r>
+            <a:r>
+              <a:rPr lang="en-US" dirty="0"/>
+              <a:t>, M.)</a:t>
+            </a:r>
+          </a:p>
+          <a:p>
+            <a:r>
+              <a:rPr lang="en-US" dirty="0"/>
+              <a:t>Kernel Search (</a:t>
+            </a:r>
+            <a:r>
+              <a:rPr lang="en-US" dirty="0" err="1"/>
+              <a:t>Guastaroba</a:t>
+            </a:r>
+            <a:r>
+              <a:rPr lang="en-US" dirty="0"/>
+              <a:t>, G.)</a:t>
+            </a:r>
+          </a:p>
+          <a:p>
+            <a:r>
+              <a:rPr lang="en-US" dirty="0"/>
+              <a:t>Corridor Method (Caserta, M.)</a:t>
+            </a:r>
+          </a:p>
+          <a:p>
+            <a:r>
+              <a:rPr lang="en-US" dirty="0"/>
+              <a:t>Dual RAMP (Oliveira, Ó)</a:t>
+            </a:r>
+          </a:p>
+          <a:p>
+            <a:r>
+              <a:rPr lang="en-US" dirty="0"/>
+              <a:t>Ant Colony Optimization (</a:t>
+            </a:r>
+            <a:r>
+              <a:rPr lang="en-US" dirty="0" err="1"/>
+              <a:t>Kumweang</a:t>
+            </a:r>
+            <a:r>
+              <a:rPr lang="en-US" dirty="0"/>
+              <a:t>, K.)</a:t>
+            </a:r>
+          </a:p>
+          <a:p>
+            <a:r>
+              <a:rPr lang="en-US" dirty="0"/>
+              <a:t>Scatter Search (Contreras et. Al)</a:t>
+            </a:r>
+          </a:p>
+        </p:txBody>
+      </p:sp>
+      <p:sp>
+        <p:nvSpPr>
+          <p:cNvPr id="4" name="CaixaDeTexto 1"/>
+          <p:cNvSpPr txBox="1">
+            <a:spLocks noChangeArrowheads="1"/>
+          </p:cNvSpPr>
+          <p:nvPr/>
+        </p:nvSpPr>
+        <p:spPr bwMode="auto">
+          <a:xfrm>
+            <a:off x="6228184" y="6309320"/>
+            <a:ext cx="2387228" cy="461665"/>
+          </a:xfrm>
+          <a:prstGeom prst="rect">
+            <a:avLst/>
+          </a:prstGeom>
+          <a:noFill/>
+          <a:ln>
+            <a:noFill/>
+          </a:ln>
+          <a:extLst>
+            <a:ext uri="{909E8E84-426E-40DD-AFC4-6F175D3DCCD1}">
+              <a14:hiddenFill xmlns:a14="http://schemas.microsoft.com/office/drawing/2010/main">
+                <a:solidFill>
+                  <a:srgbClr val="FFFFFF"/>
+                </a:solidFill>
+              </a14:hiddenFill>
+            </a:ext>
+            <a:ext uri="{91240B29-F687-4F45-9708-019B960494DF}">
+              <a14:hiddenLine xmlns:a14="http://schemas.microsoft.com/office/drawing/2010/main" w="9525">
+                <a:solidFill>
+                  <a:srgbClr val="000000"/>
+                </a:solidFill>
+                <a:miter lim="800000"/>
+                <a:headEnd/>
+                <a:tailEnd/>
+              </a14:hiddenLine>
+            </a:ext>
+          </a:extLst>
+        </p:spPr>
+        <p:txBody>
+          <a:bodyPr wrap="square">
+            <a:spAutoFit/>
+          </a:bodyPr>
+          <a:lstStyle>
+            <a:lvl1pPr>
+              <a:defRPr>
+                <a:solidFill>
+                  <a:schemeClr val="tx1"/>
+                </a:solidFill>
+                <a:latin typeface="Calibri" panose="020F0502020204030204" pitchFamily="34" charset="0"/>
+              </a:defRPr>
+            </a:lvl1pPr>
+            <a:lvl2pPr marL="742950" indent="-285750">
+              <a:defRPr>
+                <a:solidFill>
+                  <a:schemeClr val="tx1"/>
+                </a:solidFill>
+                <a:latin typeface="Calibri" panose="020F0502020204030204" pitchFamily="34" charset="0"/>
+              </a:defRPr>
+            </a:lvl2pPr>
+            <a:lvl3pPr marL="1143000" indent="-228600">
+              <a:defRPr>
+                <a:solidFill>
+                  <a:schemeClr val="tx1"/>
+                </a:solidFill>
+                <a:latin typeface="Calibri" panose="020F0502020204030204" pitchFamily="34" charset="0"/>
+              </a:defRPr>
+            </a:lvl3pPr>
+            <a:lvl4pPr marL="1600200" indent="-228600">
+              <a:defRPr>
+                <a:solidFill>
+                  <a:schemeClr val="tx1"/>
+                </a:solidFill>
+                <a:latin typeface="Calibri" panose="020F0502020204030204" pitchFamily="34" charset="0"/>
+              </a:defRPr>
+            </a:lvl4pPr>
+            <a:lvl5pPr marL="2057400" indent="-228600">
+              <a:defRPr>
+                <a:solidFill>
+                  <a:schemeClr val="tx1"/>
+                </a:solidFill>
+                <a:latin typeface="Calibri" panose="020F0502020204030204" pitchFamily="34" charset="0"/>
+              </a:defRPr>
+            </a:lvl5pPr>
+            <a:lvl6pPr marL="2514600" indent="-228600" defTabSz="457200" fontAlgn="base">
+              <a:spcBef>
+                <a:spcPct val="0"/>
+              </a:spcBef>
+              <a:spcAft>
+                <a:spcPct val="0"/>
+              </a:spcAft>
+              <a:defRPr>
+                <a:solidFill>
+                  <a:schemeClr val="tx1"/>
+                </a:solidFill>
+                <a:latin typeface="Calibri" panose="020F0502020204030204" pitchFamily="34" charset="0"/>
+              </a:defRPr>
+            </a:lvl6pPr>
+            <a:lvl7pPr marL="2971800" indent="-228600" defTabSz="457200" fontAlgn="base">
+              <a:spcBef>
+                <a:spcPct val="0"/>
+              </a:spcBef>
+              <a:spcAft>
+                <a:spcPct val="0"/>
+              </a:spcAft>
+              <a:defRPr>
+                <a:solidFill>
+                  <a:schemeClr val="tx1"/>
+                </a:solidFill>
+                <a:latin typeface="Calibri" panose="020F0502020204030204" pitchFamily="34" charset="0"/>
+              </a:defRPr>
+            </a:lvl7pPr>
+            <a:lvl8pPr marL="3429000" indent="-228600" defTabSz="457200" fontAlgn="base">
+              <a:spcBef>
+                <a:spcPct val="0"/>
+              </a:spcBef>
+              <a:spcAft>
+                <a:spcPct val="0"/>
+              </a:spcAft>
+              <a:defRPr>
+                <a:solidFill>
+                  <a:schemeClr val="tx1"/>
+                </a:solidFill>
+                <a:latin typeface="Calibri" panose="020F0502020204030204" pitchFamily="34" charset="0"/>
+              </a:defRPr>
+            </a:lvl8pPr>
+            <a:lvl9pPr marL="3886200" indent="-228600" defTabSz="457200" fontAlgn="base">
+              <a:spcBef>
+                <a:spcPct val="0"/>
+              </a:spcBef>
+              <a:spcAft>
+                <a:spcPct val="0"/>
+              </a:spcAft>
+              <a:defRPr>
+                <a:solidFill>
+                  <a:schemeClr val="tx1"/>
+                </a:solidFill>
+                <a:latin typeface="Calibri" panose="020F0502020204030204" pitchFamily="34" charset="0"/>
+              </a:defRPr>
+            </a:lvl9pPr>
+          </a:lstStyle>
+          <a:p>
+            <a:r>
+              <a:rPr lang="pt-PT" sz="1200" dirty="0">
+                <a:latin typeface="Porto Sans Light" panose="00000400000000000000" pitchFamily="50" charset="0"/>
+              </a:rPr>
+              <a:t>João Silva | Olavo Alves | Luís Silva</a:t>
+            </a:r>
+          </a:p>
+          <a:p>
+            <a:pPr eaLnBrk="1" hangingPunct="1"/>
+            <a:endParaRPr lang="pt-PT" altLang="pt-PT" sz="1200" dirty="0">
+              <a:latin typeface="Porto Sans Light" panose="00000400000000000000" pitchFamily="50" charset="0"/>
+            </a:endParaRPr>
+          </a:p>
+        </p:txBody>
+      </p:sp>
+      <p:sp>
+        <p:nvSpPr>
+          <p:cNvPr id="5" name="CaixaDeTexto 2"/>
+          <p:cNvSpPr txBox="1">
+            <a:spLocks noChangeArrowheads="1"/>
+          </p:cNvSpPr>
+          <p:nvPr/>
+        </p:nvSpPr>
+        <p:spPr bwMode="auto">
+          <a:xfrm>
+            <a:off x="462100" y="6309320"/>
+            <a:ext cx="3317812" cy="276999"/>
+          </a:xfrm>
+          <a:prstGeom prst="rect">
+            <a:avLst/>
+          </a:prstGeom>
+          <a:noFill/>
+          <a:ln>
+            <a:noFill/>
+          </a:ln>
+          <a:extLst>
+            <a:ext uri="{909E8E84-426E-40DD-AFC4-6F175D3DCCD1}">
+              <a14:hiddenFill xmlns:a14="http://schemas.microsoft.com/office/drawing/2010/main">
+                <a:solidFill>
+                  <a:srgbClr val="FFFFFF"/>
+                </a:solidFill>
+              </a14:hiddenFill>
+            </a:ext>
+            <a:ext uri="{91240B29-F687-4F45-9708-019B960494DF}">
+              <a14:hiddenLine xmlns:a14="http://schemas.microsoft.com/office/drawing/2010/main" w="9525">
+                <a:solidFill>
+                  <a:srgbClr val="000000"/>
+                </a:solidFill>
+                <a:miter lim="800000"/>
+                <a:headEnd/>
+                <a:tailEnd/>
+              </a14:hiddenLine>
+            </a:ext>
+          </a:extLst>
+        </p:spPr>
+        <p:txBody>
+          <a:bodyPr wrap="square">
+            <a:spAutoFit/>
+          </a:bodyPr>
+          <a:lstStyle>
+            <a:lvl1pPr>
+              <a:defRPr>
+                <a:solidFill>
+                  <a:schemeClr val="tx1"/>
+                </a:solidFill>
+                <a:latin typeface="Calibri" panose="020F0502020204030204" pitchFamily="34" charset="0"/>
+              </a:defRPr>
+            </a:lvl1pPr>
+            <a:lvl2pPr marL="742950" indent="-285750">
+              <a:defRPr>
+                <a:solidFill>
+                  <a:schemeClr val="tx1"/>
+                </a:solidFill>
+                <a:latin typeface="Calibri" panose="020F0502020204030204" pitchFamily="34" charset="0"/>
+              </a:defRPr>
+            </a:lvl2pPr>
+            <a:lvl3pPr marL="1143000" indent="-228600">
+              <a:defRPr>
+                <a:solidFill>
+                  <a:schemeClr val="tx1"/>
+                </a:solidFill>
+                <a:latin typeface="Calibri" panose="020F0502020204030204" pitchFamily="34" charset="0"/>
+              </a:defRPr>
+            </a:lvl3pPr>
+            <a:lvl4pPr marL="1600200" indent="-228600">
+              <a:defRPr>
+                <a:solidFill>
+                  <a:schemeClr val="tx1"/>
+                </a:solidFill>
+                <a:latin typeface="Calibri" panose="020F0502020204030204" pitchFamily="34" charset="0"/>
+              </a:defRPr>
+            </a:lvl4pPr>
+            <a:lvl5pPr marL="2057400" indent="-228600">
+              <a:defRPr>
+                <a:solidFill>
+                  <a:schemeClr val="tx1"/>
+                </a:solidFill>
+                <a:latin typeface="Calibri" panose="020F0502020204030204" pitchFamily="34" charset="0"/>
+              </a:defRPr>
+            </a:lvl5pPr>
+            <a:lvl6pPr marL="2514600" indent="-228600" defTabSz="457200" fontAlgn="base">
+              <a:spcBef>
+                <a:spcPct val="0"/>
+              </a:spcBef>
+              <a:spcAft>
+                <a:spcPct val="0"/>
+              </a:spcAft>
+              <a:defRPr>
+                <a:solidFill>
+                  <a:schemeClr val="tx1"/>
+                </a:solidFill>
+                <a:latin typeface="Calibri" panose="020F0502020204030204" pitchFamily="34" charset="0"/>
+              </a:defRPr>
+            </a:lvl6pPr>
+            <a:lvl7pPr marL="2971800" indent="-228600" defTabSz="457200" fontAlgn="base">
+              <a:spcBef>
+                <a:spcPct val="0"/>
+              </a:spcBef>
+              <a:spcAft>
+                <a:spcPct val="0"/>
+              </a:spcAft>
+              <a:defRPr>
+                <a:solidFill>
+                  <a:schemeClr val="tx1"/>
+                </a:solidFill>
+                <a:latin typeface="Calibri" panose="020F0502020204030204" pitchFamily="34" charset="0"/>
+              </a:defRPr>
+            </a:lvl7pPr>
+            <a:lvl8pPr marL="3429000" indent="-228600" defTabSz="457200" fontAlgn="base">
+              <a:spcBef>
+                <a:spcPct val="0"/>
+              </a:spcBef>
+              <a:spcAft>
+                <a:spcPct val="0"/>
+              </a:spcAft>
+              <a:defRPr>
+                <a:solidFill>
+                  <a:schemeClr val="tx1"/>
+                </a:solidFill>
+                <a:latin typeface="Calibri" panose="020F0502020204030204" pitchFamily="34" charset="0"/>
+              </a:defRPr>
+            </a:lvl8pPr>
+            <a:lvl9pPr marL="3886200" indent="-228600" defTabSz="457200" fontAlgn="base">
+              <a:spcBef>
+                <a:spcPct val="0"/>
+              </a:spcBef>
+              <a:spcAft>
+                <a:spcPct val="0"/>
+              </a:spcAft>
+              <a:defRPr>
+                <a:solidFill>
+                  <a:schemeClr val="tx1"/>
+                </a:solidFill>
+                <a:latin typeface="Calibri" panose="020F0502020204030204" pitchFamily="34" charset="0"/>
+              </a:defRPr>
+            </a:lvl9pPr>
+          </a:lstStyle>
+          <a:p>
+            <a:pPr eaLnBrk="1" hangingPunct="1"/>
+            <a:r>
+              <a:rPr lang="pt-PT" altLang="pt-PT" sz="1200" dirty="0">
+                <a:latin typeface="Porto Sans Light" panose="00000400000000000000" pitchFamily="50" charset="0"/>
+              </a:rPr>
+              <a:t>Óscar Oliveira / Simulação e Otimização (2022/23)</a:t>
+            </a:r>
+          </a:p>
+        </p:txBody>
+      </p:sp>
+    </p:spTree>
+    <p:extLst>
+      <p:ext uri="{BB962C8B-B14F-4D97-AF65-F5344CB8AC3E}">
+        <p14:creationId xmlns:p14="http://schemas.microsoft.com/office/powerpoint/2010/main" val="1196561525"/>
+      </p:ext>
+    </p:extLst>
+  </p:cSld>
+  <p:clrMapOvr>
+    <a:masterClrMapping/>
+  </p:clrMapOvr>
+</p:sld>
+</file>
+
+<file path=ppt/slides/slide5.xml><?xml version="1.0" encoding="utf-8"?>
+<p:sld xmlns:a="http://schemas.openxmlformats.org/drawingml/2006/main" xmlns:r="http://schemas.openxmlformats.org/officeDocument/2006/relationships" xmlns:p="http://schemas.openxmlformats.org/presentationml/2006/main">
+  <p:cSld>
+    <p:spTree>
+      <p:nvGrpSpPr>
+        <p:cNvPr id="1" name=""/>
+        <p:cNvGrpSpPr/>
+        <p:nvPr/>
+      </p:nvGrpSpPr>
+      <p:grpSpPr>
+        <a:xfrm>
+          <a:off x="0" y="0"/>
+          <a:ext cx="0" cy="0"/>
+          <a:chOff x="0" y="0"/>
+          <a:chExt cx="0" cy="0"/>
+        </a:xfrm>
+      </p:grpSpPr>
+      <p:sp>
+        <p:nvSpPr>
+          <p:cNvPr id="2" name="Título 1"/>
+          <p:cNvSpPr>
+            <a:spLocks noGrp="1"/>
+          </p:cNvSpPr>
+          <p:nvPr>
+            <p:ph type="title"/>
+          </p:nvPr>
+        </p:nvSpPr>
+        <p:spPr/>
+        <p:txBody>
+          <a:bodyPr>
+            <a:normAutofit fontScale="90000"/>
+          </a:bodyPr>
+          <a:lstStyle/>
+          <a:p>
+            <a:r>
+              <a:rPr lang="en-US" dirty="0"/>
+              <a:t>Equation of the problem</a:t>
+            </a:r>
+          </a:p>
+        </p:txBody>
+      </p:sp>
+      <p:pic>
+        <p:nvPicPr>
+          <p:cNvPr id="7" name="Content Placeholder 6">
+            <a:extLst>
+              <a:ext uri="{FF2B5EF4-FFF2-40B4-BE49-F238E27FC236}">
+                <a16:creationId xmlns:a16="http://schemas.microsoft.com/office/drawing/2014/main" id="{56E93E14-3FD6-7E75-DFBE-69306F9A0AF8}"/>
+              </a:ext>
+            </a:extLst>
+          </p:cNvPr>
+          <p:cNvPicPr>
+            <a:picLocks noGrp="1" noChangeAspect="1"/>
+          </p:cNvPicPr>
+          <p:nvPr>
+            <p:ph idx="1"/>
+          </p:nvPr>
+        </p:nvPicPr>
+        <p:blipFill>
+          <a:blip r:embed="rId2"/>
+          <a:stretch>
+            <a:fillRect/>
+          </a:stretch>
+        </p:blipFill>
+        <p:spPr>
+          <a:xfrm>
+            <a:off x="1154701" y="1927202"/>
+            <a:ext cx="6834597" cy="3003595"/>
+          </a:xfrm>
+        </p:spPr>
+      </p:pic>
+      <p:sp>
+        <p:nvSpPr>
+          <p:cNvPr id="4" name="CaixaDeTexto 1"/>
+          <p:cNvSpPr txBox="1">
+            <a:spLocks noChangeArrowheads="1"/>
+          </p:cNvSpPr>
+          <p:nvPr/>
+        </p:nvSpPr>
+        <p:spPr bwMode="auto">
+          <a:xfrm>
+            <a:off x="6228184" y="6309320"/>
+            <a:ext cx="2387228" cy="461665"/>
+          </a:xfrm>
+          <a:prstGeom prst="rect">
+            <a:avLst/>
+          </a:prstGeom>
+          <a:noFill/>
+          <a:ln>
+            <a:noFill/>
+          </a:ln>
+          <a:extLst>
+            <a:ext uri="{909E8E84-426E-40DD-AFC4-6F175D3DCCD1}">
+              <a14:hiddenFill xmlns:a14="http://schemas.microsoft.com/office/drawing/2010/main">
+                <a:solidFill>
+                  <a:srgbClr val="FFFFFF"/>
+                </a:solidFill>
+              </a14:hiddenFill>
+            </a:ext>
+            <a:ext uri="{91240B29-F687-4F45-9708-019B960494DF}">
+              <a14:hiddenLine xmlns:a14="http://schemas.microsoft.com/office/drawing/2010/main" w="9525">
+                <a:solidFill>
+                  <a:srgbClr val="000000"/>
+                </a:solidFill>
+                <a:miter lim="800000"/>
+                <a:headEnd/>
+                <a:tailEnd/>
+              </a14:hiddenLine>
+            </a:ext>
+          </a:extLst>
+        </p:spPr>
+        <p:txBody>
+          <a:bodyPr wrap="square">
+            <a:spAutoFit/>
+          </a:bodyPr>
+          <a:lstStyle>
+            <a:lvl1pPr>
+              <a:defRPr>
+                <a:solidFill>
+                  <a:schemeClr val="tx1"/>
+                </a:solidFill>
+                <a:latin typeface="Calibri" panose="020F0502020204030204" pitchFamily="34" charset="0"/>
+              </a:defRPr>
+            </a:lvl1pPr>
+            <a:lvl2pPr marL="742950" indent="-285750">
+              <a:defRPr>
+                <a:solidFill>
+                  <a:schemeClr val="tx1"/>
+                </a:solidFill>
+                <a:latin typeface="Calibri" panose="020F0502020204030204" pitchFamily="34" charset="0"/>
+              </a:defRPr>
+            </a:lvl2pPr>
+            <a:lvl3pPr marL="1143000" indent="-228600">
+              <a:defRPr>
+                <a:solidFill>
+                  <a:schemeClr val="tx1"/>
+                </a:solidFill>
+                <a:latin typeface="Calibri" panose="020F0502020204030204" pitchFamily="34" charset="0"/>
+              </a:defRPr>
+            </a:lvl3pPr>
+            <a:lvl4pPr marL="1600200" indent="-228600">
+              <a:defRPr>
+                <a:solidFill>
+                  <a:schemeClr val="tx1"/>
+                </a:solidFill>
+                <a:latin typeface="Calibri" panose="020F0502020204030204" pitchFamily="34" charset="0"/>
+              </a:defRPr>
+            </a:lvl4pPr>
+            <a:lvl5pPr marL="2057400" indent="-228600">
+              <a:defRPr>
+                <a:solidFill>
+                  <a:schemeClr val="tx1"/>
+                </a:solidFill>
+                <a:latin typeface="Calibri" panose="020F0502020204030204" pitchFamily="34" charset="0"/>
+              </a:defRPr>
+            </a:lvl5pPr>
+            <a:lvl6pPr marL="2514600" indent="-228600" defTabSz="457200" fontAlgn="base">
+              <a:spcBef>
+                <a:spcPct val="0"/>
+              </a:spcBef>
+              <a:spcAft>
+                <a:spcPct val="0"/>
+              </a:spcAft>
+              <a:defRPr>
+                <a:solidFill>
+                  <a:schemeClr val="tx1"/>
+                </a:solidFill>
+                <a:latin typeface="Calibri" panose="020F0502020204030204" pitchFamily="34" charset="0"/>
+              </a:defRPr>
+            </a:lvl6pPr>
+            <a:lvl7pPr marL="2971800" indent="-228600" defTabSz="457200" fontAlgn="base">
+              <a:spcBef>
+                <a:spcPct val="0"/>
+              </a:spcBef>
+              <a:spcAft>
+                <a:spcPct val="0"/>
+              </a:spcAft>
+              <a:defRPr>
+                <a:solidFill>
+                  <a:schemeClr val="tx1"/>
+                </a:solidFill>
+                <a:latin typeface="Calibri" panose="020F0502020204030204" pitchFamily="34" charset="0"/>
+              </a:defRPr>
+            </a:lvl7pPr>
+            <a:lvl8pPr marL="3429000" indent="-228600" defTabSz="457200" fontAlgn="base">
+              <a:spcBef>
+                <a:spcPct val="0"/>
+              </a:spcBef>
+              <a:spcAft>
+                <a:spcPct val="0"/>
+              </a:spcAft>
+              <a:defRPr>
+                <a:solidFill>
+                  <a:schemeClr val="tx1"/>
+                </a:solidFill>
+                <a:latin typeface="Calibri" panose="020F0502020204030204" pitchFamily="34" charset="0"/>
+              </a:defRPr>
+            </a:lvl8pPr>
+            <a:lvl9pPr marL="3886200" indent="-228600" defTabSz="457200" fontAlgn="base">
+              <a:spcBef>
+                <a:spcPct val="0"/>
+              </a:spcBef>
+              <a:spcAft>
+                <a:spcPct val="0"/>
+              </a:spcAft>
+              <a:defRPr>
+                <a:solidFill>
+                  <a:schemeClr val="tx1"/>
+                </a:solidFill>
+                <a:latin typeface="Calibri" panose="020F0502020204030204" pitchFamily="34" charset="0"/>
+              </a:defRPr>
+            </a:lvl9pPr>
+          </a:lstStyle>
+          <a:p>
+            <a:r>
+              <a:rPr lang="pt-PT" sz="1200" dirty="0">
+                <a:latin typeface="Porto Sans Light" panose="00000400000000000000" pitchFamily="50" charset="0"/>
+              </a:rPr>
+              <a:t>João Silva | Olavo Alves | Luís Silva</a:t>
+            </a:r>
+          </a:p>
+          <a:p>
+            <a:pPr eaLnBrk="1" hangingPunct="1"/>
+            <a:endParaRPr lang="pt-PT" altLang="pt-PT" sz="1200" dirty="0">
+              <a:latin typeface="Porto Sans Light" panose="00000400000000000000" pitchFamily="50" charset="0"/>
+            </a:endParaRPr>
+          </a:p>
+        </p:txBody>
+      </p:sp>
+      <p:sp>
+        <p:nvSpPr>
+          <p:cNvPr id="5" name="CaixaDeTexto 2"/>
+          <p:cNvSpPr txBox="1">
+            <a:spLocks noChangeArrowheads="1"/>
+          </p:cNvSpPr>
+          <p:nvPr/>
+        </p:nvSpPr>
+        <p:spPr bwMode="auto">
+          <a:xfrm>
+            <a:off x="457200" y="6309320"/>
+            <a:ext cx="3317812" cy="276999"/>
+          </a:xfrm>
+          <a:prstGeom prst="rect">
+            <a:avLst/>
+          </a:prstGeom>
+          <a:noFill/>
+          <a:ln>
+            <a:noFill/>
+          </a:ln>
+          <a:extLst>
+            <a:ext uri="{909E8E84-426E-40DD-AFC4-6F175D3DCCD1}">
+              <a14:hiddenFill xmlns:a14="http://schemas.microsoft.com/office/drawing/2010/main">
+                <a:solidFill>
+                  <a:srgbClr val="FFFFFF"/>
+                </a:solidFill>
+              </a14:hiddenFill>
+            </a:ext>
+            <a:ext uri="{91240B29-F687-4F45-9708-019B960494DF}">
+              <a14:hiddenLine xmlns:a14="http://schemas.microsoft.com/office/drawing/2010/main" w="9525">
+                <a:solidFill>
+                  <a:srgbClr val="000000"/>
+                </a:solidFill>
+                <a:miter lim="800000"/>
+                <a:headEnd/>
+                <a:tailEnd/>
+              </a14:hiddenLine>
+            </a:ext>
+          </a:extLst>
+        </p:spPr>
+        <p:txBody>
+          <a:bodyPr wrap="square">
+            <a:spAutoFit/>
+          </a:bodyPr>
+          <a:lstStyle>
+            <a:lvl1pPr>
+              <a:defRPr>
+                <a:solidFill>
+                  <a:schemeClr val="tx1"/>
+                </a:solidFill>
+                <a:latin typeface="Calibri" panose="020F0502020204030204" pitchFamily="34" charset="0"/>
+              </a:defRPr>
+            </a:lvl1pPr>
+            <a:lvl2pPr marL="742950" indent="-285750">
+              <a:defRPr>
+                <a:solidFill>
+                  <a:schemeClr val="tx1"/>
+                </a:solidFill>
+                <a:latin typeface="Calibri" panose="020F0502020204030204" pitchFamily="34" charset="0"/>
+              </a:defRPr>
+            </a:lvl2pPr>
+            <a:lvl3pPr marL="1143000" indent="-228600">
+              <a:defRPr>
+                <a:solidFill>
+                  <a:schemeClr val="tx1"/>
+                </a:solidFill>
+                <a:latin typeface="Calibri" panose="020F0502020204030204" pitchFamily="34" charset="0"/>
+              </a:defRPr>
+            </a:lvl3pPr>
+            <a:lvl4pPr marL="1600200" indent="-228600">
+              <a:defRPr>
+                <a:solidFill>
+                  <a:schemeClr val="tx1"/>
+                </a:solidFill>
+                <a:latin typeface="Calibri" panose="020F0502020204030204" pitchFamily="34" charset="0"/>
+              </a:defRPr>
+            </a:lvl4pPr>
+            <a:lvl5pPr marL="2057400" indent="-228600">
+              <a:defRPr>
+                <a:solidFill>
+                  <a:schemeClr val="tx1"/>
+                </a:solidFill>
+                <a:latin typeface="Calibri" panose="020F0502020204030204" pitchFamily="34" charset="0"/>
+              </a:defRPr>
+            </a:lvl5pPr>
+            <a:lvl6pPr marL="2514600" indent="-228600" defTabSz="457200" fontAlgn="base">
+              <a:spcBef>
+                <a:spcPct val="0"/>
+              </a:spcBef>
+              <a:spcAft>
+                <a:spcPct val="0"/>
+              </a:spcAft>
+              <a:defRPr>
+                <a:solidFill>
+                  <a:schemeClr val="tx1"/>
+                </a:solidFill>
+                <a:latin typeface="Calibri" panose="020F0502020204030204" pitchFamily="34" charset="0"/>
+              </a:defRPr>
+            </a:lvl6pPr>
+            <a:lvl7pPr marL="2971800" indent="-228600" defTabSz="457200" fontAlgn="base">
+              <a:spcBef>
+                <a:spcPct val="0"/>
+              </a:spcBef>
+              <a:spcAft>
+                <a:spcPct val="0"/>
+              </a:spcAft>
+              <a:defRPr>
+                <a:solidFill>
+                  <a:schemeClr val="tx1"/>
+                </a:solidFill>
+                <a:latin typeface="Calibri" panose="020F0502020204030204" pitchFamily="34" charset="0"/>
+              </a:defRPr>
+            </a:lvl7pPr>
+            <a:lvl8pPr marL="3429000" indent="-228600" defTabSz="457200" fontAlgn="base">
+              <a:spcBef>
+                <a:spcPct val="0"/>
+              </a:spcBef>
+              <a:spcAft>
+                <a:spcPct val="0"/>
+              </a:spcAft>
+              <a:defRPr>
+                <a:solidFill>
+                  <a:schemeClr val="tx1"/>
+                </a:solidFill>
+                <a:latin typeface="Calibri" panose="020F0502020204030204" pitchFamily="34" charset="0"/>
+              </a:defRPr>
+            </a:lvl8pPr>
+            <a:lvl9pPr marL="3886200" indent="-228600" defTabSz="457200" fontAlgn="base">
+              <a:spcBef>
+                <a:spcPct val="0"/>
+              </a:spcBef>
+              <a:spcAft>
+                <a:spcPct val="0"/>
+              </a:spcAft>
+              <a:defRPr>
+                <a:solidFill>
+                  <a:schemeClr val="tx1"/>
+                </a:solidFill>
+                <a:latin typeface="Calibri" panose="020F0502020204030204" pitchFamily="34" charset="0"/>
+              </a:defRPr>
+            </a:lvl9pPr>
+          </a:lstStyle>
+          <a:p>
+            <a:pPr eaLnBrk="1" hangingPunct="1"/>
+            <a:r>
+              <a:rPr lang="pt-PT" altLang="pt-PT" sz="1200" dirty="0">
+                <a:latin typeface="Porto Sans Light" panose="00000400000000000000" pitchFamily="50" charset="0"/>
+              </a:rPr>
+              <a:t>Óscar Oliveira / Simulação e Otimização (2022/23)</a:t>
+            </a:r>
+          </a:p>
+        </p:txBody>
+      </p:sp>
+      <p:sp>
+        <p:nvSpPr>
+          <p:cNvPr id="8" name="Marcador de Posição de Conteúdo 2">
+            <a:extLst>
+              <a:ext uri="{FF2B5EF4-FFF2-40B4-BE49-F238E27FC236}">
+                <a16:creationId xmlns:a16="http://schemas.microsoft.com/office/drawing/2014/main" id="{53BB69E1-F416-D8FF-7B45-29AC8CB77E9F}"/>
+              </a:ext>
+            </a:extLst>
+          </p:cNvPr>
+          <p:cNvSpPr txBox="1">
+            <a:spLocks/>
+          </p:cNvSpPr>
+          <p:nvPr/>
+        </p:nvSpPr>
+        <p:spPr>
+          <a:xfrm>
+            <a:off x="457200" y="5157191"/>
+            <a:ext cx="8229600" cy="792089"/>
+          </a:xfrm>
+          <a:prstGeom prst="rect">
+            <a:avLst/>
+          </a:prstGeom>
+        </p:spPr>
+        <p:txBody>
+          <a:bodyPr vert="horz" lIns="91440" tIns="45720" rIns="91440" bIns="45720" rtlCol="0">
+            <a:normAutofit fontScale="85000" lnSpcReduction="20000"/>
+          </a:bodyPr>
+          <a:lstStyle>
+            <a:lvl1pPr marL="342900" indent="-342900" algn="l" defTabSz="457200" rtl="0" eaLnBrk="1" latinLnBrk="0" hangingPunct="1">
+              <a:spcBef>
+                <a:spcPct val="20000"/>
+              </a:spcBef>
+              <a:buFont typeface="Arial"/>
+              <a:buChar char="•"/>
+              <a:defRPr sz="3200" kern="1200">
+                <a:solidFill>
+                  <a:schemeClr val="tx1"/>
+                </a:solidFill>
+                <a:latin typeface="+mn-lt"/>
+                <a:ea typeface="+mn-ea"/>
+                <a:cs typeface="+mn-cs"/>
+              </a:defRPr>
+            </a:lvl1pPr>
+            <a:lvl2pPr marL="742950" indent="-285750" algn="l" defTabSz="457200" rtl="0" eaLnBrk="1" latinLnBrk="0" hangingPunct="1">
+              <a:spcBef>
+                <a:spcPct val="20000"/>
+              </a:spcBef>
+              <a:buFont typeface="Arial"/>
+              <a:buChar char="–"/>
+              <a:defRPr sz="2800" kern="1200">
+                <a:solidFill>
+                  <a:schemeClr val="tx1"/>
+                </a:solidFill>
+                <a:latin typeface="+mn-lt"/>
+                <a:ea typeface="+mn-ea"/>
+                <a:cs typeface="+mn-cs"/>
+              </a:defRPr>
+            </a:lvl2pPr>
+            <a:lvl3pPr marL="1143000" indent="-228600" algn="l" defTabSz="457200" rtl="0" eaLnBrk="1" latinLnBrk="0" hangingPunct="1">
+              <a:spcBef>
+                <a:spcPct val="20000"/>
+              </a:spcBef>
+              <a:buFont typeface="Arial"/>
+              <a:buChar char="•"/>
+              <a:defRPr sz="2400" kern="1200">
+                <a:solidFill>
+                  <a:schemeClr val="tx1"/>
+                </a:solidFill>
+                <a:latin typeface="+mn-lt"/>
+                <a:ea typeface="+mn-ea"/>
+                <a:cs typeface="+mn-cs"/>
+              </a:defRPr>
+            </a:lvl3pPr>
+            <a:lvl4pPr marL="1600200" indent="-228600" algn="l" defTabSz="457200" rtl="0" eaLnBrk="1" latinLnBrk="0" hangingPunct="1">
+              <a:spcBef>
+                <a:spcPct val="20000"/>
+              </a:spcBef>
+              <a:buFont typeface="Arial"/>
+              <a:buChar char="–"/>
+              <a:defRPr sz="2000" kern="1200">
+                <a:solidFill>
+                  <a:schemeClr val="tx1"/>
+                </a:solidFill>
+                <a:latin typeface="+mn-lt"/>
+                <a:ea typeface="+mn-ea"/>
+                <a:cs typeface="+mn-cs"/>
+              </a:defRPr>
+            </a:lvl4pPr>
+            <a:lvl5pPr marL="2057400" indent="-228600" algn="l" defTabSz="457200" rtl="0" eaLnBrk="1" latinLnBrk="0" hangingPunct="1">
+              <a:spcBef>
+                <a:spcPct val="20000"/>
+              </a:spcBef>
+              <a:buFont typeface="Arial"/>
+              <a:buChar char="»"/>
+              <a:defRPr sz="2000" kern="1200">
+                <a:solidFill>
+                  <a:schemeClr val="tx1"/>
+                </a:solidFill>
+                <a:latin typeface="+mn-lt"/>
+                <a:ea typeface="+mn-ea"/>
+                <a:cs typeface="+mn-cs"/>
+              </a:defRPr>
+            </a:lvl5pPr>
+            <a:lvl6pPr marL="2514600" indent="-228600" algn="l" defTabSz="457200" rtl="0" eaLnBrk="1" latinLnBrk="0" hangingPunct="1">
+              <a:spcBef>
+                <a:spcPct val="20000"/>
+              </a:spcBef>
+              <a:buFont typeface="Arial"/>
+              <a:buChar char="•"/>
+              <a:defRPr sz="2000" kern="1200">
+                <a:solidFill>
+                  <a:schemeClr val="tx1"/>
+                </a:solidFill>
+                <a:latin typeface="+mn-lt"/>
+                <a:ea typeface="+mn-ea"/>
+                <a:cs typeface="+mn-cs"/>
+              </a:defRPr>
+            </a:lvl6pPr>
+            <a:lvl7pPr marL="2971800" indent="-228600" algn="l" defTabSz="457200" rtl="0" eaLnBrk="1" latinLnBrk="0" hangingPunct="1">
+              <a:spcBef>
+                <a:spcPct val="20000"/>
+              </a:spcBef>
+              <a:buFont typeface="Arial"/>
+              <a:buChar char="•"/>
+              <a:defRPr sz="2000" kern="1200">
+                <a:solidFill>
+                  <a:schemeClr val="tx1"/>
+                </a:solidFill>
+                <a:latin typeface="+mn-lt"/>
+                <a:ea typeface="+mn-ea"/>
+                <a:cs typeface="+mn-cs"/>
+              </a:defRPr>
+            </a:lvl7pPr>
+            <a:lvl8pPr marL="3429000" indent="-228600" algn="l" defTabSz="457200" rtl="0" eaLnBrk="1" latinLnBrk="0" hangingPunct="1">
+              <a:spcBef>
+                <a:spcPct val="20000"/>
+              </a:spcBef>
+              <a:buFont typeface="Arial"/>
+              <a:buChar char="•"/>
+              <a:defRPr sz="2000" kern="1200">
+                <a:solidFill>
+                  <a:schemeClr val="tx1"/>
+                </a:solidFill>
+                <a:latin typeface="+mn-lt"/>
+                <a:ea typeface="+mn-ea"/>
+                <a:cs typeface="+mn-cs"/>
+              </a:defRPr>
+            </a:lvl8pPr>
+            <a:lvl9pPr marL="3886200" indent="-228600" algn="l" defTabSz="457200" rtl="0" eaLnBrk="1" latinLnBrk="0" hangingPunct="1">
+              <a:spcBef>
+                <a:spcPct val="20000"/>
+              </a:spcBef>
+              <a:buFont typeface="Arial"/>
+              <a:buChar char="•"/>
+              <a:defRPr sz="2000" kern="1200">
+                <a:solidFill>
+                  <a:schemeClr val="tx1"/>
+                </a:solidFill>
+                <a:latin typeface="+mn-lt"/>
+                <a:ea typeface="+mn-ea"/>
+                <a:cs typeface="+mn-cs"/>
+              </a:defRPr>
+            </a:lvl9pPr>
+          </a:lstStyle>
+          <a:p>
+            <a:r>
+              <a:rPr lang="en-US" dirty="0"/>
+              <a:t>It contains the objective function, constraints and decision variables. </a:t>
+            </a:r>
+          </a:p>
+        </p:txBody>
+      </p:sp>
+    </p:spTree>
+    <p:extLst>
+      <p:ext uri="{BB962C8B-B14F-4D97-AF65-F5344CB8AC3E}">
+        <p14:creationId xmlns:p14="http://schemas.microsoft.com/office/powerpoint/2010/main" val="3414645283"/>
+      </p:ext>
+    </p:extLst>
+  </p:cSld>
+  <p:clrMapOvr>
+    <a:masterClrMapping/>
+  </p:clrMapOvr>
+</p:sld>
+</file>
+
+<file path=ppt/slides/slide6.xml><?xml version="1.0" encoding="utf-8"?>
+<p:sld xmlns:a="http://schemas.openxmlformats.org/drawingml/2006/main" xmlns:r="http://schemas.openxmlformats.org/officeDocument/2006/relationships" xmlns:p="http://schemas.openxmlformats.org/presentationml/2006/main">
+  <p:cSld>
+    <p:spTree>
+      <p:nvGrpSpPr>
+        <p:cNvPr id="1" name=""/>
+        <p:cNvGrpSpPr/>
+        <p:nvPr/>
+      </p:nvGrpSpPr>
+      <p:grpSpPr>
+        <a:xfrm>
+          <a:off x="0" y="0"/>
+          <a:ext cx="0" cy="0"/>
+          <a:chOff x="0" y="0"/>
+          <a:chExt cx="0" cy="0"/>
+        </a:xfrm>
+      </p:grpSpPr>
+      <p:sp>
+        <p:nvSpPr>
+          <p:cNvPr id="2" name="Título 1"/>
+          <p:cNvSpPr>
+            <a:spLocks noGrp="1"/>
+          </p:cNvSpPr>
+          <p:nvPr>
+            <p:ph type="title"/>
+          </p:nvPr>
+        </p:nvSpPr>
+        <p:spPr/>
+        <p:txBody>
+          <a:bodyPr>
+            <a:normAutofit fontScale="90000"/>
+          </a:bodyPr>
+          <a:lstStyle/>
+          <a:p>
+            <a:r>
+              <a:rPr lang="en-US" dirty="0"/>
+              <a:t>Optimization Problems</a:t>
+            </a:r>
+          </a:p>
+        </p:txBody>
+      </p:sp>
+      <p:sp>
+        <p:nvSpPr>
+          <p:cNvPr id="4" name="CaixaDeTexto 1"/>
+          <p:cNvSpPr txBox="1">
+            <a:spLocks noChangeArrowheads="1"/>
+          </p:cNvSpPr>
+          <p:nvPr/>
+        </p:nvSpPr>
+        <p:spPr bwMode="auto">
+          <a:xfrm>
+            <a:off x="6228184" y="6309320"/>
+            <a:ext cx="2387228" cy="461665"/>
+          </a:xfrm>
+          <a:prstGeom prst="rect">
+            <a:avLst/>
+          </a:prstGeom>
+          <a:noFill/>
+          <a:ln>
+            <a:noFill/>
+          </a:ln>
+          <a:extLst>
+            <a:ext uri="{909E8E84-426E-40DD-AFC4-6F175D3DCCD1}">
+              <a14:hiddenFill xmlns:a14="http://schemas.microsoft.com/office/drawing/2010/main">
+                <a:solidFill>
+                  <a:srgbClr val="FFFFFF"/>
+                </a:solidFill>
+              </a14:hiddenFill>
+            </a:ext>
+            <a:ext uri="{91240B29-F687-4F45-9708-019B960494DF}">
+              <a14:hiddenLine xmlns:a14="http://schemas.microsoft.com/office/drawing/2010/main" w="9525">
+                <a:solidFill>
+                  <a:srgbClr val="000000"/>
+                </a:solidFill>
+                <a:miter lim="800000"/>
+                <a:headEnd/>
+                <a:tailEnd/>
+              </a14:hiddenLine>
+            </a:ext>
+          </a:extLst>
+        </p:spPr>
+        <p:txBody>
+          <a:bodyPr wrap="square">
+            <a:spAutoFit/>
+          </a:bodyPr>
+          <a:lstStyle>
+            <a:lvl1pPr>
+              <a:defRPr>
+                <a:solidFill>
+                  <a:schemeClr val="tx1"/>
+                </a:solidFill>
+                <a:latin typeface="Calibri" panose="020F0502020204030204" pitchFamily="34" charset="0"/>
+              </a:defRPr>
+            </a:lvl1pPr>
+            <a:lvl2pPr marL="742950" indent="-285750">
+              <a:defRPr>
+                <a:solidFill>
+                  <a:schemeClr val="tx1"/>
+                </a:solidFill>
+                <a:latin typeface="Calibri" panose="020F0502020204030204" pitchFamily="34" charset="0"/>
+              </a:defRPr>
+            </a:lvl2pPr>
+            <a:lvl3pPr marL="1143000" indent="-228600">
+              <a:defRPr>
+                <a:solidFill>
+                  <a:schemeClr val="tx1"/>
+                </a:solidFill>
+                <a:latin typeface="Calibri" panose="020F0502020204030204" pitchFamily="34" charset="0"/>
+              </a:defRPr>
+            </a:lvl3pPr>
+            <a:lvl4pPr marL="1600200" indent="-228600">
+              <a:defRPr>
+                <a:solidFill>
+                  <a:schemeClr val="tx1"/>
+                </a:solidFill>
+                <a:latin typeface="Calibri" panose="020F0502020204030204" pitchFamily="34" charset="0"/>
+              </a:defRPr>
+            </a:lvl4pPr>
+            <a:lvl5pPr marL="2057400" indent="-228600">
+              <a:defRPr>
+                <a:solidFill>
+                  <a:schemeClr val="tx1"/>
+                </a:solidFill>
+                <a:latin typeface="Calibri" panose="020F0502020204030204" pitchFamily="34" charset="0"/>
+              </a:defRPr>
+            </a:lvl5pPr>
+            <a:lvl6pPr marL="2514600" indent="-228600" defTabSz="457200" fontAlgn="base">
+              <a:spcBef>
+                <a:spcPct val="0"/>
+              </a:spcBef>
+              <a:spcAft>
+                <a:spcPct val="0"/>
+              </a:spcAft>
+              <a:defRPr>
+                <a:solidFill>
+                  <a:schemeClr val="tx1"/>
+                </a:solidFill>
+                <a:latin typeface="Calibri" panose="020F0502020204030204" pitchFamily="34" charset="0"/>
+              </a:defRPr>
+            </a:lvl6pPr>
+            <a:lvl7pPr marL="2971800" indent="-228600" defTabSz="457200" fontAlgn="base">
+              <a:spcBef>
+                <a:spcPct val="0"/>
+              </a:spcBef>
+              <a:spcAft>
+                <a:spcPct val="0"/>
+              </a:spcAft>
+              <a:defRPr>
+                <a:solidFill>
+                  <a:schemeClr val="tx1"/>
+                </a:solidFill>
+                <a:latin typeface="Calibri" panose="020F0502020204030204" pitchFamily="34" charset="0"/>
+              </a:defRPr>
+            </a:lvl7pPr>
+            <a:lvl8pPr marL="3429000" indent="-228600" defTabSz="457200" fontAlgn="base">
+              <a:spcBef>
+                <a:spcPct val="0"/>
+              </a:spcBef>
+              <a:spcAft>
+                <a:spcPct val="0"/>
+              </a:spcAft>
+              <a:defRPr>
+                <a:solidFill>
+                  <a:schemeClr val="tx1"/>
+                </a:solidFill>
+                <a:latin typeface="Calibri" panose="020F0502020204030204" pitchFamily="34" charset="0"/>
+              </a:defRPr>
+            </a:lvl8pPr>
+            <a:lvl9pPr marL="3886200" indent="-228600" defTabSz="457200" fontAlgn="base">
+              <a:spcBef>
+                <a:spcPct val="0"/>
+              </a:spcBef>
+              <a:spcAft>
+                <a:spcPct val="0"/>
+              </a:spcAft>
+              <a:defRPr>
+                <a:solidFill>
+                  <a:schemeClr val="tx1"/>
+                </a:solidFill>
+                <a:latin typeface="Calibri" panose="020F0502020204030204" pitchFamily="34" charset="0"/>
+              </a:defRPr>
+            </a:lvl9pPr>
+          </a:lstStyle>
+          <a:p>
+            <a:r>
+              <a:rPr lang="pt-PT" sz="1200" dirty="0">
+                <a:latin typeface="Porto Sans Light" panose="00000400000000000000" pitchFamily="50" charset="0"/>
+              </a:rPr>
+              <a:t>João Silva | Olavo Alves | Luís Silva</a:t>
+            </a:r>
+          </a:p>
+          <a:p>
+            <a:pPr eaLnBrk="1" hangingPunct="1"/>
+            <a:endParaRPr lang="pt-PT" altLang="pt-PT" sz="1200" dirty="0">
+              <a:latin typeface="Porto Sans Light" panose="00000400000000000000" pitchFamily="50" charset="0"/>
+            </a:endParaRPr>
+          </a:p>
+        </p:txBody>
+      </p:sp>
+      <p:sp>
+        <p:nvSpPr>
+          <p:cNvPr id="5" name="CaixaDeTexto 2"/>
+          <p:cNvSpPr txBox="1">
+            <a:spLocks noChangeArrowheads="1"/>
+          </p:cNvSpPr>
+          <p:nvPr/>
+        </p:nvSpPr>
+        <p:spPr bwMode="auto">
+          <a:xfrm>
+            <a:off x="457200" y="6309320"/>
+            <a:ext cx="3317812" cy="276999"/>
+          </a:xfrm>
+          <a:prstGeom prst="rect">
+            <a:avLst/>
+          </a:prstGeom>
+          <a:noFill/>
+          <a:ln>
+            <a:noFill/>
+          </a:ln>
+          <a:extLst>
+            <a:ext uri="{909E8E84-426E-40DD-AFC4-6F175D3DCCD1}">
+              <a14:hiddenFill xmlns:a14="http://schemas.microsoft.com/office/drawing/2010/main">
+                <a:solidFill>
+                  <a:srgbClr val="FFFFFF"/>
+                </a:solidFill>
+              </a14:hiddenFill>
+            </a:ext>
+            <a:ext uri="{91240B29-F687-4F45-9708-019B960494DF}">
+              <a14:hiddenLine xmlns:a14="http://schemas.microsoft.com/office/drawing/2010/main" w="9525">
+                <a:solidFill>
+                  <a:srgbClr val="000000"/>
+                </a:solidFill>
+                <a:miter lim="800000"/>
+                <a:headEnd/>
+                <a:tailEnd/>
+              </a14:hiddenLine>
+            </a:ext>
+          </a:extLst>
+        </p:spPr>
+        <p:txBody>
+          <a:bodyPr wrap="square">
+            <a:spAutoFit/>
+          </a:bodyPr>
+          <a:lstStyle>
+            <a:lvl1pPr>
+              <a:defRPr>
+                <a:solidFill>
+                  <a:schemeClr val="tx1"/>
+                </a:solidFill>
+                <a:latin typeface="Calibri" panose="020F0502020204030204" pitchFamily="34" charset="0"/>
+              </a:defRPr>
+            </a:lvl1pPr>
+            <a:lvl2pPr marL="742950" indent="-285750">
+              <a:defRPr>
+                <a:solidFill>
+                  <a:schemeClr val="tx1"/>
+                </a:solidFill>
+                <a:latin typeface="Calibri" panose="020F0502020204030204" pitchFamily="34" charset="0"/>
+              </a:defRPr>
+            </a:lvl2pPr>
+            <a:lvl3pPr marL="1143000" indent="-228600">
+              <a:defRPr>
+                <a:solidFill>
+                  <a:schemeClr val="tx1"/>
+                </a:solidFill>
+                <a:latin typeface="Calibri" panose="020F0502020204030204" pitchFamily="34" charset="0"/>
+              </a:defRPr>
+            </a:lvl3pPr>
+            <a:lvl4pPr marL="1600200" indent="-228600">
+              <a:defRPr>
+                <a:solidFill>
+                  <a:schemeClr val="tx1"/>
+                </a:solidFill>
+                <a:latin typeface="Calibri" panose="020F0502020204030204" pitchFamily="34" charset="0"/>
+              </a:defRPr>
+            </a:lvl4pPr>
+            <a:lvl5pPr marL="2057400" indent="-228600">
+              <a:defRPr>
+                <a:solidFill>
+                  <a:schemeClr val="tx1"/>
+                </a:solidFill>
+                <a:latin typeface="Calibri" panose="020F0502020204030204" pitchFamily="34" charset="0"/>
+              </a:defRPr>
+            </a:lvl5pPr>
+            <a:lvl6pPr marL="2514600" indent="-228600" defTabSz="457200" fontAlgn="base">
+              <a:spcBef>
+                <a:spcPct val="0"/>
+              </a:spcBef>
+              <a:spcAft>
+                <a:spcPct val="0"/>
+              </a:spcAft>
+              <a:defRPr>
+                <a:solidFill>
+                  <a:schemeClr val="tx1"/>
+                </a:solidFill>
+                <a:latin typeface="Calibri" panose="020F0502020204030204" pitchFamily="34" charset="0"/>
+              </a:defRPr>
+            </a:lvl6pPr>
+            <a:lvl7pPr marL="2971800" indent="-228600" defTabSz="457200" fontAlgn="base">
+              <a:spcBef>
+                <a:spcPct val="0"/>
+              </a:spcBef>
+              <a:spcAft>
+                <a:spcPct val="0"/>
+              </a:spcAft>
+              <a:defRPr>
+                <a:solidFill>
+                  <a:schemeClr val="tx1"/>
+                </a:solidFill>
+                <a:latin typeface="Calibri" panose="020F0502020204030204" pitchFamily="34" charset="0"/>
+              </a:defRPr>
+            </a:lvl7pPr>
+            <a:lvl8pPr marL="3429000" indent="-228600" defTabSz="457200" fontAlgn="base">
+              <a:spcBef>
+                <a:spcPct val="0"/>
+              </a:spcBef>
+              <a:spcAft>
+                <a:spcPct val="0"/>
+              </a:spcAft>
+              <a:defRPr>
+                <a:solidFill>
+                  <a:schemeClr val="tx1"/>
+                </a:solidFill>
+                <a:latin typeface="Calibri" panose="020F0502020204030204" pitchFamily="34" charset="0"/>
+              </a:defRPr>
+            </a:lvl8pPr>
+            <a:lvl9pPr marL="3886200" indent="-228600" defTabSz="457200" fontAlgn="base">
+              <a:spcBef>
+                <a:spcPct val="0"/>
+              </a:spcBef>
+              <a:spcAft>
+                <a:spcPct val="0"/>
+              </a:spcAft>
+              <a:defRPr>
+                <a:solidFill>
+                  <a:schemeClr val="tx1"/>
+                </a:solidFill>
+                <a:latin typeface="Calibri" panose="020F0502020204030204" pitchFamily="34" charset="0"/>
+              </a:defRPr>
+            </a:lvl9pPr>
+          </a:lstStyle>
+          <a:p>
+            <a:pPr eaLnBrk="1" hangingPunct="1"/>
+            <a:r>
+              <a:rPr lang="pt-PT" altLang="pt-PT" sz="1200" dirty="0">
+                <a:latin typeface="Porto Sans Light" panose="00000400000000000000" pitchFamily="50" charset="0"/>
+              </a:rPr>
+              <a:t>Óscar Oliveira / Simulação e Otimização (2022/23)</a:t>
+            </a:r>
+          </a:p>
+        </p:txBody>
+      </p:sp>
+      <p:sp>
+        <p:nvSpPr>
+          <p:cNvPr id="6" name="Marcador de Posição de Conteúdo 5">
+            <a:extLst>
+              <a:ext uri="{FF2B5EF4-FFF2-40B4-BE49-F238E27FC236}">
+                <a16:creationId xmlns:a16="http://schemas.microsoft.com/office/drawing/2014/main" id="{CB84F62B-3E59-7BE2-D0AC-99D9C1827520}"/>
+              </a:ext>
+            </a:extLst>
+          </p:cNvPr>
+          <p:cNvSpPr>
+            <a:spLocks noGrp="1"/>
+          </p:cNvSpPr>
+          <p:nvPr>
+            <p:ph idx="1"/>
+          </p:nvPr>
+        </p:nvSpPr>
+        <p:spPr/>
+        <p:txBody>
+          <a:bodyPr>
+            <a:normAutofit/>
+          </a:bodyPr>
+          <a:lstStyle/>
+          <a:p>
+            <a:pPr algn="just"/>
+            <a:r>
+              <a:rPr lang="en-US" sz="2000" dirty="0"/>
+              <a:t>Methods for solving combinatorial optimization problems can be divided into two categories: exact methods and approximate methods.</a:t>
+            </a:r>
+          </a:p>
+          <a:p>
+            <a:pPr algn="just"/>
+            <a:r>
+              <a:rPr lang="en-US" sz="2000" dirty="0"/>
+              <a:t>Exact methods guarantee to obtain the optimal solution, only if there is no limit time for its execution and if the computational resources are assured necessary, which for large instances can be totally impractical.</a:t>
+            </a:r>
+          </a:p>
+          <a:p>
+            <a:pPr algn="just"/>
+            <a:r>
+              <a:rPr lang="en-US" sz="2000" dirty="0"/>
+              <a:t>From these conditions, there is a need for methods that can, with less demanding computational tasks and in acceptable times, obtain quality solutions.</a:t>
+            </a:r>
+            <a:endParaRPr lang="pt-PT" sz="2000" dirty="0"/>
+          </a:p>
+        </p:txBody>
+      </p:sp>
+      <p:sp>
+        <p:nvSpPr>
+          <p:cNvPr id="11" name="Retângulo 10">
+            <a:extLst>
+              <a:ext uri="{FF2B5EF4-FFF2-40B4-BE49-F238E27FC236}">
+                <a16:creationId xmlns:a16="http://schemas.microsoft.com/office/drawing/2014/main" id="{9F6B37B1-F5DC-C5E5-CEE1-DBD60FA81D6A}"/>
+              </a:ext>
+            </a:extLst>
+          </p:cNvPr>
+          <p:cNvSpPr/>
+          <p:nvPr/>
+        </p:nvSpPr>
+        <p:spPr>
+          <a:xfrm>
+            <a:off x="2339752" y="4581785"/>
+            <a:ext cx="2088232" cy="792088"/>
+          </a:xfrm>
+          <a:prstGeom prst="rect">
+            <a:avLst/>
+          </a:prstGeom>
+        </p:spPr>
+        <p:style>
+          <a:lnRef idx="1">
+            <a:schemeClr val="accent1"/>
+          </a:lnRef>
+          <a:fillRef idx="3">
+            <a:schemeClr val="accent1"/>
+          </a:fillRef>
+          <a:effectRef idx="2">
+            <a:schemeClr val="accent1"/>
+          </a:effectRef>
+          <a:fontRef idx="minor">
+            <a:schemeClr val="lt1"/>
+          </a:fontRef>
+        </p:style>
+        <p:txBody>
+          <a:bodyPr rtlCol="0" anchor="ctr"/>
+          <a:lstStyle/>
+          <a:p>
+            <a:pPr algn="ctr"/>
+            <a:r>
+              <a:rPr lang="pt-PT" dirty="0" err="1"/>
+              <a:t>Exact</a:t>
+            </a:r>
+            <a:r>
+              <a:rPr lang="pt-PT" dirty="0"/>
+              <a:t> </a:t>
+            </a:r>
+            <a:r>
+              <a:rPr lang="pt-PT" dirty="0" err="1"/>
+              <a:t>Methods</a:t>
+            </a:r>
+            <a:endParaRPr lang="pt-PT" dirty="0"/>
+          </a:p>
+        </p:txBody>
+      </p:sp>
+      <p:sp>
+        <p:nvSpPr>
+          <p:cNvPr id="12" name="Retângulo 11">
+            <a:extLst>
+              <a:ext uri="{FF2B5EF4-FFF2-40B4-BE49-F238E27FC236}">
+                <a16:creationId xmlns:a16="http://schemas.microsoft.com/office/drawing/2014/main" id="{CDB247A8-B135-724A-80D0-9AAEA92AFC4A}"/>
+              </a:ext>
+            </a:extLst>
+          </p:cNvPr>
+          <p:cNvSpPr/>
+          <p:nvPr/>
+        </p:nvSpPr>
+        <p:spPr>
+          <a:xfrm>
+            <a:off x="5004048" y="4581128"/>
+            <a:ext cx="2088232" cy="792088"/>
+          </a:xfrm>
+          <a:prstGeom prst="rect">
+            <a:avLst/>
+          </a:prstGeom>
+        </p:spPr>
+        <p:style>
+          <a:lnRef idx="1">
+            <a:schemeClr val="accent1"/>
+          </a:lnRef>
+          <a:fillRef idx="3">
+            <a:schemeClr val="accent1"/>
+          </a:fillRef>
+          <a:effectRef idx="2">
+            <a:schemeClr val="accent1"/>
+          </a:effectRef>
+          <a:fontRef idx="minor">
+            <a:schemeClr val="lt1"/>
+          </a:fontRef>
+        </p:style>
+        <p:txBody>
+          <a:bodyPr rtlCol="0" anchor="ctr"/>
+          <a:lstStyle/>
+          <a:p>
+            <a:pPr algn="ctr"/>
+            <a:r>
+              <a:rPr lang="pt-PT" dirty="0" err="1"/>
+              <a:t>Approximate</a:t>
+            </a:r>
+            <a:r>
+              <a:rPr lang="pt-PT" dirty="0"/>
+              <a:t> </a:t>
+            </a:r>
+            <a:r>
+              <a:rPr lang="pt-PT" dirty="0" err="1"/>
+              <a:t>methods</a:t>
+            </a:r>
+            <a:endParaRPr lang="pt-PT" dirty="0"/>
+          </a:p>
+        </p:txBody>
+      </p:sp>
+    </p:spTree>
+    <p:extLst>
+      <p:ext uri="{BB962C8B-B14F-4D97-AF65-F5344CB8AC3E}">
+        <p14:creationId xmlns:p14="http://schemas.microsoft.com/office/powerpoint/2010/main" val="2899460585"/>
+      </p:ext>
+    </p:extLst>
+  </p:cSld>
+  <p:clrMapOvr>
+    <a:masterClrMapping/>
+  </p:clrMapOvr>
+</p:sld>
+</file>
+
+<file path=ppt/slides/slide7.xml><?xml version="1.0" encoding="utf-8"?>
+<p:sld xmlns:a="http://schemas.openxmlformats.org/drawingml/2006/main" xmlns:r="http://schemas.openxmlformats.org/officeDocument/2006/relationships" xmlns:p="http://schemas.openxmlformats.org/presentationml/2006/main">
+  <p:cSld>
+    <p:spTree>
+      <p:nvGrpSpPr>
+        <p:cNvPr id="1" name=""/>
+        <p:cNvGrpSpPr/>
+        <p:nvPr/>
+      </p:nvGrpSpPr>
+      <p:grpSpPr>
+        <a:xfrm>
+          <a:off x="0" y="0"/>
+          <a:ext cx="0" cy="0"/>
+          <a:chOff x="0" y="0"/>
+          <a:chExt cx="0" cy="0"/>
+        </a:xfrm>
+      </p:grpSpPr>
+      <p:sp>
+        <p:nvSpPr>
+          <p:cNvPr id="2" name="Título 1"/>
+          <p:cNvSpPr>
+            <a:spLocks noGrp="1"/>
+          </p:cNvSpPr>
+          <p:nvPr>
+            <p:ph type="title"/>
+          </p:nvPr>
+        </p:nvSpPr>
+        <p:spPr/>
+        <p:txBody>
+          <a:bodyPr>
+            <a:normAutofit fontScale="90000"/>
+          </a:bodyPr>
+          <a:lstStyle/>
+          <a:p>
+            <a:r>
+              <a:rPr lang="pt-PT" dirty="0" err="1"/>
+              <a:t>Exact</a:t>
+            </a:r>
+            <a:r>
+              <a:rPr lang="pt-PT" dirty="0"/>
+              <a:t> </a:t>
+            </a:r>
+            <a:r>
+              <a:rPr lang="pt-PT" dirty="0" err="1"/>
+              <a:t>Method</a:t>
+            </a:r>
+            <a:r>
+              <a:rPr lang="pt-PT" dirty="0"/>
+              <a:t> </a:t>
+            </a:r>
+            <a:r>
+              <a:rPr lang="pt-PT" dirty="0" err="1"/>
+              <a:t>Algorithm</a:t>
+            </a:r>
+            <a:endParaRPr lang="en-US" dirty="0"/>
+          </a:p>
+        </p:txBody>
+      </p:sp>
+      <p:sp>
+        <p:nvSpPr>
+          <p:cNvPr id="3" name="Marcador de Posição de Conteúdo 2"/>
+          <p:cNvSpPr>
+            <a:spLocks noGrp="1"/>
+          </p:cNvSpPr>
+          <p:nvPr>
+            <p:ph idx="1"/>
+          </p:nvPr>
+        </p:nvSpPr>
+        <p:spPr/>
+        <p:txBody>
+          <a:bodyPr>
+            <a:normAutofit/>
+          </a:bodyPr>
+          <a:lstStyle/>
+          <a:p>
+            <a:pPr algn="just"/>
+            <a:r>
+              <a:rPr lang="en-US" sz="2200" dirty="0"/>
+              <a:t>We decided to approach this problem using an exact method algorithm.</a:t>
+            </a:r>
+          </a:p>
+          <a:p>
+            <a:pPr algn="just"/>
+            <a:r>
+              <a:rPr lang="en-US" sz="2200" dirty="0"/>
+              <a:t>In order to reproduce the equations, we used the OR-Tools Library in Python.</a:t>
+            </a:r>
+          </a:p>
+          <a:p>
+            <a:pPr algn="just"/>
+            <a:r>
+              <a:rPr lang="en-US" sz="2200" dirty="0"/>
+              <a:t>OR-Tools is an open-source software for combinatorial optimization, which seeks to find the best solution to a problem from a very large number of possible solutions.</a:t>
+            </a:r>
+          </a:p>
+          <a:p>
+            <a:pPr algn="just"/>
+            <a:r>
+              <a:rPr lang="en-US" sz="2200" dirty="0"/>
+              <a:t>The solver was used in 5 instances of datasets (</a:t>
+            </a:r>
+            <a:r>
+              <a:rPr lang="en-US" sz="2200" dirty="0" err="1"/>
+              <a:t>Delmaire</a:t>
+            </a:r>
+            <a:r>
+              <a:rPr lang="en-US" sz="2200" dirty="0"/>
+              <a:t>, Holmberg, OR-library, Yang, TBED1). </a:t>
+            </a:r>
+          </a:p>
+          <a:p>
+            <a:endParaRPr lang="en-US" dirty="0"/>
+          </a:p>
+        </p:txBody>
+      </p:sp>
+      <p:sp>
+        <p:nvSpPr>
+          <p:cNvPr id="4" name="CaixaDeTexto 1"/>
+          <p:cNvSpPr txBox="1">
+            <a:spLocks noChangeArrowheads="1"/>
+          </p:cNvSpPr>
+          <p:nvPr/>
+        </p:nvSpPr>
+        <p:spPr bwMode="auto">
+          <a:xfrm>
+            <a:off x="6228184" y="6309320"/>
+            <a:ext cx="2387228" cy="461665"/>
+          </a:xfrm>
+          <a:prstGeom prst="rect">
+            <a:avLst/>
+          </a:prstGeom>
+          <a:noFill/>
+          <a:ln>
+            <a:noFill/>
+          </a:ln>
+          <a:extLst>
+            <a:ext uri="{909E8E84-426E-40DD-AFC4-6F175D3DCCD1}">
+              <a14:hiddenFill xmlns:a14="http://schemas.microsoft.com/office/drawing/2010/main">
+                <a:solidFill>
+                  <a:srgbClr val="FFFFFF"/>
+                </a:solidFill>
+              </a14:hiddenFill>
+            </a:ext>
+            <a:ext uri="{91240B29-F687-4F45-9708-019B960494DF}">
+              <a14:hiddenLine xmlns:a14="http://schemas.microsoft.com/office/drawing/2010/main" w="9525">
+                <a:solidFill>
+                  <a:srgbClr val="000000"/>
+                </a:solidFill>
+                <a:miter lim="800000"/>
+                <a:headEnd/>
+                <a:tailEnd/>
+              </a14:hiddenLine>
+            </a:ext>
+          </a:extLst>
+        </p:spPr>
+        <p:txBody>
+          <a:bodyPr wrap="square">
+            <a:spAutoFit/>
+          </a:bodyPr>
+          <a:lstStyle>
+            <a:lvl1pPr>
+              <a:defRPr>
+                <a:solidFill>
+                  <a:schemeClr val="tx1"/>
+                </a:solidFill>
+                <a:latin typeface="Calibri" panose="020F0502020204030204" pitchFamily="34" charset="0"/>
+              </a:defRPr>
+            </a:lvl1pPr>
+            <a:lvl2pPr marL="742950" indent="-285750">
+              <a:defRPr>
+                <a:solidFill>
+                  <a:schemeClr val="tx1"/>
+                </a:solidFill>
+                <a:latin typeface="Calibri" panose="020F0502020204030204" pitchFamily="34" charset="0"/>
+              </a:defRPr>
+            </a:lvl2pPr>
+            <a:lvl3pPr marL="1143000" indent="-228600">
+              <a:defRPr>
+                <a:solidFill>
+                  <a:schemeClr val="tx1"/>
+                </a:solidFill>
+                <a:latin typeface="Calibri" panose="020F0502020204030204" pitchFamily="34" charset="0"/>
+              </a:defRPr>
+            </a:lvl3pPr>
+            <a:lvl4pPr marL="1600200" indent="-228600">
+              <a:defRPr>
+                <a:solidFill>
+                  <a:schemeClr val="tx1"/>
+                </a:solidFill>
+                <a:latin typeface="Calibri" panose="020F0502020204030204" pitchFamily="34" charset="0"/>
+              </a:defRPr>
+            </a:lvl4pPr>
+            <a:lvl5pPr marL="2057400" indent="-228600">
+              <a:defRPr>
+                <a:solidFill>
+                  <a:schemeClr val="tx1"/>
+                </a:solidFill>
+                <a:latin typeface="Calibri" panose="020F0502020204030204" pitchFamily="34" charset="0"/>
+              </a:defRPr>
+            </a:lvl5pPr>
+            <a:lvl6pPr marL="2514600" indent="-228600" defTabSz="457200" fontAlgn="base">
+              <a:spcBef>
+                <a:spcPct val="0"/>
+              </a:spcBef>
+              <a:spcAft>
+                <a:spcPct val="0"/>
+              </a:spcAft>
+              <a:defRPr>
+                <a:solidFill>
+                  <a:schemeClr val="tx1"/>
+                </a:solidFill>
+                <a:latin typeface="Calibri" panose="020F0502020204030204" pitchFamily="34" charset="0"/>
+              </a:defRPr>
+            </a:lvl6pPr>
+            <a:lvl7pPr marL="2971800" indent="-228600" defTabSz="457200" fontAlgn="base">
+              <a:spcBef>
+                <a:spcPct val="0"/>
+              </a:spcBef>
+              <a:spcAft>
+                <a:spcPct val="0"/>
+              </a:spcAft>
+              <a:defRPr>
+                <a:solidFill>
+                  <a:schemeClr val="tx1"/>
+                </a:solidFill>
+                <a:latin typeface="Calibri" panose="020F0502020204030204" pitchFamily="34" charset="0"/>
+              </a:defRPr>
+            </a:lvl7pPr>
+            <a:lvl8pPr marL="3429000" indent="-228600" defTabSz="457200" fontAlgn="base">
+              <a:spcBef>
+                <a:spcPct val="0"/>
+              </a:spcBef>
+              <a:spcAft>
+                <a:spcPct val="0"/>
+              </a:spcAft>
+              <a:defRPr>
+                <a:solidFill>
+                  <a:schemeClr val="tx1"/>
+                </a:solidFill>
+                <a:latin typeface="Calibri" panose="020F0502020204030204" pitchFamily="34" charset="0"/>
+              </a:defRPr>
+            </a:lvl8pPr>
+            <a:lvl9pPr marL="3886200" indent="-228600" defTabSz="457200" fontAlgn="base">
+              <a:spcBef>
+                <a:spcPct val="0"/>
+              </a:spcBef>
+              <a:spcAft>
+                <a:spcPct val="0"/>
+              </a:spcAft>
+              <a:defRPr>
+                <a:solidFill>
+                  <a:schemeClr val="tx1"/>
+                </a:solidFill>
+                <a:latin typeface="Calibri" panose="020F0502020204030204" pitchFamily="34" charset="0"/>
+              </a:defRPr>
+            </a:lvl9pPr>
+          </a:lstStyle>
+          <a:p>
+            <a:r>
+              <a:rPr lang="pt-PT" sz="1200" dirty="0">
+                <a:latin typeface="Porto Sans Light" panose="00000400000000000000" pitchFamily="50" charset="0"/>
+              </a:rPr>
+              <a:t>João Silva | Olavo Alves | Luís Silva</a:t>
+            </a:r>
+          </a:p>
+          <a:p>
+            <a:pPr eaLnBrk="1" hangingPunct="1"/>
+            <a:endParaRPr lang="pt-PT" altLang="pt-PT" sz="1200" dirty="0">
+              <a:latin typeface="Porto Sans Light" panose="00000400000000000000" pitchFamily="50" charset="0"/>
+            </a:endParaRPr>
+          </a:p>
+        </p:txBody>
+      </p:sp>
+      <p:sp>
+        <p:nvSpPr>
+          <p:cNvPr id="5" name="CaixaDeTexto 2"/>
+          <p:cNvSpPr txBox="1">
+            <a:spLocks noChangeArrowheads="1"/>
+          </p:cNvSpPr>
+          <p:nvPr/>
+        </p:nvSpPr>
+        <p:spPr bwMode="auto">
+          <a:xfrm>
+            <a:off x="457200" y="6309320"/>
+            <a:ext cx="3317812" cy="276999"/>
+          </a:xfrm>
+          <a:prstGeom prst="rect">
+            <a:avLst/>
+          </a:prstGeom>
+          <a:noFill/>
+          <a:ln>
+            <a:noFill/>
+          </a:ln>
+          <a:extLst>
+            <a:ext uri="{909E8E84-426E-40DD-AFC4-6F175D3DCCD1}">
+              <a14:hiddenFill xmlns:a14="http://schemas.microsoft.com/office/drawing/2010/main">
+                <a:solidFill>
+                  <a:srgbClr val="FFFFFF"/>
+                </a:solidFill>
+              </a14:hiddenFill>
+            </a:ext>
+            <a:ext uri="{91240B29-F687-4F45-9708-019B960494DF}">
+              <a14:hiddenLine xmlns:a14="http://schemas.microsoft.com/office/drawing/2010/main" w="9525">
+                <a:solidFill>
+                  <a:srgbClr val="000000"/>
+                </a:solidFill>
+                <a:miter lim="800000"/>
+                <a:headEnd/>
+                <a:tailEnd/>
+              </a14:hiddenLine>
+            </a:ext>
+          </a:extLst>
+        </p:spPr>
+        <p:txBody>
+          <a:bodyPr wrap="square">
+            <a:spAutoFit/>
+          </a:bodyPr>
+          <a:lstStyle>
+            <a:lvl1pPr>
+              <a:defRPr>
+                <a:solidFill>
+                  <a:schemeClr val="tx1"/>
+                </a:solidFill>
+                <a:latin typeface="Calibri" panose="020F0502020204030204" pitchFamily="34" charset="0"/>
+              </a:defRPr>
+            </a:lvl1pPr>
+            <a:lvl2pPr marL="742950" indent="-285750">
+              <a:defRPr>
+                <a:solidFill>
+                  <a:schemeClr val="tx1"/>
+                </a:solidFill>
+                <a:latin typeface="Calibri" panose="020F0502020204030204" pitchFamily="34" charset="0"/>
+              </a:defRPr>
+            </a:lvl2pPr>
+            <a:lvl3pPr marL="1143000" indent="-228600">
+              <a:defRPr>
+                <a:solidFill>
+                  <a:schemeClr val="tx1"/>
+                </a:solidFill>
+                <a:latin typeface="Calibri" panose="020F0502020204030204" pitchFamily="34" charset="0"/>
+              </a:defRPr>
+            </a:lvl3pPr>
+            <a:lvl4pPr marL="1600200" indent="-228600">
+              <a:defRPr>
+                <a:solidFill>
+                  <a:schemeClr val="tx1"/>
+                </a:solidFill>
+                <a:latin typeface="Calibri" panose="020F0502020204030204" pitchFamily="34" charset="0"/>
+              </a:defRPr>
+            </a:lvl4pPr>
+            <a:lvl5pPr marL="2057400" indent="-228600">
+              <a:defRPr>
+                <a:solidFill>
+                  <a:schemeClr val="tx1"/>
+                </a:solidFill>
+                <a:latin typeface="Calibri" panose="020F0502020204030204" pitchFamily="34" charset="0"/>
+              </a:defRPr>
+            </a:lvl5pPr>
+            <a:lvl6pPr marL="2514600" indent="-228600" defTabSz="457200" fontAlgn="base">
+              <a:spcBef>
+                <a:spcPct val="0"/>
+              </a:spcBef>
+              <a:spcAft>
+                <a:spcPct val="0"/>
+              </a:spcAft>
+              <a:defRPr>
+                <a:solidFill>
+                  <a:schemeClr val="tx1"/>
+                </a:solidFill>
+                <a:latin typeface="Calibri" panose="020F0502020204030204" pitchFamily="34" charset="0"/>
+              </a:defRPr>
+            </a:lvl6pPr>
+            <a:lvl7pPr marL="2971800" indent="-228600" defTabSz="457200" fontAlgn="base">
+              <a:spcBef>
+                <a:spcPct val="0"/>
+              </a:spcBef>
+              <a:spcAft>
+                <a:spcPct val="0"/>
+              </a:spcAft>
+              <a:defRPr>
+                <a:solidFill>
+                  <a:schemeClr val="tx1"/>
+                </a:solidFill>
+                <a:latin typeface="Calibri" panose="020F0502020204030204" pitchFamily="34" charset="0"/>
+              </a:defRPr>
+            </a:lvl7pPr>
+            <a:lvl8pPr marL="3429000" indent="-228600" defTabSz="457200" fontAlgn="base">
+              <a:spcBef>
+                <a:spcPct val="0"/>
+              </a:spcBef>
+              <a:spcAft>
+                <a:spcPct val="0"/>
+              </a:spcAft>
+              <a:defRPr>
+                <a:solidFill>
+                  <a:schemeClr val="tx1"/>
+                </a:solidFill>
+                <a:latin typeface="Calibri" panose="020F0502020204030204" pitchFamily="34" charset="0"/>
+              </a:defRPr>
+            </a:lvl8pPr>
+            <a:lvl9pPr marL="3886200" indent="-228600" defTabSz="457200" fontAlgn="base">
+              <a:spcBef>
+                <a:spcPct val="0"/>
+              </a:spcBef>
+              <a:spcAft>
+                <a:spcPct val="0"/>
+              </a:spcAft>
+              <a:defRPr>
+                <a:solidFill>
+                  <a:schemeClr val="tx1"/>
+                </a:solidFill>
+                <a:latin typeface="Calibri" panose="020F0502020204030204" pitchFamily="34" charset="0"/>
+              </a:defRPr>
+            </a:lvl9pPr>
+          </a:lstStyle>
+          <a:p>
+            <a:pPr eaLnBrk="1" hangingPunct="1"/>
+            <a:r>
+              <a:rPr lang="pt-PT" altLang="pt-PT" sz="1200" dirty="0">
+                <a:latin typeface="Porto Sans Light" panose="00000400000000000000" pitchFamily="50" charset="0"/>
+              </a:rPr>
+              <a:t>Óscar Oliveira / Simulação e Otimização (2022/23)</a:t>
+            </a:r>
+          </a:p>
+        </p:txBody>
+      </p:sp>
+    </p:spTree>
+    <p:extLst>
+      <p:ext uri="{BB962C8B-B14F-4D97-AF65-F5344CB8AC3E}">
+        <p14:creationId xmlns:p14="http://schemas.microsoft.com/office/powerpoint/2010/main" val="4051685628"/>
+      </p:ext>
+    </p:extLst>
+  </p:cSld>
+  <p:clrMapOvr>
+    <a:masterClrMapping/>
+  </p:clrMapOvr>
+</p:sld>
+</file>
+
+<file path=ppt/slides/slide8.xml><?xml version="1.0" encoding="utf-8"?>
+<p:sld xmlns:a="http://schemas.openxmlformats.org/drawingml/2006/main" xmlns:r="http://schemas.openxmlformats.org/officeDocument/2006/relationships" xmlns:p="http://schemas.openxmlformats.org/presentationml/2006/main">
+  <p:cSld>
+    <p:spTree>
+      <p:nvGrpSpPr>
+        <p:cNvPr id="1" name=""/>
+        <p:cNvGrpSpPr/>
+        <p:nvPr/>
+      </p:nvGrpSpPr>
+      <p:grpSpPr>
+        <a:xfrm>
+          <a:off x="0" y="0"/>
+          <a:ext cx="0" cy="0"/>
+          <a:chOff x="0" y="0"/>
+          <a:chExt cx="0" cy="0"/>
+        </a:xfrm>
+      </p:grpSpPr>
+      <p:sp>
+        <p:nvSpPr>
+          <p:cNvPr id="2" name="Título 1">
+            <a:extLst>
+              <a:ext uri="{FF2B5EF4-FFF2-40B4-BE49-F238E27FC236}">
+                <a16:creationId xmlns:a16="http://schemas.microsoft.com/office/drawing/2014/main" id="{F69876EE-74BB-165E-7373-B203293610FE}"/>
+              </a:ext>
+            </a:extLst>
+          </p:cNvPr>
+          <p:cNvSpPr>
+            <a:spLocks noGrp="1"/>
+          </p:cNvSpPr>
+          <p:nvPr>
+            <p:ph type="title"/>
+          </p:nvPr>
+        </p:nvSpPr>
+        <p:spPr/>
+        <p:txBody>
+          <a:bodyPr>
+            <a:normAutofit fontScale="90000"/>
+          </a:bodyPr>
+          <a:lstStyle/>
+          <a:p>
+            <a:r>
+              <a:rPr lang="pt-PT" dirty="0" err="1"/>
+              <a:t>Heuristic</a:t>
+            </a:r>
+            <a:endParaRPr lang="pt-PT" dirty="0"/>
+          </a:p>
+        </p:txBody>
+      </p:sp>
+      <p:sp>
+        <p:nvSpPr>
+          <p:cNvPr id="3" name="Marcador de Posição de Conteúdo 2">
+            <a:extLst>
+              <a:ext uri="{FF2B5EF4-FFF2-40B4-BE49-F238E27FC236}">
+                <a16:creationId xmlns:a16="http://schemas.microsoft.com/office/drawing/2014/main" id="{146226FC-5191-7136-F6A5-37DA5EF7EEF6}"/>
+              </a:ext>
+            </a:extLst>
+          </p:cNvPr>
+          <p:cNvSpPr>
+            <a:spLocks noGrp="1"/>
+          </p:cNvSpPr>
+          <p:nvPr>
+            <p:ph idx="1"/>
+          </p:nvPr>
+        </p:nvSpPr>
+        <p:spPr/>
+        <p:txBody>
+          <a:bodyPr>
+            <a:normAutofit/>
+          </a:bodyPr>
+          <a:lstStyle/>
+          <a:p>
+            <a:pPr algn="just"/>
+            <a:r>
+              <a:rPr lang="en-US" sz="1800" dirty="0"/>
+              <a:t>Heuristics are generally less demanding on computational resources than approximation algorithms, but they do not guarantee that the solution obtained is within a range of quality or computational resources </a:t>
+            </a:r>
+            <a:r>
+              <a:rPr lang="en-US" sz="1800" u="sng" dirty="0"/>
+              <a:t>needed</a:t>
+            </a:r>
+            <a:r>
+              <a:rPr lang="en-US" sz="1800" dirty="0"/>
+              <a:t>. Heuristics are also useful for accelerating the convergence of algorithms. Exact optimization typically providing you with a good initial solution.</a:t>
+            </a:r>
+          </a:p>
+          <a:p>
+            <a:pPr algn="just"/>
+            <a:endParaRPr lang="en-US" sz="1800" dirty="0"/>
+          </a:p>
+          <a:p>
+            <a:pPr algn="just"/>
+            <a:endParaRPr lang="pt-PT" sz="1800" dirty="0"/>
+          </a:p>
+        </p:txBody>
+      </p:sp>
+      <p:sp>
+        <p:nvSpPr>
+          <p:cNvPr id="4" name="Retângulo 3">
+            <a:extLst>
+              <a:ext uri="{FF2B5EF4-FFF2-40B4-BE49-F238E27FC236}">
+                <a16:creationId xmlns:a16="http://schemas.microsoft.com/office/drawing/2014/main" id="{702986F1-30B9-5052-C351-355BC042C8A2}"/>
+              </a:ext>
+            </a:extLst>
+          </p:cNvPr>
+          <p:cNvSpPr/>
+          <p:nvPr/>
+        </p:nvSpPr>
+        <p:spPr>
+          <a:xfrm>
+            <a:off x="3707904" y="3429296"/>
+            <a:ext cx="2088232" cy="792088"/>
+          </a:xfrm>
+          <a:prstGeom prst="rect">
+            <a:avLst/>
+          </a:prstGeom>
+        </p:spPr>
+        <p:style>
+          <a:lnRef idx="1">
+            <a:schemeClr val="accent1"/>
+          </a:lnRef>
+          <a:fillRef idx="3">
+            <a:schemeClr val="accent1"/>
+          </a:fillRef>
+          <a:effectRef idx="2">
+            <a:schemeClr val="accent1"/>
+          </a:effectRef>
+          <a:fontRef idx="minor">
+            <a:schemeClr val="lt1"/>
+          </a:fontRef>
+        </p:style>
+        <p:txBody>
+          <a:bodyPr rtlCol="0" anchor="ctr"/>
+          <a:lstStyle/>
+          <a:p>
+            <a:pPr algn="ctr"/>
+            <a:r>
+              <a:rPr lang="pt-PT" dirty="0" err="1"/>
+              <a:t>Heuristic</a:t>
+            </a:r>
+            <a:endParaRPr lang="pt-PT" dirty="0"/>
+          </a:p>
+        </p:txBody>
+      </p:sp>
+      <p:sp>
+        <p:nvSpPr>
+          <p:cNvPr id="5" name="Retângulo 4">
+            <a:extLst>
+              <a:ext uri="{FF2B5EF4-FFF2-40B4-BE49-F238E27FC236}">
+                <a16:creationId xmlns:a16="http://schemas.microsoft.com/office/drawing/2014/main" id="{D5F7C35D-A11D-1AF6-3CF8-8A3635A08770}"/>
+              </a:ext>
+            </a:extLst>
+          </p:cNvPr>
+          <p:cNvSpPr/>
+          <p:nvPr/>
+        </p:nvSpPr>
+        <p:spPr>
+          <a:xfrm>
+            <a:off x="1043608" y="4761444"/>
+            <a:ext cx="2088232" cy="792088"/>
+          </a:xfrm>
+          <a:prstGeom prst="rect">
+            <a:avLst/>
+          </a:prstGeom>
+        </p:spPr>
+        <p:style>
+          <a:lnRef idx="1">
+            <a:schemeClr val="accent1"/>
+          </a:lnRef>
+          <a:fillRef idx="3">
+            <a:schemeClr val="accent1"/>
+          </a:fillRef>
+          <a:effectRef idx="2">
+            <a:schemeClr val="accent1"/>
+          </a:effectRef>
+          <a:fontRef idx="minor">
+            <a:schemeClr val="lt1"/>
+          </a:fontRef>
+        </p:style>
+        <p:txBody>
+          <a:bodyPr rtlCol="0" anchor="ctr"/>
+          <a:lstStyle/>
+          <a:p>
+            <a:pPr algn="ctr"/>
+            <a:r>
+              <a:rPr lang="pt-PT" dirty="0" err="1"/>
+              <a:t>Constructive</a:t>
+            </a:r>
+            <a:endParaRPr lang="pt-PT" dirty="0"/>
+          </a:p>
+        </p:txBody>
+      </p:sp>
+      <p:sp>
+        <p:nvSpPr>
+          <p:cNvPr id="6" name="Retângulo 5">
+            <a:extLst>
+              <a:ext uri="{FF2B5EF4-FFF2-40B4-BE49-F238E27FC236}">
+                <a16:creationId xmlns:a16="http://schemas.microsoft.com/office/drawing/2014/main" id="{68089D86-CA35-EE6D-7316-A401ECF52A2D}"/>
+              </a:ext>
+            </a:extLst>
+          </p:cNvPr>
+          <p:cNvSpPr/>
+          <p:nvPr/>
+        </p:nvSpPr>
+        <p:spPr>
+          <a:xfrm>
+            <a:off x="3707904" y="4762101"/>
+            <a:ext cx="2088232" cy="792088"/>
+          </a:xfrm>
+          <a:prstGeom prst="rect">
+            <a:avLst/>
+          </a:prstGeom>
+        </p:spPr>
+        <p:style>
+          <a:lnRef idx="1">
+            <a:schemeClr val="accent1"/>
+          </a:lnRef>
+          <a:fillRef idx="3">
+            <a:schemeClr val="accent1"/>
+          </a:fillRef>
+          <a:effectRef idx="2">
+            <a:schemeClr val="accent1"/>
+          </a:effectRef>
+          <a:fontRef idx="minor">
+            <a:schemeClr val="lt1"/>
+          </a:fontRef>
+        </p:style>
+        <p:txBody>
+          <a:bodyPr rtlCol="0" anchor="ctr"/>
+          <a:lstStyle/>
+          <a:p>
+            <a:pPr algn="ctr"/>
+            <a:r>
+              <a:rPr lang="pt-PT" dirty="0"/>
+              <a:t>Local </a:t>
+            </a:r>
+            <a:r>
+              <a:rPr lang="pt-PT" dirty="0" err="1"/>
+              <a:t>Search</a:t>
+            </a:r>
+            <a:r>
+              <a:rPr lang="pt-PT" dirty="0"/>
+              <a:t> (</a:t>
+            </a:r>
+            <a:r>
+              <a:rPr lang="pt-PT" dirty="0" err="1"/>
+              <a:t>Improvement</a:t>
+            </a:r>
+            <a:r>
+              <a:rPr lang="pt-PT" dirty="0"/>
+              <a:t>)</a:t>
+            </a:r>
+          </a:p>
+        </p:txBody>
+      </p:sp>
+      <p:sp>
+        <p:nvSpPr>
+          <p:cNvPr id="7" name="Retângulo 6">
+            <a:extLst>
+              <a:ext uri="{FF2B5EF4-FFF2-40B4-BE49-F238E27FC236}">
+                <a16:creationId xmlns:a16="http://schemas.microsoft.com/office/drawing/2014/main" id="{5A3325E0-4805-8C45-8530-61C7737E4465}"/>
+              </a:ext>
+            </a:extLst>
+          </p:cNvPr>
+          <p:cNvSpPr/>
+          <p:nvPr/>
+        </p:nvSpPr>
+        <p:spPr>
+          <a:xfrm>
+            <a:off x="6372200" y="4761444"/>
+            <a:ext cx="2088232" cy="792088"/>
+          </a:xfrm>
+          <a:prstGeom prst="rect">
+            <a:avLst/>
+          </a:prstGeom>
+        </p:spPr>
+        <p:style>
+          <a:lnRef idx="1">
+            <a:schemeClr val="accent1"/>
+          </a:lnRef>
+          <a:fillRef idx="3">
+            <a:schemeClr val="accent1"/>
+          </a:fillRef>
+          <a:effectRef idx="2">
+            <a:schemeClr val="accent1"/>
+          </a:effectRef>
+          <a:fontRef idx="minor">
+            <a:schemeClr val="lt1"/>
+          </a:fontRef>
+        </p:style>
+        <p:txBody>
+          <a:bodyPr rtlCol="0" anchor="ctr"/>
+          <a:lstStyle/>
+          <a:p>
+            <a:pPr algn="ctr"/>
+            <a:r>
+              <a:rPr lang="pt-PT" dirty="0"/>
+              <a:t> </a:t>
+            </a:r>
+            <a:r>
+              <a:rPr lang="pt-PT" dirty="0" err="1"/>
+              <a:t>Metaheuristic</a:t>
+            </a:r>
+            <a:endParaRPr lang="pt-PT" dirty="0"/>
+          </a:p>
+        </p:txBody>
+      </p:sp>
+    </p:spTree>
+    <p:extLst>
+      <p:ext uri="{BB962C8B-B14F-4D97-AF65-F5344CB8AC3E}">
+        <p14:creationId xmlns:p14="http://schemas.microsoft.com/office/powerpoint/2010/main" val="689335268"/>
+      </p:ext>
+    </p:extLst>
+  </p:cSld>
+  <p:clrMapOvr>
+    <a:masterClrMapping/>
+  </p:clrMapOvr>
+</p:sld>
+</file>
+
+<file path=ppt/slides/slide9.xml><?xml version="1.0" encoding="utf-8"?>
+<p:sld xmlns:a="http://schemas.openxmlformats.org/drawingml/2006/main" xmlns:r="http://schemas.openxmlformats.org/officeDocument/2006/relationships" xmlns:p="http://schemas.openxmlformats.org/presentationml/2006/main">
+  <p:cSld>
+    <p:spTree>
+      <p:nvGrpSpPr>
+        <p:cNvPr id="1" name=""/>
+        <p:cNvGrpSpPr/>
+        <p:nvPr/>
+      </p:nvGrpSpPr>
+      <p:grpSpPr>
+        <a:xfrm>
+          <a:off x="0" y="0"/>
+          <a:ext cx="0" cy="0"/>
+          <a:chOff x="0" y="0"/>
+          <a:chExt cx="0" cy="0"/>
+        </a:xfrm>
+      </p:grpSpPr>
+      <p:sp>
+        <p:nvSpPr>
+          <p:cNvPr id="2" name="Título 1">
+            <a:extLst>
+              <a:ext uri="{FF2B5EF4-FFF2-40B4-BE49-F238E27FC236}">
+                <a16:creationId xmlns:a16="http://schemas.microsoft.com/office/drawing/2014/main" id="{691E9056-392D-6BDD-F868-B90A18A9C3DE}"/>
+              </a:ext>
+            </a:extLst>
+          </p:cNvPr>
+          <p:cNvSpPr>
+            <a:spLocks noGrp="1"/>
+          </p:cNvSpPr>
+          <p:nvPr>
+            <p:ph type="title"/>
+          </p:nvPr>
+        </p:nvSpPr>
+        <p:spPr/>
+        <p:txBody>
+          <a:bodyPr>
+            <a:normAutofit fontScale="90000"/>
+          </a:bodyPr>
+          <a:lstStyle/>
+          <a:p>
+            <a:r>
+              <a:rPr lang="pt-PT" dirty="0" err="1"/>
+              <a:t>Constructive</a:t>
+            </a:r>
+            <a:r>
+              <a:rPr lang="pt-PT" dirty="0"/>
+              <a:t> </a:t>
+            </a:r>
+            <a:r>
+              <a:rPr lang="pt-PT" dirty="0" err="1"/>
+              <a:t>Heuristic</a:t>
+            </a:r>
+            <a:endParaRPr lang="pt-PT" dirty="0"/>
+          </a:p>
+        </p:txBody>
+      </p:sp>
+      <p:sp>
+        <p:nvSpPr>
+          <p:cNvPr id="3" name="Marcador de Posição de Conteúdo 2">
+            <a:extLst>
+              <a:ext uri="{FF2B5EF4-FFF2-40B4-BE49-F238E27FC236}">
+                <a16:creationId xmlns:a16="http://schemas.microsoft.com/office/drawing/2014/main" id="{01A67FE9-9BF4-B942-8E9B-6E04A1A965B2}"/>
+              </a:ext>
+            </a:extLst>
+          </p:cNvPr>
+          <p:cNvSpPr>
+            <a:spLocks noGrp="1"/>
+          </p:cNvSpPr>
+          <p:nvPr>
+            <p:ph idx="1"/>
+          </p:nvPr>
+        </p:nvSpPr>
+        <p:spPr/>
+        <p:txBody>
+          <a:bodyPr>
+            <a:normAutofit/>
+          </a:bodyPr>
+          <a:lstStyle/>
+          <a:p>
+            <a:pPr algn="just"/>
+            <a:r>
+              <a:rPr lang="en-US" sz="1800" dirty="0">
+                <a:latin typeface="Porto Sans Light (corpo)"/>
+              </a:rPr>
+              <a:t>Constructive heuristics generate a solution by iteratively adding an element to the solution until an admissible solution is generated.</a:t>
+            </a:r>
+          </a:p>
+          <a:p>
+            <a:pPr algn="just"/>
+            <a:r>
+              <a:rPr lang="en-US" sz="1800" b="0" i="0" dirty="0">
+                <a:effectLst/>
+                <a:latin typeface="Porto Sans Light (corpo)"/>
+              </a:rPr>
+              <a:t>In the case of the Constructive Heuristic, it was decided to allocate customers to facilities, promoting an allocation criterion based on the lowest ratio between the cost of opening a Facility and the Facility’s initial capacity.</a:t>
+            </a:r>
+          </a:p>
+          <a:p>
+            <a:pPr algn="just"/>
+            <a:r>
+              <a:rPr lang="en-US" sz="1800" dirty="0">
+                <a:latin typeface="Porto Sans Light (corpo)"/>
+              </a:rPr>
+              <a:t>In the case of greedy heuristics, the choice of the next element to be inserted in the solution is done by what most favors the objective of the problem in the time.</a:t>
+            </a:r>
+            <a:endParaRPr lang="pt-PT" sz="1800" dirty="0">
+              <a:latin typeface="Porto Sans Light (corpo)"/>
+            </a:endParaRPr>
+          </a:p>
+        </p:txBody>
+      </p:sp>
+    </p:spTree>
+    <p:extLst>
+      <p:ext uri="{BB962C8B-B14F-4D97-AF65-F5344CB8AC3E}">
+        <p14:creationId xmlns:p14="http://schemas.microsoft.com/office/powerpoint/2010/main" val="4178277529"/>
       </p:ext>
     </p:extLst>
   </p:cSld>

--- a/P_POINT_SO.pptx
+++ b/P_POINT_SO.pptx
@@ -5,7 +5,7 @@
     <p:sldMasterId id="2147483660" r:id="rId1"/>
   </p:sldMasterIdLst>
   <p:notesMasterIdLst>
-    <p:notesMasterId r:id="rId18"/>
+    <p:notesMasterId r:id="rId21"/>
   </p:notesMasterIdLst>
   <p:sldIdLst>
     <p:sldId id="369" r:id="rId2"/>
@@ -21,9 +21,12 @@
     <p:sldId id="377" r:id="rId12"/>
     <p:sldId id="373" r:id="rId13"/>
     <p:sldId id="382" r:id="rId14"/>
-    <p:sldId id="383" r:id="rId15"/>
-    <p:sldId id="374" r:id="rId16"/>
-    <p:sldId id="359" r:id="rId17"/>
+    <p:sldId id="384" r:id="rId15"/>
+    <p:sldId id="385" r:id="rId16"/>
+    <p:sldId id="383" r:id="rId17"/>
+    <p:sldId id="386" r:id="rId18"/>
+    <p:sldId id="374" r:id="rId19"/>
+    <p:sldId id="359" r:id="rId20"/>
   </p:sldIdLst>
   <p:sldSz cx="9144000" cy="6858000" type="screen4x3"/>
   <p:notesSz cx="6858000" cy="9144000"/>
@@ -237,7 +240,7 @@
           <a:p>
             <a:fld id="{0FF640A4-F258-4979-A828-AC330B9379A5}" type="datetimeFigureOut">
               <a:rPr lang="pt-PT" smtClean="0"/>
-              <a:t>07/06/2023</a:t>
+              <a:t>08/06/2023</a:t>
             </a:fld>
             <a:endParaRPr lang="pt-PT"/>
           </a:p>
@@ -749,7 +752,7 @@
                 </a:solidFill>
               </a:rPr>
               <a:pPr/>
-              <a:t>6/7/2023</a:t>
+              <a:t>6/8/2023</a:t>
             </a:fld>
             <a:endParaRPr lang="en-US">
               <a:solidFill>
@@ -951,7 +954,7 @@
                 </a:solidFill>
               </a:rPr>
               <a:pPr/>
-              <a:t>6/7/2023</a:t>
+              <a:t>6/8/2023</a:t>
             </a:fld>
             <a:endParaRPr lang="en-US">
               <a:solidFill>
@@ -1163,7 +1166,7 @@
                 </a:solidFill>
               </a:rPr>
               <a:pPr/>
-              <a:t>6/7/2023</a:t>
+              <a:t>6/8/2023</a:t>
             </a:fld>
             <a:endParaRPr lang="en-US">
               <a:solidFill>
@@ -1459,7 +1462,7 @@
                 </a:solidFill>
               </a:rPr>
               <a:pPr/>
-              <a:t>6/7/2023</a:t>
+              <a:t>6/8/2023</a:t>
             </a:fld>
             <a:endParaRPr lang="en-US" dirty="0">
               <a:solidFill>
@@ -1737,7 +1740,7 @@
                 </a:solidFill>
               </a:rPr>
               <a:pPr/>
-              <a:t>6/7/2023</a:t>
+              <a:t>6/8/2023</a:t>
             </a:fld>
             <a:endParaRPr lang="en-US">
               <a:solidFill>
@@ -2057,7 +2060,7 @@
                 </a:solidFill>
               </a:rPr>
               <a:pPr/>
-              <a:t>6/7/2023</a:t>
+              <a:t>6/8/2023</a:t>
             </a:fld>
             <a:endParaRPr lang="en-US">
               <a:solidFill>
@@ -2511,7 +2514,7 @@
                 </a:solidFill>
               </a:rPr>
               <a:pPr/>
-              <a:t>6/7/2023</a:t>
+              <a:t>6/8/2023</a:t>
             </a:fld>
             <a:endParaRPr lang="en-US">
               <a:solidFill>
@@ -2661,7 +2664,7 @@
                 </a:solidFill>
               </a:rPr>
               <a:pPr/>
-              <a:t>6/7/2023</a:t>
+              <a:t>6/8/2023</a:t>
             </a:fld>
             <a:endParaRPr lang="en-US">
               <a:solidFill>
@@ -2788,7 +2791,7 @@
                 </a:solidFill>
               </a:rPr>
               <a:pPr/>
-              <a:t>6/7/2023</a:t>
+              <a:t>6/8/2023</a:t>
             </a:fld>
             <a:endParaRPr lang="en-US">
               <a:solidFill>
@@ -3097,7 +3100,7 @@
                 </a:solidFill>
               </a:rPr>
               <a:pPr/>
-              <a:t>6/7/2023</a:t>
+              <a:t>6/8/2023</a:t>
             </a:fld>
             <a:endParaRPr lang="en-US">
               <a:solidFill>
@@ -3382,7 +3385,7 @@
                 </a:solidFill>
               </a:rPr>
               <a:pPr/>
-              <a:t>6/7/2023</a:t>
+              <a:t>6/8/2023</a:t>
             </a:fld>
             <a:endParaRPr lang="en-US">
               <a:solidFill>
@@ -3631,7 +3634,7 @@
                 </a:solidFill>
               </a:rPr>
               <a:pPr defTabSz="457200"/>
-              <a:t>6/7/2023</a:t>
+              <a:t>6/8/2023</a:t>
             </a:fld>
             <a:endParaRPr lang="en-US">
               <a:solidFill>
@@ -7584,8 +7587,318 @@
         </p:nvSpPr>
         <p:spPr/>
         <p:txBody>
-          <a:bodyPr/>
+          <a:bodyPr>
+            <a:normAutofit fontScale="55000" lnSpcReduction="20000"/>
+          </a:bodyPr>
           <a:lstStyle/>
+          <a:p>
+            <a:r>
+              <a:rPr lang="pt-PT" dirty="0" err="1"/>
+              <a:t>Delmaire</a:t>
+            </a:r>
+            <a:r>
+              <a:rPr lang="pt-PT" dirty="0"/>
+              <a:t>:</a:t>
+            </a:r>
+          </a:p>
+          <a:p>
+            <a:pPr lvl="1"/>
+            <a:r>
+              <a:rPr lang="pt-PT" dirty="0"/>
+              <a:t>Gap </a:t>
+            </a:r>
+            <a:r>
+              <a:rPr lang="pt-PT" dirty="0" err="1"/>
+              <a:t>between</a:t>
+            </a:r>
+            <a:r>
+              <a:rPr lang="pt-PT" dirty="0"/>
+              <a:t> 6.853 </a:t>
+            </a:r>
+            <a:r>
+              <a:rPr lang="pt-PT" dirty="0" err="1"/>
+              <a:t>and</a:t>
+            </a:r>
+            <a:r>
+              <a:rPr lang="pt-PT" dirty="0"/>
+              <a:t> 69.391</a:t>
+            </a:r>
+          </a:p>
+          <a:p>
+            <a:pPr lvl="1"/>
+            <a:r>
+              <a:rPr lang="pt-PT" dirty="0"/>
+              <a:t>Time </a:t>
+            </a:r>
+            <a:r>
+              <a:rPr lang="pt-PT" dirty="0" err="1"/>
+              <a:t>between</a:t>
+            </a:r>
+            <a:r>
+              <a:rPr lang="pt-PT" dirty="0"/>
+              <a:t> 0.147 </a:t>
+            </a:r>
+            <a:r>
+              <a:rPr lang="pt-PT" dirty="0" err="1"/>
+              <a:t>and</a:t>
+            </a:r>
+            <a:r>
+              <a:rPr lang="pt-PT" dirty="0"/>
+              <a:t> 0.962</a:t>
+            </a:r>
+          </a:p>
+          <a:p>
+            <a:r>
+              <a:rPr lang="pt-PT" dirty="0" err="1"/>
+              <a:t>Holmberg</a:t>
+            </a:r>
+            <a:r>
+              <a:rPr lang="pt-PT" dirty="0"/>
+              <a:t>:</a:t>
+            </a:r>
+          </a:p>
+          <a:p>
+            <a:pPr lvl="1"/>
+            <a:r>
+              <a:rPr lang="pt-PT" dirty="0"/>
+              <a:t>Gap </a:t>
+            </a:r>
+            <a:r>
+              <a:rPr lang="pt-PT" dirty="0" err="1"/>
+              <a:t>between</a:t>
+            </a:r>
+            <a:r>
+              <a:rPr lang="pt-PT" dirty="0"/>
+              <a:t> 40.570 </a:t>
+            </a:r>
+            <a:r>
+              <a:rPr lang="pt-PT" dirty="0" err="1"/>
+              <a:t>and</a:t>
+            </a:r>
+            <a:r>
+              <a:rPr lang="pt-PT" dirty="0"/>
+              <a:t> 967.445</a:t>
+            </a:r>
+          </a:p>
+          <a:p>
+            <a:pPr lvl="1"/>
+            <a:r>
+              <a:rPr lang="pt-PT" dirty="0"/>
+              <a:t>Time </a:t>
+            </a:r>
+            <a:r>
+              <a:rPr lang="pt-PT" dirty="0" err="1"/>
+              <a:t>between</a:t>
+            </a:r>
+            <a:r>
+              <a:rPr lang="pt-PT" dirty="0"/>
+              <a:t> 0.386 </a:t>
+            </a:r>
+            <a:r>
+              <a:rPr lang="pt-PT" dirty="0" err="1"/>
+              <a:t>and</a:t>
+            </a:r>
+            <a:r>
+              <a:rPr lang="pt-PT" dirty="0"/>
+              <a:t> 2.273</a:t>
+            </a:r>
+          </a:p>
+          <a:p>
+            <a:r>
+              <a:rPr lang="pt-PT" dirty="0"/>
+              <a:t>OR-</a:t>
+            </a:r>
+            <a:r>
+              <a:rPr lang="pt-PT" dirty="0" err="1"/>
+              <a:t>Library</a:t>
+            </a:r>
+            <a:r>
+              <a:rPr lang="pt-PT" dirty="0"/>
+              <a:t> (9 OS out </a:t>
+            </a:r>
+            <a:r>
+              <a:rPr lang="pt-PT" dirty="0" err="1"/>
+              <a:t>of</a:t>
+            </a:r>
+            <a:r>
+              <a:rPr lang="pt-PT" dirty="0"/>
+              <a:t> </a:t>
+            </a:r>
+            <a:r>
+              <a:rPr lang="pt-PT" u="sng" dirty="0"/>
+              <a:t>36</a:t>
+            </a:r>
+            <a:r>
+              <a:rPr lang="pt-PT" dirty="0"/>
+              <a:t>)</a:t>
+            </a:r>
+          </a:p>
+          <a:p>
+            <a:pPr lvl="1"/>
+            <a:r>
+              <a:rPr lang="pt-PT" dirty="0"/>
+              <a:t>Gap </a:t>
+            </a:r>
+            <a:r>
+              <a:rPr lang="pt-PT" dirty="0" err="1"/>
+              <a:t>between</a:t>
+            </a:r>
+            <a:r>
+              <a:rPr lang="pt-PT" dirty="0"/>
+              <a:t> 20.596 </a:t>
+            </a:r>
+            <a:r>
+              <a:rPr lang="pt-PT" dirty="0" err="1"/>
+              <a:t>and</a:t>
+            </a:r>
+            <a:r>
+              <a:rPr lang="pt-PT" dirty="0"/>
+              <a:t> 197.881</a:t>
+            </a:r>
+          </a:p>
+          <a:p>
+            <a:pPr lvl="1"/>
+            <a:r>
+              <a:rPr lang="pt-PT" dirty="0"/>
+              <a:t>Time </a:t>
+            </a:r>
+            <a:r>
+              <a:rPr lang="pt-PT" dirty="0" err="1"/>
+              <a:t>between</a:t>
+            </a:r>
+            <a:r>
+              <a:rPr lang="pt-PT" dirty="0"/>
+              <a:t> 0.151 </a:t>
+            </a:r>
+            <a:r>
+              <a:rPr lang="pt-PT" dirty="0" err="1"/>
+              <a:t>and</a:t>
+            </a:r>
+            <a:r>
+              <a:rPr lang="pt-PT" dirty="0"/>
+              <a:t> 38.465</a:t>
+            </a:r>
+          </a:p>
+          <a:p>
+            <a:r>
+              <a:rPr lang="pt-PT" dirty="0"/>
+              <a:t>Yang (9 OS out </a:t>
+            </a:r>
+            <a:r>
+              <a:rPr lang="pt-PT" dirty="0" err="1"/>
+              <a:t>of</a:t>
+            </a:r>
+            <a:r>
+              <a:rPr lang="pt-PT" dirty="0"/>
+              <a:t> 20)</a:t>
+            </a:r>
+          </a:p>
+          <a:p>
+            <a:pPr lvl="1"/>
+            <a:r>
+              <a:rPr lang="pt-PT" dirty="0"/>
+              <a:t>Gap </a:t>
+            </a:r>
+            <a:r>
+              <a:rPr lang="pt-PT" dirty="0" err="1"/>
+              <a:t>between</a:t>
+            </a:r>
+            <a:r>
+              <a:rPr lang="pt-PT" dirty="0"/>
+              <a:t> 47.066 </a:t>
+            </a:r>
+            <a:r>
+              <a:rPr lang="pt-PT" dirty="0" err="1"/>
+              <a:t>and</a:t>
+            </a:r>
+            <a:r>
+              <a:rPr lang="pt-PT" dirty="0"/>
+              <a:t> 87.332</a:t>
+            </a:r>
+          </a:p>
+          <a:p>
+            <a:pPr lvl="1"/>
+            <a:r>
+              <a:rPr lang="pt-PT" dirty="0"/>
+              <a:t>Time </a:t>
+            </a:r>
+            <a:r>
+              <a:rPr lang="pt-PT" dirty="0" err="1"/>
+              <a:t>between</a:t>
+            </a:r>
+            <a:r>
+              <a:rPr lang="pt-PT" dirty="0"/>
+              <a:t> 1.459 </a:t>
+            </a:r>
+            <a:r>
+              <a:rPr lang="pt-PT" dirty="0" err="1"/>
+              <a:t>and</a:t>
+            </a:r>
+            <a:r>
+              <a:rPr lang="pt-PT" dirty="0"/>
+              <a:t> 6.131</a:t>
+            </a:r>
+          </a:p>
+          <a:p>
+            <a:r>
+              <a:rPr lang="pt-PT" dirty="0"/>
+              <a:t>TBED1 (0 OS out </a:t>
+            </a:r>
+            <a:r>
+              <a:rPr lang="pt-PT" dirty="0" err="1"/>
+              <a:t>of</a:t>
+            </a:r>
+            <a:r>
+              <a:rPr lang="pt-PT" dirty="0"/>
+              <a:t> 60)</a:t>
+            </a:r>
+          </a:p>
+          <a:p>
+            <a:pPr lvl="1"/>
+            <a:r>
+              <a:rPr lang="pt-PT" dirty="0"/>
+              <a:t>Gap </a:t>
+            </a:r>
+            <a:r>
+              <a:rPr lang="pt-PT" dirty="0" err="1"/>
+              <a:t>between</a:t>
+            </a:r>
+            <a:r>
+              <a:rPr lang="pt-PT" dirty="0"/>
+              <a:t> 138.103 </a:t>
+            </a:r>
+            <a:r>
+              <a:rPr lang="pt-PT" dirty="0" err="1"/>
+              <a:t>and</a:t>
+            </a:r>
+            <a:r>
+              <a:rPr lang="pt-PT" dirty="0"/>
+              <a:t> 935.264</a:t>
+            </a:r>
+          </a:p>
+          <a:p>
+            <a:pPr lvl="1"/>
+            <a:r>
+              <a:rPr lang="pt-PT" dirty="0"/>
+              <a:t>Time </a:t>
+            </a:r>
+            <a:r>
+              <a:rPr lang="pt-PT" dirty="0" err="1"/>
+              <a:t>between</a:t>
+            </a:r>
+            <a:r>
+              <a:rPr lang="pt-PT" dirty="0"/>
+              <a:t> 3.461 </a:t>
+            </a:r>
+            <a:r>
+              <a:rPr lang="pt-PT" dirty="0" err="1"/>
+              <a:t>and</a:t>
+            </a:r>
+            <a:r>
+              <a:rPr lang="pt-PT" dirty="0"/>
+              <a:t> 335.711 </a:t>
+            </a:r>
+          </a:p>
           <a:p>
             <a:endParaRPr lang="pt-PT" dirty="0"/>
           </a:p>
@@ -7605,6 +7918,857 @@
 </file>
 
 <file path=ppt/slides/slide14.xml><?xml version="1.0" encoding="utf-8"?>
+<p:sld xmlns:a="http://schemas.openxmlformats.org/drawingml/2006/main" xmlns:r="http://schemas.openxmlformats.org/officeDocument/2006/relationships" xmlns:p="http://schemas.openxmlformats.org/presentationml/2006/main">
+  <p:cSld>
+    <p:spTree>
+      <p:nvGrpSpPr>
+        <p:cNvPr id="1" name=""/>
+        <p:cNvGrpSpPr/>
+        <p:nvPr/>
+      </p:nvGrpSpPr>
+      <p:grpSpPr>
+        <a:xfrm>
+          <a:off x="0" y="0"/>
+          <a:ext cx="0" cy="0"/>
+          <a:chOff x="0" y="0"/>
+          <a:chExt cx="0" cy="0"/>
+        </a:xfrm>
+      </p:grpSpPr>
+      <p:sp>
+        <p:nvSpPr>
+          <p:cNvPr id="2" name="Título 1">
+            <a:extLst>
+              <a:ext uri="{FF2B5EF4-FFF2-40B4-BE49-F238E27FC236}">
+                <a16:creationId xmlns:a16="http://schemas.microsoft.com/office/drawing/2014/main" id="{04E4B5AE-7F82-3BFF-C656-BDBEBAC95271}"/>
+              </a:ext>
+            </a:extLst>
+          </p:cNvPr>
+          <p:cNvSpPr>
+            <a:spLocks noGrp="1"/>
+          </p:cNvSpPr>
+          <p:nvPr>
+            <p:ph type="title"/>
+          </p:nvPr>
+        </p:nvSpPr>
+        <p:spPr/>
+        <p:txBody>
+          <a:bodyPr>
+            <a:normAutofit fontScale="90000"/>
+          </a:bodyPr>
+          <a:lstStyle/>
+          <a:p>
+            <a:r>
+              <a:rPr lang="pt-PT" dirty="0" err="1"/>
+              <a:t>Results</a:t>
+            </a:r>
+            <a:r>
+              <a:rPr lang="pt-PT" dirty="0"/>
+              <a:t> </a:t>
+            </a:r>
+            <a:r>
+              <a:rPr lang="pt-PT" dirty="0" err="1"/>
+              <a:t>of</a:t>
+            </a:r>
+            <a:r>
+              <a:rPr lang="pt-PT" dirty="0"/>
+              <a:t> </a:t>
+            </a:r>
+            <a:r>
+              <a:rPr lang="pt-PT" dirty="0" err="1"/>
+              <a:t>the</a:t>
+            </a:r>
+            <a:r>
+              <a:rPr lang="pt-PT" dirty="0"/>
+              <a:t> Local </a:t>
+            </a:r>
+            <a:r>
+              <a:rPr lang="pt-PT" dirty="0" err="1"/>
+              <a:t>Search</a:t>
+            </a:r>
+            <a:r>
+              <a:rPr lang="pt-PT" dirty="0"/>
+              <a:t> Shift</a:t>
+            </a:r>
+          </a:p>
+        </p:txBody>
+      </p:sp>
+      <p:sp>
+        <p:nvSpPr>
+          <p:cNvPr id="3" name="Marcador de Posição de Conteúdo 2">
+            <a:extLst>
+              <a:ext uri="{FF2B5EF4-FFF2-40B4-BE49-F238E27FC236}">
+                <a16:creationId xmlns:a16="http://schemas.microsoft.com/office/drawing/2014/main" id="{D0EE71FC-D94D-00ED-191F-1FA4CC307E9B}"/>
+              </a:ext>
+            </a:extLst>
+          </p:cNvPr>
+          <p:cNvSpPr>
+            <a:spLocks noGrp="1"/>
+          </p:cNvSpPr>
+          <p:nvPr>
+            <p:ph idx="1"/>
+          </p:nvPr>
+        </p:nvSpPr>
+        <p:spPr/>
+        <p:txBody>
+          <a:bodyPr>
+            <a:normAutofit fontScale="55000" lnSpcReduction="20000"/>
+          </a:bodyPr>
+          <a:lstStyle/>
+          <a:p>
+            <a:r>
+              <a:rPr lang="pt-PT" dirty="0" err="1"/>
+              <a:t>Delmaire</a:t>
+            </a:r>
+            <a:r>
+              <a:rPr lang="pt-PT" dirty="0"/>
+              <a:t>:</a:t>
+            </a:r>
+          </a:p>
+          <a:p>
+            <a:pPr lvl="1"/>
+            <a:r>
+              <a:rPr lang="pt-PT" dirty="0"/>
+              <a:t>Gap </a:t>
+            </a:r>
+            <a:r>
+              <a:rPr lang="pt-PT" dirty="0" err="1"/>
+              <a:t>between</a:t>
+            </a:r>
+            <a:r>
+              <a:rPr lang="pt-PT" dirty="0"/>
+              <a:t> 5.949 </a:t>
+            </a:r>
+            <a:r>
+              <a:rPr lang="pt-PT" dirty="0" err="1"/>
+              <a:t>and</a:t>
+            </a:r>
+            <a:r>
+              <a:rPr lang="pt-PT" dirty="0"/>
+              <a:t> 49.677</a:t>
+            </a:r>
+          </a:p>
+          <a:p>
+            <a:pPr lvl="1"/>
+            <a:r>
+              <a:rPr lang="pt-PT" dirty="0"/>
+              <a:t>Time </a:t>
+            </a:r>
+            <a:r>
+              <a:rPr lang="pt-PT" dirty="0" err="1"/>
+              <a:t>between</a:t>
+            </a:r>
+            <a:r>
+              <a:rPr lang="pt-PT" dirty="0"/>
+              <a:t> 0.049 </a:t>
+            </a:r>
+            <a:r>
+              <a:rPr lang="pt-PT" dirty="0" err="1"/>
+              <a:t>and</a:t>
+            </a:r>
+            <a:r>
+              <a:rPr lang="pt-PT" dirty="0"/>
+              <a:t> 0.427</a:t>
+            </a:r>
+          </a:p>
+          <a:p>
+            <a:r>
+              <a:rPr lang="pt-PT" dirty="0" err="1"/>
+              <a:t>Holmberg</a:t>
+            </a:r>
+            <a:r>
+              <a:rPr lang="pt-PT" dirty="0"/>
+              <a:t>:</a:t>
+            </a:r>
+          </a:p>
+          <a:p>
+            <a:pPr lvl="1"/>
+            <a:r>
+              <a:rPr lang="pt-PT" dirty="0"/>
+              <a:t>Gap </a:t>
+            </a:r>
+            <a:r>
+              <a:rPr lang="pt-PT" dirty="0" err="1"/>
+              <a:t>between</a:t>
+            </a:r>
+            <a:r>
+              <a:rPr lang="pt-PT" dirty="0"/>
+              <a:t> 38.231 </a:t>
+            </a:r>
+            <a:r>
+              <a:rPr lang="pt-PT" dirty="0" err="1"/>
+              <a:t>and</a:t>
+            </a:r>
+            <a:r>
+              <a:rPr lang="pt-PT" dirty="0"/>
+              <a:t> 967.445</a:t>
+            </a:r>
+          </a:p>
+          <a:p>
+            <a:pPr lvl="1"/>
+            <a:r>
+              <a:rPr lang="pt-PT" dirty="0"/>
+              <a:t>Time </a:t>
+            </a:r>
+            <a:r>
+              <a:rPr lang="pt-PT" dirty="0" err="1"/>
+              <a:t>between</a:t>
+            </a:r>
+            <a:r>
+              <a:rPr lang="pt-PT" dirty="0"/>
+              <a:t> 0.070 </a:t>
+            </a:r>
+            <a:r>
+              <a:rPr lang="pt-PT" dirty="0" err="1"/>
+              <a:t>and</a:t>
+            </a:r>
+            <a:r>
+              <a:rPr lang="pt-PT" dirty="0"/>
+              <a:t> 1.045</a:t>
+            </a:r>
+          </a:p>
+          <a:p>
+            <a:r>
+              <a:rPr lang="pt-PT" dirty="0"/>
+              <a:t>OR-</a:t>
+            </a:r>
+            <a:r>
+              <a:rPr lang="pt-PT" dirty="0" err="1"/>
+              <a:t>Library</a:t>
+            </a:r>
+            <a:r>
+              <a:rPr lang="pt-PT" dirty="0"/>
+              <a:t> (9 OS out </a:t>
+            </a:r>
+            <a:r>
+              <a:rPr lang="pt-PT" dirty="0" err="1"/>
+              <a:t>of</a:t>
+            </a:r>
+            <a:r>
+              <a:rPr lang="pt-PT" dirty="0"/>
+              <a:t> </a:t>
+            </a:r>
+            <a:r>
+              <a:rPr lang="pt-PT" u="sng" dirty="0"/>
+              <a:t>36</a:t>
+            </a:r>
+            <a:r>
+              <a:rPr lang="pt-PT" dirty="0"/>
+              <a:t>)</a:t>
+            </a:r>
+          </a:p>
+          <a:p>
+            <a:pPr lvl="1"/>
+            <a:r>
+              <a:rPr lang="pt-PT" dirty="0"/>
+              <a:t>Gap </a:t>
+            </a:r>
+            <a:r>
+              <a:rPr lang="pt-PT" dirty="0" err="1"/>
+              <a:t>between</a:t>
+            </a:r>
+            <a:r>
+              <a:rPr lang="pt-PT" dirty="0"/>
+              <a:t> 20.596 </a:t>
+            </a:r>
+            <a:r>
+              <a:rPr lang="pt-PT" dirty="0" err="1"/>
+              <a:t>and</a:t>
+            </a:r>
+            <a:r>
+              <a:rPr lang="pt-PT" dirty="0"/>
+              <a:t> 181.168</a:t>
+            </a:r>
+          </a:p>
+          <a:p>
+            <a:pPr lvl="1"/>
+            <a:r>
+              <a:rPr lang="pt-PT" dirty="0"/>
+              <a:t>Time </a:t>
+            </a:r>
+            <a:r>
+              <a:rPr lang="pt-PT" dirty="0" err="1"/>
+              <a:t>between</a:t>
+            </a:r>
+            <a:r>
+              <a:rPr lang="pt-PT" dirty="0"/>
+              <a:t> 0.071 </a:t>
+            </a:r>
+            <a:r>
+              <a:rPr lang="pt-PT" dirty="0" err="1"/>
+              <a:t>and</a:t>
+            </a:r>
+            <a:r>
+              <a:rPr lang="pt-PT" dirty="0"/>
+              <a:t> 11.022</a:t>
+            </a:r>
+          </a:p>
+          <a:p>
+            <a:r>
+              <a:rPr lang="pt-PT" dirty="0"/>
+              <a:t>Yang (9 OS out </a:t>
+            </a:r>
+            <a:r>
+              <a:rPr lang="pt-PT" dirty="0" err="1"/>
+              <a:t>of</a:t>
+            </a:r>
+            <a:r>
+              <a:rPr lang="pt-PT" dirty="0"/>
+              <a:t> 20)</a:t>
+            </a:r>
+          </a:p>
+          <a:p>
+            <a:pPr lvl="1"/>
+            <a:r>
+              <a:rPr lang="pt-PT" dirty="0"/>
+              <a:t>Gap </a:t>
+            </a:r>
+            <a:r>
+              <a:rPr lang="pt-PT" dirty="0" err="1"/>
+              <a:t>between</a:t>
+            </a:r>
+            <a:r>
+              <a:rPr lang="pt-PT" dirty="0"/>
+              <a:t> 32.868 </a:t>
+            </a:r>
+            <a:r>
+              <a:rPr lang="pt-PT" dirty="0" err="1"/>
+              <a:t>and</a:t>
+            </a:r>
+            <a:r>
+              <a:rPr lang="pt-PT" dirty="0"/>
+              <a:t> 70.159</a:t>
+            </a:r>
+          </a:p>
+          <a:p>
+            <a:pPr lvl="1"/>
+            <a:r>
+              <a:rPr lang="pt-PT" dirty="0"/>
+              <a:t>Time </a:t>
+            </a:r>
+            <a:r>
+              <a:rPr lang="pt-PT" dirty="0" err="1"/>
+              <a:t>between</a:t>
+            </a:r>
+            <a:r>
+              <a:rPr lang="pt-PT" dirty="0"/>
+              <a:t> 0.571 </a:t>
+            </a:r>
+            <a:r>
+              <a:rPr lang="pt-PT" dirty="0" err="1"/>
+              <a:t>and</a:t>
+            </a:r>
+            <a:r>
+              <a:rPr lang="pt-PT" dirty="0"/>
+              <a:t> 2.791</a:t>
+            </a:r>
+          </a:p>
+          <a:p>
+            <a:r>
+              <a:rPr lang="pt-PT" dirty="0"/>
+              <a:t>TBED1 (0 OS out </a:t>
+            </a:r>
+            <a:r>
+              <a:rPr lang="pt-PT" dirty="0" err="1"/>
+              <a:t>of</a:t>
+            </a:r>
+            <a:r>
+              <a:rPr lang="pt-PT" dirty="0"/>
+              <a:t> 60)</a:t>
+            </a:r>
+          </a:p>
+          <a:p>
+            <a:pPr lvl="1"/>
+            <a:r>
+              <a:rPr lang="pt-PT" dirty="0"/>
+              <a:t>Gap </a:t>
+            </a:r>
+            <a:r>
+              <a:rPr lang="pt-PT" dirty="0" err="1"/>
+              <a:t>between</a:t>
+            </a:r>
+            <a:r>
+              <a:rPr lang="pt-PT" dirty="0"/>
+              <a:t> 103.657 </a:t>
+            </a:r>
+            <a:r>
+              <a:rPr lang="pt-PT" dirty="0" err="1"/>
+              <a:t>and</a:t>
+            </a:r>
+            <a:r>
+              <a:rPr lang="pt-PT" dirty="0"/>
+              <a:t> 891.159</a:t>
+            </a:r>
+          </a:p>
+          <a:p>
+            <a:pPr lvl="1"/>
+            <a:r>
+              <a:rPr lang="pt-PT" dirty="0"/>
+              <a:t>Time </a:t>
+            </a:r>
+            <a:r>
+              <a:rPr lang="pt-PT" dirty="0" err="1"/>
+              <a:t>between</a:t>
+            </a:r>
+            <a:r>
+              <a:rPr lang="pt-PT" dirty="0"/>
+              <a:t> 103.051 </a:t>
+            </a:r>
+            <a:r>
+              <a:rPr lang="pt-PT" dirty="0" err="1"/>
+              <a:t>and</a:t>
+            </a:r>
+            <a:r>
+              <a:rPr lang="pt-PT" dirty="0"/>
+              <a:t> 4.188</a:t>
+            </a:r>
+          </a:p>
+          <a:p>
+            <a:endParaRPr lang="pt-PT" dirty="0"/>
+          </a:p>
+        </p:txBody>
+      </p:sp>
+    </p:spTree>
+    <p:extLst>
+      <p:ext uri="{BB962C8B-B14F-4D97-AF65-F5344CB8AC3E}">
+        <p14:creationId xmlns:p14="http://schemas.microsoft.com/office/powerpoint/2010/main" val="2908959682"/>
+      </p:ext>
+    </p:extLst>
+  </p:cSld>
+  <p:clrMapOvr>
+    <a:masterClrMapping/>
+  </p:clrMapOvr>
+</p:sld>
+</file>
+
+<file path=ppt/slides/slide15.xml><?xml version="1.0" encoding="utf-8"?>
+<p:sld xmlns:a="http://schemas.openxmlformats.org/drawingml/2006/main" xmlns:r="http://schemas.openxmlformats.org/officeDocument/2006/relationships" xmlns:p="http://schemas.openxmlformats.org/presentationml/2006/main">
+  <p:cSld>
+    <p:spTree>
+      <p:nvGrpSpPr>
+        <p:cNvPr id="1" name=""/>
+        <p:cNvGrpSpPr/>
+        <p:nvPr/>
+      </p:nvGrpSpPr>
+      <p:grpSpPr>
+        <a:xfrm>
+          <a:off x="0" y="0"/>
+          <a:ext cx="0" cy="0"/>
+          <a:chOff x="0" y="0"/>
+          <a:chExt cx="0" cy="0"/>
+        </a:xfrm>
+      </p:grpSpPr>
+      <p:sp>
+        <p:nvSpPr>
+          <p:cNvPr id="2" name="Título 1">
+            <a:extLst>
+              <a:ext uri="{FF2B5EF4-FFF2-40B4-BE49-F238E27FC236}">
+                <a16:creationId xmlns:a16="http://schemas.microsoft.com/office/drawing/2014/main" id="{04E4B5AE-7F82-3BFF-C656-BDBEBAC95271}"/>
+              </a:ext>
+            </a:extLst>
+          </p:cNvPr>
+          <p:cNvSpPr>
+            <a:spLocks noGrp="1"/>
+          </p:cNvSpPr>
+          <p:nvPr>
+            <p:ph type="title"/>
+          </p:nvPr>
+        </p:nvSpPr>
+        <p:spPr/>
+        <p:txBody>
+          <a:bodyPr>
+            <a:normAutofit fontScale="90000"/>
+          </a:bodyPr>
+          <a:lstStyle/>
+          <a:p>
+            <a:r>
+              <a:rPr lang="pt-PT" dirty="0" err="1"/>
+              <a:t>Results</a:t>
+            </a:r>
+            <a:r>
+              <a:rPr lang="pt-PT" dirty="0"/>
+              <a:t> </a:t>
+            </a:r>
+            <a:r>
+              <a:rPr lang="pt-PT" dirty="0" err="1"/>
+              <a:t>of</a:t>
+            </a:r>
+            <a:r>
+              <a:rPr lang="pt-PT" dirty="0"/>
+              <a:t> </a:t>
+            </a:r>
+            <a:r>
+              <a:rPr lang="pt-PT" dirty="0" err="1"/>
+              <a:t>the</a:t>
+            </a:r>
+            <a:r>
+              <a:rPr lang="pt-PT" dirty="0"/>
+              <a:t> Local </a:t>
+            </a:r>
+            <a:r>
+              <a:rPr lang="pt-PT" dirty="0" err="1"/>
+              <a:t>Search</a:t>
+            </a:r>
+            <a:r>
+              <a:rPr lang="pt-PT" dirty="0"/>
+              <a:t> </a:t>
+            </a:r>
+            <a:r>
+              <a:rPr lang="pt-PT" dirty="0" err="1"/>
+              <a:t>Swap</a:t>
+            </a:r>
+            <a:endParaRPr lang="pt-PT" dirty="0"/>
+          </a:p>
+        </p:txBody>
+      </p:sp>
+      <p:sp>
+        <p:nvSpPr>
+          <p:cNvPr id="3" name="Marcador de Posição de Conteúdo 2">
+            <a:extLst>
+              <a:ext uri="{FF2B5EF4-FFF2-40B4-BE49-F238E27FC236}">
+                <a16:creationId xmlns:a16="http://schemas.microsoft.com/office/drawing/2014/main" id="{D0EE71FC-D94D-00ED-191F-1FA4CC307E9B}"/>
+              </a:ext>
+            </a:extLst>
+          </p:cNvPr>
+          <p:cNvSpPr>
+            <a:spLocks noGrp="1"/>
+          </p:cNvSpPr>
+          <p:nvPr>
+            <p:ph idx="1"/>
+          </p:nvPr>
+        </p:nvSpPr>
+        <p:spPr/>
+        <p:txBody>
+          <a:bodyPr>
+            <a:normAutofit fontScale="55000" lnSpcReduction="20000"/>
+          </a:bodyPr>
+          <a:lstStyle/>
+          <a:p>
+            <a:r>
+              <a:rPr lang="pt-PT" dirty="0" err="1"/>
+              <a:t>Delmaire</a:t>
+            </a:r>
+            <a:r>
+              <a:rPr lang="pt-PT" dirty="0"/>
+              <a:t>:</a:t>
+            </a:r>
+          </a:p>
+          <a:p>
+            <a:pPr lvl="1"/>
+            <a:r>
+              <a:rPr lang="pt-PT" dirty="0"/>
+              <a:t>Gap </a:t>
+            </a:r>
+            <a:r>
+              <a:rPr lang="pt-PT" dirty="0" err="1"/>
+              <a:t>between</a:t>
+            </a:r>
+            <a:r>
+              <a:rPr lang="pt-PT" dirty="0"/>
+              <a:t> 2.165 </a:t>
+            </a:r>
+            <a:r>
+              <a:rPr lang="pt-PT" dirty="0" err="1"/>
+              <a:t>and</a:t>
+            </a:r>
+            <a:r>
+              <a:rPr lang="pt-PT" dirty="0"/>
+              <a:t> 32.991</a:t>
+            </a:r>
+          </a:p>
+          <a:p>
+            <a:pPr lvl="1"/>
+            <a:r>
+              <a:rPr lang="pt-PT" dirty="0"/>
+              <a:t>Time </a:t>
+            </a:r>
+            <a:r>
+              <a:rPr lang="pt-PT" dirty="0" err="1"/>
+              <a:t>between</a:t>
+            </a:r>
+            <a:r>
+              <a:rPr lang="pt-PT" dirty="0"/>
+              <a:t> 0.113 </a:t>
+            </a:r>
+            <a:r>
+              <a:rPr lang="pt-PT" dirty="0" err="1"/>
+              <a:t>and</a:t>
+            </a:r>
+            <a:r>
+              <a:rPr lang="pt-PT" dirty="0"/>
+              <a:t> 17.235</a:t>
+            </a:r>
+          </a:p>
+          <a:p>
+            <a:r>
+              <a:rPr lang="pt-PT" dirty="0" err="1"/>
+              <a:t>Holmberg</a:t>
+            </a:r>
+            <a:r>
+              <a:rPr lang="pt-PT" dirty="0"/>
+              <a:t>:</a:t>
+            </a:r>
+          </a:p>
+          <a:p>
+            <a:pPr lvl="1"/>
+            <a:r>
+              <a:rPr lang="pt-PT" dirty="0"/>
+              <a:t>Gap </a:t>
+            </a:r>
+            <a:r>
+              <a:rPr lang="pt-PT" dirty="0" err="1"/>
+              <a:t>between</a:t>
+            </a:r>
+            <a:r>
+              <a:rPr lang="pt-PT" dirty="0"/>
+              <a:t> 22.246 </a:t>
+            </a:r>
+            <a:r>
+              <a:rPr lang="pt-PT" dirty="0" err="1"/>
+              <a:t>and</a:t>
+            </a:r>
+            <a:r>
+              <a:rPr lang="pt-PT" dirty="0"/>
+              <a:t> 796.071</a:t>
+            </a:r>
+          </a:p>
+          <a:p>
+            <a:pPr lvl="1"/>
+            <a:r>
+              <a:rPr lang="pt-PT" dirty="0"/>
+              <a:t>Time </a:t>
+            </a:r>
+            <a:r>
+              <a:rPr lang="pt-PT" dirty="0" err="1"/>
+              <a:t>between</a:t>
+            </a:r>
+            <a:r>
+              <a:rPr lang="pt-PT" dirty="0"/>
+              <a:t> 1.184  </a:t>
+            </a:r>
+            <a:r>
+              <a:rPr lang="pt-PT" dirty="0" err="1"/>
+              <a:t>and</a:t>
+            </a:r>
+            <a:r>
+              <a:rPr lang="pt-PT" dirty="0"/>
+              <a:t> 164.174</a:t>
+            </a:r>
+          </a:p>
+          <a:p>
+            <a:r>
+              <a:rPr lang="pt-PT" dirty="0"/>
+              <a:t>OR-</a:t>
+            </a:r>
+            <a:r>
+              <a:rPr lang="pt-PT" dirty="0" err="1"/>
+              <a:t>Library</a:t>
+            </a:r>
+            <a:r>
+              <a:rPr lang="pt-PT" dirty="0"/>
+              <a:t> (9 OS out </a:t>
+            </a:r>
+            <a:r>
+              <a:rPr lang="pt-PT" dirty="0" err="1"/>
+              <a:t>of</a:t>
+            </a:r>
+            <a:r>
+              <a:rPr lang="pt-PT" dirty="0"/>
+              <a:t> </a:t>
+            </a:r>
+            <a:r>
+              <a:rPr lang="pt-PT" u="sng" dirty="0"/>
+              <a:t>36</a:t>
+            </a:r>
+            <a:r>
+              <a:rPr lang="pt-PT" dirty="0"/>
+              <a:t>)</a:t>
+            </a:r>
+          </a:p>
+          <a:p>
+            <a:pPr lvl="1"/>
+            <a:r>
+              <a:rPr lang="pt-PT" dirty="0"/>
+              <a:t>Gap </a:t>
+            </a:r>
+            <a:r>
+              <a:rPr lang="pt-PT" dirty="0" err="1"/>
+              <a:t>between</a:t>
+            </a:r>
+            <a:r>
+              <a:rPr lang="pt-PT" dirty="0"/>
+              <a:t> 20.596 </a:t>
+            </a:r>
+            <a:r>
+              <a:rPr lang="pt-PT" dirty="0" err="1"/>
+              <a:t>and</a:t>
+            </a:r>
+            <a:r>
+              <a:rPr lang="pt-PT" dirty="0"/>
+              <a:t> 90.992</a:t>
+            </a:r>
+          </a:p>
+          <a:p>
+            <a:pPr lvl="1"/>
+            <a:r>
+              <a:rPr lang="pt-PT" dirty="0"/>
+              <a:t>Time </a:t>
+            </a:r>
+            <a:r>
+              <a:rPr lang="pt-PT" dirty="0" err="1"/>
+              <a:t>between</a:t>
+            </a:r>
+            <a:r>
+              <a:rPr lang="pt-PT" dirty="0"/>
+              <a:t>  </a:t>
+            </a:r>
+            <a:r>
+              <a:rPr lang="pt-PT" dirty="0" err="1"/>
+              <a:t>and</a:t>
+            </a:r>
+            <a:r>
+              <a:rPr lang="pt-PT" dirty="0"/>
+              <a:t> 22156.194</a:t>
+            </a:r>
+          </a:p>
+          <a:p>
+            <a:r>
+              <a:rPr lang="pt-PT" dirty="0"/>
+              <a:t>Yang (9 OS out </a:t>
+            </a:r>
+            <a:r>
+              <a:rPr lang="pt-PT" dirty="0" err="1"/>
+              <a:t>of</a:t>
+            </a:r>
+            <a:r>
+              <a:rPr lang="pt-PT" dirty="0"/>
+              <a:t> 20)</a:t>
+            </a:r>
+          </a:p>
+          <a:p>
+            <a:pPr lvl="1"/>
+            <a:r>
+              <a:rPr lang="pt-PT" dirty="0"/>
+              <a:t>Gap </a:t>
+            </a:r>
+            <a:r>
+              <a:rPr lang="pt-PT" dirty="0" err="1"/>
+              <a:t>between</a:t>
+            </a:r>
+            <a:r>
+              <a:rPr lang="pt-PT" dirty="0"/>
+              <a:t> 10.054 </a:t>
+            </a:r>
+            <a:r>
+              <a:rPr lang="pt-PT" dirty="0" err="1"/>
+              <a:t>and</a:t>
+            </a:r>
+            <a:r>
+              <a:rPr lang="pt-PT" dirty="0"/>
+              <a:t> 29.627</a:t>
+            </a:r>
+          </a:p>
+          <a:p>
+            <a:pPr lvl="1"/>
+            <a:r>
+              <a:rPr lang="pt-PT" dirty="0"/>
+              <a:t>Time </a:t>
+            </a:r>
+            <a:r>
+              <a:rPr lang="pt-PT" dirty="0" err="1"/>
+              <a:t>between</a:t>
+            </a:r>
+            <a:r>
+              <a:rPr lang="pt-PT" dirty="0"/>
+              <a:t> 84.428 </a:t>
+            </a:r>
+            <a:r>
+              <a:rPr lang="pt-PT" dirty="0" err="1"/>
+              <a:t>and</a:t>
+            </a:r>
+            <a:r>
+              <a:rPr lang="pt-PT" dirty="0"/>
+              <a:t> 1029.903</a:t>
+            </a:r>
+          </a:p>
+          <a:p>
+            <a:r>
+              <a:rPr lang="pt-PT" dirty="0"/>
+              <a:t>TBED1 (0 OS out </a:t>
+            </a:r>
+            <a:r>
+              <a:rPr lang="pt-PT" dirty="0" err="1"/>
+              <a:t>of</a:t>
+            </a:r>
+            <a:r>
+              <a:rPr lang="pt-PT" dirty="0"/>
+              <a:t> 60)</a:t>
+            </a:r>
+          </a:p>
+          <a:p>
+            <a:pPr lvl="1"/>
+            <a:r>
+              <a:rPr lang="pt-PT" dirty="0"/>
+              <a:t>Gap </a:t>
+            </a:r>
+            <a:r>
+              <a:rPr lang="pt-PT" dirty="0" err="1"/>
+              <a:t>between</a:t>
+            </a:r>
+            <a:r>
+              <a:rPr lang="pt-PT" dirty="0"/>
+              <a:t> 21.465 </a:t>
+            </a:r>
+            <a:r>
+              <a:rPr lang="pt-PT" dirty="0" err="1"/>
+              <a:t>and</a:t>
+            </a:r>
+            <a:r>
+              <a:rPr lang="pt-PT" dirty="0"/>
+              <a:t> 486.662</a:t>
+            </a:r>
+          </a:p>
+          <a:p>
+            <a:pPr lvl="1"/>
+            <a:r>
+              <a:rPr lang="pt-PT" dirty="0"/>
+              <a:t>Time </a:t>
+            </a:r>
+            <a:r>
+              <a:rPr lang="pt-PT" dirty="0" err="1"/>
+              <a:t>between</a:t>
+            </a:r>
+            <a:r>
+              <a:rPr lang="pt-PT" dirty="0"/>
+              <a:t> 289.036 </a:t>
+            </a:r>
+            <a:r>
+              <a:rPr lang="pt-PT" dirty="0" err="1"/>
+              <a:t>and</a:t>
+            </a:r>
+            <a:r>
+              <a:rPr lang="pt-PT" dirty="0"/>
+              <a:t> 132175.172</a:t>
+            </a:r>
+          </a:p>
+          <a:p>
+            <a:endParaRPr lang="pt-PT" dirty="0"/>
+          </a:p>
+        </p:txBody>
+      </p:sp>
+    </p:spTree>
+    <p:extLst>
+      <p:ext uri="{BB962C8B-B14F-4D97-AF65-F5344CB8AC3E}">
+        <p14:creationId xmlns:p14="http://schemas.microsoft.com/office/powerpoint/2010/main" val="3048003526"/>
+      </p:ext>
+    </p:extLst>
+  </p:cSld>
+  <p:clrMapOvr>
+    <a:masterClrMapping/>
+  </p:clrMapOvr>
+</p:sld>
+</file>
+
+<file path=ppt/slides/slide16.xml><?xml version="1.0" encoding="utf-8"?>
 <p:sld xmlns:a="http://schemas.openxmlformats.org/drawingml/2006/main" xmlns:r="http://schemas.openxmlformats.org/officeDocument/2006/relationships" xmlns:p="http://schemas.openxmlformats.org/presentationml/2006/main">
   <p:cSld>
     <p:spTree>
@@ -7666,7 +8830,15 @@
             </a:r>
             <a:r>
               <a:rPr lang="pt-PT" dirty="0"/>
-              <a:t> GRASP</a:t>
+              <a:t> GRASP – Local </a:t>
+            </a:r>
+            <a:r>
+              <a:rPr lang="pt-PT" dirty="0" err="1"/>
+              <a:t>Search</a:t>
+            </a:r>
+            <a:r>
+              <a:rPr lang="pt-PT" dirty="0"/>
+              <a:t> Shift</a:t>
             </a:r>
           </a:p>
         </p:txBody>
@@ -7689,10 +8861,317 @@
         </p:nvSpPr>
         <p:spPr/>
         <p:txBody>
-          <a:bodyPr/>
+          <a:bodyPr>
+            <a:normAutofit fontScale="55000" lnSpcReduction="20000"/>
+          </a:bodyPr>
           <a:lstStyle/>
           <a:p>
-            <a:endParaRPr lang="pt-PT" dirty="0"/>
+            <a:r>
+              <a:rPr lang="pt-PT" dirty="0" err="1"/>
+              <a:t>Delmaire</a:t>
+            </a:r>
+            <a:r>
+              <a:rPr lang="pt-PT" dirty="0"/>
+              <a:t>:</a:t>
+            </a:r>
+          </a:p>
+          <a:p>
+            <a:pPr lvl="1"/>
+            <a:r>
+              <a:rPr lang="pt-PT" dirty="0"/>
+              <a:t>Gap </a:t>
+            </a:r>
+            <a:r>
+              <a:rPr lang="pt-PT" dirty="0" err="1"/>
+              <a:t>between</a:t>
+            </a:r>
+            <a:r>
+              <a:rPr lang="pt-PT" dirty="0"/>
+              <a:t> 1.398 </a:t>
+            </a:r>
+            <a:r>
+              <a:rPr lang="pt-PT" dirty="0" err="1"/>
+              <a:t>and</a:t>
+            </a:r>
+            <a:r>
+              <a:rPr lang="pt-PT" dirty="0"/>
+              <a:t> 34.360</a:t>
+            </a:r>
+          </a:p>
+          <a:p>
+            <a:pPr lvl="1"/>
+            <a:r>
+              <a:rPr lang="pt-PT" dirty="0"/>
+              <a:t>Time </a:t>
+            </a:r>
+            <a:r>
+              <a:rPr lang="pt-PT" dirty="0" err="1"/>
+              <a:t>between</a:t>
+            </a:r>
+            <a:r>
+              <a:rPr lang="pt-PT" dirty="0"/>
+              <a:t> 0.636 </a:t>
+            </a:r>
+            <a:r>
+              <a:rPr lang="pt-PT" dirty="0" err="1"/>
+              <a:t>and</a:t>
+            </a:r>
+            <a:r>
+              <a:rPr lang="pt-PT" dirty="0"/>
+              <a:t> 2.566</a:t>
+            </a:r>
+          </a:p>
+          <a:p>
+            <a:r>
+              <a:rPr lang="pt-PT" dirty="0" err="1"/>
+              <a:t>Holmberg</a:t>
+            </a:r>
+            <a:r>
+              <a:rPr lang="pt-PT" dirty="0"/>
+              <a:t>:</a:t>
+            </a:r>
+          </a:p>
+          <a:p>
+            <a:pPr lvl="1"/>
+            <a:r>
+              <a:rPr lang="pt-PT" dirty="0"/>
+              <a:t>Gap </a:t>
+            </a:r>
+            <a:r>
+              <a:rPr lang="pt-PT" dirty="0" err="1"/>
+              <a:t>between</a:t>
+            </a:r>
+            <a:r>
+              <a:rPr lang="pt-PT" dirty="0"/>
+              <a:t> 2.363 </a:t>
+            </a:r>
+            <a:r>
+              <a:rPr lang="pt-PT" dirty="0" err="1"/>
+              <a:t>and</a:t>
+            </a:r>
+            <a:r>
+              <a:rPr lang="pt-PT" dirty="0"/>
+              <a:t> 113.402</a:t>
+            </a:r>
+          </a:p>
+          <a:p>
+            <a:pPr lvl="1"/>
+            <a:r>
+              <a:rPr lang="pt-PT" dirty="0"/>
+              <a:t>Time </a:t>
+            </a:r>
+            <a:r>
+              <a:rPr lang="pt-PT" dirty="0" err="1"/>
+              <a:t>between</a:t>
+            </a:r>
+            <a:r>
+              <a:rPr lang="pt-PT" dirty="0"/>
+              <a:t> 0.802 </a:t>
+            </a:r>
+            <a:r>
+              <a:rPr lang="pt-PT" dirty="0" err="1"/>
+              <a:t>and</a:t>
+            </a:r>
+            <a:r>
+              <a:rPr lang="pt-PT" dirty="0"/>
+              <a:t> 4.753</a:t>
+            </a:r>
+          </a:p>
+          <a:p>
+            <a:r>
+              <a:rPr lang="pt-PT" dirty="0"/>
+              <a:t>OR-</a:t>
+            </a:r>
+            <a:r>
+              <a:rPr lang="pt-PT" dirty="0" err="1"/>
+              <a:t>Library</a:t>
+            </a:r>
+            <a:r>
+              <a:rPr lang="pt-PT" dirty="0"/>
+              <a:t> (9 OS out </a:t>
+            </a:r>
+            <a:r>
+              <a:rPr lang="pt-PT" dirty="0" err="1"/>
+              <a:t>of</a:t>
+            </a:r>
+            <a:r>
+              <a:rPr lang="pt-PT" dirty="0"/>
+              <a:t> </a:t>
+            </a:r>
+            <a:r>
+              <a:rPr lang="pt-PT" u="sng" dirty="0"/>
+              <a:t>36</a:t>
+            </a:r>
+            <a:r>
+              <a:rPr lang="pt-PT" dirty="0"/>
+              <a:t>)</a:t>
+            </a:r>
+          </a:p>
+          <a:p>
+            <a:pPr lvl="1"/>
+            <a:r>
+              <a:rPr lang="pt-PT" dirty="0"/>
+              <a:t>Gap </a:t>
+            </a:r>
+            <a:r>
+              <a:rPr lang="pt-PT" dirty="0" err="1"/>
+              <a:t>between</a:t>
+            </a:r>
+            <a:r>
+              <a:rPr lang="pt-PT" dirty="0"/>
+              <a:t> 3.300 </a:t>
+            </a:r>
+            <a:r>
+              <a:rPr lang="pt-PT" dirty="0" err="1"/>
+              <a:t>and</a:t>
+            </a:r>
+            <a:r>
+              <a:rPr lang="pt-PT" dirty="0"/>
+              <a:t> 57.308</a:t>
+            </a:r>
+          </a:p>
+          <a:p>
+            <a:pPr lvl="1"/>
+            <a:r>
+              <a:rPr lang="pt-PT" dirty="0"/>
+              <a:t>Time </a:t>
+            </a:r>
+            <a:r>
+              <a:rPr lang="pt-PT" dirty="0" err="1"/>
+              <a:t>between</a:t>
+            </a:r>
+            <a:r>
+              <a:rPr lang="pt-PT" dirty="0"/>
+              <a:t> 0.890 </a:t>
+            </a:r>
+            <a:r>
+              <a:rPr lang="pt-PT" dirty="0" err="1"/>
+              <a:t>and</a:t>
+            </a:r>
+            <a:r>
+              <a:rPr lang="pt-PT" dirty="0"/>
+              <a:t> 45.524</a:t>
+            </a:r>
+          </a:p>
+          <a:p>
+            <a:r>
+              <a:rPr lang="pt-PT" dirty="0"/>
+              <a:t>Yang (9 OS out </a:t>
+            </a:r>
+            <a:r>
+              <a:rPr lang="pt-PT" dirty="0" err="1"/>
+              <a:t>of</a:t>
+            </a:r>
+            <a:r>
+              <a:rPr lang="pt-PT" dirty="0"/>
+              <a:t> 20)</a:t>
+            </a:r>
+          </a:p>
+          <a:p>
+            <a:pPr lvl="1"/>
+            <a:r>
+              <a:rPr lang="pt-PT" dirty="0"/>
+              <a:t>Gap </a:t>
+            </a:r>
+            <a:r>
+              <a:rPr lang="pt-PT" dirty="0" err="1"/>
+              <a:t>between</a:t>
+            </a:r>
+            <a:r>
+              <a:rPr lang="pt-PT" dirty="0"/>
+              <a:t> 12.349 </a:t>
+            </a:r>
+            <a:r>
+              <a:rPr lang="pt-PT" dirty="0" err="1"/>
+              <a:t>and</a:t>
+            </a:r>
+            <a:r>
+              <a:rPr lang="pt-PT" dirty="0"/>
+              <a:t> 25.308</a:t>
+            </a:r>
+          </a:p>
+          <a:p>
+            <a:pPr lvl="1"/>
+            <a:r>
+              <a:rPr lang="pt-PT" dirty="0"/>
+              <a:t>Time </a:t>
+            </a:r>
+            <a:r>
+              <a:rPr lang="pt-PT" dirty="0" err="1"/>
+              <a:t>between</a:t>
+            </a:r>
+            <a:r>
+              <a:rPr lang="pt-PT" dirty="0"/>
+              <a:t> 3.587 </a:t>
+            </a:r>
+            <a:r>
+              <a:rPr lang="pt-PT" dirty="0" err="1"/>
+              <a:t>and</a:t>
+            </a:r>
+            <a:r>
+              <a:rPr lang="pt-PT" dirty="0"/>
+              <a:t> 21.335</a:t>
+            </a:r>
+          </a:p>
+          <a:p>
+            <a:r>
+              <a:rPr lang="pt-PT" dirty="0"/>
+              <a:t>TBED1 (0 OS out </a:t>
+            </a:r>
+            <a:r>
+              <a:rPr lang="pt-PT" dirty="0" err="1"/>
+              <a:t>of</a:t>
+            </a:r>
+            <a:r>
+              <a:rPr lang="pt-PT" dirty="0"/>
+              <a:t> 60)</a:t>
+            </a:r>
+          </a:p>
+          <a:p>
+            <a:pPr lvl="1"/>
+            <a:r>
+              <a:rPr lang="pt-PT" dirty="0"/>
+              <a:t>Gap </a:t>
+            </a:r>
+            <a:r>
+              <a:rPr lang="pt-PT" dirty="0" err="1"/>
+              <a:t>between</a:t>
+            </a:r>
+            <a:r>
+              <a:rPr lang="pt-PT" dirty="0"/>
+              <a:t> 24.413 </a:t>
+            </a:r>
+            <a:r>
+              <a:rPr lang="pt-PT" dirty="0" err="1"/>
+              <a:t>and</a:t>
+            </a:r>
+            <a:r>
+              <a:rPr lang="pt-PT" dirty="0"/>
+              <a:t> 203.048</a:t>
+            </a:r>
+          </a:p>
+          <a:p>
+            <a:pPr lvl="1"/>
+            <a:r>
+              <a:rPr lang="pt-PT" dirty="0"/>
+              <a:t>Time </a:t>
+            </a:r>
+            <a:r>
+              <a:rPr lang="pt-PT" dirty="0" err="1"/>
+              <a:t>between</a:t>
+            </a:r>
+            <a:r>
+              <a:rPr lang="pt-PT" dirty="0"/>
+              <a:t> 152.889 </a:t>
+            </a:r>
+            <a:r>
+              <a:rPr lang="pt-PT" dirty="0" err="1"/>
+              <a:t>and</a:t>
+            </a:r>
+            <a:r>
+              <a:rPr lang="pt-PT" dirty="0"/>
+              <a:t> 27589.182</a:t>
+            </a:r>
           </a:p>
         </p:txBody>
       </p:sp>
@@ -7709,7 +9188,435 @@
 </p:sld>
 </file>
 
-<file path=ppt/slides/slide15.xml><?xml version="1.0" encoding="utf-8"?>
+<file path=ppt/slides/slide17.xml><?xml version="1.0" encoding="utf-8"?>
+<p:sld xmlns:a="http://schemas.openxmlformats.org/drawingml/2006/main" xmlns:r="http://schemas.openxmlformats.org/officeDocument/2006/relationships" xmlns:p="http://schemas.openxmlformats.org/presentationml/2006/main">
+  <p:cSld>
+    <p:spTree>
+      <p:nvGrpSpPr>
+        <p:cNvPr id="1" name=""/>
+        <p:cNvGrpSpPr/>
+        <p:nvPr/>
+      </p:nvGrpSpPr>
+      <p:grpSpPr>
+        <a:xfrm>
+          <a:off x="0" y="0"/>
+          <a:ext cx="0" cy="0"/>
+          <a:chOff x="0" y="0"/>
+          <a:chExt cx="0" cy="0"/>
+        </a:xfrm>
+      </p:grpSpPr>
+      <p:sp>
+        <p:nvSpPr>
+          <p:cNvPr id="2" name="Título 1">
+            <a:extLst>
+              <a:ext uri="{FF2B5EF4-FFF2-40B4-BE49-F238E27FC236}">
+                <a16:creationId xmlns:a16="http://schemas.microsoft.com/office/drawing/2014/main" id="{733842DD-E028-2728-5794-61A1920AA9AF}"/>
+              </a:ext>
+            </a:extLst>
+          </p:cNvPr>
+          <p:cNvSpPr>
+            <a:spLocks noGrp="1"/>
+          </p:cNvSpPr>
+          <p:nvPr>
+            <p:ph type="title"/>
+          </p:nvPr>
+        </p:nvSpPr>
+        <p:spPr/>
+        <p:txBody>
+          <a:bodyPr>
+            <a:normAutofit fontScale="90000"/>
+          </a:bodyPr>
+          <a:lstStyle/>
+          <a:p>
+            <a:r>
+              <a:rPr lang="pt-PT" dirty="0" err="1"/>
+              <a:t>Results</a:t>
+            </a:r>
+            <a:r>
+              <a:rPr lang="pt-PT" dirty="0"/>
+              <a:t> </a:t>
+            </a:r>
+            <a:r>
+              <a:rPr lang="pt-PT" dirty="0" err="1"/>
+              <a:t>of</a:t>
+            </a:r>
+            <a:r>
+              <a:rPr lang="pt-PT" dirty="0"/>
+              <a:t> </a:t>
+            </a:r>
+            <a:r>
+              <a:rPr lang="pt-PT" dirty="0" err="1"/>
+              <a:t>the</a:t>
+            </a:r>
+            <a:r>
+              <a:rPr lang="pt-PT" dirty="0"/>
+              <a:t> GRASP – Local </a:t>
+            </a:r>
+            <a:r>
+              <a:rPr lang="pt-PT" dirty="0" err="1"/>
+              <a:t>Search</a:t>
+            </a:r>
+            <a:r>
+              <a:rPr lang="pt-PT" dirty="0"/>
+              <a:t> </a:t>
+            </a:r>
+            <a:r>
+              <a:rPr lang="pt-PT" dirty="0" err="1"/>
+              <a:t>Swap</a:t>
+            </a:r>
+            <a:endParaRPr lang="pt-PT" dirty="0"/>
+          </a:p>
+        </p:txBody>
+      </p:sp>
+      <p:sp>
+        <p:nvSpPr>
+          <p:cNvPr id="3" name="Marcador de Posição de Conteúdo 2">
+            <a:extLst>
+              <a:ext uri="{FF2B5EF4-FFF2-40B4-BE49-F238E27FC236}">
+                <a16:creationId xmlns:a16="http://schemas.microsoft.com/office/drawing/2014/main" id="{81537AC6-9F9F-4B01-DC13-1FF456F37681}"/>
+              </a:ext>
+            </a:extLst>
+          </p:cNvPr>
+          <p:cNvSpPr>
+            <a:spLocks noGrp="1"/>
+          </p:cNvSpPr>
+          <p:nvPr>
+            <p:ph idx="1"/>
+          </p:nvPr>
+        </p:nvSpPr>
+        <p:spPr/>
+        <p:txBody>
+          <a:bodyPr>
+            <a:normAutofit fontScale="55000" lnSpcReduction="20000"/>
+          </a:bodyPr>
+          <a:lstStyle/>
+          <a:p>
+            <a:r>
+              <a:rPr lang="pt-PT" dirty="0" err="1"/>
+              <a:t>Delmaire</a:t>
+            </a:r>
+            <a:r>
+              <a:rPr lang="pt-PT" dirty="0"/>
+              <a:t>:</a:t>
+            </a:r>
+          </a:p>
+          <a:p>
+            <a:pPr lvl="1"/>
+            <a:r>
+              <a:rPr lang="pt-PT" dirty="0"/>
+              <a:t>Gap </a:t>
+            </a:r>
+            <a:r>
+              <a:rPr lang="pt-PT" dirty="0" err="1"/>
+              <a:t>between</a:t>
+            </a:r>
+            <a:r>
+              <a:rPr lang="pt-PT" dirty="0"/>
+              <a:t> 0.397 </a:t>
+            </a:r>
+            <a:r>
+              <a:rPr lang="pt-PT" dirty="0" err="1"/>
+              <a:t>and</a:t>
+            </a:r>
+            <a:r>
+              <a:rPr lang="pt-PT" dirty="0"/>
+              <a:t> 36.852</a:t>
+            </a:r>
+          </a:p>
+          <a:p>
+            <a:pPr lvl="1"/>
+            <a:r>
+              <a:rPr lang="pt-PT" dirty="0"/>
+              <a:t>Time </a:t>
+            </a:r>
+            <a:r>
+              <a:rPr lang="pt-PT" dirty="0" err="1"/>
+              <a:t>between</a:t>
+            </a:r>
+            <a:r>
+              <a:rPr lang="pt-PT" dirty="0"/>
+              <a:t> 0.930 </a:t>
+            </a:r>
+            <a:r>
+              <a:rPr lang="pt-PT" dirty="0" err="1"/>
+              <a:t>and</a:t>
+            </a:r>
+            <a:r>
+              <a:rPr lang="pt-PT" dirty="0"/>
+              <a:t> 5.553</a:t>
+            </a:r>
+          </a:p>
+          <a:p>
+            <a:r>
+              <a:rPr lang="pt-PT" dirty="0" err="1"/>
+              <a:t>Holmberg</a:t>
+            </a:r>
+            <a:r>
+              <a:rPr lang="pt-PT" dirty="0"/>
+              <a:t>:</a:t>
+            </a:r>
+          </a:p>
+          <a:p>
+            <a:pPr lvl="1"/>
+            <a:r>
+              <a:rPr lang="pt-PT" dirty="0"/>
+              <a:t>Gap </a:t>
+            </a:r>
+            <a:r>
+              <a:rPr lang="pt-PT" dirty="0" err="1"/>
+              <a:t>between</a:t>
+            </a:r>
+            <a:r>
+              <a:rPr lang="pt-PT" dirty="0"/>
+              <a:t> 4.599 </a:t>
+            </a:r>
+            <a:r>
+              <a:rPr lang="pt-PT" dirty="0" err="1"/>
+              <a:t>and</a:t>
+            </a:r>
+            <a:r>
+              <a:rPr lang="pt-PT" dirty="0"/>
+              <a:t> 125.677</a:t>
+            </a:r>
+          </a:p>
+          <a:p>
+            <a:pPr lvl="1"/>
+            <a:r>
+              <a:rPr lang="pt-PT" dirty="0"/>
+              <a:t>Time </a:t>
+            </a:r>
+            <a:r>
+              <a:rPr lang="pt-PT" dirty="0" err="1"/>
+              <a:t>between</a:t>
+            </a:r>
+            <a:r>
+              <a:rPr lang="pt-PT" dirty="0"/>
+              <a:t> 1.719 </a:t>
+            </a:r>
+            <a:r>
+              <a:rPr lang="pt-PT" dirty="0" err="1"/>
+              <a:t>and</a:t>
+            </a:r>
+            <a:r>
+              <a:rPr lang="pt-PT" dirty="0"/>
+              <a:t> 35.11</a:t>
+            </a:r>
+          </a:p>
+          <a:p>
+            <a:r>
+              <a:rPr lang="pt-PT" dirty="0"/>
+              <a:t>OR-</a:t>
+            </a:r>
+            <a:r>
+              <a:rPr lang="pt-PT" dirty="0" err="1"/>
+              <a:t>Library</a:t>
+            </a:r>
+            <a:r>
+              <a:rPr lang="pt-PT" dirty="0"/>
+              <a:t> (9 OS out </a:t>
+            </a:r>
+            <a:r>
+              <a:rPr lang="pt-PT" dirty="0" err="1"/>
+              <a:t>of</a:t>
+            </a:r>
+            <a:r>
+              <a:rPr lang="pt-PT" dirty="0"/>
+              <a:t> </a:t>
+            </a:r>
+            <a:r>
+              <a:rPr lang="pt-PT" u="sng" dirty="0"/>
+              <a:t>36</a:t>
+            </a:r>
+            <a:r>
+              <a:rPr lang="pt-PT" dirty="0"/>
+              <a:t>)</a:t>
+            </a:r>
+          </a:p>
+          <a:p>
+            <a:pPr lvl="1"/>
+            <a:r>
+              <a:rPr lang="pt-PT" dirty="0"/>
+              <a:t>Gap </a:t>
+            </a:r>
+            <a:r>
+              <a:rPr lang="pt-PT" dirty="0" err="1"/>
+              <a:t>between</a:t>
+            </a:r>
+            <a:r>
+              <a:rPr lang="pt-PT" dirty="0"/>
+              <a:t> 9.029 </a:t>
+            </a:r>
+            <a:r>
+              <a:rPr lang="pt-PT" dirty="0" err="1"/>
+              <a:t>and</a:t>
+            </a:r>
+            <a:r>
+              <a:rPr lang="pt-PT" dirty="0"/>
+              <a:t> 57.308</a:t>
+            </a:r>
+          </a:p>
+          <a:p>
+            <a:pPr lvl="1"/>
+            <a:r>
+              <a:rPr lang="pt-PT" dirty="0"/>
+              <a:t>Time </a:t>
+            </a:r>
+            <a:r>
+              <a:rPr lang="pt-PT" dirty="0" err="1"/>
+              <a:t>between</a:t>
+            </a:r>
+            <a:r>
+              <a:rPr lang="pt-PT" dirty="0"/>
+              <a:t> 1.810 </a:t>
+            </a:r>
+            <a:r>
+              <a:rPr lang="pt-PT" dirty="0" err="1"/>
+              <a:t>and</a:t>
+            </a:r>
+            <a:r>
+              <a:rPr lang="pt-PT" dirty="0"/>
+              <a:t> 8493.712</a:t>
+            </a:r>
+          </a:p>
+          <a:p>
+            <a:r>
+              <a:rPr lang="pt-PT" dirty="0"/>
+              <a:t>Yang (9 OS out </a:t>
+            </a:r>
+            <a:r>
+              <a:rPr lang="pt-PT" dirty="0" err="1"/>
+              <a:t>of</a:t>
+            </a:r>
+            <a:r>
+              <a:rPr lang="pt-PT" dirty="0"/>
+              <a:t> 20)</a:t>
+            </a:r>
+          </a:p>
+          <a:p>
+            <a:pPr lvl="1"/>
+            <a:r>
+              <a:rPr lang="pt-PT" dirty="0"/>
+              <a:t>Gap </a:t>
+            </a:r>
+            <a:r>
+              <a:rPr lang="pt-PT" dirty="0" err="1"/>
+              <a:t>between</a:t>
+            </a:r>
+            <a:r>
+              <a:rPr lang="pt-PT" dirty="0"/>
+              <a:t> 11.289 </a:t>
+            </a:r>
+            <a:r>
+              <a:rPr lang="pt-PT" dirty="0" err="1"/>
+              <a:t>and</a:t>
+            </a:r>
+            <a:r>
+              <a:rPr lang="pt-PT" dirty="0"/>
+              <a:t> 23.885</a:t>
+            </a:r>
+          </a:p>
+          <a:p>
+            <a:pPr lvl="1"/>
+            <a:r>
+              <a:rPr lang="pt-PT" dirty="0"/>
+              <a:t>Time </a:t>
+            </a:r>
+            <a:r>
+              <a:rPr lang="pt-PT" dirty="0" err="1"/>
+              <a:t>between</a:t>
+            </a:r>
+            <a:r>
+              <a:rPr lang="pt-PT" dirty="0"/>
+              <a:t> 35.606 </a:t>
+            </a:r>
+            <a:r>
+              <a:rPr lang="pt-PT" dirty="0" err="1"/>
+              <a:t>and</a:t>
+            </a:r>
+            <a:r>
+              <a:rPr lang="pt-PT" dirty="0"/>
+              <a:t> 363.472</a:t>
+            </a:r>
+          </a:p>
+          <a:p>
+            <a:r>
+              <a:rPr lang="pt-PT" dirty="0"/>
+              <a:t>TBED1 (0 OS out </a:t>
+            </a:r>
+            <a:r>
+              <a:rPr lang="pt-PT" dirty="0" err="1"/>
+              <a:t>of</a:t>
+            </a:r>
+            <a:r>
+              <a:rPr lang="pt-PT" dirty="0"/>
+              <a:t> 60)</a:t>
+            </a:r>
+          </a:p>
+          <a:p>
+            <a:pPr lvl="1"/>
+            <a:r>
+              <a:rPr lang="pt-PT" dirty="0"/>
+              <a:t>Gap </a:t>
+            </a:r>
+            <a:r>
+              <a:rPr lang="pt-PT" dirty="0" err="1"/>
+              <a:t>between</a:t>
+            </a:r>
+            <a:r>
+              <a:rPr lang="pt-PT" dirty="0"/>
+              <a:t> 33.776 </a:t>
+            </a:r>
+            <a:r>
+              <a:rPr lang="pt-PT" dirty="0" err="1"/>
+              <a:t>and</a:t>
+            </a:r>
+            <a:r>
+              <a:rPr lang="pt-PT" dirty="0"/>
+              <a:t> 210.352</a:t>
+            </a:r>
+          </a:p>
+          <a:p>
+            <a:pPr lvl="1"/>
+            <a:r>
+              <a:rPr lang="pt-PT" dirty="0"/>
+              <a:t>Time </a:t>
+            </a:r>
+            <a:r>
+              <a:rPr lang="pt-PT" dirty="0" err="1"/>
+              <a:t>between</a:t>
+            </a:r>
+            <a:r>
+              <a:rPr lang="pt-PT" dirty="0"/>
+              <a:t> 143.401 </a:t>
+            </a:r>
+            <a:r>
+              <a:rPr lang="pt-PT" dirty="0" err="1"/>
+              <a:t>and</a:t>
+            </a:r>
+            <a:r>
+              <a:rPr lang="pt-PT" dirty="0"/>
+              <a:t> 24081.043</a:t>
+            </a:r>
+          </a:p>
+          <a:p>
+            <a:endParaRPr lang="pt-PT" dirty="0"/>
+          </a:p>
+        </p:txBody>
+      </p:sp>
+    </p:spTree>
+    <p:extLst>
+      <p:ext uri="{BB962C8B-B14F-4D97-AF65-F5344CB8AC3E}">
+        <p14:creationId xmlns:p14="http://schemas.microsoft.com/office/powerpoint/2010/main" val="2526834256"/>
+      </p:ext>
+    </p:extLst>
+  </p:cSld>
+  <p:clrMapOvr>
+    <a:masterClrMapping/>
+  </p:clrMapOvr>
+</p:sld>
+</file>
+
+<file path=ppt/slides/slide18.xml><?xml version="1.0" encoding="utf-8"?>
 <p:sld xmlns:a="http://schemas.openxmlformats.org/drawingml/2006/main" xmlns:r="http://schemas.openxmlformats.org/officeDocument/2006/relationships" xmlns:p="http://schemas.openxmlformats.org/presentationml/2006/main">
   <p:cSld>
     <p:spTree>
@@ -8110,7 +10017,7 @@
 </p:sld>
 </file>
 
-<file path=ppt/slides/slide16.xml><?xml version="1.0" encoding="utf-8"?>
+<file path=ppt/slides/slide19.xml><?xml version="1.0" encoding="utf-8"?>
 <p:sld xmlns:a="http://schemas.openxmlformats.org/drawingml/2006/main" xmlns:r="http://schemas.openxmlformats.org/officeDocument/2006/relationships" xmlns:p="http://schemas.openxmlformats.org/presentationml/2006/main" showMasterSp="0">
   <p:cSld>
     <p:spTree>

--- a/P_POINT_SO.pptx
+++ b/P_POINT_SO.pptx
@@ -7605,7 +7605,7 @@
             <a:pPr lvl="1"/>
             <a:r>
               <a:rPr lang="pt-PT" dirty="0"/>
-              <a:t>Gap </a:t>
+              <a:t>Gap - </a:t>
             </a:r>
             <a:r>
               <a:rPr lang="pt-PT" dirty="0" err="1"/>
@@ -7628,7 +7628,7 @@
             <a:pPr lvl="1"/>
             <a:r>
               <a:rPr lang="pt-PT" dirty="0"/>
-              <a:t>Time </a:t>
+              <a:t>Time - </a:t>
             </a:r>
             <a:r>
               <a:rPr lang="pt-PT" dirty="0" err="1"/>
@@ -7661,7 +7661,7 @@
             <a:pPr lvl="1"/>
             <a:r>
               <a:rPr lang="pt-PT" dirty="0"/>
-              <a:t>Gap </a:t>
+              <a:t>Gap - </a:t>
             </a:r>
             <a:r>
               <a:rPr lang="pt-PT" dirty="0" err="1"/>
@@ -7684,7 +7684,7 @@
             <a:pPr lvl="1"/>
             <a:r>
               <a:rPr lang="pt-PT" dirty="0"/>
-              <a:t>Time </a:t>
+              <a:t>Time - </a:t>
             </a:r>
             <a:r>
               <a:rPr lang="pt-PT" dirty="0" err="1"/>
@@ -7737,7 +7737,7 @@
             <a:pPr lvl="1"/>
             <a:r>
               <a:rPr lang="pt-PT" dirty="0"/>
-              <a:t>Gap </a:t>
+              <a:t>Gap - </a:t>
             </a:r>
             <a:r>
               <a:rPr lang="pt-PT" dirty="0" err="1"/>
@@ -7760,7 +7760,7 @@
             <a:pPr lvl="1"/>
             <a:r>
               <a:rPr lang="pt-PT" dirty="0"/>
-              <a:t>Time </a:t>
+              <a:t>Time - </a:t>
             </a:r>
             <a:r>
               <a:rPr lang="pt-PT" dirty="0" err="1"/>
@@ -7797,7 +7797,7 @@
             <a:pPr lvl="1"/>
             <a:r>
               <a:rPr lang="pt-PT" dirty="0"/>
-              <a:t>Gap </a:t>
+              <a:t>Gap - </a:t>
             </a:r>
             <a:r>
               <a:rPr lang="pt-PT" dirty="0" err="1"/>
@@ -7820,7 +7820,7 @@
             <a:pPr lvl="1"/>
             <a:r>
               <a:rPr lang="pt-PT" dirty="0"/>
-              <a:t>Time </a:t>
+              <a:t>Time - </a:t>
             </a:r>
             <a:r>
               <a:rPr lang="pt-PT" dirty="0" err="1"/>
@@ -7857,7 +7857,7 @@
             <a:pPr lvl="1"/>
             <a:r>
               <a:rPr lang="pt-PT" dirty="0"/>
-              <a:t>Gap </a:t>
+              <a:t>Gap - </a:t>
             </a:r>
             <a:r>
               <a:rPr lang="pt-PT" dirty="0" err="1"/>
@@ -7880,7 +7880,7 @@
             <a:pPr lvl="1"/>
             <a:r>
               <a:rPr lang="pt-PT" dirty="0"/>
-              <a:t>Time </a:t>
+              <a:t>Time - </a:t>
             </a:r>
             <a:r>
               <a:rPr lang="pt-PT" dirty="0" err="1"/>
@@ -8028,7 +8028,7 @@
             <a:pPr lvl="1"/>
             <a:r>
               <a:rPr lang="pt-PT" dirty="0"/>
-              <a:t>Gap </a:t>
+              <a:t>Gap - </a:t>
             </a:r>
             <a:r>
               <a:rPr lang="pt-PT" dirty="0" err="1"/>
@@ -8051,7 +8051,7 @@
             <a:pPr lvl="1"/>
             <a:r>
               <a:rPr lang="pt-PT" dirty="0"/>
-              <a:t>Time </a:t>
+              <a:t>Time - </a:t>
             </a:r>
             <a:r>
               <a:rPr lang="pt-PT" dirty="0" err="1"/>
@@ -8084,7 +8084,7 @@
             <a:pPr lvl="1"/>
             <a:r>
               <a:rPr lang="pt-PT" dirty="0"/>
-              <a:t>Gap </a:t>
+              <a:t>Gap - </a:t>
             </a:r>
             <a:r>
               <a:rPr lang="pt-PT" dirty="0" err="1"/>
@@ -8107,7 +8107,7 @@
             <a:pPr lvl="1"/>
             <a:r>
               <a:rPr lang="pt-PT" dirty="0"/>
-              <a:t>Time </a:t>
+              <a:t>Time - </a:t>
             </a:r>
             <a:r>
               <a:rPr lang="pt-PT" dirty="0" err="1"/>
@@ -8160,7 +8160,7 @@
             <a:pPr lvl="1"/>
             <a:r>
               <a:rPr lang="pt-PT" dirty="0"/>
-              <a:t>Gap </a:t>
+              <a:t>Gap - </a:t>
             </a:r>
             <a:r>
               <a:rPr lang="pt-PT" dirty="0" err="1"/>
@@ -8183,7 +8183,7 @@
             <a:pPr lvl="1"/>
             <a:r>
               <a:rPr lang="pt-PT" dirty="0"/>
-              <a:t>Time </a:t>
+              <a:t>Time - </a:t>
             </a:r>
             <a:r>
               <a:rPr lang="pt-PT" dirty="0" err="1"/>
@@ -8220,7 +8220,7 @@
             <a:pPr lvl="1"/>
             <a:r>
               <a:rPr lang="pt-PT" dirty="0"/>
-              <a:t>Gap </a:t>
+              <a:t>Gap - </a:t>
             </a:r>
             <a:r>
               <a:rPr lang="pt-PT" dirty="0" err="1"/>
@@ -8243,7 +8243,7 @@
             <a:pPr lvl="1"/>
             <a:r>
               <a:rPr lang="pt-PT" dirty="0"/>
-              <a:t>Time </a:t>
+              <a:t>Time - </a:t>
             </a:r>
             <a:r>
               <a:rPr lang="pt-PT" dirty="0" err="1"/>
@@ -8280,7 +8280,7 @@
             <a:pPr lvl="1"/>
             <a:r>
               <a:rPr lang="pt-PT" dirty="0"/>
-              <a:t>Gap </a:t>
+              <a:t>Gap - </a:t>
             </a:r>
             <a:r>
               <a:rPr lang="pt-PT" dirty="0" err="1"/>
@@ -8303,7 +8303,7 @@
             <a:pPr lvl="1"/>
             <a:r>
               <a:rPr lang="pt-PT" dirty="0"/>
-              <a:t>Time </a:t>
+              <a:t>Time - </a:t>
             </a:r>
             <a:r>
               <a:rPr lang="pt-PT" dirty="0" err="1"/>
@@ -8456,7 +8456,7 @@
             <a:pPr lvl="1"/>
             <a:r>
               <a:rPr lang="pt-PT" dirty="0"/>
-              <a:t>Gap </a:t>
+              <a:t>Gap - </a:t>
             </a:r>
             <a:r>
               <a:rPr lang="pt-PT" dirty="0" err="1"/>
@@ -8479,7 +8479,7 @@
             <a:pPr lvl="1"/>
             <a:r>
               <a:rPr lang="pt-PT" dirty="0"/>
-              <a:t>Time </a:t>
+              <a:t>Time - </a:t>
             </a:r>
             <a:r>
               <a:rPr lang="pt-PT" dirty="0" err="1"/>
@@ -8512,7 +8512,7 @@
             <a:pPr lvl="1"/>
             <a:r>
               <a:rPr lang="pt-PT" dirty="0"/>
-              <a:t>Gap </a:t>
+              <a:t>Gap - </a:t>
             </a:r>
             <a:r>
               <a:rPr lang="pt-PT" dirty="0" err="1"/>
@@ -8535,7 +8535,7 @@
             <a:pPr lvl="1"/>
             <a:r>
               <a:rPr lang="pt-PT" dirty="0"/>
-              <a:t>Time </a:t>
+              <a:t>Time - </a:t>
             </a:r>
             <a:r>
               <a:rPr lang="pt-PT" dirty="0" err="1"/>
@@ -8588,7 +8588,7 @@
             <a:pPr lvl="1"/>
             <a:r>
               <a:rPr lang="pt-PT" dirty="0"/>
-              <a:t>Gap </a:t>
+              <a:t>Gap - </a:t>
             </a:r>
             <a:r>
               <a:rPr lang="pt-PT" dirty="0" err="1"/>
@@ -8611,7 +8611,7 @@
             <a:pPr lvl="1"/>
             <a:r>
               <a:rPr lang="pt-PT" dirty="0"/>
-              <a:t>Time </a:t>
+              <a:t>Time - </a:t>
             </a:r>
             <a:r>
               <a:rPr lang="pt-PT" dirty="0" err="1"/>
@@ -8648,7 +8648,7 @@
             <a:pPr lvl="1"/>
             <a:r>
               <a:rPr lang="pt-PT" dirty="0"/>
-              <a:t>Gap </a:t>
+              <a:t>Gap - </a:t>
             </a:r>
             <a:r>
               <a:rPr lang="pt-PT" dirty="0" err="1"/>
@@ -8671,7 +8671,7 @@
             <a:pPr lvl="1"/>
             <a:r>
               <a:rPr lang="pt-PT" dirty="0"/>
-              <a:t>Time </a:t>
+              <a:t>Time - </a:t>
             </a:r>
             <a:r>
               <a:rPr lang="pt-PT" dirty="0" err="1"/>
@@ -8708,7 +8708,7 @@
             <a:pPr lvl="1"/>
             <a:r>
               <a:rPr lang="pt-PT" dirty="0"/>
-              <a:t>Gap </a:t>
+              <a:t>Gap - </a:t>
             </a:r>
             <a:r>
               <a:rPr lang="pt-PT" dirty="0" err="1"/>
@@ -8731,7 +8731,7 @@
             <a:pPr lvl="1"/>
             <a:r>
               <a:rPr lang="pt-PT" dirty="0"/>
-              <a:t>Time </a:t>
+              <a:t>Time - </a:t>
             </a:r>
             <a:r>
               <a:rPr lang="pt-PT" dirty="0" err="1"/>
@@ -8879,7 +8879,7 @@
             <a:pPr lvl="1"/>
             <a:r>
               <a:rPr lang="pt-PT" dirty="0"/>
-              <a:t>Gap </a:t>
+              <a:t>Gap - </a:t>
             </a:r>
             <a:r>
               <a:rPr lang="pt-PT" dirty="0" err="1"/>
@@ -8902,7 +8902,7 @@
             <a:pPr lvl="1"/>
             <a:r>
               <a:rPr lang="pt-PT" dirty="0"/>
-              <a:t>Time </a:t>
+              <a:t>Time - </a:t>
             </a:r>
             <a:r>
               <a:rPr lang="pt-PT" dirty="0" err="1"/>
@@ -8935,7 +8935,7 @@
             <a:pPr lvl="1"/>
             <a:r>
               <a:rPr lang="pt-PT" dirty="0"/>
-              <a:t>Gap </a:t>
+              <a:t>Gap - </a:t>
             </a:r>
             <a:r>
               <a:rPr lang="pt-PT" dirty="0" err="1"/>
@@ -8958,7 +8958,7 @@
             <a:pPr lvl="1"/>
             <a:r>
               <a:rPr lang="pt-PT" dirty="0"/>
-              <a:t>Time </a:t>
+              <a:t>Time - </a:t>
             </a:r>
             <a:r>
               <a:rPr lang="pt-PT" dirty="0" err="1"/>
@@ -9011,7 +9011,7 @@
             <a:pPr lvl="1"/>
             <a:r>
               <a:rPr lang="pt-PT" dirty="0"/>
-              <a:t>Gap </a:t>
+              <a:t>Gap - </a:t>
             </a:r>
             <a:r>
               <a:rPr lang="pt-PT" dirty="0" err="1"/>
@@ -9034,7 +9034,7 @@
             <a:pPr lvl="1"/>
             <a:r>
               <a:rPr lang="pt-PT" dirty="0"/>
-              <a:t>Time </a:t>
+              <a:t>Time - </a:t>
             </a:r>
             <a:r>
               <a:rPr lang="pt-PT" dirty="0" err="1"/>
@@ -9071,7 +9071,7 @@
             <a:pPr lvl="1"/>
             <a:r>
               <a:rPr lang="pt-PT" dirty="0"/>
-              <a:t>Gap </a:t>
+              <a:t>Gap - </a:t>
             </a:r>
             <a:r>
               <a:rPr lang="pt-PT" dirty="0" err="1"/>
@@ -9094,7 +9094,7 @@
             <a:pPr lvl="1"/>
             <a:r>
               <a:rPr lang="pt-PT" dirty="0"/>
-              <a:t>Time </a:t>
+              <a:t>Time - </a:t>
             </a:r>
             <a:r>
               <a:rPr lang="pt-PT" dirty="0" err="1"/>
@@ -9131,7 +9131,7 @@
             <a:pPr lvl="1"/>
             <a:r>
               <a:rPr lang="pt-PT" dirty="0"/>
-              <a:t>Gap </a:t>
+              <a:t>Gap - </a:t>
             </a:r>
             <a:r>
               <a:rPr lang="pt-PT" dirty="0" err="1"/>
@@ -9154,7 +9154,7 @@
             <a:pPr lvl="1"/>
             <a:r>
               <a:rPr lang="pt-PT" dirty="0"/>
-              <a:t>Time </a:t>
+              <a:t>Time - </a:t>
             </a:r>
             <a:r>
               <a:rPr lang="pt-PT" dirty="0" err="1"/>
@@ -9304,7 +9304,7 @@
             <a:pPr lvl="1"/>
             <a:r>
               <a:rPr lang="pt-PT" dirty="0"/>
-              <a:t>Gap </a:t>
+              <a:t>Gap - </a:t>
             </a:r>
             <a:r>
               <a:rPr lang="pt-PT" dirty="0" err="1"/>
@@ -9327,7 +9327,7 @@
             <a:pPr lvl="1"/>
             <a:r>
               <a:rPr lang="pt-PT" dirty="0"/>
-              <a:t>Time </a:t>
+              <a:t>Time - </a:t>
             </a:r>
             <a:r>
               <a:rPr lang="pt-PT" dirty="0" err="1"/>
@@ -9360,7 +9360,7 @@
             <a:pPr lvl="1"/>
             <a:r>
               <a:rPr lang="pt-PT" dirty="0"/>
-              <a:t>Gap </a:t>
+              <a:t>Gap - </a:t>
             </a:r>
             <a:r>
               <a:rPr lang="pt-PT" dirty="0" err="1"/>
@@ -9383,7 +9383,7 @@
             <a:pPr lvl="1"/>
             <a:r>
               <a:rPr lang="pt-PT" dirty="0"/>
-              <a:t>Time </a:t>
+              <a:t>Time - </a:t>
             </a:r>
             <a:r>
               <a:rPr lang="pt-PT" dirty="0" err="1"/>
@@ -9436,7 +9436,7 @@
             <a:pPr lvl="1"/>
             <a:r>
               <a:rPr lang="pt-PT" dirty="0"/>
-              <a:t>Gap </a:t>
+              <a:t>Gap - </a:t>
             </a:r>
             <a:r>
               <a:rPr lang="pt-PT" dirty="0" err="1"/>
@@ -9459,7 +9459,7 @@
             <a:pPr lvl="1"/>
             <a:r>
               <a:rPr lang="pt-PT" dirty="0"/>
-              <a:t>Time </a:t>
+              <a:t>Time - </a:t>
             </a:r>
             <a:r>
               <a:rPr lang="pt-PT" dirty="0" err="1"/>
@@ -9496,7 +9496,7 @@
             <a:pPr lvl="1"/>
             <a:r>
               <a:rPr lang="pt-PT" dirty="0"/>
-              <a:t>Gap </a:t>
+              <a:t>Gap - </a:t>
             </a:r>
             <a:r>
               <a:rPr lang="pt-PT" dirty="0" err="1"/>
@@ -9519,7 +9519,7 @@
             <a:pPr lvl="1"/>
             <a:r>
               <a:rPr lang="pt-PT" dirty="0"/>
-              <a:t>Time </a:t>
+              <a:t>Time - </a:t>
             </a:r>
             <a:r>
               <a:rPr lang="pt-PT" dirty="0" err="1"/>
@@ -9556,7 +9556,7 @@
             <a:pPr lvl="1"/>
             <a:r>
               <a:rPr lang="pt-PT" dirty="0"/>
-              <a:t>Gap </a:t>
+              <a:t>Gap - </a:t>
             </a:r>
             <a:r>
               <a:rPr lang="pt-PT" dirty="0" err="1"/>
@@ -9579,7 +9579,7 @@
             <a:pPr lvl="1"/>
             <a:r>
               <a:rPr lang="pt-PT" dirty="0"/>
-              <a:t>Time </a:t>
+              <a:t>Time - </a:t>
             </a:r>
             <a:r>
               <a:rPr lang="pt-PT" dirty="0" err="1"/>

--- a/P_POINT_SO.pptx
+++ b/P_POINT_SO.pptx
@@ -1,11 +1,11 @@
 
 <file path=ppt/presentation.xml><?xml version="1.0" encoding="utf-8"?>
-<p:presentation xmlns:a="http://schemas.openxmlformats.org/drawingml/2006/main" xmlns:r="http://schemas.openxmlformats.org/officeDocument/2006/relationships" xmlns:p="http://schemas.openxmlformats.org/presentationml/2006/main" saveSubsetFonts="1">
+<p:presentation xmlns:a="http://schemas.openxmlformats.org/drawingml/2006/main" xmlns:r="http://schemas.openxmlformats.org/officeDocument/2006/relationships" xmlns:p="http://schemas.openxmlformats.org/presentationml/2006/main" showSpecialPlsOnTitleSld="0" saveSubsetFonts="1">
   <p:sldMasterIdLst>
     <p:sldMasterId id="2147483660" r:id="rId1"/>
   </p:sldMasterIdLst>
   <p:notesMasterIdLst>
-    <p:notesMasterId r:id="rId21"/>
+    <p:notesMasterId r:id="rId22"/>
   </p:notesMasterIdLst>
   <p:sldIdLst>
     <p:sldId id="369" r:id="rId2"/>
@@ -14,19 +14,20 @@
     <p:sldId id="371" r:id="rId5"/>
     <p:sldId id="376" r:id="rId6"/>
     <p:sldId id="381" r:id="rId7"/>
-    <p:sldId id="372" r:id="rId8"/>
-    <p:sldId id="378" r:id="rId9"/>
-    <p:sldId id="380" r:id="rId10"/>
-    <p:sldId id="379" r:id="rId11"/>
-    <p:sldId id="377" r:id="rId12"/>
-    <p:sldId id="373" r:id="rId13"/>
-    <p:sldId id="382" r:id="rId14"/>
-    <p:sldId id="384" r:id="rId15"/>
-    <p:sldId id="385" r:id="rId16"/>
-    <p:sldId id="383" r:id="rId17"/>
-    <p:sldId id="386" r:id="rId18"/>
-    <p:sldId id="374" r:id="rId19"/>
-    <p:sldId id="359" r:id="rId20"/>
+    <p:sldId id="387" r:id="rId8"/>
+    <p:sldId id="372" r:id="rId9"/>
+    <p:sldId id="378" r:id="rId10"/>
+    <p:sldId id="380" r:id="rId11"/>
+    <p:sldId id="379" r:id="rId12"/>
+    <p:sldId id="377" r:id="rId13"/>
+    <p:sldId id="373" r:id="rId14"/>
+    <p:sldId id="382" r:id="rId15"/>
+    <p:sldId id="384" r:id="rId16"/>
+    <p:sldId id="385" r:id="rId17"/>
+    <p:sldId id="383" r:id="rId18"/>
+    <p:sldId id="386" r:id="rId19"/>
+    <p:sldId id="374" r:id="rId20"/>
+    <p:sldId id="359" r:id="rId21"/>
   </p:sldIdLst>
   <p:sldSz cx="9144000" cy="6858000" type="screen4x3"/>
   <p:notesSz cx="6858000" cy="9144000"/>
@@ -240,7 +241,7 @@
           <a:p>
             <a:fld id="{0FF640A4-F258-4979-A828-AC330B9379A5}" type="datetimeFigureOut">
               <a:rPr lang="pt-PT" smtClean="0"/>
-              <a:t>08/06/2023</a:t>
+              <a:t>14/06/2023</a:t>
             </a:fld>
             <a:endParaRPr lang="pt-PT"/>
           </a:p>
@@ -547,6 +548,67 @@
           <a:bodyPr/>
           <a:lstStyle/>
           <a:p>
+            <a:endParaRPr lang="pt-PT"/>
+          </a:p>
+        </p:txBody>
+      </p:sp>
+    </p:spTree>
+    <p:extLst>
+      <p:ext uri="{BB962C8B-B14F-4D97-AF65-F5344CB8AC3E}">
+        <p14:creationId xmlns:p14="http://schemas.microsoft.com/office/powerpoint/2010/main" val="2107396055"/>
+      </p:ext>
+    </p:extLst>
+  </p:cSld>
+  <p:clrMapOvr>
+    <a:masterClrMapping/>
+  </p:clrMapOvr>
+</p:notes>
+</file>
+
+<file path=ppt/notesSlides/notesSlide3.xml><?xml version="1.0" encoding="utf-8"?>
+<p:notes xmlns:a="http://schemas.openxmlformats.org/drawingml/2006/main" xmlns:r="http://schemas.openxmlformats.org/officeDocument/2006/relationships" xmlns:p="http://schemas.openxmlformats.org/presentationml/2006/main">
+  <p:cSld>
+    <p:spTree>
+      <p:nvGrpSpPr>
+        <p:cNvPr id="1" name=""/>
+        <p:cNvGrpSpPr/>
+        <p:nvPr/>
+      </p:nvGrpSpPr>
+      <p:grpSpPr>
+        <a:xfrm>
+          <a:off x="0" y="0"/>
+          <a:ext cx="0" cy="0"/>
+          <a:chOff x="0" y="0"/>
+          <a:chExt cx="0" cy="0"/>
+        </a:xfrm>
+      </p:grpSpPr>
+      <p:sp>
+        <p:nvSpPr>
+          <p:cNvPr id="2" name="Marcador de Posição da Imagem do Diapositivo 1"/>
+          <p:cNvSpPr>
+            <a:spLocks noGrp="1" noRot="1" noChangeAspect="1"/>
+          </p:cNvSpPr>
+          <p:nvPr>
+            <p:ph type="sldImg"/>
+          </p:nvPr>
+        </p:nvSpPr>
+        <p:spPr/>
+      </p:sp>
+      <p:sp>
+        <p:nvSpPr>
+          <p:cNvPr id="3" name="Marcador de Posição de Notas 2"/>
+          <p:cNvSpPr>
+            <a:spLocks noGrp="1"/>
+          </p:cNvSpPr>
+          <p:nvPr>
+            <p:ph type="body" idx="1"/>
+          </p:nvPr>
+        </p:nvSpPr>
+        <p:spPr/>
+        <p:txBody>
+          <a:bodyPr/>
+          <a:lstStyle/>
+          <a:p>
             <a:endParaRPr lang="pt-PT" dirty="0"/>
           </a:p>
         </p:txBody>
@@ -743,7 +805,7 @@
           <a:bodyPr/>
           <a:lstStyle/>
           <a:p>
-            <a:fld id="{87E7692C-3577-F745-8DF3-D399A394EE18}" type="datetimeFigureOut">
+            <a:fld id="{5E04D6E8-DC42-41F3-A9E3-5E1A9ED2157C}" type="datetime1">
               <a:rPr lang="en-US" smtClean="0">
                 <a:solidFill>
                   <a:prstClr val="black">
@@ -751,8 +813,7 @@
                   </a:prstClr>
                 </a:solidFill>
               </a:rPr>
-              <a:pPr/>
-              <a:t>6/8/2023</a:t>
+              <a:t>6/14/2023</a:t>
             </a:fld>
             <a:endParaRPr lang="en-US">
               <a:solidFill>
@@ -945,7 +1006,7 @@
           <a:bodyPr/>
           <a:lstStyle/>
           <a:p>
-            <a:fld id="{87E7692C-3577-F745-8DF3-D399A394EE18}" type="datetimeFigureOut">
+            <a:fld id="{310A9B98-BE9B-4D4C-BC14-998B50A823E9}" type="datetime1">
               <a:rPr lang="en-US" smtClean="0">
                 <a:solidFill>
                   <a:prstClr val="black">
@@ -953,8 +1014,7 @@
                   </a:prstClr>
                 </a:solidFill>
               </a:rPr>
-              <a:pPr/>
-              <a:t>6/8/2023</a:t>
+              <a:t>6/14/2023</a:t>
             </a:fld>
             <a:endParaRPr lang="en-US">
               <a:solidFill>
@@ -1157,7 +1217,7 @@
           <a:bodyPr/>
           <a:lstStyle/>
           <a:p>
-            <a:fld id="{87E7692C-3577-F745-8DF3-D399A394EE18}" type="datetimeFigureOut">
+            <a:fld id="{27BE7833-5B94-48E3-9189-11066A4E5D7C}" type="datetime1">
               <a:rPr lang="en-US" smtClean="0">
                 <a:solidFill>
                   <a:prstClr val="black">
@@ -1165,8 +1225,7 @@
                   </a:prstClr>
                 </a:solidFill>
               </a:rPr>
-              <a:pPr/>
-              <a:t>6/8/2023</a:t>
+              <a:t>6/14/2023</a:t>
             </a:fld>
             <a:endParaRPr lang="en-US">
               <a:solidFill>
@@ -1453,7 +1512,7 @@
           <a:bodyPr/>
           <a:lstStyle/>
           <a:p>
-            <a:fld id="{87E7692C-3577-F745-8DF3-D399A394EE18}" type="datetimeFigureOut">
+            <a:fld id="{860114CB-C8A4-4173-8707-24878323E6CE}" type="datetime1">
               <a:rPr lang="en-US" smtClean="0">
                 <a:solidFill>
                   <a:prstClr val="black">
@@ -1461,8 +1520,7 @@
                   </a:prstClr>
                 </a:solidFill>
               </a:rPr>
-              <a:pPr/>
-              <a:t>6/8/2023</a:t>
+              <a:t>6/14/2023</a:t>
             </a:fld>
             <a:endParaRPr lang="en-US" dirty="0">
               <a:solidFill>
@@ -1731,7 +1789,7 @@
           <a:bodyPr/>
           <a:lstStyle/>
           <a:p>
-            <a:fld id="{87E7692C-3577-F745-8DF3-D399A394EE18}" type="datetimeFigureOut">
+            <a:fld id="{F39A7A6A-2849-4DEE-9063-881D93742784}" type="datetime1">
               <a:rPr lang="en-US" smtClean="0">
                 <a:solidFill>
                   <a:prstClr val="black">
@@ -1739,8 +1797,7 @@
                   </a:prstClr>
                 </a:solidFill>
               </a:rPr>
-              <a:pPr/>
-              <a:t>6/8/2023</a:t>
+              <a:t>6/14/2023</a:t>
             </a:fld>
             <a:endParaRPr lang="en-US">
               <a:solidFill>
@@ -2051,7 +2108,7 @@
           <a:bodyPr/>
           <a:lstStyle/>
           <a:p>
-            <a:fld id="{87E7692C-3577-F745-8DF3-D399A394EE18}" type="datetimeFigureOut">
+            <a:fld id="{70AC530A-6DD0-47CD-AA50-EEA24249130C}" type="datetime1">
               <a:rPr lang="en-US" smtClean="0">
                 <a:solidFill>
                   <a:prstClr val="black">
@@ -2059,8 +2116,7 @@
                   </a:prstClr>
                 </a:solidFill>
               </a:rPr>
-              <a:pPr/>
-              <a:t>6/8/2023</a:t>
+              <a:t>6/14/2023</a:t>
             </a:fld>
             <a:endParaRPr lang="en-US">
               <a:solidFill>
@@ -2505,7 +2561,7 @@
           <a:bodyPr/>
           <a:lstStyle/>
           <a:p>
-            <a:fld id="{87E7692C-3577-F745-8DF3-D399A394EE18}" type="datetimeFigureOut">
+            <a:fld id="{FD07DCE6-BEBA-4F56-AE81-4749A02CBF70}" type="datetime1">
               <a:rPr lang="en-US" smtClean="0">
                 <a:solidFill>
                   <a:prstClr val="black">
@@ -2513,8 +2569,7 @@
                   </a:prstClr>
                 </a:solidFill>
               </a:rPr>
-              <a:pPr/>
-              <a:t>6/8/2023</a:t>
+              <a:t>6/14/2023</a:t>
             </a:fld>
             <a:endParaRPr lang="en-US">
               <a:solidFill>
@@ -2655,7 +2710,7 @@
           <a:bodyPr/>
           <a:lstStyle/>
           <a:p>
-            <a:fld id="{87E7692C-3577-F745-8DF3-D399A394EE18}" type="datetimeFigureOut">
+            <a:fld id="{0D6DD824-C881-474D-990D-467C014E30FE}" type="datetime1">
               <a:rPr lang="en-US" smtClean="0">
                 <a:solidFill>
                   <a:prstClr val="black">
@@ -2663,8 +2718,7 @@
                   </a:prstClr>
                 </a:solidFill>
               </a:rPr>
-              <a:pPr/>
-              <a:t>6/8/2023</a:t>
+              <a:t>6/14/2023</a:t>
             </a:fld>
             <a:endParaRPr lang="en-US">
               <a:solidFill>
@@ -2782,7 +2836,7 @@
           <a:bodyPr/>
           <a:lstStyle/>
           <a:p>
-            <a:fld id="{87E7692C-3577-F745-8DF3-D399A394EE18}" type="datetimeFigureOut">
+            <a:fld id="{57FB523F-9C13-4477-A843-AFBD6BB0AF0D}" type="datetime1">
               <a:rPr lang="en-US" smtClean="0">
                 <a:solidFill>
                   <a:prstClr val="black">
@@ -2790,8 +2844,7 @@
                   </a:prstClr>
                 </a:solidFill>
               </a:rPr>
-              <a:pPr/>
-              <a:t>6/8/2023</a:t>
+              <a:t>6/14/2023</a:t>
             </a:fld>
             <a:endParaRPr lang="en-US">
               <a:solidFill>
@@ -3091,7 +3144,7 @@
           <a:bodyPr/>
           <a:lstStyle/>
           <a:p>
-            <a:fld id="{87E7692C-3577-F745-8DF3-D399A394EE18}" type="datetimeFigureOut">
+            <a:fld id="{46C29ED2-8F8E-44EF-9B9E-18C50F061346}" type="datetime1">
               <a:rPr lang="en-US" smtClean="0">
                 <a:solidFill>
                   <a:prstClr val="black">
@@ -3099,8 +3152,7 @@
                   </a:prstClr>
                 </a:solidFill>
               </a:rPr>
-              <a:pPr/>
-              <a:t>6/8/2023</a:t>
+              <a:t>6/14/2023</a:t>
             </a:fld>
             <a:endParaRPr lang="en-US">
               <a:solidFill>
@@ -3376,7 +3428,7 @@
           <a:bodyPr/>
           <a:lstStyle/>
           <a:p>
-            <a:fld id="{87E7692C-3577-F745-8DF3-D399A394EE18}" type="datetimeFigureOut">
+            <a:fld id="{FBFA73CA-0D4B-4651-AB91-A288752E04DA}" type="datetime1">
               <a:rPr lang="en-US" smtClean="0">
                 <a:solidFill>
                   <a:prstClr val="black">
@@ -3384,8 +3436,7 @@
                   </a:prstClr>
                 </a:solidFill>
               </a:rPr>
-              <a:pPr/>
-              <a:t>6/8/2023</a:t>
+              <a:t>6/14/2023</a:t>
             </a:fld>
             <a:endParaRPr lang="en-US">
               <a:solidFill>
@@ -3625,7 +3676,7 @@
           </a:lstStyle>
           <a:p>
             <a:pPr defTabSz="457200"/>
-            <a:fld id="{87E7692C-3577-F745-8DF3-D399A394EE18}" type="datetimeFigureOut">
+            <a:fld id="{067DDBD3-CAC8-4877-8EB2-A7449BAA2583}" type="datetime1">
               <a:rPr lang="en-US" smtClean="0">
                 <a:solidFill>
                   <a:prstClr val="black">
@@ -3633,8 +3684,7 @@
                   </a:prstClr>
                 </a:solidFill>
               </a:rPr>
-              <a:pPr defTabSz="457200"/>
-              <a:t>6/8/2023</a:t>
+              <a:t>6/14/2023</a:t>
             </a:fld>
             <a:endParaRPr lang="en-US">
               <a:solidFill>
@@ -3929,6 +3979,7 @@
     <p:sldLayoutId id="2147483670" r:id="rId10"/>
     <p:sldLayoutId id="2147483671" r:id="rId11"/>
   </p:sldLayoutIdLst>
+  <p:hf hdr="0" ftr="0" dt="0"/>
   <p:txStyles>
     <p:titleStyle>
       <a:lvl1pPr algn="ctr" defTabSz="457200" rtl="0" eaLnBrk="1" latinLnBrk="0" hangingPunct="1">
@@ -4321,6 +4372,172 @@
           <p:cNvPr id="2" name="Título 1">
             <a:extLst>
               <a:ext uri="{FF2B5EF4-FFF2-40B4-BE49-F238E27FC236}">
+                <a16:creationId xmlns:a16="http://schemas.microsoft.com/office/drawing/2014/main" id="{691E9056-392D-6BDD-F868-B90A18A9C3DE}"/>
+              </a:ext>
+            </a:extLst>
+          </p:cNvPr>
+          <p:cNvSpPr>
+            <a:spLocks noGrp="1"/>
+          </p:cNvSpPr>
+          <p:nvPr>
+            <p:ph type="title"/>
+          </p:nvPr>
+        </p:nvSpPr>
+        <p:spPr/>
+        <p:txBody>
+          <a:bodyPr>
+            <a:normAutofit fontScale="90000"/>
+          </a:bodyPr>
+          <a:lstStyle/>
+          <a:p>
+            <a:r>
+              <a:rPr lang="pt-PT" dirty="0" err="1"/>
+              <a:t>Constructive</a:t>
+            </a:r>
+            <a:r>
+              <a:rPr lang="pt-PT" dirty="0"/>
+              <a:t> </a:t>
+            </a:r>
+            <a:r>
+              <a:rPr lang="pt-PT" dirty="0" err="1"/>
+              <a:t>Heuristic</a:t>
+            </a:r>
+            <a:endParaRPr lang="pt-PT" dirty="0"/>
+          </a:p>
+        </p:txBody>
+      </p:sp>
+      <p:sp>
+        <p:nvSpPr>
+          <p:cNvPr id="3" name="Marcador de Posição de Conteúdo 2">
+            <a:extLst>
+              <a:ext uri="{FF2B5EF4-FFF2-40B4-BE49-F238E27FC236}">
+                <a16:creationId xmlns:a16="http://schemas.microsoft.com/office/drawing/2014/main" id="{01A67FE9-9BF4-B942-8E9B-6E04A1A965B2}"/>
+              </a:ext>
+            </a:extLst>
+          </p:cNvPr>
+          <p:cNvSpPr>
+            <a:spLocks noGrp="1"/>
+          </p:cNvSpPr>
+          <p:nvPr>
+            <p:ph idx="1"/>
+          </p:nvPr>
+        </p:nvSpPr>
+        <p:spPr/>
+        <p:txBody>
+          <a:bodyPr>
+            <a:normAutofit/>
+          </a:bodyPr>
+          <a:lstStyle/>
+          <a:p>
+            <a:pPr algn="just"/>
+            <a:r>
+              <a:rPr lang="en-US" sz="1800" dirty="0">
+                <a:latin typeface="Porto Sans Light (corpo)"/>
+              </a:rPr>
+              <a:t>Constructive heuristics generate a solution by iteratively adding an element to the solution until an admissible solution is generated.</a:t>
+            </a:r>
+          </a:p>
+          <a:p>
+            <a:pPr algn="just"/>
+            <a:r>
+              <a:rPr lang="en-US" sz="1800" b="0" i="0" dirty="0">
+                <a:effectLst/>
+                <a:latin typeface="Porto Sans Light (corpo)"/>
+              </a:rPr>
+              <a:t>In the case of the Constructive Heuristic, it was decided to allocate customers to facilities, promoting an allocation criterion based on the lowest ratio between the cost of opening a Facility and the Facility’s initial capacity.</a:t>
+            </a:r>
+          </a:p>
+          <a:p>
+            <a:pPr algn="just"/>
+            <a:r>
+              <a:rPr lang="en-US" sz="1800" dirty="0">
+                <a:latin typeface="Porto Sans Light (corpo)"/>
+              </a:rPr>
+              <a:t>In the case of greedy heuristics, the choice of the next element to be inserted in the solution is done by what most favors the objective of the problem in the time.</a:t>
+            </a:r>
+            <a:endParaRPr lang="pt-PT" sz="1800" dirty="0">
+              <a:latin typeface="Porto Sans Light (corpo)"/>
+            </a:endParaRPr>
+          </a:p>
+        </p:txBody>
+      </p:sp>
+      <p:sp>
+        <p:nvSpPr>
+          <p:cNvPr id="4" name="Marcador de Posição do Número do Diapositivo 3">
+            <a:extLst>
+              <a:ext uri="{FF2B5EF4-FFF2-40B4-BE49-F238E27FC236}">
+                <a16:creationId xmlns:a16="http://schemas.microsoft.com/office/drawing/2014/main" id="{A8285C5A-0150-888C-66FE-48666A1C0992}"/>
+              </a:ext>
+            </a:extLst>
+          </p:cNvPr>
+          <p:cNvSpPr>
+            <a:spLocks noGrp="1"/>
+          </p:cNvSpPr>
+          <p:nvPr>
+            <p:ph type="sldNum" sz="quarter" idx="12"/>
+          </p:nvPr>
+        </p:nvSpPr>
+        <p:spPr/>
+        <p:txBody>
+          <a:bodyPr/>
+          <a:lstStyle/>
+          <a:p>
+            <a:fld id="{91727942-0F31-8246-9E69-0AE29DBBE5E4}" type="slidenum">
+              <a:rPr lang="en-US" smtClean="0">
+                <a:solidFill>
+                  <a:prstClr val="black">
+                    <a:tint val="75000"/>
+                  </a:prstClr>
+                </a:solidFill>
+              </a:rPr>
+              <a:pPr/>
+              <a:t>10</a:t>
+            </a:fld>
+            <a:endParaRPr lang="en-US">
+              <a:solidFill>
+                <a:prstClr val="black">
+                  <a:tint val="75000"/>
+                </a:prstClr>
+              </a:solidFill>
+            </a:endParaRPr>
+          </a:p>
+        </p:txBody>
+      </p:sp>
+    </p:spTree>
+    <p:extLst>
+      <p:ext uri="{BB962C8B-B14F-4D97-AF65-F5344CB8AC3E}">
+        <p14:creationId xmlns:p14="http://schemas.microsoft.com/office/powerpoint/2010/main" val="4178277529"/>
+      </p:ext>
+    </p:extLst>
+  </p:cSld>
+  <p:clrMapOvr>
+    <a:masterClrMapping/>
+  </p:clrMapOvr>
+</p:sld>
+</file>
+
+<file path=ppt/slides/slide11.xml><?xml version="1.0" encoding="utf-8"?>
+<p:sld xmlns:a="http://schemas.openxmlformats.org/drawingml/2006/main" xmlns:r="http://schemas.openxmlformats.org/officeDocument/2006/relationships" xmlns:p="http://schemas.openxmlformats.org/presentationml/2006/main">
+  <p:cSld>
+    <p:spTree>
+      <p:nvGrpSpPr>
+        <p:cNvPr id="1" name=""/>
+        <p:cNvGrpSpPr/>
+        <p:nvPr/>
+      </p:nvGrpSpPr>
+      <p:grpSpPr>
+        <a:xfrm>
+          <a:off x="0" y="0"/>
+          <a:ext cx="0" cy="0"/>
+          <a:chOff x="0" y="0"/>
+          <a:chExt cx="0" cy="0"/>
+        </a:xfrm>
+      </p:grpSpPr>
+      <p:sp>
+        <p:nvSpPr>
+          <p:cNvPr id="2" name="Título 1">
+            <a:extLst>
+              <a:ext uri="{FF2B5EF4-FFF2-40B4-BE49-F238E27FC236}">
                 <a16:creationId xmlns:a16="http://schemas.microsoft.com/office/drawing/2014/main" id="{A8485180-9441-B495-E912-C7A78A4A251E}"/>
               </a:ext>
             </a:extLst>
@@ -4413,6 +4630,48 @@
           </a:p>
         </p:txBody>
       </p:sp>
+      <p:sp>
+        <p:nvSpPr>
+          <p:cNvPr id="3" name="Marcador de Posição do Número do Diapositivo 2">
+            <a:extLst>
+              <a:ext uri="{FF2B5EF4-FFF2-40B4-BE49-F238E27FC236}">
+                <a16:creationId xmlns:a16="http://schemas.microsoft.com/office/drawing/2014/main" id="{82CD84DF-44A4-336D-CCA8-3C7D35122B30}"/>
+              </a:ext>
+            </a:extLst>
+          </p:cNvPr>
+          <p:cNvSpPr>
+            <a:spLocks noGrp="1"/>
+          </p:cNvSpPr>
+          <p:nvPr>
+            <p:ph type="sldNum" sz="quarter" idx="12"/>
+          </p:nvPr>
+        </p:nvSpPr>
+        <p:spPr/>
+        <p:txBody>
+          <a:bodyPr/>
+          <a:lstStyle/>
+          <a:p>
+            <a:fld id="{91727942-0F31-8246-9E69-0AE29DBBE5E4}" type="slidenum">
+              <a:rPr lang="en-US" smtClean="0">
+                <a:solidFill>
+                  <a:prstClr val="black">
+                    <a:tint val="75000"/>
+                  </a:prstClr>
+                </a:solidFill>
+              </a:rPr>
+              <a:pPr/>
+              <a:t>11</a:t>
+            </a:fld>
+            <a:endParaRPr lang="en-US">
+              <a:solidFill>
+                <a:prstClr val="black">
+                  <a:tint val="75000"/>
+                </a:prstClr>
+              </a:solidFill>
+            </a:endParaRPr>
+          </a:p>
+        </p:txBody>
+      </p:sp>
     </p:spTree>
     <p:extLst>
       <p:ext uri="{BB962C8B-B14F-4D97-AF65-F5344CB8AC3E}">
@@ -4426,7 +4685,7 @@
 </p:sld>
 </file>
 
-<file path=ppt/slides/slide11.xml><?xml version="1.0" encoding="utf-8"?>
+<file path=ppt/slides/slide12.xml><?xml version="1.0" encoding="utf-8"?>
 <p:sld xmlns:a="http://schemas.openxmlformats.org/drawingml/2006/main" xmlns:r="http://schemas.openxmlformats.org/officeDocument/2006/relationships" xmlns:p="http://schemas.openxmlformats.org/presentationml/2006/main">
   <p:cSld>
     <p:spTree>
@@ -6943,543 +7202,52 @@
           </a:p>
         </p:txBody>
       </p:sp>
+      <p:sp>
+        <p:nvSpPr>
+          <p:cNvPr id="21" name="Marcador de Posição do Número do Diapositivo 20">
+            <a:extLst>
+              <a:ext uri="{FF2B5EF4-FFF2-40B4-BE49-F238E27FC236}">
+                <a16:creationId xmlns:a16="http://schemas.microsoft.com/office/drawing/2014/main" id="{6203BA5D-C52C-5835-B82C-78E331969F76}"/>
+              </a:ext>
+            </a:extLst>
+          </p:cNvPr>
+          <p:cNvSpPr>
+            <a:spLocks noGrp="1"/>
+          </p:cNvSpPr>
+          <p:nvPr>
+            <p:ph type="sldNum" sz="quarter" idx="12"/>
+          </p:nvPr>
+        </p:nvSpPr>
+        <p:spPr/>
+        <p:txBody>
+          <a:bodyPr/>
+          <a:lstStyle/>
+          <a:p>
+            <a:fld id="{91727942-0F31-8246-9E69-0AE29DBBE5E4}" type="slidenum">
+              <a:rPr lang="en-US" smtClean="0">
+                <a:solidFill>
+                  <a:prstClr val="black">
+                    <a:tint val="75000"/>
+                  </a:prstClr>
+                </a:solidFill>
+              </a:rPr>
+              <a:pPr/>
+              <a:t>12</a:t>
+            </a:fld>
+            <a:endParaRPr lang="en-US">
+              <a:solidFill>
+                <a:prstClr val="black">
+                  <a:tint val="75000"/>
+                </a:prstClr>
+              </a:solidFill>
+            </a:endParaRPr>
+          </a:p>
+        </p:txBody>
+      </p:sp>
     </p:spTree>
     <p:extLst>
       <p:ext uri="{BB962C8B-B14F-4D97-AF65-F5344CB8AC3E}">
         <p14:creationId xmlns:p14="http://schemas.microsoft.com/office/powerpoint/2010/main" val="2381588700"/>
-      </p:ext>
-    </p:extLst>
-  </p:cSld>
-  <p:clrMapOvr>
-    <a:masterClrMapping/>
-  </p:clrMapOvr>
-</p:sld>
-</file>
-
-<file path=ppt/slides/slide12.xml><?xml version="1.0" encoding="utf-8"?>
-<p:sld xmlns:a="http://schemas.openxmlformats.org/drawingml/2006/main" xmlns:r="http://schemas.openxmlformats.org/officeDocument/2006/relationships" xmlns:p="http://schemas.openxmlformats.org/presentationml/2006/main">
-  <p:cSld>
-    <p:spTree>
-      <p:nvGrpSpPr>
-        <p:cNvPr id="1" name=""/>
-        <p:cNvGrpSpPr/>
-        <p:nvPr/>
-      </p:nvGrpSpPr>
-      <p:grpSpPr>
-        <a:xfrm>
-          <a:off x="0" y="0"/>
-          <a:ext cx="0" cy="0"/>
-          <a:chOff x="0" y="0"/>
-          <a:chExt cx="0" cy="0"/>
-        </a:xfrm>
-      </p:grpSpPr>
-      <p:sp>
-        <p:nvSpPr>
-          <p:cNvPr id="2" name="Título 1"/>
-          <p:cNvSpPr>
-            <a:spLocks noGrp="1"/>
-          </p:cNvSpPr>
-          <p:nvPr>
-            <p:ph type="title"/>
-          </p:nvPr>
-        </p:nvSpPr>
-        <p:spPr/>
-        <p:txBody>
-          <a:bodyPr>
-            <a:normAutofit fontScale="90000"/>
-          </a:bodyPr>
-          <a:lstStyle/>
-          <a:p>
-            <a:r>
-              <a:rPr lang="en-GB" dirty="0"/>
-              <a:t>Results of the Exact Method</a:t>
-            </a:r>
-          </a:p>
-        </p:txBody>
-      </p:sp>
-      <p:sp>
-        <p:nvSpPr>
-          <p:cNvPr id="3" name="Marcador de Posição de Conteúdo 2"/>
-          <p:cNvSpPr>
-            <a:spLocks noGrp="1"/>
-          </p:cNvSpPr>
-          <p:nvPr>
-            <p:ph idx="1"/>
-          </p:nvPr>
-        </p:nvSpPr>
-        <p:spPr>
-          <a:xfrm>
-            <a:off x="457200" y="1844825"/>
-            <a:ext cx="8229600" cy="3096343"/>
-          </a:xfrm>
-        </p:spPr>
-        <p:txBody>
-          <a:bodyPr/>
-          <a:lstStyle/>
-          <a:p>
-            <a:r>
-              <a:rPr lang="pt-PT" dirty="0" err="1"/>
-              <a:t>Delmaire</a:t>
-            </a:r>
-            <a:r>
-              <a:rPr lang="pt-PT" dirty="0"/>
-              <a:t> (52 OS out </a:t>
-            </a:r>
-            <a:r>
-              <a:rPr lang="pt-PT" dirty="0" err="1"/>
-              <a:t>of</a:t>
-            </a:r>
-            <a:r>
-              <a:rPr lang="pt-PT" dirty="0"/>
-              <a:t> 57)</a:t>
-            </a:r>
-          </a:p>
-          <a:p>
-            <a:r>
-              <a:rPr lang="pt-PT" dirty="0" err="1"/>
-              <a:t>Holmberg</a:t>
-            </a:r>
-            <a:r>
-              <a:rPr lang="pt-PT" dirty="0"/>
-              <a:t> (71 OS out </a:t>
-            </a:r>
-            <a:r>
-              <a:rPr lang="pt-PT" dirty="0" err="1"/>
-              <a:t>of</a:t>
-            </a:r>
-            <a:r>
-              <a:rPr lang="pt-PT" dirty="0"/>
-              <a:t> 71)</a:t>
-            </a:r>
-          </a:p>
-          <a:p>
-            <a:r>
-              <a:rPr lang="pt-PT" dirty="0"/>
-              <a:t>OR-</a:t>
-            </a:r>
-            <a:r>
-              <a:rPr lang="pt-PT" dirty="0" err="1"/>
-              <a:t>Library</a:t>
-            </a:r>
-            <a:r>
-              <a:rPr lang="pt-PT" dirty="0"/>
-              <a:t> (9 OS out </a:t>
-            </a:r>
-            <a:r>
-              <a:rPr lang="pt-PT" dirty="0" err="1"/>
-              <a:t>of</a:t>
-            </a:r>
-            <a:r>
-              <a:rPr lang="pt-PT" dirty="0"/>
-              <a:t> </a:t>
-            </a:r>
-            <a:r>
-              <a:rPr lang="pt-PT" u="sng" dirty="0"/>
-              <a:t>36</a:t>
-            </a:r>
-            <a:r>
-              <a:rPr lang="pt-PT" dirty="0"/>
-              <a:t>)</a:t>
-            </a:r>
-          </a:p>
-          <a:p>
-            <a:r>
-              <a:rPr lang="pt-PT" dirty="0"/>
-              <a:t>Yang (9 OS out </a:t>
-            </a:r>
-            <a:r>
-              <a:rPr lang="pt-PT" dirty="0" err="1"/>
-              <a:t>of</a:t>
-            </a:r>
-            <a:r>
-              <a:rPr lang="pt-PT" dirty="0"/>
-              <a:t> 20)</a:t>
-            </a:r>
-          </a:p>
-          <a:p>
-            <a:r>
-              <a:rPr lang="pt-PT" dirty="0"/>
-              <a:t>TBED1 (0 OS out </a:t>
-            </a:r>
-            <a:r>
-              <a:rPr lang="pt-PT" dirty="0" err="1"/>
-              <a:t>of</a:t>
-            </a:r>
-            <a:r>
-              <a:rPr lang="pt-PT" dirty="0"/>
-              <a:t> 60)</a:t>
-            </a:r>
-          </a:p>
-        </p:txBody>
-      </p:sp>
-      <p:sp>
-        <p:nvSpPr>
-          <p:cNvPr id="4" name="CaixaDeTexto 1"/>
-          <p:cNvSpPr txBox="1">
-            <a:spLocks noChangeArrowheads="1"/>
-          </p:cNvSpPr>
-          <p:nvPr/>
-        </p:nvSpPr>
-        <p:spPr bwMode="auto">
-          <a:xfrm>
-            <a:off x="6228184" y="6309320"/>
-            <a:ext cx="2387228" cy="461665"/>
-          </a:xfrm>
-          <a:prstGeom prst="rect">
-            <a:avLst/>
-          </a:prstGeom>
-          <a:noFill/>
-          <a:ln>
-            <a:noFill/>
-          </a:ln>
-          <a:extLst>
-            <a:ext uri="{909E8E84-426E-40DD-AFC4-6F175D3DCCD1}">
-              <a14:hiddenFill xmlns:a14="http://schemas.microsoft.com/office/drawing/2010/main">
-                <a:solidFill>
-                  <a:srgbClr val="FFFFFF"/>
-                </a:solidFill>
-              </a14:hiddenFill>
-            </a:ext>
-            <a:ext uri="{91240B29-F687-4F45-9708-019B960494DF}">
-              <a14:hiddenLine xmlns:a14="http://schemas.microsoft.com/office/drawing/2010/main" w="9525">
-                <a:solidFill>
-                  <a:srgbClr val="000000"/>
-                </a:solidFill>
-                <a:miter lim="800000"/>
-                <a:headEnd/>
-                <a:tailEnd/>
-              </a14:hiddenLine>
-            </a:ext>
-          </a:extLst>
-        </p:spPr>
-        <p:txBody>
-          <a:bodyPr wrap="square">
-            <a:spAutoFit/>
-          </a:bodyPr>
-          <a:lstStyle>
-            <a:lvl1pPr>
-              <a:defRPr>
-                <a:solidFill>
-                  <a:schemeClr val="tx1"/>
-                </a:solidFill>
-                <a:latin typeface="Calibri" panose="020F0502020204030204" pitchFamily="34" charset="0"/>
-              </a:defRPr>
-            </a:lvl1pPr>
-            <a:lvl2pPr marL="742950" indent="-285750">
-              <a:defRPr>
-                <a:solidFill>
-                  <a:schemeClr val="tx1"/>
-                </a:solidFill>
-                <a:latin typeface="Calibri" panose="020F0502020204030204" pitchFamily="34" charset="0"/>
-              </a:defRPr>
-            </a:lvl2pPr>
-            <a:lvl3pPr marL="1143000" indent="-228600">
-              <a:defRPr>
-                <a:solidFill>
-                  <a:schemeClr val="tx1"/>
-                </a:solidFill>
-                <a:latin typeface="Calibri" panose="020F0502020204030204" pitchFamily="34" charset="0"/>
-              </a:defRPr>
-            </a:lvl3pPr>
-            <a:lvl4pPr marL="1600200" indent="-228600">
-              <a:defRPr>
-                <a:solidFill>
-                  <a:schemeClr val="tx1"/>
-                </a:solidFill>
-                <a:latin typeface="Calibri" panose="020F0502020204030204" pitchFamily="34" charset="0"/>
-              </a:defRPr>
-            </a:lvl4pPr>
-            <a:lvl5pPr marL="2057400" indent="-228600">
-              <a:defRPr>
-                <a:solidFill>
-                  <a:schemeClr val="tx1"/>
-                </a:solidFill>
-                <a:latin typeface="Calibri" panose="020F0502020204030204" pitchFamily="34" charset="0"/>
-              </a:defRPr>
-            </a:lvl5pPr>
-            <a:lvl6pPr marL="2514600" indent="-228600" defTabSz="457200" fontAlgn="base">
-              <a:spcBef>
-                <a:spcPct val="0"/>
-              </a:spcBef>
-              <a:spcAft>
-                <a:spcPct val="0"/>
-              </a:spcAft>
-              <a:defRPr>
-                <a:solidFill>
-                  <a:schemeClr val="tx1"/>
-                </a:solidFill>
-                <a:latin typeface="Calibri" panose="020F0502020204030204" pitchFamily="34" charset="0"/>
-              </a:defRPr>
-            </a:lvl6pPr>
-            <a:lvl7pPr marL="2971800" indent="-228600" defTabSz="457200" fontAlgn="base">
-              <a:spcBef>
-                <a:spcPct val="0"/>
-              </a:spcBef>
-              <a:spcAft>
-                <a:spcPct val="0"/>
-              </a:spcAft>
-              <a:defRPr>
-                <a:solidFill>
-                  <a:schemeClr val="tx1"/>
-                </a:solidFill>
-                <a:latin typeface="Calibri" panose="020F0502020204030204" pitchFamily="34" charset="0"/>
-              </a:defRPr>
-            </a:lvl7pPr>
-            <a:lvl8pPr marL="3429000" indent="-228600" defTabSz="457200" fontAlgn="base">
-              <a:spcBef>
-                <a:spcPct val="0"/>
-              </a:spcBef>
-              <a:spcAft>
-                <a:spcPct val="0"/>
-              </a:spcAft>
-              <a:defRPr>
-                <a:solidFill>
-                  <a:schemeClr val="tx1"/>
-                </a:solidFill>
-                <a:latin typeface="Calibri" panose="020F0502020204030204" pitchFamily="34" charset="0"/>
-              </a:defRPr>
-            </a:lvl8pPr>
-            <a:lvl9pPr marL="3886200" indent="-228600" defTabSz="457200" fontAlgn="base">
-              <a:spcBef>
-                <a:spcPct val="0"/>
-              </a:spcBef>
-              <a:spcAft>
-                <a:spcPct val="0"/>
-              </a:spcAft>
-              <a:defRPr>
-                <a:solidFill>
-                  <a:schemeClr val="tx1"/>
-                </a:solidFill>
-                <a:latin typeface="Calibri" panose="020F0502020204030204" pitchFamily="34" charset="0"/>
-              </a:defRPr>
-            </a:lvl9pPr>
-          </a:lstStyle>
-          <a:p>
-            <a:r>
-              <a:rPr lang="pt-PT" sz="1200" dirty="0">
-                <a:latin typeface="Porto Sans Light" panose="00000400000000000000" pitchFamily="50" charset="0"/>
-              </a:rPr>
-              <a:t>João Silva | Olavo Alves | Luís Silva</a:t>
-            </a:r>
-          </a:p>
-          <a:p>
-            <a:pPr eaLnBrk="1" hangingPunct="1"/>
-            <a:endParaRPr lang="pt-PT" altLang="pt-PT" sz="1200" dirty="0">
-              <a:latin typeface="Porto Sans Light" panose="00000400000000000000" pitchFamily="50" charset="0"/>
-            </a:endParaRPr>
-          </a:p>
-        </p:txBody>
-      </p:sp>
-      <p:sp>
-        <p:nvSpPr>
-          <p:cNvPr id="5" name="CaixaDeTexto 2"/>
-          <p:cNvSpPr txBox="1">
-            <a:spLocks noChangeArrowheads="1"/>
-          </p:cNvSpPr>
-          <p:nvPr/>
-        </p:nvSpPr>
-        <p:spPr bwMode="auto">
-          <a:xfrm>
-            <a:off x="462100" y="6309320"/>
-            <a:ext cx="3317812" cy="276999"/>
-          </a:xfrm>
-          <a:prstGeom prst="rect">
-            <a:avLst/>
-          </a:prstGeom>
-          <a:noFill/>
-          <a:ln>
-            <a:noFill/>
-          </a:ln>
-          <a:extLst>
-            <a:ext uri="{909E8E84-426E-40DD-AFC4-6F175D3DCCD1}">
-              <a14:hiddenFill xmlns:a14="http://schemas.microsoft.com/office/drawing/2010/main">
-                <a:solidFill>
-                  <a:srgbClr val="FFFFFF"/>
-                </a:solidFill>
-              </a14:hiddenFill>
-            </a:ext>
-            <a:ext uri="{91240B29-F687-4F45-9708-019B960494DF}">
-              <a14:hiddenLine xmlns:a14="http://schemas.microsoft.com/office/drawing/2010/main" w="9525">
-                <a:solidFill>
-                  <a:srgbClr val="000000"/>
-                </a:solidFill>
-                <a:miter lim="800000"/>
-                <a:headEnd/>
-                <a:tailEnd/>
-              </a14:hiddenLine>
-            </a:ext>
-          </a:extLst>
-        </p:spPr>
-        <p:txBody>
-          <a:bodyPr wrap="square">
-            <a:spAutoFit/>
-          </a:bodyPr>
-          <a:lstStyle>
-            <a:lvl1pPr>
-              <a:defRPr>
-                <a:solidFill>
-                  <a:schemeClr val="tx1"/>
-                </a:solidFill>
-                <a:latin typeface="Calibri" panose="020F0502020204030204" pitchFamily="34" charset="0"/>
-              </a:defRPr>
-            </a:lvl1pPr>
-            <a:lvl2pPr marL="742950" indent="-285750">
-              <a:defRPr>
-                <a:solidFill>
-                  <a:schemeClr val="tx1"/>
-                </a:solidFill>
-                <a:latin typeface="Calibri" panose="020F0502020204030204" pitchFamily="34" charset="0"/>
-              </a:defRPr>
-            </a:lvl2pPr>
-            <a:lvl3pPr marL="1143000" indent="-228600">
-              <a:defRPr>
-                <a:solidFill>
-                  <a:schemeClr val="tx1"/>
-                </a:solidFill>
-                <a:latin typeface="Calibri" panose="020F0502020204030204" pitchFamily="34" charset="0"/>
-              </a:defRPr>
-            </a:lvl3pPr>
-            <a:lvl4pPr marL="1600200" indent="-228600">
-              <a:defRPr>
-                <a:solidFill>
-                  <a:schemeClr val="tx1"/>
-                </a:solidFill>
-                <a:latin typeface="Calibri" panose="020F0502020204030204" pitchFamily="34" charset="0"/>
-              </a:defRPr>
-            </a:lvl4pPr>
-            <a:lvl5pPr marL="2057400" indent="-228600">
-              <a:defRPr>
-                <a:solidFill>
-                  <a:schemeClr val="tx1"/>
-                </a:solidFill>
-                <a:latin typeface="Calibri" panose="020F0502020204030204" pitchFamily="34" charset="0"/>
-              </a:defRPr>
-            </a:lvl5pPr>
-            <a:lvl6pPr marL="2514600" indent="-228600" defTabSz="457200" fontAlgn="base">
-              <a:spcBef>
-                <a:spcPct val="0"/>
-              </a:spcBef>
-              <a:spcAft>
-                <a:spcPct val="0"/>
-              </a:spcAft>
-              <a:defRPr>
-                <a:solidFill>
-                  <a:schemeClr val="tx1"/>
-                </a:solidFill>
-                <a:latin typeface="Calibri" panose="020F0502020204030204" pitchFamily="34" charset="0"/>
-              </a:defRPr>
-            </a:lvl6pPr>
-            <a:lvl7pPr marL="2971800" indent="-228600" defTabSz="457200" fontAlgn="base">
-              <a:spcBef>
-                <a:spcPct val="0"/>
-              </a:spcBef>
-              <a:spcAft>
-                <a:spcPct val="0"/>
-              </a:spcAft>
-              <a:defRPr>
-                <a:solidFill>
-                  <a:schemeClr val="tx1"/>
-                </a:solidFill>
-                <a:latin typeface="Calibri" panose="020F0502020204030204" pitchFamily="34" charset="0"/>
-              </a:defRPr>
-            </a:lvl7pPr>
-            <a:lvl8pPr marL="3429000" indent="-228600" defTabSz="457200" fontAlgn="base">
-              <a:spcBef>
-                <a:spcPct val="0"/>
-              </a:spcBef>
-              <a:spcAft>
-                <a:spcPct val="0"/>
-              </a:spcAft>
-              <a:defRPr>
-                <a:solidFill>
-                  <a:schemeClr val="tx1"/>
-                </a:solidFill>
-                <a:latin typeface="Calibri" panose="020F0502020204030204" pitchFamily="34" charset="0"/>
-              </a:defRPr>
-            </a:lvl8pPr>
-            <a:lvl9pPr marL="3886200" indent="-228600" defTabSz="457200" fontAlgn="base">
-              <a:spcBef>
-                <a:spcPct val="0"/>
-              </a:spcBef>
-              <a:spcAft>
-                <a:spcPct val="0"/>
-              </a:spcAft>
-              <a:defRPr>
-                <a:solidFill>
-                  <a:schemeClr val="tx1"/>
-                </a:solidFill>
-                <a:latin typeface="Calibri" panose="020F0502020204030204" pitchFamily="34" charset="0"/>
-              </a:defRPr>
-            </a:lvl9pPr>
-          </a:lstStyle>
-          <a:p>
-            <a:pPr eaLnBrk="1" hangingPunct="1"/>
-            <a:r>
-              <a:rPr lang="pt-PT" altLang="pt-PT" sz="1200" dirty="0">
-                <a:latin typeface="Porto Sans Light" panose="00000400000000000000" pitchFamily="50" charset="0"/>
-              </a:rPr>
-              <a:t>Óscar Oliveira / Simulação e Otimização (2022/23)</a:t>
-            </a:r>
-          </a:p>
-        </p:txBody>
-      </p:sp>
-      <p:sp>
-        <p:nvSpPr>
-          <p:cNvPr id="6" name="TextBox 5">
-            <a:extLst>
-              <a:ext uri="{FF2B5EF4-FFF2-40B4-BE49-F238E27FC236}">
-                <a16:creationId xmlns:a16="http://schemas.microsoft.com/office/drawing/2014/main" id="{C79ADF5F-C195-05E1-0173-75597FC02C5A}"/>
-              </a:ext>
-            </a:extLst>
-          </p:cNvPr>
-          <p:cNvSpPr txBox="1"/>
-          <p:nvPr/>
-        </p:nvSpPr>
-        <p:spPr>
-          <a:xfrm>
-            <a:off x="457200" y="5302078"/>
-            <a:ext cx="7211144" cy="646331"/>
-          </a:xfrm>
-          <a:prstGeom prst="rect">
-            <a:avLst/>
-          </a:prstGeom>
-          <a:noFill/>
-        </p:spPr>
-        <p:txBody>
-          <a:bodyPr wrap="square" rtlCol="0">
-            <a:spAutoFit/>
-          </a:bodyPr>
-          <a:lstStyle/>
-          <a:p>
-            <a:r>
-              <a:rPr lang="pt-PT" dirty="0"/>
-              <a:t>*OS – </a:t>
-            </a:r>
-            <a:r>
-              <a:rPr lang="en-US" dirty="0"/>
-              <a:t>Optimal Solutions</a:t>
-            </a:r>
-          </a:p>
-          <a:p>
-            <a:r>
-              <a:rPr lang="en-US" dirty="0"/>
-              <a:t>** Optimal Solutions considered when </a:t>
-            </a:r>
-            <a:r>
-              <a:rPr lang="en-US" dirty="0">
-                <a:effectLst/>
-                <a:latin typeface="Arial" panose="020B0604020202020204" pitchFamily="34" charset="0"/>
-              </a:rPr>
-              <a:t>Z-Z* was 0 or ≈0 </a:t>
-            </a:r>
-            <a:endParaRPr lang="en-US" dirty="0"/>
-          </a:p>
-        </p:txBody>
-      </p:sp>
-    </p:spTree>
-    <p:extLst>
-      <p:ext uri="{BB962C8B-B14F-4D97-AF65-F5344CB8AC3E}">
-        <p14:creationId xmlns:p14="http://schemas.microsoft.com/office/powerpoint/2010/main" val="2513354738"/>
       </p:ext>
     </p:extLst>
   </p:cSld>
@@ -7508,10 +7276,513 @@
       </p:grpSpPr>
       <p:sp>
         <p:nvSpPr>
-          <p:cNvPr id="2" name="Título 1">
+          <p:cNvPr id="2" name="Título 1"/>
+          <p:cNvSpPr>
+            <a:spLocks noGrp="1"/>
+          </p:cNvSpPr>
+          <p:nvPr>
+            <p:ph type="title"/>
+          </p:nvPr>
+        </p:nvSpPr>
+        <p:spPr/>
+        <p:txBody>
+          <a:bodyPr>
+            <a:normAutofit fontScale="90000"/>
+          </a:bodyPr>
+          <a:lstStyle/>
+          <a:p>
+            <a:r>
+              <a:rPr lang="en-GB" dirty="0"/>
+              <a:t>Results of the Exact Method</a:t>
+            </a:r>
+          </a:p>
+        </p:txBody>
+      </p:sp>
+      <p:sp>
+        <p:nvSpPr>
+          <p:cNvPr id="3" name="Marcador de Posição de Conteúdo 2"/>
+          <p:cNvSpPr>
+            <a:spLocks noGrp="1"/>
+          </p:cNvSpPr>
+          <p:nvPr>
+            <p:ph idx="1"/>
+          </p:nvPr>
+        </p:nvSpPr>
+        <p:spPr>
+          <a:xfrm>
+            <a:off x="457200" y="1844825"/>
+            <a:ext cx="8229600" cy="3096343"/>
+          </a:xfrm>
+        </p:spPr>
+        <p:txBody>
+          <a:bodyPr/>
+          <a:lstStyle/>
+          <a:p>
+            <a:r>
+              <a:rPr lang="pt-PT" dirty="0" err="1"/>
+              <a:t>Delmaire</a:t>
+            </a:r>
+            <a:r>
+              <a:rPr lang="pt-PT" dirty="0"/>
+              <a:t> (52 OS out </a:t>
+            </a:r>
+            <a:r>
+              <a:rPr lang="pt-PT" dirty="0" err="1"/>
+              <a:t>of</a:t>
+            </a:r>
+            <a:r>
+              <a:rPr lang="pt-PT" dirty="0"/>
+              <a:t> 57)</a:t>
+            </a:r>
+          </a:p>
+          <a:p>
+            <a:r>
+              <a:rPr lang="pt-PT" dirty="0" err="1"/>
+              <a:t>Holmberg</a:t>
+            </a:r>
+            <a:r>
+              <a:rPr lang="pt-PT" dirty="0"/>
+              <a:t> (71 OS out </a:t>
+            </a:r>
+            <a:r>
+              <a:rPr lang="pt-PT" dirty="0" err="1"/>
+              <a:t>of</a:t>
+            </a:r>
+            <a:r>
+              <a:rPr lang="pt-PT" dirty="0"/>
+              <a:t> 71)</a:t>
+            </a:r>
+          </a:p>
+          <a:p>
+            <a:r>
+              <a:rPr lang="pt-PT" dirty="0"/>
+              <a:t>OR-</a:t>
+            </a:r>
+            <a:r>
+              <a:rPr lang="pt-PT" dirty="0" err="1"/>
+              <a:t>Library</a:t>
+            </a:r>
+            <a:r>
+              <a:rPr lang="pt-PT" dirty="0"/>
+              <a:t> (9 OS out </a:t>
+            </a:r>
+            <a:r>
+              <a:rPr lang="pt-PT" dirty="0" err="1"/>
+              <a:t>of</a:t>
+            </a:r>
+            <a:r>
+              <a:rPr lang="pt-PT" dirty="0"/>
+              <a:t> </a:t>
+            </a:r>
+            <a:r>
+              <a:rPr lang="pt-PT" u="sng" dirty="0"/>
+              <a:t>36</a:t>
+            </a:r>
+            <a:r>
+              <a:rPr lang="pt-PT" dirty="0"/>
+              <a:t>)</a:t>
+            </a:r>
+          </a:p>
+          <a:p>
+            <a:r>
+              <a:rPr lang="pt-PT" dirty="0"/>
+              <a:t>Yang (9 OS out </a:t>
+            </a:r>
+            <a:r>
+              <a:rPr lang="pt-PT" dirty="0" err="1"/>
+              <a:t>of</a:t>
+            </a:r>
+            <a:r>
+              <a:rPr lang="pt-PT" dirty="0"/>
+              <a:t> 20)</a:t>
+            </a:r>
+          </a:p>
+          <a:p>
+            <a:r>
+              <a:rPr lang="pt-PT" dirty="0"/>
+              <a:t>TBED1 (0 OS out </a:t>
+            </a:r>
+            <a:r>
+              <a:rPr lang="pt-PT" dirty="0" err="1"/>
+              <a:t>of</a:t>
+            </a:r>
+            <a:r>
+              <a:rPr lang="pt-PT" dirty="0"/>
+              <a:t> 60)</a:t>
+            </a:r>
+          </a:p>
+        </p:txBody>
+      </p:sp>
+      <p:sp>
+        <p:nvSpPr>
+          <p:cNvPr id="4" name="CaixaDeTexto 1"/>
+          <p:cNvSpPr txBox="1">
+            <a:spLocks noChangeArrowheads="1"/>
+          </p:cNvSpPr>
+          <p:nvPr/>
+        </p:nvSpPr>
+        <p:spPr bwMode="auto">
+          <a:xfrm>
+            <a:off x="6228184" y="6309320"/>
+            <a:ext cx="2387228" cy="461665"/>
+          </a:xfrm>
+          <a:prstGeom prst="rect">
+            <a:avLst/>
+          </a:prstGeom>
+          <a:noFill/>
+          <a:ln>
+            <a:noFill/>
+          </a:ln>
+          <a:extLst>
+            <a:ext uri="{909E8E84-426E-40DD-AFC4-6F175D3DCCD1}">
+              <a14:hiddenFill xmlns:a14="http://schemas.microsoft.com/office/drawing/2010/main">
+                <a:solidFill>
+                  <a:srgbClr val="FFFFFF"/>
+                </a:solidFill>
+              </a14:hiddenFill>
+            </a:ext>
+            <a:ext uri="{91240B29-F687-4F45-9708-019B960494DF}">
+              <a14:hiddenLine xmlns:a14="http://schemas.microsoft.com/office/drawing/2010/main" w="9525">
+                <a:solidFill>
+                  <a:srgbClr val="000000"/>
+                </a:solidFill>
+                <a:miter lim="800000"/>
+                <a:headEnd/>
+                <a:tailEnd/>
+              </a14:hiddenLine>
+            </a:ext>
+          </a:extLst>
+        </p:spPr>
+        <p:txBody>
+          <a:bodyPr wrap="square">
+            <a:spAutoFit/>
+          </a:bodyPr>
+          <a:lstStyle>
+            <a:lvl1pPr>
+              <a:defRPr>
+                <a:solidFill>
+                  <a:schemeClr val="tx1"/>
+                </a:solidFill>
+                <a:latin typeface="Calibri" panose="020F0502020204030204" pitchFamily="34" charset="0"/>
+              </a:defRPr>
+            </a:lvl1pPr>
+            <a:lvl2pPr marL="742950" indent="-285750">
+              <a:defRPr>
+                <a:solidFill>
+                  <a:schemeClr val="tx1"/>
+                </a:solidFill>
+                <a:latin typeface="Calibri" panose="020F0502020204030204" pitchFamily="34" charset="0"/>
+              </a:defRPr>
+            </a:lvl2pPr>
+            <a:lvl3pPr marL="1143000" indent="-228600">
+              <a:defRPr>
+                <a:solidFill>
+                  <a:schemeClr val="tx1"/>
+                </a:solidFill>
+                <a:latin typeface="Calibri" panose="020F0502020204030204" pitchFamily="34" charset="0"/>
+              </a:defRPr>
+            </a:lvl3pPr>
+            <a:lvl4pPr marL="1600200" indent="-228600">
+              <a:defRPr>
+                <a:solidFill>
+                  <a:schemeClr val="tx1"/>
+                </a:solidFill>
+                <a:latin typeface="Calibri" panose="020F0502020204030204" pitchFamily="34" charset="0"/>
+              </a:defRPr>
+            </a:lvl4pPr>
+            <a:lvl5pPr marL="2057400" indent="-228600">
+              <a:defRPr>
+                <a:solidFill>
+                  <a:schemeClr val="tx1"/>
+                </a:solidFill>
+                <a:latin typeface="Calibri" panose="020F0502020204030204" pitchFamily="34" charset="0"/>
+              </a:defRPr>
+            </a:lvl5pPr>
+            <a:lvl6pPr marL="2514600" indent="-228600" defTabSz="457200" fontAlgn="base">
+              <a:spcBef>
+                <a:spcPct val="0"/>
+              </a:spcBef>
+              <a:spcAft>
+                <a:spcPct val="0"/>
+              </a:spcAft>
+              <a:defRPr>
+                <a:solidFill>
+                  <a:schemeClr val="tx1"/>
+                </a:solidFill>
+                <a:latin typeface="Calibri" panose="020F0502020204030204" pitchFamily="34" charset="0"/>
+              </a:defRPr>
+            </a:lvl6pPr>
+            <a:lvl7pPr marL="2971800" indent="-228600" defTabSz="457200" fontAlgn="base">
+              <a:spcBef>
+                <a:spcPct val="0"/>
+              </a:spcBef>
+              <a:spcAft>
+                <a:spcPct val="0"/>
+              </a:spcAft>
+              <a:defRPr>
+                <a:solidFill>
+                  <a:schemeClr val="tx1"/>
+                </a:solidFill>
+                <a:latin typeface="Calibri" panose="020F0502020204030204" pitchFamily="34" charset="0"/>
+              </a:defRPr>
+            </a:lvl7pPr>
+            <a:lvl8pPr marL="3429000" indent="-228600" defTabSz="457200" fontAlgn="base">
+              <a:spcBef>
+                <a:spcPct val="0"/>
+              </a:spcBef>
+              <a:spcAft>
+                <a:spcPct val="0"/>
+              </a:spcAft>
+              <a:defRPr>
+                <a:solidFill>
+                  <a:schemeClr val="tx1"/>
+                </a:solidFill>
+                <a:latin typeface="Calibri" panose="020F0502020204030204" pitchFamily="34" charset="0"/>
+              </a:defRPr>
+            </a:lvl8pPr>
+            <a:lvl9pPr marL="3886200" indent="-228600" defTabSz="457200" fontAlgn="base">
+              <a:spcBef>
+                <a:spcPct val="0"/>
+              </a:spcBef>
+              <a:spcAft>
+                <a:spcPct val="0"/>
+              </a:spcAft>
+              <a:defRPr>
+                <a:solidFill>
+                  <a:schemeClr val="tx1"/>
+                </a:solidFill>
+                <a:latin typeface="Calibri" panose="020F0502020204030204" pitchFamily="34" charset="0"/>
+              </a:defRPr>
+            </a:lvl9pPr>
+          </a:lstStyle>
+          <a:p>
+            <a:r>
+              <a:rPr lang="pt-PT" sz="1200" dirty="0">
+                <a:latin typeface="Porto Sans Light" panose="00000400000000000000" pitchFamily="50" charset="0"/>
+              </a:rPr>
+              <a:t>João Silva | Olavo Alves | Luís Silva</a:t>
+            </a:r>
+          </a:p>
+          <a:p>
+            <a:pPr eaLnBrk="1" hangingPunct="1"/>
+            <a:endParaRPr lang="pt-PT" altLang="pt-PT" sz="1200" dirty="0">
+              <a:latin typeface="Porto Sans Light" panose="00000400000000000000" pitchFamily="50" charset="0"/>
+            </a:endParaRPr>
+          </a:p>
+        </p:txBody>
+      </p:sp>
+      <p:sp>
+        <p:nvSpPr>
+          <p:cNvPr id="5" name="CaixaDeTexto 2"/>
+          <p:cNvSpPr txBox="1">
+            <a:spLocks noChangeArrowheads="1"/>
+          </p:cNvSpPr>
+          <p:nvPr/>
+        </p:nvSpPr>
+        <p:spPr bwMode="auto">
+          <a:xfrm>
+            <a:off x="462100" y="6309320"/>
+            <a:ext cx="3317812" cy="276999"/>
+          </a:xfrm>
+          <a:prstGeom prst="rect">
+            <a:avLst/>
+          </a:prstGeom>
+          <a:noFill/>
+          <a:ln>
+            <a:noFill/>
+          </a:ln>
+          <a:extLst>
+            <a:ext uri="{909E8E84-426E-40DD-AFC4-6F175D3DCCD1}">
+              <a14:hiddenFill xmlns:a14="http://schemas.microsoft.com/office/drawing/2010/main">
+                <a:solidFill>
+                  <a:srgbClr val="FFFFFF"/>
+                </a:solidFill>
+              </a14:hiddenFill>
+            </a:ext>
+            <a:ext uri="{91240B29-F687-4F45-9708-019B960494DF}">
+              <a14:hiddenLine xmlns:a14="http://schemas.microsoft.com/office/drawing/2010/main" w="9525">
+                <a:solidFill>
+                  <a:srgbClr val="000000"/>
+                </a:solidFill>
+                <a:miter lim="800000"/>
+                <a:headEnd/>
+                <a:tailEnd/>
+              </a14:hiddenLine>
+            </a:ext>
+          </a:extLst>
+        </p:spPr>
+        <p:txBody>
+          <a:bodyPr wrap="square">
+            <a:spAutoFit/>
+          </a:bodyPr>
+          <a:lstStyle>
+            <a:lvl1pPr>
+              <a:defRPr>
+                <a:solidFill>
+                  <a:schemeClr val="tx1"/>
+                </a:solidFill>
+                <a:latin typeface="Calibri" panose="020F0502020204030204" pitchFamily="34" charset="0"/>
+              </a:defRPr>
+            </a:lvl1pPr>
+            <a:lvl2pPr marL="742950" indent="-285750">
+              <a:defRPr>
+                <a:solidFill>
+                  <a:schemeClr val="tx1"/>
+                </a:solidFill>
+                <a:latin typeface="Calibri" panose="020F0502020204030204" pitchFamily="34" charset="0"/>
+              </a:defRPr>
+            </a:lvl2pPr>
+            <a:lvl3pPr marL="1143000" indent="-228600">
+              <a:defRPr>
+                <a:solidFill>
+                  <a:schemeClr val="tx1"/>
+                </a:solidFill>
+                <a:latin typeface="Calibri" panose="020F0502020204030204" pitchFamily="34" charset="0"/>
+              </a:defRPr>
+            </a:lvl3pPr>
+            <a:lvl4pPr marL="1600200" indent="-228600">
+              <a:defRPr>
+                <a:solidFill>
+                  <a:schemeClr val="tx1"/>
+                </a:solidFill>
+                <a:latin typeface="Calibri" panose="020F0502020204030204" pitchFamily="34" charset="0"/>
+              </a:defRPr>
+            </a:lvl4pPr>
+            <a:lvl5pPr marL="2057400" indent="-228600">
+              <a:defRPr>
+                <a:solidFill>
+                  <a:schemeClr val="tx1"/>
+                </a:solidFill>
+                <a:latin typeface="Calibri" panose="020F0502020204030204" pitchFamily="34" charset="0"/>
+              </a:defRPr>
+            </a:lvl5pPr>
+            <a:lvl6pPr marL="2514600" indent="-228600" defTabSz="457200" fontAlgn="base">
+              <a:spcBef>
+                <a:spcPct val="0"/>
+              </a:spcBef>
+              <a:spcAft>
+                <a:spcPct val="0"/>
+              </a:spcAft>
+              <a:defRPr>
+                <a:solidFill>
+                  <a:schemeClr val="tx1"/>
+                </a:solidFill>
+                <a:latin typeface="Calibri" panose="020F0502020204030204" pitchFamily="34" charset="0"/>
+              </a:defRPr>
+            </a:lvl6pPr>
+            <a:lvl7pPr marL="2971800" indent="-228600" defTabSz="457200" fontAlgn="base">
+              <a:spcBef>
+                <a:spcPct val="0"/>
+              </a:spcBef>
+              <a:spcAft>
+                <a:spcPct val="0"/>
+              </a:spcAft>
+              <a:defRPr>
+                <a:solidFill>
+                  <a:schemeClr val="tx1"/>
+                </a:solidFill>
+                <a:latin typeface="Calibri" panose="020F0502020204030204" pitchFamily="34" charset="0"/>
+              </a:defRPr>
+            </a:lvl7pPr>
+            <a:lvl8pPr marL="3429000" indent="-228600" defTabSz="457200" fontAlgn="base">
+              <a:spcBef>
+                <a:spcPct val="0"/>
+              </a:spcBef>
+              <a:spcAft>
+                <a:spcPct val="0"/>
+              </a:spcAft>
+              <a:defRPr>
+                <a:solidFill>
+                  <a:schemeClr val="tx1"/>
+                </a:solidFill>
+                <a:latin typeface="Calibri" panose="020F0502020204030204" pitchFamily="34" charset="0"/>
+              </a:defRPr>
+            </a:lvl8pPr>
+            <a:lvl9pPr marL="3886200" indent="-228600" defTabSz="457200" fontAlgn="base">
+              <a:spcBef>
+                <a:spcPct val="0"/>
+              </a:spcBef>
+              <a:spcAft>
+                <a:spcPct val="0"/>
+              </a:spcAft>
+              <a:defRPr>
+                <a:solidFill>
+                  <a:schemeClr val="tx1"/>
+                </a:solidFill>
+                <a:latin typeface="Calibri" panose="020F0502020204030204" pitchFamily="34" charset="0"/>
+              </a:defRPr>
+            </a:lvl9pPr>
+          </a:lstStyle>
+          <a:p>
+            <a:pPr eaLnBrk="1" hangingPunct="1"/>
+            <a:r>
+              <a:rPr lang="pt-PT" altLang="pt-PT" sz="1200" dirty="0">
+                <a:latin typeface="Porto Sans Light" panose="00000400000000000000" pitchFamily="50" charset="0"/>
+              </a:rPr>
+              <a:t>Óscar Oliveira / Simulação e Otimização (2022/23)</a:t>
+            </a:r>
+          </a:p>
+        </p:txBody>
+      </p:sp>
+      <p:sp>
+        <p:nvSpPr>
+          <p:cNvPr id="6" name="TextBox 5">
             <a:extLst>
               <a:ext uri="{FF2B5EF4-FFF2-40B4-BE49-F238E27FC236}">
-                <a16:creationId xmlns:a16="http://schemas.microsoft.com/office/drawing/2014/main" id="{04E4B5AE-7F82-3BFF-C656-BDBEBAC95271}"/>
+                <a16:creationId xmlns:a16="http://schemas.microsoft.com/office/drawing/2014/main" id="{C79ADF5F-C195-05E1-0173-75597FC02C5A}"/>
+              </a:ext>
+            </a:extLst>
+          </p:cNvPr>
+          <p:cNvSpPr txBox="1"/>
+          <p:nvPr/>
+        </p:nvSpPr>
+        <p:spPr>
+          <a:xfrm>
+            <a:off x="457200" y="5302078"/>
+            <a:ext cx="7211144" cy="646331"/>
+          </a:xfrm>
+          <a:prstGeom prst="rect">
+            <a:avLst/>
+          </a:prstGeom>
+          <a:noFill/>
+        </p:spPr>
+        <p:txBody>
+          <a:bodyPr wrap="square" rtlCol="0">
+            <a:spAutoFit/>
+          </a:bodyPr>
+          <a:lstStyle/>
+          <a:p>
+            <a:r>
+              <a:rPr lang="pt-PT" dirty="0"/>
+              <a:t>*OS – </a:t>
+            </a:r>
+            <a:r>
+              <a:rPr lang="en-US" dirty="0"/>
+              <a:t>Optimal Solutions</a:t>
+            </a:r>
+          </a:p>
+          <a:p>
+            <a:r>
+              <a:rPr lang="en-US" dirty="0"/>
+              <a:t>** Optimal Solutions considered when </a:t>
+            </a:r>
+            <a:r>
+              <a:rPr lang="en-US" dirty="0">
+                <a:effectLst/>
+                <a:latin typeface="Arial" panose="020B0604020202020204" pitchFamily="34" charset="0"/>
+              </a:rPr>
+              <a:t>Z-Z* was 0 or ≈0 </a:t>
+            </a:r>
+            <a:endParaRPr lang="en-US" dirty="0"/>
+          </a:p>
+        </p:txBody>
+      </p:sp>
+      <p:sp>
+        <p:nvSpPr>
+          <p:cNvPr id="7" name="Marcador de Posição do Número do Diapositivo 6">
+            <a:extLst>
+              <a:ext uri="{FF2B5EF4-FFF2-40B4-BE49-F238E27FC236}">
+                <a16:creationId xmlns:a16="http://schemas.microsoft.com/office/drawing/2014/main" id="{FB385335-AA4B-F77D-A9FA-757E54E2C532}"/>
               </a:ext>
             </a:extLst>
           </p:cNvPr>
@@ -7519,395 +7790,39 @@
             <a:spLocks noGrp="1"/>
           </p:cNvSpPr>
           <p:nvPr>
-            <p:ph type="title"/>
+            <p:ph type="sldNum" sz="quarter" idx="12"/>
           </p:nvPr>
         </p:nvSpPr>
         <p:spPr/>
         <p:txBody>
-          <a:bodyPr>
-            <a:normAutofit fontScale="90000"/>
-          </a:bodyPr>
+          <a:bodyPr/>
           <a:lstStyle/>
           <a:p>
-            <a:r>
-              <a:rPr lang="pt-PT" dirty="0" err="1"/>
-              <a:t>Results</a:t>
-            </a:r>
-            <a:r>
-              <a:rPr lang="pt-PT" dirty="0"/>
-              <a:t> </a:t>
-            </a:r>
-            <a:r>
-              <a:rPr lang="pt-PT" dirty="0" err="1"/>
-              <a:t>of</a:t>
-            </a:r>
-            <a:r>
-              <a:rPr lang="pt-PT" dirty="0"/>
-              <a:t> </a:t>
-            </a:r>
-            <a:r>
-              <a:rPr lang="pt-PT" dirty="0" err="1"/>
-              <a:t>the</a:t>
-            </a:r>
-            <a:r>
-              <a:rPr lang="pt-PT" dirty="0"/>
-              <a:t> </a:t>
-            </a:r>
-            <a:r>
-              <a:rPr lang="pt-PT" dirty="0" err="1"/>
-              <a:t>Heuristic</a:t>
-            </a:r>
-            <a:r>
-              <a:rPr lang="pt-PT" dirty="0"/>
-              <a:t> </a:t>
-            </a:r>
-            <a:r>
-              <a:rPr lang="pt-PT" dirty="0" err="1"/>
-              <a:t>Constructive</a:t>
-            </a:r>
-            <a:endParaRPr lang="pt-PT" dirty="0"/>
-          </a:p>
-        </p:txBody>
-      </p:sp>
-      <p:sp>
-        <p:nvSpPr>
-          <p:cNvPr id="3" name="Marcador de Posição de Conteúdo 2">
-            <a:extLst>
-              <a:ext uri="{FF2B5EF4-FFF2-40B4-BE49-F238E27FC236}">
-                <a16:creationId xmlns:a16="http://schemas.microsoft.com/office/drawing/2014/main" id="{D0EE71FC-D94D-00ED-191F-1FA4CC307E9B}"/>
-              </a:ext>
-            </a:extLst>
-          </p:cNvPr>
-          <p:cNvSpPr>
-            <a:spLocks noGrp="1"/>
-          </p:cNvSpPr>
-          <p:nvPr>
-            <p:ph idx="1"/>
-          </p:nvPr>
-        </p:nvSpPr>
-        <p:spPr/>
-        <p:txBody>
-          <a:bodyPr>
-            <a:normAutofit fontScale="55000" lnSpcReduction="20000"/>
-          </a:bodyPr>
-          <a:lstStyle/>
-          <a:p>
-            <a:r>
-              <a:rPr lang="pt-PT" dirty="0" err="1"/>
-              <a:t>Delmaire</a:t>
-            </a:r>
-            <a:r>
-              <a:rPr lang="pt-PT" dirty="0"/>
-              <a:t>:</a:t>
-            </a:r>
-          </a:p>
-          <a:p>
-            <a:pPr lvl="1"/>
-            <a:r>
-              <a:rPr lang="pt-PT" dirty="0"/>
-              <a:t>Gap - </a:t>
-            </a:r>
-            <a:r>
-              <a:rPr lang="pt-PT" dirty="0" err="1"/>
-              <a:t>between</a:t>
-            </a:r>
-            <a:r>
-              <a:rPr lang="pt-PT" dirty="0"/>
-              <a:t> 6.853 </a:t>
-            </a:r>
-            <a:r>
-              <a:rPr lang="pt-PT" dirty="0" err="1"/>
-              <a:t>and</a:t>
-            </a:r>
-            <a:r>
-              <a:rPr lang="pt-PT" dirty="0"/>
-              <a:t> 69.391</a:t>
-            </a:r>
-          </a:p>
-          <a:p>
-            <a:pPr lvl="1"/>
-            <a:r>
-              <a:rPr lang="pt-PT" dirty="0"/>
-              <a:t>Time - </a:t>
-            </a:r>
-            <a:r>
-              <a:rPr lang="pt-PT" dirty="0" err="1"/>
-              <a:t>between</a:t>
-            </a:r>
-            <a:r>
-              <a:rPr lang="pt-PT" dirty="0"/>
-              <a:t> 0.147 </a:t>
-            </a:r>
-            <a:r>
-              <a:rPr lang="pt-PT" dirty="0" err="1"/>
-              <a:t>and</a:t>
-            </a:r>
-            <a:r>
-              <a:rPr lang="pt-PT" dirty="0"/>
-              <a:t> 0.962</a:t>
-            </a:r>
-          </a:p>
-          <a:p>
-            <a:r>
-              <a:rPr lang="pt-PT" dirty="0" err="1"/>
-              <a:t>Holmberg</a:t>
-            </a:r>
-            <a:r>
-              <a:rPr lang="pt-PT" dirty="0"/>
-              <a:t>:</a:t>
-            </a:r>
-          </a:p>
-          <a:p>
-            <a:pPr lvl="1"/>
-            <a:r>
-              <a:rPr lang="pt-PT" dirty="0"/>
-              <a:t>Gap - </a:t>
-            </a:r>
-            <a:r>
-              <a:rPr lang="pt-PT" dirty="0" err="1"/>
-              <a:t>between</a:t>
-            </a:r>
-            <a:r>
-              <a:rPr lang="pt-PT" dirty="0"/>
-              <a:t> 40.570 </a:t>
-            </a:r>
-            <a:r>
-              <a:rPr lang="pt-PT" dirty="0" err="1"/>
-              <a:t>and</a:t>
-            </a:r>
-            <a:r>
-              <a:rPr lang="pt-PT" dirty="0"/>
-              <a:t> 967.445</a:t>
-            </a:r>
-          </a:p>
-          <a:p>
-            <a:pPr lvl="1"/>
-            <a:r>
-              <a:rPr lang="pt-PT" dirty="0"/>
-              <a:t>Time - </a:t>
-            </a:r>
-            <a:r>
-              <a:rPr lang="pt-PT" dirty="0" err="1"/>
-              <a:t>between</a:t>
-            </a:r>
-            <a:r>
-              <a:rPr lang="pt-PT" dirty="0"/>
-              <a:t> 0.386 </a:t>
-            </a:r>
-            <a:r>
-              <a:rPr lang="pt-PT" dirty="0" err="1"/>
-              <a:t>and</a:t>
-            </a:r>
-            <a:r>
-              <a:rPr lang="pt-PT" dirty="0"/>
-              <a:t> 2.273</a:t>
-            </a:r>
-          </a:p>
-          <a:p>
-            <a:r>
-              <a:rPr lang="pt-PT" dirty="0"/>
-              <a:t>OR-</a:t>
-            </a:r>
-            <a:r>
-              <a:rPr lang="pt-PT" dirty="0" err="1"/>
-              <a:t>Library</a:t>
-            </a:r>
-            <a:r>
-              <a:rPr lang="pt-PT" dirty="0"/>
-              <a:t> (9 OS out </a:t>
-            </a:r>
-            <a:r>
-              <a:rPr lang="pt-PT" dirty="0" err="1"/>
-              <a:t>of</a:t>
-            </a:r>
-            <a:r>
-              <a:rPr lang="pt-PT" dirty="0"/>
-              <a:t> </a:t>
-            </a:r>
-            <a:r>
-              <a:rPr lang="pt-PT" u="sng" dirty="0"/>
-              <a:t>36</a:t>
-            </a:r>
-            <a:r>
-              <a:rPr lang="pt-PT" dirty="0"/>
-              <a:t>)</a:t>
-            </a:r>
-          </a:p>
-          <a:p>
-            <a:pPr lvl="1"/>
-            <a:r>
-              <a:rPr lang="pt-PT" dirty="0"/>
-              <a:t>Gap - </a:t>
-            </a:r>
-            <a:r>
-              <a:rPr lang="pt-PT" dirty="0" err="1"/>
-              <a:t>between</a:t>
-            </a:r>
-            <a:r>
-              <a:rPr lang="pt-PT" dirty="0"/>
-              <a:t> 20.596 </a:t>
-            </a:r>
-            <a:r>
-              <a:rPr lang="pt-PT" dirty="0" err="1"/>
-              <a:t>and</a:t>
-            </a:r>
-            <a:r>
-              <a:rPr lang="pt-PT" dirty="0"/>
-              <a:t> 197.881</a:t>
-            </a:r>
-          </a:p>
-          <a:p>
-            <a:pPr lvl="1"/>
-            <a:r>
-              <a:rPr lang="pt-PT" dirty="0"/>
-              <a:t>Time - </a:t>
-            </a:r>
-            <a:r>
-              <a:rPr lang="pt-PT" dirty="0" err="1"/>
-              <a:t>between</a:t>
-            </a:r>
-            <a:r>
-              <a:rPr lang="pt-PT" dirty="0"/>
-              <a:t> 0.151 </a:t>
-            </a:r>
-            <a:r>
-              <a:rPr lang="pt-PT" dirty="0" err="1"/>
-              <a:t>and</a:t>
-            </a:r>
-            <a:r>
-              <a:rPr lang="pt-PT" dirty="0"/>
-              <a:t> 38.465</a:t>
-            </a:r>
-          </a:p>
-          <a:p>
-            <a:r>
-              <a:rPr lang="pt-PT" dirty="0"/>
-              <a:t>Yang (9 OS out </a:t>
-            </a:r>
-            <a:r>
-              <a:rPr lang="pt-PT" dirty="0" err="1"/>
-              <a:t>of</a:t>
-            </a:r>
-            <a:r>
-              <a:rPr lang="pt-PT" dirty="0"/>
-              <a:t> 20)</a:t>
-            </a:r>
-          </a:p>
-          <a:p>
-            <a:pPr lvl="1"/>
-            <a:r>
-              <a:rPr lang="pt-PT" dirty="0"/>
-              <a:t>Gap - </a:t>
-            </a:r>
-            <a:r>
-              <a:rPr lang="pt-PT" dirty="0" err="1"/>
-              <a:t>between</a:t>
-            </a:r>
-            <a:r>
-              <a:rPr lang="pt-PT" dirty="0"/>
-              <a:t> 47.066 </a:t>
-            </a:r>
-            <a:r>
-              <a:rPr lang="pt-PT" dirty="0" err="1"/>
-              <a:t>and</a:t>
-            </a:r>
-            <a:r>
-              <a:rPr lang="pt-PT" dirty="0"/>
-              <a:t> 87.332</a:t>
-            </a:r>
-          </a:p>
-          <a:p>
-            <a:pPr lvl="1"/>
-            <a:r>
-              <a:rPr lang="pt-PT" dirty="0"/>
-              <a:t>Time - </a:t>
-            </a:r>
-            <a:r>
-              <a:rPr lang="pt-PT" dirty="0" err="1"/>
-              <a:t>between</a:t>
-            </a:r>
-            <a:r>
-              <a:rPr lang="pt-PT" dirty="0"/>
-              <a:t> 1.459 </a:t>
-            </a:r>
-            <a:r>
-              <a:rPr lang="pt-PT" dirty="0" err="1"/>
-              <a:t>and</a:t>
-            </a:r>
-            <a:r>
-              <a:rPr lang="pt-PT" dirty="0"/>
-              <a:t> 6.131</a:t>
-            </a:r>
-          </a:p>
-          <a:p>
-            <a:r>
-              <a:rPr lang="pt-PT" dirty="0"/>
-              <a:t>TBED1 (0 OS out </a:t>
-            </a:r>
-            <a:r>
-              <a:rPr lang="pt-PT" dirty="0" err="1"/>
-              <a:t>of</a:t>
-            </a:r>
-            <a:r>
-              <a:rPr lang="pt-PT" dirty="0"/>
-              <a:t> 60)</a:t>
-            </a:r>
-          </a:p>
-          <a:p>
-            <a:pPr lvl="1"/>
-            <a:r>
-              <a:rPr lang="pt-PT" dirty="0"/>
-              <a:t>Gap - </a:t>
-            </a:r>
-            <a:r>
-              <a:rPr lang="pt-PT" dirty="0" err="1"/>
-              <a:t>between</a:t>
-            </a:r>
-            <a:r>
-              <a:rPr lang="pt-PT" dirty="0"/>
-              <a:t> 138.103 </a:t>
-            </a:r>
-            <a:r>
-              <a:rPr lang="pt-PT" dirty="0" err="1"/>
-              <a:t>and</a:t>
-            </a:r>
-            <a:r>
-              <a:rPr lang="pt-PT" dirty="0"/>
-              <a:t> 935.264</a:t>
-            </a:r>
-          </a:p>
-          <a:p>
-            <a:pPr lvl="1"/>
-            <a:r>
-              <a:rPr lang="pt-PT" dirty="0"/>
-              <a:t>Time - </a:t>
-            </a:r>
-            <a:r>
-              <a:rPr lang="pt-PT" dirty="0" err="1"/>
-              <a:t>between</a:t>
-            </a:r>
-            <a:r>
-              <a:rPr lang="pt-PT" dirty="0"/>
-              <a:t> 3.461 </a:t>
-            </a:r>
-            <a:r>
-              <a:rPr lang="pt-PT" dirty="0" err="1"/>
-              <a:t>and</a:t>
-            </a:r>
-            <a:r>
-              <a:rPr lang="pt-PT" dirty="0"/>
-              <a:t> 335.711 </a:t>
-            </a:r>
-          </a:p>
-          <a:p>
-            <a:endParaRPr lang="pt-PT" dirty="0"/>
+            <a:fld id="{91727942-0F31-8246-9E69-0AE29DBBE5E4}" type="slidenum">
+              <a:rPr lang="en-US" smtClean="0">
+                <a:solidFill>
+                  <a:prstClr val="black">
+                    <a:tint val="75000"/>
+                  </a:prstClr>
+                </a:solidFill>
+              </a:rPr>
+              <a:pPr/>
+              <a:t>13</a:t>
+            </a:fld>
+            <a:endParaRPr lang="en-US">
+              <a:solidFill>
+                <a:prstClr val="black">
+                  <a:tint val="75000"/>
+                </a:prstClr>
+              </a:solidFill>
+            </a:endParaRPr>
           </a:p>
         </p:txBody>
       </p:sp>
     </p:spTree>
     <p:extLst>
       <p:ext uri="{BB962C8B-B14F-4D97-AF65-F5344CB8AC3E}">
-        <p14:creationId xmlns:p14="http://schemas.microsoft.com/office/powerpoint/2010/main" val="2921815347"/>
+        <p14:creationId xmlns:p14="http://schemas.microsoft.com/office/powerpoint/2010/main" val="2513354738"/>
       </p:ext>
     </p:extLst>
   </p:cSld>
@@ -7979,16 +7894,21 @@
             </a:r>
             <a:r>
               <a:rPr lang="pt-PT" dirty="0"/>
-              <a:t> Local </a:t>
-            </a:r>
-            <a:r>
-              <a:rPr lang="pt-PT" dirty="0" err="1"/>
-              <a:t>Search</a:t>
-            </a:r>
-            <a:r>
-              <a:rPr lang="pt-PT" dirty="0"/>
-              <a:t> Shift</a:t>
-            </a:r>
+              <a:t> </a:t>
+            </a:r>
+            <a:r>
+              <a:rPr lang="pt-PT" dirty="0" err="1"/>
+              <a:t>Heuristic</a:t>
+            </a:r>
+            <a:r>
+              <a:rPr lang="pt-PT" dirty="0"/>
+              <a:t> </a:t>
+            </a:r>
+            <a:r>
+              <a:rPr lang="pt-PT" dirty="0" err="1"/>
+              <a:t>Constructive</a:t>
+            </a:r>
+            <a:endParaRPr lang="pt-PT" dirty="0"/>
           </a:p>
         </p:txBody>
       </p:sp>
@@ -8036,7 +7956,7 @@
             </a:r>
             <a:r>
               <a:rPr lang="pt-PT" dirty="0"/>
-              <a:t> 5.949 </a:t>
+              <a:t> 6.853 </a:t>
             </a:r>
             <a:r>
               <a:rPr lang="pt-PT" dirty="0" err="1"/>
@@ -8044,7 +7964,7 @@
             </a:r>
             <a:r>
               <a:rPr lang="pt-PT" dirty="0"/>
-              <a:t> 49.677</a:t>
+              <a:t> 69.391</a:t>
             </a:r>
           </a:p>
           <a:p>
@@ -8059,7 +7979,7 @@
             </a:r>
             <a:r>
               <a:rPr lang="pt-PT" dirty="0"/>
-              <a:t> 0.049 </a:t>
+              <a:t> 0.147 </a:t>
             </a:r>
             <a:r>
               <a:rPr lang="pt-PT" dirty="0" err="1"/>
@@ -8067,7 +7987,7 @@
             </a:r>
             <a:r>
               <a:rPr lang="pt-PT" dirty="0"/>
-              <a:t> 0.427</a:t>
+              <a:t> 0.962</a:t>
             </a:r>
           </a:p>
           <a:p>
@@ -8092,7 +8012,7 @@
             </a:r>
             <a:r>
               <a:rPr lang="pt-PT" dirty="0"/>
-              <a:t> 38.231 </a:t>
+              <a:t> 40.570 </a:t>
             </a:r>
             <a:r>
               <a:rPr lang="pt-PT" dirty="0" err="1"/>
@@ -8115,7 +8035,7 @@
             </a:r>
             <a:r>
               <a:rPr lang="pt-PT" dirty="0"/>
-              <a:t> 0.070 </a:t>
+              <a:t> 0.386 </a:t>
             </a:r>
             <a:r>
               <a:rPr lang="pt-PT" dirty="0" err="1"/>
@@ -8123,7 +8043,7 @@
             </a:r>
             <a:r>
               <a:rPr lang="pt-PT" dirty="0"/>
-              <a:t> 1.045</a:t>
+              <a:t> 2.273</a:t>
             </a:r>
           </a:p>
           <a:p>
@@ -8176,7 +8096,7 @@
             </a:r>
             <a:r>
               <a:rPr lang="pt-PT" dirty="0"/>
-              <a:t> 181.168</a:t>
+              <a:t> 197.881</a:t>
             </a:r>
           </a:p>
           <a:p>
@@ -8191,7 +8111,7 @@
             </a:r>
             <a:r>
               <a:rPr lang="pt-PT" dirty="0"/>
-              <a:t> 0.071 </a:t>
+              <a:t> 0.151 </a:t>
             </a:r>
             <a:r>
               <a:rPr lang="pt-PT" dirty="0" err="1"/>
@@ -8199,7 +8119,7 @@
             </a:r>
             <a:r>
               <a:rPr lang="pt-PT" dirty="0"/>
-              <a:t> 11.022</a:t>
+              <a:t> 38.465</a:t>
             </a:r>
           </a:p>
           <a:p>
@@ -8228,7 +8148,7 @@
             </a:r>
             <a:r>
               <a:rPr lang="pt-PT" dirty="0"/>
-              <a:t> 32.868 </a:t>
+              <a:t> 47.066 </a:t>
             </a:r>
             <a:r>
               <a:rPr lang="pt-PT" dirty="0" err="1"/>
@@ -8236,7 +8156,7 @@
             </a:r>
             <a:r>
               <a:rPr lang="pt-PT" dirty="0"/>
-              <a:t> 70.159</a:t>
+              <a:t> 87.332</a:t>
             </a:r>
           </a:p>
           <a:p>
@@ -8251,7 +8171,7 @@
             </a:r>
             <a:r>
               <a:rPr lang="pt-PT" dirty="0"/>
-              <a:t> 0.571 </a:t>
+              <a:t> 1.459 </a:t>
             </a:r>
             <a:r>
               <a:rPr lang="pt-PT" dirty="0" err="1"/>
@@ -8259,7 +8179,7 @@
             </a:r>
             <a:r>
               <a:rPr lang="pt-PT" dirty="0"/>
-              <a:t> 2.791</a:t>
+              <a:t> 6.131</a:t>
             </a:r>
           </a:p>
           <a:p>
@@ -8288,7 +8208,7 @@
             </a:r>
             <a:r>
               <a:rPr lang="pt-PT" dirty="0"/>
-              <a:t> 103.657 </a:t>
+              <a:t> 138.103 </a:t>
             </a:r>
             <a:r>
               <a:rPr lang="pt-PT" dirty="0" err="1"/>
@@ -8296,7 +8216,7 @@
             </a:r>
             <a:r>
               <a:rPr lang="pt-PT" dirty="0"/>
-              <a:t> 891.159</a:t>
+              <a:t> 935.264</a:t>
             </a:r>
           </a:p>
           <a:p>
@@ -8311,7 +8231,7 @@
             </a:r>
             <a:r>
               <a:rPr lang="pt-PT" dirty="0"/>
-              <a:t> 103.051 </a:t>
+              <a:t> 3.461 </a:t>
             </a:r>
             <a:r>
               <a:rPr lang="pt-PT" dirty="0" err="1"/>
@@ -8319,18 +8239,60 @@
             </a:r>
             <a:r>
               <a:rPr lang="pt-PT" dirty="0"/>
-              <a:t> 4.188</a:t>
+              <a:t> 335.711 </a:t>
             </a:r>
           </a:p>
           <a:p>
             <a:endParaRPr lang="pt-PT" dirty="0"/>
+          </a:p>
+        </p:txBody>
+      </p:sp>
+      <p:sp>
+        <p:nvSpPr>
+          <p:cNvPr id="4" name="Marcador de Posição do Número do Diapositivo 3">
+            <a:extLst>
+              <a:ext uri="{FF2B5EF4-FFF2-40B4-BE49-F238E27FC236}">
+                <a16:creationId xmlns:a16="http://schemas.microsoft.com/office/drawing/2014/main" id="{5234237C-0714-42F0-5C55-34F5A85336EE}"/>
+              </a:ext>
+            </a:extLst>
+          </p:cNvPr>
+          <p:cNvSpPr>
+            <a:spLocks noGrp="1"/>
+          </p:cNvSpPr>
+          <p:nvPr>
+            <p:ph type="sldNum" sz="quarter" idx="12"/>
+          </p:nvPr>
+        </p:nvSpPr>
+        <p:spPr/>
+        <p:txBody>
+          <a:bodyPr/>
+          <a:lstStyle/>
+          <a:p>
+            <a:fld id="{91727942-0F31-8246-9E69-0AE29DBBE5E4}" type="slidenum">
+              <a:rPr lang="en-US" smtClean="0">
+                <a:solidFill>
+                  <a:prstClr val="black">
+                    <a:tint val="75000"/>
+                  </a:prstClr>
+                </a:solidFill>
+              </a:rPr>
+              <a:pPr/>
+              <a:t>14</a:t>
+            </a:fld>
+            <a:endParaRPr lang="en-US">
+              <a:solidFill>
+                <a:prstClr val="black">
+                  <a:tint val="75000"/>
+                </a:prstClr>
+              </a:solidFill>
+            </a:endParaRPr>
           </a:p>
         </p:txBody>
       </p:sp>
     </p:spTree>
     <p:extLst>
       <p:ext uri="{BB962C8B-B14F-4D97-AF65-F5344CB8AC3E}">
-        <p14:creationId xmlns:p14="http://schemas.microsoft.com/office/powerpoint/2010/main" val="2908959682"/>
+        <p14:creationId xmlns:p14="http://schemas.microsoft.com/office/powerpoint/2010/main" val="2921815347"/>
       </p:ext>
     </p:extLst>
   </p:cSld>
@@ -8410,13 +8372,8 @@
             </a:r>
             <a:r>
               <a:rPr lang="pt-PT" dirty="0"/>
-              <a:t> </a:t>
-            </a:r>
-            <a:r>
-              <a:rPr lang="pt-PT" dirty="0" err="1"/>
-              <a:t>Swap</a:t>
-            </a:r>
-            <a:endParaRPr lang="pt-PT" dirty="0"/>
+              <a:t> Shift</a:t>
+            </a:r>
           </a:p>
         </p:txBody>
       </p:sp>
@@ -8464,7 +8421,7 @@
             </a:r>
             <a:r>
               <a:rPr lang="pt-PT" dirty="0"/>
-              <a:t> 2.165 </a:t>
+              <a:t> 5.949 </a:t>
             </a:r>
             <a:r>
               <a:rPr lang="pt-PT" dirty="0" err="1"/>
@@ -8472,7 +8429,7 @@
             </a:r>
             <a:r>
               <a:rPr lang="pt-PT" dirty="0"/>
-              <a:t> 32.991</a:t>
+              <a:t> 49.677</a:t>
             </a:r>
           </a:p>
           <a:p>
@@ -8487,7 +8444,7 @@
             </a:r>
             <a:r>
               <a:rPr lang="pt-PT" dirty="0"/>
-              <a:t> 0.113 </a:t>
+              <a:t> 0.049 </a:t>
             </a:r>
             <a:r>
               <a:rPr lang="pt-PT" dirty="0" err="1"/>
@@ -8495,7 +8452,7 @@
             </a:r>
             <a:r>
               <a:rPr lang="pt-PT" dirty="0"/>
-              <a:t> 17.235</a:t>
+              <a:t> 0.427</a:t>
             </a:r>
           </a:p>
           <a:p>
@@ -8520,7 +8477,7 @@
             </a:r>
             <a:r>
               <a:rPr lang="pt-PT" dirty="0"/>
-              <a:t> 22.246 </a:t>
+              <a:t> 38.231 </a:t>
             </a:r>
             <a:r>
               <a:rPr lang="pt-PT" dirty="0" err="1"/>
@@ -8528,7 +8485,7 @@
             </a:r>
             <a:r>
               <a:rPr lang="pt-PT" dirty="0"/>
-              <a:t> 796.071</a:t>
+              <a:t> 967.445</a:t>
             </a:r>
           </a:p>
           <a:p>
@@ -8543,7 +8500,7 @@
             </a:r>
             <a:r>
               <a:rPr lang="pt-PT" dirty="0"/>
-              <a:t> 1.184  </a:t>
+              <a:t> 0.070 </a:t>
             </a:r>
             <a:r>
               <a:rPr lang="pt-PT" dirty="0" err="1"/>
@@ -8551,7 +8508,7 @@
             </a:r>
             <a:r>
               <a:rPr lang="pt-PT" dirty="0"/>
-              <a:t> 164.174</a:t>
+              <a:t> 1.045</a:t>
             </a:r>
           </a:p>
           <a:p>
@@ -8604,7 +8561,7 @@
             </a:r>
             <a:r>
               <a:rPr lang="pt-PT" dirty="0"/>
-              <a:t> 90.992</a:t>
+              <a:t> 181.168</a:t>
             </a:r>
           </a:p>
           <a:p>
@@ -8619,7 +8576,7 @@
             </a:r>
             <a:r>
               <a:rPr lang="pt-PT" dirty="0"/>
-              <a:t>  </a:t>
+              <a:t> 0.071 </a:t>
             </a:r>
             <a:r>
               <a:rPr lang="pt-PT" dirty="0" err="1"/>
@@ -8627,7 +8584,7 @@
             </a:r>
             <a:r>
               <a:rPr lang="pt-PT" dirty="0"/>
-              <a:t> 22156.194</a:t>
+              <a:t> 11.022</a:t>
             </a:r>
           </a:p>
           <a:p>
@@ -8656,7 +8613,7 @@
             </a:r>
             <a:r>
               <a:rPr lang="pt-PT" dirty="0"/>
-              <a:t> 10.054 </a:t>
+              <a:t> 32.868 </a:t>
             </a:r>
             <a:r>
               <a:rPr lang="pt-PT" dirty="0" err="1"/>
@@ -8664,7 +8621,7 @@
             </a:r>
             <a:r>
               <a:rPr lang="pt-PT" dirty="0"/>
-              <a:t> 29.627</a:t>
+              <a:t> 70.159</a:t>
             </a:r>
           </a:p>
           <a:p>
@@ -8679,7 +8636,7 @@
             </a:r>
             <a:r>
               <a:rPr lang="pt-PT" dirty="0"/>
-              <a:t> 84.428 </a:t>
+              <a:t> 0.571 </a:t>
             </a:r>
             <a:r>
               <a:rPr lang="pt-PT" dirty="0" err="1"/>
@@ -8687,7 +8644,7 @@
             </a:r>
             <a:r>
               <a:rPr lang="pt-PT" dirty="0"/>
-              <a:t> 1029.903</a:t>
+              <a:t> 2.791</a:t>
             </a:r>
           </a:p>
           <a:p>
@@ -8716,7 +8673,7 @@
             </a:r>
             <a:r>
               <a:rPr lang="pt-PT" dirty="0"/>
-              <a:t> 21.465 </a:t>
+              <a:t> 103.657 </a:t>
             </a:r>
             <a:r>
               <a:rPr lang="pt-PT" dirty="0" err="1"/>
@@ -8724,7 +8681,7 @@
             </a:r>
             <a:r>
               <a:rPr lang="pt-PT" dirty="0"/>
-              <a:t> 486.662</a:t>
+              <a:t> 891.159</a:t>
             </a:r>
           </a:p>
           <a:p>
@@ -8739,7 +8696,7 @@
             </a:r>
             <a:r>
               <a:rPr lang="pt-PT" dirty="0"/>
-              <a:t> 289.036 </a:t>
+              <a:t> 103.051 </a:t>
             </a:r>
             <a:r>
               <a:rPr lang="pt-PT" dirty="0" err="1"/>
@@ -8747,18 +8704,60 @@
             </a:r>
             <a:r>
               <a:rPr lang="pt-PT" dirty="0"/>
-              <a:t> 132175.172</a:t>
+              <a:t> 4.188</a:t>
             </a:r>
           </a:p>
           <a:p>
             <a:endParaRPr lang="pt-PT" dirty="0"/>
+          </a:p>
+        </p:txBody>
+      </p:sp>
+      <p:sp>
+        <p:nvSpPr>
+          <p:cNvPr id="4" name="Marcador de Posição do Número do Diapositivo 3">
+            <a:extLst>
+              <a:ext uri="{FF2B5EF4-FFF2-40B4-BE49-F238E27FC236}">
+                <a16:creationId xmlns:a16="http://schemas.microsoft.com/office/drawing/2014/main" id="{FA48C35D-5771-7FE7-4660-F09925634B31}"/>
+              </a:ext>
+            </a:extLst>
+          </p:cNvPr>
+          <p:cNvSpPr>
+            <a:spLocks noGrp="1"/>
+          </p:cNvSpPr>
+          <p:nvPr>
+            <p:ph type="sldNum" sz="quarter" idx="12"/>
+          </p:nvPr>
+        </p:nvSpPr>
+        <p:spPr/>
+        <p:txBody>
+          <a:bodyPr/>
+          <a:lstStyle/>
+          <a:p>
+            <a:fld id="{91727942-0F31-8246-9E69-0AE29DBBE5E4}" type="slidenum">
+              <a:rPr lang="en-US" smtClean="0">
+                <a:solidFill>
+                  <a:prstClr val="black">
+                    <a:tint val="75000"/>
+                  </a:prstClr>
+                </a:solidFill>
+              </a:rPr>
+              <a:pPr/>
+              <a:t>15</a:t>
+            </a:fld>
+            <a:endParaRPr lang="en-US">
+              <a:solidFill>
+                <a:prstClr val="black">
+                  <a:tint val="75000"/>
+                </a:prstClr>
+              </a:solidFill>
+            </a:endParaRPr>
           </a:p>
         </p:txBody>
       </p:sp>
     </p:spTree>
     <p:extLst>
       <p:ext uri="{BB962C8B-B14F-4D97-AF65-F5344CB8AC3E}">
-        <p14:creationId xmlns:p14="http://schemas.microsoft.com/office/powerpoint/2010/main" val="3048003526"/>
+        <p14:creationId xmlns:p14="http://schemas.microsoft.com/office/powerpoint/2010/main" val="2908959682"/>
       </p:ext>
     </p:extLst>
   </p:cSld>
@@ -8790,7 +8789,7 @@
           <p:cNvPr id="2" name="Título 1">
             <a:extLst>
               <a:ext uri="{FF2B5EF4-FFF2-40B4-BE49-F238E27FC236}">
-                <a16:creationId xmlns:a16="http://schemas.microsoft.com/office/drawing/2014/main" id="{733842DD-E028-2728-5794-61A1920AA9AF}"/>
+                <a16:creationId xmlns:a16="http://schemas.microsoft.com/office/drawing/2014/main" id="{04E4B5AE-7F82-3BFF-C656-BDBEBAC95271}"/>
               </a:ext>
             </a:extLst>
           </p:cNvPr>
@@ -8830,7 +8829,7 @@
             </a:r>
             <a:r>
               <a:rPr lang="pt-PT" dirty="0"/>
-              <a:t> GRASP – Local </a:t>
+              <a:t> Local </a:t>
             </a:r>
             <a:r>
               <a:rPr lang="pt-PT" dirty="0" err="1"/>
@@ -8838,8 +8837,13 @@
             </a:r>
             <a:r>
               <a:rPr lang="pt-PT" dirty="0"/>
-              <a:t> Shift</a:t>
-            </a:r>
+              <a:t> </a:t>
+            </a:r>
+            <a:r>
+              <a:rPr lang="pt-PT" dirty="0" err="1"/>
+              <a:t>Swap</a:t>
+            </a:r>
+            <a:endParaRPr lang="pt-PT" dirty="0"/>
           </a:p>
         </p:txBody>
       </p:sp>
@@ -8848,7 +8852,7 @@
           <p:cNvPr id="3" name="Marcador de Posição de Conteúdo 2">
             <a:extLst>
               <a:ext uri="{FF2B5EF4-FFF2-40B4-BE49-F238E27FC236}">
-                <a16:creationId xmlns:a16="http://schemas.microsoft.com/office/drawing/2014/main" id="{81537AC6-9F9F-4B01-DC13-1FF456F37681}"/>
+                <a16:creationId xmlns:a16="http://schemas.microsoft.com/office/drawing/2014/main" id="{D0EE71FC-D94D-00ED-191F-1FA4CC307E9B}"/>
               </a:ext>
             </a:extLst>
           </p:cNvPr>
@@ -8887,7 +8891,7 @@
             </a:r>
             <a:r>
               <a:rPr lang="pt-PT" dirty="0"/>
-              <a:t> 1.398 </a:t>
+              <a:t> 2.165 </a:t>
             </a:r>
             <a:r>
               <a:rPr lang="pt-PT" dirty="0" err="1"/>
@@ -8895,7 +8899,7 @@
             </a:r>
             <a:r>
               <a:rPr lang="pt-PT" dirty="0"/>
-              <a:t> 34.360</a:t>
+              <a:t> 32.991</a:t>
             </a:r>
           </a:p>
           <a:p>
@@ -8910,7 +8914,7 @@
             </a:r>
             <a:r>
               <a:rPr lang="pt-PT" dirty="0"/>
-              <a:t> 0.636 </a:t>
+              <a:t> 0.113 </a:t>
             </a:r>
             <a:r>
               <a:rPr lang="pt-PT" dirty="0" err="1"/>
@@ -8918,7 +8922,7 @@
             </a:r>
             <a:r>
               <a:rPr lang="pt-PT" dirty="0"/>
-              <a:t> 2.566</a:t>
+              <a:t> 17.235</a:t>
             </a:r>
           </a:p>
           <a:p>
@@ -8943,7 +8947,7 @@
             </a:r>
             <a:r>
               <a:rPr lang="pt-PT" dirty="0"/>
-              <a:t> 2.363 </a:t>
+              <a:t> 22.246 </a:t>
             </a:r>
             <a:r>
               <a:rPr lang="pt-PT" dirty="0" err="1"/>
@@ -8951,7 +8955,7 @@
             </a:r>
             <a:r>
               <a:rPr lang="pt-PT" dirty="0"/>
-              <a:t> 113.402</a:t>
+              <a:t> 796.071</a:t>
             </a:r>
           </a:p>
           <a:p>
@@ -8966,7 +8970,7 @@
             </a:r>
             <a:r>
               <a:rPr lang="pt-PT" dirty="0"/>
-              <a:t> 0.802 </a:t>
+              <a:t> 1.184  </a:t>
             </a:r>
             <a:r>
               <a:rPr lang="pt-PT" dirty="0" err="1"/>
@@ -8974,7 +8978,7 @@
             </a:r>
             <a:r>
               <a:rPr lang="pt-PT" dirty="0"/>
-              <a:t> 4.753</a:t>
+              <a:t> 164.174</a:t>
             </a:r>
           </a:p>
           <a:p>
@@ -9019,7 +9023,7 @@
             </a:r>
             <a:r>
               <a:rPr lang="pt-PT" dirty="0"/>
-              <a:t> 3.300 </a:t>
+              <a:t> 20.596 </a:t>
             </a:r>
             <a:r>
               <a:rPr lang="pt-PT" dirty="0" err="1"/>
@@ -9027,7 +9031,7 @@
             </a:r>
             <a:r>
               <a:rPr lang="pt-PT" dirty="0"/>
-              <a:t> 57.308</a:t>
+              <a:t> 90.992</a:t>
             </a:r>
           </a:p>
           <a:p>
@@ -9042,7 +9046,7 @@
             </a:r>
             <a:r>
               <a:rPr lang="pt-PT" dirty="0"/>
-              <a:t> 0.890 </a:t>
+              <a:t>  </a:t>
             </a:r>
             <a:r>
               <a:rPr lang="pt-PT" dirty="0" err="1"/>
@@ -9050,7 +9054,7 @@
             </a:r>
             <a:r>
               <a:rPr lang="pt-PT" dirty="0"/>
-              <a:t> 45.524</a:t>
+              <a:t> 22156.194</a:t>
             </a:r>
           </a:p>
           <a:p>
@@ -9079,7 +9083,7 @@
             </a:r>
             <a:r>
               <a:rPr lang="pt-PT" dirty="0"/>
-              <a:t> 12.349 </a:t>
+              <a:t> 10.054 </a:t>
             </a:r>
             <a:r>
               <a:rPr lang="pt-PT" dirty="0" err="1"/>
@@ -9087,7 +9091,7 @@
             </a:r>
             <a:r>
               <a:rPr lang="pt-PT" dirty="0"/>
-              <a:t> 25.308</a:t>
+              <a:t> 29.627</a:t>
             </a:r>
           </a:p>
           <a:p>
@@ -9102,7 +9106,7 @@
             </a:r>
             <a:r>
               <a:rPr lang="pt-PT" dirty="0"/>
-              <a:t> 3.587 </a:t>
+              <a:t> 84.428 </a:t>
             </a:r>
             <a:r>
               <a:rPr lang="pt-PT" dirty="0" err="1"/>
@@ -9110,7 +9114,7 @@
             </a:r>
             <a:r>
               <a:rPr lang="pt-PT" dirty="0"/>
-              <a:t> 21.335</a:t>
+              <a:t> 1029.903</a:t>
             </a:r>
           </a:p>
           <a:p>
@@ -9139,7 +9143,7 @@
             </a:r>
             <a:r>
               <a:rPr lang="pt-PT" dirty="0"/>
-              <a:t> 24.413 </a:t>
+              <a:t> 21.465 </a:t>
             </a:r>
             <a:r>
               <a:rPr lang="pt-PT" dirty="0" err="1"/>
@@ -9147,7 +9151,7 @@
             </a:r>
             <a:r>
               <a:rPr lang="pt-PT" dirty="0"/>
-              <a:t> 203.048</a:t>
+              <a:t> 486.662</a:t>
             </a:r>
           </a:p>
           <a:p>
@@ -9162,7 +9166,7 @@
             </a:r>
             <a:r>
               <a:rPr lang="pt-PT" dirty="0"/>
-              <a:t> 152.889 </a:t>
+              <a:t> 289.036 </a:t>
             </a:r>
             <a:r>
               <a:rPr lang="pt-PT" dirty="0" err="1"/>
@@ -9170,15 +9174,60 @@
             </a:r>
             <a:r>
               <a:rPr lang="pt-PT" dirty="0"/>
-              <a:t> 27589.182</a:t>
-            </a:r>
+              <a:t> 132175.172</a:t>
+            </a:r>
+          </a:p>
+          <a:p>
+            <a:endParaRPr lang="pt-PT" dirty="0"/>
+          </a:p>
+        </p:txBody>
+      </p:sp>
+      <p:sp>
+        <p:nvSpPr>
+          <p:cNvPr id="4" name="Marcador de Posição do Número do Diapositivo 3">
+            <a:extLst>
+              <a:ext uri="{FF2B5EF4-FFF2-40B4-BE49-F238E27FC236}">
+                <a16:creationId xmlns:a16="http://schemas.microsoft.com/office/drawing/2014/main" id="{BD5D1C43-7DF6-65CB-A434-F78AFDA9D579}"/>
+              </a:ext>
+            </a:extLst>
+          </p:cNvPr>
+          <p:cNvSpPr>
+            <a:spLocks noGrp="1"/>
+          </p:cNvSpPr>
+          <p:nvPr>
+            <p:ph type="sldNum" sz="quarter" idx="12"/>
+          </p:nvPr>
+        </p:nvSpPr>
+        <p:spPr/>
+        <p:txBody>
+          <a:bodyPr/>
+          <a:lstStyle/>
+          <a:p>
+            <a:fld id="{91727942-0F31-8246-9E69-0AE29DBBE5E4}" type="slidenum">
+              <a:rPr lang="en-US" smtClean="0">
+                <a:solidFill>
+                  <a:prstClr val="black">
+                    <a:tint val="75000"/>
+                  </a:prstClr>
+                </a:solidFill>
+              </a:rPr>
+              <a:pPr/>
+              <a:t>16</a:t>
+            </a:fld>
+            <a:endParaRPr lang="en-US">
+              <a:solidFill>
+                <a:prstClr val="black">
+                  <a:tint val="75000"/>
+                </a:prstClr>
+              </a:solidFill>
+            </a:endParaRPr>
           </a:p>
         </p:txBody>
       </p:sp>
     </p:spTree>
     <p:extLst>
       <p:ext uri="{BB962C8B-B14F-4D97-AF65-F5344CB8AC3E}">
-        <p14:creationId xmlns:p14="http://schemas.microsoft.com/office/powerpoint/2010/main" val="3595565641"/>
+        <p14:creationId xmlns:p14="http://schemas.microsoft.com/office/powerpoint/2010/main" val="3048003526"/>
       </p:ext>
     </p:extLst>
   </p:cSld>
@@ -9258,13 +9307,8 @@
             </a:r>
             <a:r>
               <a:rPr lang="pt-PT" dirty="0"/>
-              <a:t> </a:t>
-            </a:r>
-            <a:r>
-              <a:rPr lang="pt-PT" dirty="0" err="1"/>
-              <a:t>Swap</a:t>
-            </a:r>
-            <a:endParaRPr lang="pt-PT" dirty="0"/>
+              <a:t> Shift</a:t>
+            </a:r>
           </a:p>
         </p:txBody>
       </p:sp>
@@ -9312,7 +9356,7 @@
             </a:r>
             <a:r>
               <a:rPr lang="pt-PT" dirty="0"/>
-              <a:t> 0.397 </a:t>
+              <a:t> 1.398 </a:t>
             </a:r>
             <a:r>
               <a:rPr lang="pt-PT" dirty="0" err="1"/>
@@ -9320,7 +9364,7 @@
             </a:r>
             <a:r>
               <a:rPr lang="pt-PT" dirty="0"/>
-              <a:t> 36.852</a:t>
+              <a:t> 34.360</a:t>
             </a:r>
           </a:p>
           <a:p>
@@ -9335,7 +9379,7 @@
             </a:r>
             <a:r>
               <a:rPr lang="pt-PT" dirty="0"/>
-              <a:t> 0.930 </a:t>
+              <a:t> 0.636 </a:t>
             </a:r>
             <a:r>
               <a:rPr lang="pt-PT" dirty="0" err="1"/>
@@ -9343,7 +9387,7 @@
             </a:r>
             <a:r>
               <a:rPr lang="pt-PT" dirty="0"/>
-              <a:t> 5.553</a:t>
+              <a:t> 2.566</a:t>
             </a:r>
           </a:p>
           <a:p>
@@ -9368,7 +9412,7 @@
             </a:r>
             <a:r>
               <a:rPr lang="pt-PT" dirty="0"/>
-              <a:t> 4.599 </a:t>
+              <a:t> 2.363 </a:t>
             </a:r>
             <a:r>
               <a:rPr lang="pt-PT" dirty="0" err="1"/>
@@ -9376,7 +9420,7 @@
             </a:r>
             <a:r>
               <a:rPr lang="pt-PT" dirty="0"/>
-              <a:t> 125.677</a:t>
+              <a:t> 113.402</a:t>
             </a:r>
           </a:p>
           <a:p>
@@ -9391,7 +9435,7 @@
             </a:r>
             <a:r>
               <a:rPr lang="pt-PT" dirty="0"/>
-              <a:t> 1.719 </a:t>
+              <a:t> 0.802 </a:t>
             </a:r>
             <a:r>
               <a:rPr lang="pt-PT" dirty="0" err="1"/>
@@ -9399,7 +9443,7 @@
             </a:r>
             <a:r>
               <a:rPr lang="pt-PT" dirty="0"/>
-              <a:t> 35.11</a:t>
+              <a:t> 4.753</a:t>
             </a:r>
           </a:p>
           <a:p>
@@ -9444,7 +9488,7 @@
             </a:r>
             <a:r>
               <a:rPr lang="pt-PT" dirty="0"/>
-              <a:t> 9.029 </a:t>
+              <a:t> 3.300 </a:t>
             </a:r>
             <a:r>
               <a:rPr lang="pt-PT" dirty="0" err="1"/>
@@ -9467,7 +9511,7 @@
             </a:r>
             <a:r>
               <a:rPr lang="pt-PT" dirty="0"/>
-              <a:t> 1.810 </a:t>
+              <a:t> 0.890 </a:t>
             </a:r>
             <a:r>
               <a:rPr lang="pt-PT" dirty="0" err="1"/>
@@ -9475,7 +9519,7 @@
             </a:r>
             <a:r>
               <a:rPr lang="pt-PT" dirty="0"/>
-              <a:t> 8493.712</a:t>
+              <a:t> 45.524</a:t>
             </a:r>
           </a:p>
           <a:p>
@@ -9504,7 +9548,7 @@
             </a:r>
             <a:r>
               <a:rPr lang="pt-PT" dirty="0"/>
-              <a:t> 11.289 </a:t>
+              <a:t> 12.349 </a:t>
             </a:r>
             <a:r>
               <a:rPr lang="pt-PT" dirty="0" err="1"/>
@@ -9512,7 +9556,7 @@
             </a:r>
             <a:r>
               <a:rPr lang="pt-PT" dirty="0"/>
-              <a:t> 23.885</a:t>
+              <a:t> 25.308</a:t>
             </a:r>
           </a:p>
           <a:p>
@@ -9527,7 +9571,7 @@
             </a:r>
             <a:r>
               <a:rPr lang="pt-PT" dirty="0"/>
-              <a:t> 35.606 </a:t>
+              <a:t> 3.587 </a:t>
             </a:r>
             <a:r>
               <a:rPr lang="pt-PT" dirty="0" err="1"/>
@@ -9535,7 +9579,7 @@
             </a:r>
             <a:r>
               <a:rPr lang="pt-PT" dirty="0"/>
-              <a:t> 363.472</a:t>
+              <a:t> 21.335</a:t>
             </a:r>
           </a:p>
           <a:p>
@@ -9564,7 +9608,7 @@
             </a:r>
             <a:r>
               <a:rPr lang="pt-PT" dirty="0"/>
-              <a:t> 33.776 </a:t>
+              <a:t> 24.413 </a:t>
             </a:r>
             <a:r>
               <a:rPr lang="pt-PT" dirty="0" err="1"/>
@@ -9572,7 +9616,7 @@
             </a:r>
             <a:r>
               <a:rPr lang="pt-PT" dirty="0"/>
-              <a:t> 210.352</a:t>
+              <a:t> 203.048</a:t>
             </a:r>
           </a:p>
           <a:p>
@@ -9587,7 +9631,7 @@
             </a:r>
             <a:r>
               <a:rPr lang="pt-PT" dirty="0"/>
-              <a:t> 143.401 </a:t>
+              <a:t> 152.889 </a:t>
             </a:r>
             <a:r>
               <a:rPr lang="pt-PT" dirty="0" err="1"/>
@@ -9595,18 +9639,57 @@
             </a:r>
             <a:r>
               <a:rPr lang="pt-PT" dirty="0"/>
-              <a:t> 24081.043</a:t>
-            </a:r>
-          </a:p>
-          <a:p>
-            <a:endParaRPr lang="pt-PT" dirty="0"/>
+              <a:t> 27589.182</a:t>
+            </a:r>
+          </a:p>
+        </p:txBody>
+      </p:sp>
+      <p:sp>
+        <p:nvSpPr>
+          <p:cNvPr id="4" name="Marcador de Posição do Número do Diapositivo 3">
+            <a:extLst>
+              <a:ext uri="{FF2B5EF4-FFF2-40B4-BE49-F238E27FC236}">
+                <a16:creationId xmlns:a16="http://schemas.microsoft.com/office/drawing/2014/main" id="{4D9747ED-B2F6-EC34-8525-58847E9A98CA}"/>
+              </a:ext>
+            </a:extLst>
+          </p:cNvPr>
+          <p:cNvSpPr>
+            <a:spLocks noGrp="1"/>
+          </p:cNvSpPr>
+          <p:nvPr>
+            <p:ph type="sldNum" sz="quarter" idx="12"/>
+          </p:nvPr>
+        </p:nvSpPr>
+        <p:spPr/>
+        <p:txBody>
+          <a:bodyPr/>
+          <a:lstStyle/>
+          <a:p>
+            <a:fld id="{91727942-0F31-8246-9E69-0AE29DBBE5E4}" type="slidenum">
+              <a:rPr lang="en-US" smtClean="0">
+                <a:solidFill>
+                  <a:prstClr val="black">
+                    <a:tint val="75000"/>
+                  </a:prstClr>
+                </a:solidFill>
+              </a:rPr>
+              <a:pPr/>
+              <a:t>17</a:t>
+            </a:fld>
+            <a:endParaRPr lang="en-US">
+              <a:solidFill>
+                <a:prstClr val="black">
+                  <a:tint val="75000"/>
+                </a:prstClr>
+              </a:solidFill>
+            </a:endParaRPr>
           </a:p>
         </p:txBody>
       </p:sp>
     </p:spTree>
     <p:extLst>
       <p:ext uri="{BB962C8B-B14F-4D97-AF65-F5344CB8AC3E}">
-        <p14:creationId xmlns:p14="http://schemas.microsoft.com/office/powerpoint/2010/main" val="2526834256"/>
+        <p14:creationId xmlns:p14="http://schemas.microsoft.com/office/powerpoint/2010/main" val="3595565641"/>
       </p:ext>
     </p:extLst>
   </p:cSld>
@@ -9635,6 +9718,476 @@
       </p:grpSpPr>
       <p:sp>
         <p:nvSpPr>
+          <p:cNvPr id="2" name="Título 1">
+            <a:extLst>
+              <a:ext uri="{FF2B5EF4-FFF2-40B4-BE49-F238E27FC236}">
+                <a16:creationId xmlns:a16="http://schemas.microsoft.com/office/drawing/2014/main" id="{733842DD-E028-2728-5794-61A1920AA9AF}"/>
+              </a:ext>
+            </a:extLst>
+          </p:cNvPr>
+          <p:cNvSpPr>
+            <a:spLocks noGrp="1"/>
+          </p:cNvSpPr>
+          <p:nvPr>
+            <p:ph type="title"/>
+          </p:nvPr>
+        </p:nvSpPr>
+        <p:spPr/>
+        <p:txBody>
+          <a:bodyPr>
+            <a:normAutofit fontScale="90000"/>
+          </a:bodyPr>
+          <a:lstStyle/>
+          <a:p>
+            <a:r>
+              <a:rPr lang="pt-PT" dirty="0" err="1"/>
+              <a:t>Results</a:t>
+            </a:r>
+            <a:r>
+              <a:rPr lang="pt-PT" dirty="0"/>
+              <a:t> </a:t>
+            </a:r>
+            <a:r>
+              <a:rPr lang="pt-PT" dirty="0" err="1"/>
+              <a:t>of</a:t>
+            </a:r>
+            <a:r>
+              <a:rPr lang="pt-PT" dirty="0"/>
+              <a:t> </a:t>
+            </a:r>
+            <a:r>
+              <a:rPr lang="pt-PT" dirty="0" err="1"/>
+              <a:t>the</a:t>
+            </a:r>
+            <a:r>
+              <a:rPr lang="pt-PT" dirty="0"/>
+              <a:t> GRASP – Local </a:t>
+            </a:r>
+            <a:r>
+              <a:rPr lang="pt-PT" dirty="0" err="1"/>
+              <a:t>Search</a:t>
+            </a:r>
+            <a:r>
+              <a:rPr lang="pt-PT" dirty="0"/>
+              <a:t> </a:t>
+            </a:r>
+            <a:r>
+              <a:rPr lang="pt-PT" dirty="0" err="1"/>
+              <a:t>Swap</a:t>
+            </a:r>
+            <a:endParaRPr lang="pt-PT" dirty="0"/>
+          </a:p>
+        </p:txBody>
+      </p:sp>
+      <p:sp>
+        <p:nvSpPr>
+          <p:cNvPr id="3" name="Marcador de Posição de Conteúdo 2">
+            <a:extLst>
+              <a:ext uri="{FF2B5EF4-FFF2-40B4-BE49-F238E27FC236}">
+                <a16:creationId xmlns:a16="http://schemas.microsoft.com/office/drawing/2014/main" id="{81537AC6-9F9F-4B01-DC13-1FF456F37681}"/>
+              </a:ext>
+            </a:extLst>
+          </p:cNvPr>
+          <p:cNvSpPr>
+            <a:spLocks noGrp="1"/>
+          </p:cNvSpPr>
+          <p:nvPr>
+            <p:ph idx="1"/>
+          </p:nvPr>
+        </p:nvSpPr>
+        <p:spPr/>
+        <p:txBody>
+          <a:bodyPr>
+            <a:normAutofit fontScale="55000" lnSpcReduction="20000"/>
+          </a:bodyPr>
+          <a:lstStyle/>
+          <a:p>
+            <a:r>
+              <a:rPr lang="pt-PT" dirty="0" err="1"/>
+              <a:t>Delmaire</a:t>
+            </a:r>
+            <a:r>
+              <a:rPr lang="pt-PT" dirty="0"/>
+              <a:t>:</a:t>
+            </a:r>
+          </a:p>
+          <a:p>
+            <a:pPr lvl="1"/>
+            <a:r>
+              <a:rPr lang="pt-PT" dirty="0"/>
+              <a:t>Gap - </a:t>
+            </a:r>
+            <a:r>
+              <a:rPr lang="pt-PT" dirty="0" err="1"/>
+              <a:t>between</a:t>
+            </a:r>
+            <a:r>
+              <a:rPr lang="pt-PT" dirty="0"/>
+              <a:t> 0.397 </a:t>
+            </a:r>
+            <a:r>
+              <a:rPr lang="pt-PT" dirty="0" err="1"/>
+              <a:t>and</a:t>
+            </a:r>
+            <a:r>
+              <a:rPr lang="pt-PT" dirty="0"/>
+              <a:t> 36.852</a:t>
+            </a:r>
+          </a:p>
+          <a:p>
+            <a:pPr lvl="1"/>
+            <a:r>
+              <a:rPr lang="pt-PT" dirty="0"/>
+              <a:t>Time - </a:t>
+            </a:r>
+            <a:r>
+              <a:rPr lang="pt-PT" dirty="0" err="1"/>
+              <a:t>between</a:t>
+            </a:r>
+            <a:r>
+              <a:rPr lang="pt-PT" dirty="0"/>
+              <a:t> 0.930 </a:t>
+            </a:r>
+            <a:r>
+              <a:rPr lang="pt-PT" dirty="0" err="1"/>
+              <a:t>and</a:t>
+            </a:r>
+            <a:r>
+              <a:rPr lang="pt-PT" dirty="0"/>
+              <a:t> 5.553</a:t>
+            </a:r>
+          </a:p>
+          <a:p>
+            <a:r>
+              <a:rPr lang="pt-PT" dirty="0" err="1"/>
+              <a:t>Holmberg</a:t>
+            </a:r>
+            <a:r>
+              <a:rPr lang="pt-PT" dirty="0"/>
+              <a:t>:</a:t>
+            </a:r>
+          </a:p>
+          <a:p>
+            <a:pPr lvl="1"/>
+            <a:r>
+              <a:rPr lang="pt-PT" dirty="0"/>
+              <a:t>Gap - </a:t>
+            </a:r>
+            <a:r>
+              <a:rPr lang="pt-PT" dirty="0" err="1"/>
+              <a:t>between</a:t>
+            </a:r>
+            <a:r>
+              <a:rPr lang="pt-PT" dirty="0"/>
+              <a:t> 4.599 </a:t>
+            </a:r>
+            <a:r>
+              <a:rPr lang="pt-PT" dirty="0" err="1"/>
+              <a:t>and</a:t>
+            </a:r>
+            <a:r>
+              <a:rPr lang="pt-PT" dirty="0"/>
+              <a:t> 125.677</a:t>
+            </a:r>
+          </a:p>
+          <a:p>
+            <a:pPr lvl="1"/>
+            <a:r>
+              <a:rPr lang="pt-PT" dirty="0"/>
+              <a:t>Time - </a:t>
+            </a:r>
+            <a:r>
+              <a:rPr lang="pt-PT" dirty="0" err="1"/>
+              <a:t>between</a:t>
+            </a:r>
+            <a:r>
+              <a:rPr lang="pt-PT" dirty="0"/>
+              <a:t> 1.719 </a:t>
+            </a:r>
+            <a:r>
+              <a:rPr lang="pt-PT" dirty="0" err="1"/>
+              <a:t>and</a:t>
+            </a:r>
+            <a:r>
+              <a:rPr lang="pt-PT" dirty="0"/>
+              <a:t> 35.11</a:t>
+            </a:r>
+          </a:p>
+          <a:p>
+            <a:r>
+              <a:rPr lang="pt-PT" dirty="0"/>
+              <a:t>OR-</a:t>
+            </a:r>
+            <a:r>
+              <a:rPr lang="pt-PT" dirty="0" err="1"/>
+              <a:t>Library</a:t>
+            </a:r>
+            <a:r>
+              <a:rPr lang="pt-PT" dirty="0"/>
+              <a:t> (9 OS out </a:t>
+            </a:r>
+            <a:r>
+              <a:rPr lang="pt-PT" dirty="0" err="1"/>
+              <a:t>of</a:t>
+            </a:r>
+            <a:r>
+              <a:rPr lang="pt-PT" dirty="0"/>
+              <a:t> </a:t>
+            </a:r>
+            <a:r>
+              <a:rPr lang="pt-PT" u="sng" dirty="0"/>
+              <a:t>36</a:t>
+            </a:r>
+            <a:r>
+              <a:rPr lang="pt-PT" dirty="0"/>
+              <a:t>)</a:t>
+            </a:r>
+          </a:p>
+          <a:p>
+            <a:pPr lvl="1"/>
+            <a:r>
+              <a:rPr lang="pt-PT" dirty="0"/>
+              <a:t>Gap - </a:t>
+            </a:r>
+            <a:r>
+              <a:rPr lang="pt-PT" dirty="0" err="1"/>
+              <a:t>between</a:t>
+            </a:r>
+            <a:r>
+              <a:rPr lang="pt-PT" dirty="0"/>
+              <a:t> 9.029 </a:t>
+            </a:r>
+            <a:r>
+              <a:rPr lang="pt-PT" dirty="0" err="1"/>
+              <a:t>and</a:t>
+            </a:r>
+            <a:r>
+              <a:rPr lang="pt-PT" dirty="0"/>
+              <a:t> 57.308</a:t>
+            </a:r>
+          </a:p>
+          <a:p>
+            <a:pPr lvl="1"/>
+            <a:r>
+              <a:rPr lang="pt-PT" dirty="0"/>
+              <a:t>Time - </a:t>
+            </a:r>
+            <a:r>
+              <a:rPr lang="pt-PT" dirty="0" err="1"/>
+              <a:t>between</a:t>
+            </a:r>
+            <a:r>
+              <a:rPr lang="pt-PT" dirty="0"/>
+              <a:t> 1.810 </a:t>
+            </a:r>
+            <a:r>
+              <a:rPr lang="pt-PT" dirty="0" err="1"/>
+              <a:t>and</a:t>
+            </a:r>
+            <a:r>
+              <a:rPr lang="pt-PT" dirty="0"/>
+              <a:t> 8493.712</a:t>
+            </a:r>
+          </a:p>
+          <a:p>
+            <a:r>
+              <a:rPr lang="pt-PT" dirty="0"/>
+              <a:t>Yang (9 OS out </a:t>
+            </a:r>
+            <a:r>
+              <a:rPr lang="pt-PT" dirty="0" err="1"/>
+              <a:t>of</a:t>
+            </a:r>
+            <a:r>
+              <a:rPr lang="pt-PT" dirty="0"/>
+              <a:t> 20)</a:t>
+            </a:r>
+          </a:p>
+          <a:p>
+            <a:pPr lvl="1"/>
+            <a:r>
+              <a:rPr lang="pt-PT" dirty="0"/>
+              <a:t>Gap - </a:t>
+            </a:r>
+            <a:r>
+              <a:rPr lang="pt-PT" dirty="0" err="1"/>
+              <a:t>between</a:t>
+            </a:r>
+            <a:r>
+              <a:rPr lang="pt-PT" dirty="0"/>
+              <a:t> 11.289 </a:t>
+            </a:r>
+            <a:r>
+              <a:rPr lang="pt-PT" dirty="0" err="1"/>
+              <a:t>and</a:t>
+            </a:r>
+            <a:r>
+              <a:rPr lang="pt-PT" dirty="0"/>
+              <a:t> 23.885</a:t>
+            </a:r>
+          </a:p>
+          <a:p>
+            <a:pPr lvl="1"/>
+            <a:r>
+              <a:rPr lang="pt-PT" dirty="0"/>
+              <a:t>Time - </a:t>
+            </a:r>
+            <a:r>
+              <a:rPr lang="pt-PT" dirty="0" err="1"/>
+              <a:t>between</a:t>
+            </a:r>
+            <a:r>
+              <a:rPr lang="pt-PT" dirty="0"/>
+              <a:t> 35.606 </a:t>
+            </a:r>
+            <a:r>
+              <a:rPr lang="pt-PT" dirty="0" err="1"/>
+              <a:t>and</a:t>
+            </a:r>
+            <a:r>
+              <a:rPr lang="pt-PT" dirty="0"/>
+              <a:t> 363.472</a:t>
+            </a:r>
+          </a:p>
+          <a:p>
+            <a:r>
+              <a:rPr lang="pt-PT" dirty="0"/>
+              <a:t>TBED1 (0 OS out </a:t>
+            </a:r>
+            <a:r>
+              <a:rPr lang="pt-PT" dirty="0" err="1"/>
+              <a:t>of</a:t>
+            </a:r>
+            <a:r>
+              <a:rPr lang="pt-PT" dirty="0"/>
+              <a:t> 60)</a:t>
+            </a:r>
+          </a:p>
+          <a:p>
+            <a:pPr lvl="1"/>
+            <a:r>
+              <a:rPr lang="pt-PT" dirty="0"/>
+              <a:t>Gap - </a:t>
+            </a:r>
+            <a:r>
+              <a:rPr lang="pt-PT" dirty="0" err="1"/>
+              <a:t>between</a:t>
+            </a:r>
+            <a:r>
+              <a:rPr lang="pt-PT" dirty="0"/>
+              <a:t> 33.776 </a:t>
+            </a:r>
+            <a:r>
+              <a:rPr lang="pt-PT" dirty="0" err="1"/>
+              <a:t>and</a:t>
+            </a:r>
+            <a:r>
+              <a:rPr lang="pt-PT" dirty="0"/>
+              <a:t> 210.352</a:t>
+            </a:r>
+          </a:p>
+          <a:p>
+            <a:pPr lvl="1"/>
+            <a:r>
+              <a:rPr lang="pt-PT" dirty="0"/>
+              <a:t>Time - </a:t>
+            </a:r>
+            <a:r>
+              <a:rPr lang="pt-PT" dirty="0" err="1"/>
+              <a:t>between</a:t>
+            </a:r>
+            <a:r>
+              <a:rPr lang="pt-PT" dirty="0"/>
+              <a:t> 143.401 </a:t>
+            </a:r>
+            <a:r>
+              <a:rPr lang="pt-PT" dirty="0" err="1"/>
+              <a:t>and</a:t>
+            </a:r>
+            <a:r>
+              <a:rPr lang="pt-PT" dirty="0"/>
+              <a:t> 24081.043</a:t>
+            </a:r>
+          </a:p>
+          <a:p>
+            <a:endParaRPr lang="pt-PT" dirty="0"/>
+          </a:p>
+        </p:txBody>
+      </p:sp>
+      <p:sp>
+        <p:nvSpPr>
+          <p:cNvPr id="4" name="Marcador de Posição do Número do Diapositivo 3">
+            <a:extLst>
+              <a:ext uri="{FF2B5EF4-FFF2-40B4-BE49-F238E27FC236}">
+                <a16:creationId xmlns:a16="http://schemas.microsoft.com/office/drawing/2014/main" id="{A98A618A-07DC-D3A1-2BAF-C187644F30B2}"/>
+              </a:ext>
+            </a:extLst>
+          </p:cNvPr>
+          <p:cNvSpPr>
+            <a:spLocks noGrp="1"/>
+          </p:cNvSpPr>
+          <p:nvPr>
+            <p:ph type="sldNum" sz="quarter" idx="12"/>
+          </p:nvPr>
+        </p:nvSpPr>
+        <p:spPr/>
+        <p:txBody>
+          <a:bodyPr/>
+          <a:lstStyle/>
+          <a:p>
+            <a:fld id="{91727942-0F31-8246-9E69-0AE29DBBE5E4}" type="slidenum">
+              <a:rPr lang="en-US" smtClean="0">
+                <a:solidFill>
+                  <a:prstClr val="black">
+                    <a:tint val="75000"/>
+                  </a:prstClr>
+                </a:solidFill>
+              </a:rPr>
+              <a:pPr/>
+              <a:t>18</a:t>
+            </a:fld>
+            <a:endParaRPr lang="en-US">
+              <a:solidFill>
+                <a:prstClr val="black">
+                  <a:tint val="75000"/>
+                </a:prstClr>
+              </a:solidFill>
+            </a:endParaRPr>
+          </a:p>
+        </p:txBody>
+      </p:sp>
+    </p:spTree>
+    <p:extLst>
+      <p:ext uri="{BB962C8B-B14F-4D97-AF65-F5344CB8AC3E}">
+        <p14:creationId xmlns:p14="http://schemas.microsoft.com/office/powerpoint/2010/main" val="2526834256"/>
+      </p:ext>
+    </p:extLst>
+  </p:cSld>
+  <p:clrMapOvr>
+    <a:masterClrMapping/>
+  </p:clrMapOvr>
+</p:sld>
+</file>
+
+<file path=ppt/slides/slide19.xml><?xml version="1.0" encoding="utf-8"?>
+<p:sld xmlns:a="http://schemas.openxmlformats.org/drawingml/2006/main" xmlns:r="http://schemas.openxmlformats.org/officeDocument/2006/relationships" xmlns:p="http://schemas.openxmlformats.org/presentationml/2006/main">
+  <p:cSld>
+    <p:spTree>
+      <p:nvGrpSpPr>
+        <p:cNvPr id="1" name=""/>
+        <p:cNvGrpSpPr/>
+        <p:nvPr/>
+      </p:nvGrpSpPr>
+      <p:grpSpPr>
+        <a:xfrm>
+          <a:off x="0" y="0"/>
+          <a:ext cx="0" cy="0"/>
+          <a:chOff x="0" y="0"/>
+          <a:chExt cx="0" cy="0"/>
+        </a:xfrm>
+      </p:grpSpPr>
+      <p:sp>
+        <p:nvSpPr>
           <p:cNvPr id="2" name="Título 1"/>
           <p:cNvSpPr>
             <a:spLocks noGrp="1"/>
@@ -10004,6 +10557,48 @@
           </a:p>
         </p:txBody>
       </p:sp>
+      <p:sp>
+        <p:nvSpPr>
+          <p:cNvPr id="6" name="Marcador de Posição do Número do Diapositivo 5">
+            <a:extLst>
+              <a:ext uri="{FF2B5EF4-FFF2-40B4-BE49-F238E27FC236}">
+                <a16:creationId xmlns:a16="http://schemas.microsoft.com/office/drawing/2014/main" id="{79EC42E5-1449-586F-8C62-4A56383F6511}"/>
+              </a:ext>
+            </a:extLst>
+          </p:cNvPr>
+          <p:cNvSpPr>
+            <a:spLocks noGrp="1"/>
+          </p:cNvSpPr>
+          <p:nvPr>
+            <p:ph type="sldNum" sz="quarter" idx="12"/>
+          </p:nvPr>
+        </p:nvSpPr>
+        <p:spPr/>
+        <p:txBody>
+          <a:bodyPr/>
+          <a:lstStyle/>
+          <a:p>
+            <a:fld id="{91727942-0F31-8246-9E69-0AE29DBBE5E4}" type="slidenum">
+              <a:rPr lang="en-US" smtClean="0">
+                <a:solidFill>
+                  <a:prstClr val="black">
+                    <a:tint val="75000"/>
+                  </a:prstClr>
+                </a:solidFill>
+              </a:rPr>
+              <a:pPr/>
+              <a:t>19</a:t>
+            </a:fld>
+            <a:endParaRPr lang="en-US">
+              <a:solidFill>
+                <a:prstClr val="black">
+                  <a:tint val="75000"/>
+                </a:prstClr>
+              </a:solidFill>
+            </a:endParaRPr>
+          </a:p>
+        </p:txBody>
+      </p:sp>
     </p:spTree>
     <p:extLst>
       <p:ext uri="{BB962C8B-B14F-4D97-AF65-F5344CB8AC3E}">
@@ -10017,7 +10612,454 @@
 </p:sld>
 </file>
 
-<file path=ppt/slides/slide19.xml><?xml version="1.0" encoding="utf-8"?>
+<file path=ppt/slides/slide2.xml><?xml version="1.0" encoding="utf-8"?>
+<p:sld xmlns:a="http://schemas.openxmlformats.org/drawingml/2006/main" xmlns:r="http://schemas.openxmlformats.org/officeDocument/2006/relationships" xmlns:p="http://schemas.openxmlformats.org/presentationml/2006/main">
+  <p:cSld>
+    <p:spTree>
+      <p:nvGrpSpPr>
+        <p:cNvPr id="1" name=""/>
+        <p:cNvGrpSpPr/>
+        <p:nvPr/>
+      </p:nvGrpSpPr>
+      <p:grpSpPr>
+        <a:xfrm>
+          <a:off x="0" y="0"/>
+          <a:ext cx="0" cy="0"/>
+          <a:chOff x="0" y="0"/>
+          <a:chExt cx="0" cy="0"/>
+        </a:xfrm>
+      </p:grpSpPr>
+      <p:sp>
+        <p:nvSpPr>
+          <p:cNvPr id="2" name="Título 1"/>
+          <p:cNvSpPr>
+            <a:spLocks noGrp="1"/>
+          </p:cNvSpPr>
+          <p:nvPr>
+            <p:ph type="title"/>
+          </p:nvPr>
+        </p:nvSpPr>
+        <p:spPr/>
+        <p:txBody>
+          <a:bodyPr>
+            <a:normAutofit fontScale="90000"/>
+          </a:bodyPr>
+          <a:lstStyle/>
+          <a:p>
+            <a:r>
+              <a:rPr lang="en-US" dirty="0"/>
+              <a:t>Introduction</a:t>
+            </a:r>
+            <a:endParaRPr lang="pt-PT" dirty="0"/>
+          </a:p>
+        </p:txBody>
+      </p:sp>
+      <p:sp>
+        <p:nvSpPr>
+          <p:cNvPr id="3" name="Marcador de Posição de Conteúdo 2"/>
+          <p:cNvSpPr>
+            <a:spLocks noGrp="1"/>
+          </p:cNvSpPr>
+          <p:nvPr>
+            <p:ph idx="1"/>
+          </p:nvPr>
+        </p:nvSpPr>
+        <p:spPr/>
+        <p:txBody>
+          <a:bodyPr/>
+          <a:lstStyle/>
+          <a:p>
+            <a:r>
+              <a:rPr lang="en-US" dirty="0"/>
+              <a:t>In this presentation</a:t>
+            </a:r>
+            <a:r>
+              <a:rPr lang="pt-PT" dirty="0"/>
+              <a:t>, </a:t>
+            </a:r>
+            <a:r>
+              <a:rPr lang="en-US" dirty="0"/>
+              <a:t>we will approach the SSCFLP with an Exact Method Algorithm, Heuristics and Metaheuristic approach.</a:t>
+            </a:r>
+          </a:p>
+          <a:p>
+            <a:r>
+              <a:rPr lang="en-US" dirty="0"/>
+              <a:t>Firstly, we will discuss the SSCFLP with some approaches from literature. Our approach is then presented with computational results. Lastly, we compare our results (Optimal Solution and Gap) with the literature.</a:t>
+            </a:r>
+          </a:p>
+          <a:p>
+            <a:endParaRPr lang="pt-PT" dirty="0"/>
+          </a:p>
+        </p:txBody>
+      </p:sp>
+      <p:sp>
+        <p:nvSpPr>
+          <p:cNvPr id="4" name="CaixaDeTexto 1"/>
+          <p:cNvSpPr txBox="1">
+            <a:spLocks noChangeArrowheads="1"/>
+          </p:cNvSpPr>
+          <p:nvPr/>
+        </p:nvSpPr>
+        <p:spPr bwMode="auto">
+          <a:xfrm>
+            <a:off x="6228184" y="6309320"/>
+            <a:ext cx="2387228" cy="461665"/>
+          </a:xfrm>
+          <a:prstGeom prst="rect">
+            <a:avLst/>
+          </a:prstGeom>
+          <a:noFill/>
+          <a:ln>
+            <a:noFill/>
+          </a:ln>
+          <a:extLst>
+            <a:ext uri="{909E8E84-426E-40DD-AFC4-6F175D3DCCD1}">
+              <a14:hiddenFill xmlns:a14="http://schemas.microsoft.com/office/drawing/2010/main">
+                <a:solidFill>
+                  <a:srgbClr val="FFFFFF"/>
+                </a:solidFill>
+              </a14:hiddenFill>
+            </a:ext>
+            <a:ext uri="{91240B29-F687-4F45-9708-019B960494DF}">
+              <a14:hiddenLine xmlns:a14="http://schemas.microsoft.com/office/drawing/2010/main" w="9525">
+                <a:solidFill>
+                  <a:srgbClr val="000000"/>
+                </a:solidFill>
+                <a:miter lim="800000"/>
+                <a:headEnd/>
+                <a:tailEnd/>
+              </a14:hiddenLine>
+            </a:ext>
+          </a:extLst>
+        </p:spPr>
+        <p:txBody>
+          <a:bodyPr wrap="square">
+            <a:spAutoFit/>
+          </a:bodyPr>
+          <a:lstStyle>
+            <a:lvl1pPr>
+              <a:defRPr>
+                <a:solidFill>
+                  <a:schemeClr val="tx1"/>
+                </a:solidFill>
+                <a:latin typeface="Calibri" panose="020F0502020204030204" pitchFamily="34" charset="0"/>
+              </a:defRPr>
+            </a:lvl1pPr>
+            <a:lvl2pPr marL="742950" indent="-285750">
+              <a:defRPr>
+                <a:solidFill>
+                  <a:schemeClr val="tx1"/>
+                </a:solidFill>
+                <a:latin typeface="Calibri" panose="020F0502020204030204" pitchFamily="34" charset="0"/>
+              </a:defRPr>
+            </a:lvl2pPr>
+            <a:lvl3pPr marL="1143000" indent="-228600">
+              <a:defRPr>
+                <a:solidFill>
+                  <a:schemeClr val="tx1"/>
+                </a:solidFill>
+                <a:latin typeface="Calibri" panose="020F0502020204030204" pitchFamily="34" charset="0"/>
+              </a:defRPr>
+            </a:lvl3pPr>
+            <a:lvl4pPr marL="1600200" indent="-228600">
+              <a:defRPr>
+                <a:solidFill>
+                  <a:schemeClr val="tx1"/>
+                </a:solidFill>
+                <a:latin typeface="Calibri" panose="020F0502020204030204" pitchFamily="34" charset="0"/>
+              </a:defRPr>
+            </a:lvl4pPr>
+            <a:lvl5pPr marL="2057400" indent="-228600">
+              <a:defRPr>
+                <a:solidFill>
+                  <a:schemeClr val="tx1"/>
+                </a:solidFill>
+                <a:latin typeface="Calibri" panose="020F0502020204030204" pitchFamily="34" charset="0"/>
+              </a:defRPr>
+            </a:lvl5pPr>
+            <a:lvl6pPr marL="2514600" indent="-228600" defTabSz="457200" fontAlgn="base">
+              <a:spcBef>
+                <a:spcPct val="0"/>
+              </a:spcBef>
+              <a:spcAft>
+                <a:spcPct val="0"/>
+              </a:spcAft>
+              <a:defRPr>
+                <a:solidFill>
+                  <a:schemeClr val="tx1"/>
+                </a:solidFill>
+                <a:latin typeface="Calibri" panose="020F0502020204030204" pitchFamily="34" charset="0"/>
+              </a:defRPr>
+            </a:lvl6pPr>
+            <a:lvl7pPr marL="2971800" indent="-228600" defTabSz="457200" fontAlgn="base">
+              <a:spcBef>
+                <a:spcPct val="0"/>
+              </a:spcBef>
+              <a:spcAft>
+                <a:spcPct val="0"/>
+              </a:spcAft>
+              <a:defRPr>
+                <a:solidFill>
+                  <a:schemeClr val="tx1"/>
+                </a:solidFill>
+                <a:latin typeface="Calibri" panose="020F0502020204030204" pitchFamily="34" charset="0"/>
+              </a:defRPr>
+            </a:lvl7pPr>
+            <a:lvl8pPr marL="3429000" indent="-228600" defTabSz="457200" fontAlgn="base">
+              <a:spcBef>
+                <a:spcPct val="0"/>
+              </a:spcBef>
+              <a:spcAft>
+                <a:spcPct val="0"/>
+              </a:spcAft>
+              <a:defRPr>
+                <a:solidFill>
+                  <a:schemeClr val="tx1"/>
+                </a:solidFill>
+                <a:latin typeface="Calibri" panose="020F0502020204030204" pitchFamily="34" charset="0"/>
+              </a:defRPr>
+            </a:lvl8pPr>
+            <a:lvl9pPr marL="3886200" indent="-228600" defTabSz="457200" fontAlgn="base">
+              <a:spcBef>
+                <a:spcPct val="0"/>
+              </a:spcBef>
+              <a:spcAft>
+                <a:spcPct val="0"/>
+              </a:spcAft>
+              <a:defRPr>
+                <a:solidFill>
+                  <a:schemeClr val="tx1"/>
+                </a:solidFill>
+                <a:latin typeface="Calibri" panose="020F0502020204030204" pitchFamily="34" charset="0"/>
+              </a:defRPr>
+            </a:lvl9pPr>
+          </a:lstStyle>
+          <a:p>
+            <a:r>
+              <a:rPr lang="pt-PT" sz="1200" dirty="0">
+                <a:latin typeface="Porto Sans Light" panose="00000400000000000000" pitchFamily="50" charset="0"/>
+              </a:rPr>
+              <a:t>João Silva | Olavo Alves | Luís Silva</a:t>
+            </a:r>
+          </a:p>
+          <a:p>
+            <a:pPr eaLnBrk="1" hangingPunct="1"/>
+            <a:endParaRPr lang="pt-PT" altLang="pt-PT" sz="1200" dirty="0">
+              <a:latin typeface="Porto Sans Light" panose="00000400000000000000" pitchFamily="50" charset="0"/>
+            </a:endParaRPr>
+          </a:p>
+        </p:txBody>
+      </p:sp>
+      <p:sp>
+        <p:nvSpPr>
+          <p:cNvPr id="5" name="CaixaDeTexto 2"/>
+          <p:cNvSpPr txBox="1">
+            <a:spLocks noChangeArrowheads="1"/>
+          </p:cNvSpPr>
+          <p:nvPr/>
+        </p:nvSpPr>
+        <p:spPr bwMode="auto">
+          <a:xfrm>
+            <a:off x="462100" y="6309320"/>
+            <a:ext cx="3317812" cy="276999"/>
+          </a:xfrm>
+          <a:prstGeom prst="rect">
+            <a:avLst/>
+          </a:prstGeom>
+          <a:noFill/>
+          <a:ln>
+            <a:noFill/>
+          </a:ln>
+          <a:extLst>
+            <a:ext uri="{909E8E84-426E-40DD-AFC4-6F175D3DCCD1}">
+              <a14:hiddenFill xmlns:a14="http://schemas.microsoft.com/office/drawing/2010/main">
+                <a:solidFill>
+                  <a:srgbClr val="FFFFFF"/>
+                </a:solidFill>
+              </a14:hiddenFill>
+            </a:ext>
+            <a:ext uri="{91240B29-F687-4F45-9708-019B960494DF}">
+              <a14:hiddenLine xmlns:a14="http://schemas.microsoft.com/office/drawing/2010/main" w="9525">
+                <a:solidFill>
+                  <a:srgbClr val="000000"/>
+                </a:solidFill>
+                <a:miter lim="800000"/>
+                <a:headEnd/>
+                <a:tailEnd/>
+              </a14:hiddenLine>
+            </a:ext>
+          </a:extLst>
+        </p:spPr>
+        <p:txBody>
+          <a:bodyPr wrap="square">
+            <a:spAutoFit/>
+          </a:bodyPr>
+          <a:lstStyle>
+            <a:lvl1pPr>
+              <a:defRPr>
+                <a:solidFill>
+                  <a:schemeClr val="tx1"/>
+                </a:solidFill>
+                <a:latin typeface="Calibri" panose="020F0502020204030204" pitchFamily="34" charset="0"/>
+              </a:defRPr>
+            </a:lvl1pPr>
+            <a:lvl2pPr marL="742950" indent="-285750">
+              <a:defRPr>
+                <a:solidFill>
+                  <a:schemeClr val="tx1"/>
+                </a:solidFill>
+                <a:latin typeface="Calibri" panose="020F0502020204030204" pitchFamily="34" charset="0"/>
+              </a:defRPr>
+            </a:lvl2pPr>
+            <a:lvl3pPr marL="1143000" indent="-228600">
+              <a:defRPr>
+                <a:solidFill>
+                  <a:schemeClr val="tx1"/>
+                </a:solidFill>
+                <a:latin typeface="Calibri" panose="020F0502020204030204" pitchFamily="34" charset="0"/>
+              </a:defRPr>
+            </a:lvl3pPr>
+            <a:lvl4pPr marL="1600200" indent="-228600">
+              <a:defRPr>
+                <a:solidFill>
+                  <a:schemeClr val="tx1"/>
+                </a:solidFill>
+                <a:latin typeface="Calibri" panose="020F0502020204030204" pitchFamily="34" charset="0"/>
+              </a:defRPr>
+            </a:lvl4pPr>
+            <a:lvl5pPr marL="2057400" indent="-228600">
+              <a:defRPr>
+                <a:solidFill>
+                  <a:schemeClr val="tx1"/>
+                </a:solidFill>
+                <a:latin typeface="Calibri" panose="020F0502020204030204" pitchFamily="34" charset="0"/>
+              </a:defRPr>
+            </a:lvl5pPr>
+            <a:lvl6pPr marL="2514600" indent="-228600" defTabSz="457200" fontAlgn="base">
+              <a:spcBef>
+                <a:spcPct val="0"/>
+              </a:spcBef>
+              <a:spcAft>
+                <a:spcPct val="0"/>
+              </a:spcAft>
+              <a:defRPr>
+                <a:solidFill>
+                  <a:schemeClr val="tx1"/>
+                </a:solidFill>
+                <a:latin typeface="Calibri" panose="020F0502020204030204" pitchFamily="34" charset="0"/>
+              </a:defRPr>
+            </a:lvl6pPr>
+            <a:lvl7pPr marL="2971800" indent="-228600" defTabSz="457200" fontAlgn="base">
+              <a:spcBef>
+                <a:spcPct val="0"/>
+              </a:spcBef>
+              <a:spcAft>
+                <a:spcPct val="0"/>
+              </a:spcAft>
+              <a:defRPr>
+                <a:solidFill>
+                  <a:schemeClr val="tx1"/>
+                </a:solidFill>
+                <a:latin typeface="Calibri" panose="020F0502020204030204" pitchFamily="34" charset="0"/>
+              </a:defRPr>
+            </a:lvl7pPr>
+            <a:lvl8pPr marL="3429000" indent="-228600" defTabSz="457200" fontAlgn="base">
+              <a:spcBef>
+                <a:spcPct val="0"/>
+              </a:spcBef>
+              <a:spcAft>
+                <a:spcPct val="0"/>
+              </a:spcAft>
+              <a:defRPr>
+                <a:solidFill>
+                  <a:schemeClr val="tx1"/>
+                </a:solidFill>
+                <a:latin typeface="Calibri" panose="020F0502020204030204" pitchFamily="34" charset="0"/>
+              </a:defRPr>
+            </a:lvl8pPr>
+            <a:lvl9pPr marL="3886200" indent="-228600" defTabSz="457200" fontAlgn="base">
+              <a:spcBef>
+                <a:spcPct val="0"/>
+              </a:spcBef>
+              <a:spcAft>
+                <a:spcPct val="0"/>
+              </a:spcAft>
+              <a:defRPr>
+                <a:solidFill>
+                  <a:schemeClr val="tx1"/>
+                </a:solidFill>
+                <a:latin typeface="Calibri" panose="020F0502020204030204" pitchFamily="34" charset="0"/>
+              </a:defRPr>
+            </a:lvl9pPr>
+          </a:lstStyle>
+          <a:p>
+            <a:pPr eaLnBrk="1" hangingPunct="1"/>
+            <a:r>
+              <a:rPr lang="pt-PT" altLang="pt-PT" sz="1200" dirty="0">
+                <a:latin typeface="Porto Sans Light" panose="00000400000000000000" pitchFamily="50" charset="0"/>
+              </a:rPr>
+              <a:t>Óscar Oliveira / Simulação e Otimização (2022/23)</a:t>
+            </a:r>
+          </a:p>
+        </p:txBody>
+      </p:sp>
+      <p:sp>
+        <p:nvSpPr>
+          <p:cNvPr id="6" name="Marcador de Posição do Número do Diapositivo 5">
+            <a:extLst>
+              <a:ext uri="{FF2B5EF4-FFF2-40B4-BE49-F238E27FC236}">
+                <a16:creationId xmlns:a16="http://schemas.microsoft.com/office/drawing/2014/main" id="{2BE94D1E-F85D-E928-8505-26B47F5500E0}"/>
+              </a:ext>
+            </a:extLst>
+          </p:cNvPr>
+          <p:cNvSpPr>
+            <a:spLocks noGrp="1"/>
+          </p:cNvSpPr>
+          <p:nvPr>
+            <p:ph type="sldNum" sz="quarter" idx="12"/>
+          </p:nvPr>
+        </p:nvSpPr>
+        <p:spPr/>
+        <p:txBody>
+          <a:bodyPr/>
+          <a:lstStyle/>
+          <a:p>
+            <a:fld id="{91727942-0F31-8246-9E69-0AE29DBBE5E4}" type="slidenum">
+              <a:rPr lang="en-US" smtClean="0">
+                <a:solidFill>
+                  <a:prstClr val="black">
+                    <a:tint val="75000"/>
+                  </a:prstClr>
+                </a:solidFill>
+              </a:rPr>
+              <a:pPr/>
+              <a:t>2</a:t>
+            </a:fld>
+            <a:endParaRPr lang="en-US">
+              <a:solidFill>
+                <a:prstClr val="black">
+                  <a:tint val="75000"/>
+                </a:prstClr>
+              </a:solidFill>
+            </a:endParaRPr>
+          </a:p>
+        </p:txBody>
+      </p:sp>
+    </p:spTree>
+    <p:extLst>
+      <p:ext uri="{BB962C8B-B14F-4D97-AF65-F5344CB8AC3E}">
+        <p14:creationId xmlns:p14="http://schemas.microsoft.com/office/powerpoint/2010/main" val="3990843653"/>
+      </p:ext>
+    </p:extLst>
+  </p:cSld>
+  <p:clrMapOvr>
+    <a:masterClrMapping/>
+  </p:clrMapOvr>
+</p:sld>
+</file>
+
+<file path=ppt/slides/slide20.xml><?xml version="1.0" encoding="utf-8"?>
 <p:sld xmlns:a="http://schemas.openxmlformats.org/drawingml/2006/main" xmlns:r="http://schemas.openxmlformats.org/officeDocument/2006/relationships" xmlns:p="http://schemas.openxmlformats.org/presentationml/2006/main" showMasterSp="0">
   <p:cSld>
     <p:spTree>
@@ -10134,411 +11176,6 @@
 </p:sld>
 </file>
 
-<file path=ppt/slides/slide2.xml><?xml version="1.0" encoding="utf-8"?>
-<p:sld xmlns:a="http://schemas.openxmlformats.org/drawingml/2006/main" xmlns:r="http://schemas.openxmlformats.org/officeDocument/2006/relationships" xmlns:p="http://schemas.openxmlformats.org/presentationml/2006/main">
-  <p:cSld>
-    <p:spTree>
-      <p:nvGrpSpPr>
-        <p:cNvPr id="1" name=""/>
-        <p:cNvGrpSpPr/>
-        <p:nvPr/>
-      </p:nvGrpSpPr>
-      <p:grpSpPr>
-        <a:xfrm>
-          <a:off x="0" y="0"/>
-          <a:ext cx="0" cy="0"/>
-          <a:chOff x="0" y="0"/>
-          <a:chExt cx="0" cy="0"/>
-        </a:xfrm>
-      </p:grpSpPr>
-      <p:sp>
-        <p:nvSpPr>
-          <p:cNvPr id="2" name="Título 1"/>
-          <p:cNvSpPr>
-            <a:spLocks noGrp="1"/>
-          </p:cNvSpPr>
-          <p:nvPr>
-            <p:ph type="title"/>
-          </p:nvPr>
-        </p:nvSpPr>
-        <p:spPr/>
-        <p:txBody>
-          <a:bodyPr>
-            <a:normAutofit fontScale="90000"/>
-          </a:bodyPr>
-          <a:lstStyle/>
-          <a:p>
-            <a:r>
-              <a:rPr lang="en-US" dirty="0"/>
-              <a:t>Introduction</a:t>
-            </a:r>
-            <a:endParaRPr lang="pt-PT" dirty="0"/>
-          </a:p>
-        </p:txBody>
-      </p:sp>
-      <p:sp>
-        <p:nvSpPr>
-          <p:cNvPr id="3" name="Marcador de Posição de Conteúdo 2"/>
-          <p:cNvSpPr>
-            <a:spLocks noGrp="1"/>
-          </p:cNvSpPr>
-          <p:nvPr>
-            <p:ph idx="1"/>
-          </p:nvPr>
-        </p:nvSpPr>
-        <p:spPr/>
-        <p:txBody>
-          <a:bodyPr/>
-          <a:lstStyle/>
-          <a:p>
-            <a:r>
-              <a:rPr lang="en-US" dirty="0"/>
-              <a:t>In this presentation</a:t>
-            </a:r>
-            <a:r>
-              <a:rPr lang="pt-PT" dirty="0"/>
-              <a:t>, </a:t>
-            </a:r>
-            <a:r>
-              <a:rPr lang="en-US" dirty="0"/>
-              <a:t>we will approach the SSCFLP with an Exact Method Algorithm, Heuristics and Metaheuristic approach.</a:t>
-            </a:r>
-          </a:p>
-          <a:p>
-            <a:r>
-              <a:rPr lang="en-US" dirty="0"/>
-              <a:t>Firstly, we will discuss the SSCFLP with some approaches from literature. Our approach is then presented with computational results. Lastly, we compare our results (Optimal Solution and Gap) with the literature.</a:t>
-            </a:r>
-          </a:p>
-          <a:p>
-            <a:endParaRPr lang="pt-PT" dirty="0"/>
-          </a:p>
-        </p:txBody>
-      </p:sp>
-      <p:sp>
-        <p:nvSpPr>
-          <p:cNvPr id="4" name="CaixaDeTexto 1"/>
-          <p:cNvSpPr txBox="1">
-            <a:spLocks noChangeArrowheads="1"/>
-          </p:cNvSpPr>
-          <p:nvPr/>
-        </p:nvSpPr>
-        <p:spPr bwMode="auto">
-          <a:xfrm>
-            <a:off x="6228184" y="6309320"/>
-            <a:ext cx="2387228" cy="461665"/>
-          </a:xfrm>
-          <a:prstGeom prst="rect">
-            <a:avLst/>
-          </a:prstGeom>
-          <a:noFill/>
-          <a:ln>
-            <a:noFill/>
-          </a:ln>
-          <a:extLst>
-            <a:ext uri="{909E8E84-426E-40DD-AFC4-6F175D3DCCD1}">
-              <a14:hiddenFill xmlns:a14="http://schemas.microsoft.com/office/drawing/2010/main">
-                <a:solidFill>
-                  <a:srgbClr val="FFFFFF"/>
-                </a:solidFill>
-              </a14:hiddenFill>
-            </a:ext>
-            <a:ext uri="{91240B29-F687-4F45-9708-019B960494DF}">
-              <a14:hiddenLine xmlns:a14="http://schemas.microsoft.com/office/drawing/2010/main" w="9525">
-                <a:solidFill>
-                  <a:srgbClr val="000000"/>
-                </a:solidFill>
-                <a:miter lim="800000"/>
-                <a:headEnd/>
-                <a:tailEnd/>
-              </a14:hiddenLine>
-            </a:ext>
-          </a:extLst>
-        </p:spPr>
-        <p:txBody>
-          <a:bodyPr wrap="square">
-            <a:spAutoFit/>
-          </a:bodyPr>
-          <a:lstStyle>
-            <a:lvl1pPr>
-              <a:defRPr>
-                <a:solidFill>
-                  <a:schemeClr val="tx1"/>
-                </a:solidFill>
-                <a:latin typeface="Calibri" panose="020F0502020204030204" pitchFamily="34" charset="0"/>
-              </a:defRPr>
-            </a:lvl1pPr>
-            <a:lvl2pPr marL="742950" indent="-285750">
-              <a:defRPr>
-                <a:solidFill>
-                  <a:schemeClr val="tx1"/>
-                </a:solidFill>
-                <a:latin typeface="Calibri" panose="020F0502020204030204" pitchFamily="34" charset="0"/>
-              </a:defRPr>
-            </a:lvl2pPr>
-            <a:lvl3pPr marL="1143000" indent="-228600">
-              <a:defRPr>
-                <a:solidFill>
-                  <a:schemeClr val="tx1"/>
-                </a:solidFill>
-                <a:latin typeface="Calibri" panose="020F0502020204030204" pitchFamily="34" charset="0"/>
-              </a:defRPr>
-            </a:lvl3pPr>
-            <a:lvl4pPr marL="1600200" indent="-228600">
-              <a:defRPr>
-                <a:solidFill>
-                  <a:schemeClr val="tx1"/>
-                </a:solidFill>
-                <a:latin typeface="Calibri" panose="020F0502020204030204" pitchFamily="34" charset="0"/>
-              </a:defRPr>
-            </a:lvl4pPr>
-            <a:lvl5pPr marL="2057400" indent="-228600">
-              <a:defRPr>
-                <a:solidFill>
-                  <a:schemeClr val="tx1"/>
-                </a:solidFill>
-                <a:latin typeface="Calibri" panose="020F0502020204030204" pitchFamily="34" charset="0"/>
-              </a:defRPr>
-            </a:lvl5pPr>
-            <a:lvl6pPr marL="2514600" indent="-228600" defTabSz="457200" fontAlgn="base">
-              <a:spcBef>
-                <a:spcPct val="0"/>
-              </a:spcBef>
-              <a:spcAft>
-                <a:spcPct val="0"/>
-              </a:spcAft>
-              <a:defRPr>
-                <a:solidFill>
-                  <a:schemeClr val="tx1"/>
-                </a:solidFill>
-                <a:latin typeface="Calibri" panose="020F0502020204030204" pitchFamily="34" charset="0"/>
-              </a:defRPr>
-            </a:lvl6pPr>
-            <a:lvl7pPr marL="2971800" indent="-228600" defTabSz="457200" fontAlgn="base">
-              <a:spcBef>
-                <a:spcPct val="0"/>
-              </a:spcBef>
-              <a:spcAft>
-                <a:spcPct val="0"/>
-              </a:spcAft>
-              <a:defRPr>
-                <a:solidFill>
-                  <a:schemeClr val="tx1"/>
-                </a:solidFill>
-                <a:latin typeface="Calibri" panose="020F0502020204030204" pitchFamily="34" charset="0"/>
-              </a:defRPr>
-            </a:lvl7pPr>
-            <a:lvl8pPr marL="3429000" indent="-228600" defTabSz="457200" fontAlgn="base">
-              <a:spcBef>
-                <a:spcPct val="0"/>
-              </a:spcBef>
-              <a:spcAft>
-                <a:spcPct val="0"/>
-              </a:spcAft>
-              <a:defRPr>
-                <a:solidFill>
-                  <a:schemeClr val="tx1"/>
-                </a:solidFill>
-                <a:latin typeface="Calibri" panose="020F0502020204030204" pitchFamily="34" charset="0"/>
-              </a:defRPr>
-            </a:lvl8pPr>
-            <a:lvl9pPr marL="3886200" indent="-228600" defTabSz="457200" fontAlgn="base">
-              <a:spcBef>
-                <a:spcPct val="0"/>
-              </a:spcBef>
-              <a:spcAft>
-                <a:spcPct val="0"/>
-              </a:spcAft>
-              <a:defRPr>
-                <a:solidFill>
-                  <a:schemeClr val="tx1"/>
-                </a:solidFill>
-                <a:latin typeface="Calibri" panose="020F0502020204030204" pitchFamily="34" charset="0"/>
-              </a:defRPr>
-            </a:lvl9pPr>
-          </a:lstStyle>
-          <a:p>
-            <a:r>
-              <a:rPr lang="pt-PT" sz="1200" dirty="0">
-                <a:latin typeface="Porto Sans Light" panose="00000400000000000000" pitchFamily="50" charset="0"/>
-              </a:rPr>
-              <a:t>João Silva | Olavo Alves | Luís Silva</a:t>
-            </a:r>
-          </a:p>
-          <a:p>
-            <a:pPr eaLnBrk="1" hangingPunct="1"/>
-            <a:endParaRPr lang="pt-PT" altLang="pt-PT" sz="1200" dirty="0">
-              <a:latin typeface="Porto Sans Light" panose="00000400000000000000" pitchFamily="50" charset="0"/>
-            </a:endParaRPr>
-          </a:p>
-        </p:txBody>
-      </p:sp>
-      <p:sp>
-        <p:nvSpPr>
-          <p:cNvPr id="5" name="CaixaDeTexto 2"/>
-          <p:cNvSpPr txBox="1">
-            <a:spLocks noChangeArrowheads="1"/>
-          </p:cNvSpPr>
-          <p:nvPr/>
-        </p:nvSpPr>
-        <p:spPr bwMode="auto">
-          <a:xfrm>
-            <a:off x="462100" y="6309320"/>
-            <a:ext cx="3317812" cy="276999"/>
-          </a:xfrm>
-          <a:prstGeom prst="rect">
-            <a:avLst/>
-          </a:prstGeom>
-          <a:noFill/>
-          <a:ln>
-            <a:noFill/>
-          </a:ln>
-          <a:extLst>
-            <a:ext uri="{909E8E84-426E-40DD-AFC4-6F175D3DCCD1}">
-              <a14:hiddenFill xmlns:a14="http://schemas.microsoft.com/office/drawing/2010/main">
-                <a:solidFill>
-                  <a:srgbClr val="FFFFFF"/>
-                </a:solidFill>
-              </a14:hiddenFill>
-            </a:ext>
-            <a:ext uri="{91240B29-F687-4F45-9708-019B960494DF}">
-              <a14:hiddenLine xmlns:a14="http://schemas.microsoft.com/office/drawing/2010/main" w="9525">
-                <a:solidFill>
-                  <a:srgbClr val="000000"/>
-                </a:solidFill>
-                <a:miter lim="800000"/>
-                <a:headEnd/>
-                <a:tailEnd/>
-              </a14:hiddenLine>
-            </a:ext>
-          </a:extLst>
-        </p:spPr>
-        <p:txBody>
-          <a:bodyPr wrap="square">
-            <a:spAutoFit/>
-          </a:bodyPr>
-          <a:lstStyle>
-            <a:lvl1pPr>
-              <a:defRPr>
-                <a:solidFill>
-                  <a:schemeClr val="tx1"/>
-                </a:solidFill>
-                <a:latin typeface="Calibri" panose="020F0502020204030204" pitchFamily="34" charset="0"/>
-              </a:defRPr>
-            </a:lvl1pPr>
-            <a:lvl2pPr marL="742950" indent="-285750">
-              <a:defRPr>
-                <a:solidFill>
-                  <a:schemeClr val="tx1"/>
-                </a:solidFill>
-                <a:latin typeface="Calibri" panose="020F0502020204030204" pitchFamily="34" charset="0"/>
-              </a:defRPr>
-            </a:lvl2pPr>
-            <a:lvl3pPr marL="1143000" indent="-228600">
-              <a:defRPr>
-                <a:solidFill>
-                  <a:schemeClr val="tx1"/>
-                </a:solidFill>
-                <a:latin typeface="Calibri" panose="020F0502020204030204" pitchFamily="34" charset="0"/>
-              </a:defRPr>
-            </a:lvl3pPr>
-            <a:lvl4pPr marL="1600200" indent="-228600">
-              <a:defRPr>
-                <a:solidFill>
-                  <a:schemeClr val="tx1"/>
-                </a:solidFill>
-                <a:latin typeface="Calibri" panose="020F0502020204030204" pitchFamily="34" charset="0"/>
-              </a:defRPr>
-            </a:lvl4pPr>
-            <a:lvl5pPr marL="2057400" indent="-228600">
-              <a:defRPr>
-                <a:solidFill>
-                  <a:schemeClr val="tx1"/>
-                </a:solidFill>
-                <a:latin typeface="Calibri" panose="020F0502020204030204" pitchFamily="34" charset="0"/>
-              </a:defRPr>
-            </a:lvl5pPr>
-            <a:lvl6pPr marL="2514600" indent="-228600" defTabSz="457200" fontAlgn="base">
-              <a:spcBef>
-                <a:spcPct val="0"/>
-              </a:spcBef>
-              <a:spcAft>
-                <a:spcPct val="0"/>
-              </a:spcAft>
-              <a:defRPr>
-                <a:solidFill>
-                  <a:schemeClr val="tx1"/>
-                </a:solidFill>
-                <a:latin typeface="Calibri" panose="020F0502020204030204" pitchFamily="34" charset="0"/>
-              </a:defRPr>
-            </a:lvl6pPr>
-            <a:lvl7pPr marL="2971800" indent="-228600" defTabSz="457200" fontAlgn="base">
-              <a:spcBef>
-                <a:spcPct val="0"/>
-              </a:spcBef>
-              <a:spcAft>
-                <a:spcPct val="0"/>
-              </a:spcAft>
-              <a:defRPr>
-                <a:solidFill>
-                  <a:schemeClr val="tx1"/>
-                </a:solidFill>
-                <a:latin typeface="Calibri" panose="020F0502020204030204" pitchFamily="34" charset="0"/>
-              </a:defRPr>
-            </a:lvl7pPr>
-            <a:lvl8pPr marL="3429000" indent="-228600" defTabSz="457200" fontAlgn="base">
-              <a:spcBef>
-                <a:spcPct val="0"/>
-              </a:spcBef>
-              <a:spcAft>
-                <a:spcPct val="0"/>
-              </a:spcAft>
-              <a:defRPr>
-                <a:solidFill>
-                  <a:schemeClr val="tx1"/>
-                </a:solidFill>
-                <a:latin typeface="Calibri" panose="020F0502020204030204" pitchFamily="34" charset="0"/>
-              </a:defRPr>
-            </a:lvl8pPr>
-            <a:lvl9pPr marL="3886200" indent="-228600" defTabSz="457200" fontAlgn="base">
-              <a:spcBef>
-                <a:spcPct val="0"/>
-              </a:spcBef>
-              <a:spcAft>
-                <a:spcPct val="0"/>
-              </a:spcAft>
-              <a:defRPr>
-                <a:solidFill>
-                  <a:schemeClr val="tx1"/>
-                </a:solidFill>
-                <a:latin typeface="Calibri" panose="020F0502020204030204" pitchFamily="34" charset="0"/>
-              </a:defRPr>
-            </a:lvl9pPr>
-          </a:lstStyle>
-          <a:p>
-            <a:pPr eaLnBrk="1" hangingPunct="1"/>
-            <a:r>
-              <a:rPr lang="pt-PT" altLang="pt-PT" sz="1200" dirty="0">
-                <a:latin typeface="Porto Sans Light" panose="00000400000000000000" pitchFamily="50" charset="0"/>
-              </a:rPr>
-              <a:t>Óscar Oliveira / Simulação e Otimização (2022/23)</a:t>
-            </a:r>
-          </a:p>
-        </p:txBody>
-      </p:sp>
-    </p:spTree>
-    <p:extLst>
-      <p:ext uri="{BB962C8B-B14F-4D97-AF65-F5344CB8AC3E}">
-        <p14:creationId xmlns:p14="http://schemas.microsoft.com/office/powerpoint/2010/main" val="3990843653"/>
-      </p:ext>
-    </p:extLst>
-  </p:cSld>
-  <p:clrMapOvr>
-    <a:masterClrMapping/>
-  </p:clrMapOvr>
-</p:sld>
-</file>
-
 <file path=ppt/slides/slide3.xml><?xml version="1.0" encoding="utf-8"?>
 <p:sld xmlns:a="http://schemas.openxmlformats.org/drawingml/2006/main" xmlns:r="http://schemas.openxmlformats.org/officeDocument/2006/relationships" xmlns:p="http://schemas.openxmlformats.org/presentationml/2006/main">
   <p:cSld>
@@ -10611,6 +11248,13 @@
             </a:r>
           </a:p>
           <a:p>
+            <a:r>
+              <a:rPr lang="pt-PT" dirty="0"/>
+              <a:t>PN-Hard</a:t>
+            </a:r>
+            <a:endParaRPr lang="en-GB" dirty="0"/>
+          </a:p>
+          <a:p>
             <a:endParaRPr lang="en-GB" dirty="0"/>
           </a:p>
           <a:p>
@@ -10926,6 +11570,48 @@
               </a:rPr>
               <a:t>Óscar Oliveira / Simulação e Otimização (2022/23)</a:t>
             </a:r>
+          </a:p>
+        </p:txBody>
+      </p:sp>
+      <p:sp>
+        <p:nvSpPr>
+          <p:cNvPr id="6" name="Marcador de Posição do Número do Diapositivo 5">
+            <a:extLst>
+              <a:ext uri="{FF2B5EF4-FFF2-40B4-BE49-F238E27FC236}">
+                <a16:creationId xmlns:a16="http://schemas.microsoft.com/office/drawing/2014/main" id="{0B6DF9C6-8C91-9A95-BF28-EB191B0A32DC}"/>
+              </a:ext>
+            </a:extLst>
+          </p:cNvPr>
+          <p:cNvSpPr>
+            <a:spLocks noGrp="1"/>
+          </p:cNvSpPr>
+          <p:nvPr>
+            <p:ph type="sldNum" sz="quarter" idx="12"/>
+          </p:nvPr>
+        </p:nvSpPr>
+        <p:spPr/>
+        <p:txBody>
+          <a:bodyPr/>
+          <a:lstStyle/>
+          <a:p>
+            <a:fld id="{91727942-0F31-8246-9E69-0AE29DBBE5E4}" type="slidenum">
+              <a:rPr lang="en-US" smtClean="0">
+                <a:solidFill>
+                  <a:prstClr val="black">
+                    <a:tint val="75000"/>
+                  </a:prstClr>
+                </a:solidFill>
+              </a:rPr>
+              <a:pPr/>
+              <a:t>3</a:t>
+            </a:fld>
+            <a:endParaRPr lang="en-US">
+              <a:solidFill>
+                <a:prstClr val="black">
+                  <a:tint val="75000"/>
+                </a:prstClr>
+              </a:solidFill>
+            </a:endParaRPr>
           </a:p>
         </p:txBody>
       </p:sp>
@@ -11370,6 +12056,48 @@
           </a:p>
         </p:txBody>
       </p:sp>
+      <p:sp>
+        <p:nvSpPr>
+          <p:cNvPr id="6" name="Marcador de Posição do Número do Diapositivo 5">
+            <a:extLst>
+              <a:ext uri="{FF2B5EF4-FFF2-40B4-BE49-F238E27FC236}">
+                <a16:creationId xmlns:a16="http://schemas.microsoft.com/office/drawing/2014/main" id="{1E28EEA9-BC5B-7394-7963-4D85A6E72B19}"/>
+              </a:ext>
+            </a:extLst>
+          </p:cNvPr>
+          <p:cNvSpPr>
+            <a:spLocks noGrp="1"/>
+          </p:cNvSpPr>
+          <p:nvPr>
+            <p:ph type="sldNum" sz="quarter" idx="12"/>
+          </p:nvPr>
+        </p:nvSpPr>
+        <p:spPr/>
+        <p:txBody>
+          <a:bodyPr/>
+          <a:lstStyle/>
+          <a:p>
+            <a:fld id="{91727942-0F31-8246-9E69-0AE29DBBE5E4}" type="slidenum">
+              <a:rPr lang="en-US" smtClean="0">
+                <a:solidFill>
+                  <a:prstClr val="black">
+                    <a:tint val="75000"/>
+                  </a:prstClr>
+                </a:solidFill>
+              </a:rPr>
+              <a:pPr/>
+              <a:t>4</a:t>
+            </a:fld>
+            <a:endParaRPr lang="en-US">
+              <a:solidFill>
+                <a:prstClr val="black">
+                  <a:tint val="75000"/>
+                </a:prstClr>
+              </a:solidFill>
+            </a:endParaRPr>
+          </a:p>
+        </p:txBody>
+      </p:sp>
     </p:spTree>
     <p:extLst>
       <p:ext uri="{BB962C8B-B14F-4D97-AF65-F5344CB8AC3E}">
@@ -11936,6 +12664,48 @@
           </a:p>
         </p:txBody>
       </p:sp>
+      <p:sp>
+        <p:nvSpPr>
+          <p:cNvPr id="3" name="Marcador de Posição do Número do Diapositivo 2">
+            <a:extLst>
+              <a:ext uri="{FF2B5EF4-FFF2-40B4-BE49-F238E27FC236}">
+                <a16:creationId xmlns:a16="http://schemas.microsoft.com/office/drawing/2014/main" id="{47F4A5A6-7A48-85BE-F258-341E9B89524A}"/>
+              </a:ext>
+            </a:extLst>
+          </p:cNvPr>
+          <p:cNvSpPr>
+            <a:spLocks noGrp="1"/>
+          </p:cNvSpPr>
+          <p:nvPr>
+            <p:ph type="sldNum" sz="quarter" idx="12"/>
+          </p:nvPr>
+        </p:nvSpPr>
+        <p:spPr/>
+        <p:txBody>
+          <a:bodyPr/>
+          <a:lstStyle/>
+          <a:p>
+            <a:fld id="{91727942-0F31-8246-9E69-0AE29DBBE5E4}" type="slidenum">
+              <a:rPr lang="en-US" smtClean="0">
+                <a:solidFill>
+                  <a:prstClr val="black">
+                    <a:tint val="75000"/>
+                  </a:prstClr>
+                </a:solidFill>
+              </a:rPr>
+              <a:pPr/>
+              <a:t>5</a:t>
+            </a:fld>
+            <a:endParaRPr lang="en-US">
+              <a:solidFill>
+                <a:prstClr val="black">
+                  <a:tint val="75000"/>
+                </a:prstClr>
+              </a:solidFill>
+            </a:endParaRPr>
+          </a:p>
+        </p:txBody>
+      </p:sp>
     </p:spTree>
     <p:extLst>
       <p:ext uri="{BB962C8B-B14F-4D97-AF65-F5344CB8AC3E}">
@@ -12459,6 +13229,48 @@
           </a:p>
         </p:txBody>
       </p:sp>
+      <p:sp>
+        <p:nvSpPr>
+          <p:cNvPr id="3" name="Marcador de Posição do Número do Diapositivo 2">
+            <a:extLst>
+              <a:ext uri="{FF2B5EF4-FFF2-40B4-BE49-F238E27FC236}">
+                <a16:creationId xmlns:a16="http://schemas.microsoft.com/office/drawing/2014/main" id="{42AD7048-E4D6-7C8B-1394-1ADC533E87BC}"/>
+              </a:ext>
+            </a:extLst>
+          </p:cNvPr>
+          <p:cNvSpPr>
+            <a:spLocks noGrp="1"/>
+          </p:cNvSpPr>
+          <p:nvPr>
+            <p:ph type="sldNum" sz="quarter" idx="12"/>
+          </p:nvPr>
+        </p:nvSpPr>
+        <p:spPr/>
+        <p:txBody>
+          <a:bodyPr/>
+          <a:lstStyle/>
+          <a:p>
+            <a:fld id="{91727942-0F31-8246-9E69-0AE29DBBE5E4}" type="slidenum">
+              <a:rPr lang="en-US" smtClean="0">
+                <a:solidFill>
+                  <a:prstClr val="black">
+                    <a:tint val="75000"/>
+                  </a:prstClr>
+                </a:solidFill>
+              </a:rPr>
+              <a:pPr/>
+              <a:t>6</a:t>
+            </a:fld>
+            <a:endParaRPr lang="en-US">
+              <a:solidFill>
+                <a:prstClr val="black">
+                  <a:tint val="75000"/>
+                </a:prstClr>
+              </a:solidFill>
+            </a:endParaRPr>
+          </a:p>
+        </p:txBody>
+      </p:sp>
     </p:spTree>
     <p:extLst>
       <p:ext uri="{BB962C8B-B14F-4D97-AF65-F5344CB8AC3E}">
@@ -12491,7 +13303,13 @@
       </p:grpSpPr>
       <p:sp>
         <p:nvSpPr>
-          <p:cNvPr id="2" name="Título 1"/>
+          <p:cNvPr id="2" name="Título 1">
+            <a:extLst>
+              <a:ext uri="{FF2B5EF4-FFF2-40B4-BE49-F238E27FC236}">
+                <a16:creationId xmlns:a16="http://schemas.microsoft.com/office/drawing/2014/main" id="{C500F8D2-45C6-485E-ECB5-015377BD10A5}"/>
+              </a:ext>
+            </a:extLst>
+          </p:cNvPr>
           <p:cNvSpPr>
             <a:spLocks noGrp="1"/>
           </p:cNvSpPr>
@@ -12499,409 +13317,134 @@
             <p:ph type="title"/>
           </p:nvPr>
         </p:nvSpPr>
-        <p:spPr/>
-        <p:txBody>
-          <a:bodyPr>
-            <a:normAutofit fontScale="90000"/>
+        <p:spPr>
+          <a:xfrm>
+            <a:off x="457200" y="980728"/>
+            <a:ext cx="8229600" cy="720080"/>
+          </a:xfrm>
+        </p:spPr>
+        <p:txBody>
+          <a:bodyPr anchor="ctr">
+            <a:normAutofit/>
           </a:bodyPr>
           <a:lstStyle/>
           <a:p>
-            <a:r>
-              <a:rPr lang="pt-PT" dirty="0" err="1"/>
-              <a:t>Exact</a:t>
-            </a:r>
-            <a:r>
-              <a:rPr lang="pt-PT" dirty="0"/>
+            <a:pPr>
+              <a:lnSpc>
+                <a:spcPct val="90000"/>
+              </a:lnSpc>
+            </a:pPr>
+            <a:r>
+              <a:rPr lang="pt-PT" sz="2100" err="1"/>
+              <a:t>Optimization</a:t>
+            </a:r>
+            <a:r>
+              <a:rPr lang="pt-PT" sz="2100"/>
               <a:t> </a:t>
             </a:r>
             <a:r>
-              <a:rPr lang="pt-PT" dirty="0" err="1"/>
-              <a:t>Method</a:t>
-            </a:r>
-            <a:r>
-              <a:rPr lang="pt-PT" dirty="0"/>
-              <a:t> </a:t>
-            </a:r>
-            <a:r>
-              <a:rPr lang="pt-PT" dirty="0" err="1"/>
-              <a:t>Algorithm</a:t>
-            </a:r>
-            <a:endParaRPr lang="en-US" dirty="0"/>
-          </a:p>
-        </p:txBody>
-      </p:sp>
-      <p:sp>
-        <p:nvSpPr>
-          <p:cNvPr id="3" name="Marcador de Posição de Conteúdo 2"/>
+              <a:rPr lang="pt-PT" sz="2100" err="1"/>
+              <a:t>Methods</a:t>
+            </a:r>
+            <a:br>
+              <a:rPr lang="pt-PT" sz="2100"/>
+            </a:br>
+            <a:endParaRPr lang="pt-PT" sz="2100"/>
+          </a:p>
+        </p:txBody>
+      </p:sp>
+      <p:pic>
+        <p:nvPicPr>
+          <p:cNvPr id="6" name="Marcador de Posição de Conteúdo 5" descr="Uma imagem com texto, diagrama, file, Paralelo&#10;&#10;Descrição gerada automaticamente">
+            <a:extLst>
+              <a:ext uri="{FF2B5EF4-FFF2-40B4-BE49-F238E27FC236}">
+                <a16:creationId xmlns:a16="http://schemas.microsoft.com/office/drawing/2014/main" id="{DAC3C223-2436-B9CC-6088-307F37BBBD46}"/>
+              </a:ext>
+            </a:extLst>
+          </p:cNvPr>
+          <p:cNvPicPr>
+            <a:picLocks noGrp="1" noChangeAspect="1"/>
+          </p:cNvPicPr>
+          <p:nvPr>
+            <p:ph idx="1"/>
+          </p:nvPr>
+        </p:nvPicPr>
+        <p:blipFill>
+          <a:blip r:embed="rId2"/>
+          <a:stretch>
+            <a:fillRect/>
+          </a:stretch>
+        </p:blipFill>
+        <p:spPr>
+          <a:xfrm>
+            <a:off x="1701750" y="1844825"/>
+            <a:ext cx="5740500" cy="4104456"/>
+          </a:xfrm>
+          <a:noFill/>
+        </p:spPr>
+      </p:pic>
+      <p:sp>
+        <p:nvSpPr>
+          <p:cNvPr id="4" name="Marcador de Posição do Número do Diapositivo 3">
+            <a:extLst>
+              <a:ext uri="{FF2B5EF4-FFF2-40B4-BE49-F238E27FC236}">
+                <a16:creationId xmlns:a16="http://schemas.microsoft.com/office/drawing/2014/main" id="{F6B1C488-37EF-4CA0-0C41-E542F19E3F96}"/>
+              </a:ext>
+            </a:extLst>
+          </p:cNvPr>
           <p:cNvSpPr>
             <a:spLocks noGrp="1"/>
           </p:cNvSpPr>
           <p:nvPr>
-            <p:ph idx="1"/>
+            <p:ph type="sldNum" sz="quarter" idx="12"/>
           </p:nvPr>
         </p:nvSpPr>
-        <p:spPr/>
-        <p:txBody>
-          <a:bodyPr>
+        <p:spPr>
+          <a:xfrm>
+            <a:off x="6553200" y="6356350"/>
+            <a:ext cx="2133600" cy="365125"/>
+          </a:xfrm>
+        </p:spPr>
+        <p:txBody>
+          <a:bodyPr anchor="ctr">
             <a:normAutofit/>
           </a:bodyPr>
           <a:lstStyle/>
           <a:p>
-            <a:pPr algn="just"/>
-            <a:r>
-              <a:rPr lang="en-US" sz="2200" dirty="0"/>
-              <a:t>We decided to approach this problem using an exact method algorithm.</a:t>
-            </a:r>
-          </a:p>
-          <a:p>
-            <a:pPr algn="just"/>
-            <a:r>
-              <a:rPr lang="en-US" sz="2200" dirty="0"/>
-              <a:t>In order to reproduce the equations, we used the OR-Tools Library in Python.</a:t>
-            </a:r>
-          </a:p>
-          <a:p>
-            <a:pPr algn="just"/>
-            <a:r>
-              <a:rPr lang="en-US" sz="2200" dirty="0"/>
-              <a:t>OR-Tools is an open-source software for combinatorial optimization, which seeks to find the best solution to a problem from a very large number of possible solutions.</a:t>
-            </a:r>
-          </a:p>
-          <a:p>
-            <a:pPr algn="just"/>
-            <a:r>
-              <a:rPr lang="en-US" sz="2200" dirty="0"/>
-              <a:t>The solver was used in 5 instances of datasets (</a:t>
-            </a:r>
-            <a:r>
-              <a:rPr lang="en-US" sz="2200" dirty="0" err="1"/>
-              <a:t>Delmaire</a:t>
-            </a:r>
-            <a:r>
-              <a:rPr lang="en-US" sz="2200" dirty="0"/>
-              <a:t>, Holmberg, OR-library, Yang, TBED1). </a:t>
-            </a:r>
-          </a:p>
-          <a:p>
-            <a:endParaRPr lang="en-US" dirty="0"/>
-          </a:p>
-        </p:txBody>
-      </p:sp>
-      <p:sp>
-        <p:nvSpPr>
-          <p:cNvPr id="4" name="CaixaDeTexto 1"/>
-          <p:cNvSpPr txBox="1">
-            <a:spLocks noChangeArrowheads="1"/>
-          </p:cNvSpPr>
-          <p:nvPr/>
-        </p:nvSpPr>
-        <p:spPr bwMode="auto">
-          <a:xfrm>
-            <a:off x="6228184" y="6309320"/>
-            <a:ext cx="2387228" cy="461665"/>
-          </a:xfrm>
-          <a:prstGeom prst="rect">
-            <a:avLst/>
-          </a:prstGeom>
-          <a:noFill/>
-          <a:ln>
-            <a:noFill/>
-          </a:ln>
-          <a:extLst>
-            <a:ext uri="{909E8E84-426E-40DD-AFC4-6F175D3DCCD1}">
-              <a14:hiddenFill xmlns:a14="http://schemas.microsoft.com/office/drawing/2010/main">
-                <a:solidFill>
-                  <a:srgbClr val="FFFFFF"/>
-                </a:solidFill>
-              </a14:hiddenFill>
-            </a:ext>
-            <a:ext uri="{91240B29-F687-4F45-9708-019B960494DF}">
-              <a14:hiddenLine xmlns:a14="http://schemas.microsoft.com/office/drawing/2010/main" w="9525">
-                <a:solidFill>
-                  <a:srgbClr val="000000"/>
-                </a:solidFill>
-                <a:miter lim="800000"/>
-                <a:headEnd/>
-                <a:tailEnd/>
-              </a14:hiddenLine>
-            </a:ext>
-          </a:extLst>
-        </p:spPr>
-        <p:txBody>
-          <a:bodyPr wrap="square">
-            <a:spAutoFit/>
-          </a:bodyPr>
-          <a:lstStyle>
-            <a:lvl1pPr>
-              <a:defRPr>
-                <a:solidFill>
-                  <a:schemeClr val="tx1"/>
-                </a:solidFill>
-                <a:latin typeface="Calibri" panose="020F0502020204030204" pitchFamily="34" charset="0"/>
-              </a:defRPr>
-            </a:lvl1pPr>
-            <a:lvl2pPr marL="742950" indent="-285750">
-              <a:defRPr>
-                <a:solidFill>
-                  <a:schemeClr val="tx1"/>
-                </a:solidFill>
-                <a:latin typeface="Calibri" panose="020F0502020204030204" pitchFamily="34" charset="0"/>
-              </a:defRPr>
-            </a:lvl2pPr>
-            <a:lvl3pPr marL="1143000" indent="-228600">
-              <a:defRPr>
-                <a:solidFill>
-                  <a:schemeClr val="tx1"/>
-                </a:solidFill>
-                <a:latin typeface="Calibri" panose="020F0502020204030204" pitchFamily="34" charset="0"/>
-              </a:defRPr>
-            </a:lvl3pPr>
-            <a:lvl4pPr marL="1600200" indent="-228600">
-              <a:defRPr>
-                <a:solidFill>
-                  <a:schemeClr val="tx1"/>
-                </a:solidFill>
-                <a:latin typeface="Calibri" panose="020F0502020204030204" pitchFamily="34" charset="0"/>
-              </a:defRPr>
-            </a:lvl4pPr>
-            <a:lvl5pPr marL="2057400" indent="-228600">
-              <a:defRPr>
-                <a:solidFill>
-                  <a:schemeClr val="tx1"/>
-                </a:solidFill>
-                <a:latin typeface="Calibri" panose="020F0502020204030204" pitchFamily="34" charset="0"/>
-              </a:defRPr>
-            </a:lvl5pPr>
-            <a:lvl6pPr marL="2514600" indent="-228600" defTabSz="457200" fontAlgn="base">
-              <a:spcBef>
-                <a:spcPct val="0"/>
-              </a:spcBef>
+            <a:pPr>
               <a:spcAft>
-                <a:spcPct val="0"/>
+                <a:spcPts val="600"/>
               </a:spcAft>
-              <a:defRPr>
-                <a:solidFill>
-                  <a:schemeClr val="tx1"/>
-                </a:solidFill>
-                <a:latin typeface="Calibri" panose="020F0502020204030204" pitchFamily="34" charset="0"/>
-              </a:defRPr>
-            </a:lvl6pPr>
-            <a:lvl7pPr marL="2971800" indent="-228600" defTabSz="457200" fontAlgn="base">
-              <a:spcBef>
-                <a:spcPct val="0"/>
-              </a:spcBef>
-              <a:spcAft>
-                <a:spcPct val="0"/>
-              </a:spcAft>
-              <a:defRPr>
-                <a:solidFill>
-                  <a:schemeClr val="tx1"/>
-                </a:solidFill>
-                <a:latin typeface="Calibri" panose="020F0502020204030204" pitchFamily="34" charset="0"/>
-              </a:defRPr>
-            </a:lvl7pPr>
-            <a:lvl8pPr marL="3429000" indent="-228600" defTabSz="457200" fontAlgn="base">
-              <a:spcBef>
-                <a:spcPct val="0"/>
-              </a:spcBef>
-              <a:spcAft>
-                <a:spcPct val="0"/>
-              </a:spcAft>
-              <a:defRPr>
-                <a:solidFill>
-                  <a:schemeClr val="tx1"/>
-                </a:solidFill>
-                <a:latin typeface="Calibri" panose="020F0502020204030204" pitchFamily="34" charset="0"/>
-              </a:defRPr>
-            </a:lvl8pPr>
-            <a:lvl9pPr marL="3886200" indent="-228600" defTabSz="457200" fontAlgn="base">
-              <a:spcBef>
-                <a:spcPct val="0"/>
-              </a:spcBef>
-              <a:spcAft>
-                <a:spcPct val="0"/>
-              </a:spcAft>
-              <a:defRPr>
-                <a:solidFill>
-                  <a:schemeClr val="tx1"/>
-                </a:solidFill>
-                <a:latin typeface="Calibri" panose="020F0502020204030204" pitchFamily="34" charset="0"/>
-              </a:defRPr>
-            </a:lvl9pPr>
-          </a:lstStyle>
-          <a:p>
-            <a:r>
-              <a:rPr lang="pt-PT" sz="1200" dirty="0">
-                <a:latin typeface="Porto Sans Light" panose="00000400000000000000" pitchFamily="50" charset="0"/>
+            </a:pPr>
+            <a:fld id="{91727942-0F31-8246-9E69-0AE29DBBE5E4}" type="slidenum">
+              <a:rPr lang="en-US" smtClean="0">
+                <a:solidFill>
+                  <a:prstClr val="black">
+                    <a:tint val="75000"/>
+                  </a:prstClr>
+                </a:solidFill>
               </a:rPr>
-              <a:t>João Silva | Olavo Alves | Luís Silva</a:t>
-            </a:r>
-          </a:p>
-          <a:p>
-            <a:pPr eaLnBrk="1" hangingPunct="1"/>
-            <a:endParaRPr lang="pt-PT" altLang="pt-PT" sz="1200" dirty="0">
-              <a:latin typeface="Porto Sans Light" panose="00000400000000000000" pitchFamily="50" charset="0"/>
+              <a:pPr>
+                <a:spcAft>
+                  <a:spcPts val="600"/>
+                </a:spcAft>
+              </a:pPr>
+              <a:t>7</a:t>
+            </a:fld>
+            <a:endParaRPr lang="en-US">
+              <a:solidFill>
+                <a:prstClr val="black">
+                  <a:tint val="75000"/>
+                </a:prstClr>
+              </a:solidFill>
             </a:endParaRPr>
-          </a:p>
-        </p:txBody>
-      </p:sp>
-      <p:sp>
-        <p:nvSpPr>
-          <p:cNvPr id="5" name="CaixaDeTexto 2"/>
-          <p:cNvSpPr txBox="1">
-            <a:spLocks noChangeArrowheads="1"/>
-          </p:cNvSpPr>
-          <p:nvPr/>
-        </p:nvSpPr>
-        <p:spPr bwMode="auto">
-          <a:xfrm>
-            <a:off x="457200" y="6309320"/>
-            <a:ext cx="3317812" cy="276999"/>
-          </a:xfrm>
-          <a:prstGeom prst="rect">
-            <a:avLst/>
-          </a:prstGeom>
-          <a:noFill/>
-          <a:ln>
-            <a:noFill/>
-          </a:ln>
-          <a:extLst>
-            <a:ext uri="{909E8E84-426E-40DD-AFC4-6F175D3DCCD1}">
-              <a14:hiddenFill xmlns:a14="http://schemas.microsoft.com/office/drawing/2010/main">
-                <a:solidFill>
-                  <a:srgbClr val="FFFFFF"/>
-                </a:solidFill>
-              </a14:hiddenFill>
-            </a:ext>
-            <a:ext uri="{91240B29-F687-4F45-9708-019B960494DF}">
-              <a14:hiddenLine xmlns:a14="http://schemas.microsoft.com/office/drawing/2010/main" w="9525">
-                <a:solidFill>
-                  <a:srgbClr val="000000"/>
-                </a:solidFill>
-                <a:miter lim="800000"/>
-                <a:headEnd/>
-                <a:tailEnd/>
-              </a14:hiddenLine>
-            </a:ext>
-          </a:extLst>
-        </p:spPr>
-        <p:txBody>
-          <a:bodyPr wrap="square">
-            <a:spAutoFit/>
-          </a:bodyPr>
-          <a:lstStyle>
-            <a:lvl1pPr>
-              <a:defRPr>
-                <a:solidFill>
-                  <a:schemeClr val="tx1"/>
-                </a:solidFill>
-                <a:latin typeface="Calibri" panose="020F0502020204030204" pitchFamily="34" charset="0"/>
-              </a:defRPr>
-            </a:lvl1pPr>
-            <a:lvl2pPr marL="742950" indent="-285750">
-              <a:defRPr>
-                <a:solidFill>
-                  <a:schemeClr val="tx1"/>
-                </a:solidFill>
-                <a:latin typeface="Calibri" panose="020F0502020204030204" pitchFamily="34" charset="0"/>
-              </a:defRPr>
-            </a:lvl2pPr>
-            <a:lvl3pPr marL="1143000" indent="-228600">
-              <a:defRPr>
-                <a:solidFill>
-                  <a:schemeClr val="tx1"/>
-                </a:solidFill>
-                <a:latin typeface="Calibri" panose="020F0502020204030204" pitchFamily="34" charset="0"/>
-              </a:defRPr>
-            </a:lvl3pPr>
-            <a:lvl4pPr marL="1600200" indent="-228600">
-              <a:defRPr>
-                <a:solidFill>
-                  <a:schemeClr val="tx1"/>
-                </a:solidFill>
-                <a:latin typeface="Calibri" panose="020F0502020204030204" pitchFamily="34" charset="0"/>
-              </a:defRPr>
-            </a:lvl4pPr>
-            <a:lvl5pPr marL="2057400" indent="-228600">
-              <a:defRPr>
-                <a:solidFill>
-                  <a:schemeClr val="tx1"/>
-                </a:solidFill>
-                <a:latin typeface="Calibri" panose="020F0502020204030204" pitchFamily="34" charset="0"/>
-              </a:defRPr>
-            </a:lvl5pPr>
-            <a:lvl6pPr marL="2514600" indent="-228600" defTabSz="457200" fontAlgn="base">
-              <a:spcBef>
-                <a:spcPct val="0"/>
-              </a:spcBef>
-              <a:spcAft>
-                <a:spcPct val="0"/>
-              </a:spcAft>
-              <a:defRPr>
-                <a:solidFill>
-                  <a:schemeClr val="tx1"/>
-                </a:solidFill>
-                <a:latin typeface="Calibri" panose="020F0502020204030204" pitchFamily="34" charset="0"/>
-              </a:defRPr>
-            </a:lvl6pPr>
-            <a:lvl7pPr marL="2971800" indent="-228600" defTabSz="457200" fontAlgn="base">
-              <a:spcBef>
-                <a:spcPct val="0"/>
-              </a:spcBef>
-              <a:spcAft>
-                <a:spcPct val="0"/>
-              </a:spcAft>
-              <a:defRPr>
-                <a:solidFill>
-                  <a:schemeClr val="tx1"/>
-                </a:solidFill>
-                <a:latin typeface="Calibri" panose="020F0502020204030204" pitchFamily="34" charset="0"/>
-              </a:defRPr>
-            </a:lvl7pPr>
-            <a:lvl8pPr marL="3429000" indent="-228600" defTabSz="457200" fontAlgn="base">
-              <a:spcBef>
-                <a:spcPct val="0"/>
-              </a:spcBef>
-              <a:spcAft>
-                <a:spcPct val="0"/>
-              </a:spcAft>
-              <a:defRPr>
-                <a:solidFill>
-                  <a:schemeClr val="tx1"/>
-                </a:solidFill>
-                <a:latin typeface="Calibri" panose="020F0502020204030204" pitchFamily="34" charset="0"/>
-              </a:defRPr>
-            </a:lvl8pPr>
-            <a:lvl9pPr marL="3886200" indent="-228600" defTabSz="457200" fontAlgn="base">
-              <a:spcBef>
-                <a:spcPct val="0"/>
-              </a:spcBef>
-              <a:spcAft>
-                <a:spcPct val="0"/>
-              </a:spcAft>
-              <a:defRPr>
-                <a:solidFill>
-                  <a:schemeClr val="tx1"/>
-                </a:solidFill>
-                <a:latin typeface="Calibri" panose="020F0502020204030204" pitchFamily="34" charset="0"/>
-              </a:defRPr>
-            </a:lvl9pPr>
-          </a:lstStyle>
-          <a:p>
-            <a:pPr eaLnBrk="1" hangingPunct="1"/>
-            <a:r>
-              <a:rPr lang="pt-PT" altLang="pt-PT" sz="1200" dirty="0">
-                <a:latin typeface="Porto Sans Light" panose="00000400000000000000" pitchFamily="50" charset="0"/>
-              </a:rPr>
-              <a:t>Óscar Oliveira / Simulação e Otimização (2022/23)</a:t>
-            </a:r>
           </a:p>
         </p:txBody>
       </p:sp>
     </p:spTree>
     <p:extLst>
       <p:ext uri="{BB962C8B-B14F-4D97-AF65-F5344CB8AC3E}">
-        <p14:creationId xmlns:p14="http://schemas.microsoft.com/office/powerpoint/2010/main" val="4051685628"/>
+        <p14:creationId xmlns:p14="http://schemas.microsoft.com/office/powerpoint/2010/main" val="1901890372"/>
       </p:ext>
     </p:extLst>
   </p:cSld>
@@ -12930,10 +13473,419 @@
       </p:grpSpPr>
       <p:sp>
         <p:nvSpPr>
-          <p:cNvPr id="2" name="Título 1">
+          <p:cNvPr id="2" name="Título 1"/>
+          <p:cNvSpPr>
+            <a:spLocks noGrp="1"/>
+          </p:cNvSpPr>
+          <p:nvPr>
+            <p:ph type="title"/>
+          </p:nvPr>
+        </p:nvSpPr>
+        <p:spPr/>
+        <p:txBody>
+          <a:bodyPr>
+            <a:normAutofit fontScale="90000"/>
+          </a:bodyPr>
+          <a:lstStyle/>
+          <a:p>
+            <a:r>
+              <a:rPr lang="pt-PT" dirty="0" err="1"/>
+              <a:t>Exact</a:t>
+            </a:r>
+            <a:r>
+              <a:rPr lang="pt-PT" dirty="0"/>
+              <a:t> </a:t>
+            </a:r>
+            <a:r>
+              <a:rPr lang="pt-PT" dirty="0" err="1"/>
+              <a:t>Method</a:t>
+            </a:r>
+            <a:r>
+              <a:rPr lang="pt-PT" dirty="0"/>
+              <a:t> </a:t>
+            </a:r>
+            <a:r>
+              <a:rPr lang="pt-PT" dirty="0" err="1"/>
+              <a:t>Algorithm</a:t>
+            </a:r>
+            <a:endParaRPr lang="en-US" dirty="0"/>
+          </a:p>
+        </p:txBody>
+      </p:sp>
+      <p:sp>
+        <p:nvSpPr>
+          <p:cNvPr id="3" name="Marcador de Posição de Conteúdo 2"/>
+          <p:cNvSpPr>
+            <a:spLocks noGrp="1"/>
+          </p:cNvSpPr>
+          <p:nvPr>
+            <p:ph idx="1"/>
+          </p:nvPr>
+        </p:nvSpPr>
+        <p:spPr/>
+        <p:txBody>
+          <a:bodyPr>
+            <a:normAutofit/>
+          </a:bodyPr>
+          <a:lstStyle/>
+          <a:p>
+            <a:pPr algn="just"/>
+            <a:r>
+              <a:rPr lang="en-US" sz="2200" dirty="0"/>
+              <a:t>We decided to approach this problem using an exact method algorithm.</a:t>
+            </a:r>
+          </a:p>
+          <a:p>
+            <a:pPr algn="just"/>
+            <a:r>
+              <a:rPr lang="en-US" sz="2200" dirty="0"/>
+              <a:t>In order to reproduce the equations, we used the OR-Tools Library in Python.</a:t>
+            </a:r>
+          </a:p>
+          <a:p>
+            <a:pPr algn="just"/>
+            <a:r>
+              <a:rPr lang="en-US" sz="2200" dirty="0"/>
+              <a:t>OR-Tools is an open-source software for combinatorial optimization, which seeks to find the best solution to a problem from a very large number of possible solutions.</a:t>
+            </a:r>
+          </a:p>
+          <a:p>
+            <a:pPr algn="just"/>
+            <a:r>
+              <a:rPr lang="en-US" sz="2200" dirty="0"/>
+              <a:t>The solver was used in 5 instances of datasets (</a:t>
+            </a:r>
+            <a:r>
+              <a:rPr lang="en-US" sz="2200" dirty="0" err="1"/>
+              <a:t>Delmaire</a:t>
+            </a:r>
+            <a:r>
+              <a:rPr lang="en-US" sz="2200" dirty="0"/>
+              <a:t>, Holmberg, OR-library, Yang, TBED1). </a:t>
+            </a:r>
+          </a:p>
+          <a:p>
+            <a:endParaRPr lang="en-US" dirty="0"/>
+          </a:p>
+        </p:txBody>
+      </p:sp>
+      <p:sp>
+        <p:nvSpPr>
+          <p:cNvPr id="4" name="CaixaDeTexto 1"/>
+          <p:cNvSpPr txBox="1">
+            <a:spLocks noChangeArrowheads="1"/>
+          </p:cNvSpPr>
+          <p:nvPr/>
+        </p:nvSpPr>
+        <p:spPr bwMode="auto">
+          <a:xfrm>
+            <a:off x="6228184" y="6309320"/>
+            <a:ext cx="2387228" cy="461665"/>
+          </a:xfrm>
+          <a:prstGeom prst="rect">
+            <a:avLst/>
+          </a:prstGeom>
+          <a:noFill/>
+          <a:ln>
+            <a:noFill/>
+          </a:ln>
+          <a:extLst>
+            <a:ext uri="{909E8E84-426E-40DD-AFC4-6F175D3DCCD1}">
+              <a14:hiddenFill xmlns:a14="http://schemas.microsoft.com/office/drawing/2010/main">
+                <a:solidFill>
+                  <a:srgbClr val="FFFFFF"/>
+                </a:solidFill>
+              </a14:hiddenFill>
+            </a:ext>
+            <a:ext uri="{91240B29-F687-4F45-9708-019B960494DF}">
+              <a14:hiddenLine xmlns:a14="http://schemas.microsoft.com/office/drawing/2010/main" w="9525">
+                <a:solidFill>
+                  <a:srgbClr val="000000"/>
+                </a:solidFill>
+                <a:miter lim="800000"/>
+                <a:headEnd/>
+                <a:tailEnd/>
+              </a14:hiddenLine>
+            </a:ext>
+          </a:extLst>
+        </p:spPr>
+        <p:txBody>
+          <a:bodyPr wrap="square">
+            <a:spAutoFit/>
+          </a:bodyPr>
+          <a:lstStyle>
+            <a:lvl1pPr>
+              <a:defRPr>
+                <a:solidFill>
+                  <a:schemeClr val="tx1"/>
+                </a:solidFill>
+                <a:latin typeface="Calibri" panose="020F0502020204030204" pitchFamily="34" charset="0"/>
+              </a:defRPr>
+            </a:lvl1pPr>
+            <a:lvl2pPr marL="742950" indent="-285750">
+              <a:defRPr>
+                <a:solidFill>
+                  <a:schemeClr val="tx1"/>
+                </a:solidFill>
+                <a:latin typeface="Calibri" panose="020F0502020204030204" pitchFamily="34" charset="0"/>
+              </a:defRPr>
+            </a:lvl2pPr>
+            <a:lvl3pPr marL="1143000" indent="-228600">
+              <a:defRPr>
+                <a:solidFill>
+                  <a:schemeClr val="tx1"/>
+                </a:solidFill>
+                <a:latin typeface="Calibri" panose="020F0502020204030204" pitchFamily="34" charset="0"/>
+              </a:defRPr>
+            </a:lvl3pPr>
+            <a:lvl4pPr marL="1600200" indent="-228600">
+              <a:defRPr>
+                <a:solidFill>
+                  <a:schemeClr val="tx1"/>
+                </a:solidFill>
+                <a:latin typeface="Calibri" panose="020F0502020204030204" pitchFamily="34" charset="0"/>
+              </a:defRPr>
+            </a:lvl4pPr>
+            <a:lvl5pPr marL="2057400" indent="-228600">
+              <a:defRPr>
+                <a:solidFill>
+                  <a:schemeClr val="tx1"/>
+                </a:solidFill>
+                <a:latin typeface="Calibri" panose="020F0502020204030204" pitchFamily="34" charset="0"/>
+              </a:defRPr>
+            </a:lvl5pPr>
+            <a:lvl6pPr marL="2514600" indent="-228600" defTabSz="457200" fontAlgn="base">
+              <a:spcBef>
+                <a:spcPct val="0"/>
+              </a:spcBef>
+              <a:spcAft>
+                <a:spcPct val="0"/>
+              </a:spcAft>
+              <a:defRPr>
+                <a:solidFill>
+                  <a:schemeClr val="tx1"/>
+                </a:solidFill>
+                <a:latin typeface="Calibri" panose="020F0502020204030204" pitchFamily="34" charset="0"/>
+              </a:defRPr>
+            </a:lvl6pPr>
+            <a:lvl7pPr marL="2971800" indent="-228600" defTabSz="457200" fontAlgn="base">
+              <a:spcBef>
+                <a:spcPct val="0"/>
+              </a:spcBef>
+              <a:spcAft>
+                <a:spcPct val="0"/>
+              </a:spcAft>
+              <a:defRPr>
+                <a:solidFill>
+                  <a:schemeClr val="tx1"/>
+                </a:solidFill>
+                <a:latin typeface="Calibri" panose="020F0502020204030204" pitchFamily="34" charset="0"/>
+              </a:defRPr>
+            </a:lvl7pPr>
+            <a:lvl8pPr marL="3429000" indent="-228600" defTabSz="457200" fontAlgn="base">
+              <a:spcBef>
+                <a:spcPct val="0"/>
+              </a:spcBef>
+              <a:spcAft>
+                <a:spcPct val="0"/>
+              </a:spcAft>
+              <a:defRPr>
+                <a:solidFill>
+                  <a:schemeClr val="tx1"/>
+                </a:solidFill>
+                <a:latin typeface="Calibri" panose="020F0502020204030204" pitchFamily="34" charset="0"/>
+              </a:defRPr>
+            </a:lvl8pPr>
+            <a:lvl9pPr marL="3886200" indent="-228600" defTabSz="457200" fontAlgn="base">
+              <a:spcBef>
+                <a:spcPct val="0"/>
+              </a:spcBef>
+              <a:spcAft>
+                <a:spcPct val="0"/>
+              </a:spcAft>
+              <a:defRPr>
+                <a:solidFill>
+                  <a:schemeClr val="tx1"/>
+                </a:solidFill>
+                <a:latin typeface="Calibri" panose="020F0502020204030204" pitchFamily="34" charset="0"/>
+              </a:defRPr>
+            </a:lvl9pPr>
+          </a:lstStyle>
+          <a:p>
+            <a:r>
+              <a:rPr lang="pt-PT" sz="1200" dirty="0">
+                <a:latin typeface="Porto Sans Light" panose="00000400000000000000" pitchFamily="50" charset="0"/>
+              </a:rPr>
+              <a:t>João Silva | Olavo Alves | Luís Silva</a:t>
+            </a:r>
+          </a:p>
+          <a:p>
+            <a:pPr eaLnBrk="1" hangingPunct="1"/>
+            <a:endParaRPr lang="pt-PT" altLang="pt-PT" sz="1200" dirty="0">
+              <a:latin typeface="Porto Sans Light" panose="00000400000000000000" pitchFamily="50" charset="0"/>
+            </a:endParaRPr>
+          </a:p>
+        </p:txBody>
+      </p:sp>
+      <p:sp>
+        <p:nvSpPr>
+          <p:cNvPr id="5" name="CaixaDeTexto 2"/>
+          <p:cNvSpPr txBox="1">
+            <a:spLocks noChangeArrowheads="1"/>
+          </p:cNvSpPr>
+          <p:nvPr/>
+        </p:nvSpPr>
+        <p:spPr bwMode="auto">
+          <a:xfrm>
+            <a:off x="457200" y="6309320"/>
+            <a:ext cx="3317812" cy="276999"/>
+          </a:xfrm>
+          <a:prstGeom prst="rect">
+            <a:avLst/>
+          </a:prstGeom>
+          <a:noFill/>
+          <a:ln>
+            <a:noFill/>
+          </a:ln>
+          <a:extLst>
+            <a:ext uri="{909E8E84-426E-40DD-AFC4-6F175D3DCCD1}">
+              <a14:hiddenFill xmlns:a14="http://schemas.microsoft.com/office/drawing/2010/main">
+                <a:solidFill>
+                  <a:srgbClr val="FFFFFF"/>
+                </a:solidFill>
+              </a14:hiddenFill>
+            </a:ext>
+            <a:ext uri="{91240B29-F687-4F45-9708-019B960494DF}">
+              <a14:hiddenLine xmlns:a14="http://schemas.microsoft.com/office/drawing/2010/main" w="9525">
+                <a:solidFill>
+                  <a:srgbClr val="000000"/>
+                </a:solidFill>
+                <a:miter lim="800000"/>
+                <a:headEnd/>
+                <a:tailEnd/>
+              </a14:hiddenLine>
+            </a:ext>
+          </a:extLst>
+        </p:spPr>
+        <p:txBody>
+          <a:bodyPr wrap="square">
+            <a:spAutoFit/>
+          </a:bodyPr>
+          <a:lstStyle>
+            <a:lvl1pPr>
+              <a:defRPr>
+                <a:solidFill>
+                  <a:schemeClr val="tx1"/>
+                </a:solidFill>
+                <a:latin typeface="Calibri" panose="020F0502020204030204" pitchFamily="34" charset="0"/>
+              </a:defRPr>
+            </a:lvl1pPr>
+            <a:lvl2pPr marL="742950" indent="-285750">
+              <a:defRPr>
+                <a:solidFill>
+                  <a:schemeClr val="tx1"/>
+                </a:solidFill>
+                <a:latin typeface="Calibri" panose="020F0502020204030204" pitchFamily="34" charset="0"/>
+              </a:defRPr>
+            </a:lvl2pPr>
+            <a:lvl3pPr marL="1143000" indent="-228600">
+              <a:defRPr>
+                <a:solidFill>
+                  <a:schemeClr val="tx1"/>
+                </a:solidFill>
+                <a:latin typeface="Calibri" panose="020F0502020204030204" pitchFamily="34" charset="0"/>
+              </a:defRPr>
+            </a:lvl3pPr>
+            <a:lvl4pPr marL="1600200" indent="-228600">
+              <a:defRPr>
+                <a:solidFill>
+                  <a:schemeClr val="tx1"/>
+                </a:solidFill>
+                <a:latin typeface="Calibri" panose="020F0502020204030204" pitchFamily="34" charset="0"/>
+              </a:defRPr>
+            </a:lvl4pPr>
+            <a:lvl5pPr marL="2057400" indent="-228600">
+              <a:defRPr>
+                <a:solidFill>
+                  <a:schemeClr val="tx1"/>
+                </a:solidFill>
+                <a:latin typeface="Calibri" panose="020F0502020204030204" pitchFamily="34" charset="0"/>
+              </a:defRPr>
+            </a:lvl5pPr>
+            <a:lvl6pPr marL="2514600" indent="-228600" defTabSz="457200" fontAlgn="base">
+              <a:spcBef>
+                <a:spcPct val="0"/>
+              </a:spcBef>
+              <a:spcAft>
+                <a:spcPct val="0"/>
+              </a:spcAft>
+              <a:defRPr>
+                <a:solidFill>
+                  <a:schemeClr val="tx1"/>
+                </a:solidFill>
+                <a:latin typeface="Calibri" panose="020F0502020204030204" pitchFamily="34" charset="0"/>
+              </a:defRPr>
+            </a:lvl6pPr>
+            <a:lvl7pPr marL="2971800" indent="-228600" defTabSz="457200" fontAlgn="base">
+              <a:spcBef>
+                <a:spcPct val="0"/>
+              </a:spcBef>
+              <a:spcAft>
+                <a:spcPct val="0"/>
+              </a:spcAft>
+              <a:defRPr>
+                <a:solidFill>
+                  <a:schemeClr val="tx1"/>
+                </a:solidFill>
+                <a:latin typeface="Calibri" panose="020F0502020204030204" pitchFamily="34" charset="0"/>
+              </a:defRPr>
+            </a:lvl7pPr>
+            <a:lvl8pPr marL="3429000" indent="-228600" defTabSz="457200" fontAlgn="base">
+              <a:spcBef>
+                <a:spcPct val="0"/>
+              </a:spcBef>
+              <a:spcAft>
+                <a:spcPct val="0"/>
+              </a:spcAft>
+              <a:defRPr>
+                <a:solidFill>
+                  <a:schemeClr val="tx1"/>
+                </a:solidFill>
+                <a:latin typeface="Calibri" panose="020F0502020204030204" pitchFamily="34" charset="0"/>
+              </a:defRPr>
+            </a:lvl8pPr>
+            <a:lvl9pPr marL="3886200" indent="-228600" defTabSz="457200" fontAlgn="base">
+              <a:spcBef>
+                <a:spcPct val="0"/>
+              </a:spcBef>
+              <a:spcAft>
+                <a:spcPct val="0"/>
+              </a:spcAft>
+              <a:defRPr>
+                <a:solidFill>
+                  <a:schemeClr val="tx1"/>
+                </a:solidFill>
+                <a:latin typeface="Calibri" panose="020F0502020204030204" pitchFamily="34" charset="0"/>
+              </a:defRPr>
+            </a:lvl9pPr>
+          </a:lstStyle>
+          <a:p>
+            <a:pPr eaLnBrk="1" hangingPunct="1"/>
+            <a:r>
+              <a:rPr lang="pt-PT" altLang="pt-PT" sz="1200" dirty="0">
+                <a:latin typeface="Porto Sans Light" panose="00000400000000000000" pitchFamily="50" charset="0"/>
+              </a:rPr>
+              <a:t>Óscar Oliveira / Simulação e Otimização (2022/23)</a:t>
+            </a:r>
+          </a:p>
+        </p:txBody>
+      </p:sp>
+      <p:sp>
+        <p:nvSpPr>
+          <p:cNvPr id="6" name="Marcador de Posição do Número do Diapositivo 5">
             <a:extLst>
               <a:ext uri="{FF2B5EF4-FFF2-40B4-BE49-F238E27FC236}">
-                <a16:creationId xmlns:a16="http://schemas.microsoft.com/office/drawing/2014/main" id="{F69876EE-74BB-165E-7373-B203293610FE}"/>
+                <a16:creationId xmlns:a16="http://schemas.microsoft.com/office/drawing/2014/main" id="{93C6D070-2481-AA2B-843E-35526B076807}"/>
               </a:ext>
             </a:extLst>
           </p:cNvPr>
@@ -12941,286 +13893,39 @@
             <a:spLocks noGrp="1"/>
           </p:cNvSpPr>
           <p:nvPr>
-            <p:ph type="title"/>
+            <p:ph type="sldNum" sz="quarter" idx="12"/>
           </p:nvPr>
         </p:nvSpPr>
         <p:spPr/>
         <p:txBody>
-          <a:bodyPr>
-            <a:normAutofit fontScale="90000"/>
-          </a:bodyPr>
+          <a:bodyPr/>
           <a:lstStyle/>
           <a:p>
-            <a:r>
-              <a:rPr lang="pt-PT" dirty="0" err="1"/>
-              <a:t>Heuristic</a:t>
-            </a:r>
-            <a:endParaRPr lang="pt-PT" dirty="0"/>
-          </a:p>
-        </p:txBody>
-      </p:sp>
-      <p:sp>
-        <p:nvSpPr>
-          <p:cNvPr id="3" name="Marcador de Posição de Conteúdo 2">
-            <a:extLst>
-              <a:ext uri="{FF2B5EF4-FFF2-40B4-BE49-F238E27FC236}">
-                <a16:creationId xmlns:a16="http://schemas.microsoft.com/office/drawing/2014/main" id="{146226FC-5191-7136-F6A5-37DA5EF7EEF6}"/>
-              </a:ext>
-            </a:extLst>
-          </p:cNvPr>
-          <p:cNvSpPr>
-            <a:spLocks noGrp="1"/>
-          </p:cNvSpPr>
-          <p:nvPr>
-            <p:ph idx="1"/>
-          </p:nvPr>
-        </p:nvSpPr>
-        <p:spPr/>
-        <p:txBody>
-          <a:bodyPr>
-            <a:normAutofit/>
-          </a:bodyPr>
-          <a:lstStyle/>
-          <a:p>
-            <a:pPr algn="just"/>
-            <a:r>
-              <a:rPr lang="en-US" sz="1800" dirty="0"/>
-              <a:t>Heuristics are generally less demanding on computational resources than approximation algorithms, but they do not guarantee that the solution obtained is within a range of quality or computational resources </a:t>
-            </a:r>
-            <a:r>
-              <a:rPr lang="en-US" sz="1800" u="sng" dirty="0"/>
-              <a:t>needed</a:t>
-            </a:r>
-            <a:r>
-              <a:rPr lang="en-US" sz="1800" dirty="0"/>
-              <a:t>. Heuristics are also useful for accelerating the convergence of algorithms. Exact optimization typically providing you with a good initial solution.</a:t>
-            </a:r>
-          </a:p>
-          <a:p>
-            <a:pPr algn="just"/>
-            <a:endParaRPr lang="en-US" sz="1800" dirty="0"/>
-          </a:p>
-          <a:p>
-            <a:pPr algn="just"/>
-            <a:endParaRPr lang="pt-PT" sz="1800" dirty="0"/>
-          </a:p>
-        </p:txBody>
-      </p:sp>
-      <p:sp>
-        <p:nvSpPr>
-          <p:cNvPr id="4" name="Retângulo 3">
-            <a:extLst>
-              <a:ext uri="{FF2B5EF4-FFF2-40B4-BE49-F238E27FC236}">
-                <a16:creationId xmlns:a16="http://schemas.microsoft.com/office/drawing/2014/main" id="{702986F1-30B9-5052-C351-355BC042C8A2}"/>
-              </a:ext>
-            </a:extLst>
-          </p:cNvPr>
-          <p:cNvSpPr/>
-          <p:nvPr/>
-        </p:nvSpPr>
-        <p:spPr>
-          <a:xfrm>
-            <a:off x="3707904" y="3429296"/>
-            <a:ext cx="2088232" cy="792088"/>
-          </a:xfrm>
-          <a:prstGeom prst="rect">
-            <a:avLst/>
-          </a:prstGeom>
-        </p:spPr>
-        <p:style>
-          <a:lnRef idx="1">
-            <a:schemeClr val="accent1"/>
-          </a:lnRef>
-          <a:fillRef idx="3">
-            <a:schemeClr val="accent1"/>
-          </a:fillRef>
-          <a:effectRef idx="2">
-            <a:schemeClr val="accent1"/>
-          </a:effectRef>
-          <a:fontRef idx="minor">
-            <a:schemeClr val="lt1"/>
-          </a:fontRef>
-        </p:style>
-        <p:txBody>
-          <a:bodyPr rtlCol="0" anchor="ctr"/>
-          <a:lstStyle/>
-          <a:p>
-            <a:pPr algn="ctr"/>
-            <a:r>
-              <a:rPr lang="pt-PT" dirty="0" err="1"/>
-              <a:t>Heuristic</a:t>
-            </a:r>
-            <a:endParaRPr lang="pt-PT" dirty="0"/>
-          </a:p>
-        </p:txBody>
-      </p:sp>
-      <p:sp>
-        <p:nvSpPr>
-          <p:cNvPr id="5" name="Retângulo 4">
-            <a:extLst>
-              <a:ext uri="{FF2B5EF4-FFF2-40B4-BE49-F238E27FC236}">
-                <a16:creationId xmlns:a16="http://schemas.microsoft.com/office/drawing/2014/main" id="{D5F7C35D-A11D-1AF6-3CF8-8A3635A08770}"/>
-              </a:ext>
-            </a:extLst>
-          </p:cNvPr>
-          <p:cNvSpPr/>
-          <p:nvPr/>
-        </p:nvSpPr>
-        <p:spPr>
-          <a:xfrm>
-            <a:off x="1043608" y="4761444"/>
-            <a:ext cx="2088232" cy="792088"/>
-          </a:xfrm>
-          <a:prstGeom prst="rect">
-            <a:avLst/>
-          </a:prstGeom>
-        </p:spPr>
-        <p:style>
-          <a:lnRef idx="1">
-            <a:schemeClr val="accent1"/>
-          </a:lnRef>
-          <a:fillRef idx="3">
-            <a:schemeClr val="accent1"/>
-          </a:fillRef>
-          <a:effectRef idx="2">
-            <a:schemeClr val="accent1"/>
-          </a:effectRef>
-          <a:fontRef idx="minor">
-            <a:schemeClr val="lt1"/>
-          </a:fontRef>
-        </p:style>
-        <p:txBody>
-          <a:bodyPr rtlCol="0" anchor="ctr"/>
-          <a:lstStyle/>
-          <a:p>
-            <a:pPr algn="ctr"/>
-            <a:r>
-              <a:rPr lang="pt-PT" dirty="0" err="1"/>
-              <a:t>Constructive</a:t>
-            </a:r>
-            <a:endParaRPr lang="pt-PT" dirty="0"/>
-          </a:p>
-        </p:txBody>
-      </p:sp>
-      <p:sp>
-        <p:nvSpPr>
-          <p:cNvPr id="6" name="Retângulo 5">
-            <a:extLst>
-              <a:ext uri="{FF2B5EF4-FFF2-40B4-BE49-F238E27FC236}">
-                <a16:creationId xmlns:a16="http://schemas.microsoft.com/office/drawing/2014/main" id="{68089D86-CA35-EE6D-7316-A401ECF52A2D}"/>
-              </a:ext>
-            </a:extLst>
-          </p:cNvPr>
-          <p:cNvSpPr/>
-          <p:nvPr/>
-        </p:nvSpPr>
-        <p:spPr>
-          <a:xfrm>
-            <a:off x="3707904" y="4762101"/>
-            <a:ext cx="2088232" cy="792088"/>
-          </a:xfrm>
-          <a:prstGeom prst="rect">
-            <a:avLst/>
-          </a:prstGeom>
-        </p:spPr>
-        <p:style>
-          <a:lnRef idx="1">
-            <a:schemeClr val="accent1"/>
-          </a:lnRef>
-          <a:fillRef idx="3">
-            <a:schemeClr val="accent1"/>
-          </a:fillRef>
-          <a:effectRef idx="2">
-            <a:schemeClr val="accent1"/>
-          </a:effectRef>
-          <a:fontRef idx="minor">
-            <a:schemeClr val="lt1"/>
-          </a:fontRef>
-        </p:style>
-        <p:txBody>
-          <a:bodyPr rtlCol="0" anchor="ctr"/>
-          <a:lstStyle/>
-          <a:p>
-            <a:pPr algn="ctr"/>
-            <a:r>
-              <a:rPr lang="pt-PT" dirty="0"/>
-              <a:t>Local </a:t>
-            </a:r>
-            <a:r>
-              <a:rPr lang="pt-PT" dirty="0" err="1"/>
-              <a:t>Search</a:t>
-            </a:r>
-            <a:r>
-              <a:rPr lang="pt-PT" dirty="0"/>
-              <a:t> (</a:t>
-            </a:r>
-            <a:r>
-              <a:rPr lang="pt-PT" dirty="0" err="1"/>
-              <a:t>Improvement</a:t>
-            </a:r>
-            <a:r>
-              <a:rPr lang="pt-PT" dirty="0"/>
-              <a:t>)</a:t>
-            </a:r>
-          </a:p>
-        </p:txBody>
-      </p:sp>
-      <p:sp>
-        <p:nvSpPr>
-          <p:cNvPr id="7" name="Retângulo 6">
-            <a:extLst>
-              <a:ext uri="{FF2B5EF4-FFF2-40B4-BE49-F238E27FC236}">
-                <a16:creationId xmlns:a16="http://schemas.microsoft.com/office/drawing/2014/main" id="{5A3325E0-4805-8C45-8530-61C7737E4465}"/>
-              </a:ext>
-            </a:extLst>
-          </p:cNvPr>
-          <p:cNvSpPr/>
-          <p:nvPr/>
-        </p:nvSpPr>
-        <p:spPr>
-          <a:xfrm>
-            <a:off x="6372200" y="4761444"/>
-            <a:ext cx="2088232" cy="792088"/>
-          </a:xfrm>
-          <a:prstGeom prst="rect">
-            <a:avLst/>
-          </a:prstGeom>
-        </p:spPr>
-        <p:style>
-          <a:lnRef idx="1">
-            <a:schemeClr val="accent1"/>
-          </a:lnRef>
-          <a:fillRef idx="3">
-            <a:schemeClr val="accent1"/>
-          </a:fillRef>
-          <a:effectRef idx="2">
-            <a:schemeClr val="accent1"/>
-          </a:effectRef>
-          <a:fontRef idx="minor">
-            <a:schemeClr val="lt1"/>
-          </a:fontRef>
-        </p:style>
-        <p:txBody>
-          <a:bodyPr rtlCol="0" anchor="ctr"/>
-          <a:lstStyle/>
-          <a:p>
-            <a:pPr algn="ctr"/>
-            <a:r>
-              <a:rPr lang="pt-PT" dirty="0"/>
-              <a:t> </a:t>
-            </a:r>
-            <a:r>
-              <a:rPr lang="pt-PT" dirty="0" err="1"/>
-              <a:t>Metaheuristic</a:t>
-            </a:r>
-            <a:endParaRPr lang="pt-PT" dirty="0"/>
+            <a:fld id="{91727942-0F31-8246-9E69-0AE29DBBE5E4}" type="slidenum">
+              <a:rPr lang="en-US" smtClean="0">
+                <a:solidFill>
+                  <a:prstClr val="black">
+                    <a:tint val="75000"/>
+                  </a:prstClr>
+                </a:solidFill>
+              </a:rPr>
+              <a:pPr/>
+              <a:t>8</a:t>
+            </a:fld>
+            <a:endParaRPr lang="en-US">
+              <a:solidFill>
+                <a:prstClr val="black">
+                  <a:tint val="75000"/>
+                </a:prstClr>
+              </a:solidFill>
+            </a:endParaRPr>
           </a:p>
         </p:txBody>
       </p:sp>
     </p:spTree>
     <p:extLst>
       <p:ext uri="{BB962C8B-B14F-4D97-AF65-F5344CB8AC3E}">
-        <p14:creationId xmlns:p14="http://schemas.microsoft.com/office/powerpoint/2010/main" val="689335268"/>
+        <p14:creationId xmlns:p14="http://schemas.microsoft.com/office/powerpoint/2010/main" val="4051685628"/>
       </p:ext>
     </p:extLst>
   </p:cSld>
@@ -13252,7 +13957,7 @@
           <p:cNvPr id="2" name="Título 1">
             <a:extLst>
               <a:ext uri="{FF2B5EF4-FFF2-40B4-BE49-F238E27FC236}">
-                <a16:creationId xmlns:a16="http://schemas.microsoft.com/office/drawing/2014/main" id="{691E9056-392D-6BDD-F868-B90A18A9C3DE}"/>
+                <a16:creationId xmlns:a16="http://schemas.microsoft.com/office/drawing/2014/main" id="{F69876EE-74BB-165E-7373-B203293610FE}"/>
               </a:ext>
             </a:extLst>
           </p:cNvPr>
@@ -13272,14 +13977,6 @@
           <a:p>
             <a:r>
               <a:rPr lang="pt-PT" dirty="0" err="1"/>
-              <a:t>Constructive</a:t>
-            </a:r>
-            <a:r>
-              <a:rPr lang="pt-PT" dirty="0"/>
-              <a:t> </a:t>
-            </a:r>
-            <a:r>
-              <a:rPr lang="pt-PT" dirty="0" err="1"/>
               <a:t>Heuristic</a:t>
             </a:r>
             <a:endParaRPr lang="pt-PT" dirty="0"/>
@@ -13291,7 +13988,7 @@
           <p:cNvPr id="3" name="Marcador de Posição de Conteúdo 2">
             <a:extLst>
               <a:ext uri="{FF2B5EF4-FFF2-40B4-BE49-F238E27FC236}">
-                <a16:creationId xmlns:a16="http://schemas.microsoft.com/office/drawing/2014/main" id="{01A67FE9-9BF4-B942-8E9B-6E04A1A965B2}"/>
+                <a16:creationId xmlns:a16="http://schemas.microsoft.com/office/drawing/2014/main" id="{146226FC-5191-7136-F6A5-37DA5EF7EEF6}"/>
               </a:ext>
             </a:extLst>
           </p:cNvPr>
@@ -13311,32 +14008,277 @@
           <a:p>
             <a:pPr algn="just"/>
             <a:r>
-              <a:rPr lang="en-US" sz="1800" dirty="0">
-                <a:latin typeface="Porto Sans Light (corpo)"/>
+              <a:rPr lang="en-US" sz="1800" dirty="0"/>
+              <a:t>Heuristics are generally less demanding on computational resources than approximation algorithms, but they do not guarantee that the solution obtained is within a range of quality or computational resources </a:t>
+            </a:r>
+            <a:r>
+              <a:rPr lang="en-US" sz="1800" u="sng" dirty="0"/>
+              <a:t>needed</a:t>
+            </a:r>
+            <a:r>
+              <a:rPr lang="en-US" sz="1800" dirty="0"/>
+              <a:t>. Heuristics are also useful for accelerating the convergence of algorithms. Exact optimization typically providing you with a good initial solution.</a:t>
+            </a:r>
+          </a:p>
+          <a:p>
+            <a:pPr algn="just"/>
+            <a:endParaRPr lang="en-US" sz="1800" dirty="0"/>
+          </a:p>
+          <a:p>
+            <a:pPr algn="just"/>
+            <a:endParaRPr lang="pt-PT" sz="1800" dirty="0"/>
+          </a:p>
+        </p:txBody>
+      </p:sp>
+      <p:sp>
+        <p:nvSpPr>
+          <p:cNvPr id="4" name="Retângulo 3">
+            <a:extLst>
+              <a:ext uri="{FF2B5EF4-FFF2-40B4-BE49-F238E27FC236}">
+                <a16:creationId xmlns:a16="http://schemas.microsoft.com/office/drawing/2014/main" id="{702986F1-30B9-5052-C351-355BC042C8A2}"/>
+              </a:ext>
+            </a:extLst>
+          </p:cNvPr>
+          <p:cNvSpPr/>
+          <p:nvPr/>
+        </p:nvSpPr>
+        <p:spPr>
+          <a:xfrm>
+            <a:off x="3707904" y="3429296"/>
+            <a:ext cx="2088232" cy="792088"/>
+          </a:xfrm>
+          <a:prstGeom prst="rect">
+            <a:avLst/>
+          </a:prstGeom>
+        </p:spPr>
+        <p:style>
+          <a:lnRef idx="1">
+            <a:schemeClr val="accent1"/>
+          </a:lnRef>
+          <a:fillRef idx="3">
+            <a:schemeClr val="accent1"/>
+          </a:fillRef>
+          <a:effectRef idx="2">
+            <a:schemeClr val="accent1"/>
+          </a:effectRef>
+          <a:fontRef idx="minor">
+            <a:schemeClr val="lt1"/>
+          </a:fontRef>
+        </p:style>
+        <p:txBody>
+          <a:bodyPr rtlCol="0" anchor="ctr"/>
+          <a:lstStyle/>
+          <a:p>
+            <a:pPr algn="ctr"/>
+            <a:r>
+              <a:rPr lang="pt-PT" dirty="0" err="1"/>
+              <a:t>Heuristic</a:t>
+            </a:r>
+            <a:endParaRPr lang="pt-PT" dirty="0"/>
+          </a:p>
+        </p:txBody>
+      </p:sp>
+      <p:sp>
+        <p:nvSpPr>
+          <p:cNvPr id="5" name="Retângulo 4">
+            <a:extLst>
+              <a:ext uri="{FF2B5EF4-FFF2-40B4-BE49-F238E27FC236}">
+                <a16:creationId xmlns:a16="http://schemas.microsoft.com/office/drawing/2014/main" id="{D5F7C35D-A11D-1AF6-3CF8-8A3635A08770}"/>
+              </a:ext>
+            </a:extLst>
+          </p:cNvPr>
+          <p:cNvSpPr/>
+          <p:nvPr/>
+        </p:nvSpPr>
+        <p:spPr>
+          <a:xfrm>
+            <a:off x="1043608" y="4761444"/>
+            <a:ext cx="2088232" cy="792088"/>
+          </a:xfrm>
+          <a:prstGeom prst="rect">
+            <a:avLst/>
+          </a:prstGeom>
+        </p:spPr>
+        <p:style>
+          <a:lnRef idx="1">
+            <a:schemeClr val="accent1"/>
+          </a:lnRef>
+          <a:fillRef idx="3">
+            <a:schemeClr val="accent1"/>
+          </a:fillRef>
+          <a:effectRef idx="2">
+            <a:schemeClr val="accent1"/>
+          </a:effectRef>
+          <a:fontRef idx="minor">
+            <a:schemeClr val="lt1"/>
+          </a:fontRef>
+        </p:style>
+        <p:txBody>
+          <a:bodyPr rtlCol="0" anchor="ctr"/>
+          <a:lstStyle/>
+          <a:p>
+            <a:pPr algn="ctr"/>
+            <a:r>
+              <a:rPr lang="pt-PT" dirty="0" err="1"/>
+              <a:t>Constructive</a:t>
+            </a:r>
+            <a:endParaRPr lang="pt-PT" dirty="0"/>
+          </a:p>
+        </p:txBody>
+      </p:sp>
+      <p:sp>
+        <p:nvSpPr>
+          <p:cNvPr id="6" name="Retângulo 5">
+            <a:extLst>
+              <a:ext uri="{FF2B5EF4-FFF2-40B4-BE49-F238E27FC236}">
+                <a16:creationId xmlns:a16="http://schemas.microsoft.com/office/drawing/2014/main" id="{68089D86-CA35-EE6D-7316-A401ECF52A2D}"/>
+              </a:ext>
+            </a:extLst>
+          </p:cNvPr>
+          <p:cNvSpPr/>
+          <p:nvPr/>
+        </p:nvSpPr>
+        <p:spPr>
+          <a:xfrm>
+            <a:off x="3707904" y="4762101"/>
+            <a:ext cx="2088232" cy="792088"/>
+          </a:xfrm>
+          <a:prstGeom prst="rect">
+            <a:avLst/>
+          </a:prstGeom>
+        </p:spPr>
+        <p:style>
+          <a:lnRef idx="1">
+            <a:schemeClr val="accent1"/>
+          </a:lnRef>
+          <a:fillRef idx="3">
+            <a:schemeClr val="accent1"/>
+          </a:fillRef>
+          <a:effectRef idx="2">
+            <a:schemeClr val="accent1"/>
+          </a:effectRef>
+          <a:fontRef idx="minor">
+            <a:schemeClr val="lt1"/>
+          </a:fontRef>
+        </p:style>
+        <p:txBody>
+          <a:bodyPr rtlCol="0" anchor="ctr"/>
+          <a:lstStyle/>
+          <a:p>
+            <a:pPr algn="ctr"/>
+            <a:r>
+              <a:rPr lang="pt-PT" dirty="0"/>
+              <a:t>Local </a:t>
+            </a:r>
+            <a:r>
+              <a:rPr lang="pt-PT" dirty="0" err="1"/>
+              <a:t>Search</a:t>
+            </a:r>
+            <a:r>
+              <a:rPr lang="pt-PT" dirty="0"/>
+              <a:t> (</a:t>
+            </a:r>
+            <a:r>
+              <a:rPr lang="pt-PT" dirty="0" err="1"/>
+              <a:t>Improvement</a:t>
+            </a:r>
+            <a:r>
+              <a:rPr lang="pt-PT" dirty="0"/>
+              <a:t>)</a:t>
+            </a:r>
+          </a:p>
+        </p:txBody>
+      </p:sp>
+      <p:sp>
+        <p:nvSpPr>
+          <p:cNvPr id="7" name="Retângulo 6">
+            <a:extLst>
+              <a:ext uri="{FF2B5EF4-FFF2-40B4-BE49-F238E27FC236}">
+                <a16:creationId xmlns:a16="http://schemas.microsoft.com/office/drawing/2014/main" id="{5A3325E0-4805-8C45-8530-61C7737E4465}"/>
+              </a:ext>
+            </a:extLst>
+          </p:cNvPr>
+          <p:cNvSpPr/>
+          <p:nvPr/>
+        </p:nvSpPr>
+        <p:spPr>
+          <a:xfrm>
+            <a:off x="6372200" y="4761444"/>
+            <a:ext cx="2088232" cy="792088"/>
+          </a:xfrm>
+          <a:prstGeom prst="rect">
+            <a:avLst/>
+          </a:prstGeom>
+        </p:spPr>
+        <p:style>
+          <a:lnRef idx="1">
+            <a:schemeClr val="accent1"/>
+          </a:lnRef>
+          <a:fillRef idx="3">
+            <a:schemeClr val="accent1"/>
+          </a:fillRef>
+          <a:effectRef idx="2">
+            <a:schemeClr val="accent1"/>
+          </a:effectRef>
+          <a:fontRef idx="minor">
+            <a:schemeClr val="lt1"/>
+          </a:fontRef>
+        </p:style>
+        <p:txBody>
+          <a:bodyPr rtlCol="0" anchor="ctr"/>
+          <a:lstStyle/>
+          <a:p>
+            <a:pPr algn="ctr"/>
+            <a:r>
+              <a:rPr lang="pt-PT" dirty="0"/>
+              <a:t> </a:t>
+            </a:r>
+            <a:r>
+              <a:rPr lang="pt-PT" dirty="0" err="1"/>
+              <a:t>Metaheuristic</a:t>
+            </a:r>
+            <a:endParaRPr lang="pt-PT" dirty="0"/>
+          </a:p>
+        </p:txBody>
+      </p:sp>
+      <p:sp>
+        <p:nvSpPr>
+          <p:cNvPr id="8" name="Marcador de Posição do Número do Diapositivo 7">
+            <a:extLst>
+              <a:ext uri="{FF2B5EF4-FFF2-40B4-BE49-F238E27FC236}">
+                <a16:creationId xmlns:a16="http://schemas.microsoft.com/office/drawing/2014/main" id="{71C5ADA6-985B-11F3-35FA-94D1E8B2EBD5}"/>
+              </a:ext>
+            </a:extLst>
+          </p:cNvPr>
+          <p:cNvSpPr>
+            <a:spLocks noGrp="1"/>
+          </p:cNvSpPr>
+          <p:nvPr>
+            <p:ph type="sldNum" sz="quarter" idx="12"/>
+          </p:nvPr>
+        </p:nvSpPr>
+        <p:spPr/>
+        <p:txBody>
+          <a:bodyPr/>
+          <a:lstStyle/>
+          <a:p>
+            <a:fld id="{91727942-0F31-8246-9E69-0AE29DBBE5E4}" type="slidenum">
+              <a:rPr lang="en-US" smtClean="0">
+                <a:solidFill>
+                  <a:prstClr val="black">
+                    <a:tint val="75000"/>
+                  </a:prstClr>
+                </a:solidFill>
               </a:rPr>
-              <a:t>Constructive heuristics generate a solution by iteratively adding an element to the solution until an admissible solution is generated.</a:t>
-            </a:r>
-          </a:p>
-          <a:p>
-            <a:pPr algn="just"/>
-            <a:r>
-              <a:rPr lang="en-US" sz="1800" b="0" i="0" dirty="0">
-                <a:effectLst/>
-                <a:latin typeface="Porto Sans Light (corpo)"/>
-              </a:rPr>
-              <a:t>In the case of the Constructive Heuristic, it was decided to allocate customers to facilities, promoting an allocation criterion based on the lowest ratio between the cost of opening a Facility and the Facility’s initial capacity.</a:t>
-            </a:r>
-          </a:p>
-          <a:p>
-            <a:pPr algn="just"/>
-            <a:r>
-              <a:rPr lang="en-US" sz="1800" dirty="0">
-                <a:latin typeface="Porto Sans Light (corpo)"/>
-              </a:rPr>
-              <a:t>In the case of greedy heuristics, the choice of the next element to be inserted in the solution is done by what most favors the objective of the problem in the time.</a:t>
-            </a:r>
-            <a:endParaRPr lang="pt-PT" sz="1800" dirty="0">
-              <a:latin typeface="Porto Sans Light (corpo)"/>
+              <a:pPr/>
+              <a:t>9</a:t>
+            </a:fld>
+            <a:endParaRPr lang="en-US">
+              <a:solidFill>
+                <a:prstClr val="black">
+                  <a:tint val="75000"/>
+                </a:prstClr>
+              </a:solidFill>
             </a:endParaRPr>
           </a:p>
         </p:txBody>
@@ -13344,7 +14286,7 @@
     </p:spTree>
     <p:extLst>
       <p:ext uri="{BB962C8B-B14F-4D97-AF65-F5344CB8AC3E}">
-        <p14:creationId xmlns:p14="http://schemas.microsoft.com/office/powerpoint/2010/main" val="4178277529"/>
+        <p14:creationId xmlns:p14="http://schemas.microsoft.com/office/powerpoint/2010/main" val="689335268"/>
       </p:ext>
     </p:extLst>
   </p:cSld>

--- a/P_POINT_SO.pptx
+++ b/P_POINT_SO.pptx
@@ -1,11 +1,11 @@
 
 <file path=ppt/presentation.xml><?xml version="1.0" encoding="utf-8"?>
-<p:presentation xmlns:a="http://schemas.openxmlformats.org/drawingml/2006/main" xmlns:r="http://schemas.openxmlformats.org/officeDocument/2006/relationships" xmlns:p="http://schemas.openxmlformats.org/presentationml/2006/main" showSpecialPlsOnTitleSld="0" saveSubsetFonts="1">
+<p:presentation xmlns:a="http://schemas.openxmlformats.org/drawingml/2006/main" xmlns:r="http://schemas.openxmlformats.org/officeDocument/2006/relationships" xmlns:p="http://schemas.openxmlformats.org/presentationml/2006/main" saveSubsetFonts="1">
   <p:sldMasterIdLst>
     <p:sldMasterId id="2147483660" r:id="rId1"/>
   </p:sldMasterIdLst>
   <p:notesMasterIdLst>
-    <p:notesMasterId r:id="rId22"/>
+    <p:notesMasterId r:id="rId21"/>
   </p:notesMasterIdLst>
   <p:sldIdLst>
     <p:sldId id="369" r:id="rId2"/>
@@ -14,20 +14,19 @@
     <p:sldId id="371" r:id="rId5"/>
     <p:sldId id="376" r:id="rId6"/>
     <p:sldId id="381" r:id="rId7"/>
-    <p:sldId id="387" r:id="rId8"/>
-    <p:sldId id="372" r:id="rId9"/>
-    <p:sldId id="378" r:id="rId10"/>
-    <p:sldId id="380" r:id="rId11"/>
-    <p:sldId id="379" r:id="rId12"/>
-    <p:sldId id="377" r:id="rId13"/>
-    <p:sldId id="373" r:id="rId14"/>
-    <p:sldId id="382" r:id="rId15"/>
-    <p:sldId id="384" r:id="rId16"/>
-    <p:sldId id="385" r:id="rId17"/>
-    <p:sldId id="383" r:id="rId18"/>
-    <p:sldId id="386" r:id="rId19"/>
-    <p:sldId id="374" r:id="rId20"/>
-    <p:sldId id="359" r:id="rId21"/>
+    <p:sldId id="372" r:id="rId8"/>
+    <p:sldId id="378" r:id="rId9"/>
+    <p:sldId id="380" r:id="rId10"/>
+    <p:sldId id="379" r:id="rId11"/>
+    <p:sldId id="377" r:id="rId12"/>
+    <p:sldId id="373" r:id="rId13"/>
+    <p:sldId id="382" r:id="rId14"/>
+    <p:sldId id="384" r:id="rId15"/>
+    <p:sldId id="385" r:id="rId16"/>
+    <p:sldId id="383" r:id="rId17"/>
+    <p:sldId id="386" r:id="rId18"/>
+    <p:sldId id="374" r:id="rId19"/>
+    <p:sldId id="359" r:id="rId20"/>
   </p:sldIdLst>
   <p:sldSz cx="9144000" cy="6858000" type="screen4x3"/>
   <p:notesSz cx="6858000" cy="9144000"/>
@@ -241,7 +240,7 @@
           <a:p>
             <a:fld id="{0FF640A4-F258-4979-A828-AC330B9379A5}" type="datetimeFigureOut">
               <a:rPr lang="pt-PT" smtClean="0"/>
-              <a:t>14/06/2023</a:t>
+              <a:t>08/06/2023</a:t>
             </a:fld>
             <a:endParaRPr lang="pt-PT"/>
           </a:p>
@@ -548,67 +547,6 @@
           <a:bodyPr/>
           <a:lstStyle/>
           <a:p>
-            <a:endParaRPr lang="pt-PT"/>
-          </a:p>
-        </p:txBody>
-      </p:sp>
-    </p:spTree>
-    <p:extLst>
-      <p:ext uri="{BB962C8B-B14F-4D97-AF65-F5344CB8AC3E}">
-        <p14:creationId xmlns:p14="http://schemas.microsoft.com/office/powerpoint/2010/main" val="2107396055"/>
-      </p:ext>
-    </p:extLst>
-  </p:cSld>
-  <p:clrMapOvr>
-    <a:masterClrMapping/>
-  </p:clrMapOvr>
-</p:notes>
-</file>
-
-<file path=ppt/notesSlides/notesSlide3.xml><?xml version="1.0" encoding="utf-8"?>
-<p:notes xmlns:a="http://schemas.openxmlformats.org/drawingml/2006/main" xmlns:r="http://schemas.openxmlformats.org/officeDocument/2006/relationships" xmlns:p="http://schemas.openxmlformats.org/presentationml/2006/main">
-  <p:cSld>
-    <p:spTree>
-      <p:nvGrpSpPr>
-        <p:cNvPr id="1" name=""/>
-        <p:cNvGrpSpPr/>
-        <p:nvPr/>
-      </p:nvGrpSpPr>
-      <p:grpSpPr>
-        <a:xfrm>
-          <a:off x="0" y="0"/>
-          <a:ext cx="0" cy="0"/>
-          <a:chOff x="0" y="0"/>
-          <a:chExt cx="0" cy="0"/>
-        </a:xfrm>
-      </p:grpSpPr>
-      <p:sp>
-        <p:nvSpPr>
-          <p:cNvPr id="2" name="Marcador de Posição da Imagem do Diapositivo 1"/>
-          <p:cNvSpPr>
-            <a:spLocks noGrp="1" noRot="1" noChangeAspect="1"/>
-          </p:cNvSpPr>
-          <p:nvPr>
-            <p:ph type="sldImg"/>
-          </p:nvPr>
-        </p:nvSpPr>
-        <p:spPr/>
-      </p:sp>
-      <p:sp>
-        <p:nvSpPr>
-          <p:cNvPr id="3" name="Marcador de Posição de Notas 2"/>
-          <p:cNvSpPr>
-            <a:spLocks noGrp="1"/>
-          </p:cNvSpPr>
-          <p:nvPr>
-            <p:ph type="body" idx="1"/>
-          </p:nvPr>
-        </p:nvSpPr>
-        <p:spPr/>
-        <p:txBody>
-          <a:bodyPr/>
-          <a:lstStyle/>
-          <a:p>
             <a:endParaRPr lang="pt-PT" dirty="0"/>
           </a:p>
         </p:txBody>
@@ -805,7 +743,7 @@
           <a:bodyPr/>
           <a:lstStyle/>
           <a:p>
-            <a:fld id="{5E04D6E8-DC42-41F3-A9E3-5E1A9ED2157C}" type="datetime1">
+            <a:fld id="{87E7692C-3577-F745-8DF3-D399A394EE18}" type="datetimeFigureOut">
               <a:rPr lang="en-US" smtClean="0">
                 <a:solidFill>
                   <a:prstClr val="black">
@@ -813,7 +751,8 @@
                   </a:prstClr>
                 </a:solidFill>
               </a:rPr>
-              <a:t>6/14/2023</a:t>
+              <a:pPr/>
+              <a:t>6/8/2023</a:t>
             </a:fld>
             <a:endParaRPr lang="en-US">
               <a:solidFill>
@@ -1006,7 +945,7 @@
           <a:bodyPr/>
           <a:lstStyle/>
           <a:p>
-            <a:fld id="{310A9B98-BE9B-4D4C-BC14-998B50A823E9}" type="datetime1">
+            <a:fld id="{87E7692C-3577-F745-8DF3-D399A394EE18}" type="datetimeFigureOut">
               <a:rPr lang="en-US" smtClean="0">
                 <a:solidFill>
                   <a:prstClr val="black">
@@ -1014,7 +953,8 @@
                   </a:prstClr>
                 </a:solidFill>
               </a:rPr>
-              <a:t>6/14/2023</a:t>
+              <a:pPr/>
+              <a:t>6/8/2023</a:t>
             </a:fld>
             <a:endParaRPr lang="en-US">
               <a:solidFill>
@@ -1217,7 +1157,7 @@
           <a:bodyPr/>
           <a:lstStyle/>
           <a:p>
-            <a:fld id="{27BE7833-5B94-48E3-9189-11066A4E5D7C}" type="datetime1">
+            <a:fld id="{87E7692C-3577-F745-8DF3-D399A394EE18}" type="datetimeFigureOut">
               <a:rPr lang="en-US" smtClean="0">
                 <a:solidFill>
                   <a:prstClr val="black">
@@ -1225,7 +1165,8 @@
                   </a:prstClr>
                 </a:solidFill>
               </a:rPr>
-              <a:t>6/14/2023</a:t>
+              <a:pPr/>
+              <a:t>6/8/2023</a:t>
             </a:fld>
             <a:endParaRPr lang="en-US">
               <a:solidFill>
@@ -1512,7 +1453,7 @@
           <a:bodyPr/>
           <a:lstStyle/>
           <a:p>
-            <a:fld id="{860114CB-C8A4-4173-8707-24878323E6CE}" type="datetime1">
+            <a:fld id="{87E7692C-3577-F745-8DF3-D399A394EE18}" type="datetimeFigureOut">
               <a:rPr lang="en-US" smtClean="0">
                 <a:solidFill>
                   <a:prstClr val="black">
@@ -1520,7 +1461,8 @@
                   </a:prstClr>
                 </a:solidFill>
               </a:rPr>
-              <a:t>6/14/2023</a:t>
+              <a:pPr/>
+              <a:t>6/8/2023</a:t>
             </a:fld>
             <a:endParaRPr lang="en-US" dirty="0">
               <a:solidFill>
@@ -1789,7 +1731,7 @@
           <a:bodyPr/>
           <a:lstStyle/>
           <a:p>
-            <a:fld id="{F39A7A6A-2849-4DEE-9063-881D93742784}" type="datetime1">
+            <a:fld id="{87E7692C-3577-F745-8DF3-D399A394EE18}" type="datetimeFigureOut">
               <a:rPr lang="en-US" smtClean="0">
                 <a:solidFill>
                   <a:prstClr val="black">
@@ -1797,7 +1739,8 @@
                   </a:prstClr>
                 </a:solidFill>
               </a:rPr>
-              <a:t>6/14/2023</a:t>
+              <a:pPr/>
+              <a:t>6/8/2023</a:t>
             </a:fld>
             <a:endParaRPr lang="en-US">
               <a:solidFill>
@@ -2108,7 +2051,7 @@
           <a:bodyPr/>
           <a:lstStyle/>
           <a:p>
-            <a:fld id="{70AC530A-6DD0-47CD-AA50-EEA24249130C}" type="datetime1">
+            <a:fld id="{87E7692C-3577-F745-8DF3-D399A394EE18}" type="datetimeFigureOut">
               <a:rPr lang="en-US" smtClean="0">
                 <a:solidFill>
                   <a:prstClr val="black">
@@ -2116,7 +2059,8 @@
                   </a:prstClr>
                 </a:solidFill>
               </a:rPr>
-              <a:t>6/14/2023</a:t>
+              <a:pPr/>
+              <a:t>6/8/2023</a:t>
             </a:fld>
             <a:endParaRPr lang="en-US">
               <a:solidFill>
@@ -2561,7 +2505,7 @@
           <a:bodyPr/>
           <a:lstStyle/>
           <a:p>
-            <a:fld id="{FD07DCE6-BEBA-4F56-AE81-4749A02CBF70}" type="datetime1">
+            <a:fld id="{87E7692C-3577-F745-8DF3-D399A394EE18}" type="datetimeFigureOut">
               <a:rPr lang="en-US" smtClean="0">
                 <a:solidFill>
                   <a:prstClr val="black">
@@ -2569,7 +2513,8 @@
                   </a:prstClr>
                 </a:solidFill>
               </a:rPr>
-              <a:t>6/14/2023</a:t>
+              <a:pPr/>
+              <a:t>6/8/2023</a:t>
             </a:fld>
             <a:endParaRPr lang="en-US">
               <a:solidFill>
@@ -2710,7 +2655,7 @@
           <a:bodyPr/>
           <a:lstStyle/>
           <a:p>
-            <a:fld id="{0D6DD824-C881-474D-990D-467C014E30FE}" type="datetime1">
+            <a:fld id="{87E7692C-3577-F745-8DF3-D399A394EE18}" type="datetimeFigureOut">
               <a:rPr lang="en-US" smtClean="0">
                 <a:solidFill>
                   <a:prstClr val="black">
@@ -2718,7 +2663,8 @@
                   </a:prstClr>
                 </a:solidFill>
               </a:rPr>
-              <a:t>6/14/2023</a:t>
+              <a:pPr/>
+              <a:t>6/8/2023</a:t>
             </a:fld>
             <a:endParaRPr lang="en-US">
               <a:solidFill>
@@ -2836,7 +2782,7 @@
           <a:bodyPr/>
           <a:lstStyle/>
           <a:p>
-            <a:fld id="{57FB523F-9C13-4477-A843-AFBD6BB0AF0D}" type="datetime1">
+            <a:fld id="{87E7692C-3577-F745-8DF3-D399A394EE18}" type="datetimeFigureOut">
               <a:rPr lang="en-US" smtClean="0">
                 <a:solidFill>
                   <a:prstClr val="black">
@@ -2844,7 +2790,8 @@
                   </a:prstClr>
                 </a:solidFill>
               </a:rPr>
-              <a:t>6/14/2023</a:t>
+              <a:pPr/>
+              <a:t>6/8/2023</a:t>
             </a:fld>
             <a:endParaRPr lang="en-US">
               <a:solidFill>
@@ -3144,7 +3091,7 @@
           <a:bodyPr/>
           <a:lstStyle/>
           <a:p>
-            <a:fld id="{46C29ED2-8F8E-44EF-9B9E-18C50F061346}" type="datetime1">
+            <a:fld id="{87E7692C-3577-F745-8DF3-D399A394EE18}" type="datetimeFigureOut">
               <a:rPr lang="en-US" smtClean="0">
                 <a:solidFill>
                   <a:prstClr val="black">
@@ -3152,7 +3099,8 @@
                   </a:prstClr>
                 </a:solidFill>
               </a:rPr>
-              <a:t>6/14/2023</a:t>
+              <a:pPr/>
+              <a:t>6/8/2023</a:t>
             </a:fld>
             <a:endParaRPr lang="en-US">
               <a:solidFill>
@@ -3428,7 +3376,7 @@
           <a:bodyPr/>
           <a:lstStyle/>
           <a:p>
-            <a:fld id="{FBFA73CA-0D4B-4651-AB91-A288752E04DA}" type="datetime1">
+            <a:fld id="{87E7692C-3577-F745-8DF3-D399A394EE18}" type="datetimeFigureOut">
               <a:rPr lang="en-US" smtClean="0">
                 <a:solidFill>
                   <a:prstClr val="black">
@@ -3436,7 +3384,8 @@
                   </a:prstClr>
                 </a:solidFill>
               </a:rPr>
-              <a:t>6/14/2023</a:t>
+              <a:pPr/>
+              <a:t>6/8/2023</a:t>
             </a:fld>
             <a:endParaRPr lang="en-US">
               <a:solidFill>
@@ -3676,7 +3625,7 @@
           </a:lstStyle>
           <a:p>
             <a:pPr defTabSz="457200"/>
-            <a:fld id="{067DDBD3-CAC8-4877-8EB2-A7449BAA2583}" type="datetime1">
+            <a:fld id="{87E7692C-3577-F745-8DF3-D399A394EE18}" type="datetimeFigureOut">
               <a:rPr lang="en-US" smtClean="0">
                 <a:solidFill>
                   <a:prstClr val="black">
@@ -3684,7 +3633,8 @@
                   </a:prstClr>
                 </a:solidFill>
               </a:rPr>
-              <a:t>6/14/2023</a:t>
+              <a:pPr defTabSz="457200"/>
+              <a:t>6/8/2023</a:t>
             </a:fld>
             <a:endParaRPr lang="en-US">
               <a:solidFill>
@@ -3979,7 +3929,6 @@
     <p:sldLayoutId id="2147483670" r:id="rId10"/>
     <p:sldLayoutId id="2147483671" r:id="rId11"/>
   </p:sldLayoutIdLst>
-  <p:hf hdr="0" ftr="0" dt="0"/>
   <p:txStyles>
     <p:titleStyle>
       <a:lvl1pPr algn="ctr" defTabSz="457200" rtl="0" eaLnBrk="1" latinLnBrk="0" hangingPunct="1">
@@ -4372,172 +4321,6 @@
           <p:cNvPr id="2" name="Título 1">
             <a:extLst>
               <a:ext uri="{FF2B5EF4-FFF2-40B4-BE49-F238E27FC236}">
-                <a16:creationId xmlns:a16="http://schemas.microsoft.com/office/drawing/2014/main" id="{691E9056-392D-6BDD-F868-B90A18A9C3DE}"/>
-              </a:ext>
-            </a:extLst>
-          </p:cNvPr>
-          <p:cNvSpPr>
-            <a:spLocks noGrp="1"/>
-          </p:cNvSpPr>
-          <p:nvPr>
-            <p:ph type="title"/>
-          </p:nvPr>
-        </p:nvSpPr>
-        <p:spPr/>
-        <p:txBody>
-          <a:bodyPr>
-            <a:normAutofit fontScale="90000"/>
-          </a:bodyPr>
-          <a:lstStyle/>
-          <a:p>
-            <a:r>
-              <a:rPr lang="pt-PT" dirty="0" err="1"/>
-              <a:t>Constructive</a:t>
-            </a:r>
-            <a:r>
-              <a:rPr lang="pt-PT" dirty="0"/>
-              <a:t> </a:t>
-            </a:r>
-            <a:r>
-              <a:rPr lang="pt-PT" dirty="0" err="1"/>
-              <a:t>Heuristic</a:t>
-            </a:r>
-            <a:endParaRPr lang="pt-PT" dirty="0"/>
-          </a:p>
-        </p:txBody>
-      </p:sp>
-      <p:sp>
-        <p:nvSpPr>
-          <p:cNvPr id="3" name="Marcador de Posição de Conteúdo 2">
-            <a:extLst>
-              <a:ext uri="{FF2B5EF4-FFF2-40B4-BE49-F238E27FC236}">
-                <a16:creationId xmlns:a16="http://schemas.microsoft.com/office/drawing/2014/main" id="{01A67FE9-9BF4-B942-8E9B-6E04A1A965B2}"/>
-              </a:ext>
-            </a:extLst>
-          </p:cNvPr>
-          <p:cNvSpPr>
-            <a:spLocks noGrp="1"/>
-          </p:cNvSpPr>
-          <p:nvPr>
-            <p:ph idx="1"/>
-          </p:nvPr>
-        </p:nvSpPr>
-        <p:spPr/>
-        <p:txBody>
-          <a:bodyPr>
-            <a:normAutofit/>
-          </a:bodyPr>
-          <a:lstStyle/>
-          <a:p>
-            <a:pPr algn="just"/>
-            <a:r>
-              <a:rPr lang="en-US" sz="1800" dirty="0">
-                <a:latin typeface="Porto Sans Light (corpo)"/>
-              </a:rPr>
-              <a:t>Constructive heuristics generate a solution by iteratively adding an element to the solution until an admissible solution is generated.</a:t>
-            </a:r>
-          </a:p>
-          <a:p>
-            <a:pPr algn="just"/>
-            <a:r>
-              <a:rPr lang="en-US" sz="1800" b="0" i="0" dirty="0">
-                <a:effectLst/>
-                <a:latin typeface="Porto Sans Light (corpo)"/>
-              </a:rPr>
-              <a:t>In the case of the Constructive Heuristic, it was decided to allocate customers to facilities, promoting an allocation criterion based on the lowest ratio between the cost of opening a Facility and the Facility’s initial capacity.</a:t>
-            </a:r>
-          </a:p>
-          <a:p>
-            <a:pPr algn="just"/>
-            <a:r>
-              <a:rPr lang="en-US" sz="1800" dirty="0">
-                <a:latin typeface="Porto Sans Light (corpo)"/>
-              </a:rPr>
-              <a:t>In the case of greedy heuristics, the choice of the next element to be inserted in the solution is done by what most favors the objective of the problem in the time.</a:t>
-            </a:r>
-            <a:endParaRPr lang="pt-PT" sz="1800" dirty="0">
-              <a:latin typeface="Porto Sans Light (corpo)"/>
-            </a:endParaRPr>
-          </a:p>
-        </p:txBody>
-      </p:sp>
-      <p:sp>
-        <p:nvSpPr>
-          <p:cNvPr id="4" name="Marcador de Posição do Número do Diapositivo 3">
-            <a:extLst>
-              <a:ext uri="{FF2B5EF4-FFF2-40B4-BE49-F238E27FC236}">
-                <a16:creationId xmlns:a16="http://schemas.microsoft.com/office/drawing/2014/main" id="{A8285C5A-0150-888C-66FE-48666A1C0992}"/>
-              </a:ext>
-            </a:extLst>
-          </p:cNvPr>
-          <p:cNvSpPr>
-            <a:spLocks noGrp="1"/>
-          </p:cNvSpPr>
-          <p:nvPr>
-            <p:ph type="sldNum" sz="quarter" idx="12"/>
-          </p:nvPr>
-        </p:nvSpPr>
-        <p:spPr/>
-        <p:txBody>
-          <a:bodyPr/>
-          <a:lstStyle/>
-          <a:p>
-            <a:fld id="{91727942-0F31-8246-9E69-0AE29DBBE5E4}" type="slidenum">
-              <a:rPr lang="en-US" smtClean="0">
-                <a:solidFill>
-                  <a:prstClr val="black">
-                    <a:tint val="75000"/>
-                  </a:prstClr>
-                </a:solidFill>
-              </a:rPr>
-              <a:pPr/>
-              <a:t>10</a:t>
-            </a:fld>
-            <a:endParaRPr lang="en-US">
-              <a:solidFill>
-                <a:prstClr val="black">
-                  <a:tint val="75000"/>
-                </a:prstClr>
-              </a:solidFill>
-            </a:endParaRPr>
-          </a:p>
-        </p:txBody>
-      </p:sp>
-    </p:spTree>
-    <p:extLst>
-      <p:ext uri="{BB962C8B-B14F-4D97-AF65-F5344CB8AC3E}">
-        <p14:creationId xmlns:p14="http://schemas.microsoft.com/office/powerpoint/2010/main" val="4178277529"/>
-      </p:ext>
-    </p:extLst>
-  </p:cSld>
-  <p:clrMapOvr>
-    <a:masterClrMapping/>
-  </p:clrMapOvr>
-</p:sld>
-</file>
-
-<file path=ppt/slides/slide11.xml><?xml version="1.0" encoding="utf-8"?>
-<p:sld xmlns:a="http://schemas.openxmlformats.org/drawingml/2006/main" xmlns:r="http://schemas.openxmlformats.org/officeDocument/2006/relationships" xmlns:p="http://schemas.openxmlformats.org/presentationml/2006/main">
-  <p:cSld>
-    <p:spTree>
-      <p:nvGrpSpPr>
-        <p:cNvPr id="1" name=""/>
-        <p:cNvGrpSpPr/>
-        <p:nvPr/>
-      </p:nvGrpSpPr>
-      <p:grpSpPr>
-        <a:xfrm>
-          <a:off x="0" y="0"/>
-          <a:ext cx="0" cy="0"/>
-          <a:chOff x="0" y="0"/>
-          <a:chExt cx="0" cy="0"/>
-        </a:xfrm>
-      </p:grpSpPr>
-      <p:sp>
-        <p:nvSpPr>
-          <p:cNvPr id="2" name="Título 1">
-            <a:extLst>
-              <a:ext uri="{FF2B5EF4-FFF2-40B4-BE49-F238E27FC236}">
                 <a16:creationId xmlns:a16="http://schemas.microsoft.com/office/drawing/2014/main" id="{A8485180-9441-B495-E912-C7A78A4A251E}"/>
               </a:ext>
             </a:extLst>
@@ -4630,48 +4413,6 @@
           </a:p>
         </p:txBody>
       </p:sp>
-      <p:sp>
-        <p:nvSpPr>
-          <p:cNvPr id="3" name="Marcador de Posição do Número do Diapositivo 2">
-            <a:extLst>
-              <a:ext uri="{FF2B5EF4-FFF2-40B4-BE49-F238E27FC236}">
-                <a16:creationId xmlns:a16="http://schemas.microsoft.com/office/drawing/2014/main" id="{82CD84DF-44A4-336D-CCA8-3C7D35122B30}"/>
-              </a:ext>
-            </a:extLst>
-          </p:cNvPr>
-          <p:cNvSpPr>
-            <a:spLocks noGrp="1"/>
-          </p:cNvSpPr>
-          <p:nvPr>
-            <p:ph type="sldNum" sz="quarter" idx="12"/>
-          </p:nvPr>
-        </p:nvSpPr>
-        <p:spPr/>
-        <p:txBody>
-          <a:bodyPr/>
-          <a:lstStyle/>
-          <a:p>
-            <a:fld id="{91727942-0F31-8246-9E69-0AE29DBBE5E4}" type="slidenum">
-              <a:rPr lang="en-US" smtClean="0">
-                <a:solidFill>
-                  <a:prstClr val="black">
-                    <a:tint val="75000"/>
-                  </a:prstClr>
-                </a:solidFill>
-              </a:rPr>
-              <a:pPr/>
-              <a:t>11</a:t>
-            </a:fld>
-            <a:endParaRPr lang="en-US">
-              <a:solidFill>
-                <a:prstClr val="black">
-                  <a:tint val="75000"/>
-                </a:prstClr>
-              </a:solidFill>
-            </a:endParaRPr>
-          </a:p>
-        </p:txBody>
-      </p:sp>
     </p:spTree>
     <p:extLst>
       <p:ext uri="{BB962C8B-B14F-4D97-AF65-F5344CB8AC3E}">
@@ -4685,7 +4426,7 @@
 </p:sld>
 </file>
 
-<file path=ppt/slides/slide12.xml><?xml version="1.0" encoding="utf-8"?>
+<file path=ppt/slides/slide11.xml><?xml version="1.0" encoding="utf-8"?>
 <p:sld xmlns:a="http://schemas.openxmlformats.org/drawingml/2006/main" xmlns:r="http://schemas.openxmlformats.org/officeDocument/2006/relationships" xmlns:p="http://schemas.openxmlformats.org/presentationml/2006/main">
   <p:cSld>
     <p:spTree>
@@ -7202,48 +6943,6 @@
           </a:p>
         </p:txBody>
       </p:sp>
-      <p:sp>
-        <p:nvSpPr>
-          <p:cNvPr id="21" name="Marcador de Posição do Número do Diapositivo 20">
-            <a:extLst>
-              <a:ext uri="{FF2B5EF4-FFF2-40B4-BE49-F238E27FC236}">
-                <a16:creationId xmlns:a16="http://schemas.microsoft.com/office/drawing/2014/main" id="{6203BA5D-C52C-5835-B82C-78E331969F76}"/>
-              </a:ext>
-            </a:extLst>
-          </p:cNvPr>
-          <p:cNvSpPr>
-            <a:spLocks noGrp="1"/>
-          </p:cNvSpPr>
-          <p:nvPr>
-            <p:ph type="sldNum" sz="quarter" idx="12"/>
-          </p:nvPr>
-        </p:nvSpPr>
-        <p:spPr/>
-        <p:txBody>
-          <a:bodyPr/>
-          <a:lstStyle/>
-          <a:p>
-            <a:fld id="{91727942-0F31-8246-9E69-0AE29DBBE5E4}" type="slidenum">
-              <a:rPr lang="en-US" smtClean="0">
-                <a:solidFill>
-                  <a:prstClr val="black">
-                    <a:tint val="75000"/>
-                  </a:prstClr>
-                </a:solidFill>
-              </a:rPr>
-              <a:pPr/>
-              <a:t>12</a:t>
-            </a:fld>
-            <a:endParaRPr lang="en-US">
-              <a:solidFill>
-                <a:prstClr val="black">
-                  <a:tint val="75000"/>
-                </a:prstClr>
-              </a:solidFill>
-            </a:endParaRPr>
-          </a:p>
-        </p:txBody>
-      </p:sp>
     </p:spTree>
     <p:extLst>
       <p:ext uri="{BB962C8B-B14F-4D97-AF65-F5344CB8AC3E}">
@@ -7257,7 +6956,7 @@
 </p:sld>
 </file>
 
-<file path=ppt/slides/slide13.xml><?xml version="1.0" encoding="utf-8"?>
+<file path=ppt/slides/slide12.xml><?xml version="1.0" encoding="utf-8"?>
 <p:sld xmlns:a="http://schemas.openxmlformats.org/drawingml/2006/main" xmlns:r="http://schemas.openxmlformats.org/officeDocument/2006/relationships" xmlns:p="http://schemas.openxmlformats.org/presentationml/2006/main">
   <p:cSld>
     <p:spTree>
@@ -7777,12 +7476,42 @@
           </a:p>
         </p:txBody>
       </p:sp>
+    </p:spTree>
+    <p:extLst>
+      <p:ext uri="{BB962C8B-B14F-4D97-AF65-F5344CB8AC3E}">
+        <p14:creationId xmlns:p14="http://schemas.microsoft.com/office/powerpoint/2010/main" val="2513354738"/>
+      </p:ext>
+    </p:extLst>
+  </p:cSld>
+  <p:clrMapOvr>
+    <a:masterClrMapping/>
+  </p:clrMapOvr>
+</p:sld>
+</file>
+
+<file path=ppt/slides/slide13.xml><?xml version="1.0" encoding="utf-8"?>
+<p:sld xmlns:a="http://schemas.openxmlformats.org/drawingml/2006/main" xmlns:r="http://schemas.openxmlformats.org/officeDocument/2006/relationships" xmlns:p="http://schemas.openxmlformats.org/presentationml/2006/main">
+  <p:cSld>
+    <p:spTree>
+      <p:nvGrpSpPr>
+        <p:cNvPr id="1" name=""/>
+        <p:cNvGrpSpPr/>
+        <p:nvPr/>
+      </p:nvGrpSpPr>
+      <p:grpSpPr>
+        <a:xfrm>
+          <a:off x="0" y="0"/>
+          <a:ext cx="0" cy="0"/>
+          <a:chOff x="0" y="0"/>
+          <a:chExt cx="0" cy="0"/>
+        </a:xfrm>
+      </p:grpSpPr>
       <p:sp>
         <p:nvSpPr>
-          <p:cNvPr id="7" name="Marcador de Posição do Número do Diapositivo 6">
+          <p:cNvPr id="2" name="Título 1">
             <a:extLst>
               <a:ext uri="{FF2B5EF4-FFF2-40B4-BE49-F238E27FC236}">
-                <a16:creationId xmlns:a16="http://schemas.microsoft.com/office/drawing/2014/main" id="{FB385335-AA4B-F77D-A9FA-757E54E2C532}"/>
+                <a16:creationId xmlns:a16="http://schemas.microsoft.com/office/drawing/2014/main" id="{04E4B5AE-7F82-3BFF-C656-BDBEBAC95271}"/>
               </a:ext>
             </a:extLst>
           </p:cNvPr>
@@ -7790,39 +7519,395 @@
             <a:spLocks noGrp="1"/>
           </p:cNvSpPr>
           <p:nvPr>
-            <p:ph type="sldNum" sz="quarter" idx="12"/>
+            <p:ph type="title"/>
           </p:nvPr>
         </p:nvSpPr>
         <p:spPr/>
         <p:txBody>
-          <a:bodyPr/>
+          <a:bodyPr>
+            <a:normAutofit fontScale="90000"/>
+          </a:bodyPr>
           <a:lstStyle/>
           <a:p>
-            <a:fld id="{91727942-0F31-8246-9E69-0AE29DBBE5E4}" type="slidenum">
-              <a:rPr lang="en-US" smtClean="0">
-                <a:solidFill>
-                  <a:prstClr val="black">
-                    <a:tint val="75000"/>
-                  </a:prstClr>
-                </a:solidFill>
-              </a:rPr>
-              <a:pPr/>
-              <a:t>13</a:t>
-            </a:fld>
-            <a:endParaRPr lang="en-US">
-              <a:solidFill>
-                <a:prstClr val="black">
-                  <a:tint val="75000"/>
-                </a:prstClr>
-              </a:solidFill>
-            </a:endParaRPr>
+            <a:r>
+              <a:rPr lang="pt-PT" dirty="0" err="1"/>
+              <a:t>Results</a:t>
+            </a:r>
+            <a:r>
+              <a:rPr lang="pt-PT" dirty="0"/>
+              <a:t> </a:t>
+            </a:r>
+            <a:r>
+              <a:rPr lang="pt-PT" dirty="0" err="1"/>
+              <a:t>of</a:t>
+            </a:r>
+            <a:r>
+              <a:rPr lang="pt-PT" dirty="0"/>
+              <a:t> </a:t>
+            </a:r>
+            <a:r>
+              <a:rPr lang="pt-PT" dirty="0" err="1"/>
+              <a:t>the</a:t>
+            </a:r>
+            <a:r>
+              <a:rPr lang="pt-PT" dirty="0"/>
+              <a:t> </a:t>
+            </a:r>
+            <a:r>
+              <a:rPr lang="pt-PT" dirty="0" err="1"/>
+              <a:t>Heuristic</a:t>
+            </a:r>
+            <a:r>
+              <a:rPr lang="pt-PT" dirty="0"/>
+              <a:t> </a:t>
+            </a:r>
+            <a:r>
+              <a:rPr lang="pt-PT" dirty="0" err="1"/>
+              <a:t>Constructive</a:t>
+            </a:r>
+            <a:endParaRPr lang="pt-PT" dirty="0"/>
+          </a:p>
+        </p:txBody>
+      </p:sp>
+      <p:sp>
+        <p:nvSpPr>
+          <p:cNvPr id="3" name="Marcador de Posição de Conteúdo 2">
+            <a:extLst>
+              <a:ext uri="{FF2B5EF4-FFF2-40B4-BE49-F238E27FC236}">
+                <a16:creationId xmlns:a16="http://schemas.microsoft.com/office/drawing/2014/main" id="{D0EE71FC-D94D-00ED-191F-1FA4CC307E9B}"/>
+              </a:ext>
+            </a:extLst>
+          </p:cNvPr>
+          <p:cNvSpPr>
+            <a:spLocks noGrp="1"/>
+          </p:cNvSpPr>
+          <p:nvPr>
+            <p:ph idx="1"/>
+          </p:nvPr>
+        </p:nvSpPr>
+        <p:spPr/>
+        <p:txBody>
+          <a:bodyPr>
+            <a:normAutofit fontScale="55000" lnSpcReduction="20000"/>
+          </a:bodyPr>
+          <a:lstStyle/>
+          <a:p>
+            <a:r>
+              <a:rPr lang="pt-PT" dirty="0" err="1"/>
+              <a:t>Delmaire</a:t>
+            </a:r>
+            <a:r>
+              <a:rPr lang="pt-PT" dirty="0"/>
+              <a:t>:</a:t>
+            </a:r>
+          </a:p>
+          <a:p>
+            <a:pPr lvl="1"/>
+            <a:r>
+              <a:rPr lang="pt-PT" dirty="0"/>
+              <a:t>Gap - </a:t>
+            </a:r>
+            <a:r>
+              <a:rPr lang="pt-PT" dirty="0" err="1"/>
+              <a:t>between</a:t>
+            </a:r>
+            <a:r>
+              <a:rPr lang="pt-PT" dirty="0"/>
+              <a:t> 6.853 </a:t>
+            </a:r>
+            <a:r>
+              <a:rPr lang="pt-PT" dirty="0" err="1"/>
+              <a:t>and</a:t>
+            </a:r>
+            <a:r>
+              <a:rPr lang="pt-PT" dirty="0"/>
+              <a:t> 69.391</a:t>
+            </a:r>
+          </a:p>
+          <a:p>
+            <a:pPr lvl="1"/>
+            <a:r>
+              <a:rPr lang="pt-PT" dirty="0"/>
+              <a:t>Time - </a:t>
+            </a:r>
+            <a:r>
+              <a:rPr lang="pt-PT" dirty="0" err="1"/>
+              <a:t>between</a:t>
+            </a:r>
+            <a:r>
+              <a:rPr lang="pt-PT" dirty="0"/>
+              <a:t> 0.147 </a:t>
+            </a:r>
+            <a:r>
+              <a:rPr lang="pt-PT" dirty="0" err="1"/>
+              <a:t>and</a:t>
+            </a:r>
+            <a:r>
+              <a:rPr lang="pt-PT" dirty="0"/>
+              <a:t> 0.962</a:t>
+            </a:r>
+          </a:p>
+          <a:p>
+            <a:r>
+              <a:rPr lang="pt-PT" dirty="0" err="1"/>
+              <a:t>Holmberg</a:t>
+            </a:r>
+            <a:r>
+              <a:rPr lang="pt-PT" dirty="0"/>
+              <a:t>:</a:t>
+            </a:r>
+          </a:p>
+          <a:p>
+            <a:pPr lvl="1"/>
+            <a:r>
+              <a:rPr lang="pt-PT" dirty="0"/>
+              <a:t>Gap - </a:t>
+            </a:r>
+            <a:r>
+              <a:rPr lang="pt-PT" dirty="0" err="1"/>
+              <a:t>between</a:t>
+            </a:r>
+            <a:r>
+              <a:rPr lang="pt-PT" dirty="0"/>
+              <a:t> 40.570 </a:t>
+            </a:r>
+            <a:r>
+              <a:rPr lang="pt-PT" dirty="0" err="1"/>
+              <a:t>and</a:t>
+            </a:r>
+            <a:r>
+              <a:rPr lang="pt-PT" dirty="0"/>
+              <a:t> 967.445</a:t>
+            </a:r>
+          </a:p>
+          <a:p>
+            <a:pPr lvl="1"/>
+            <a:r>
+              <a:rPr lang="pt-PT" dirty="0"/>
+              <a:t>Time - </a:t>
+            </a:r>
+            <a:r>
+              <a:rPr lang="pt-PT" dirty="0" err="1"/>
+              <a:t>between</a:t>
+            </a:r>
+            <a:r>
+              <a:rPr lang="pt-PT" dirty="0"/>
+              <a:t> 0.386 </a:t>
+            </a:r>
+            <a:r>
+              <a:rPr lang="pt-PT" dirty="0" err="1"/>
+              <a:t>and</a:t>
+            </a:r>
+            <a:r>
+              <a:rPr lang="pt-PT" dirty="0"/>
+              <a:t> 2.273</a:t>
+            </a:r>
+          </a:p>
+          <a:p>
+            <a:r>
+              <a:rPr lang="pt-PT" dirty="0"/>
+              <a:t>OR-</a:t>
+            </a:r>
+            <a:r>
+              <a:rPr lang="pt-PT" dirty="0" err="1"/>
+              <a:t>Library</a:t>
+            </a:r>
+            <a:r>
+              <a:rPr lang="pt-PT" dirty="0"/>
+              <a:t> (9 OS out </a:t>
+            </a:r>
+            <a:r>
+              <a:rPr lang="pt-PT" dirty="0" err="1"/>
+              <a:t>of</a:t>
+            </a:r>
+            <a:r>
+              <a:rPr lang="pt-PT" dirty="0"/>
+              <a:t> </a:t>
+            </a:r>
+            <a:r>
+              <a:rPr lang="pt-PT" u="sng" dirty="0"/>
+              <a:t>36</a:t>
+            </a:r>
+            <a:r>
+              <a:rPr lang="pt-PT" dirty="0"/>
+              <a:t>)</a:t>
+            </a:r>
+          </a:p>
+          <a:p>
+            <a:pPr lvl="1"/>
+            <a:r>
+              <a:rPr lang="pt-PT" dirty="0"/>
+              <a:t>Gap - </a:t>
+            </a:r>
+            <a:r>
+              <a:rPr lang="pt-PT" dirty="0" err="1"/>
+              <a:t>between</a:t>
+            </a:r>
+            <a:r>
+              <a:rPr lang="pt-PT" dirty="0"/>
+              <a:t> 20.596 </a:t>
+            </a:r>
+            <a:r>
+              <a:rPr lang="pt-PT" dirty="0" err="1"/>
+              <a:t>and</a:t>
+            </a:r>
+            <a:r>
+              <a:rPr lang="pt-PT" dirty="0"/>
+              <a:t> 197.881</a:t>
+            </a:r>
+          </a:p>
+          <a:p>
+            <a:pPr lvl="1"/>
+            <a:r>
+              <a:rPr lang="pt-PT" dirty="0"/>
+              <a:t>Time - </a:t>
+            </a:r>
+            <a:r>
+              <a:rPr lang="pt-PT" dirty="0" err="1"/>
+              <a:t>between</a:t>
+            </a:r>
+            <a:r>
+              <a:rPr lang="pt-PT" dirty="0"/>
+              <a:t> 0.151 </a:t>
+            </a:r>
+            <a:r>
+              <a:rPr lang="pt-PT" dirty="0" err="1"/>
+              <a:t>and</a:t>
+            </a:r>
+            <a:r>
+              <a:rPr lang="pt-PT" dirty="0"/>
+              <a:t> 38.465</a:t>
+            </a:r>
+          </a:p>
+          <a:p>
+            <a:r>
+              <a:rPr lang="pt-PT" dirty="0"/>
+              <a:t>Yang (9 OS out </a:t>
+            </a:r>
+            <a:r>
+              <a:rPr lang="pt-PT" dirty="0" err="1"/>
+              <a:t>of</a:t>
+            </a:r>
+            <a:r>
+              <a:rPr lang="pt-PT" dirty="0"/>
+              <a:t> 20)</a:t>
+            </a:r>
+          </a:p>
+          <a:p>
+            <a:pPr lvl="1"/>
+            <a:r>
+              <a:rPr lang="pt-PT" dirty="0"/>
+              <a:t>Gap - </a:t>
+            </a:r>
+            <a:r>
+              <a:rPr lang="pt-PT" dirty="0" err="1"/>
+              <a:t>between</a:t>
+            </a:r>
+            <a:r>
+              <a:rPr lang="pt-PT" dirty="0"/>
+              <a:t> 47.066 </a:t>
+            </a:r>
+            <a:r>
+              <a:rPr lang="pt-PT" dirty="0" err="1"/>
+              <a:t>and</a:t>
+            </a:r>
+            <a:r>
+              <a:rPr lang="pt-PT" dirty="0"/>
+              <a:t> 87.332</a:t>
+            </a:r>
+          </a:p>
+          <a:p>
+            <a:pPr lvl="1"/>
+            <a:r>
+              <a:rPr lang="pt-PT" dirty="0"/>
+              <a:t>Time - </a:t>
+            </a:r>
+            <a:r>
+              <a:rPr lang="pt-PT" dirty="0" err="1"/>
+              <a:t>between</a:t>
+            </a:r>
+            <a:r>
+              <a:rPr lang="pt-PT" dirty="0"/>
+              <a:t> 1.459 </a:t>
+            </a:r>
+            <a:r>
+              <a:rPr lang="pt-PT" dirty="0" err="1"/>
+              <a:t>and</a:t>
+            </a:r>
+            <a:r>
+              <a:rPr lang="pt-PT" dirty="0"/>
+              <a:t> 6.131</a:t>
+            </a:r>
+          </a:p>
+          <a:p>
+            <a:r>
+              <a:rPr lang="pt-PT" dirty="0"/>
+              <a:t>TBED1 (0 OS out </a:t>
+            </a:r>
+            <a:r>
+              <a:rPr lang="pt-PT" dirty="0" err="1"/>
+              <a:t>of</a:t>
+            </a:r>
+            <a:r>
+              <a:rPr lang="pt-PT" dirty="0"/>
+              <a:t> 60)</a:t>
+            </a:r>
+          </a:p>
+          <a:p>
+            <a:pPr lvl="1"/>
+            <a:r>
+              <a:rPr lang="pt-PT" dirty="0"/>
+              <a:t>Gap - </a:t>
+            </a:r>
+            <a:r>
+              <a:rPr lang="pt-PT" dirty="0" err="1"/>
+              <a:t>between</a:t>
+            </a:r>
+            <a:r>
+              <a:rPr lang="pt-PT" dirty="0"/>
+              <a:t> 138.103 </a:t>
+            </a:r>
+            <a:r>
+              <a:rPr lang="pt-PT" dirty="0" err="1"/>
+              <a:t>and</a:t>
+            </a:r>
+            <a:r>
+              <a:rPr lang="pt-PT" dirty="0"/>
+              <a:t> 935.264</a:t>
+            </a:r>
+          </a:p>
+          <a:p>
+            <a:pPr lvl="1"/>
+            <a:r>
+              <a:rPr lang="pt-PT" dirty="0"/>
+              <a:t>Time - </a:t>
+            </a:r>
+            <a:r>
+              <a:rPr lang="pt-PT" dirty="0" err="1"/>
+              <a:t>between</a:t>
+            </a:r>
+            <a:r>
+              <a:rPr lang="pt-PT" dirty="0"/>
+              <a:t> 3.461 </a:t>
+            </a:r>
+            <a:r>
+              <a:rPr lang="pt-PT" dirty="0" err="1"/>
+              <a:t>and</a:t>
+            </a:r>
+            <a:r>
+              <a:rPr lang="pt-PT" dirty="0"/>
+              <a:t> 335.711 </a:t>
+            </a:r>
+          </a:p>
+          <a:p>
+            <a:endParaRPr lang="pt-PT" dirty="0"/>
           </a:p>
         </p:txBody>
       </p:sp>
     </p:spTree>
     <p:extLst>
       <p:ext uri="{BB962C8B-B14F-4D97-AF65-F5344CB8AC3E}">
-        <p14:creationId xmlns:p14="http://schemas.microsoft.com/office/powerpoint/2010/main" val="2513354738"/>
+        <p14:creationId xmlns:p14="http://schemas.microsoft.com/office/powerpoint/2010/main" val="2921815347"/>
       </p:ext>
     </p:extLst>
   </p:cSld>
@@ -7894,21 +7979,16 @@
             </a:r>
             <a:r>
               <a:rPr lang="pt-PT" dirty="0"/>
-              <a:t> </a:t>
-            </a:r>
-            <a:r>
-              <a:rPr lang="pt-PT" dirty="0" err="1"/>
-              <a:t>Heuristic</a:t>
-            </a:r>
-            <a:r>
-              <a:rPr lang="pt-PT" dirty="0"/>
-              <a:t> </a:t>
-            </a:r>
-            <a:r>
-              <a:rPr lang="pt-PT" dirty="0" err="1"/>
-              <a:t>Constructive</a:t>
-            </a:r>
-            <a:endParaRPr lang="pt-PT" dirty="0"/>
+              <a:t> Local </a:t>
+            </a:r>
+            <a:r>
+              <a:rPr lang="pt-PT" dirty="0" err="1"/>
+              <a:t>Search</a:t>
+            </a:r>
+            <a:r>
+              <a:rPr lang="pt-PT" dirty="0"/>
+              <a:t> Shift</a:t>
+            </a:r>
           </a:p>
         </p:txBody>
       </p:sp>
@@ -7956,7 +8036,7 @@
             </a:r>
             <a:r>
               <a:rPr lang="pt-PT" dirty="0"/>
-              <a:t> 6.853 </a:t>
+              <a:t> 5.949 </a:t>
             </a:r>
             <a:r>
               <a:rPr lang="pt-PT" dirty="0" err="1"/>
@@ -7964,7 +8044,7 @@
             </a:r>
             <a:r>
               <a:rPr lang="pt-PT" dirty="0"/>
-              <a:t> 69.391</a:t>
+              <a:t> 49.677</a:t>
             </a:r>
           </a:p>
           <a:p>
@@ -7979,7 +8059,7 @@
             </a:r>
             <a:r>
               <a:rPr lang="pt-PT" dirty="0"/>
-              <a:t> 0.147 </a:t>
+              <a:t> 0.049 </a:t>
             </a:r>
             <a:r>
               <a:rPr lang="pt-PT" dirty="0" err="1"/>
@@ -7987,7 +8067,7 @@
             </a:r>
             <a:r>
               <a:rPr lang="pt-PT" dirty="0"/>
-              <a:t> 0.962</a:t>
+              <a:t> 0.427</a:t>
             </a:r>
           </a:p>
           <a:p>
@@ -8012,7 +8092,7 @@
             </a:r>
             <a:r>
               <a:rPr lang="pt-PT" dirty="0"/>
-              <a:t> 40.570 </a:t>
+              <a:t> 38.231 </a:t>
             </a:r>
             <a:r>
               <a:rPr lang="pt-PT" dirty="0" err="1"/>
@@ -8035,7 +8115,7 @@
             </a:r>
             <a:r>
               <a:rPr lang="pt-PT" dirty="0"/>
-              <a:t> 0.386 </a:t>
+              <a:t> 0.070 </a:t>
             </a:r>
             <a:r>
               <a:rPr lang="pt-PT" dirty="0" err="1"/>
@@ -8043,7 +8123,7 @@
             </a:r>
             <a:r>
               <a:rPr lang="pt-PT" dirty="0"/>
-              <a:t> 2.273</a:t>
+              <a:t> 1.045</a:t>
             </a:r>
           </a:p>
           <a:p>
@@ -8096,7 +8176,7 @@
             </a:r>
             <a:r>
               <a:rPr lang="pt-PT" dirty="0"/>
-              <a:t> 197.881</a:t>
+              <a:t> 181.168</a:t>
             </a:r>
           </a:p>
           <a:p>
@@ -8111,7 +8191,7 @@
             </a:r>
             <a:r>
               <a:rPr lang="pt-PT" dirty="0"/>
-              <a:t> 0.151 </a:t>
+              <a:t> 0.071 </a:t>
             </a:r>
             <a:r>
               <a:rPr lang="pt-PT" dirty="0" err="1"/>
@@ -8119,7 +8199,7 @@
             </a:r>
             <a:r>
               <a:rPr lang="pt-PT" dirty="0"/>
-              <a:t> 38.465</a:t>
+              <a:t> 11.022</a:t>
             </a:r>
           </a:p>
           <a:p>
@@ -8148,7 +8228,7 @@
             </a:r>
             <a:r>
               <a:rPr lang="pt-PT" dirty="0"/>
-              <a:t> 47.066 </a:t>
+              <a:t> 32.868 </a:t>
             </a:r>
             <a:r>
               <a:rPr lang="pt-PT" dirty="0" err="1"/>
@@ -8156,7 +8236,7 @@
             </a:r>
             <a:r>
               <a:rPr lang="pt-PT" dirty="0"/>
-              <a:t> 87.332</a:t>
+              <a:t> 70.159</a:t>
             </a:r>
           </a:p>
           <a:p>
@@ -8171,7 +8251,7 @@
             </a:r>
             <a:r>
               <a:rPr lang="pt-PT" dirty="0"/>
-              <a:t> 1.459 </a:t>
+              <a:t> 0.571 </a:t>
             </a:r>
             <a:r>
               <a:rPr lang="pt-PT" dirty="0" err="1"/>
@@ -8179,7 +8259,7 @@
             </a:r>
             <a:r>
               <a:rPr lang="pt-PT" dirty="0"/>
-              <a:t> 6.131</a:t>
+              <a:t> 2.791</a:t>
             </a:r>
           </a:p>
           <a:p>
@@ -8208,7 +8288,7 @@
             </a:r>
             <a:r>
               <a:rPr lang="pt-PT" dirty="0"/>
-              <a:t> 138.103 </a:t>
+              <a:t> 103.657 </a:t>
             </a:r>
             <a:r>
               <a:rPr lang="pt-PT" dirty="0" err="1"/>
@@ -8216,7 +8296,7 @@
             </a:r>
             <a:r>
               <a:rPr lang="pt-PT" dirty="0"/>
-              <a:t> 935.264</a:t>
+              <a:t> 891.159</a:t>
             </a:r>
           </a:p>
           <a:p>
@@ -8231,7 +8311,7 @@
             </a:r>
             <a:r>
               <a:rPr lang="pt-PT" dirty="0"/>
-              <a:t> 3.461 </a:t>
+              <a:t> 103.051 </a:t>
             </a:r>
             <a:r>
               <a:rPr lang="pt-PT" dirty="0" err="1"/>
@@ -8239,60 +8319,18 @@
             </a:r>
             <a:r>
               <a:rPr lang="pt-PT" dirty="0"/>
-              <a:t> 335.711 </a:t>
+              <a:t> 4.188</a:t>
             </a:r>
           </a:p>
           <a:p>
             <a:endParaRPr lang="pt-PT" dirty="0"/>
-          </a:p>
-        </p:txBody>
-      </p:sp>
-      <p:sp>
-        <p:nvSpPr>
-          <p:cNvPr id="4" name="Marcador de Posição do Número do Diapositivo 3">
-            <a:extLst>
-              <a:ext uri="{FF2B5EF4-FFF2-40B4-BE49-F238E27FC236}">
-                <a16:creationId xmlns:a16="http://schemas.microsoft.com/office/drawing/2014/main" id="{5234237C-0714-42F0-5C55-34F5A85336EE}"/>
-              </a:ext>
-            </a:extLst>
-          </p:cNvPr>
-          <p:cNvSpPr>
-            <a:spLocks noGrp="1"/>
-          </p:cNvSpPr>
-          <p:nvPr>
-            <p:ph type="sldNum" sz="quarter" idx="12"/>
-          </p:nvPr>
-        </p:nvSpPr>
-        <p:spPr/>
-        <p:txBody>
-          <a:bodyPr/>
-          <a:lstStyle/>
-          <a:p>
-            <a:fld id="{91727942-0F31-8246-9E69-0AE29DBBE5E4}" type="slidenum">
-              <a:rPr lang="en-US" smtClean="0">
-                <a:solidFill>
-                  <a:prstClr val="black">
-                    <a:tint val="75000"/>
-                  </a:prstClr>
-                </a:solidFill>
-              </a:rPr>
-              <a:pPr/>
-              <a:t>14</a:t>
-            </a:fld>
-            <a:endParaRPr lang="en-US">
-              <a:solidFill>
-                <a:prstClr val="black">
-                  <a:tint val="75000"/>
-                </a:prstClr>
-              </a:solidFill>
-            </a:endParaRPr>
           </a:p>
         </p:txBody>
       </p:sp>
     </p:spTree>
     <p:extLst>
       <p:ext uri="{BB962C8B-B14F-4D97-AF65-F5344CB8AC3E}">
-        <p14:creationId xmlns:p14="http://schemas.microsoft.com/office/powerpoint/2010/main" val="2921815347"/>
+        <p14:creationId xmlns:p14="http://schemas.microsoft.com/office/powerpoint/2010/main" val="2908959682"/>
       </p:ext>
     </p:extLst>
   </p:cSld>
@@ -8372,8 +8410,13 @@
             </a:r>
             <a:r>
               <a:rPr lang="pt-PT" dirty="0"/>
-              <a:t> Shift</a:t>
-            </a:r>
+              <a:t> </a:t>
+            </a:r>
+            <a:r>
+              <a:rPr lang="pt-PT" dirty="0" err="1"/>
+              <a:t>Swap</a:t>
+            </a:r>
+            <a:endParaRPr lang="pt-PT" dirty="0"/>
           </a:p>
         </p:txBody>
       </p:sp>
@@ -8421,7 +8464,7 @@
             </a:r>
             <a:r>
               <a:rPr lang="pt-PT" dirty="0"/>
-              <a:t> 5.949 </a:t>
+              <a:t> 2.165 </a:t>
             </a:r>
             <a:r>
               <a:rPr lang="pt-PT" dirty="0" err="1"/>
@@ -8429,7 +8472,7 @@
             </a:r>
             <a:r>
               <a:rPr lang="pt-PT" dirty="0"/>
-              <a:t> 49.677</a:t>
+              <a:t> 32.991</a:t>
             </a:r>
           </a:p>
           <a:p>
@@ -8444,7 +8487,7 @@
             </a:r>
             <a:r>
               <a:rPr lang="pt-PT" dirty="0"/>
-              <a:t> 0.049 </a:t>
+              <a:t> 0.113 </a:t>
             </a:r>
             <a:r>
               <a:rPr lang="pt-PT" dirty="0" err="1"/>
@@ -8452,7 +8495,7 @@
             </a:r>
             <a:r>
               <a:rPr lang="pt-PT" dirty="0"/>
-              <a:t> 0.427</a:t>
+              <a:t> 17.235</a:t>
             </a:r>
           </a:p>
           <a:p>
@@ -8477,7 +8520,7 @@
             </a:r>
             <a:r>
               <a:rPr lang="pt-PT" dirty="0"/>
-              <a:t> 38.231 </a:t>
+              <a:t> 22.246 </a:t>
             </a:r>
             <a:r>
               <a:rPr lang="pt-PT" dirty="0" err="1"/>
@@ -8485,7 +8528,7 @@
             </a:r>
             <a:r>
               <a:rPr lang="pt-PT" dirty="0"/>
-              <a:t> 967.445</a:t>
+              <a:t> 796.071</a:t>
             </a:r>
           </a:p>
           <a:p>
@@ -8500,7 +8543,7 @@
             </a:r>
             <a:r>
               <a:rPr lang="pt-PT" dirty="0"/>
-              <a:t> 0.070 </a:t>
+              <a:t> 1.184  </a:t>
             </a:r>
             <a:r>
               <a:rPr lang="pt-PT" dirty="0" err="1"/>
@@ -8508,7 +8551,7 @@
             </a:r>
             <a:r>
               <a:rPr lang="pt-PT" dirty="0"/>
-              <a:t> 1.045</a:t>
+              <a:t> 164.174</a:t>
             </a:r>
           </a:p>
           <a:p>
@@ -8561,7 +8604,7 @@
             </a:r>
             <a:r>
               <a:rPr lang="pt-PT" dirty="0"/>
-              <a:t> 181.168</a:t>
+              <a:t> 90.992</a:t>
             </a:r>
           </a:p>
           <a:p>
@@ -8576,7 +8619,7 @@
             </a:r>
             <a:r>
               <a:rPr lang="pt-PT" dirty="0"/>
-              <a:t> 0.071 </a:t>
+              <a:t>  </a:t>
             </a:r>
             <a:r>
               <a:rPr lang="pt-PT" dirty="0" err="1"/>
@@ -8584,7 +8627,7 @@
             </a:r>
             <a:r>
               <a:rPr lang="pt-PT" dirty="0"/>
-              <a:t> 11.022</a:t>
+              <a:t> 22156.194</a:t>
             </a:r>
           </a:p>
           <a:p>
@@ -8613,7 +8656,7 @@
             </a:r>
             <a:r>
               <a:rPr lang="pt-PT" dirty="0"/>
-              <a:t> 32.868 </a:t>
+              <a:t> 10.054 </a:t>
             </a:r>
             <a:r>
               <a:rPr lang="pt-PT" dirty="0" err="1"/>
@@ -8621,7 +8664,7 @@
             </a:r>
             <a:r>
               <a:rPr lang="pt-PT" dirty="0"/>
-              <a:t> 70.159</a:t>
+              <a:t> 29.627</a:t>
             </a:r>
           </a:p>
           <a:p>
@@ -8636,7 +8679,7 @@
             </a:r>
             <a:r>
               <a:rPr lang="pt-PT" dirty="0"/>
-              <a:t> 0.571 </a:t>
+              <a:t> 84.428 </a:t>
             </a:r>
             <a:r>
               <a:rPr lang="pt-PT" dirty="0" err="1"/>
@@ -8644,7 +8687,7 @@
             </a:r>
             <a:r>
               <a:rPr lang="pt-PT" dirty="0"/>
-              <a:t> 2.791</a:t>
+              <a:t> 1029.903</a:t>
             </a:r>
           </a:p>
           <a:p>
@@ -8673,7 +8716,7 @@
             </a:r>
             <a:r>
               <a:rPr lang="pt-PT" dirty="0"/>
-              <a:t> 103.657 </a:t>
+              <a:t> 21.465 </a:t>
             </a:r>
             <a:r>
               <a:rPr lang="pt-PT" dirty="0" err="1"/>
@@ -8681,7 +8724,7 @@
             </a:r>
             <a:r>
               <a:rPr lang="pt-PT" dirty="0"/>
-              <a:t> 891.159</a:t>
+              <a:t> 486.662</a:t>
             </a:r>
           </a:p>
           <a:p>
@@ -8696,7 +8739,7 @@
             </a:r>
             <a:r>
               <a:rPr lang="pt-PT" dirty="0"/>
-              <a:t> 103.051 </a:t>
+              <a:t> 289.036 </a:t>
             </a:r>
             <a:r>
               <a:rPr lang="pt-PT" dirty="0" err="1"/>
@@ -8704,60 +8747,18 @@
             </a:r>
             <a:r>
               <a:rPr lang="pt-PT" dirty="0"/>
-              <a:t> 4.188</a:t>
+              <a:t> 132175.172</a:t>
             </a:r>
           </a:p>
           <a:p>
             <a:endParaRPr lang="pt-PT" dirty="0"/>
-          </a:p>
-        </p:txBody>
-      </p:sp>
-      <p:sp>
-        <p:nvSpPr>
-          <p:cNvPr id="4" name="Marcador de Posição do Número do Diapositivo 3">
-            <a:extLst>
-              <a:ext uri="{FF2B5EF4-FFF2-40B4-BE49-F238E27FC236}">
-                <a16:creationId xmlns:a16="http://schemas.microsoft.com/office/drawing/2014/main" id="{FA48C35D-5771-7FE7-4660-F09925634B31}"/>
-              </a:ext>
-            </a:extLst>
-          </p:cNvPr>
-          <p:cNvSpPr>
-            <a:spLocks noGrp="1"/>
-          </p:cNvSpPr>
-          <p:nvPr>
-            <p:ph type="sldNum" sz="quarter" idx="12"/>
-          </p:nvPr>
-        </p:nvSpPr>
-        <p:spPr/>
-        <p:txBody>
-          <a:bodyPr/>
-          <a:lstStyle/>
-          <a:p>
-            <a:fld id="{91727942-0F31-8246-9E69-0AE29DBBE5E4}" type="slidenum">
-              <a:rPr lang="en-US" smtClean="0">
-                <a:solidFill>
-                  <a:prstClr val="black">
-                    <a:tint val="75000"/>
-                  </a:prstClr>
-                </a:solidFill>
-              </a:rPr>
-              <a:pPr/>
-              <a:t>15</a:t>
-            </a:fld>
-            <a:endParaRPr lang="en-US">
-              <a:solidFill>
-                <a:prstClr val="black">
-                  <a:tint val="75000"/>
-                </a:prstClr>
-              </a:solidFill>
-            </a:endParaRPr>
           </a:p>
         </p:txBody>
       </p:sp>
     </p:spTree>
     <p:extLst>
       <p:ext uri="{BB962C8B-B14F-4D97-AF65-F5344CB8AC3E}">
-        <p14:creationId xmlns:p14="http://schemas.microsoft.com/office/powerpoint/2010/main" val="2908959682"/>
+        <p14:creationId xmlns:p14="http://schemas.microsoft.com/office/powerpoint/2010/main" val="3048003526"/>
       </p:ext>
     </p:extLst>
   </p:cSld>
@@ -8789,7 +8790,7 @@
           <p:cNvPr id="2" name="Título 1">
             <a:extLst>
               <a:ext uri="{FF2B5EF4-FFF2-40B4-BE49-F238E27FC236}">
-                <a16:creationId xmlns:a16="http://schemas.microsoft.com/office/drawing/2014/main" id="{04E4B5AE-7F82-3BFF-C656-BDBEBAC95271}"/>
+                <a16:creationId xmlns:a16="http://schemas.microsoft.com/office/drawing/2014/main" id="{733842DD-E028-2728-5794-61A1920AA9AF}"/>
               </a:ext>
             </a:extLst>
           </p:cNvPr>
@@ -8829,7 +8830,7 @@
             </a:r>
             <a:r>
               <a:rPr lang="pt-PT" dirty="0"/>
-              <a:t> Local </a:t>
+              <a:t> GRASP – Local </a:t>
             </a:r>
             <a:r>
               <a:rPr lang="pt-PT" dirty="0" err="1"/>
@@ -8837,13 +8838,8 @@
             </a:r>
             <a:r>
               <a:rPr lang="pt-PT" dirty="0"/>
-              <a:t> </a:t>
-            </a:r>
-            <a:r>
-              <a:rPr lang="pt-PT" dirty="0" err="1"/>
-              <a:t>Swap</a:t>
-            </a:r>
-            <a:endParaRPr lang="pt-PT" dirty="0"/>
+              <a:t> Shift</a:t>
+            </a:r>
           </a:p>
         </p:txBody>
       </p:sp>
@@ -8852,7 +8848,7 @@
           <p:cNvPr id="3" name="Marcador de Posição de Conteúdo 2">
             <a:extLst>
               <a:ext uri="{FF2B5EF4-FFF2-40B4-BE49-F238E27FC236}">
-                <a16:creationId xmlns:a16="http://schemas.microsoft.com/office/drawing/2014/main" id="{D0EE71FC-D94D-00ED-191F-1FA4CC307E9B}"/>
+                <a16:creationId xmlns:a16="http://schemas.microsoft.com/office/drawing/2014/main" id="{81537AC6-9F9F-4B01-DC13-1FF456F37681}"/>
               </a:ext>
             </a:extLst>
           </p:cNvPr>
@@ -8891,7 +8887,7 @@
             </a:r>
             <a:r>
               <a:rPr lang="pt-PT" dirty="0"/>
-              <a:t> 2.165 </a:t>
+              <a:t> 1.398 </a:t>
             </a:r>
             <a:r>
               <a:rPr lang="pt-PT" dirty="0" err="1"/>
@@ -8899,7 +8895,7 @@
             </a:r>
             <a:r>
               <a:rPr lang="pt-PT" dirty="0"/>
-              <a:t> 32.991</a:t>
+              <a:t> 34.360</a:t>
             </a:r>
           </a:p>
           <a:p>
@@ -8914,7 +8910,7 @@
             </a:r>
             <a:r>
               <a:rPr lang="pt-PT" dirty="0"/>
-              <a:t> 0.113 </a:t>
+              <a:t> 0.636 </a:t>
             </a:r>
             <a:r>
               <a:rPr lang="pt-PT" dirty="0" err="1"/>
@@ -8922,7 +8918,7 @@
             </a:r>
             <a:r>
               <a:rPr lang="pt-PT" dirty="0"/>
-              <a:t> 17.235</a:t>
+              <a:t> 2.566</a:t>
             </a:r>
           </a:p>
           <a:p>
@@ -8947,7 +8943,7 @@
             </a:r>
             <a:r>
               <a:rPr lang="pt-PT" dirty="0"/>
-              <a:t> 22.246 </a:t>
+              <a:t> 2.363 </a:t>
             </a:r>
             <a:r>
               <a:rPr lang="pt-PT" dirty="0" err="1"/>
@@ -8955,7 +8951,7 @@
             </a:r>
             <a:r>
               <a:rPr lang="pt-PT" dirty="0"/>
-              <a:t> 796.071</a:t>
+              <a:t> 113.402</a:t>
             </a:r>
           </a:p>
           <a:p>
@@ -8970,7 +8966,7 @@
             </a:r>
             <a:r>
               <a:rPr lang="pt-PT" dirty="0"/>
-              <a:t> 1.184  </a:t>
+              <a:t> 0.802 </a:t>
             </a:r>
             <a:r>
               <a:rPr lang="pt-PT" dirty="0" err="1"/>
@@ -8978,7 +8974,7 @@
             </a:r>
             <a:r>
               <a:rPr lang="pt-PT" dirty="0"/>
-              <a:t> 164.174</a:t>
+              <a:t> 4.753</a:t>
             </a:r>
           </a:p>
           <a:p>
@@ -9023,7 +9019,7 @@
             </a:r>
             <a:r>
               <a:rPr lang="pt-PT" dirty="0"/>
-              <a:t> 20.596 </a:t>
+              <a:t> 3.300 </a:t>
             </a:r>
             <a:r>
               <a:rPr lang="pt-PT" dirty="0" err="1"/>
@@ -9031,7 +9027,7 @@
             </a:r>
             <a:r>
               <a:rPr lang="pt-PT" dirty="0"/>
-              <a:t> 90.992</a:t>
+              <a:t> 57.308</a:t>
             </a:r>
           </a:p>
           <a:p>
@@ -9046,7 +9042,7 @@
             </a:r>
             <a:r>
               <a:rPr lang="pt-PT" dirty="0"/>
-              <a:t>  </a:t>
+              <a:t> 0.890 </a:t>
             </a:r>
             <a:r>
               <a:rPr lang="pt-PT" dirty="0" err="1"/>
@@ -9054,7 +9050,7 @@
             </a:r>
             <a:r>
               <a:rPr lang="pt-PT" dirty="0"/>
-              <a:t> 22156.194</a:t>
+              <a:t> 45.524</a:t>
             </a:r>
           </a:p>
           <a:p>
@@ -9083,7 +9079,7 @@
             </a:r>
             <a:r>
               <a:rPr lang="pt-PT" dirty="0"/>
-              <a:t> 10.054 </a:t>
+              <a:t> 12.349 </a:t>
             </a:r>
             <a:r>
               <a:rPr lang="pt-PT" dirty="0" err="1"/>
@@ -9091,7 +9087,7 @@
             </a:r>
             <a:r>
               <a:rPr lang="pt-PT" dirty="0"/>
-              <a:t> 29.627</a:t>
+              <a:t> 25.308</a:t>
             </a:r>
           </a:p>
           <a:p>
@@ -9106,7 +9102,7 @@
             </a:r>
             <a:r>
               <a:rPr lang="pt-PT" dirty="0"/>
-              <a:t> 84.428 </a:t>
+              <a:t> 3.587 </a:t>
             </a:r>
             <a:r>
               <a:rPr lang="pt-PT" dirty="0" err="1"/>
@@ -9114,7 +9110,7 @@
             </a:r>
             <a:r>
               <a:rPr lang="pt-PT" dirty="0"/>
-              <a:t> 1029.903</a:t>
+              <a:t> 21.335</a:t>
             </a:r>
           </a:p>
           <a:p>
@@ -9143,7 +9139,7 @@
             </a:r>
             <a:r>
               <a:rPr lang="pt-PT" dirty="0"/>
-              <a:t> 21.465 </a:t>
+              <a:t> 24.413 </a:t>
             </a:r>
             <a:r>
               <a:rPr lang="pt-PT" dirty="0" err="1"/>
@@ -9151,7 +9147,7 @@
             </a:r>
             <a:r>
               <a:rPr lang="pt-PT" dirty="0"/>
-              <a:t> 486.662</a:t>
+              <a:t> 203.048</a:t>
             </a:r>
           </a:p>
           <a:p>
@@ -9166,7 +9162,7 @@
             </a:r>
             <a:r>
               <a:rPr lang="pt-PT" dirty="0"/>
-              <a:t> 289.036 </a:t>
+              <a:t> 152.889 </a:t>
             </a:r>
             <a:r>
               <a:rPr lang="pt-PT" dirty="0" err="1"/>
@@ -9174,60 +9170,15 @@
             </a:r>
             <a:r>
               <a:rPr lang="pt-PT" dirty="0"/>
-              <a:t> 132175.172</a:t>
-            </a:r>
-          </a:p>
-          <a:p>
-            <a:endParaRPr lang="pt-PT" dirty="0"/>
-          </a:p>
-        </p:txBody>
-      </p:sp>
-      <p:sp>
-        <p:nvSpPr>
-          <p:cNvPr id="4" name="Marcador de Posição do Número do Diapositivo 3">
-            <a:extLst>
-              <a:ext uri="{FF2B5EF4-FFF2-40B4-BE49-F238E27FC236}">
-                <a16:creationId xmlns:a16="http://schemas.microsoft.com/office/drawing/2014/main" id="{BD5D1C43-7DF6-65CB-A434-F78AFDA9D579}"/>
-              </a:ext>
-            </a:extLst>
-          </p:cNvPr>
-          <p:cNvSpPr>
-            <a:spLocks noGrp="1"/>
-          </p:cNvSpPr>
-          <p:nvPr>
-            <p:ph type="sldNum" sz="quarter" idx="12"/>
-          </p:nvPr>
-        </p:nvSpPr>
-        <p:spPr/>
-        <p:txBody>
-          <a:bodyPr/>
-          <a:lstStyle/>
-          <a:p>
-            <a:fld id="{91727942-0F31-8246-9E69-0AE29DBBE5E4}" type="slidenum">
-              <a:rPr lang="en-US" smtClean="0">
-                <a:solidFill>
-                  <a:prstClr val="black">
-                    <a:tint val="75000"/>
-                  </a:prstClr>
-                </a:solidFill>
-              </a:rPr>
-              <a:pPr/>
-              <a:t>16</a:t>
-            </a:fld>
-            <a:endParaRPr lang="en-US">
-              <a:solidFill>
-                <a:prstClr val="black">
-                  <a:tint val="75000"/>
-                </a:prstClr>
-              </a:solidFill>
-            </a:endParaRPr>
+              <a:t> 27589.182</a:t>
+            </a:r>
           </a:p>
         </p:txBody>
       </p:sp>
     </p:spTree>
     <p:extLst>
       <p:ext uri="{BB962C8B-B14F-4D97-AF65-F5344CB8AC3E}">
-        <p14:creationId xmlns:p14="http://schemas.microsoft.com/office/powerpoint/2010/main" val="3048003526"/>
+        <p14:creationId xmlns:p14="http://schemas.microsoft.com/office/powerpoint/2010/main" val="3595565641"/>
       </p:ext>
     </p:extLst>
   </p:cSld>
@@ -9307,8 +9258,13 @@
             </a:r>
             <a:r>
               <a:rPr lang="pt-PT" dirty="0"/>
-              <a:t> Shift</a:t>
-            </a:r>
+              <a:t> </a:t>
+            </a:r>
+            <a:r>
+              <a:rPr lang="pt-PT" dirty="0" err="1"/>
+              <a:t>Swap</a:t>
+            </a:r>
+            <a:endParaRPr lang="pt-PT" dirty="0"/>
           </a:p>
         </p:txBody>
       </p:sp>
@@ -9356,7 +9312,7 @@
             </a:r>
             <a:r>
               <a:rPr lang="pt-PT" dirty="0"/>
-              <a:t> 1.398 </a:t>
+              <a:t> 0.397 </a:t>
             </a:r>
             <a:r>
               <a:rPr lang="pt-PT" dirty="0" err="1"/>
@@ -9364,7 +9320,7 @@
             </a:r>
             <a:r>
               <a:rPr lang="pt-PT" dirty="0"/>
-              <a:t> 34.360</a:t>
+              <a:t> 36.852</a:t>
             </a:r>
           </a:p>
           <a:p>
@@ -9379,7 +9335,7 @@
             </a:r>
             <a:r>
               <a:rPr lang="pt-PT" dirty="0"/>
-              <a:t> 0.636 </a:t>
+              <a:t> 0.930 </a:t>
             </a:r>
             <a:r>
               <a:rPr lang="pt-PT" dirty="0" err="1"/>
@@ -9387,7 +9343,7 @@
             </a:r>
             <a:r>
               <a:rPr lang="pt-PT" dirty="0"/>
-              <a:t> 2.566</a:t>
+              <a:t> 5.553</a:t>
             </a:r>
           </a:p>
           <a:p>
@@ -9412,7 +9368,7 @@
             </a:r>
             <a:r>
               <a:rPr lang="pt-PT" dirty="0"/>
-              <a:t> 2.363 </a:t>
+              <a:t> 4.599 </a:t>
             </a:r>
             <a:r>
               <a:rPr lang="pt-PT" dirty="0" err="1"/>
@@ -9420,7 +9376,7 @@
             </a:r>
             <a:r>
               <a:rPr lang="pt-PT" dirty="0"/>
-              <a:t> 113.402</a:t>
+              <a:t> 125.677</a:t>
             </a:r>
           </a:p>
           <a:p>
@@ -9435,7 +9391,7 @@
             </a:r>
             <a:r>
               <a:rPr lang="pt-PT" dirty="0"/>
-              <a:t> 0.802 </a:t>
+              <a:t> 1.719 </a:t>
             </a:r>
             <a:r>
               <a:rPr lang="pt-PT" dirty="0" err="1"/>
@@ -9443,7 +9399,7 @@
             </a:r>
             <a:r>
               <a:rPr lang="pt-PT" dirty="0"/>
-              <a:t> 4.753</a:t>
+              <a:t> 35.11</a:t>
             </a:r>
           </a:p>
           <a:p>
@@ -9488,7 +9444,7 @@
             </a:r>
             <a:r>
               <a:rPr lang="pt-PT" dirty="0"/>
-              <a:t> 3.300 </a:t>
+              <a:t> 9.029 </a:t>
             </a:r>
             <a:r>
               <a:rPr lang="pt-PT" dirty="0" err="1"/>
@@ -9511,7 +9467,7 @@
             </a:r>
             <a:r>
               <a:rPr lang="pt-PT" dirty="0"/>
-              <a:t> 0.890 </a:t>
+              <a:t> 1.810 </a:t>
             </a:r>
             <a:r>
               <a:rPr lang="pt-PT" dirty="0" err="1"/>
@@ -9519,7 +9475,7 @@
             </a:r>
             <a:r>
               <a:rPr lang="pt-PT" dirty="0"/>
-              <a:t> 45.524</a:t>
+              <a:t> 8493.712</a:t>
             </a:r>
           </a:p>
           <a:p>
@@ -9548,7 +9504,7 @@
             </a:r>
             <a:r>
               <a:rPr lang="pt-PT" dirty="0"/>
-              <a:t> 12.349 </a:t>
+              <a:t> 11.289 </a:t>
             </a:r>
             <a:r>
               <a:rPr lang="pt-PT" dirty="0" err="1"/>
@@ -9556,7 +9512,7 @@
             </a:r>
             <a:r>
               <a:rPr lang="pt-PT" dirty="0"/>
-              <a:t> 25.308</a:t>
+              <a:t> 23.885</a:t>
             </a:r>
           </a:p>
           <a:p>
@@ -9571,7 +9527,7 @@
             </a:r>
             <a:r>
               <a:rPr lang="pt-PT" dirty="0"/>
-              <a:t> 3.587 </a:t>
+              <a:t> 35.606 </a:t>
             </a:r>
             <a:r>
               <a:rPr lang="pt-PT" dirty="0" err="1"/>
@@ -9579,7 +9535,7 @@
             </a:r>
             <a:r>
               <a:rPr lang="pt-PT" dirty="0"/>
-              <a:t> 21.335</a:t>
+              <a:t> 363.472</a:t>
             </a:r>
           </a:p>
           <a:p>
@@ -9608,7 +9564,7 @@
             </a:r>
             <a:r>
               <a:rPr lang="pt-PT" dirty="0"/>
-              <a:t> 24.413 </a:t>
+              <a:t> 33.776 </a:t>
             </a:r>
             <a:r>
               <a:rPr lang="pt-PT" dirty="0" err="1"/>
@@ -9616,7 +9572,7 @@
             </a:r>
             <a:r>
               <a:rPr lang="pt-PT" dirty="0"/>
-              <a:t> 203.048</a:t>
+              <a:t> 210.352</a:t>
             </a:r>
           </a:p>
           <a:p>
@@ -9631,7 +9587,7 @@
             </a:r>
             <a:r>
               <a:rPr lang="pt-PT" dirty="0"/>
-              <a:t> 152.889 </a:t>
+              <a:t> 143.401 </a:t>
             </a:r>
             <a:r>
               <a:rPr lang="pt-PT" dirty="0" err="1"/>
@@ -9639,520 +9595,11 @@
             </a:r>
             <a:r>
               <a:rPr lang="pt-PT" dirty="0"/>
-              <a:t> 27589.182</a:t>
-            </a:r>
-          </a:p>
-        </p:txBody>
-      </p:sp>
-      <p:sp>
-        <p:nvSpPr>
-          <p:cNvPr id="4" name="Marcador de Posição do Número do Diapositivo 3">
-            <a:extLst>
-              <a:ext uri="{FF2B5EF4-FFF2-40B4-BE49-F238E27FC236}">
-                <a16:creationId xmlns:a16="http://schemas.microsoft.com/office/drawing/2014/main" id="{4D9747ED-B2F6-EC34-8525-58847E9A98CA}"/>
-              </a:ext>
-            </a:extLst>
-          </p:cNvPr>
-          <p:cNvSpPr>
-            <a:spLocks noGrp="1"/>
-          </p:cNvSpPr>
-          <p:nvPr>
-            <p:ph type="sldNum" sz="quarter" idx="12"/>
-          </p:nvPr>
-        </p:nvSpPr>
-        <p:spPr/>
-        <p:txBody>
-          <a:bodyPr/>
-          <a:lstStyle/>
-          <a:p>
-            <a:fld id="{91727942-0F31-8246-9E69-0AE29DBBE5E4}" type="slidenum">
-              <a:rPr lang="en-US" smtClean="0">
-                <a:solidFill>
-                  <a:prstClr val="black">
-                    <a:tint val="75000"/>
-                  </a:prstClr>
-                </a:solidFill>
-              </a:rPr>
-              <a:pPr/>
-              <a:t>17</a:t>
-            </a:fld>
-            <a:endParaRPr lang="en-US">
-              <a:solidFill>
-                <a:prstClr val="black">
-                  <a:tint val="75000"/>
-                </a:prstClr>
-              </a:solidFill>
-            </a:endParaRPr>
-          </a:p>
-        </p:txBody>
-      </p:sp>
-    </p:spTree>
-    <p:extLst>
-      <p:ext uri="{BB962C8B-B14F-4D97-AF65-F5344CB8AC3E}">
-        <p14:creationId xmlns:p14="http://schemas.microsoft.com/office/powerpoint/2010/main" val="3595565641"/>
-      </p:ext>
-    </p:extLst>
-  </p:cSld>
-  <p:clrMapOvr>
-    <a:masterClrMapping/>
-  </p:clrMapOvr>
-</p:sld>
-</file>
-
-<file path=ppt/slides/slide18.xml><?xml version="1.0" encoding="utf-8"?>
-<p:sld xmlns:a="http://schemas.openxmlformats.org/drawingml/2006/main" xmlns:r="http://schemas.openxmlformats.org/officeDocument/2006/relationships" xmlns:p="http://schemas.openxmlformats.org/presentationml/2006/main">
-  <p:cSld>
-    <p:spTree>
-      <p:nvGrpSpPr>
-        <p:cNvPr id="1" name=""/>
-        <p:cNvGrpSpPr/>
-        <p:nvPr/>
-      </p:nvGrpSpPr>
-      <p:grpSpPr>
-        <a:xfrm>
-          <a:off x="0" y="0"/>
-          <a:ext cx="0" cy="0"/>
-          <a:chOff x="0" y="0"/>
-          <a:chExt cx="0" cy="0"/>
-        </a:xfrm>
-      </p:grpSpPr>
-      <p:sp>
-        <p:nvSpPr>
-          <p:cNvPr id="2" name="Título 1">
-            <a:extLst>
-              <a:ext uri="{FF2B5EF4-FFF2-40B4-BE49-F238E27FC236}">
-                <a16:creationId xmlns:a16="http://schemas.microsoft.com/office/drawing/2014/main" id="{733842DD-E028-2728-5794-61A1920AA9AF}"/>
-              </a:ext>
-            </a:extLst>
-          </p:cNvPr>
-          <p:cNvSpPr>
-            <a:spLocks noGrp="1"/>
-          </p:cNvSpPr>
-          <p:nvPr>
-            <p:ph type="title"/>
-          </p:nvPr>
-        </p:nvSpPr>
-        <p:spPr/>
-        <p:txBody>
-          <a:bodyPr>
-            <a:normAutofit fontScale="90000"/>
-          </a:bodyPr>
-          <a:lstStyle/>
-          <a:p>
-            <a:r>
-              <a:rPr lang="pt-PT" dirty="0" err="1"/>
-              <a:t>Results</a:t>
-            </a:r>
-            <a:r>
-              <a:rPr lang="pt-PT" dirty="0"/>
-              <a:t> </a:t>
-            </a:r>
-            <a:r>
-              <a:rPr lang="pt-PT" dirty="0" err="1"/>
-              <a:t>of</a:t>
-            </a:r>
-            <a:r>
-              <a:rPr lang="pt-PT" dirty="0"/>
-              <a:t> </a:t>
-            </a:r>
-            <a:r>
-              <a:rPr lang="pt-PT" dirty="0" err="1"/>
-              <a:t>the</a:t>
-            </a:r>
-            <a:r>
-              <a:rPr lang="pt-PT" dirty="0"/>
-              <a:t> GRASP – Local </a:t>
-            </a:r>
-            <a:r>
-              <a:rPr lang="pt-PT" dirty="0" err="1"/>
-              <a:t>Search</a:t>
-            </a:r>
-            <a:r>
-              <a:rPr lang="pt-PT" dirty="0"/>
-              <a:t> </a:t>
-            </a:r>
-            <a:r>
-              <a:rPr lang="pt-PT" dirty="0" err="1"/>
-              <a:t>Swap</a:t>
-            </a:r>
+              <a:t> 24081.043</a:t>
+            </a:r>
+          </a:p>
+          <a:p>
             <a:endParaRPr lang="pt-PT" dirty="0"/>
-          </a:p>
-        </p:txBody>
-      </p:sp>
-      <p:sp>
-        <p:nvSpPr>
-          <p:cNvPr id="3" name="Marcador de Posição de Conteúdo 2">
-            <a:extLst>
-              <a:ext uri="{FF2B5EF4-FFF2-40B4-BE49-F238E27FC236}">
-                <a16:creationId xmlns:a16="http://schemas.microsoft.com/office/drawing/2014/main" id="{81537AC6-9F9F-4B01-DC13-1FF456F37681}"/>
-              </a:ext>
-            </a:extLst>
-          </p:cNvPr>
-          <p:cNvSpPr>
-            <a:spLocks noGrp="1"/>
-          </p:cNvSpPr>
-          <p:nvPr>
-            <p:ph idx="1"/>
-          </p:nvPr>
-        </p:nvSpPr>
-        <p:spPr/>
-        <p:txBody>
-          <a:bodyPr>
-            <a:normAutofit fontScale="55000" lnSpcReduction="20000"/>
-          </a:bodyPr>
-          <a:lstStyle/>
-          <a:p>
-            <a:r>
-              <a:rPr lang="pt-PT" dirty="0" err="1"/>
-              <a:t>Delmaire</a:t>
-            </a:r>
-            <a:r>
-              <a:rPr lang="pt-PT" dirty="0"/>
-              <a:t>:</a:t>
-            </a:r>
-          </a:p>
-          <a:p>
-            <a:pPr lvl="1"/>
-            <a:r>
-              <a:rPr lang="pt-PT" dirty="0"/>
-              <a:t>Gap - </a:t>
-            </a:r>
-            <a:r>
-              <a:rPr lang="pt-PT" dirty="0" err="1"/>
-              <a:t>between</a:t>
-            </a:r>
-            <a:r>
-              <a:rPr lang="pt-PT" dirty="0"/>
-              <a:t> 0.397 </a:t>
-            </a:r>
-            <a:r>
-              <a:rPr lang="pt-PT" dirty="0" err="1"/>
-              <a:t>and</a:t>
-            </a:r>
-            <a:r>
-              <a:rPr lang="pt-PT" dirty="0"/>
-              <a:t> 36.852</a:t>
-            </a:r>
-          </a:p>
-          <a:p>
-            <a:pPr lvl="1"/>
-            <a:r>
-              <a:rPr lang="pt-PT" dirty="0"/>
-              <a:t>Time - </a:t>
-            </a:r>
-            <a:r>
-              <a:rPr lang="pt-PT" dirty="0" err="1"/>
-              <a:t>between</a:t>
-            </a:r>
-            <a:r>
-              <a:rPr lang="pt-PT" dirty="0"/>
-              <a:t> 0.930 </a:t>
-            </a:r>
-            <a:r>
-              <a:rPr lang="pt-PT" dirty="0" err="1"/>
-              <a:t>and</a:t>
-            </a:r>
-            <a:r>
-              <a:rPr lang="pt-PT" dirty="0"/>
-              <a:t> 5.553</a:t>
-            </a:r>
-          </a:p>
-          <a:p>
-            <a:r>
-              <a:rPr lang="pt-PT" dirty="0" err="1"/>
-              <a:t>Holmberg</a:t>
-            </a:r>
-            <a:r>
-              <a:rPr lang="pt-PT" dirty="0"/>
-              <a:t>:</a:t>
-            </a:r>
-          </a:p>
-          <a:p>
-            <a:pPr lvl="1"/>
-            <a:r>
-              <a:rPr lang="pt-PT" dirty="0"/>
-              <a:t>Gap - </a:t>
-            </a:r>
-            <a:r>
-              <a:rPr lang="pt-PT" dirty="0" err="1"/>
-              <a:t>between</a:t>
-            </a:r>
-            <a:r>
-              <a:rPr lang="pt-PT" dirty="0"/>
-              <a:t> 4.599 </a:t>
-            </a:r>
-            <a:r>
-              <a:rPr lang="pt-PT" dirty="0" err="1"/>
-              <a:t>and</a:t>
-            </a:r>
-            <a:r>
-              <a:rPr lang="pt-PT" dirty="0"/>
-              <a:t> 125.677</a:t>
-            </a:r>
-          </a:p>
-          <a:p>
-            <a:pPr lvl="1"/>
-            <a:r>
-              <a:rPr lang="pt-PT" dirty="0"/>
-              <a:t>Time - </a:t>
-            </a:r>
-            <a:r>
-              <a:rPr lang="pt-PT" dirty="0" err="1"/>
-              <a:t>between</a:t>
-            </a:r>
-            <a:r>
-              <a:rPr lang="pt-PT" dirty="0"/>
-              <a:t> 1.719 </a:t>
-            </a:r>
-            <a:r>
-              <a:rPr lang="pt-PT" dirty="0" err="1"/>
-              <a:t>and</a:t>
-            </a:r>
-            <a:r>
-              <a:rPr lang="pt-PT" dirty="0"/>
-              <a:t> 35.11</a:t>
-            </a:r>
-          </a:p>
-          <a:p>
-            <a:r>
-              <a:rPr lang="pt-PT" dirty="0"/>
-              <a:t>OR-</a:t>
-            </a:r>
-            <a:r>
-              <a:rPr lang="pt-PT" dirty="0" err="1"/>
-              <a:t>Library</a:t>
-            </a:r>
-            <a:r>
-              <a:rPr lang="pt-PT" dirty="0"/>
-              <a:t> (9 OS out </a:t>
-            </a:r>
-            <a:r>
-              <a:rPr lang="pt-PT" dirty="0" err="1"/>
-              <a:t>of</a:t>
-            </a:r>
-            <a:r>
-              <a:rPr lang="pt-PT" dirty="0"/>
-              <a:t> </a:t>
-            </a:r>
-            <a:r>
-              <a:rPr lang="pt-PT" u="sng" dirty="0"/>
-              <a:t>36</a:t>
-            </a:r>
-            <a:r>
-              <a:rPr lang="pt-PT" dirty="0"/>
-              <a:t>)</a:t>
-            </a:r>
-          </a:p>
-          <a:p>
-            <a:pPr lvl="1"/>
-            <a:r>
-              <a:rPr lang="pt-PT" dirty="0"/>
-              <a:t>Gap - </a:t>
-            </a:r>
-            <a:r>
-              <a:rPr lang="pt-PT" dirty="0" err="1"/>
-              <a:t>between</a:t>
-            </a:r>
-            <a:r>
-              <a:rPr lang="pt-PT" dirty="0"/>
-              <a:t> 9.029 </a:t>
-            </a:r>
-            <a:r>
-              <a:rPr lang="pt-PT" dirty="0" err="1"/>
-              <a:t>and</a:t>
-            </a:r>
-            <a:r>
-              <a:rPr lang="pt-PT" dirty="0"/>
-              <a:t> 57.308</a:t>
-            </a:r>
-          </a:p>
-          <a:p>
-            <a:pPr lvl="1"/>
-            <a:r>
-              <a:rPr lang="pt-PT" dirty="0"/>
-              <a:t>Time - </a:t>
-            </a:r>
-            <a:r>
-              <a:rPr lang="pt-PT" dirty="0" err="1"/>
-              <a:t>between</a:t>
-            </a:r>
-            <a:r>
-              <a:rPr lang="pt-PT" dirty="0"/>
-              <a:t> 1.810 </a:t>
-            </a:r>
-            <a:r>
-              <a:rPr lang="pt-PT" dirty="0" err="1"/>
-              <a:t>and</a:t>
-            </a:r>
-            <a:r>
-              <a:rPr lang="pt-PT" dirty="0"/>
-              <a:t> 8493.712</a:t>
-            </a:r>
-          </a:p>
-          <a:p>
-            <a:r>
-              <a:rPr lang="pt-PT" dirty="0"/>
-              <a:t>Yang (9 OS out </a:t>
-            </a:r>
-            <a:r>
-              <a:rPr lang="pt-PT" dirty="0" err="1"/>
-              <a:t>of</a:t>
-            </a:r>
-            <a:r>
-              <a:rPr lang="pt-PT" dirty="0"/>
-              <a:t> 20)</a:t>
-            </a:r>
-          </a:p>
-          <a:p>
-            <a:pPr lvl="1"/>
-            <a:r>
-              <a:rPr lang="pt-PT" dirty="0"/>
-              <a:t>Gap - </a:t>
-            </a:r>
-            <a:r>
-              <a:rPr lang="pt-PT" dirty="0" err="1"/>
-              <a:t>between</a:t>
-            </a:r>
-            <a:r>
-              <a:rPr lang="pt-PT" dirty="0"/>
-              <a:t> 11.289 </a:t>
-            </a:r>
-            <a:r>
-              <a:rPr lang="pt-PT" dirty="0" err="1"/>
-              <a:t>and</a:t>
-            </a:r>
-            <a:r>
-              <a:rPr lang="pt-PT" dirty="0"/>
-              <a:t> 23.885</a:t>
-            </a:r>
-          </a:p>
-          <a:p>
-            <a:pPr lvl="1"/>
-            <a:r>
-              <a:rPr lang="pt-PT" dirty="0"/>
-              <a:t>Time - </a:t>
-            </a:r>
-            <a:r>
-              <a:rPr lang="pt-PT" dirty="0" err="1"/>
-              <a:t>between</a:t>
-            </a:r>
-            <a:r>
-              <a:rPr lang="pt-PT" dirty="0"/>
-              <a:t> 35.606 </a:t>
-            </a:r>
-            <a:r>
-              <a:rPr lang="pt-PT" dirty="0" err="1"/>
-              <a:t>and</a:t>
-            </a:r>
-            <a:r>
-              <a:rPr lang="pt-PT" dirty="0"/>
-              <a:t> 363.472</a:t>
-            </a:r>
-          </a:p>
-          <a:p>
-            <a:r>
-              <a:rPr lang="pt-PT" dirty="0"/>
-              <a:t>TBED1 (0 OS out </a:t>
-            </a:r>
-            <a:r>
-              <a:rPr lang="pt-PT" dirty="0" err="1"/>
-              <a:t>of</a:t>
-            </a:r>
-            <a:r>
-              <a:rPr lang="pt-PT" dirty="0"/>
-              <a:t> 60)</a:t>
-            </a:r>
-          </a:p>
-          <a:p>
-            <a:pPr lvl="1"/>
-            <a:r>
-              <a:rPr lang="pt-PT" dirty="0"/>
-              <a:t>Gap - </a:t>
-            </a:r>
-            <a:r>
-              <a:rPr lang="pt-PT" dirty="0" err="1"/>
-              <a:t>between</a:t>
-            </a:r>
-            <a:r>
-              <a:rPr lang="pt-PT" dirty="0"/>
-              <a:t> 33.776 </a:t>
-            </a:r>
-            <a:r>
-              <a:rPr lang="pt-PT" dirty="0" err="1"/>
-              <a:t>and</a:t>
-            </a:r>
-            <a:r>
-              <a:rPr lang="pt-PT" dirty="0"/>
-              <a:t> 210.352</a:t>
-            </a:r>
-          </a:p>
-          <a:p>
-            <a:pPr lvl="1"/>
-            <a:r>
-              <a:rPr lang="pt-PT" dirty="0"/>
-              <a:t>Time - </a:t>
-            </a:r>
-            <a:r>
-              <a:rPr lang="pt-PT" dirty="0" err="1"/>
-              <a:t>between</a:t>
-            </a:r>
-            <a:r>
-              <a:rPr lang="pt-PT" dirty="0"/>
-              <a:t> 143.401 </a:t>
-            </a:r>
-            <a:r>
-              <a:rPr lang="pt-PT" dirty="0" err="1"/>
-              <a:t>and</a:t>
-            </a:r>
-            <a:r>
-              <a:rPr lang="pt-PT" dirty="0"/>
-              <a:t> 24081.043</a:t>
-            </a:r>
-          </a:p>
-          <a:p>
-            <a:endParaRPr lang="pt-PT" dirty="0"/>
-          </a:p>
-        </p:txBody>
-      </p:sp>
-      <p:sp>
-        <p:nvSpPr>
-          <p:cNvPr id="4" name="Marcador de Posição do Número do Diapositivo 3">
-            <a:extLst>
-              <a:ext uri="{FF2B5EF4-FFF2-40B4-BE49-F238E27FC236}">
-                <a16:creationId xmlns:a16="http://schemas.microsoft.com/office/drawing/2014/main" id="{A98A618A-07DC-D3A1-2BAF-C187644F30B2}"/>
-              </a:ext>
-            </a:extLst>
-          </p:cNvPr>
-          <p:cNvSpPr>
-            <a:spLocks noGrp="1"/>
-          </p:cNvSpPr>
-          <p:nvPr>
-            <p:ph type="sldNum" sz="quarter" idx="12"/>
-          </p:nvPr>
-        </p:nvSpPr>
-        <p:spPr/>
-        <p:txBody>
-          <a:bodyPr/>
-          <a:lstStyle/>
-          <a:p>
-            <a:fld id="{91727942-0F31-8246-9E69-0AE29DBBE5E4}" type="slidenum">
-              <a:rPr lang="en-US" smtClean="0">
-                <a:solidFill>
-                  <a:prstClr val="black">
-                    <a:tint val="75000"/>
-                  </a:prstClr>
-                </a:solidFill>
-              </a:rPr>
-              <a:pPr/>
-              <a:t>18</a:t>
-            </a:fld>
-            <a:endParaRPr lang="en-US">
-              <a:solidFill>
-                <a:prstClr val="black">
-                  <a:tint val="75000"/>
-                </a:prstClr>
-              </a:solidFill>
-            </a:endParaRPr>
           </a:p>
         </p:txBody>
       </p:sp>
@@ -10169,7 +9616,7 @@
 </p:sld>
 </file>
 
-<file path=ppt/slides/slide19.xml><?xml version="1.0" encoding="utf-8"?>
+<file path=ppt/slides/slide18.xml><?xml version="1.0" encoding="utf-8"?>
 <p:sld xmlns:a="http://schemas.openxmlformats.org/drawingml/2006/main" xmlns:r="http://schemas.openxmlformats.org/officeDocument/2006/relationships" xmlns:p="http://schemas.openxmlformats.org/presentationml/2006/main">
   <p:cSld>
     <p:spTree>
@@ -10557,48 +10004,6 @@
           </a:p>
         </p:txBody>
       </p:sp>
-      <p:sp>
-        <p:nvSpPr>
-          <p:cNvPr id="6" name="Marcador de Posição do Número do Diapositivo 5">
-            <a:extLst>
-              <a:ext uri="{FF2B5EF4-FFF2-40B4-BE49-F238E27FC236}">
-                <a16:creationId xmlns:a16="http://schemas.microsoft.com/office/drawing/2014/main" id="{79EC42E5-1449-586F-8C62-4A56383F6511}"/>
-              </a:ext>
-            </a:extLst>
-          </p:cNvPr>
-          <p:cNvSpPr>
-            <a:spLocks noGrp="1"/>
-          </p:cNvSpPr>
-          <p:nvPr>
-            <p:ph type="sldNum" sz="quarter" idx="12"/>
-          </p:nvPr>
-        </p:nvSpPr>
-        <p:spPr/>
-        <p:txBody>
-          <a:bodyPr/>
-          <a:lstStyle/>
-          <a:p>
-            <a:fld id="{91727942-0F31-8246-9E69-0AE29DBBE5E4}" type="slidenum">
-              <a:rPr lang="en-US" smtClean="0">
-                <a:solidFill>
-                  <a:prstClr val="black">
-                    <a:tint val="75000"/>
-                  </a:prstClr>
-                </a:solidFill>
-              </a:rPr>
-              <a:pPr/>
-              <a:t>19</a:t>
-            </a:fld>
-            <a:endParaRPr lang="en-US">
-              <a:solidFill>
-                <a:prstClr val="black">
-                  <a:tint val="75000"/>
-                </a:prstClr>
-              </a:solidFill>
-            </a:endParaRPr>
-          </a:p>
-        </p:txBody>
-      </p:sp>
     </p:spTree>
     <p:extLst>
       <p:ext uri="{BB962C8B-B14F-4D97-AF65-F5344CB8AC3E}">
@@ -10612,454 +10017,7 @@
 </p:sld>
 </file>
 
-<file path=ppt/slides/slide2.xml><?xml version="1.0" encoding="utf-8"?>
-<p:sld xmlns:a="http://schemas.openxmlformats.org/drawingml/2006/main" xmlns:r="http://schemas.openxmlformats.org/officeDocument/2006/relationships" xmlns:p="http://schemas.openxmlformats.org/presentationml/2006/main">
-  <p:cSld>
-    <p:spTree>
-      <p:nvGrpSpPr>
-        <p:cNvPr id="1" name=""/>
-        <p:cNvGrpSpPr/>
-        <p:nvPr/>
-      </p:nvGrpSpPr>
-      <p:grpSpPr>
-        <a:xfrm>
-          <a:off x="0" y="0"/>
-          <a:ext cx="0" cy="0"/>
-          <a:chOff x="0" y="0"/>
-          <a:chExt cx="0" cy="0"/>
-        </a:xfrm>
-      </p:grpSpPr>
-      <p:sp>
-        <p:nvSpPr>
-          <p:cNvPr id="2" name="Título 1"/>
-          <p:cNvSpPr>
-            <a:spLocks noGrp="1"/>
-          </p:cNvSpPr>
-          <p:nvPr>
-            <p:ph type="title"/>
-          </p:nvPr>
-        </p:nvSpPr>
-        <p:spPr/>
-        <p:txBody>
-          <a:bodyPr>
-            <a:normAutofit fontScale="90000"/>
-          </a:bodyPr>
-          <a:lstStyle/>
-          <a:p>
-            <a:r>
-              <a:rPr lang="en-US" dirty="0"/>
-              <a:t>Introduction</a:t>
-            </a:r>
-            <a:endParaRPr lang="pt-PT" dirty="0"/>
-          </a:p>
-        </p:txBody>
-      </p:sp>
-      <p:sp>
-        <p:nvSpPr>
-          <p:cNvPr id="3" name="Marcador de Posição de Conteúdo 2"/>
-          <p:cNvSpPr>
-            <a:spLocks noGrp="1"/>
-          </p:cNvSpPr>
-          <p:nvPr>
-            <p:ph idx="1"/>
-          </p:nvPr>
-        </p:nvSpPr>
-        <p:spPr/>
-        <p:txBody>
-          <a:bodyPr/>
-          <a:lstStyle/>
-          <a:p>
-            <a:r>
-              <a:rPr lang="en-US" dirty="0"/>
-              <a:t>In this presentation</a:t>
-            </a:r>
-            <a:r>
-              <a:rPr lang="pt-PT" dirty="0"/>
-              <a:t>, </a:t>
-            </a:r>
-            <a:r>
-              <a:rPr lang="en-US" dirty="0"/>
-              <a:t>we will approach the SSCFLP with an Exact Method Algorithm, Heuristics and Metaheuristic approach.</a:t>
-            </a:r>
-          </a:p>
-          <a:p>
-            <a:r>
-              <a:rPr lang="en-US" dirty="0"/>
-              <a:t>Firstly, we will discuss the SSCFLP with some approaches from literature. Our approach is then presented with computational results. Lastly, we compare our results (Optimal Solution and Gap) with the literature.</a:t>
-            </a:r>
-          </a:p>
-          <a:p>
-            <a:endParaRPr lang="pt-PT" dirty="0"/>
-          </a:p>
-        </p:txBody>
-      </p:sp>
-      <p:sp>
-        <p:nvSpPr>
-          <p:cNvPr id="4" name="CaixaDeTexto 1"/>
-          <p:cNvSpPr txBox="1">
-            <a:spLocks noChangeArrowheads="1"/>
-          </p:cNvSpPr>
-          <p:nvPr/>
-        </p:nvSpPr>
-        <p:spPr bwMode="auto">
-          <a:xfrm>
-            <a:off x="6228184" y="6309320"/>
-            <a:ext cx="2387228" cy="461665"/>
-          </a:xfrm>
-          <a:prstGeom prst="rect">
-            <a:avLst/>
-          </a:prstGeom>
-          <a:noFill/>
-          <a:ln>
-            <a:noFill/>
-          </a:ln>
-          <a:extLst>
-            <a:ext uri="{909E8E84-426E-40DD-AFC4-6F175D3DCCD1}">
-              <a14:hiddenFill xmlns:a14="http://schemas.microsoft.com/office/drawing/2010/main">
-                <a:solidFill>
-                  <a:srgbClr val="FFFFFF"/>
-                </a:solidFill>
-              </a14:hiddenFill>
-            </a:ext>
-            <a:ext uri="{91240B29-F687-4F45-9708-019B960494DF}">
-              <a14:hiddenLine xmlns:a14="http://schemas.microsoft.com/office/drawing/2010/main" w="9525">
-                <a:solidFill>
-                  <a:srgbClr val="000000"/>
-                </a:solidFill>
-                <a:miter lim="800000"/>
-                <a:headEnd/>
-                <a:tailEnd/>
-              </a14:hiddenLine>
-            </a:ext>
-          </a:extLst>
-        </p:spPr>
-        <p:txBody>
-          <a:bodyPr wrap="square">
-            <a:spAutoFit/>
-          </a:bodyPr>
-          <a:lstStyle>
-            <a:lvl1pPr>
-              <a:defRPr>
-                <a:solidFill>
-                  <a:schemeClr val="tx1"/>
-                </a:solidFill>
-                <a:latin typeface="Calibri" panose="020F0502020204030204" pitchFamily="34" charset="0"/>
-              </a:defRPr>
-            </a:lvl1pPr>
-            <a:lvl2pPr marL="742950" indent="-285750">
-              <a:defRPr>
-                <a:solidFill>
-                  <a:schemeClr val="tx1"/>
-                </a:solidFill>
-                <a:latin typeface="Calibri" panose="020F0502020204030204" pitchFamily="34" charset="0"/>
-              </a:defRPr>
-            </a:lvl2pPr>
-            <a:lvl3pPr marL="1143000" indent="-228600">
-              <a:defRPr>
-                <a:solidFill>
-                  <a:schemeClr val="tx1"/>
-                </a:solidFill>
-                <a:latin typeface="Calibri" panose="020F0502020204030204" pitchFamily="34" charset="0"/>
-              </a:defRPr>
-            </a:lvl3pPr>
-            <a:lvl4pPr marL="1600200" indent="-228600">
-              <a:defRPr>
-                <a:solidFill>
-                  <a:schemeClr val="tx1"/>
-                </a:solidFill>
-                <a:latin typeface="Calibri" panose="020F0502020204030204" pitchFamily="34" charset="0"/>
-              </a:defRPr>
-            </a:lvl4pPr>
-            <a:lvl5pPr marL="2057400" indent="-228600">
-              <a:defRPr>
-                <a:solidFill>
-                  <a:schemeClr val="tx1"/>
-                </a:solidFill>
-                <a:latin typeface="Calibri" panose="020F0502020204030204" pitchFamily="34" charset="0"/>
-              </a:defRPr>
-            </a:lvl5pPr>
-            <a:lvl6pPr marL="2514600" indent="-228600" defTabSz="457200" fontAlgn="base">
-              <a:spcBef>
-                <a:spcPct val="0"/>
-              </a:spcBef>
-              <a:spcAft>
-                <a:spcPct val="0"/>
-              </a:spcAft>
-              <a:defRPr>
-                <a:solidFill>
-                  <a:schemeClr val="tx1"/>
-                </a:solidFill>
-                <a:latin typeface="Calibri" panose="020F0502020204030204" pitchFamily="34" charset="0"/>
-              </a:defRPr>
-            </a:lvl6pPr>
-            <a:lvl7pPr marL="2971800" indent="-228600" defTabSz="457200" fontAlgn="base">
-              <a:spcBef>
-                <a:spcPct val="0"/>
-              </a:spcBef>
-              <a:spcAft>
-                <a:spcPct val="0"/>
-              </a:spcAft>
-              <a:defRPr>
-                <a:solidFill>
-                  <a:schemeClr val="tx1"/>
-                </a:solidFill>
-                <a:latin typeface="Calibri" panose="020F0502020204030204" pitchFamily="34" charset="0"/>
-              </a:defRPr>
-            </a:lvl7pPr>
-            <a:lvl8pPr marL="3429000" indent="-228600" defTabSz="457200" fontAlgn="base">
-              <a:spcBef>
-                <a:spcPct val="0"/>
-              </a:spcBef>
-              <a:spcAft>
-                <a:spcPct val="0"/>
-              </a:spcAft>
-              <a:defRPr>
-                <a:solidFill>
-                  <a:schemeClr val="tx1"/>
-                </a:solidFill>
-                <a:latin typeface="Calibri" panose="020F0502020204030204" pitchFamily="34" charset="0"/>
-              </a:defRPr>
-            </a:lvl8pPr>
-            <a:lvl9pPr marL="3886200" indent="-228600" defTabSz="457200" fontAlgn="base">
-              <a:spcBef>
-                <a:spcPct val="0"/>
-              </a:spcBef>
-              <a:spcAft>
-                <a:spcPct val="0"/>
-              </a:spcAft>
-              <a:defRPr>
-                <a:solidFill>
-                  <a:schemeClr val="tx1"/>
-                </a:solidFill>
-                <a:latin typeface="Calibri" panose="020F0502020204030204" pitchFamily="34" charset="0"/>
-              </a:defRPr>
-            </a:lvl9pPr>
-          </a:lstStyle>
-          <a:p>
-            <a:r>
-              <a:rPr lang="pt-PT" sz="1200" dirty="0">
-                <a:latin typeface="Porto Sans Light" panose="00000400000000000000" pitchFamily="50" charset="0"/>
-              </a:rPr>
-              <a:t>João Silva | Olavo Alves | Luís Silva</a:t>
-            </a:r>
-          </a:p>
-          <a:p>
-            <a:pPr eaLnBrk="1" hangingPunct="1"/>
-            <a:endParaRPr lang="pt-PT" altLang="pt-PT" sz="1200" dirty="0">
-              <a:latin typeface="Porto Sans Light" panose="00000400000000000000" pitchFamily="50" charset="0"/>
-            </a:endParaRPr>
-          </a:p>
-        </p:txBody>
-      </p:sp>
-      <p:sp>
-        <p:nvSpPr>
-          <p:cNvPr id="5" name="CaixaDeTexto 2"/>
-          <p:cNvSpPr txBox="1">
-            <a:spLocks noChangeArrowheads="1"/>
-          </p:cNvSpPr>
-          <p:nvPr/>
-        </p:nvSpPr>
-        <p:spPr bwMode="auto">
-          <a:xfrm>
-            <a:off x="462100" y="6309320"/>
-            <a:ext cx="3317812" cy="276999"/>
-          </a:xfrm>
-          <a:prstGeom prst="rect">
-            <a:avLst/>
-          </a:prstGeom>
-          <a:noFill/>
-          <a:ln>
-            <a:noFill/>
-          </a:ln>
-          <a:extLst>
-            <a:ext uri="{909E8E84-426E-40DD-AFC4-6F175D3DCCD1}">
-              <a14:hiddenFill xmlns:a14="http://schemas.microsoft.com/office/drawing/2010/main">
-                <a:solidFill>
-                  <a:srgbClr val="FFFFFF"/>
-                </a:solidFill>
-              </a14:hiddenFill>
-            </a:ext>
-            <a:ext uri="{91240B29-F687-4F45-9708-019B960494DF}">
-              <a14:hiddenLine xmlns:a14="http://schemas.microsoft.com/office/drawing/2010/main" w="9525">
-                <a:solidFill>
-                  <a:srgbClr val="000000"/>
-                </a:solidFill>
-                <a:miter lim="800000"/>
-                <a:headEnd/>
-                <a:tailEnd/>
-              </a14:hiddenLine>
-            </a:ext>
-          </a:extLst>
-        </p:spPr>
-        <p:txBody>
-          <a:bodyPr wrap="square">
-            <a:spAutoFit/>
-          </a:bodyPr>
-          <a:lstStyle>
-            <a:lvl1pPr>
-              <a:defRPr>
-                <a:solidFill>
-                  <a:schemeClr val="tx1"/>
-                </a:solidFill>
-                <a:latin typeface="Calibri" panose="020F0502020204030204" pitchFamily="34" charset="0"/>
-              </a:defRPr>
-            </a:lvl1pPr>
-            <a:lvl2pPr marL="742950" indent="-285750">
-              <a:defRPr>
-                <a:solidFill>
-                  <a:schemeClr val="tx1"/>
-                </a:solidFill>
-                <a:latin typeface="Calibri" panose="020F0502020204030204" pitchFamily="34" charset="0"/>
-              </a:defRPr>
-            </a:lvl2pPr>
-            <a:lvl3pPr marL="1143000" indent="-228600">
-              <a:defRPr>
-                <a:solidFill>
-                  <a:schemeClr val="tx1"/>
-                </a:solidFill>
-                <a:latin typeface="Calibri" panose="020F0502020204030204" pitchFamily="34" charset="0"/>
-              </a:defRPr>
-            </a:lvl3pPr>
-            <a:lvl4pPr marL="1600200" indent="-228600">
-              <a:defRPr>
-                <a:solidFill>
-                  <a:schemeClr val="tx1"/>
-                </a:solidFill>
-                <a:latin typeface="Calibri" panose="020F0502020204030204" pitchFamily="34" charset="0"/>
-              </a:defRPr>
-            </a:lvl4pPr>
-            <a:lvl5pPr marL="2057400" indent="-228600">
-              <a:defRPr>
-                <a:solidFill>
-                  <a:schemeClr val="tx1"/>
-                </a:solidFill>
-                <a:latin typeface="Calibri" panose="020F0502020204030204" pitchFamily="34" charset="0"/>
-              </a:defRPr>
-            </a:lvl5pPr>
-            <a:lvl6pPr marL="2514600" indent="-228600" defTabSz="457200" fontAlgn="base">
-              <a:spcBef>
-                <a:spcPct val="0"/>
-              </a:spcBef>
-              <a:spcAft>
-                <a:spcPct val="0"/>
-              </a:spcAft>
-              <a:defRPr>
-                <a:solidFill>
-                  <a:schemeClr val="tx1"/>
-                </a:solidFill>
-                <a:latin typeface="Calibri" panose="020F0502020204030204" pitchFamily="34" charset="0"/>
-              </a:defRPr>
-            </a:lvl6pPr>
-            <a:lvl7pPr marL="2971800" indent="-228600" defTabSz="457200" fontAlgn="base">
-              <a:spcBef>
-                <a:spcPct val="0"/>
-              </a:spcBef>
-              <a:spcAft>
-                <a:spcPct val="0"/>
-              </a:spcAft>
-              <a:defRPr>
-                <a:solidFill>
-                  <a:schemeClr val="tx1"/>
-                </a:solidFill>
-                <a:latin typeface="Calibri" panose="020F0502020204030204" pitchFamily="34" charset="0"/>
-              </a:defRPr>
-            </a:lvl7pPr>
-            <a:lvl8pPr marL="3429000" indent="-228600" defTabSz="457200" fontAlgn="base">
-              <a:spcBef>
-                <a:spcPct val="0"/>
-              </a:spcBef>
-              <a:spcAft>
-                <a:spcPct val="0"/>
-              </a:spcAft>
-              <a:defRPr>
-                <a:solidFill>
-                  <a:schemeClr val="tx1"/>
-                </a:solidFill>
-                <a:latin typeface="Calibri" panose="020F0502020204030204" pitchFamily="34" charset="0"/>
-              </a:defRPr>
-            </a:lvl8pPr>
-            <a:lvl9pPr marL="3886200" indent="-228600" defTabSz="457200" fontAlgn="base">
-              <a:spcBef>
-                <a:spcPct val="0"/>
-              </a:spcBef>
-              <a:spcAft>
-                <a:spcPct val="0"/>
-              </a:spcAft>
-              <a:defRPr>
-                <a:solidFill>
-                  <a:schemeClr val="tx1"/>
-                </a:solidFill>
-                <a:latin typeface="Calibri" panose="020F0502020204030204" pitchFamily="34" charset="0"/>
-              </a:defRPr>
-            </a:lvl9pPr>
-          </a:lstStyle>
-          <a:p>
-            <a:pPr eaLnBrk="1" hangingPunct="1"/>
-            <a:r>
-              <a:rPr lang="pt-PT" altLang="pt-PT" sz="1200" dirty="0">
-                <a:latin typeface="Porto Sans Light" panose="00000400000000000000" pitchFamily="50" charset="0"/>
-              </a:rPr>
-              <a:t>Óscar Oliveira / Simulação e Otimização (2022/23)</a:t>
-            </a:r>
-          </a:p>
-        </p:txBody>
-      </p:sp>
-      <p:sp>
-        <p:nvSpPr>
-          <p:cNvPr id="6" name="Marcador de Posição do Número do Diapositivo 5">
-            <a:extLst>
-              <a:ext uri="{FF2B5EF4-FFF2-40B4-BE49-F238E27FC236}">
-                <a16:creationId xmlns:a16="http://schemas.microsoft.com/office/drawing/2014/main" id="{2BE94D1E-F85D-E928-8505-26B47F5500E0}"/>
-              </a:ext>
-            </a:extLst>
-          </p:cNvPr>
-          <p:cNvSpPr>
-            <a:spLocks noGrp="1"/>
-          </p:cNvSpPr>
-          <p:nvPr>
-            <p:ph type="sldNum" sz="quarter" idx="12"/>
-          </p:nvPr>
-        </p:nvSpPr>
-        <p:spPr/>
-        <p:txBody>
-          <a:bodyPr/>
-          <a:lstStyle/>
-          <a:p>
-            <a:fld id="{91727942-0F31-8246-9E69-0AE29DBBE5E4}" type="slidenum">
-              <a:rPr lang="en-US" smtClean="0">
-                <a:solidFill>
-                  <a:prstClr val="black">
-                    <a:tint val="75000"/>
-                  </a:prstClr>
-                </a:solidFill>
-              </a:rPr>
-              <a:pPr/>
-              <a:t>2</a:t>
-            </a:fld>
-            <a:endParaRPr lang="en-US">
-              <a:solidFill>
-                <a:prstClr val="black">
-                  <a:tint val="75000"/>
-                </a:prstClr>
-              </a:solidFill>
-            </a:endParaRPr>
-          </a:p>
-        </p:txBody>
-      </p:sp>
-    </p:spTree>
-    <p:extLst>
-      <p:ext uri="{BB962C8B-B14F-4D97-AF65-F5344CB8AC3E}">
-        <p14:creationId xmlns:p14="http://schemas.microsoft.com/office/powerpoint/2010/main" val="3990843653"/>
-      </p:ext>
-    </p:extLst>
-  </p:cSld>
-  <p:clrMapOvr>
-    <a:masterClrMapping/>
-  </p:clrMapOvr>
-</p:sld>
-</file>
-
-<file path=ppt/slides/slide20.xml><?xml version="1.0" encoding="utf-8"?>
+<file path=ppt/slides/slide19.xml><?xml version="1.0" encoding="utf-8"?>
 <p:sld xmlns:a="http://schemas.openxmlformats.org/drawingml/2006/main" xmlns:r="http://schemas.openxmlformats.org/officeDocument/2006/relationships" xmlns:p="http://schemas.openxmlformats.org/presentationml/2006/main" showMasterSp="0">
   <p:cSld>
     <p:spTree>
@@ -11176,6 +10134,411 @@
 </p:sld>
 </file>
 
+<file path=ppt/slides/slide2.xml><?xml version="1.0" encoding="utf-8"?>
+<p:sld xmlns:a="http://schemas.openxmlformats.org/drawingml/2006/main" xmlns:r="http://schemas.openxmlformats.org/officeDocument/2006/relationships" xmlns:p="http://schemas.openxmlformats.org/presentationml/2006/main">
+  <p:cSld>
+    <p:spTree>
+      <p:nvGrpSpPr>
+        <p:cNvPr id="1" name=""/>
+        <p:cNvGrpSpPr/>
+        <p:nvPr/>
+      </p:nvGrpSpPr>
+      <p:grpSpPr>
+        <a:xfrm>
+          <a:off x="0" y="0"/>
+          <a:ext cx="0" cy="0"/>
+          <a:chOff x="0" y="0"/>
+          <a:chExt cx="0" cy="0"/>
+        </a:xfrm>
+      </p:grpSpPr>
+      <p:sp>
+        <p:nvSpPr>
+          <p:cNvPr id="2" name="Título 1"/>
+          <p:cNvSpPr>
+            <a:spLocks noGrp="1"/>
+          </p:cNvSpPr>
+          <p:nvPr>
+            <p:ph type="title"/>
+          </p:nvPr>
+        </p:nvSpPr>
+        <p:spPr/>
+        <p:txBody>
+          <a:bodyPr>
+            <a:normAutofit fontScale="90000"/>
+          </a:bodyPr>
+          <a:lstStyle/>
+          <a:p>
+            <a:r>
+              <a:rPr lang="en-US" dirty="0"/>
+              <a:t>Introduction</a:t>
+            </a:r>
+            <a:endParaRPr lang="pt-PT" dirty="0"/>
+          </a:p>
+        </p:txBody>
+      </p:sp>
+      <p:sp>
+        <p:nvSpPr>
+          <p:cNvPr id="3" name="Marcador de Posição de Conteúdo 2"/>
+          <p:cNvSpPr>
+            <a:spLocks noGrp="1"/>
+          </p:cNvSpPr>
+          <p:nvPr>
+            <p:ph idx="1"/>
+          </p:nvPr>
+        </p:nvSpPr>
+        <p:spPr/>
+        <p:txBody>
+          <a:bodyPr/>
+          <a:lstStyle/>
+          <a:p>
+            <a:r>
+              <a:rPr lang="en-US" dirty="0"/>
+              <a:t>In this presentation</a:t>
+            </a:r>
+            <a:r>
+              <a:rPr lang="pt-PT" dirty="0"/>
+              <a:t>, </a:t>
+            </a:r>
+            <a:r>
+              <a:rPr lang="en-US" dirty="0"/>
+              <a:t>we will approach the SSCFLP with an Exact Method Algorithm, Heuristics and Metaheuristic approach.</a:t>
+            </a:r>
+          </a:p>
+          <a:p>
+            <a:r>
+              <a:rPr lang="en-US" dirty="0"/>
+              <a:t>Firstly, we will discuss the SSCFLP with some approaches from literature. Our approach is then presented with computational results. Lastly, we compare our results (Optimal Solution and Gap) with the literature.</a:t>
+            </a:r>
+          </a:p>
+          <a:p>
+            <a:endParaRPr lang="pt-PT" dirty="0"/>
+          </a:p>
+        </p:txBody>
+      </p:sp>
+      <p:sp>
+        <p:nvSpPr>
+          <p:cNvPr id="4" name="CaixaDeTexto 1"/>
+          <p:cNvSpPr txBox="1">
+            <a:spLocks noChangeArrowheads="1"/>
+          </p:cNvSpPr>
+          <p:nvPr/>
+        </p:nvSpPr>
+        <p:spPr bwMode="auto">
+          <a:xfrm>
+            <a:off x="6228184" y="6309320"/>
+            <a:ext cx="2387228" cy="461665"/>
+          </a:xfrm>
+          <a:prstGeom prst="rect">
+            <a:avLst/>
+          </a:prstGeom>
+          <a:noFill/>
+          <a:ln>
+            <a:noFill/>
+          </a:ln>
+          <a:extLst>
+            <a:ext uri="{909E8E84-426E-40DD-AFC4-6F175D3DCCD1}">
+              <a14:hiddenFill xmlns:a14="http://schemas.microsoft.com/office/drawing/2010/main">
+                <a:solidFill>
+                  <a:srgbClr val="FFFFFF"/>
+                </a:solidFill>
+              </a14:hiddenFill>
+            </a:ext>
+            <a:ext uri="{91240B29-F687-4F45-9708-019B960494DF}">
+              <a14:hiddenLine xmlns:a14="http://schemas.microsoft.com/office/drawing/2010/main" w="9525">
+                <a:solidFill>
+                  <a:srgbClr val="000000"/>
+                </a:solidFill>
+                <a:miter lim="800000"/>
+                <a:headEnd/>
+                <a:tailEnd/>
+              </a14:hiddenLine>
+            </a:ext>
+          </a:extLst>
+        </p:spPr>
+        <p:txBody>
+          <a:bodyPr wrap="square">
+            <a:spAutoFit/>
+          </a:bodyPr>
+          <a:lstStyle>
+            <a:lvl1pPr>
+              <a:defRPr>
+                <a:solidFill>
+                  <a:schemeClr val="tx1"/>
+                </a:solidFill>
+                <a:latin typeface="Calibri" panose="020F0502020204030204" pitchFamily="34" charset="0"/>
+              </a:defRPr>
+            </a:lvl1pPr>
+            <a:lvl2pPr marL="742950" indent="-285750">
+              <a:defRPr>
+                <a:solidFill>
+                  <a:schemeClr val="tx1"/>
+                </a:solidFill>
+                <a:latin typeface="Calibri" panose="020F0502020204030204" pitchFamily="34" charset="0"/>
+              </a:defRPr>
+            </a:lvl2pPr>
+            <a:lvl3pPr marL="1143000" indent="-228600">
+              <a:defRPr>
+                <a:solidFill>
+                  <a:schemeClr val="tx1"/>
+                </a:solidFill>
+                <a:latin typeface="Calibri" panose="020F0502020204030204" pitchFamily="34" charset="0"/>
+              </a:defRPr>
+            </a:lvl3pPr>
+            <a:lvl4pPr marL="1600200" indent="-228600">
+              <a:defRPr>
+                <a:solidFill>
+                  <a:schemeClr val="tx1"/>
+                </a:solidFill>
+                <a:latin typeface="Calibri" panose="020F0502020204030204" pitchFamily="34" charset="0"/>
+              </a:defRPr>
+            </a:lvl4pPr>
+            <a:lvl5pPr marL="2057400" indent="-228600">
+              <a:defRPr>
+                <a:solidFill>
+                  <a:schemeClr val="tx1"/>
+                </a:solidFill>
+                <a:latin typeface="Calibri" panose="020F0502020204030204" pitchFamily="34" charset="0"/>
+              </a:defRPr>
+            </a:lvl5pPr>
+            <a:lvl6pPr marL="2514600" indent="-228600" defTabSz="457200" fontAlgn="base">
+              <a:spcBef>
+                <a:spcPct val="0"/>
+              </a:spcBef>
+              <a:spcAft>
+                <a:spcPct val="0"/>
+              </a:spcAft>
+              <a:defRPr>
+                <a:solidFill>
+                  <a:schemeClr val="tx1"/>
+                </a:solidFill>
+                <a:latin typeface="Calibri" panose="020F0502020204030204" pitchFamily="34" charset="0"/>
+              </a:defRPr>
+            </a:lvl6pPr>
+            <a:lvl7pPr marL="2971800" indent="-228600" defTabSz="457200" fontAlgn="base">
+              <a:spcBef>
+                <a:spcPct val="0"/>
+              </a:spcBef>
+              <a:spcAft>
+                <a:spcPct val="0"/>
+              </a:spcAft>
+              <a:defRPr>
+                <a:solidFill>
+                  <a:schemeClr val="tx1"/>
+                </a:solidFill>
+                <a:latin typeface="Calibri" panose="020F0502020204030204" pitchFamily="34" charset="0"/>
+              </a:defRPr>
+            </a:lvl7pPr>
+            <a:lvl8pPr marL="3429000" indent="-228600" defTabSz="457200" fontAlgn="base">
+              <a:spcBef>
+                <a:spcPct val="0"/>
+              </a:spcBef>
+              <a:spcAft>
+                <a:spcPct val="0"/>
+              </a:spcAft>
+              <a:defRPr>
+                <a:solidFill>
+                  <a:schemeClr val="tx1"/>
+                </a:solidFill>
+                <a:latin typeface="Calibri" panose="020F0502020204030204" pitchFamily="34" charset="0"/>
+              </a:defRPr>
+            </a:lvl8pPr>
+            <a:lvl9pPr marL="3886200" indent="-228600" defTabSz="457200" fontAlgn="base">
+              <a:spcBef>
+                <a:spcPct val="0"/>
+              </a:spcBef>
+              <a:spcAft>
+                <a:spcPct val="0"/>
+              </a:spcAft>
+              <a:defRPr>
+                <a:solidFill>
+                  <a:schemeClr val="tx1"/>
+                </a:solidFill>
+                <a:latin typeface="Calibri" panose="020F0502020204030204" pitchFamily="34" charset="0"/>
+              </a:defRPr>
+            </a:lvl9pPr>
+          </a:lstStyle>
+          <a:p>
+            <a:r>
+              <a:rPr lang="pt-PT" sz="1200" dirty="0">
+                <a:latin typeface="Porto Sans Light" panose="00000400000000000000" pitchFamily="50" charset="0"/>
+              </a:rPr>
+              <a:t>João Silva | Olavo Alves | Luís Silva</a:t>
+            </a:r>
+          </a:p>
+          <a:p>
+            <a:pPr eaLnBrk="1" hangingPunct="1"/>
+            <a:endParaRPr lang="pt-PT" altLang="pt-PT" sz="1200" dirty="0">
+              <a:latin typeface="Porto Sans Light" panose="00000400000000000000" pitchFamily="50" charset="0"/>
+            </a:endParaRPr>
+          </a:p>
+        </p:txBody>
+      </p:sp>
+      <p:sp>
+        <p:nvSpPr>
+          <p:cNvPr id="5" name="CaixaDeTexto 2"/>
+          <p:cNvSpPr txBox="1">
+            <a:spLocks noChangeArrowheads="1"/>
+          </p:cNvSpPr>
+          <p:nvPr/>
+        </p:nvSpPr>
+        <p:spPr bwMode="auto">
+          <a:xfrm>
+            <a:off x="462100" y="6309320"/>
+            <a:ext cx="3317812" cy="276999"/>
+          </a:xfrm>
+          <a:prstGeom prst="rect">
+            <a:avLst/>
+          </a:prstGeom>
+          <a:noFill/>
+          <a:ln>
+            <a:noFill/>
+          </a:ln>
+          <a:extLst>
+            <a:ext uri="{909E8E84-426E-40DD-AFC4-6F175D3DCCD1}">
+              <a14:hiddenFill xmlns:a14="http://schemas.microsoft.com/office/drawing/2010/main">
+                <a:solidFill>
+                  <a:srgbClr val="FFFFFF"/>
+                </a:solidFill>
+              </a14:hiddenFill>
+            </a:ext>
+            <a:ext uri="{91240B29-F687-4F45-9708-019B960494DF}">
+              <a14:hiddenLine xmlns:a14="http://schemas.microsoft.com/office/drawing/2010/main" w="9525">
+                <a:solidFill>
+                  <a:srgbClr val="000000"/>
+                </a:solidFill>
+                <a:miter lim="800000"/>
+                <a:headEnd/>
+                <a:tailEnd/>
+              </a14:hiddenLine>
+            </a:ext>
+          </a:extLst>
+        </p:spPr>
+        <p:txBody>
+          <a:bodyPr wrap="square">
+            <a:spAutoFit/>
+          </a:bodyPr>
+          <a:lstStyle>
+            <a:lvl1pPr>
+              <a:defRPr>
+                <a:solidFill>
+                  <a:schemeClr val="tx1"/>
+                </a:solidFill>
+                <a:latin typeface="Calibri" panose="020F0502020204030204" pitchFamily="34" charset="0"/>
+              </a:defRPr>
+            </a:lvl1pPr>
+            <a:lvl2pPr marL="742950" indent="-285750">
+              <a:defRPr>
+                <a:solidFill>
+                  <a:schemeClr val="tx1"/>
+                </a:solidFill>
+                <a:latin typeface="Calibri" panose="020F0502020204030204" pitchFamily="34" charset="0"/>
+              </a:defRPr>
+            </a:lvl2pPr>
+            <a:lvl3pPr marL="1143000" indent="-228600">
+              <a:defRPr>
+                <a:solidFill>
+                  <a:schemeClr val="tx1"/>
+                </a:solidFill>
+                <a:latin typeface="Calibri" panose="020F0502020204030204" pitchFamily="34" charset="0"/>
+              </a:defRPr>
+            </a:lvl3pPr>
+            <a:lvl4pPr marL="1600200" indent="-228600">
+              <a:defRPr>
+                <a:solidFill>
+                  <a:schemeClr val="tx1"/>
+                </a:solidFill>
+                <a:latin typeface="Calibri" panose="020F0502020204030204" pitchFamily="34" charset="0"/>
+              </a:defRPr>
+            </a:lvl4pPr>
+            <a:lvl5pPr marL="2057400" indent="-228600">
+              <a:defRPr>
+                <a:solidFill>
+                  <a:schemeClr val="tx1"/>
+                </a:solidFill>
+                <a:latin typeface="Calibri" panose="020F0502020204030204" pitchFamily="34" charset="0"/>
+              </a:defRPr>
+            </a:lvl5pPr>
+            <a:lvl6pPr marL="2514600" indent="-228600" defTabSz="457200" fontAlgn="base">
+              <a:spcBef>
+                <a:spcPct val="0"/>
+              </a:spcBef>
+              <a:spcAft>
+                <a:spcPct val="0"/>
+              </a:spcAft>
+              <a:defRPr>
+                <a:solidFill>
+                  <a:schemeClr val="tx1"/>
+                </a:solidFill>
+                <a:latin typeface="Calibri" panose="020F0502020204030204" pitchFamily="34" charset="0"/>
+              </a:defRPr>
+            </a:lvl6pPr>
+            <a:lvl7pPr marL="2971800" indent="-228600" defTabSz="457200" fontAlgn="base">
+              <a:spcBef>
+                <a:spcPct val="0"/>
+              </a:spcBef>
+              <a:spcAft>
+                <a:spcPct val="0"/>
+              </a:spcAft>
+              <a:defRPr>
+                <a:solidFill>
+                  <a:schemeClr val="tx1"/>
+                </a:solidFill>
+                <a:latin typeface="Calibri" panose="020F0502020204030204" pitchFamily="34" charset="0"/>
+              </a:defRPr>
+            </a:lvl7pPr>
+            <a:lvl8pPr marL="3429000" indent="-228600" defTabSz="457200" fontAlgn="base">
+              <a:spcBef>
+                <a:spcPct val="0"/>
+              </a:spcBef>
+              <a:spcAft>
+                <a:spcPct val="0"/>
+              </a:spcAft>
+              <a:defRPr>
+                <a:solidFill>
+                  <a:schemeClr val="tx1"/>
+                </a:solidFill>
+                <a:latin typeface="Calibri" panose="020F0502020204030204" pitchFamily="34" charset="0"/>
+              </a:defRPr>
+            </a:lvl8pPr>
+            <a:lvl9pPr marL="3886200" indent="-228600" defTabSz="457200" fontAlgn="base">
+              <a:spcBef>
+                <a:spcPct val="0"/>
+              </a:spcBef>
+              <a:spcAft>
+                <a:spcPct val="0"/>
+              </a:spcAft>
+              <a:defRPr>
+                <a:solidFill>
+                  <a:schemeClr val="tx1"/>
+                </a:solidFill>
+                <a:latin typeface="Calibri" panose="020F0502020204030204" pitchFamily="34" charset="0"/>
+              </a:defRPr>
+            </a:lvl9pPr>
+          </a:lstStyle>
+          <a:p>
+            <a:pPr eaLnBrk="1" hangingPunct="1"/>
+            <a:r>
+              <a:rPr lang="pt-PT" altLang="pt-PT" sz="1200" dirty="0">
+                <a:latin typeface="Porto Sans Light" panose="00000400000000000000" pitchFamily="50" charset="0"/>
+              </a:rPr>
+              <a:t>Óscar Oliveira / Simulação e Otimização (2022/23)</a:t>
+            </a:r>
+          </a:p>
+        </p:txBody>
+      </p:sp>
+    </p:spTree>
+    <p:extLst>
+      <p:ext uri="{BB962C8B-B14F-4D97-AF65-F5344CB8AC3E}">
+        <p14:creationId xmlns:p14="http://schemas.microsoft.com/office/powerpoint/2010/main" val="3990843653"/>
+      </p:ext>
+    </p:extLst>
+  </p:cSld>
+  <p:clrMapOvr>
+    <a:masterClrMapping/>
+  </p:clrMapOvr>
+</p:sld>
+</file>
+
 <file path=ppt/slides/slide3.xml><?xml version="1.0" encoding="utf-8"?>
 <p:sld xmlns:a="http://schemas.openxmlformats.org/drawingml/2006/main" xmlns:r="http://schemas.openxmlformats.org/officeDocument/2006/relationships" xmlns:p="http://schemas.openxmlformats.org/presentationml/2006/main">
   <p:cSld>
@@ -11248,13 +10611,6 @@
             </a:r>
           </a:p>
           <a:p>
-            <a:r>
-              <a:rPr lang="pt-PT" dirty="0"/>
-              <a:t>PN-Hard</a:t>
-            </a:r>
-            <a:endParaRPr lang="en-GB" dirty="0"/>
-          </a:p>
-          <a:p>
             <a:endParaRPr lang="en-GB" dirty="0"/>
           </a:p>
           <a:p>
@@ -11570,48 +10926,6 @@
               </a:rPr>
               <a:t>Óscar Oliveira / Simulação e Otimização (2022/23)</a:t>
             </a:r>
-          </a:p>
-        </p:txBody>
-      </p:sp>
-      <p:sp>
-        <p:nvSpPr>
-          <p:cNvPr id="6" name="Marcador de Posição do Número do Diapositivo 5">
-            <a:extLst>
-              <a:ext uri="{FF2B5EF4-FFF2-40B4-BE49-F238E27FC236}">
-                <a16:creationId xmlns:a16="http://schemas.microsoft.com/office/drawing/2014/main" id="{0B6DF9C6-8C91-9A95-BF28-EB191B0A32DC}"/>
-              </a:ext>
-            </a:extLst>
-          </p:cNvPr>
-          <p:cNvSpPr>
-            <a:spLocks noGrp="1"/>
-          </p:cNvSpPr>
-          <p:nvPr>
-            <p:ph type="sldNum" sz="quarter" idx="12"/>
-          </p:nvPr>
-        </p:nvSpPr>
-        <p:spPr/>
-        <p:txBody>
-          <a:bodyPr/>
-          <a:lstStyle/>
-          <a:p>
-            <a:fld id="{91727942-0F31-8246-9E69-0AE29DBBE5E4}" type="slidenum">
-              <a:rPr lang="en-US" smtClean="0">
-                <a:solidFill>
-                  <a:prstClr val="black">
-                    <a:tint val="75000"/>
-                  </a:prstClr>
-                </a:solidFill>
-              </a:rPr>
-              <a:pPr/>
-              <a:t>3</a:t>
-            </a:fld>
-            <a:endParaRPr lang="en-US">
-              <a:solidFill>
-                <a:prstClr val="black">
-                  <a:tint val="75000"/>
-                </a:prstClr>
-              </a:solidFill>
-            </a:endParaRPr>
           </a:p>
         </p:txBody>
       </p:sp>
@@ -12053,48 +11367,6 @@
               </a:rPr>
               <a:t>Óscar Oliveira / Simulação e Otimização (2022/23)</a:t>
             </a:r>
-          </a:p>
-        </p:txBody>
-      </p:sp>
-      <p:sp>
-        <p:nvSpPr>
-          <p:cNvPr id="6" name="Marcador de Posição do Número do Diapositivo 5">
-            <a:extLst>
-              <a:ext uri="{FF2B5EF4-FFF2-40B4-BE49-F238E27FC236}">
-                <a16:creationId xmlns:a16="http://schemas.microsoft.com/office/drawing/2014/main" id="{1E28EEA9-BC5B-7394-7963-4D85A6E72B19}"/>
-              </a:ext>
-            </a:extLst>
-          </p:cNvPr>
-          <p:cNvSpPr>
-            <a:spLocks noGrp="1"/>
-          </p:cNvSpPr>
-          <p:nvPr>
-            <p:ph type="sldNum" sz="quarter" idx="12"/>
-          </p:nvPr>
-        </p:nvSpPr>
-        <p:spPr/>
-        <p:txBody>
-          <a:bodyPr/>
-          <a:lstStyle/>
-          <a:p>
-            <a:fld id="{91727942-0F31-8246-9E69-0AE29DBBE5E4}" type="slidenum">
-              <a:rPr lang="en-US" smtClean="0">
-                <a:solidFill>
-                  <a:prstClr val="black">
-                    <a:tint val="75000"/>
-                  </a:prstClr>
-                </a:solidFill>
-              </a:rPr>
-              <a:pPr/>
-              <a:t>4</a:t>
-            </a:fld>
-            <a:endParaRPr lang="en-US">
-              <a:solidFill>
-                <a:prstClr val="black">
-                  <a:tint val="75000"/>
-                </a:prstClr>
-              </a:solidFill>
-            </a:endParaRPr>
           </a:p>
         </p:txBody>
       </p:sp>
@@ -12664,48 +11936,6 @@
           </a:p>
         </p:txBody>
       </p:sp>
-      <p:sp>
-        <p:nvSpPr>
-          <p:cNvPr id="3" name="Marcador de Posição do Número do Diapositivo 2">
-            <a:extLst>
-              <a:ext uri="{FF2B5EF4-FFF2-40B4-BE49-F238E27FC236}">
-                <a16:creationId xmlns:a16="http://schemas.microsoft.com/office/drawing/2014/main" id="{47F4A5A6-7A48-85BE-F258-341E9B89524A}"/>
-              </a:ext>
-            </a:extLst>
-          </p:cNvPr>
-          <p:cNvSpPr>
-            <a:spLocks noGrp="1"/>
-          </p:cNvSpPr>
-          <p:nvPr>
-            <p:ph type="sldNum" sz="quarter" idx="12"/>
-          </p:nvPr>
-        </p:nvSpPr>
-        <p:spPr/>
-        <p:txBody>
-          <a:bodyPr/>
-          <a:lstStyle/>
-          <a:p>
-            <a:fld id="{91727942-0F31-8246-9E69-0AE29DBBE5E4}" type="slidenum">
-              <a:rPr lang="en-US" smtClean="0">
-                <a:solidFill>
-                  <a:prstClr val="black">
-                    <a:tint val="75000"/>
-                  </a:prstClr>
-                </a:solidFill>
-              </a:rPr>
-              <a:pPr/>
-              <a:t>5</a:t>
-            </a:fld>
-            <a:endParaRPr lang="en-US">
-              <a:solidFill>
-                <a:prstClr val="black">
-                  <a:tint val="75000"/>
-                </a:prstClr>
-              </a:solidFill>
-            </a:endParaRPr>
-          </a:p>
-        </p:txBody>
-      </p:sp>
     </p:spTree>
     <p:extLst>
       <p:ext uri="{BB962C8B-B14F-4D97-AF65-F5344CB8AC3E}">
@@ -13229,48 +12459,6 @@
           </a:p>
         </p:txBody>
       </p:sp>
-      <p:sp>
-        <p:nvSpPr>
-          <p:cNvPr id="3" name="Marcador de Posição do Número do Diapositivo 2">
-            <a:extLst>
-              <a:ext uri="{FF2B5EF4-FFF2-40B4-BE49-F238E27FC236}">
-                <a16:creationId xmlns:a16="http://schemas.microsoft.com/office/drawing/2014/main" id="{42AD7048-E4D6-7C8B-1394-1ADC533E87BC}"/>
-              </a:ext>
-            </a:extLst>
-          </p:cNvPr>
-          <p:cNvSpPr>
-            <a:spLocks noGrp="1"/>
-          </p:cNvSpPr>
-          <p:nvPr>
-            <p:ph type="sldNum" sz="quarter" idx="12"/>
-          </p:nvPr>
-        </p:nvSpPr>
-        <p:spPr/>
-        <p:txBody>
-          <a:bodyPr/>
-          <a:lstStyle/>
-          <a:p>
-            <a:fld id="{91727942-0F31-8246-9E69-0AE29DBBE5E4}" type="slidenum">
-              <a:rPr lang="en-US" smtClean="0">
-                <a:solidFill>
-                  <a:prstClr val="black">
-                    <a:tint val="75000"/>
-                  </a:prstClr>
-                </a:solidFill>
-              </a:rPr>
-              <a:pPr/>
-              <a:t>6</a:t>
-            </a:fld>
-            <a:endParaRPr lang="en-US">
-              <a:solidFill>
-                <a:prstClr val="black">
-                  <a:tint val="75000"/>
-                </a:prstClr>
-              </a:solidFill>
-            </a:endParaRPr>
-          </a:p>
-        </p:txBody>
-      </p:sp>
     </p:spTree>
     <p:extLst>
       <p:ext uri="{BB962C8B-B14F-4D97-AF65-F5344CB8AC3E}">
@@ -13303,176 +12491,6 @@
       </p:grpSpPr>
       <p:sp>
         <p:nvSpPr>
-          <p:cNvPr id="2" name="Título 1">
-            <a:extLst>
-              <a:ext uri="{FF2B5EF4-FFF2-40B4-BE49-F238E27FC236}">
-                <a16:creationId xmlns:a16="http://schemas.microsoft.com/office/drawing/2014/main" id="{C500F8D2-45C6-485E-ECB5-015377BD10A5}"/>
-              </a:ext>
-            </a:extLst>
-          </p:cNvPr>
-          <p:cNvSpPr>
-            <a:spLocks noGrp="1"/>
-          </p:cNvSpPr>
-          <p:nvPr>
-            <p:ph type="title"/>
-          </p:nvPr>
-        </p:nvSpPr>
-        <p:spPr>
-          <a:xfrm>
-            <a:off x="457200" y="980728"/>
-            <a:ext cx="8229600" cy="720080"/>
-          </a:xfrm>
-        </p:spPr>
-        <p:txBody>
-          <a:bodyPr anchor="ctr">
-            <a:normAutofit/>
-          </a:bodyPr>
-          <a:lstStyle/>
-          <a:p>
-            <a:pPr>
-              <a:lnSpc>
-                <a:spcPct val="90000"/>
-              </a:lnSpc>
-            </a:pPr>
-            <a:r>
-              <a:rPr lang="pt-PT" sz="2100" err="1"/>
-              <a:t>Optimization</a:t>
-            </a:r>
-            <a:r>
-              <a:rPr lang="pt-PT" sz="2100"/>
-              <a:t> </a:t>
-            </a:r>
-            <a:r>
-              <a:rPr lang="pt-PT" sz="2100" err="1"/>
-              <a:t>Methods</a:t>
-            </a:r>
-            <a:br>
-              <a:rPr lang="pt-PT" sz="2100"/>
-            </a:br>
-            <a:endParaRPr lang="pt-PT" sz="2100"/>
-          </a:p>
-        </p:txBody>
-      </p:sp>
-      <p:pic>
-        <p:nvPicPr>
-          <p:cNvPr id="6" name="Marcador de Posição de Conteúdo 5" descr="Uma imagem com texto, diagrama, file, Paralelo&#10;&#10;Descrição gerada automaticamente">
-            <a:extLst>
-              <a:ext uri="{FF2B5EF4-FFF2-40B4-BE49-F238E27FC236}">
-                <a16:creationId xmlns:a16="http://schemas.microsoft.com/office/drawing/2014/main" id="{DAC3C223-2436-B9CC-6088-307F37BBBD46}"/>
-              </a:ext>
-            </a:extLst>
-          </p:cNvPr>
-          <p:cNvPicPr>
-            <a:picLocks noGrp="1" noChangeAspect="1"/>
-          </p:cNvPicPr>
-          <p:nvPr>
-            <p:ph idx="1"/>
-          </p:nvPr>
-        </p:nvPicPr>
-        <p:blipFill>
-          <a:blip r:embed="rId2"/>
-          <a:stretch>
-            <a:fillRect/>
-          </a:stretch>
-        </p:blipFill>
-        <p:spPr>
-          <a:xfrm>
-            <a:off x="1701750" y="1844825"/>
-            <a:ext cx="5740500" cy="4104456"/>
-          </a:xfrm>
-          <a:noFill/>
-        </p:spPr>
-      </p:pic>
-      <p:sp>
-        <p:nvSpPr>
-          <p:cNvPr id="4" name="Marcador de Posição do Número do Diapositivo 3">
-            <a:extLst>
-              <a:ext uri="{FF2B5EF4-FFF2-40B4-BE49-F238E27FC236}">
-                <a16:creationId xmlns:a16="http://schemas.microsoft.com/office/drawing/2014/main" id="{F6B1C488-37EF-4CA0-0C41-E542F19E3F96}"/>
-              </a:ext>
-            </a:extLst>
-          </p:cNvPr>
-          <p:cNvSpPr>
-            <a:spLocks noGrp="1"/>
-          </p:cNvSpPr>
-          <p:nvPr>
-            <p:ph type="sldNum" sz="quarter" idx="12"/>
-          </p:nvPr>
-        </p:nvSpPr>
-        <p:spPr>
-          <a:xfrm>
-            <a:off x="6553200" y="6356350"/>
-            <a:ext cx="2133600" cy="365125"/>
-          </a:xfrm>
-        </p:spPr>
-        <p:txBody>
-          <a:bodyPr anchor="ctr">
-            <a:normAutofit/>
-          </a:bodyPr>
-          <a:lstStyle/>
-          <a:p>
-            <a:pPr>
-              <a:spcAft>
-                <a:spcPts val="600"/>
-              </a:spcAft>
-            </a:pPr>
-            <a:fld id="{91727942-0F31-8246-9E69-0AE29DBBE5E4}" type="slidenum">
-              <a:rPr lang="en-US" smtClean="0">
-                <a:solidFill>
-                  <a:prstClr val="black">
-                    <a:tint val="75000"/>
-                  </a:prstClr>
-                </a:solidFill>
-              </a:rPr>
-              <a:pPr>
-                <a:spcAft>
-                  <a:spcPts val="600"/>
-                </a:spcAft>
-              </a:pPr>
-              <a:t>7</a:t>
-            </a:fld>
-            <a:endParaRPr lang="en-US">
-              <a:solidFill>
-                <a:prstClr val="black">
-                  <a:tint val="75000"/>
-                </a:prstClr>
-              </a:solidFill>
-            </a:endParaRPr>
-          </a:p>
-        </p:txBody>
-      </p:sp>
-    </p:spTree>
-    <p:extLst>
-      <p:ext uri="{BB962C8B-B14F-4D97-AF65-F5344CB8AC3E}">
-        <p14:creationId xmlns:p14="http://schemas.microsoft.com/office/powerpoint/2010/main" val="1901890372"/>
-      </p:ext>
-    </p:extLst>
-  </p:cSld>
-  <p:clrMapOvr>
-    <a:masterClrMapping/>
-  </p:clrMapOvr>
-</p:sld>
-</file>
-
-<file path=ppt/slides/slide8.xml><?xml version="1.0" encoding="utf-8"?>
-<p:sld xmlns:a="http://schemas.openxmlformats.org/drawingml/2006/main" xmlns:r="http://schemas.openxmlformats.org/officeDocument/2006/relationships" xmlns:p="http://schemas.openxmlformats.org/presentationml/2006/main">
-  <p:cSld>
-    <p:spTree>
-      <p:nvGrpSpPr>
-        <p:cNvPr id="1" name=""/>
-        <p:cNvGrpSpPr/>
-        <p:nvPr/>
-      </p:nvGrpSpPr>
-      <p:grpSpPr>
-        <a:xfrm>
-          <a:off x="0" y="0"/>
-          <a:ext cx="0" cy="0"/>
-          <a:chOff x="0" y="0"/>
-          <a:chExt cx="0" cy="0"/>
-        </a:xfrm>
-      </p:grpSpPr>
-      <p:sp>
-        <p:nvSpPr>
           <p:cNvPr id="2" name="Título 1"/>
           <p:cNvSpPr>
             <a:spLocks noGrp="1"/>
@@ -13880,48 +12898,6 @@
           </a:p>
         </p:txBody>
       </p:sp>
-      <p:sp>
-        <p:nvSpPr>
-          <p:cNvPr id="6" name="Marcador de Posição do Número do Diapositivo 5">
-            <a:extLst>
-              <a:ext uri="{FF2B5EF4-FFF2-40B4-BE49-F238E27FC236}">
-                <a16:creationId xmlns:a16="http://schemas.microsoft.com/office/drawing/2014/main" id="{93C6D070-2481-AA2B-843E-35526B076807}"/>
-              </a:ext>
-            </a:extLst>
-          </p:cNvPr>
-          <p:cNvSpPr>
-            <a:spLocks noGrp="1"/>
-          </p:cNvSpPr>
-          <p:nvPr>
-            <p:ph type="sldNum" sz="quarter" idx="12"/>
-          </p:nvPr>
-        </p:nvSpPr>
-        <p:spPr/>
-        <p:txBody>
-          <a:bodyPr/>
-          <a:lstStyle/>
-          <a:p>
-            <a:fld id="{91727942-0F31-8246-9E69-0AE29DBBE5E4}" type="slidenum">
-              <a:rPr lang="en-US" smtClean="0">
-                <a:solidFill>
-                  <a:prstClr val="black">
-                    <a:tint val="75000"/>
-                  </a:prstClr>
-                </a:solidFill>
-              </a:rPr>
-              <a:pPr/>
-              <a:t>8</a:t>
-            </a:fld>
-            <a:endParaRPr lang="en-US">
-              <a:solidFill>
-                <a:prstClr val="black">
-                  <a:tint val="75000"/>
-                </a:prstClr>
-              </a:solidFill>
-            </a:endParaRPr>
-          </a:p>
-        </p:txBody>
-      </p:sp>
     </p:spTree>
     <p:extLst>
       <p:ext uri="{BB962C8B-B14F-4D97-AF65-F5344CB8AC3E}">
@@ -13935,7 +12911,7 @@
 </p:sld>
 </file>
 
-<file path=ppt/slides/slide9.xml><?xml version="1.0" encoding="utf-8"?>
+<file path=ppt/slides/slide8.xml><?xml version="1.0" encoding="utf-8"?>
 <p:sld xmlns:a="http://schemas.openxmlformats.org/drawingml/2006/main" xmlns:r="http://schemas.openxmlformats.org/officeDocument/2006/relationships" xmlns:p="http://schemas.openxmlformats.org/presentationml/2006/main">
   <p:cSld>
     <p:spTree>
@@ -14241,12 +13217,42 @@
           </a:p>
         </p:txBody>
       </p:sp>
+    </p:spTree>
+    <p:extLst>
+      <p:ext uri="{BB962C8B-B14F-4D97-AF65-F5344CB8AC3E}">
+        <p14:creationId xmlns:p14="http://schemas.microsoft.com/office/powerpoint/2010/main" val="689335268"/>
+      </p:ext>
+    </p:extLst>
+  </p:cSld>
+  <p:clrMapOvr>
+    <a:masterClrMapping/>
+  </p:clrMapOvr>
+</p:sld>
+</file>
+
+<file path=ppt/slides/slide9.xml><?xml version="1.0" encoding="utf-8"?>
+<p:sld xmlns:a="http://schemas.openxmlformats.org/drawingml/2006/main" xmlns:r="http://schemas.openxmlformats.org/officeDocument/2006/relationships" xmlns:p="http://schemas.openxmlformats.org/presentationml/2006/main">
+  <p:cSld>
+    <p:spTree>
+      <p:nvGrpSpPr>
+        <p:cNvPr id="1" name=""/>
+        <p:cNvGrpSpPr/>
+        <p:nvPr/>
+      </p:nvGrpSpPr>
+      <p:grpSpPr>
+        <a:xfrm>
+          <a:off x="0" y="0"/>
+          <a:ext cx="0" cy="0"/>
+          <a:chOff x="0" y="0"/>
+          <a:chExt cx="0" cy="0"/>
+        </a:xfrm>
+      </p:grpSpPr>
       <p:sp>
         <p:nvSpPr>
-          <p:cNvPr id="8" name="Marcador de Posição do Número do Diapositivo 7">
+          <p:cNvPr id="2" name="Título 1">
             <a:extLst>
               <a:ext uri="{FF2B5EF4-FFF2-40B4-BE49-F238E27FC236}">
-                <a16:creationId xmlns:a16="http://schemas.microsoft.com/office/drawing/2014/main" id="{71C5ADA6-985B-11F3-35FA-94D1E8B2EBD5}"/>
+                <a16:creationId xmlns:a16="http://schemas.microsoft.com/office/drawing/2014/main" id="{691E9056-392D-6BDD-F868-B90A18A9C3DE}"/>
               </a:ext>
             </a:extLst>
           </p:cNvPr>
@@ -14254,31 +13260,83 @@
             <a:spLocks noGrp="1"/>
           </p:cNvSpPr>
           <p:nvPr>
-            <p:ph type="sldNum" sz="quarter" idx="12"/>
+            <p:ph type="title"/>
           </p:nvPr>
         </p:nvSpPr>
         <p:spPr/>
         <p:txBody>
-          <a:bodyPr/>
+          <a:bodyPr>
+            <a:normAutofit fontScale="90000"/>
+          </a:bodyPr>
           <a:lstStyle/>
           <a:p>
-            <a:fld id="{91727942-0F31-8246-9E69-0AE29DBBE5E4}" type="slidenum">
-              <a:rPr lang="en-US" smtClean="0">
-                <a:solidFill>
-                  <a:prstClr val="black">
-                    <a:tint val="75000"/>
-                  </a:prstClr>
-                </a:solidFill>
+            <a:r>
+              <a:rPr lang="pt-PT" dirty="0" err="1"/>
+              <a:t>Constructive</a:t>
+            </a:r>
+            <a:r>
+              <a:rPr lang="pt-PT" dirty="0"/>
+              <a:t> </a:t>
+            </a:r>
+            <a:r>
+              <a:rPr lang="pt-PT" dirty="0" err="1"/>
+              <a:t>Heuristic</a:t>
+            </a:r>
+            <a:endParaRPr lang="pt-PT" dirty="0"/>
+          </a:p>
+        </p:txBody>
+      </p:sp>
+      <p:sp>
+        <p:nvSpPr>
+          <p:cNvPr id="3" name="Marcador de Posição de Conteúdo 2">
+            <a:extLst>
+              <a:ext uri="{FF2B5EF4-FFF2-40B4-BE49-F238E27FC236}">
+                <a16:creationId xmlns:a16="http://schemas.microsoft.com/office/drawing/2014/main" id="{01A67FE9-9BF4-B942-8E9B-6E04A1A965B2}"/>
+              </a:ext>
+            </a:extLst>
+          </p:cNvPr>
+          <p:cNvSpPr>
+            <a:spLocks noGrp="1"/>
+          </p:cNvSpPr>
+          <p:nvPr>
+            <p:ph idx="1"/>
+          </p:nvPr>
+        </p:nvSpPr>
+        <p:spPr/>
+        <p:txBody>
+          <a:bodyPr>
+            <a:normAutofit/>
+          </a:bodyPr>
+          <a:lstStyle/>
+          <a:p>
+            <a:pPr algn="just"/>
+            <a:r>
+              <a:rPr lang="en-US" sz="1800" dirty="0">
+                <a:latin typeface="Porto Sans Light (corpo)"/>
               </a:rPr>
-              <a:pPr/>
-              <a:t>9</a:t>
-            </a:fld>
-            <a:endParaRPr lang="en-US">
-              <a:solidFill>
-                <a:prstClr val="black">
-                  <a:tint val="75000"/>
-                </a:prstClr>
-              </a:solidFill>
+              <a:t>Constructive heuristics generate a solution by iteratively adding an element to the solution until an admissible solution is generated.</a:t>
+            </a:r>
+          </a:p>
+          <a:p>
+            <a:pPr algn="just"/>
+            <a:r>
+              <a:rPr lang="en-US" sz="1800" b="0" i="0" dirty="0">
+                <a:effectLst/>
+                <a:latin typeface="Porto Sans Light (corpo)"/>
+              </a:rPr>
+              <a:t>In the case of the Constructive Heuristic, it was decided to allocate customers to facilities, promoting an allocation criterion based on the lowest ratio between the cost of opening a Facility and the Facility’s initial capacity.</a:t>
+            </a:r>
+          </a:p>
+          <a:p>
+            <a:pPr algn="just"/>
+            <a:r>
+              <a:rPr lang="en-US" sz="1800" dirty="0">
+                <a:latin typeface="Porto Sans Light (corpo)"/>
+              </a:rPr>
+              <a:t>In the case of greedy heuristics, the choice of the next element to be inserted in the solution is done by what most favors the objective of the problem in the time.</a:t>
+            </a:r>
+            <a:endParaRPr lang="pt-PT" sz="1800" dirty="0">
+              <a:latin typeface="Porto Sans Light (corpo)"/>
             </a:endParaRPr>
           </a:p>
         </p:txBody>
@@ -14286,7 +13344,7 @@
     </p:spTree>
     <p:extLst>
       <p:ext uri="{BB962C8B-B14F-4D97-AF65-F5344CB8AC3E}">
-        <p14:creationId xmlns:p14="http://schemas.microsoft.com/office/powerpoint/2010/main" val="689335268"/>
+        <p14:creationId xmlns:p14="http://schemas.microsoft.com/office/powerpoint/2010/main" val="4178277529"/>
       </p:ext>
     </p:extLst>
   </p:cSld>

--- a/P_POINT_SO.pptx
+++ b/P_POINT_SO.pptx
@@ -1,11 +1,11 @@
 
 <file path=ppt/presentation.xml><?xml version="1.0" encoding="utf-8"?>
-<p:presentation xmlns:a="http://schemas.openxmlformats.org/drawingml/2006/main" xmlns:r="http://schemas.openxmlformats.org/officeDocument/2006/relationships" xmlns:p="http://schemas.openxmlformats.org/presentationml/2006/main" saveSubsetFonts="1">
+<p:presentation xmlns:a="http://schemas.openxmlformats.org/drawingml/2006/main" xmlns:r="http://schemas.openxmlformats.org/officeDocument/2006/relationships" xmlns:p="http://schemas.openxmlformats.org/presentationml/2006/main" showSpecialPlsOnTitleSld="0" saveSubsetFonts="1">
   <p:sldMasterIdLst>
     <p:sldMasterId id="2147483660" r:id="rId1"/>
   </p:sldMasterIdLst>
   <p:notesMasterIdLst>
-    <p:notesMasterId r:id="rId21"/>
+    <p:notesMasterId r:id="rId22"/>
   </p:notesMasterIdLst>
   <p:sldIdLst>
     <p:sldId id="369" r:id="rId2"/>
@@ -14,19 +14,20 @@
     <p:sldId id="371" r:id="rId5"/>
     <p:sldId id="376" r:id="rId6"/>
     <p:sldId id="381" r:id="rId7"/>
-    <p:sldId id="372" r:id="rId8"/>
-    <p:sldId id="378" r:id="rId9"/>
-    <p:sldId id="380" r:id="rId10"/>
-    <p:sldId id="379" r:id="rId11"/>
-    <p:sldId id="377" r:id="rId12"/>
-    <p:sldId id="373" r:id="rId13"/>
-    <p:sldId id="382" r:id="rId14"/>
-    <p:sldId id="384" r:id="rId15"/>
-    <p:sldId id="385" r:id="rId16"/>
-    <p:sldId id="383" r:id="rId17"/>
-    <p:sldId id="386" r:id="rId18"/>
-    <p:sldId id="374" r:id="rId19"/>
-    <p:sldId id="359" r:id="rId20"/>
+    <p:sldId id="387" r:id="rId8"/>
+    <p:sldId id="372" r:id="rId9"/>
+    <p:sldId id="378" r:id="rId10"/>
+    <p:sldId id="380" r:id="rId11"/>
+    <p:sldId id="379" r:id="rId12"/>
+    <p:sldId id="377" r:id="rId13"/>
+    <p:sldId id="373" r:id="rId14"/>
+    <p:sldId id="382" r:id="rId15"/>
+    <p:sldId id="384" r:id="rId16"/>
+    <p:sldId id="385" r:id="rId17"/>
+    <p:sldId id="383" r:id="rId18"/>
+    <p:sldId id="386" r:id="rId19"/>
+    <p:sldId id="374" r:id="rId20"/>
+    <p:sldId id="359" r:id="rId21"/>
   </p:sldIdLst>
   <p:sldSz cx="9144000" cy="6858000" type="screen4x3"/>
   <p:notesSz cx="6858000" cy="9144000"/>
@@ -240,7 +241,7 @@
           <a:p>
             <a:fld id="{0FF640A4-F258-4979-A828-AC330B9379A5}" type="datetimeFigureOut">
               <a:rPr lang="pt-PT" smtClean="0"/>
-              <a:t>08/06/2023</a:t>
+              <a:t>14/06/2023</a:t>
             </a:fld>
             <a:endParaRPr lang="pt-PT"/>
           </a:p>
@@ -547,6 +548,67 @@
           <a:bodyPr/>
           <a:lstStyle/>
           <a:p>
+            <a:endParaRPr lang="pt-PT"/>
+          </a:p>
+        </p:txBody>
+      </p:sp>
+    </p:spTree>
+    <p:extLst>
+      <p:ext uri="{BB962C8B-B14F-4D97-AF65-F5344CB8AC3E}">
+        <p14:creationId xmlns:p14="http://schemas.microsoft.com/office/powerpoint/2010/main" val="2107396055"/>
+      </p:ext>
+    </p:extLst>
+  </p:cSld>
+  <p:clrMapOvr>
+    <a:masterClrMapping/>
+  </p:clrMapOvr>
+</p:notes>
+</file>
+
+<file path=ppt/notesSlides/notesSlide3.xml><?xml version="1.0" encoding="utf-8"?>
+<p:notes xmlns:a="http://schemas.openxmlformats.org/drawingml/2006/main" xmlns:r="http://schemas.openxmlformats.org/officeDocument/2006/relationships" xmlns:p="http://schemas.openxmlformats.org/presentationml/2006/main">
+  <p:cSld>
+    <p:spTree>
+      <p:nvGrpSpPr>
+        <p:cNvPr id="1" name=""/>
+        <p:cNvGrpSpPr/>
+        <p:nvPr/>
+      </p:nvGrpSpPr>
+      <p:grpSpPr>
+        <a:xfrm>
+          <a:off x="0" y="0"/>
+          <a:ext cx="0" cy="0"/>
+          <a:chOff x="0" y="0"/>
+          <a:chExt cx="0" cy="0"/>
+        </a:xfrm>
+      </p:grpSpPr>
+      <p:sp>
+        <p:nvSpPr>
+          <p:cNvPr id="2" name="Marcador de Posição da Imagem do Diapositivo 1"/>
+          <p:cNvSpPr>
+            <a:spLocks noGrp="1" noRot="1" noChangeAspect="1"/>
+          </p:cNvSpPr>
+          <p:nvPr>
+            <p:ph type="sldImg"/>
+          </p:nvPr>
+        </p:nvSpPr>
+        <p:spPr/>
+      </p:sp>
+      <p:sp>
+        <p:nvSpPr>
+          <p:cNvPr id="3" name="Marcador de Posição de Notas 2"/>
+          <p:cNvSpPr>
+            <a:spLocks noGrp="1"/>
+          </p:cNvSpPr>
+          <p:nvPr>
+            <p:ph type="body" idx="1"/>
+          </p:nvPr>
+        </p:nvSpPr>
+        <p:spPr/>
+        <p:txBody>
+          <a:bodyPr/>
+          <a:lstStyle/>
+          <a:p>
             <a:endParaRPr lang="pt-PT" dirty="0"/>
           </a:p>
         </p:txBody>
@@ -743,7 +805,7 @@
           <a:bodyPr/>
           <a:lstStyle/>
           <a:p>
-            <a:fld id="{87E7692C-3577-F745-8DF3-D399A394EE18}" type="datetimeFigureOut">
+            <a:fld id="{5E04D6E8-DC42-41F3-A9E3-5E1A9ED2157C}" type="datetime1">
               <a:rPr lang="en-US" smtClean="0">
                 <a:solidFill>
                   <a:prstClr val="black">
@@ -751,8 +813,7 @@
                   </a:prstClr>
                 </a:solidFill>
               </a:rPr>
-              <a:pPr/>
-              <a:t>6/8/2023</a:t>
+              <a:t>6/14/2023</a:t>
             </a:fld>
             <a:endParaRPr lang="en-US">
               <a:solidFill>
@@ -945,7 +1006,7 @@
           <a:bodyPr/>
           <a:lstStyle/>
           <a:p>
-            <a:fld id="{87E7692C-3577-F745-8DF3-D399A394EE18}" type="datetimeFigureOut">
+            <a:fld id="{310A9B98-BE9B-4D4C-BC14-998B50A823E9}" type="datetime1">
               <a:rPr lang="en-US" smtClean="0">
                 <a:solidFill>
                   <a:prstClr val="black">
@@ -953,8 +1014,7 @@
                   </a:prstClr>
                 </a:solidFill>
               </a:rPr>
-              <a:pPr/>
-              <a:t>6/8/2023</a:t>
+              <a:t>6/14/2023</a:t>
             </a:fld>
             <a:endParaRPr lang="en-US">
               <a:solidFill>
@@ -1157,7 +1217,7 @@
           <a:bodyPr/>
           <a:lstStyle/>
           <a:p>
-            <a:fld id="{87E7692C-3577-F745-8DF3-D399A394EE18}" type="datetimeFigureOut">
+            <a:fld id="{27BE7833-5B94-48E3-9189-11066A4E5D7C}" type="datetime1">
               <a:rPr lang="en-US" smtClean="0">
                 <a:solidFill>
                   <a:prstClr val="black">
@@ -1165,8 +1225,7 @@
                   </a:prstClr>
                 </a:solidFill>
               </a:rPr>
-              <a:pPr/>
-              <a:t>6/8/2023</a:t>
+              <a:t>6/14/2023</a:t>
             </a:fld>
             <a:endParaRPr lang="en-US">
               <a:solidFill>
@@ -1453,7 +1512,7 @@
           <a:bodyPr/>
           <a:lstStyle/>
           <a:p>
-            <a:fld id="{87E7692C-3577-F745-8DF3-D399A394EE18}" type="datetimeFigureOut">
+            <a:fld id="{860114CB-C8A4-4173-8707-24878323E6CE}" type="datetime1">
               <a:rPr lang="en-US" smtClean="0">
                 <a:solidFill>
                   <a:prstClr val="black">
@@ -1461,8 +1520,7 @@
                   </a:prstClr>
                 </a:solidFill>
               </a:rPr>
-              <a:pPr/>
-              <a:t>6/8/2023</a:t>
+              <a:t>6/14/2023</a:t>
             </a:fld>
             <a:endParaRPr lang="en-US" dirty="0">
               <a:solidFill>
@@ -1731,7 +1789,7 @@
           <a:bodyPr/>
           <a:lstStyle/>
           <a:p>
-            <a:fld id="{87E7692C-3577-F745-8DF3-D399A394EE18}" type="datetimeFigureOut">
+            <a:fld id="{F39A7A6A-2849-4DEE-9063-881D93742784}" type="datetime1">
               <a:rPr lang="en-US" smtClean="0">
                 <a:solidFill>
                   <a:prstClr val="black">
@@ -1739,8 +1797,7 @@
                   </a:prstClr>
                 </a:solidFill>
               </a:rPr>
-              <a:pPr/>
-              <a:t>6/8/2023</a:t>
+              <a:t>6/14/2023</a:t>
             </a:fld>
             <a:endParaRPr lang="en-US">
               <a:solidFill>
@@ -2051,7 +2108,7 @@
           <a:bodyPr/>
           <a:lstStyle/>
           <a:p>
-            <a:fld id="{87E7692C-3577-F745-8DF3-D399A394EE18}" type="datetimeFigureOut">
+            <a:fld id="{70AC530A-6DD0-47CD-AA50-EEA24249130C}" type="datetime1">
               <a:rPr lang="en-US" smtClean="0">
                 <a:solidFill>
                   <a:prstClr val="black">
@@ -2059,8 +2116,7 @@
                   </a:prstClr>
                 </a:solidFill>
               </a:rPr>
-              <a:pPr/>
-              <a:t>6/8/2023</a:t>
+              <a:t>6/14/2023</a:t>
             </a:fld>
             <a:endParaRPr lang="en-US">
               <a:solidFill>
@@ -2505,7 +2561,7 @@
           <a:bodyPr/>
           <a:lstStyle/>
           <a:p>
-            <a:fld id="{87E7692C-3577-F745-8DF3-D399A394EE18}" type="datetimeFigureOut">
+            <a:fld id="{FD07DCE6-BEBA-4F56-AE81-4749A02CBF70}" type="datetime1">
               <a:rPr lang="en-US" smtClean="0">
                 <a:solidFill>
                   <a:prstClr val="black">
@@ -2513,8 +2569,7 @@
                   </a:prstClr>
                 </a:solidFill>
               </a:rPr>
-              <a:pPr/>
-              <a:t>6/8/2023</a:t>
+              <a:t>6/14/2023</a:t>
             </a:fld>
             <a:endParaRPr lang="en-US">
               <a:solidFill>
@@ -2655,7 +2710,7 @@
           <a:bodyPr/>
           <a:lstStyle/>
           <a:p>
-            <a:fld id="{87E7692C-3577-F745-8DF3-D399A394EE18}" type="datetimeFigureOut">
+            <a:fld id="{0D6DD824-C881-474D-990D-467C014E30FE}" type="datetime1">
               <a:rPr lang="en-US" smtClean="0">
                 <a:solidFill>
                   <a:prstClr val="black">
@@ -2663,8 +2718,7 @@
                   </a:prstClr>
                 </a:solidFill>
               </a:rPr>
-              <a:pPr/>
-              <a:t>6/8/2023</a:t>
+              <a:t>6/14/2023</a:t>
             </a:fld>
             <a:endParaRPr lang="en-US">
               <a:solidFill>
@@ -2782,7 +2836,7 @@
           <a:bodyPr/>
           <a:lstStyle/>
           <a:p>
-            <a:fld id="{87E7692C-3577-F745-8DF3-D399A394EE18}" type="datetimeFigureOut">
+            <a:fld id="{57FB523F-9C13-4477-A843-AFBD6BB0AF0D}" type="datetime1">
               <a:rPr lang="en-US" smtClean="0">
                 <a:solidFill>
                   <a:prstClr val="black">
@@ -2790,8 +2844,7 @@
                   </a:prstClr>
                 </a:solidFill>
               </a:rPr>
-              <a:pPr/>
-              <a:t>6/8/2023</a:t>
+              <a:t>6/14/2023</a:t>
             </a:fld>
             <a:endParaRPr lang="en-US">
               <a:solidFill>
@@ -3091,7 +3144,7 @@
           <a:bodyPr/>
           <a:lstStyle/>
           <a:p>
-            <a:fld id="{87E7692C-3577-F745-8DF3-D399A394EE18}" type="datetimeFigureOut">
+            <a:fld id="{46C29ED2-8F8E-44EF-9B9E-18C50F061346}" type="datetime1">
               <a:rPr lang="en-US" smtClean="0">
                 <a:solidFill>
                   <a:prstClr val="black">
@@ -3099,8 +3152,7 @@
                   </a:prstClr>
                 </a:solidFill>
               </a:rPr>
-              <a:pPr/>
-              <a:t>6/8/2023</a:t>
+              <a:t>6/14/2023</a:t>
             </a:fld>
             <a:endParaRPr lang="en-US">
               <a:solidFill>
@@ -3376,7 +3428,7 @@
           <a:bodyPr/>
           <a:lstStyle/>
           <a:p>
-            <a:fld id="{87E7692C-3577-F745-8DF3-D399A394EE18}" type="datetimeFigureOut">
+            <a:fld id="{FBFA73CA-0D4B-4651-AB91-A288752E04DA}" type="datetime1">
               <a:rPr lang="en-US" smtClean="0">
                 <a:solidFill>
                   <a:prstClr val="black">
@@ -3384,8 +3436,7 @@
                   </a:prstClr>
                 </a:solidFill>
               </a:rPr>
-              <a:pPr/>
-              <a:t>6/8/2023</a:t>
+              <a:t>6/14/2023</a:t>
             </a:fld>
             <a:endParaRPr lang="en-US">
               <a:solidFill>
@@ -3625,7 +3676,7 @@
           </a:lstStyle>
           <a:p>
             <a:pPr defTabSz="457200"/>
-            <a:fld id="{87E7692C-3577-F745-8DF3-D399A394EE18}" type="datetimeFigureOut">
+            <a:fld id="{067DDBD3-CAC8-4877-8EB2-A7449BAA2583}" type="datetime1">
               <a:rPr lang="en-US" smtClean="0">
                 <a:solidFill>
                   <a:prstClr val="black">
@@ -3633,8 +3684,7 @@
                   </a:prstClr>
                 </a:solidFill>
               </a:rPr>
-              <a:pPr defTabSz="457200"/>
-              <a:t>6/8/2023</a:t>
+              <a:t>6/14/2023</a:t>
             </a:fld>
             <a:endParaRPr lang="en-US">
               <a:solidFill>
@@ -3929,6 +3979,7 @@
     <p:sldLayoutId id="2147483670" r:id="rId10"/>
     <p:sldLayoutId id="2147483671" r:id="rId11"/>
   </p:sldLayoutIdLst>
+  <p:hf hdr="0" ftr="0" dt="0"/>
   <p:txStyles>
     <p:titleStyle>
       <a:lvl1pPr algn="ctr" defTabSz="457200" rtl="0" eaLnBrk="1" latinLnBrk="0" hangingPunct="1">
@@ -4321,6 +4372,172 @@
           <p:cNvPr id="2" name="Título 1">
             <a:extLst>
               <a:ext uri="{FF2B5EF4-FFF2-40B4-BE49-F238E27FC236}">
+                <a16:creationId xmlns:a16="http://schemas.microsoft.com/office/drawing/2014/main" id="{691E9056-392D-6BDD-F868-B90A18A9C3DE}"/>
+              </a:ext>
+            </a:extLst>
+          </p:cNvPr>
+          <p:cNvSpPr>
+            <a:spLocks noGrp="1"/>
+          </p:cNvSpPr>
+          <p:nvPr>
+            <p:ph type="title"/>
+          </p:nvPr>
+        </p:nvSpPr>
+        <p:spPr/>
+        <p:txBody>
+          <a:bodyPr>
+            <a:normAutofit fontScale="90000"/>
+          </a:bodyPr>
+          <a:lstStyle/>
+          <a:p>
+            <a:r>
+              <a:rPr lang="pt-PT" dirty="0" err="1"/>
+              <a:t>Constructive</a:t>
+            </a:r>
+            <a:r>
+              <a:rPr lang="pt-PT" dirty="0"/>
+              <a:t> </a:t>
+            </a:r>
+            <a:r>
+              <a:rPr lang="pt-PT" dirty="0" err="1"/>
+              <a:t>Heuristic</a:t>
+            </a:r>
+            <a:endParaRPr lang="pt-PT" dirty="0"/>
+          </a:p>
+        </p:txBody>
+      </p:sp>
+      <p:sp>
+        <p:nvSpPr>
+          <p:cNvPr id="3" name="Marcador de Posição de Conteúdo 2">
+            <a:extLst>
+              <a:ext uri="{FF2B5EF4-FFF2-40B4-BE49-F238E27FC236}">
+                <a16:creationId xmlns:a16="http://schemas.microsoft.com/office/drawing/2014/main" id="{01A67FE9-9BF4-B942-8E9B-6E04A1A965B2}"/>
+              </a:ext>
+            </a:extLst>
+          </p:cNvPr>
+          <p:cNvSpPr>
+            <a:spLocks noGrp="1"/>
+          </p:cNvSpPr>
+          <p:nvPr>
+            <p:ph idx="1"/>
+          </p:nvPr>
+        </p:nvSpPr>
+        <p:spPr/>
+        <p:txBody>
+          <a:bodyPr>
+            <a:normAutofit/>
+          </a:bodyPr>
+          <a:lstStyle/>
+          <a:p>
+            <a:pPr algn="just"/>
+            <a:r>
+              <a:rPr lang="en-US" sz="1800" dirty="0">
+                <a:latin typeface="Porto Sans Light (corpo)"/>
+              </a:rPr>
+              <a:t>Constructive heuristics generate a solution by iteratively adding an element to the solution until an admissible solution is generated.</a:t>
+            </a:r>
+          </a:p>
+          <a:p>
+            <a:pPr algn="just"/>
+            <a:r>
+              <a:rPr lang="en-US" sz="1800" b="0" i="0" dirty="0">
+                <a:effectLst/>
+                <a:latin typeface="Porto Sans Light (corpo)"/>
+              </a:rPr>
+              <a:t>In the case of the Constructive Heuristic, it was decided to allocate customers to facilities, promoting an allocation criterion based on the lowest ratio between the cost of opening a Facility and the Facility’s initial capacity.</a:t>
+            </a:r>
+          </a:p>
+          <a:p>
+            <a:pPr algn="just"/>
+            <a:r>
+              <a:rPr lang="en-US" sz="1800" dirty="0">
+                <a:latin typeface="Porto Sans Light (corpo)"/>
+              </a:rPr>
+              <a:t>In the case of greedy heuristics, the choice of the next element to be inserted in the solution is done by what most favors the objective of the problem in the time.</a:t>
+            </a:r>
+            <a:endParaRPr lang="pt-PT" sz="1800" dirty="0">
+              <a:latin typeface="Porto Sans Light (corpo)"/>
+            </a:endParaRPr>
+          </a:p>
+        </p:txBody>
+      </p:sp>
+      <p:sp>
+        <p:nvSpPr>
+          <p:cNvPr id="4" name="Marcador de Posição do Número do Diapositivo 3">
+            <a:extLst>
+              <a:ext uri="{FF2B5EF4-FFF2-40B4-BE49-F238E27FC236}">
+                <a16:creationId xmlns:a16="http://schemas.microsoft.com/office/drawing/2014/main" id="{A8285C5A-0150-888C-66FE-48666A1C0992}"/>
+              </a:ext>
+            </a:extLst>
+          </p:cNvPr>
+          <p:cNvSpPr>
+            <a:spLocks noGrp="1"/>
+          </p:cNvSpPr>
+          <p:nvPr>
+            <p:ph type="sldNum" sz="quarter" idx="12"/>
+          </p:nvPr>
+        </p:nvSpPr>
+        <p:spPr/>
+        <p:txBody>
+          <a:bodyPr/>
+          <a:lstStyle/>
+          <a:p>
+            <a:fld id="{91727942-0F31-8246-9E69-0AE29DBBE5E4}" type="slidenum">
+              <a:rPr lang="en-US" smtClean="0">
+                <a:solidFill>
+                  <a:prstClr val="black">
+                    <a:tint val="75000"/>
+                  </a:prstClr>
+                </a:solidFill>
+              </a:rPr>
+              <a:pPr/>
+              <a:t>10</a:t>
+            </a:fld>
+            <a:endParaRPr lang="en-US">
+              <a:solidFill>
+                <a:prstClr val="black">
+                  <a:tint val="75000"/>
+                </a:prstClr>
+              </a:solidFill>
+            </a:endParaRPr>
+          </a:p>
+        </p:txBody>
+      </p:sp>
+    </p:spTree>
+    <p:extLst>
+      <p:ext uri="{BB962C8B-B14F-4D97-AF65-F5344CB8AC3E}">
+        <p14:creationId xmlns:p14="http://schemas.microsoft.com/office/powerpoint/2010/main" val="4178277529"/>
+      </p:ext>
+    </p:extLst>
+  </p:cSld>
+  <p:clrMapOvr>
+    <a:masterClrMapping/>
+  </p:clrMapOvr>
+</p:sld>
+</file>
+
+<file path=ppt/slides/slide11.xml><?xml version="1.0" encoding="utf-8"?>
+<p:sld xmlns:a="http://schemas.openxmlformats.org/drawingml/2006/main" xmlns:r="http://schemas.openxmlformats.org/officeDocument/2006/relationships" xmlns:p="http://schemas.openxmlformats.org/presentationml/2006/main">
+  <p:cSld>
+    <p:spTree>
+      <p:nvGrpSpPr>
+        <p:cNvPr id="1" name=""/>
+        <p:cNvGrpSpPr/>
+        <p:nvPr/>
+      </p:nvGrpSpPr>
+      <p:grpSpPr>
+        <a:xfrm>
+          <a:off x="0" y="0"/>
+          <a:ext cx="0" cy="0"/>
+          <a:chOff x="0" y="0"/>
+          <a:chExt cx="0" cy="0"/>
+        </a:xfrm>
+      </p:grpSpPr>
+      <p:sp>
+        <p:nvSpPr>
+          <p:cNvPr id="2" name="Título 1">
+            <a:extLst>
+              <a:ext uri="{FF2B5EF4-FFF2-40B4-BE49-F238E27FC236}">
                 <a16:creationId xmlns:a16="http://schemas.microsoft.com/office/drawing/2014/main" id="{A8485180-9441-B495-E912-C7A78A4A251E}"/>
               </a:ext>
             </a:extLst>
@@ -4413,6 +4630,48 @@
           </a:p>
         </p:txBody>
       </p:sp>
+      <p:sp>
+        <p:nvSpPr>
+          <p:cNvPr id="3" name="Marcador de Posição do Número do Diapositivo 2">
+            <a:extLst>
+              <a:ext uri="{FF2B5EF4-FFF2-40B4-BE49-F238E27FC236}">
+                <a16:creationId xmlns:a16="http://schemas.microsoft.com/office/drawing/2014/main" id="{82CD84DF-44A4-336D-CCA8-3C7D35122B30}"/>
+              </a:ext>
+            </a:extLst>
+          </p:cNvPr>
+          <p:cNvSpPr>
+            <a:spLocks noGrp="1"/>
+          </p:cNvSpPr>
+          <p:nvPr>
+            <p:ph type="sldNum" sz="quarter" idx="12"/>
+          </p:nvPr>
+        </p:nvSpPr>
+        <p:spPr/>
+        <p:txBody>
+          <a:bodyPr/>
+          <a:lstStyle/>
+          <a:p>
+            <a:fld id="{91727942-0F31-8246-9E69-0AE29DBBE5E4}" type="slidenum">
+              <a:rPr lang="en-US" smtClean="0">
+                <a:solidFill>
+                  <a:prstClr val="black">
+                    <a:tint val="75000"/>
+                  </a:prstClr>
+                </a:solidFill>
+              </a:rPr>
+              <a:pPr/>
+              <a:t>11</a:t>
+            </a:fld>
+            <a:endParaRPr lang="en-US">
+              <a:solidFill>
+                <a:prstClr val="black">
+                  <a:tint val="75000"/>
+                </a:prstClr>
+              </a:solidFill>
+            </a:endParaRPr>
+          </a:p>
+        </p:txBody>
+      </p:sp>
     </p:spTree>
     <p:extLst>
       <p:ext uri="{BB962C8B-B14F-4D97-AF65-F5344CB8AC3E}">
@@ -4426,7 +4685,7 @@
 </p:sld>
 </file>
 
-<file path=ppt/slides/slide11.xml><?xml version="1.0" encoding="utf-8"?>
+<file path=ppt/slides/slide12.xml><?xml version="1.0" encoding="utf-8"?>
 <p:sld xmlns:a="http://schemas.openxmlformats.org/drawingml/2006/main" xmlns:r="http://schemas.openxmlformats.org/officeDocument/2006/relationships" xmlns:p="http://schemas.openxmlformats.org/presentationml/2006/main">
   <p:cSld>
     <p:spTree>
@@ -6943,543 +7202,52 @@
           </a:p>
         </p:txBody>
       </p:sp>
+      <p:sp>
+        <p:nvSpPr>
+          <p:cNvPr id="21" name="Marcador de Posição do Número do Diapositivo 20">
+            <a:extLst>
+              <a:ext uri="{FF2B5EF4-FFF2-40B4-BE49-F238E27FC236}">
+                <a16:creationId xmlns:a16="http://schemas.microsoft.com/office/drawing/2014/main" id="{6203BA5D-C52C-5835-B82C-78E331969F76}"/>
+              </a:ext>
+            </a:extLst>
+          </p:cNvPr>
+          <p:cNvSpPr>
+            <a:spLocks noGrp="1"/>
+          </p:cNvSpPr>
+          <p:nvPr>
+            <p:ph type="sldNum" sz="quarter" idx="12"/>
+          </p:nvPr>
+        </p:nvSpPr>
+        <p:spPr/>
+        <p:txBody>
+          <a:bodyPr/>
+          <a:lstStyle/>
+          <a:p>
+            <a:fld id="{91727942-0F31-8246-9E69-0AE29DBBE5E4}" type="slidenum">
+              <a:rPr lang="en-US" smtClean="0">
+                <a:solidFill>
+                  <a:prstClr val="black">
+                    <a:tint val="75000"/>
+                  </a:prstClr>
+                </a:solidFill>
+              </a:rPr>
+              <a:pPr/>
+              <a:t>12</a:t>
+            </a:fld>
+            <a:endParaRPr lang="en-US">
+              <a:solidFill>
+                <a:prstClr val="black">
+                  <a:tint val="75000"/>
+                </a:prstClr>
+              </a:solidFill>
+            </a:endParaRPr>
+          </a:p>
+        </p:txBody>
+      </p:sp>
     </p:spTree>
     <p:extLst>
       <p:ext uri="{BB962C8B-B14F-4D97-AF65-F5344CB8AC3E}">
         <p14:creationId xmlns:p14="http://schemas.microsoft.com/office/powerpoint/2010/main" val="2381588700"/>
-      </p:ext>
-    </p:extLst>
-  </p:cSld>
-  <p:clrMapOvr>
-    <a:masterClrMapping/>
-  </p:clrMapOvr>
-</p:sld>
-</file>
-
-<file path=ppt/slides/slide12.xml><?xml version="1.0" encoding="utf-8"?>
-<p:sld xmlns:a="http://schemas.openxmlformats.org/drawingml/2006/main" xmlns:r="http://schemas.openxmlformats.org/officeDocument/2006/relationships" xmlns:p="http://schemas.openxmlformats.org/presentationml/2006/main">
-  <p:cSld>
-    <p:spTree>
-      <p:nvGrpSpPr>
-        <p:cNvPr id="1" name=""/>
-        <p:cNvGrpSpPr/>
-        <p:nvPr/>
-      </p:nvGrpSpPr>
-      <p:grpSpPr>
-        <a:xfrm>
-          <a:off x="0" y="0"/>
-          <a:ext cx="0" cy="0"/>
-          <a:chOff x="0" y="0"/>
-          <a:chExt cx="0" cy="0"/>
-        </a:xfrm>
-      </p:grpSpPr>
-      <p:sp>
-        <p:nvSpPr>
-          <p:cNvPr id="2" name="Título 1"/>
-          <p:cNvSpPr>
-            <a:spLocks noGrp="1"/>
-          </p:cNvSpPr>
-          <p:nvPr>
-            <p:ph type="title"/>
-          </p:nvPr>
-        </p:nvSpPr>
-        <p:spPr/>
-        <p:txBody>
-          <a:bodyPr>
-            <a:normAutofit fontScale="90000"/>
-          </a:bodyPr>
-          <a:lstStyle/>
-          <a:p>
-            <a:r>
-              <a:rPr lang="en-GB" dirty="0"/>
-              <a:t>Results of the Exact Method</a:t>
-            </a:r>
-          </a:p>
-        </p:txBody>
-      </p:sp>
-      <p:sp>
-        <p:nvSpPr>
-          <p:cNvPr id="3" name="Marcador de Posição de Conteúdo 2"/>
-          <p:cNvSpPr>
-            <a:spLocks noGrp="1"/>
-          </p:cNvSpPr>
-          <p:nvPr>
-            <p:ph idx="1"/>
-          </p:nvPr>
-        </p:nvSpPr>
-        <p:spPr>
-          <a:xfrm>
-            <a:off x="457200" y="1844825"/>
-            <a:ext cx="8229600" cy="3096343"/>
-          </a:xfrm>
-        </p:spPr>
-        <p:txBody>
-          <a:bodyPr/>
-          <a:lstStyle/>
-          <a:p>
-            <a:r>
-              <a:rPr lang="pt-PT" dirty="0" err="1"/>
-              <a:t>Delmaire</a:t>
-            </a:r>
-            <a:r>
-              <a:rPr lang="pt-PT" dirty="0"/>
-              <a:t> (52 OS out </a:t>
-            </a:r>
-            <a:r>
-              <a:rPr lang="pt-PT" dirty="0" err="1"/>
-              <a:t>of</a:t>
-            </a:r>
-            <a:r>
-              <a:rPr lang="pt-PT" dirty="0"/>
-              <a:t> 57)</a:t>
-            </a:r>
-          </a:p>
-          <a:p>
-            <a:r>
-              <a:rPr lang="pt-PT" dirty="0" err="1"/>
-              <a:t>Holmberg</a:t>
-            </a:r>
-            <a:r>
-              <a:rPr lang="pt-PT" dirty="0"/>
-              <a:t> (71 OS out </a:t>
-            </a:r>
-            <a:r>
-              <a:rPr lang="pt-PT" dirty="0" err="1"/>
-              <a:t>of</a:t>
-            </a:r>
-            <a:r>
-              <a:rPr lang="pt-PT" dirty="0"/>
-              <a:t> 71)</a:t>
-            </a:r>
-          </a:p>
-          <a:p>
-            <a:r>
-              <a:rPr lang="pt-PT" dirty="0"/>
-              <a:t>OR-</a:t>
-            </a:r>
-            <a:r>
-              <a:rPr lang="pt-PT" dirty="0" err="1"/>
-              <a:t>Library</a:t>
-            </a:r>
-            <a:r>
-              <a:rPr lang="pt-PT" dirty="0"/>
-              <a:t> (9 OS out </a:t>
-            </a:r>
-            <a:r>
-              <a:rPr lang="pt-PT" dirty="0" err="1"/>
-              <a:t>of</a:t>
-            </a:r>
-            <a:r>
-              <a:rPr lang="pt-PT" dirty="0"/>
-              <a:t> </a:t>
-            </a:r>
-            <a:r>
-              <a:rPr lang="pt-PT" u="sng" dirty="0"/>
-              <a:t>36</a:t>
-            </a:r>
-            <a:r>
-              <a:rPr lang="pt-PT" dirty="0"/>
-              <a:t>)</a:t>
-            </a:r>
-          </a:p>
-          <a:p>
-            <a:r>
-              <a:rPr lang="pt-PT" dirty="0"/>
-              <a:t>Yang (9 OS out </a:t>
-            </a:r>
-            <a:r>
-              <a:rPr lang="pt-PT" dirty="0" err="1"/>
-              <a:t>of</a:t>
-            </a:r>
-            <a:r>
-              <a:rPr lang="pt-PT" dirty="0"/>
-              <a:t> 20)</a:t>
-            </a:r>
-          </a:p>
-          <a:p>
-            <a:r>
-              <a:rPr lang="pt-PT" dirty="0"/>
-              <a:t>TBED1 (0 OS out </a:t>
-            </a:r>
-            <a:r>
-              <a:rPr lang="pt-PT" dirty="0" err="1"/>
-              <a:t>of</a:t>
-            </a:r>
-            <a:r>
-              <a:rPr lang="pt-PT" dirty="0"/>
-              <a:t> 60)</a:t>
-            </a:r>
-          </a:p>
-        </p:txBody>
-      </p:sp>
-      <p:sp>
-        <p:nvSpPr>
-          <p:cNvPr id="4" name="CaixaDeTexto 1"/>
-          <p:cNvSpPr txBox="1">
-            <a:spLocks noChangeArrowheads="1"/>
-          </p:cNvSpPr>
-          <p:nvPr/>
-        </p:nvSpPr>
-        <p:spPr bwMode="auto">
-          <a:xfrm>
-            <a:off x="6228184" y="6309320"/>
-            <a:ext cx="2387228" cy="461665"/>
-          </a:xfrm>
-          <a:prstGeom prst="rect">
-            <a:avLst/>
-          </a:prstGeom>
-          <a:noFill/>
-          <a:ln>
-            <a:noFill/>
-          </a:ln>
-          <a:extLst>
-            <a:ext uri="{909E8E84-426E-40DD-AFC4-6F175D3DCCD1}">
-              <a14:hiddenFill xmlns:a14="http://schemas.microsoft.com/office/drawing/2010/main">
-                <a:solidFill>
-                  <a:srgbClr val="FFFFFF"/>
-                </a:solidFill>
-              </a14:hiddenFill>
-            </a:ext>
-            <a:ext uri="{91240B29-F687-4F45-9708-019B960494DF}">
-              <a14:hiddenLine xmlns:a14="http://schemas.microsoft.com/office/drawing/2010/main" w="9525">
-                <a:solidFill>
-                  <a:srgbClr val="000000"/>
-                </a:solidFill>
-                <a:miter lim="800000"/>
-                <a:headEnd/>
-                <a:tailEnd/>
-              </a14:hiddenLine>
-            </a:ext>
-          </a:extLst>
-        </p:spPr>
-        <p:txBody>
-          <a:bodyPr wrap="square">
-            <a:spAutoFit/>
-          </a:bodyPr>
-          <a:lstStyle>
-            <a:lvl1pPr>
-              <a:defRPr>
-                <a:solidFill>
-                  <a:schemeClr val="tx1"/>
-                </a:solidFill>
-                <a:latin typeface="Calibri" panose="020F0502020204030204" pitchFamily="34" charset="0"/>
-              </a:defRPr>
-            </a:lvl1pPr>
-            <a:lvl2pPr marL="742950" indent="-285750">
-              <a:defRPr>
-                <a:solidFill>
-                  <a:schemeClr val="tx1"/>
-                </a:solidFill>
-                <a:latin typeface="Calibri" panose="020F0502020204030204" pitchFamily="34" charset="0"/>
-              </a:defRPr>
-            </a:lvl2pPr>
-            <a:lvl3pPr marL="1143000" indent="-228600">
-              <a:defRPr>
-                <a:solidFill>
-                  <a:schemeClr val="tx1"/>
-                </a:solidFill>
-                <a:latin typeface="Calibri" panose="020F0502020204030204" pitchFamily="34" charset="0"/>
-              </a:defRPr>
-            </a:lvl3pPr>
-            <a:lvl4pPr marL="1600200" indent="-228600">
-              <a:defRPr>
-                <a:solidFill>
-                  <a:schemeClr val="tx1"/>
-                </a:solidFill>
-                <a:latin typeface="Calibri" panose="020F0502020204030204" pitchFamily="34" charset="0"/>
-              </a:defRPr>
-            </a:lvl4pPr>
-            <a:lvl5pPr marL="2057400" indent="-228600">
-              <a:defRPr>
-                <a:solidFill>
-                  <a:schemeClr val="tx1"/>
-                </a:solidFill>
-                <a:latin typeface="Calibri" panose="020F0502020204030204" pitchFamily="34" charset="0"/>
-              </a:defRPr>
-            </a:lvl5pPr>
-            <a:lvl6pPr marL="2514600" indent="-228600" defTabSz="457200" fontAlgn="base">
-              <a:spcBef>
-                <a:spcPct val="0"/>
-              </a:spcBef>
-              <a:spcAft>
-                <a:spcPct val="0"/>
-              </a:spcAft>
-              <a:defRPr>
-                <a:solidFill>
-                  <a:schemeClr val="tx1"/>
-                </a:solidFill>
-                <a:latin typeface="Calibri" panose="020F0502020204030204" pitchFamily="34" charset="0"/>
-              </a:defRPr>
-            </a:lvl6pPr>
-            <a:lvl7pPr marL="2971800" indent="-228600" defTabSz="457200" fontAlgn="base">
-              <a:spcBef>
-                <a:spcPct val="0"/>
-              </a:spcBef>
-              <a:spcAft>
-                <a:spcPct val="0"/>
-              </a:spcAft>
-              <a:defRPr>
-                <a:solidFill>
-                  <a:schemeClr val="tx1"/>
-                </a:solidFill>
-                <a:latin typeface="Calibri" panose="020F0502020204030204" pitchFamily="34" charset="0"/>
-              </a:defRPr>
-            </a:lvl7pPr>
-            <a:lvl8pPr marL="3429000" indent="-228600" defTabSz="457200" fontAlgn="base">
-              <a:spcBef>
-                <a:spcPct val="0"/>
-              </a:spcBef>
-              <a:spcAft>
-                <a:spcPct val="0"/>
-              </a:spcAft>
-              <a:defRPr>
-                <a:solidFill>
-                  <a:schemeClr val="tx1"/>
-                </a:solidFill>
-                <a:latin typeface="Calibri" panose="020F0502020204030204" pitchFamily="34" charset="0"/>
-              </a:defRPr>
-            </a:lvl8pPr>
-            <a:lvl9pPr marL="3886200" indent="-228600" defTabSz="457200" fontAlgn="base">
-              <a:spcBef>
-                <a:spcPct val="0"/>
-              </a:spcBef>
-              <a:spcAft>
-                <a:spcPct val="0"/>
-              </a:spcAft>
-              <a:defRPr>
-                <a:solidFill>
-                  <a:schemeClr val="tx1"/>
-                </a:solidFill>
-                <a:latin typeface="Calibri" panose="020F0502020204030204" pitchFamily="34" charset="0"/>
-              </a:defRPr>
-            </a:lvl9pPr>
-          </a:lstStyle>
-          <a:p>
-            <a:r>
-              <a:rPr lang="pt-PT" sz="1200" dirty="0">
-                <a:latin typeface="Porto Sans Light" panose="00000400000000000000" pitchFamily="50" charset="0"/>
-              </a:rPr>
-              <a:t>João Silva | Olavo Alves | Luís Silva</a:t>
-            </a:r>
-          </a:p>
-          <a:p>
-            <a:pPr eaLnBrk="1" hangingPunct="1"/>
-            <a:endParaRPr lang="pt-PT" altLang="pt-PT" sz="1200" dirty="0">
-              <a:latin typeface="Porto Sans Light" panose="00000400000000000000" pitchFamily="50" charset="0"/>
-            </a:endParaRPr>
-          </a:p>
-        </p:txBody>
-      </p:sp>
-      <p:sp>
-        <p:nvSpPr>
-          <p:cNvPr id="5" name="CaixaDeTexto 2"/>
-          <p:cNvSpPr txBox="1">
-            <a:spLocks noChangeArrowheads="1"/>
-          </p:cNvSpPr>
-          <p:nvPr/>
-        </p:nvSpPr>
-        <p:spPr bwMode="auto">
-          <a:xfrm>
-            <a:off x="462100" y="6309320"/>
-            <a:ext cx="3317812" cy="276999"/>
-          </a:xfrm>
-          <a:prstGeom prst="rect">
-            <a:avLst/>
-          </a:prstGeom>
-          <a:noFill/>
-          <a:ln>
-            <a:noFill/>
-          </a:ln>
-          <a:extLst>
-            <a:ext uri="{909E8E84-426E-40DD-AFC4-6F175D3DCCD1}">
-              <a14:hiddenFill xmlns:a14="http://schemas.microsoft.com/office/drawing/2010/main">
-                <a:solidFill>
-                  <a:srgbClr val="FFFFFF"/>
-                </a:solidFill>
-              </a14:hiddenFill>
-            </a:ext>
-            <a:ext uri="{91240B29-F687-4F45-9708-019B960494DF}">
-              <a14:hiddenLine xmlns:a14="http://schemas.microsoft.com/office/drawing/2010/main" w="9525">
-                <a:solidFill>
-                  <a:srgbClr val="000000"/>
-                </a:solidFill>
-                <a:miter lim="800000"/>
-                <a:headEnd/>
-                <a:tailEnd/>
-              </a14:hiddenLine>
-            </a:ext>
-          </a:extLst>
-        </p:spPr>
-        <p:txBody>
-          <a:bodyPr wrap="square">
-            <a:spAutoFit/>
-          </a:bodyPr>
-          <a:lstStyle>
-            <a:lvl1pPr>
-              <a:defRPr>
-                <a:solidFill>
-                  <a:schemeClr val="tx1"/>
-                </a:solidFill>
-                <a:latin typeface="Calibri" panose="020F0502020204030204" pitchFamily="34" charset="0"/>
-              </a:defRPr>
-            </a:lvl1pPr>
-            <a:lvl2pPr marL="742950" indent="-285750">
-              <a:defRPr>
-                <a:solidFill>
-                  <a:schemeClr val="tx1"/>
-                </a:solidFill>
-                <a:latin typeface="Calibri" panose="020F0502020204030204" pitchFamily="34" charset="0"/>
-              </a:defRPr>
-            </a:lvl2pPr>
-            <a:lvl3pPr marL="1143000" indent="-228600">
-              <a:defRPr>
-                <a:solidFill>
-                  <a:schemeClr val="tx1"/>
-                </a:solidFill>
-                <a:latin typeface="Calibri" panose="020F0502020204030204" pitchFamily="34" charset="0"/>
-              </a:defRPr>
-            </a:lvl3pPr>
-            <a:lvl4pPr marL="1600200" indent="-228600">
-              <a:defRPr>
-                <a:solidFill>
-                  <a:schemeClr val="tx1"/>
-                </a:solidFill>
-                <a:latin typeface="Calibri" panose="020F0502020204030204" pitchFamily="34" charset="0"/>
-              </a:defRPr>
-            </a:lvl4pPr>
-            <a:lvl5pPr marL="2057400" indent="-228600">
-              <a:defRPr>
-                <a:solidFill>
-                  <a:schemeClr val="tx1"/>
-                </a:solidFill>
-                <a:latin typeface="Calibri" panose="020F0502020204030204" pitchFamily="34" charset="0"/>
-              </a:defRPr>
-            </a:lvl5pPr>
-            <a:lvl6pPr marL="2514600" indent="-228600" defTabSz="457200" fontAlgn="base">
-              <a:spcBef>
-                <a:spcPct val="0"/>
-              </a:spcBef>
-              <a:spcAft>
-                <a:spcPct val="0"/>
-              </a:spcAft>
-              <a:defRPr>
-                <a:solidFill>
-                  <a:schemeClr val="tx1"/>
-                </a:solidFill>
-                <a:latin typeface="Calibri" panose="020F0502020204030204" pitchFamily="34" charset="0"/>
-              </a:defRPr>
-            </a:lvl6pPr>
-            <a:lvl7pPr marL="2971800" indent="-228600" defTabSz="457200" fontAlgn="base">
-              <a:spcBef>
-                <a:spcPct val="0"/>
-              </a:spcBef>
-              <a:spcAft>
-                <a:spcPct val="0"/>
-              </a:spcAft>
-              <a:defRPr>
-                <a:solidFill>
-                  <a:schemeClr val="tx1"/>
-                </a:solidFill>
-                <a:latin typeface="Calibri" panose="020F0502020204030204" pitchFamily="34" charset="0"/>
-              </a:defRPr>
-            </a:lvl7pPr>
-            <a:lvl8pPr marL="3429000" indent="-228600" defTabSz="457200" fontAlgn="base">
-              <a:spcBef>
-                <a:spcPct val="0"/>
-              </a:spcBef>
-              <a:spcAft>
-                <a:spcPct val="0"/>
-              </a:spcAft>
-              <a:defRPr>
-                <a:solidFill>
-                  <a:schemeClr val="tx1"/>
-                </a:solidFill>
-                <a:latin typeface="Calibri" panose="020F0502020204030204" pitchFamily="34" charset="0"/>
-              </a:defRPr>
-            </a:lvl8pPr>
-            <a:lvl9pPr marL="3886200" indent="-228600" defTabSz="457200" fontAlgn="base">
-              <a:spcBef>
-                <a:spcPct val="0"/>
-              </a:spcBef>
-              <a:spcAft>
-                <a:spcPct val="0"/>
-              </a:spcAft>
-              <a:defRPr>
-                <a:solidFill>
-                  <a:schemeClr val="tx1"/>
-                </a:solidFill>
-                <a:latin typeface="Calibri" panose="020F0502020204030204" pitchFamily="34" charset="0"/>
-              </a:defRPr>
-            </a:lvl9pPr>
-          </a:lstStyle>
-          <a:p>
-            <a:pPr eaLnBrk="1" hangingPunct="1"/>
-            <a:r>
-              <a:rPr lang="pt-PT" altLang="pt-PT" sz="1200" dirty="0">
-                <a:latin typeface="Porto Sans Light" panose="00000400000000000000" pitchFamily="50" charset="0"/>
-              </a:rPr>
-              <a:t>Óscar Oliveira / Simulação e Otimização (2022/23)</a:t>
-            </a:r>
-          </a:p>
-        </p:txBody>
-      </p:sp>
-      <p:sp>
-        <p:nvSpPr>
-          <p:cNvPr id="6" name="TextBox 5">
-            <a:extLst>
-              <a:ext uri="{FF2B5EF4-FFF2-40B4-BE49-F238E27FC236}">
-                <a16:creationId xmlns:a16="http://schemas.microsoft.com/office/drawing/2014/main" id="{C79ADF5F-C195-05E1-0173-75597FC02C5A}"/>
-              </a:ext>
-            </a:extLst>
-          </p:cNvPr>
-          <p:cNvSpPr txBox="1"/>
-          <p:nvPr/>
-        </p:nvSpPr>
-        <p:spPr>
-          <a:xfrm>
-            <a:off x="457200" y="5302078"/>
-            <a:ext cx="7211144" cy="646331"/>
-          </a:xfrm>
-          <a:prstGeom prst="rect">
-            <a:avLst/>
-          </a:prstGeom>
-          <a:noFill/>
-        </p:spPr>
-        <p:txBody>
-          <a:bodyPr wrap="square" rtlCol="0">
-            <a:spAutoFit/>
-          </a:bodyPr>
-          <a:lstStyle/>
-          <a:p>
-            <a:r>
-              <a:rPr lang="pt-PT" dirty="0"/>
-              <a:t>*OS – </a:t>
-            </a:r>
-            <a:r>
-              <a:rPr lang="en-US" dirty="0"/>
-              <a:t>Optimal Solutions</a:t>
-            </a:r>
-          </a:p>
-          <a:p>
-            <a:r>
-              <a:rPr lang="en-US" dirty="0"/>
-              <a:t>** Optimal Solutions considered when </a:t>
-            </a:r>
-            <a:r>
-              <a:rPr lang="en-US" dirty="0">
-                <a:effectLst/>
-                <a:latin typeface="Arial" panose="020B0604020202020204" pitchFamily="34" charset="0"/>
-              </a:rPr>
-              <a:t>Z-Z* was 0 or ≈0 </a:t>
-            </a:r>
-            <a:endParaRPr lang="en-US" dirty="0"/>
-          </a:p>
-        </p:txBody>
-      </p:sp>
-    </p:spTree>
-    <p:extLst>
-      <p:ext uri="{BB962C8B-B14F-4D97-AF65-F5344CB8AC3E}">
-        <p14:creationId xmlns:p14="http://schemas.microsoft.com/office/powerpoint/2010/main" val="2513354738"/>
       </p:ext>
     </p:extLst>
   </p:cSld>
@@ -7508,10 +7276,513 @@
       </p:grpSpPr>
       <p:sp>
         <p:nvSpPr>
-          <p:cNvPr id="2" name="Título 1">
+          <p:cNvPr id="2" name="Título 1"/>
+          <p:cNvSpPr>
+            <a:spLocks noGrp="1"/>
+          </p:cNvSpPr>
+          <p:nvPr>
+            <p:ph type="title"/>
+          </p:nvPr>
+        </p:nvSpPr>
+        <p:spPr/>
+        <p:txBody>
+          <a:bodyPr>
+            <a:normAutofit fontScale="90000"/>
+          </a:bodyPr>
+          <a:lstStyle/>
+          <a:p>
+            <a:r>
+              <a:rPr lang="en-GB" dirty="0"/>
+              <a:t>Results of the Exact Method</a:t>
+            </a:r>
+          </a:p>
+        </p:txBody>
+      </p:sp>
+      <p:sp>
+        <p:nvSpPr>
+          <p:cNvPr id="3" name="Marcador de Posição de Conteúdo 2"/>
+          <p:cNvSpPr>
+            <a:spLocks noGrp="1"/>
+          </p:cNvSpPr>
+          <p:nvPr>
+            <p:ph idx="1"/>
+          </p:nvPr>
+        </p:nvSpPr>
+        <p:spPr>
+          <a:xfrm>
+            <a:off x="457200" y="1844825"/>
+            <a:ext cx="8229600" cy="3096343"/>
+          </a:xfrm>
+        </p:spPr>
+        <p:txBody>
+          <a:bodyPr/>
+          <a:lstStyle/>
+          <a:p>
+            <a:r>
+              <a:rPr lang="pt-PT" dirty="0" err="1"/>
+              <a:t>Delmaire</a:t>
+            </a:r>
+            <a:r>
+              <a:rPr lang="pt-PT" dirty="0"/>
+              <a:t> (52 OS out </a:t>
+            </a:r>
+            <a:r>
+              <a:rPr lang="pt-PT" dirty="0" err="1"/>
+              <a:t>of</a:t>
+            </a:r>
+            <a:r>
+              <a:rPr lang="pt-PT" dirty="0"/>
+              <a:t> 57)</a:t>
+            </a:r>
+          </a:p>
+          <a:p>
+            <a:r>
+              <a:rPr lang="pt-PT" dirty="0" err="1"/>
+              <a:t>Holmberg</a:t>
+            </a:r>
+            <a:r>
+              <a:rPr lang="pt-PT" dirty="0"/>
+              <a:t> (71 OS out </a:t>
+            </a:r>
+            <a:r>
+              <a:rPr lang="pt-PT" dirty="0" err="1"/>
+              <a:t>of</a:t>
+            </a:r>
+            <a:r>
+              <a:rPr lang="pt-PT" dirty="0"/>
+              <a:t> 71)</a:t>
+            </a:r>
+          </a:p>
+          <a:p>
+            <a:r>
+              <a:rPr lang="pt-PT" dirty="0"/>
+              <a:t>OR-</a:t>
+            </a:r>
+            <a:r>
+              <a:rPr lang="pt-PT" dirty="0" err="1"/>
+              <a:t>Library</a:t>
+            </a:r>
+            <a:r>
+              <a:rPr lang="pt-PT" dirty="0"/>
+              <a:t> (9 OS out </a:t>
+            </a:r>
+            <a:r>
+              <a:rPr lang="pt-PT" dirty="0" err="1"/>
+              <a:t>of</a:t>
+            </a:r>
+            <a:r>
+              <a:rPr lang="pt-PT" dirty="0"/>
+              <a:t> </a:t>
+            </a:r>
+            <a:r>
+              <a:rPr lang="pt-PT" u="sng" dirty="0"/>
+              <a:t>36</a:t>
+            </a:r>
+            <a:r>
+              <a:rPr lang="pt-PT" dirty="0"/>
+              <a:t>)</a:t>
+            </a:r>
+          </a:p>
+          <a:p>
+            <a:r>
+              <a:rPr lang="pt-PT" dirty="0"/>
+              <a:t>Yang (9 OS out </a:t>
+            </a:r>
+            <a:r>
+              <a:rPr lang="pt-PT" dirty="0" err="1"/>
+              <a:t>of</a:t>
+            </a:r>
+            <a:r>
+              <a:rPr lang="pt-PT" dirty="0"/>
+              <a:t> 20)</a:t>
+            </a:r>
+          </a:p>
+          <a:p>
+            <a:r>
+              <a:rPr lang="pt-PT" dirty="0"/>
+              <a:t>TBED1 (0 OS out </a:t>
+            </a:r>
+            <a:r>
+              <a:rPr lang="pt-PT" dirty="0" err="1"/>
+              <a:t>of</a:t>
+            </a:r>
+            <a:r>
+              <a:rPr lang="pt-PT" dirty="0"/>
+              <a:t> 60)</a:t>
+            </a:r>
+          </a:p>
+        </p:txBody>
+      </p:sp>
+      <p:sp>
+        <p:nvSpPr>
+          <p:cNvPr id="4" name="CaixaDeTexto 1"/>
+          <p:cNvSpPr txBox="1">
+            <a:spLocks noChangeArrowheads="1"/>
+          </p:cNvSpPr>
+          <p:nvPr/>
+        </p:nvSpPr>
+        <p:spPr bwMode="auto">
+          <a:xfrm>
+            <a:off x="6228184" y="6309320"/>
+            <a:ext cx="2387228" cy="461665"/>
+          </a:xfrm>
+          <a:prstGeom prst="rect">
+            <a:avLst/>
+          </a:prstGeom>
+          <a:noFill/>
+          <a:ln>
+            <a:noFill/>
+          </a:ln>
+          <a:extLst>
+            <a:ext uri="{909E8E84-426E-40DD-AFC4-6F175D3DCCD1}">
+              <a14:hiddenFill xmlns:a14="http://schemas.microsoft.com/office/drawing/2010/main">
+                <a:solidFill>
+                  <a:srgbClr val="FFFFFF"/>
+                </a:solidFill>
+              </a14:hiddenFill>
+            </a:ext>
+            <a:ext uri="{91240B29-F687-4F45-9708-019B960494DF}">
+              <a14:hiddenLine xmlns:a14="http://schemas.microsoft.com/office/drawing/2010/main" w="9525">
+                <a:solidFill>
+                  <a:srgbClr val="000000"/>
+                </a:solidFill>
+                <a:miter lim="800000"/>
+                <a:headEnd/>
+                <a:tailEnd/>
+              </a14:hiddenLine>
+            </a:ext>
+          </a:extLst>
+        </p:spPr>
+        <p:txBody>
+          <a:bodyPr wrap="square">
+            <a:spAutoFit/>
+          </a:bodyPr>
+          <a:lstStyle>
+            <a:lvl1pPr>
+              <a:defRPr>
+                <a:solidFill>
+                  <a:schemeClr val="tx1"/>
+                </a:solidFill>
+                <a:latin typeface="Calibri" panose="020F0502020204030204" pitchFamily="34" charset="0"/>
+              </a:defRPr>
+            </a:lvl1pPr>
+            <a:lvl2pPr marL="742950" indent="-285750">
+              <a:defRPr>
+                <a:solidFill>
+                  <a:schemeClr val="tx1"/>
+                </a:solidFill>
+                <a:latin typeface="Calibri" panose="020F0502020204030204" pitchFamily="34" charset="0"/>
+              </a:defRPr>
+            </a:lvl2pPr>
+            <a:lvl3pPr marL="1143000" indent="-228600">
+              <a:defRPr>
+                <a:solidFill>
+                  <a:schemeClr val="tx1"/>
+                </a:solidFill>
+                <a:latin typeface="Calibri" panose="020F0502020204030204" pitchFamily="34" charset="0"/>
+              </a:defRPr>
+            </a:lvl3pPr>
+            <a:lvl4pPr marL="1600200" indent="-228600">
+              <a:defRPr>
+                <a:solidFill>
+                  <a:schemeClr val="tx1"/>
+                </a:solidFill>
+                <a:latin typeface="Calibri" panose="020F0502020204030204" pitchFamily="34" charset="0"/>
+              </a:defRPr>
+            </a:lvl4pPr>
+            <a:lvl5pPr marL="2057400" indent="-228600">
+              <a:defRPr>
+                <a:solidFill>
+                  <a:schemeClr val="tx1"/>
+                </a:solidFill>
+                <a:latin typeface="Calibri" panose="020F0502020204030204" pitchFamily="34" charset="0"/>
+              </a:defRPr>
+            </a:lvl5pPr>
+            <a:lvl6pPr marL="2514600" indent="-228600" defTabSz="457200" fontAlgn="base">
+              <a:spcBef>
+                <a:spcPct val="0"/>
+              </a:spcBef>
+              <a:spcAft>
+                <a:spcPct val="0"/>
+              </a:spcAft>
+              <a:defRPr>
+                <a:solidFill>
+                  <a:schemeClr val="tx1"/>
+                </a:solidFill>
+                <a:latin typeface="Calibri" panose="020F0502020204030204" pitchFamily="34" charset="0"/>
+              </a:defRPr>
+            </a:lvl6pPr>
+            <a:lvl7pPr marL="2971800" indent="-228600" defTabSz="457200" fontAlgn="base">
+              <a:spcBef>
+                <a:spcPct val="0"/>
+              </a:spcBef>
+              <a:spcAft>
+                <a:spcPct val="0"/>
+              </a:spcAft>
+              <a:defRPr>
+                <a:solidFill>
+                  <a:schemeClr val="tx1"/>
+                </a:solidFill>
+                <a:latin typeface="Calibri" panose="020F0502020204030204" pitchFamily="34" charset="0"/>
+              </a:defRPr>
+            </a:lvl7pPr>
+            <a:lvl8pPr marL="3429000" indent="-228600" defTabSz="457200" fontAlgn="base">
+              <a:spcBef>
+                <a:spcPct val="0"/>
+              </a:spcBef>
+              <a:spcAft>
+                <a:spcPct val="0"/>
+              </a:spcAft>
+              <a:defRPr>
+                <a:solidFill>
+                  <a:schemeClr val="tx1"/>
+                </a:solidFill>
+                <a:latin typeface="Calibri" panose="020F0502020204030204" pitchFamily="34" charset="0"/>
+              </a:defRPr>
+            </a:lvl8pPr>
+            <a:lvl9pPr marL="3886200" indent="-228600" defTabSz="457200" fontAlgn="base">
+              <a:spcBef>
+                <a:spcPct val="0"/>
+              </a:spcBef>
+              <a:spcAft>
+                <a:spcPct val="0"/>
+              </a:spcAft>
+              <a:defRPr>
+                <a:solidFill>
+                  <a:schemeClr val="tx1"/>
+                </a:solidFill>
+                <a:latin typeface="Calibri" panose="020F0502020204030204" pitchFamily="34" charset="0"/>
+              </a:defRPr>
+            </a:lvl9pPr>
+          </a:lstStyle>
+          <a:p>
+            <a:r>
+              <a:rPr lang="pt-PT" sz="1200" dirty="0">
+                <a:latin typeface="Porto Sans Light" panose="00000400000000000000" pitchFamily="50" charset="0"/>
+              </a:rPr>
+              <a:t>João Silva | Olavo Alves | Luís Silva</a:t>
+            </a:r>
+          </a:p>
+          <a:p>
+            <a:pPr eaLnBrk="1" hangingPunct="1"/>
+            <a:endParaRPr lang="pt-PT" altLang="pt-PT" sz="1200" dirty="0">
+              <a:latin typeface="Porto Sans Light" panose="00000400000000000000" pitchFamily="50" charset="0"/>
+            </a:endParaRPr>
+          </a:p>
+        </p:txBody>
+      </p:sp>
+      <p:sp>
+        <p:nvSpPr>
+          <p:cNvPr id="5" name="CaixaDeTexto 2"/>
+          <p:cNvSpPr txBox="1">
+            <a:spLocks noChangeArrowheads="1"/>
+          </p:cNvSpPr>
+          <p:nvPr/>
+        </p:nvSpPr>
+        <p:spPr bwMode="auto">
+          <a:xfrm>
+            <a:off x="462100" y="6309320"/>
+            <a:ext cx="3317812" cy="276999"/>
+          </a:xfrm>
+          <a:prstGeom prst="rect">
+            <a:avLst/>
+          </a:prstGeom>
+          <a:noFill/>
+          <a:ln>
+            <a:noFill/>
+          </a:ln>
+          <a:extLst>
+            <a:ext uri="{909E8E84-426E-40DD-AFC4-6F175D3DCCD1}">
+              <a14:hiddenFill xmlns:a14="http://schemas.microsoft.com/office/drawing/2010/main">
+                <a:solidFill>
+                  <a:srgbClr val="FFFFFF"/>
+                </a:solidFill>
+              </a14:hiddenFill>
+            </a:ext>
+            <a:ext uri="{91240B29-F687-4F45-9708-019B960494DF}">
+              <a14:hiddenLine xmlns:a14="http://schemas.microsoft.com/office/drawing/2010/main" w="9525">
+                <a:solidFill>
+                  <a:srgbClr val="000000"/>
+                </a:solidFill>
+                <a:miter lim="800000"/>
+                <a:headEnd/>
+                <a:tailEnd/>
+              </a14:hiddenLine>
+            </a:ext>
+          </a:extLst>
+        </p:spPr>
+        <p:txBody>
+          <a:bodyPr wrap="square">
+            <a:spAutoFit/>
+          </a:bodyPr>
+          <a:lstStyle>
+            <a:lvl1pPr>
+              <a:defRPr>
+                <a:solidFill>
+                  <a:schemeClr val="tx1"/>
+                </a:solidFill>
+                <a:latin typeface="Calibri" panose="020F0502020204030204" pitchFamily="34" charset="0"/>
+              </a:defRPr>
+            </a:lvl1pPr>
+            <a:lvl2pPr marL="742950" indent="-285750">
+              <a:defRPr>
+                <a:solidFill>
+                  <a:schemeClr val="tx1"/>
+                </a:solidFill>
+                <a:latin typeface="Calibri" panose="020F0502020204030204" pitchFamily="34" charset="0"/>
+              </a:defRPr>
+            </a:lvl2pPr>
+            <a:lvl3pPr marL="1143000" indent="-228600">
+              <a:defRPr>
+                <a:solidFill>
+                  <a:schemeClr val="tx1"/>
+                </a:solidFill>
+                <a:latin typeface="Calibri" panose="020F0502020204030204" pitchFamily="34" charset="0"/>
+              </a:defRPr>
+            </a:lvl3pPr>
+            <a:lvl4pPr marL="1600200" indent="-228600">
+              <a:defRPr>
+                <a:solidFill>
+                  <a:schemeClr val="tx1"/>
+                </a:solidFill>
+                <a:latin typeface="Calibri" panose="020F0502020204030204" pitchFamily="34" charset="0"/>
+              </a:defRPr>
+            </a:lvl4pPr>
+            <a:lvl5pPr marL="2057400" indent="-228600">
+              <a:defRPr>
+                <a:solidFill>
+                  <a:schemeClr val="tx1"/>
+                </a:solidFill>
+                <a:latin typeface="Calibri" panose="020F0502020204030204" pitchFamily="34" charset="0"/>
+              </a:defRPr>
+            </a:lvl5pPr>
+            <a:lvl6pPr marL="2514600" indent="-228600" defTabSz="457200" fontAlgn="base">
+              <a:spcBef>
+                <a:spcPct val="0"/>
+              </a:spcBef>
+              <a:spcAft>
+                <a:spcPct val="0"/>
+              </a:spcAft>
+              <a:defRPr>
+                <a:solidFill>
+                  <a:schemeClr val="tx1"/>
+                </a:solidFill>
+                <a:latin typeface="Calibri" panose="020F0502020204030204" pitchFamily="34" charset="0"/>
+              </a:defRPr>
+            </a:lvl6pPr>
+            <a:lvl7pPr marL="2971800" indent="-228600" defTabSz="457200" fontAlgn="base">
+              <a:spcBef>
+                <a:spcPct val="0"/>
+              </a:spcBef>
+              <a:spcAft>
+                <a:spcPct val="0"/>
+              </a:spcAft>
+              <a:defRPr>
+                <a:solidFill>
+                  <a:schemeClr val="tx1"/>
+                </a:solidFill>
+                <a:latin typeface="Calibri" panose="020F0502020204030204" pitchFamily="34" charset="0"/>
+              </a:defRPr>
+            </a:lvl7pPr>
+            <a:lvl8pPr marL="3429000" indent="-228600" defTabSz="457200" fontAlgn="base">
+              <a:spcBef>
+                <a:spcPct val="0"/>
+              </a:spcBef>
+              <a:spcAft>
+                <a:spcPct val="0"/>
+              </a:spcAft>
+              <a:defRPr>
+                <a:solidFill>
+                  <a:schemeClr val="tx1"/>
+                </a:solidFill>
+                <a:latin typeface="Calibri" panose="020F0502020204030204" pitchFamily="34" charset="0"/>
+              </a:defRPr>
+            </a:lvl8pPr>
+            <a:lvl9pPr marL="3886200" indent="-228600" defTabSz="457200" fontAlgn="base">
+              <a:spcBef>
+                <a:spcPct val="0"/>
+              </a:spcBef>
+              <a:spcAft>
+                <a:spcPct val="0"/>
+              </a:spcAft>
+              <a:defRPr>
+                <a:solidFill>
+                  <a:schemeClr val="tx1"/>
+                </a:solidFill>
+                <a:latin typeface="Calibri" panose="020F0502020204030204" pitchFamily="34" charset="0"/>
+              </a:defRPr>
+            </a:lvl9pPr>
+          </a:lstStyle>
+          <a:p>
+            <a:pPr eaLnBrk="1" hangingPunct="1"/>
+            <a:r>
+              <a:rPr lang="pt-PT" altLang="pt-PT" sz="1200" dirty="0">
+                <a:latin typeface="Porto Sans Light" panose="00000400000000000000" pitchFamily="50" charset="0"/>
+              </a:rPr>
+              <a:t>Óscar Oliveira / Simulação e Otimização (2022/23)</a:t>
+            </a:r>
+          </a:p>
+        </p:txBody>
+      </p:sp>
+      <p:sp>
+        <p:nvSpPr>
+          <p:cNvPr id="6" name="TextBox 5">
             <a:extLst>
               <a:ext uri="{FF2B5EF4-FFF2-40B4-BE49-F238E27FC236}">
-                <a16:creationId xmlns:a16="http://schemas.microsoft.com/office/drawing/2014/main" id="{04E4B5AE-7F82-3BFF-C656-BDBEBAC95271}"/>
+                <a16:creationId xmlns:a16="http://schemas.microsoft.com/office/drawing/2014/main" id="{C79ADF5F-C195-05E1-0173-75597FC02C5A}"/>
+              </a:ext>
+            </a:extLst>
+          </p:cNvPr>
+          <p:cNvSpPr txBox="1"/>
+          <p:nvPr/>
+        </p:nvSpPr>
+        <p:spPr>
+          <a:xfrm>
+            <a:off x="457200" y="5302078"/>
+            <a:ext cx="7211144" cy="646331"/>
+          </a:xfrm>
+          <a:prstGeom prst="rect">
+            <a:avLst/>
+          </a:prstGeom>
+          <a:noFill/>
+        </p:spPr>
+        <p:txBody>
+          <a:bodyPr wrap="square" rtlCol="0">
+            <a:spAutoFit/>
+          </a:bodyPr>
+          <a:lstStyle/>
+          <a:p>
+            <a:r>
+              <a:rPr lang="pt-PT" dirty="0"/>
+              <a:t>*OS – </a:t>
+            </a:r>
+            <a:r>
+              <a:rPr lang="en-US" dirty="0"/>
+              <a:t>Optimal Solutions</a:t>
+            </a:r>
+          </a:p>
+          <a:p>
+            <a:r>
+              <a:rPr lang="en-US" dirty="0"/>
+              <a:t>** Optimal Solutions considered when </a:t>
+            </a:r>
+            <a:r>
+              <a:rPr lang="en-US" dirty="0">
+                <a:effectLst/>
+                <a:latin typeface="Arial" panose="020B0604020202020204" pitchFamily="34" charset="0"/>
+              </a:rPr>
+              <a:t>Z-Z* was 0 or ≈0 </a:t>
+            </a:r>
+            <a:endParaRPr lang="en-US" dirty="0"/>
+          </a:p>
+        </p:txBody>
+      </p:sp>
+      <p:sp>
+        <p:nvSpPr>
+          <p:cNvPr id="7" name="Marcador de Posição do Número do Diapositivo 6">
+            <a:extLst>
+              <a:ext uri="{FF2B5EF4-FFF2-40B4-BE49-F238E27FC236}">
+                <a16:creationId xmlns:a16="http://schemas.microsoft.com/office/drawing/2014/main" id="{FB385335-AA4B-F77D-A9FA-757E54E2C532}"/>
               </a:ext>
             </a:extLst>
           </p:cNvPr>
@@ -7519,395 +7790,39 @@
             <a:spLocks noGrp="1"/>
           </p:cNvSpPr>
           <p:nvPr>
-            <p:ph type="title"/>
+            <p:ph type="sldNum" sz="quarter" idx="12"/>
           </p:nvPr>
         </p:nvSpPr>
         <p:spPr/>
         <p:txBody>
-          <a:bodyPr>
-            <a:normAutofit fontScale="90000"/>
-          </a:bodyPr>
+          <a:bodyPr/>
           <a:lstStyle/>
           <a:p>
-            <a:r>
-              <a:rPr lang="pt-PT" dirty="0" err="1"/>
-              <a:t>Results</a:t>
-            </a:r>
-            <a:r>
-              <a:rPr lang="pt-PT" dirty="0"/>
-              <a:t> </a:t>
-            </a:r>
-            <a:r>
-              <a:rPr lang="pt-PT" dirty="0" err="1"/>
-              <a:t>of</a:t>
-            </a:r>
-            <a:r>
-              <a:rPr lang="pt-PT" dirty="0"/>
-              <a:t> </a:t>
-            </a:r>
-            <a:r>
-              <a:rPr lang="pt-PT" dirty="0" err="1"/>
-              <a:t>the</a:t>
-            </a:r>
-            <a:r>
-              <a:rPr lang="pt-PT" dirty="0"/>
-              <a:t> </a:t>
-            </a:r>
-            <a:r>
-              <a:rPr lang="pt-PT" dirty="0" err="1"/>
-              <a:t>Heuristic</a:t>
-            </a:r>
-            <a:r>
-              <a:rPr lang="pt-PT" dirty="0"/>
-              <a:t> </a:t>
-            </a:r>
-            <a:r>
-              <a:rPr lang="pt-PT" dirty="0" err="1"/>
-              <a:t>Constructive</a:t>
-            </a:r>
-            <a:endParaRPr lang="pt-PT" dirty="0"/>
-          </a:p>
-        </p:txBody>
-      </p:sp>
-      <p:sp>
-        <p:nvSpPr>
-          <p:cNvPr id="3" name="Marcador de Posição de Conteúdo 2">
-            <a:extLst>
-              <a:ext uri="{FF2B5EF4-FFF2-40B4-BE49-F238E27FC236}">
-                <a16:creationId xmlns:a16="http://schemas.microsoft.com/office/drawing/2014/main" id="{D0EE71FC-D94D-00ED-191F-1FA4CC307E9B}"/>
-              </a:ext>
-            </a:extLst>
-          </p:cNvPr>
-          <p:cNvSpPr>
-            <a:spLocks noGrp="1"/>
-          </p:cNvSpPr>
-          <p:nvPr>
-            <p:ph idx="1"/>
-          </p:nvPr>
-        </p:nvSpPr>
-        <p:spPr/>
-        <p:txBody>
-          <a:bodyPr>
-            <a:normAutofit fontScale="55000" lnSpcReduction="20000"/>
-          </a:bodyPr>
-          <a:lstStyle/>
-          <a:p>
-            <a:r>
-              <a:rPr lang="pt-PT" dirty="0" err="1"/>
-              <a:t>Delmaire</a:t>
-            </a:r>
-            <a:r>
-              <a:rPr lang="pt-PT" dirty="0"/>
-              <a:t>:</a:t>
-            </a:r>
-          </a:p>
-          <a:p>
-            <a:pPr lvl="1"/>
-            <a:r>
-              <a:rPr lang="pt-PT" dirty="0"/>
-              <a:t>Gap - </a:t>
-            </a:r>
-            <a:r>
-              <a:rPr lang="pt-PT" dirty="0" err="1"/>
-              <a:t>between</a:t>
-            </a:r>
-            <a:r>
-              <a:rPr lang="pt-PT" dirty="0"/>
-              <a:t> 6.853 </a:t>
-            </a:r>
-            <a:r>
-              <a:rPr lang="pt-PT" dirty="0" err="1"/>
-              <a:t>and</a:t>
-            </a:r>
-            <a:r>
-              <a:rPr lang="pt-PT" dirty="0"/>
-              <a:t> 69.391</a:t>
-            </a:r>
-          </a:p>
-          <a:p>
-            <a:pPr lvl="1"/>
-            <a:r>
-              <a:rPr lang="pt-PT" dirty="0"/>
-              <a:t>Time - </a:t>
-            </a:r>
-            <a:r>
-              <a:rPr lang="pt-PT" dirty="0" err="1"/>
-              <a:t>between</a:t>
-            </a:r>
-            <a:r>
-              <a:rPr lang="pt-PT" dirty="0"/>
-              <a:t> 0.147 </a:t>
-            </a:r>
-            <a:r>
-              <a:rPr lang="pt-PT" dirty="0" err="1"/>
-              <a:t>and</a:t>
-            </a:r>
-            <a:r>
-              <a:rPr lang="pt-PT" dirty="0"/>
-              <a:t> 0.962</a:t>
-            </a:r>
-          </a:p>
-          <a:p>
-            <a:r>
-              <a:rPr lang="pt-PT" dirty="0" err="1"/>
-              <a:t>Holmberg</a:t>
-            </a:r>
-            <a:r>
-              <a:rPr lang="pt-PT" dirty="0"/>
-              <a:t>:</a:t>
-            </a:r>
-          </a:p>
-          <a:p>
-            <a:pPr lvl="1"/>
-            <a:r>
-              <a:rPr lang="pt-PT" dirty="0"/>
-              <a:t>Gap - </a:t>
-            </a:r>
-            <a:r>
-              <a:rPr lang="pt-PT" dirty="0" err="1"/>
-              <a:t>between</a:t>
-            </a:r>
-            <a:r>
-              <a:rPr lang="pt-PT" dirty="0"/>
-              <a:t> 40.570 </a:t>
-            </a:r>
-            <a:r>
-              <a:rPr lang="pt-PT" dirty="0" err="1"/>
-              <a:t>and</a:t>
-            </a:r>
-            <a:r>
-              <a:rPr lang="pt-PT" dirty="0"/>
-              <a:t> 967.445</a:t>
-            </a:r>
-          </a:p>
-          <a:p>
-            <a:pPr lvl="1"/>
-            <a:r>
-              <a:rPr lang="pt-PT" dirty="0"/>
-              <a:t>Time - </a:t>
-            </a:r>
-            <a:r>
-              <a:rPr lang="pt-PT" dirty="0" err="1"/>
-              <a:t>between</a:t>
-            </a:r>
-            <a:r>
-              <a:rPr lang="pt-PT" dirty="0"/>
-              <a:t> 0.386 </a:t>
-            </a:r>
-            <a:r>
-              <a:rPr lang="pt-PT" dirty="0" err="1"/>
-              <a:t>and</a:t>
-            </a:r>
-            <a:r>
-              <a:rPr lang="pt-PT" dirty="0"/>
-              <a:t> 2.273</a:t>
-            </a:r>
-          </a:p>
-          <a:p>
-            <a:r>
-              <a:rPr lang="pt-PT" dirty="0"/>
-              <a:t>OR-</a:t>
-            </a:r>
-            <a:r>
-              <a:rPr lang="pt-PT" dirty="0" err="1"/>
-              <a:t>Library</a:t>
-            </a:r>
-            <a:r>
-              <a:rPr lang="pt-PT" dirty="0"/>
-              <a:t> (9 OS out </a:t>
-            </a:r>
-            <a:r>
-              <a:rPr lang="pt-PT" dirty="0" err="1"/>
-              <a:t>of</a:t>
-            </a:r>
-            <a:r>
-              <a:rPr lang="pt-PT" dirty="0"/>
-              <a:t> </a:t>
-            </a:r>
-            <a:r>
-              <a:rPr lang="pt-PT" u="sng" dirty="0"/>
-              <a:t>36</a:t>
-            </a:r>
-            <a:r>
-              <a:rPr lang="pt-PT" dirty="0"/>
-              <a:t>)</a:t>
-            </a:r>
-          </a:p>
-          <a:p>
-            <a:pPr lvl="1"/>
-            <a:r>
-              <a:rPr lang="pt-PT" dirty="0"/>
-              <a:t>Gap - </a:t>
-            </a:r>
-            <a:r>
-              <a:rPr lang="pt-PT" dirty="0" err="1"/>
-              <a:t>between</a:t>
-            </a:r>
-            <a:r>
-              <a:rPr lang="pt-PT" dirty="0"/>
-              <a:t> 20.596 </a:t>
-            </a:r>
-            <a:r>
-              <a:rPr lang="pt-PT" dirty="0" err="1"/>
-              <a:t>and</a:t>
-            </a:r>
-            <a:r>
-              <a:rPr lang="pt-PT" dirty="0"/>
-              <a:t> 197.881</a:t>
-            </a:r>
-          </a:p>
-          <a:p>
-            <a:pPr lvl="1"/>
-            <a:r>
-              <a:rPr lang="pt-PT" dirty="0"/>
-              <a:t>Time - </a:t>
-            </a:r>
-            <a:r>
-              <a:rPr lang="pt-PT" dirty="0" err="1"/>
-              <a:t>between</a:t>
-            </a:r>
-            <a:r>
-              <a:rPr lang="pt-PT" dirty="0"/>
-              <a:t> 0.151 </a:t>
-            </a:r>
-            <a:r>
-              <a:rPr lang="pt-PT" dirty="0" err="1"/>
-              <a:t>and</a:t>
-            </a:r>
-            <a:r>
-              <a:rPr lang="pt-PT" dirty="0"/>
-              <a:t> 38.465</a:t>
-            </a:r>
-          </a:p>
-          <a:p>
-            <a:r>
-              <a:rPr lang="pt-PT" dirty="0"/>
-              <a:t>Yang (9 OS out </a:t>
-            </a:r>
-            <a:r>
-              <a:rPr lang="pt-PT" dirty="0" err="1"/>
-              <a:t>of</a:t>
-            </a:r>
-            <a:r>
-              <a:rPr lang="pt-PT" dirty="0"/>
-              <a:t> 20)</a:t>
-            </a:r>
-          </a:p>
-          <a:p>
-            <a:pPr lvl="1"/>
-            <a:r>
-              <a:rPr lang="pt-PT" dirty="0"/>
-              <a:t>Gap - </a:t>
-            </a:r>
-            <a:r>
-              <a:rPr lang="pt-PT" dirty="0" err="1"/>
-              <a:t>between</a:t>
-            </a:r>
-            <a:r>
-              <a:rPr lang="pt-PT" dirty="0"/>
-              <a:t> 47.066 </a:t>
-            </a:r>
-            <a:r>
-              <a:rPr lang="pt-PT" dirty="0" err="1"/>
-              <a:t>and</a:t>
-            </a:r>
-            <a:r>
-              <a:rPr lang="pt-PT" dirty="0"/>
-              <a:t> 87.332</a:t>
-            </a:r>
-          </a:p>
-          <a:p>
-            <a:pPr lvl="1"/>
-            <a:r>
-              <a:rPr lang="pt-PT" dirty="0"/>
-              <a:t>Time - </a:t>
-            </a:r>
-            <a:r>
-              <a:rPr lang="pt-PT" dirty="0" err="1"/>
-              <a:t>between</a:t>
-            </a:r>
-            <a:r>
-              <a:rPr lang="pt-PT" dirty="0"/>
-              <a:t> 1.459 </a:t>
-            </a:r>
-            <a:r>
-              <a:rPr lang="pt-PT" dirty="0" err="1"/>
-              <a:t>and</a:t>
-            </a:r>
-            <a:r>
-              <a:rPr lang="pt-PT" dirty="0"/>
-              <a:t> 6.131</a:t>
-            </a:r>
-          </a:p>
-          <a:p>
-            <a:r>
-              <a:rPr lang="pt-PT" dirty="0"/>
-              <a:t>TBED1 (0 OS out </a:t>
-            </a:r>
-            <a:r>
-              <a:rPr lang="pt-PT" dirty="0" err="1"/>
-              <a:t>of</a:t>
-            </a:r>
-            <a:r>
-              <a:rPr lang="pt-PT" dirty="0"/>
-              <a:t> 60)</a:t>
-            </a:r>
-          </a:p>
-          <a:p>
-            <a:pPr lvl="1"/>
-            <a:r>
-              <a:rPr lang="pt-PT" dirty="0"/>
-              <a:t>Gap - </a:t>
-            </a:r>
-            <a:r>
-              <a:rPr lang="pt-PT" dirty="0" err="1"/>
-              <a:t>between</a:t>
-            </a:r>
-            <a:r>
-              <a:rPr lang="pt-PT" dirty="0"/>
-              <a:t> 138.103 </a:t>
-            </a:r>
-            <a:r>
-              <a:rPr lang="pt-PT" dirty="0" err="1"/>
-              <a:t>and</a:t>
-            </a:r>
-            <a:r>
-              <a:rPr lang="pt-PT" dirty="0"/>
-              <a:t> 935.264</a:t>
-            </a:r>
-          </a:p>
-          <a:p>
-            <a:pPr lvl="1"/>
-            <a:r>
-              <a:rPr lang="pt-PT" dirty="0"/>
-              <a:t>Time - </a:t>
-            </a:r>
-            <a:r>
-              <a:rPr lang="pt-PT" dirty="0" err="1"/>
-              <a:t>between</a:t>
-            </a:r>
-            <a:r>
-              <a:rPr lang="pt-PT" dirty="0"/>
-              <a:t> 3.461 </a:t>
-            </a:r>
-            <a:r>
-              <a:rPr lang="pt-PT" dirty="0" err="1"/>
-              <a:t>and</a:t>
-            </a:r>
-            <a:r>
-              <a:rPr lang="pt-PT" dirty="0"/>
-              <a:t> 335.711 </a:t>
-            </a:r>
-          </a:p>
-          <a:p>
-            <a:endParaRPr lang="pt-PT" dirty="0"/>
+            <a:fld id="{91727942-0F31-8246-9E69-0AE29DBBE5E4}" type="slidenum">
+              <a:rPr lang="en-US" smtClean="0">
+                <a:solidFill>
+                  <a:prstClr val="black">
+                    <a:tint val="75000"/>
+                  </a:prstClr>
+                </a:solidFill>
+              </a:rPr>
+              <a:pPr/>
+              <a:t>13</a:t>
+            </a:fld>
+            <a:endParaRPr lang="en-US">
+              <a:solidFill>
+                <a:prstClr val="black">
+                  <a:tint val="75000"/>
+                </a:prstClr>
+              </a:solidFill>
+            </a:endParaRPr>
           </a:p>
         </p:txBody>
       </p:sp>
     </p:spTree>
     <p:extLst>
       <p:ext uri="{BB962C8B-B14F-4D97-AF65-F5344CB8AC3E}">
-        <p14:creationId xmlns:p14="http://schemas.microsoft.com/office/powerpoint/2010/main" val="2921815347"/>
+        <p14:creationId xmlns:p14="http://schemas.microsoft.com/office/powerpoint/2010/main" val="2513354738"/>
       </p:ext>
     </p:extLst>
   </p:cSld>
@@ -7979,16 +7894,21 @@
             </a:r>
             <a:r>
               <a:rPr lang="pt-PT" dirty="0"/>
-              <a:t> Local </a:t>
-            </a:r>
-            <a:r>
-              <a:rPr lang="pt-PT" dirty="0" err="1"/>
-              <a:t>Search</a:t>
-            </a:r>
-            <a:r>
-              <a:rPr lang="pt-PT" dirty="0"/>
-              <a:t> Shift</a:t>
-            </a:r>
+              <a:t> </a:t>
+            </a:r>
+            <a:r>
+              <a:rPr lang="pt-PT" dirty="0" err="1"/>
+              <a:t>Heuristic</a:t>
+            </a:r>
+            <a:r>
+              <a:rPr lang="pt-PT" dirty="0"/>
+              <a:t> </a:t>
+            </a:r>
+            <a:r>
+              <a:rPr lang="pt-PT" dirty="0" err="1"/>
+              <a:t>Constructive</a:t>
+            </a:r>
+            <a:endParaRPr lang="pt-PT" dirty="0"/>
           </a:p>
         </p:txBody>
       </p:sp>
@@ -8028,7 +7948,7 @@
             <a:pPr lvl="1"/>
             <a:r>
               <a:rPr lang="pt-PT" dirty="0"/>
-              <a:t>Gap - </a:t>
+              <a:t>Gap </a:t>
             </a:r>
             <a:r>
               <a:rPr lang="pt-PT" dirty="0" err="1"/>
@@ -8036,7 +7956,7 @@
             </a:r>
             <a:r>
               <a:rPr lang="pt-PT" dirty="0"/>
-              <a:t> 5.949 </a:t>
+              <a:t> 6.853 </a:t>
             </a:r>
             <a:r>
               <a:rPr lang="pt-PT" dirty="0" err="1"/>
@@ -8044,14 +7964,30 @@
             </a:r>
             <a:r>
               <a:rPr lang="pt-PT" dirty="0"/>
-              <a:t> 49.677</a:t>
+              <a:t> 69.391 – </a:t>
+            </a:r>
+            <a:r>
+              <a:rPr lang="pt-PT" dirty="0" err="1"/>
+              <a:t>Mean</a:t>
+            </a:r>
+            <a:r>
+              <a:rPr lang="pt-PT" dirty="0"/>
+              <a:t> 29.442</a:t>
             </a:r>
           </a:p>
           <a:p>
             <a:pPr lvl="1"/>
             <a:r>
               <a:rPr lang="pt-PT" dirty="0"/>
-              <a:t>Time - </a:t>
+              <a:t>Time(</a:t>
+            </a:r>
+            <a:r>
+              <a:rPr lang="pt-PT" dirty="0" err="1"/>
+              <a:t>ms</a:t>
+            </a:r>
+            <a:r>
+              <a:rPr lang="pt-PT" dirty="0"/>
+              <a:t>) </a:t>
             </a:r>
             <a:r>
               <a:rPr lang="pt-PT" dirty="0" err="1"/>
@@ -8059,7 +7995,7 @@
             </a:r>
             <a:r>
               <a:rPr lang="pt-PT" dirty="0"/>
-              <a:t> 0.049 </a:t>
+              <a:t> 0.147 </a:t>
             </a:r>
             <a:r>
               <a:rPr lang="pt-PT" dirty="0" err="1"/>
@@ -8067,7 +8003,15 @@
             </a:r>
             <a:r>
               <a:rPr lang="pt-PT" dirty="0"/>
-              <a:t> 0.427</a:t>
+              <a:t> 0.962 – </a:t>
+            </a:r>
+            <a:r>
+              <a:rPr lang="pt-PT" dirty="0" err="1"/>
+              <a:t>Mean</a:t>
+            </a:r>
+            <a:r>
+              <a:rPr lang="pt-PT" dirty="0"/>
+              <a:t> 0.433</a:t>
             </a:r>
           </a:p>
           <a:p>
@@ -8084,7 +8028,7 @@
             <a:pPr lvl="1"/>
             <a:r>
               <a:rPr lang="pt-PT" dirty="0"/>
-              <a:t>Gap - </a:t>
+              <a:t>Gap </a:t>
             </a:r>
             <a:r>
               <a:rPr lang="pt-PT" dirty="0" err="1"/>
@@ -8092,7 +8036,7 @@
             </a:r>
             <a:r>
               <a:rPr lang="pt-PT" dirty="0"/>
-              <a:t> 38.231 </a:t>
+              <a:t> 40.570 </a:t>
             </a:r>
             <a:r>
               <a:rPr lang="pt-PT" dirty="0" err="1"/>
@@ -8100,14 +8044,30 @@
             </a:r>
             <a:r>
               <a:rPr lang="pt-PT" dirty="0"/>
-              <a:t> 967.445</a:t>
+              <a:t> 967.445 – </a:t>
+            </a:r>
+            <a:r>
+              <a:rPr lang="pt-PT" dirty="0" err="1"/>
+              <a:t>Mean</a:t>
+            </a:r>
+            <a:r>
+              <a:rPr lang="pt-PT" dirty="0"/>
+              <a:t> 275.177</a:t>
             </a:r>
           </a:p>
           <a:p>
             <a:pPr lvl="1"/>
             <a:r>
               <a:rPr lang="pt-PT" dirty="0"/>
-              <a:t>Time - </a:t>
+              <a:t>Time(</a:t>
+            </a:r>
+            <a:r>
+              <a:rPr lang="pt-PT" dirty="0" err="1"/>
+              <a:t>ms</a:t>
+            </a:r>
+            <a:r>
+              <a:rPr lang="pt-PT" dirty="0"/>
+              <a:t>) </a:t>
             </a:r>
             <a:r>
               <a:rPr lang="pt-PT" dirty="0" err="1"/>
@@ -8115,7 +8075,7 @@
             </a:r>
             <a:r>
               <a:rPr lang="pt-PT" dirty="0"/>
-              <a:t> 0.070 </a:t>
+              <a:t> 0.386 </a:t>
             </a:r>
             <a:r>
               <a:rPr lang="pt-PT" dirty="0" err="1"/>
@@ -8123,7 +8083,15 @@
             </a:r>
             <a:r>
               <a:rPr lang="pt-PT" dirty="0"/>
-              <a:t> 1.045</a:t>
+              <a:t> 2.273 – </a:t>
+            </a:r>
+            <a:r>
+              <a:rPr lang="pt-PT" dirty="0" err="1"/>
+              <a:t>Mean</a:t>
+            </a:r>
+            <a:r>
+              <a:rPr lang="pt-PT" dirty="0"/>
+              <a:t> 0.857</a:t>
             </a:r>
           </a:p>
           <a:p>
@@ -8160,7 +8128,7 @@
             <a:pPr lvl="1"/>
             <a:r>
               <a:rPr lang="pt-PT" dirty="0"/>
-              <a:t>Gap - </a:t>
+              <a:t>Gap </a:t>
             </a:r>
             <a:r>
               <a:rPr lang="pt-PT" dirty="0" err="1"/>
@@ -8176,14 +8144,30 @@
             </a:r>
             <a:r>
               <a:rPr lang="pt-PT" dirty="0"/>
-              <a:t> 181.168</a:t>
+              <a:t> 197.881 – </a:t>
+            </a:r>
+            <a:r>
+              <a:rPr lang="pt-PT" dirty="0" err="1"/>
+              <a:t>Mean</a:t>
+            </a:r>
+            <a:r>
+              <a:rPr lang="pt-PT" dirty="0"/>
+              <a:t> 98.012</a:t>
             </a:r>
           </a:p>
           <a:p>
             <a:pPr lvl="1"/>
             <a:r>
               <a:rPr lang="pt-PT" dirty="0"/>
-              <a:t>Time - </a:t>
+              <a:t>Time(</a:t>
+            </a:r>
+            <a:r>
+              <a:rPr lang="pt-PT" dirty="0" err="1"/>
+              <a:t>ms</a:t>
+            </a:r>
+            <a:r>
+              <a:rPr lang="pt-PT" dirty="0"/>
+              <a:t>) </a:t>
             </a:r>
             <a:r>
               <a:rPr lang="pt-PT" dirty="0" err="1"/>
@@ -8191,7 +8175,7 @@
             </a:r>
             <a:r>
               <a:rPr lang="pt-PT" dirty="0"/>
-              <a:t> 0.071 </a:t>
+              <a:t> 0.151 </a:t>
             </a:r>
             <a:r>
               <a:rPr lang="pt-PT" dirty="0" err="1"/>
@@ -8199,7 +8183,15 @@
             </a:r>
             <a:r>
               <a:rPr lang="pt-PT" dirty="0"/>
-              <a:t> 11.022</a:t>
+              <a:t> 38.465 – </a:t>
+            </a:r>
+            <a:r>
+              <a:rPr lang="pt-PT" dirty="0" err="1"/>
+              <a:t>Mean</a:t>
+            </a:r>
+            <a:r>
+              <a:rPr lang="pt-PT" dirty="0"/>
+              <a:t> 7.848</a:t>
             </a:r>
           </a:p>
           <a:p>
@@ -8220,7 +8212,7 @@
             <a:pPr lvl="1"/>
             <a:r>
               <a:rPr lang="pt-PT" dirty="0"/>
-              <a:t>Gap - </a:t>
+              <a:t>Gap </a:t>
             </a:r>
             <a:r>
               <a:rPr lang="pt-PT" dirty="0" err="1"/>
@@ -8228,7 +8220,7 @@
             </a:r>
             <a:r>
               <a:rPr lang="pt-PT" dirty="0"/>
-              <a:t> 32.868 </a:t>
+              <a:t> 47.066 </a:t>
             </a:r>
             <a:r>
               <a:rPr lang="pt-PT" dirty="0" err="1"/>
@@ -8236,14 +8228,30 @@
             </a:r>
             <a:r>
               <a:rPr lang="pt-PT" dirty="0"/>
-              <a:t> 70.159</a:t>
+              <a:t> 87.332 – </a:t>
+            </a:r>
+            <a:r>
+              <a:rPr lang="pt-PT" dirty="0" err="1"/>
+              <a:t>Mean</a:t>
+            </a:r>
+            <a:r>
+              <a:rPr lang="pt-PT" dirty="0"/>
+              <a:t> 63.852</a:t>
             </a:r>
           </a:p>
           <a:p>
             <a:pPr lvl="1"/>
             <a:r>
               <a:rPr lang="pt-PT" dirty="0"/>
-              <a:t>Time - </a:t>
+              <a:t>Time(</a:t>
+            </a:r>
+            <a:r>
+              <a:rPr lang="pt-PT" dirty="0" err="1"/>
+              <a:t>ms</a:t>
+            </a:r>
+            <a:r>
+              <a:rPr lang="pt-PT" dirty="0"/>
+              <a:t>) </a:t>
             </a:r>
             <a:r>
               <a:rPr lang="pt-PT" dirty="0" err="1"/>
@@ -8251,7 +8259,7 @@
             </a:r>
             <a:r>
               <a:rPr lang="pt-PT" dirty="0"/>
-              <a:t> 0.571 </a:t>
+              <a:t> 1.459 </a:t>
             </a:r>
             <a:r>
               <a:rPr lang="pt-PT" dirty="0" err="1"/>
@@ -8259,7 +8267,15 @@
             </a:r>
             <a:r>
               <a:rPr lang="pt-PT" dirty="0"/>
-              <a:t> 2.791</a:t>
+              <a:t> 6.131 – </a:t>
+            </a:r>
+            <a:r>
+              <a:rPr lang="pt-PT" dirty="0" err="1"/>
+              <a:t>Mean</a:t>
+            </a:r>
+            <a:r>
+              <a:rPr lang="pt-PT" dirty="0"/>
+              <a:t> 2.978</a:t>
             </a:r>
           </a:p>
           <a:p>
@@ -8280,7 +8296,7 @@
             <a:pPr lvl="1"/>
             <a:r>
               <a:rPr lang="pt-PT" dirty="0"/>
-              <a:t>Gap - </a:t>
+              <a:t>Gap </a:t>
             </a:r>
             <a:r>
               <a:rPr lang="pt-PT" dirty="0" err="1"/>
@@ -8288,7 +8304,7 @@
             </a:r>
             <a:r>
               <a:rPr lang="pt-PT" dirty="0"/>
-              <a:t> 103.657 </a:t>
+              <a:t> 138.103 </a:t>
             </a:r>
             <a:r>
               <a:rPr lang="pt-PT" dirty="0" err="1"/>
@@ -8296,14 +8312,30 @@
             </a:r>
             <a:r>
               <a:rPr lang="pt-PT" dirty="0"/>
-              <a:t> 891.159</a:t>
+              <a:t> 935.264 – </a:t>
+            </a:r>
+            <a:r>
+              <a:rPr lang="pt-PT" dirty="0" err="1"/>
+              <a:t>Mean</a:t>
+            </a:r>
+            <a:r>
+              <a:rPr lang="pt-PT" dirty="0"/>
+              <a:t> 394.944</a:t>
             </a:r>
           </a:p>
           <a:p>
             <a:pPr lvl="1"/>
             <a:r>
               <a:rPr lang="pt-PT" dirty="0"/>
-              <a:t>Time - </a:t>
+              <a:t>Time(</a:t>
+            </a:r>
+            <a:r>
+              <a:rPr lang="pt-PT" dirty="0" err="1"/>
+              <a:t>ms</a:t>
+            </a:r>
+            <a:r>
+              <a:rPr lang="pt-PT" dirty="0"/>
+              <a:t>) </a:t>
             </a:r>
             <a:r>
               <a:rPr lang="pt-PT" dirty="0" err="1"/>
@@ -8311,7 +8343,7 @@
             </a:r>
             <a:r>
               <a:rPr lang="pt-PT" dirty="0"/>
-              <a:t> 103.051 </a:t>
+              <a:t> 3.461 </a:t>
             </a:r>
             <a:r>
               <a:rPr lang="pt-PT" dirty="0" err="1"/>
@@ -8319,18 +8351,68 @@
             </a:r>
             <a:r>
               <a:rPr lang="pt-PT" dirty="0"/>
-              <a:t> 4.188</a:t>
+              <a:t> 335.711 – </a:t>
+            </a:r>
+            <a:r>
+              <a:rPr lang="pt-PT" dirty="0" err="1"/>
+              <a:t>Mean</a:t>
+            </a:r>
+            <a:r>
+              <a:rPr lang="pt-PT" dirty="0"/>
+              <a:t> 81.912</a:t>
             </a:r>
           </a:p>
           <a:p>
             <a:endParaRPr lang="pt-PT" dirty="0"/>
+          </a:p>
+        </p:txBody>
+      </p:sp>
+      <p:sp>
+        <p:nvSpPr>
+          <p:cNvPr id="4" name="Marcador de Posição do Número do Diapositivo 3">
+            <a:extLst>
+              <a:ext uri="{FF2B5EF4-FFF2-40B4-BE49-F238E27FC236}">
+                <a16:creationId xmlns:a16="http://schemas.microsoft.com/office/drawing/2014/main" id="{5234237C-0714-42F0-5C55-34F5A85336EE}"/>
+              </a:ext>
+            </a:extLst>
+          </p:cNvPr>
+          <p:cNvSpPr>
+            <a:spLocks noGrp="1"/>
+          </p:cNvSpPr>
+          <p:nvPr>
+            <p:ph type="sldNum" sz="quarter" idx="12"/>
+          </p:nvPr>
+        </p:nvSpPr>
+        <p:spPr/>
+        <p:txBody>
+          <a:bodyPr/>
+          <a:lstStyle/>
+          <a:p>
+            <a:fld id="{91727942-0F31-8246-9E69-0AE29DBBE5E4}" type="slidenum">
+              <a:rPr lang="en-US" smtClean="0">
+                <a:solidFill>
+                  <a:prstClr val="black">
+                    <a:tint val="75000"/>
+                  </a:prstClr>
+                </a:solidFill>
+              </a:rPr>
+              <a:pPr/>
+              <a:t>14</a:t>
+            </a:fld>
+            <a:endParaRPr lang="en-US">
+              <a:solidFill>
+                <a:prstClr val="black">
+                  <a:tint val="75000"/>
+                </a:prstClr>
+              </a:solidFill>
+            </a:endParaRPr>
           </a:p>
         </p:txBody>
       </p:sp>
     </p:spTree>
     <p:extLst>
       <p:ext uri="{BB962C8B-B14F-4D97-AF65-F5344CB8AC3E}">
-        <p14:creationId xmlns:p14="http://schemas.microsoft.com/office/powerpoint/2010/main" val="2908959682"/>
+        <p14:creationId xmlns:p14="http://schemas.microsoft.com/office/powerpoint/2010/main" val="2921815347"/>
       </p:ext>
     </p:extLst>
   </p:cSld>
@@ -8410,13 +8492,8 @@
             </a:r>
             <a:r>
               <a:rPr lang="pt-PT" dirty="0"/>
-              <a:t> </a:t>
-            </a:r>
-            <a:r>
-              <a:rPr lang="pt-PT" dirty="0" err="1"/>
-              <a:t>Swap</a:t>
-            </a:r>
-            <a:endParaRPr lang="pt-PT" dirty="0"/>
+              <a:t> Shift</a:t>
+            </a:r>
           </a:p>
         </p:txBody>
       </p:sp>
@@ -8456,7 +8533,7 @@
             <a:pPr lvl="1"/>
             <a:r>
               <a:rPr lang="pt-PT" dirty="0"/>
-              <a:t>Gap - </a:t>
+              <a:t>Gap </a:t>
             </a:r>
             <a:r>
               <a:rPr lang="pt-PT" dirty="0" err="1"/>
@@ -8464,7 +8541,7 @@
             </a:r>
             <a:r>
               <a:rPr lang="pt-PT" dirty="0"/>
-              <a:t> 2.165 </a:t>
+              <a:t> 5.949 </a:t>
             </a:r>
             <a:r>
               <a:rPr lang="pt-PT" dirty="0" err="1"/>
@@ -8472,14 +8549,30 @@
             </a:r>
             <a:r>
               <a:rPr lang="pt-PT" dirty="0"/>
-              <a:t> 32.991</a:t>
+              <a:t> 49.677 – </a:t>
+            </a:r>
+            <a:r>
+              <a:rPr lang="pt-PT" dirty="0" err="1"/>
+              <a:t>Mean</a:t>
+            </a:r>
+            <a:r>
+              <a:rPr lang="pt-PT" dirty="0"/>
+              <a:t> 20.852</a:t>
             </a:r>
           </a:p>
           <a:p>
             <a:pPr lvl="1"/>
             <a:r>
               <a:rPr lang="pt-PT" dirty="0"/>
-              <a:t>Time - </a:t>
+              <a:t>Time(</a:t>
+            </a:r>
+            <a:r>
+              <a:rPr lang="pt-PT" dirty="0" err="1"/>
+              <a:t>ms</a:t>
+            </a:r>
+            <a:r>
+              <a:rPr lang="pt-PT" dirty="0"/>
+              <a:t>) </a:t>
             </a:r>
             <a:r>
               <a:rPr lang="pt-PT" dirty="0" err="1"/>
@@ -8487,7 +8580,7 @@
             </a:r>
             <a:r>
               <a:rPr lang="pt-PT" dirty="0"/>
-              <a:t> 0.113 </a:t>
+              <a:t> 0.049 </a:t>
             </a:r>
             <a:r>
               <a:rPr lang="pt-PT" dirty="0" err="1"/>
@@ -8495,7 +8588,15 @@
             </a:r>
             <a:r>
               <a:rPr lang="pt-PT" dirty="0"/>
-              <a:t> 17.235</a:t>
+              <a:t> 0.427 – </a:t>
+            </a:r>
+            <a:r>
+              <a:rPr lang="pt-PT" dirty="0" err="1"/>
+              <a:t>Mean</a:t>
+            </a:r>
+            <a:r>
+              <a:rPr lang="pt-PT" dirty="0"/>
+              <a:t> 0.195</a:t>
             </a:r>
           </a:p>
           <a:p>
@@ -8512,7 +8613,7 @@
             <a:pPr lvl="1"/>
             <a:r>
               <a:rPr lang="pt-PT" dirty="0"/>
-              <a:t>Gap - </a:t>
+              <a:t>Gap </a:t>
             </a:r>
             <a:r>
               <a:rPr lang="pt-PT" dirty="0" err="1"/>
@@ -8520,7 +8621,7 @@
             </a:r>
             <a:r>
               <a:rPr lang="pt-PT" dirty="0"/>
-              <a:t> 22.246 </a:t>
+              <a:t> 38.231 </a:t>
             </a:r>
             <a:r>
               <a:rPr lang="pt-PT" dirty="0" err="1"/>
@@ -8528,14 +8629,30 @@
             </a:r>
             <a:r>
               <a:rPr lang="pt-PT" dirty="0"/>
-              <a:t> 796.071</a:t>
+              <a:t> 967.445 – </a:t>
+            </a:r>
+            <a:r>
+              <a:rPr lang="pt-PT" dirty="0" err="1"/>
+              <a:t>Mean</a:t>
+            </a:r>
+            <a:r>
+              <a:rPr lang="pt-PT" dirty="0"/>
+              <a:t> 215.618</a:t>
             </a:r>
           </a:p>
           <a:p>
             <a:pPr lvl="1"/>
             <a:r>
               <a:rPr lang="pt-PT" dirty="0"/>
-              <a:t>Time - </a:t>
+              <a:t>Time(</a:t>
+            </a:r>
+            <a:r>
+              <a:rPr lang="pt-PT" dirty="0" err="1"/>
+              <a:t>ms</a:t>
+            </a:r>
+            <a:r>
+              <a:rPr lang="pt-PT" dirty="0"/>
+              <a:t>) </a:t>
             </a:r>
             <a:r>
               <a:rPr lang="pt-PT" dirty="0" err="1"/>
@@ -8543,7 +8660,7 @@
             </a:r>
             <a:r>
               <a:rPr lang="pt-PT" dirty="0"/>
-              <a:t> 1.184  </a:t>
+              <a:t> 0.070 </a:t>
             </a:r>
             <a:r>
               <a:rPr lang="pt-PT" dirty="0" err="1"/>
@@ -8551,7 +8668,15 @@
             </a:r>
             <a:r>
               <a:rPr lang="pt-PT" dirty="0"/>
-              <a:t> 164.174</a:t>
+              <a:t> 1.045 – </a:t>
+            </a:r>
+            <a:r>
+              <a:rPr lang="pt-PT" dirty="0" err="1"/>
+              <a:t>Mean</a:t>
+            </a:r>
+            <a:r>
+              <a:rPr lang="pt-PT" dirty="0"/>
+              <a:t> 0.376</a:t>
             </a:r>
           </a:p>
           <a:p>
@@ -8588,7 +8713,7 @@
             <a:pPr lvl="1"/>
             <a:r>
               <a:rPr lang="pt-PT" dirty="0"/>
-              <a:t>Gap - </a:t>
+              <a:t>Gap </a:t>
             </a:r>
             <a:r>
               <a:rPr lang="pt-PT" dirty="0" err="1"/>
@@ -8604,14 +8729,30 @@
             </a:r>
             <a:r>
               <a:rPr lang="pt-PT" dirty="0"/>
-              <a:t> 90.992</a:t>
+              <a:t> 181.168 – </a:t>
+            </a:r>
+            <a:r>
+              <a:rPr lang="pt-PT" dirty="0" err="1"/>
+              <a:t>Mean</a:t>
+            </a:r>
+            <a:r>
+              <a:rPr lang="pt-PT" dirty="0"/>
+              <a:t> 77.976</a:t>
             </a:r>
           </a:p>
           <a:p>
             <a:pPr lvl="1"/>
             <a:r>
               <a:rPr lang="pt-PT" dirty="0"/>
-              <a:t>Time - </a:t>
+              <a:t>Time(</a:t>
+            </a:r>
+            <a:r>
+              <a:rPr lang="pt-PT" dirty="0" err="1"/>
+              <a:t>ms</a:t>
+            </a:r>
+            <a:r>
+              <a:rPr lang="pt-PT" dirty="0"/>
+              <a:t>) </a:t>
             </a:r>
             <a:r>
               <a:rPr lang="pt-PT" dirty="0" err="1"/>
@@ -8619,7 +8760,7 @@
             </a:r>
             <a:r>
               <a:rPr lang="pt-PT" dirty="0"/>
-              <a:t>  </a:t>
+              <a:t> 0.071 </a:t>
             </a:r>
             <a:r>
               <a:rPr lang="pt-PT" dirty="0" err="1"/>
@@ -8627,7 +8768,15 @@
             </a:r>
             <a:r>
               <a:rPr lang="pt-PT" dirty="0"/>
-              <a:t> 22156.194</a:t>
+              <a:t> 11.022 – </a:t>
+            </a:r>
+            <a:r>
+              <a:rPr lang="pt-PT" dirty="0" err="1"/>
+              <a:t>Mean</a:t>
+            </a:r>
+            <a:r>
+              <a:rPr lang="pt-PT" dirty="0"/>
+              <a:t> 2.889</a:t>
             </a:r>
           </a:p>
           <a:p>
@@ -8648,7 +8797,7 @@
             <a:pPr lvl="1"/>
             <a:r>
               <a:rPr lang="pt-PT" dirty="0"/>
-              <a:t>Gap - </a:t>
+              <a:t>Gap </a:t>
             </a:r>
             <a:r>
               <a:rPr lang="pt-PT" dirty="0" err="1"/>
@@ -8656,7 +8805,7 @@
             </a:r>
             <a:r>
               <a:rPr lang="pt-PT" dirty="0"/>
-              <a:t> 10.054 </a:t>
+              <a:t> 32.868 </a:t>
             </a:r>
             <a:r>
               <a:rPr lang="pt-PT" dirty="0" err="1"/>
@@ -8664,14 +8813,30 @@
             </a:r>
             <a:r>
               <a:rPr lang="pt-PT" dirty="0"/>
-              <a:t> 29.627</a:t>
+              <a:t> 70.159 – </a:t>
+            </a:r>
+            <a:r>
+              <a:rPr lang="pt-PT" dirty="0" err="1"/>
+              <a:t>Mean</a:t>
+            </a:r>
+            <a:r>
+              <a:rPr lang="pt-PT" dirty="0"/>
+              <a:t> 48.246</a:t>
             </a:r>
           </a:p>
           <a:p>
             <a:pPr lvl="1"/>
             <a:r>
               <a:rPr lang="pt-PT" dirty="0"/>
-              <a:t>Time - </a:t>
+              <a:t>Time(</a:t>
+            </a:r>
+            <a:r>
+              <a:rPr lang="pt-PT" dirty="0" err="1"/>
+              <a:t>ms</a:t>
+            </a:r>
+            <a:r>
+              <a:rPr lang="pt-PT" dirty="0"/>
+              <a:t>) </a:t>
             </a:r>
             <a:r>
               <a:rPr lang="pt-PT" dirty="0" err="1"/>
@@ -8679,7 +8844,7 @@
             </a:r>
             <a:r>
               <a:rPr lang="pt-PT" dirty="0"/>
-              <a:t> 84.428 </a:t>
+              <a:t> 0.571 </a:t>
             </a:r>
             <a:r>
               <a:rPr lang="pt-PT" dirty="0" err="1"/>
@@ -8687,7 +8852,15 @@
             </a:r>
             <a:r>
               <a:rPr lang="pt-PT" dirty="0"/>
-              <a:t> 1029.903</a:t>
+              <a:t> 2.791 – </a:t>
+            </a:r>
+            <a:r>
+              <a:rPr lang="pt-PT" dirty="0" err="1"/>
+              <a:t>Mean</a:t>
+            </a:r>
+            <a:r>
+              <a:rPr lang="pt-PT" dirty="0"/>
+              <a:t> 1.300</a:t>
             </a:r>
           </a:p>
           <a:p>
@@ -8708,7 +8881,7 @@
             <a:pPr lvl="1"/>
             <a:r>
               <a:rPr lang="pt-PT" dirty="0"/>
-              <a:t>Gap - </a:t>
+              <a:t>Gap </a:t>
             </a:r>
             <a:r>
               <a:rPr lang="pt-PT" dirty="0" err="1"/>
@@ -8716,7 +8889,7 @@
             </a:r>
             <a:r>
               <a:rPr lang="pt-PT" dirty="0"/>
-              <a:t> 21.465 </a:t>
+              <a:t> 103.657 </a:t>
             </a:r>
             <a:r>
               <a:rPr lang="pt-PT" dirty="0" err="1"/>
@@ -8724,14 +8897,30 @@
             </a:r>
             <a:r>
               <a:rPr lang="pt-PT" dirty="0"/>
-              <a:t> 486.662</a:t>
+              <a:t> 891.159 – </a:t>
+            </a:r>
+            <a:r>
+              <a:rPr lang="pt-PT" dirty="0" err="1"/>
+              <a:t>Mean</a:t>
+            </a:r>
+            <a:r>
+              <a:rPr lang="pt-PT" dirty="0"/>
+              <a:t> 307.471</a:t>
             </a:r>
           </a:p>
           <a:p>
             <a:pPr lvl="1"/>
             <a:r>
               <a:rPr lang="pt-PT" dirty="0"/>
-              <a:t>Time - </a:t>
+              <a:t>Time(</a:t>
+            </a:r>
+            <a:r>
+              <a:rPr lang="pt-PT" dirty="0" err="1"/>
+              <a:t>ms</a:t>
+            </a:r>
+            <a:r>
+              <a:rPr lang="pt-PT" dirty="0"/>
+              <a:t>) </a:t>
             </a:r>
             <a:r>
               <a:rPr lang="pt-PT" dirty="0" err="1"/>
@@ -8739,7 +8928,7 @@
             </a:r>
             <a:r>
               <a:rPr lang="pt-PT" dirty="0"/>
-              <a:t> 289.036 </a:t>
+              <a:t> 4.188 </a:t>
             </a:r>
             <a:r>
               <a:rPr lang="pt-PT" dirty="0" err="1"/>
@@ -8747,18 +8936,68 @@
             </a:r>
             <a:r>
               <a:rPr lang="pt-PT" dirty="0"/>
-              <a:t> 132175.172</a:t>
+              <a:t> 103.051 – </a:t>
+            </a:r>
+            <a:r>
+              <a:rPr lang="pt-PT" dirty="0" err="1"/>
+              <a:t>Mean</a:t>
+            </a:r>
+            <a:r>
+              <a:rPr lang="pt-PT" dirty="0"/>
+              <a:t> 33.445</a:t>
             </a:r>
           </a:p>
           <a:p>
             <a:endParaRPr lang="pt-PT" dirty="0"/>
+          </a:p>
+        </p:txBody>
+      </p:sp>
+      <p:sp>
+        <p:nvSpPr>
+          <p:cNvPr id="4" name="Marcador de Posição do Número do Diapositivo 3">
+            <a:extLst>
+              <a:ext uri="{FF2B5EF4-FFF2-40B4-BE49-F238E27FC236}">
+                <a16:creationId xmlns:a16="http://schemas.microsoft.com/office/drawing/2014/main" id="{FA48C35D-5771-7FE7-4660-F09925634B31}"/>
+              </a:ext>
+            </a:extLst>
+          </p:cNvPr>
+          <p:cNvSpPr>
+            <a:spLocks noGrp="1"/>
+          </p:cNvSpPr>
+          <p:nvPr>
+            <p:ph type="sldNum" sz="quarter" idx="12"/>
+          </p:nvPr>
+        </p:nvSpPr>
+        <p:spPr/>
+        <p:txBody>
+          <a:bodyPr/>
+          <a:lstStyle/>
+          <a:p>
+            <a:fld id="{91727942-0F31-8246-9E69-0AE29DBBE5E4}" type="slidenum">
+              <a:rPr lang="en-US" smtClean="0">
+                <a:solidFill>
+                  <a:prstClr val="black">
+                    <a:tint val="75000"/>
+                  </a:prstClr>
+                </a:solidFill>
+              </a:rPr>
+              <a:pPr/>
+              <a:t>15</a:t>
+            </a:fld>
+            <a:endParaRPr lang="en-US">
+              <a:solidFill>
+                <a:prstClr val="black">
+                  <a:tint val="75000"/>
+                </a:prstClr>
+              </a:solidFill>
+            </a:endParaRPr>
           </a:p>
         </p:txBody>
       </p:sp>
     </p:spTree>
     <p:extLst>
       <p:ext uri="{BB962C8B-B14F-4D97-AF65-F5344CB8AC3E}">
-        <p14:creationId xmlns:p14="http://schemas.microsoft.com/office/powerpoint/2010/main" val="3048003526"/>
+        <p14:creationId xmlns:p14="http://schemas.microsoft.com/office/powerpoint/2010/main" val="2908959682"/>
       </p:ext>
     </p:extLst>
   </p:cSld>
@@ -8790,7 +9029,7 @@
           <p:cNvPr id="2" name="Título 1">
             <a:extLst>
               <a:ext uri="{FF2B5EF4-FFF2-40B4-BE49-F238E27FC236}">
-                <a16:creationId xmlns:a16="http://schemas.microsoft.com/office/drawing/2014/main" id="{733842DD-E028-2728-5794-61A1920AA9AF}"/>
+                <a16:creationId xmlns:a16="http://schemas.microsoft.com/office/drawing/2014/main" id="{04E4B5AE-7F82-3BFF-C656-BDBEBAC95271}"/>
               </a:ext>
             </a:extLst>
           </p:cNvPr>
@@ -8830,7 +9069,7 @@
             </a:r>
             <a:r>
               <a:rPr lang="pt-PT" dirty="0"/>
-              <a:t> GRASP – Local </a:t>
+              <a:t> Local </a:t>
             </a:r>
             <a:r>
               <a:rPr lang="pt-PT" dirty="0" err="1"/>
@@ -8838,8 +9077,13 @@
             </a:r>
             <a:r>
               <a:rPr lang="pt-PT" dirty="0"/>
-              <a:t> Shift</a:t>
-            </a:r>
+              <a:t> </a:t>
+            </a:r>
+            <a:r>
+              <a:rPr lang="pt-PT" dirty="0" err="1"/>
+              <a:t>Swap</a:t>
+            </a:r>
+            <a:endParaRPr lang="pt-PT" dirty="0"/>
           </a:p>
         </p:txBody>
       </p:sp>
@@ -8848,7 +9092,7 @@
           <p:cNvPr id="3" name="Marcador de Posição de Conteúdo 2">
             <a:extLst>
               <a:ext uri="{FF2B5EF4-FFF2-40B4-BE49-F238E27FC236}">
-                <a16:creationId xmlns:a16="http://schemas.microsoft.com/office/drawing/2014/main" id="{81537AC6-9F9F-4B01-DC13-1FF456F37681}"/>
+                <a16:creationId xmlns:a16="http://schemas.microsoft.com/office/drawing/2014/main" id="{D0EE71FC-D94D-00ED-191F-1FA4CC307E9B}"/>
               </a:ext>
             </a:extLst>
           </p:cNvPr>
@@ -8879,6 +9123,86 @@
             <a:pPr lvl="1"/>
             <a:r>
               <a:rPr lang="pt-PT" dirty="0"/>
+              <a:t>Gap(</a:t>
+            </a:r>
+            <a:r>
+              <a:rPr lang="pt-PT" dirty="0" err="1"/>
+              <a:t>ms</a:t>
+            </a:r>
+            <a:r>
+              <a:rPr lang="pt-PT" dirty="0"/>
+              <a:t>) </a:t>
+            </a:r>
+            <a:r>
+              <a:rPr lang="pt-PT" dirty="0" err="1"/>
+              <a:t>between</a:t>
+            </a:r>
+            <a:r>
+              <a:rPr lang="pt-PT" dirty="0"/>
+              <a:t> 2.165 </a:t>
+            </a:r>
+            <a:r>
+              <a:rPr lang="pt-PT" dirty="0" err="1"/>
+              <a:t>and</a:t>
+            </a:r>
+            <a:r>
+              <a:rPr lang="pt-PT" dirty="0"/>
+              <a:t> 32.991 – </a:t>
+            </a:r>
+            <a:r>
+              <a:rPr lang="pt-PT" dirty="0" err="1"/>
+              <a:t>Mean</a:t>
+            </a:r>
+            <a:r>
+              <a:rPr lang="pt-PT" dirty="0"/>
+              <a:t> 13.307</a:t>
+            </a:r>
+          </a:p>
+          <a:p>
+            <a:pPr lvl="1"/>
+            <a:r>
+              <a:rPr lang="pt-PT" dirty="0"/>
+              <a:t>Time - </a:t>
+            </a:r>
+            <a:r>
+              <a:rPr lang="pt-PT" dirty="0" err="1"/>
+              <a:t>between</a:t>
+            </a:r>
+            <a:r>
+              <a:rPr lang="pt-PT" dirty="0"/>
+              <a:t> 0.113 </a:t>
+            </a:r>
+            <a:r>
+              <a:rPr lang="pt-PT" dirty="0" err="1"/>
+              <a:t>and</a:t>
+            </a:r>
+            <a:r>
+              <a:rPr lang="pt-PT" dirty="0"/>
+              <a:t> 17.235 – </a:t>
+            </a:r>
+            <a:r>
+              <a:rPr lang="pt-PT" dirty="0" err="1"/>
+              <a:t>Mean</a:t>
+            </a:r>
+            <a:r>
+              <a:rPr lang="pt-PT" dirty="0"/>
+              <a:t> 3.505</a:t>
+            </a:r>
+          </a:p>
+          <a:p>
+            <a:r>
+              <a:rPr lang="pt-PT" dirty="0" err="1"/>
+              <a:t>Holmberg</a:t>
+            </a:r>
+            <a:r>
+              <a:rPr lang="pt-PT" dirty="0"/>
+              <a:t>:</a:t>
+            </a:r>
+          </a:p>
+          <a:p>
+            <a:pPr lvl="1"/>
+            <a:r>
+              <a:rPr lang="pt-PT" dirty="0"/>
               <a:t>Gap - </a:t>
             </a:r>
             <a:r>
@@ -8887,7 +9211,7 @@
             </a:r>
             <a:r>
               <a:rPr lang="pt-PT" dirty="0"/>
-              <a:t> 1.398 </a:t>
+              <a:t> 22.246 </a:t>
             </a:r>
             <a:r>
               <a:rPr lang="pt-PT" dirty="0" err="1"/>
@@ -8895,7 +9219,15 @@
             </a:r>
             <a:r>
               <a:rPr lang="pt-PT" dirty="0"/>
-              <a:t> 34.360</a:t>
+              <a:t> 796.071 – </a:t>
+            </a:r>
+            <a:r>
+              <a:rPr lang="pt-PT" dirty="0" err="1"/>
+              <a:t>Mean</a:t>
+            </a:r>
+            <a:r>
+              <a:rPr lang="pt-PT" dirty="0"/>
+              <a:t> 139.359</a:t>
             </a:r>
           </a:p>
           <a:p>
@@ -8910,7 +9242,7 @@
             </a:r>
             <a:r>
               <a:rPr lang="pt-PT" dirty="0"/>
-              <a:t> 0.636 </a:t>
+              <a:t> 1.184  </a:t>
             </a:r>
             <a:r>
               <a:rPr lang="pt-PT" dirty="0" err="1"/>
@@ -8918,63 +9250,15 @@
             </a:r>
             <a:r>
               <a:rPr lang="pt-PT" dirty="0"/>
-              <a:t> 2.566</a:t>
-            </a:r>
-          </a:p>
-          <a:p>
-            <a:r>
-              <a:rPr lang="pt-PT" dirty="0" err="1"/>
-              <a:t>Holmberg</a:t>
-            </a:r>
-            <a:r>
-              <a:rPr lang="pt-PT" dirty="0"/>
-              <a:t>:</a:t>
-            </a:r>
-          </a:p>
-          <a:p>
-            <a:pPr lvl="1"/>
-            <a:r>
-              <a:rPr lang="pt-PT" dirty="0"/>
-              <a:t>Gap - </a:t>
-            </a:r>
-            <a:r>
-              <a:rPr lang="pt-PT" dirty="0" err="1"/>
-              <a:t>between</a:t>
-            </a:r>
-            <a:r>
-              <a:rPr lang="pt-PT" dirty="0"/>
-              <a:t> 2.363 </a:t>
-            </a:r>
-            <a:r>
-              <a:rPr lang="pt-PT" dirty="0" err="1"/>
-              <a:t>and</a:t>
-            </a:r>
-            <a:r>
-              <a:rPr lang="pt-PT" dirty="0"/>
-              <a:t> 113.402</a:t>
-            </a:r>
-          </a:p>
-          <a:p>
-            <a:pPr lvl="1"/>
-            <a:r>
-              <a:rPr lang="pt-PT" dirty="0"/>
-              <a:t>Time - </a:t>
-            </a:r>
-            <a:r>
-              <a:rPr lang="pt-PT" dirty="0" err="1"/>
-              <a:t>between</a:t>
-            </a:r>
-            <a:r>
-              <a:rPr lang="pt-PT" dirty="0"/>
-              <a:t> 0.802 </a:t>
-            </a:r>
-            <a:r>
-              <a:rPr lang="pt-PT" dirty="0" err="1"/>
-              <a:t>and</a:t>
-            </a:r>
-            <a:r>
-              <a:rPr lang="pt-PT" dirty="0"/>
-              <a:t> 4.753</a:t>
+              <a:t> 164.174 – </a:t>
+            </a:r>
+            <a:r>
+              <a:rPr lang="pt-PT" dirty="0" err="1"/>
+              <a:t>Mean</a:t>
+            </a:r>
+            <a:r>
+              <a:rPr lang="pt-PT" dirty="0"/>
+              <a:t> 32.331</a:t>
             </a:r>
           </a:p>
           <a:p>
@@ -9019,7 +9303,7 @@
             </a:r>
             <a:r>
               <a:rPr lang="pt-PT" dirty="0"/>
-              <a:t> 3.300 </a:t>
+              <a:t> 20.596 </a:t>
             </a:r>
             <a:r>
               <a:rPr lang="pt-PT" dirty="0" err="1"/>
@@ -9027,7 +9311,15 @@
             </a:r>
             <a:r>
               <a:rPr lang="pt-PT" dirty="0"/>
-              <a:t> 57.308</a:t>
+              <a:t> 90.992 – </a:t>
+            </a:r>
+            <a:r>
+              <a:rPr lang="pt-PT" dirty="0" err="1"/>
+              <a:t>Mean</a:t>
+            </a:r>
+            <a:r>
+              <a:rPr lang="pt-PT" dirty="0"/>
+              <a:t> 47.222</a:t>
             </a:r>
           </a:p>
           <a:p>
@@ -9042,7 +9334,7 @@
             </a:r>
             <a:r>
               <a:rPr lang="pt-PT" dirty="0"/>
-              <a:t> 0.890 </a:t>
+              <a:t> 0.019 </a:t>
             </a:r>
             <a:r>
               <a:rPr lang="pt-PT" dirty="0" err="1"/>
@@ -9050,7 +9342,15 @@
             </a:r>
             <a:r>
               <a:rPr lang="pt-PT" dirty="0"/>
-              <a:t> 45.524</a:t>
+              <a:t> 22156.194 – </a:t>
+            </a:r>
+            <a:r>
+              <a:rPr lang="pt-PT" dirty="0" err="1"/>
+              <a:t>Mean</a:t>
+            </a:r>
+            <a:r>
+              <a:rPr lang="pt-PT" dirty="0"/>
+              <a:t> 3720.548</a:t>
             </a:r>
           </a:p>
           <a:p>
@@ -9079,7 +9379,7 @@
             </a:r>
             <a:r>
               <a:rPr lang="pt-PT" dirty="0"/>
-              <a:t> 12.349 </a:t>
+              <a:t> 10.054 </a:t>
             </a:r>
             <a:r>
               <a:rPr lang="pt-PT" dirty="0" err="1"/>
@@ -9087,7 +9387,15 @@
             </a:r>
             <a:r>
               <a:rPr lang="pt-PT" dirty="0"/>
-              <a:t> 25.308</a:t>
+              <a:t> 29.627 - </a:t>
+            </a:r>
+            <a:r>
+              <a:rPr lang="pt-PT" dirty="0" err="1"/>
+              <a:t>Mean</a:t>
+            </a:r>
+            <a:r>
+              <a:rPr lang="pt-PT" dirty="0"/>
+              <a:t> 19.652</a:t>
             </a:r>
           </a:p>
           <a:p>
@@ -9102,7 +9410,7 @@
             </a:r>
             <a:r>
               <a:rPr lang="pt-PT" dirty="0"/>
-              <a:t> 3.587 </a:t>
+              <a:t> 84.428 </a:t>
             </a:r>
             <a:r>
               <a:rPr lang="pt-PT" dirty="0" err="1"/>
@@ -9110,7 +9418,15 @@
             </a:r>
             <a:r>
               <a:rPr lang="pt-PT" dirty="0"/>
-              <a:t> 21.335</a:t>
+              <a:t> 1029.903 – </a:t>
+            </a:r>
+            <a:r>
+              <a:rPr lang="pt-PT" dirty="0" err="1"/>
+              <a:t>Mean</a:t>
+            </a:r>
+            <a:r>
+              <a:rPr lang="pt-PT" dirty="0"/>
+              <a:t> 332.113</a:t>
             </a:r>
           </a:p>
           <a:p>
@@ -9139,7 +9455,7 @@
             </a:r>
             <a:r>
               <a:rPr lang="pt-PT" dirty="0"/>
-              <a:t> 24.413 </a:t>
+              <a:t> 21.465 </a:t>
             </a:r>
             <a:r>
               <a:rPr lang="pt-PT" dirty="0" err="1"/>
@@ -9147,7 +9463,15 @@
             </a:r>
             <a:r>
               <a:rPr lang="pt-PT" dirty="0"/>
-              <a:t> 203.048</a:t>
+              <a:t> 486.662 – </a:t>
+            </a:r>
+            <a:r>
+              <a:rPr lang="pt-PT" dirty="0" err="1"/>
+              <a:t>Mean</a:t>
+            </a:r>
+            <a:r>
+              <a:rPr lang="pt-PT" dirty="0"/>
+              <a:t> 111.792</a:t>
             </a:r>
           </a:p>
           <a:p>
@@ -9162,7 +9486,7 @@
             </a:r>
             <a:r>
               <a:rPr lang="pt-PT" dirty="0"/>
-              <a:t> 152.889 </a:t>
+              <a:t> 289.036 </a:t>
             </a:r>
             <a:r>
               <a:rPr lang="pt-PT" dirty="0" err="1"/>
@@ -9170,15 +9494,68 @@
             </a:r>
             <a:r>
               <a:rPr lang="pt-PT" dirty="0"/>
-              <a:t> 27589.182</a:t>
-            </a:r>
+              <a:t> 132175.172 – </a:t>
+            </a:r>
+            <a:r>
+              <a:rPr lang="pt-PT" dirty="0" err="1"/>
+              <a:t>Mean</a:t>
+            </a:r>
+            <a:r>
+              <a:rPr lang="pt-PT" dirty="0"/>
+              <a:t> 25223.940</a:t>
+            </a:r>
+          </a:p>
+          <a:p>
+            <a:endParaRPr lang="pt-PT" dirty="0"/>
+          </a:p>
+        </p:txBody>
+      </p:sp>
+      <p:sp>
+        <p:nvSpPr>
+          <p:cNvPr id="4" name="Marcador de Posição do Número do Diapositivo 3">
+            <a:extLst>
+              <a:ext uri="{FF2B5EF4-FFF2-40B4-BE49-F238E27FC236}">
+                <a16:creationId xmlns:a16="http://schemas.microsoft.com/office/drawing/2014/main" id="{BD5D1C43-7DF6-65CB-A434-F78AFDA9D579}"/>
+              </a:ext>
+            </a:extLst>
+          </p:cNvPr>
+          <p:cNvSpPr>
+            <a:spLocks noGrp="1"/>
+          </p:cNvSpPr>
+          <p:nvPr>
+            <p:ph type="sldNum" sz="quarter" idx="12"/>
+          </p:nvPr>
+        </p:nvSpPr>
+        <p:spPr/>
+        <p:txBody>
+          <a:bodyPr/>
+          <a:lstStyle/>
+          <a:p>
+            <a:fld id="{91727942-0F31-8246-9E69-0AE29DBBE5E4}" type="slidenum">
+              <a:rPr lang="en-US" smtClean="0">
+                <a:solidFill>
+                  <a:prstClr val="black">
+                    <a:tint val="75000"/>
+                  </a:prstClr>
+                </a:solidFill>
+              </a:rPr>
+              <a:pPr/>
+              <a:t>16</a:t>
+            </a:fld>
+            <a:endParaRPr lang="en-US">
+              <a:solidFill>
+                <a:prstClr val="black">
+                  <a:tint val="75000"/>
+                </a:prstClr>
+              </a:solidFill>
+            </a:endParaRPr>
           </a:p>
         </p:txBody>
       </p:sp>
     </p:spTree>
     <p:extLst>
       <p:ext uri="{BB962C8B-B14F-4D97-AF65-F5344CB8AC3E}">
-        <p14:creationId xmlns:p14="http://schemas.microsoft.com/office/powerpoint/2010/main" val="3595565641"/>
+        <p14:creationId xmlns:p14="http://schemas.microsoft.com/office/powerpoint/2010/main" val="3048003526"/>
       </p:ext>
     </p:extLst>
   </p:cSld>
@@ -9258,13 +9635,8 @@
             </a:r>
             <a:r>
               <a:rPr lang="pt-PT" dirty="0"/>
-              <a:t> </a:t>
-            </a:r>
-            <a:r>
-              <a:rPr lang="pt-PT" dirty="0" err="1"/>
-              <a:t>Swap</a:t>
-            </a:r>
-            <a:endParaRPr lang="pt-PT" dirty="0"/>
+              <a:t> Shift</a:t>
+            </a:r>
           </a:p>
         </p:txBody>
       </p:sp>
@@ -9304,7 +9676,7 @@
             <a:pPr lvl="1"/>
             <a:r>
               <a:rPr lang="pt-PT" dirty="0"/>
-              <a:t>Gap - </a:t>
+              <a:t>Gap  </a:t>
             </a:r>
             <a:r>
               <a:rPr lang="pt-PT" dirty="0" err="1"/>
@@ -9312,7 +9684,7 @@
             </a:r>
             <a:r>
               <a:rPr lang="pt-PT" dirty="0"/>
-              <a:t> 0.397 </a:t>
+              <a:t> 1.398 </a:t>
             </a:r>
             <a:r>
               <a:rPr lang="pt-PT" dirty="0" err="1"/>
@@ -9320,14 +9692,22 @@
             </a:r>
             <a:r>
               <a:rPr lang="pt-PT" dirty="0"/>
-              <a:t> 36.852</a:t>
+              <a:t> 34.360 – </a:t>
+            </a:r>
+            <a:r>
+              <a:rPr lang="pt-PT" dirty="0" err="1"/>
+              <a:t>Mean</a:t>
+            </a:r>
+            <a:r>
+              <a:rPr lang="pt-PT" dirty="0"/>
+              <a:t> 14.197</a:t>
             </a:r>
           </a:p>
           <a:p>
             <a:pPr lvl="1"/>
             <a:r>
               <a:rPr lang="pt-PT" dirty="0"/>
-              <a:t>Time - </a:t>
+              <a:t>Time </a:t>
             </a:r>
             <a:r>
               <a:rPr lang="pt-PT" dirty="0" err="1"/>
@@ -9335,7 +9715,7 @@
             </a:r>
             <a:r>
               <a:rPr lang="pt-PT" dirty="0"/>
-              <a:t> 0.930 </a:t>
+              <a:t> 0.636 </a:t>
             </a:r>
             <a:r>
               <a:rPr lang="pt-PT" dirty="0" err="1"/>
@@ -9343,7 +9723,15 @@
             </a:r>
             <a:r>
               <a:rPr lang="pt-PT" dirty="0"/>
-              <a:t> 5.553</a:t>
+              <a:t> 2.566 – </a:t>
+            </a:r>
+            <a:r>
+              <a:rPr lang="pt-PT" dirty="0" err="1"/>
+              <a:t>Mean</a:t>
+            </a:r>
+            <a:r>
+              <a:rPr lang="pt-PT" dirty="0"/>
+              <a:t> 0.653</a:t>
             </a:r>
           </a:p>
           <a:p>
@@ -9360,7 +9748,7 @@
             <a:pPr lvl="1"/>
             <a:r>
               <a:rPr lang="pt-PT" dirty="0"/>
-              <a:t>Gap - </a:t>
+              <a:t>Gap </a:t>
             </a:r>
             <a:r>
               <a:rPr lang="pt-PT" dirty="0" err="1"/>
@@ -9368,7 +9756,7 @@
             </a:r>
             <a:r>
               <a:rPr lang="pt-PT" dirty="0"/>
-              <a:t> 4.599 </a:t>
+              <a:t> 2.363 </a:t>
             </a:r>
             <a:r>
               <a:rPr lang="pt-PT" dirty="0" err="1"/>
@@ -9376,14 +9764,22 @@
             </a:r>
             <a:r>
               <a:rPr lang="pt-PT" dirty="0"/>
-              <a:t> 125.677</a:t>
+              <a:t> 113.402 – </a:t>
+            </a:r>
+            <a:r>
+              <a:rPr lang="pt-PT" dirty="0" err="1"/>
+              <a:t>Mean</a:t>
+            </a:r>
+            <a:r>
+              <a:rPr lang="pt-PT" dirty="0"/>
+              <a:t> 34.209</a:t>
             </a:r>
           </a:p>
           <a:p>
             <a:pPr lvl="1"/>
             <a:r>
               <a:rPr lang="pt-PT" dirty="0"/>
-              <a:t>Time - </a:t>
+              <a:t>Time </a:t>
             </a:r>
             <a:r>
               <a:rPr lang="pt-PT" dirty="0" err="1"/>
@@ -9391,7 +9787,7 @@
             </a:r>
             <a:r>
               <a:rPr lang="pt-PT" dirty="0"/>
-              <a:t> 1.719 </a:t>
+              <a:t> 0.802 </a:t>
             </a:r>
             <a:r>
               <a:rPr lang="pt-PT" dirty="0" err="1"/>
@@ -9399,7 +9795,15 @@
             </a:r>
             <a:r>
               <a:rPr lang="pt-PT" dirty="0"/>
-              <a:t> 35.11</a:t>
+              <a:t> 4.753 – </a:t>
+            </a:r>
+            <a:r>
+              <a:rPr lang="pt-PT" dirty="0" err="1"/>
+              <a:t>Mean</a:t>
+            </a:r>
+            <a:r>
+              <a:rPr lang="pt-PT" dirty="0"/>
+              <a:t> 1.185</a:t>
             </a:r>
           </a:p>
           <a:p>
@@ -9436,7 +9840,7 @@
             <a:pPr lvl="1"/>
             <a:r>
               <a:rPr lang="pt-PT" dirty="0"/>
-              <a:t>Gap - </a:t>
+              <a:t>Gap </a:t>
             </a:r>
             <a:r>
               <a:rPr lang="pt-PT" dirty="0" err="1"/>
@@ -9444,7 +9848,7 @@
             </a:r>
             <a:r>
               <a:rPr lang="pt-PT" dirty="0"/>
-              <a:t> 9.029 </a:t>
+              <a:t> 3.300 </a:t>
             </a:r>
             <a:r>
               <a:rPr lang="pt-PT" dirty="0" err="1"/>
@@ -9452,14 +9856,22 @@
             </a:r>
             <a:r>
               <a:rPr lang="pt-PT" dirty="0"/>
-              <a:t> 57.308</a:t>
+              <a:t> 57.308 – </a:t>
+            </a:r>
+            <a:r>
+              <a:rPr lang="pt-PT" dirty="0" err="1"/>
+              <a:t>Mean</a:t>
+            </a:r>
+            <a:r>
+              <a:rPr lang="pt-PT" dirty="0"/>
+              <a:t> 24.928</a:t>
             </a:r>
           </a:p>
           <a:p>
             <a:pPr lvl="1"/>
             <a:r>
               <a:rPr lang="pt-PT" dirty="0"/>
-              <a:t>Time - </a:t>
+              <a:t>Time </a:t>
             </a:r>
             <a:r>
               <a:rPr lang="pt-PT" dirty="0" err="1"/>
@@ -9467,7 +9879,7 @@
             </a:r>
             <a:r>
               <a:rPr lang="pt-PT" dirty="0"/>
-              <a:t> 1.810 </a:t>
+              <a:t> 0.890 </a:t>
             </a:r>
             <a:r>
               <a:rPr lang="pt-PT" dirty="0" err="1"/>
@@ -9475,7 +9887,15 @@
             </a:r>
             <a:r>
               <a:rPr lang="pt-PT" dirty="0"/>
-              <a:t> 8493.712</a:t>
+              <a:t> 45.524 – </a:t>
+            </a:r>
+            <a:r>
+              <a:rPr lang="pt-PT" dirty="0" err="1"/>
+              <a:t>Mean</a:t>
+            </a:r>
+            <a:r>
+              <a:rPr lang="pt-PT" dirty="0"/>
+              <a:t> 5.586</a:t>
             </a:r>
           </a:p>
           <a:p>
@@ -9496,7 +9916,7 @@
             <a:pPr lvl="1"/>
             <a:r>
               <a:rPr lang="pt-PT" dirty="0"/>
-              <a:t>Gap - </a:t>
+              <a:t>Gap </a:t>
             </a:r>
             <a:r>
               <a:rPr lang="pt-PT" dirty="0" err="1"/>
@@ -9504,7 +9924,7 @@
             </a:r>
             <a:r>
               <a:rPr lang="pt-PT" dirty="0"/>
-              <a:t> 11.289 </a:t>
+              <a:t> 12.349 </a:t>
             </a:r>
             <a:r>
               <a:rPr lang="pt-PT" dirty="0" err="1"/>
@@ -9512,14 +9932,22 @@
             </a:r>
             <a:r>
               <a:rPr lang="pt-PT" dirty="0"/>
-              <a:t> 23.885</a:t>
+              <a:t> 25.308 – </a:t>
+            </a:r>
+            <a:r>
+              <a:rPr lang="pt-PT" dirty="0" err="1"/>
+              <a:t>Mean</a:t>
+            </a:r>
+            <a:r>
+              <a:rPr lang="pt-PT" dirty="0"/>
+              <a:t> 18.722</a:t>
             </a:r>
           </a:p>
           <a:p>
             <a:pPr lvl="1"/>
             <a:r>
               <a:rPr lang="pt-PT" dirty="0"/>
-              <a:t>Time - </a:t>
+              <a:t>Time </a:t>
             </a:r>
             <a:r>
               <a:rPr lang="pt-PT" dirty="0" err="1"/>
@@ -9527,7 +9955,7 @@
             </a:r>
             <a:r>
               <a:rPr lang="pt-PT" dirty="0"/>
-              <a:t> 35.606 </a:t>
+              <a:t> 3.587 </a:t>
             </a:r>
             <a:r>
               <a:rPr lang="pt-PT" dirty="0" err="1"/>
@@ -9535,7 +9963,15 @@
             </a:r>
             <a:r>
               <a:rPr lang="pt-PT" dirty="0"/>
-              <a:t> 363.472</a:t>
+              <a:t> 21.335 – </a:t>
+            </a:r>
+            <a:r>
+              <a:rPr lang="pt-PT" dirty="0" err="1"/>
+              <a:t>Mean</a:t>
+            </a:r>
+            <a:r>
+              <a:rPr lang="pt-PT" dirty="0"/>
+              <a:t> 10.263</a:t>
             </a:r>
           </a:p>
           <a:p>
@@ -9556,7 +9992,7 @@
             <a:pPr lvl="1"/>
             <a:r>
               <a:rPr lang="pt-PT" dirty="0"/>
-              <a:t>Gap - </a:t>
+              <a:t>Gap </a:t>
             </a:r>
             <a:r>
               <a:rPr lang="pt-PT" dirty="0" err="1"/>
@@ -9564,7 +10000,7 @@
             </a:r>
             <a:r>
               <a:rPr lang="pt-PT" dirty="0"/>
-              <a:t> 33.776 </a:t>
+              <a:t> 24.413 </a:t>
             </a:r>
             <a:r>
               <a:rPr lang="pt-PT" dirty="0" err="1"/>
@@ -9572,14 +10008,22 @@
             </a:r>
             <a:r>
               <a:rPr lang="pt-PT" dirty="0"/>
-              <a:t> 210.352</a:t>
+              <a:t> 203.048 – </a:t>
+            </a:r>
+            <a:r>
+              <a:rPr lang="pt-PT" dirty="0" err="1"/>
+              <a:t>Mean</a:t>
+            </a:r>
+            <a:r>
+              <a:rPr lang="pt-PT" dirty="0"/>
+              <a:t> 77.911</a:t>
             </a:r>
           </a:p>
           <a:p>
             <a:pPr lvl="1"/>
             <a:r>
               <a:rPr lang="pt-PT" dirty="0"/>
-              <a:t>Time - </a:t>
+              <a:t>Time </a:t>
             </a:r>
             <a:r>
               <a:rPr lang="pt-PT" dirty="0" err="1"/>
@@ -9587,7 +10031,7 @@
             </a:r>
             <a:r>
               <a:rPr lang="pt-PT" dirty="0"/>
-              <a:t> 143.401 </a:t>
+              <a:t> 152.889 </a:t>
             </a:r>
             <a:r>
               <a:rPr lang="pt-PT" dirty="0" err="1"/>
@@ -9595,18 +10039,65 @@
             </a:r>
             <a:r>
               <a:rPr lang="pt-PT" dirty="0"/>
-              <a:t> 24081.043</a:t>
-            </a:r>
-          </a:p>
-          <a:p>
-            <a:endParaRPr lang="pt-PT" dirty="0"/>
+              <a:t> 27589.182 – </a:t>
+            </a:r>
+            <a:r>
+              <a:rPr lang="pt-PT" dirty="0" err="1"/>
+              <a:t>Mean</a:t>
+            </a:r>
+            <a:r>
+              <a:rPr lang="pt-PT" dirty="0"/>
+              <a:t> 3704.759</a:t>
+            </a:r>
+          </a:p>
+        </p:txBody>
+      </p:sp>
+      <p:sp>
+        <p:nvSpPr>
+          <p:cNvPr id="4" name="Marcador de Posição do Número do Diapositivo 3">
+            <a:extLst>
+              <a:ext uri="{FF2B5EF4-FFF2-40B4-BE49-F238E27FC236}">
+                <a16:creationId xmlns:a16="http://schemas.microsoft.com/office/drawing/2014/main" id="{4D9747ED-B2F6-EC34-8525-58847E9A98CA}"/>
+              </a:ext>
+            </a:extLst>
+          </p:cNvPr>
+          <p:cNvSpPr>
+            <a:spLocks noGrp="1"/>
+          </p:cNvSpPr>
+          <p:nvPr>
+            <p:ph type="sldNum" sz="quarter" idx="12"/>
+          </p:nvPr>
+        </p:nvSpPr>
+        <p:spPr/>
+        <p:txBody>
+          <a:bodyPr/>
+          <a:lstStyle/>
+          <a:p>
+            <a:fld id="{91727942-0F31-8246-9E69-0AE29DBBE5E4}" type="slidenum">
+              <a:rPr lang="en-US" smtClean="0">
+                <a:solidFill>
+                  <a:prstClr val="black">
+                    <a:tint val="75000"/>
+                  </a:prstClr>
+                </a:solidFill>
+              </a:rPr>
+              <a:pPr/>
+              <a:t>17</a:t>
+            </a:fld>
+            <a:endParaRPr lang="en-US">
+              <a:solidFill>
+                <a:prstClr val="black">
+                  <a:tint val="75000"/>
+                </a:prstClr>
+              </a:solidFill>
+            </a:endParaRPr>
           </a:p>
         </p:txBody>
       </p:sp>
     </p:spTree>
     <p:extLst>
       <p:ext uri="{BB962C8B-B14F-4D97-AF65-F5344CB8AC3E}">
-        <p14:creationId xmlns:p14="http://schemas.microsoft.com/office/powerpoint/2010/main" val="2526834256"/>
+        <p14:creationId xmlns:p14="http://schemas.microsoft.com/office/powerpoint/2010/main" val="3595565641"/>
       </p:ext>
     </p:extLst>
   </p:cSld>
@@ -9635,6 +10126,556 @@
       </p:grpSpPr>
       <p:sp>
         <p:nvSpPr>
+          <p:cNvPr id="2" name="Título 1">
+            <a:extLst>
+              <a:ext uri="{FF2B5EF4-FFF2-40B4-BE49-F238E27FC236}">
+                <a16:creationId xmlns:a16="http://schemas.microsoft.com/office/drawing/2014/main" id="{733842DD-E028-2728-5794-61A1920AA9AF}"/>
+              </a:ext>
+            </a:extLst>
+          </p:cNvPr>
+          <p:cNvSpPr>
+            <a:spLocks noGrp="1"/>
+          </p:cNvSpPr>
+          <p:nvPr>
+            <p:ph type="title"/>
+          </p:nvPr>
+        </p:nvSpPr>
+        <p:spPr/>
+        <p:txBody>
+          <a:bodyPr>
+            <a:normAutofit fontScale="90000"/>
+          </a:bodyPr>
+          <a:lstStyle/>
+          <a:p>
+            <a:r>
+              <a:rPr lang="pt-PT" dirty="0" err="1"/>
+              <a:t>Results</a:t>
+            </a:r>
+            <a:r>
+              <a:rPr lang="pt-PT" dirty="0"/>
+              <a:t> </a:t>
+            </a:r>
+            <a:r>
+              <a:rPr lang="pt-PT" dirty="0" err="1"/>
+              <a:t>of</a:t>
+            </a:r>
+            <a:r>
+              <a:rPr lang="pt-PT" dirty="0"/>
+              <a:t> </a:t>
+            </a:r>
+            <a:r>
+              <a:rPr lang="pt-PT" dirty="0" err="1"/>
+              <a:t>the</a:t>
+            </a:r>
+            <a:r>
+              <a:rPr lang="pt-PT" dirty="0"/>
+              <a:t> GRASP – Local </a:t>
+            </a:r>
+            <a:r>
+              <a:rPr lang="pt-PT" dirty="0" err="1"/>
+              <a:t>Search</a:t>
+            </a:r>
+            <a:r>
+              <a:rPr lang="pt-PT" dirty="0"/>
+              <a:t> </a:t>
+            </a:r>
+            <a:r>
+              <a:rPr lang="pt-PT" dirty="0" err="1"/>
+              <a:t>Swap</a:t>
+            </a:r>
+            <a:endParaRPr lang="pt-PT" dirty="0"/>
+          </a:p>
+        </p:txBody>
+      </p:sp>
+      <p:sp>
+        <p:nvSpPr>
+          <p:cNvPr id="3" name="Marcador de Posição de Conteúdo 2">
+            <a:extLst>
+              <a:ext uri="{FF2B5EF4-FFF2-40B4-BE49-F238E27FC236}">
+                <a16:creationId xmlns:a16="http://schemas.microsoft.com/office/drawing/2014/main" id="{81537AC6-9F9F-4B01-DC13-1FF456F37681}"/>
+              </a:ext>
+            </a:extLst>
+          </p:cNvPr>
+          <p:cNvSpPr>
+            <a:spLocks noGrp="1"/>
+          </p:cNvSpPr>
+          <p:nvPr>
+            <p:ph idx="1"/>
+          </p:nvPr>
+        </p:nvSpPr>
+        <p:spPr/>
+        <p:txBody>
+          <a:bodyPr>
+            <a:normAutofit fontScale="55000" lnSpcReduction="20000"/>
+          </a:bodyPr>
+          <a:lstStyle/>
+          <a:p>
+            <a:r>
+              <a:rPr lang="pt-PT" dirty="0" err="1"/>
+              <a:t>Delmaire</a:t>
+            </a:r>
+            <a:r>
+              <a:rPr lang="pt-PT" dirty="0"/>
+              <a:t>:</a:t>
+            </a:r>
+          </a:p>
+          <a:p>
+            <a:pPr lvl="1"/>
+            <a:r>
+              <a:rPr lang="pt-PT" dirty="0"/>
+              <a:t>Gap - </a:t>
+            </a:r>
+            <a:r>
+              <a:rPr lang="pt-PT" dirty="0" err="1"/>
+              <a:t>between</a:t>
+            </a:r>
+            <a:r>
+              <a:rPr lang="pt-PT" dirty="0"/>
+              <a:t> 0.397 </a:t>
+            </a:r>
+            <a:r>
+              <a:rPr lang="pt-PT" dirty="0" err="1"/>
+              <a:t>and</a:t>
+            </a:r>
+            <a:r>
+              <a:rPr lang="pt-PT" dirty="0"/>
+              <a:t> 36.852 – </a:t>
+            </a:r>
+            <a:r>
+              <a:rPr lang="pt-PT" dirty="0" err="1"/>
+              <a:t>Mean</a:t>
+            </a:r>
+            <a:r>
+              <a:rPr lang="pt-PT" dirty="0"/>
+              <a:t> 13.552</a:t>
+            </a:r>
+          </a:p>
+          <a:p>
+            <a:pPr lvl="1"/>
+            <a:r>
+              <a:rPr lang="pt-PT" dirty="0"/>
+              <a:t>Time - </a:t>
+            </a:r>
+            <a:r>
+              <a:rPr lang="pt-PT" dirty="0" err="1"/>
+              <a:t>between</a:t>
+            </a:r>
+            <a:r>
+              <a:rPr lang="pt-PT" dirty="0"/>
+              <a:t> 0.930 </a:t>
+            </a:r>
+            <a:r>
+              <a:rPr lang="pt-PT" dirty="0" err="1"/>
+              <a:t>and</a:t>
+            </a:r>
+            <a:r>
+              <a:rPr lang="pt-PT" dirty="0"/>
+              <a:t> 5.553 – </a:t>
+            </a:r>
+            <a:r>
+              <a:rPr lang="pt-PT" dirty="0" err="1"/>
+              <a:t>Mean</a:t>
+            </a:r>
+            <a:r>
+              <a:rPr lang="pt-PT" dirty="0"/>
+              <a:t> 1.633</a:t>
+            </a:r>
+          </a:p>
+          <a:p>
+            <a:r>
+              <a:rPr lang="pt-PT" dirty="0" err="1"/>
+              <a:t>Holmberg</a:t>
+            </a:r>
+            <a:r>
+              <a:rPr lang="pt-PT" dirty="0"/>
+              <a:t>:</a:t>
+            </a:r>
+          </a:p>
+          <a:p>
+            <a:pPr lvl="1"/>
+            <a:r>
+              <a:rPr lang="pt-PT" dirty="0"/>
+              <a:t>Gap - </a:t>
+            </a:r>
+            <a:r>
+              <a:rPr lang="pt-PT" dirty="0" err="1"/>
+              <a:t>between</a:t>
+            </a:r>
+            <a:r>
+              <a:rPr lang="pt-PT" dirty="0"/>
+              <a:t> 4.599 </a:t>
+            </a:r>
+            <a:r>
+              <a:rPr lang="pt-PT" dirty="0" err="1"/>
+              <a:t>and</a:t>
+            </a:r>
+            <a:r>
+              <a:rPr lang="pt-PT" dirty="0"/>
+              <a:t> 125.677 – </a:t>
+            </a:r>
+            <a:r>
+              <a:rPr lang="pt-PT" dirty="0" err="1"/>
+              <a:t>Mean</a:t>
+            </a:r>
+            <a:r>
+              <a:rPr lang="pt-PT" dirty="0"/>
+              <a:t> 34.710</a:t>
+            </a:r>
+          </a:p>
+          <a:p>
+            <a:pPr lvl="1"/>
+            <a:r>
+              <a:rPr lang="pt-PT" dirty="0"/>
+              <a:t>Time - </a:t>
+            </a:r>
+            <a:r>
+              <a:rPr lang="pt-PT" dirty="0" err="1"/>
+              <a:t>between</a:t>
+            </a:r>
+            <a:r>
+              <a:rPr lang="pt-PT" dirty="0"/>
+              <a:t> 1.719 </a:t>
+            </a:r>
+            <a:r>
+              <a:rPr lang="pt-PT" dirty="0" err="1"/>
+              <a:t>and</a:t>
+            </a:r>
+            <a:r>
+              <a:rPr lang="pt-PT" dirty="0"/>
+              <a:t> 35.11 – </a:t>
+            </a:r>
+            <a:r>
+              <a:rPr lang="pt-PT" dirty="0" err="1"/>
+              <a:t>Mean</a:t>
+            </a:r>
+            <a:r>
+              <a:rPr lang="pt-PT" dirty="0"/>
+              <a:t> 9.784</a:t>
+            </a:r>
+          </a:p>
+          <a:p>
+            <a:r>
+              <a:rPr lang="pt-PT" dirty="0"/>
+              <a:t>OR-</a:t>
+            </a:r>
+            <a:r>
+              <a:rPr lang="pt-PT" dirty="0" err="1"/>
+              <a:t>Library</a:t>
+            </a:r>
+            <a:r>
+              <a:rPr lang="pt-PT" dirty="0"/>
+              <a:t> (9 OS out </a:t>
+            </a:r>
+            <a:r>
+              <a:rPr lang="pt-PT" dirty="0" err="1"/>
+              <a:t>of</a:t>
+            </a:r>
+            <a:r>
+              <a:rPr lang="pt-PT" dirty="0"/>
+              <a:t> </a:t>
+            </a:r>
+            <a:r>
+              <a:rPr lang="pt-PT" u="sng" dirty="0"/>
+              <a:t>36</a:t>
+            </a:r>
+            <a:r>
+              <a:rPr lang="pt-PT" dirty="0"/>
+              <a:t>)</a:t>
+            </a:r>
+          </a:p>
+          <a:p>
+            <a:pPr lvl="1"/>
+            <a:r>
+              <a:rPr lang="pt-PT" dirty="0"/>
+              <a:t>Gap - </a:t>
+            </a:r>
+            <a:r>
+              <a:rPr lang="pt-PT" dirty="0" err="1"/>
+              <a:t>between</a:t>
+            </a:r>
+            <a:r>
+              <a:rPr lang="pt-PT" dirty="0"/>
+              <a:t> 9.029 </a:t>
+            </a:r>
+            <a:r>
+              <a:rPr lang="pt-PT" dirty="0" err="1"/>
+              <a:t>and</a:t>
+            </a:r>
+            <a:r>
+              <a:rPr lang="pt-PT" dirty="0"/>
+              <a:t> 57.308 – </a:t>
+            </a:r>
+            <a:r>
+              <a:rPr lang="pt-PT" dirty="0" err="1"/>
+              <a:t>Mean</a:t>
+            </a:r>
+            <a:r>
+              <a:rPr lang="pt-PT" dirty="0"/>
+              <a:t> 27.207</a:t>
+            </a:r>
+          </a:p>
+          <a:p>
+            <a:pPr lvl="1"/>
+            <a:r>
+              <a:rPr lang="pt-PT" dirty="0"/>
+              <a:t>Time - </a:t>
+            </a:r>
+            <a:r>
+              <a:rPr lang="pt-PT" dirty="0" err="1"/>
+              <a:t>between</a:t>
+            </a:r>
+            <a:r>
+              <a:rPr lang="pt-PT" dirty="0"/>
+              <a:t> 1.810 </a:t>
+            </a:r>
+            <a:r>
+              <a:rPr lang="pt-PT" dirty="0" err="1"/>
+              <a:t>and</a:t>
+            </a:r>
+            <a:r>
+              <a:rPr lang="pt-PT" dirty="0"/>
+              <a:t> 8493.712 – </a:t>
+            </a:r>
+            <a:r>
+              <a:rPr lang="pt-PT" dirty="0" err="1"/>
+              <a:t>Mean</a:t>
+            </a:r>
+            <a:r>
+              <a:rPr lang="pt-PT" dirty="0"/>
+              <a:t> 655.852</a:t>
+            </a:r>
+          </a:p>
+          <a:p>
+            <a:r>
+              <a:rPr lang="pt-PT" dirty="0"/>
+              <a:t>Yang (9 OS out </a:t>
+            </a:r>
+            <a:r>
+              <a:rPr lang="pt-PT" dirty="0" err="1"/>
+              <a:t>of</a:t>
+            </a:r>
+            <a:r>
+              <a:rPr lang="pt-PT" dirty="0"/>
+              <a:t> 20)</a:t>
+            </a:r>
+          </a:p>
+          <a:p>
+            <a:pPr lvl="1"/>
+            <a:r>
+              <a:rPr lang="pt-PT" dirty="0"/>
+              <a:t>Gap - </a:t>
+            </a:r>
+            <a:r>
+              <a:rPr lang="pt-PT" dirty="0" err="1"/>
+              <a:t>between</a:t>
+            </a:r>
+            <a:r>
+              <a:rPr lang="pt-PT" dirty="0"/>
+              <a:t> 11.289 </a:t>
+            </a:r>
+            <a:r>
+              <a:rPr lang="pt-PT" dirty="0" err="1"/>
+              <a:t>and</a:t>
+            </a:r>
+            <a:r>
+              <a:rPr lang="pt-PT" dirty="0"/>
+              <a:t> 23.885 – </a:t>
+            </a:r>
+            <a:r>
+              <a:rPr lang="pt-PT" dirty="0" err="1"/>
+              <a:t>Mean</a:t>
+            </a:r>
+            <a:r>
+              <a:rPr lang="pt-PT" dirty="0"/>
+              <a:t>  17.986</a:t>
+            </a:r>
+          </a:p>
+          <a:p>
+            <a:pPr lvl="1"/>
+            <a:r>
+              <a:rPr lang="pt-PT" dirty="0"/>
+              <a:t>Time - </a:t>
+            </a:r>
+            <a:r>
+              <a:rPr lang="pt-PT" dirty="0" err="1"/>
+              <a:t>between</a:t>
+            </a:r>
+            <a:r>
+              <a:rPr lang="pt-PT" dirty="0"/>
+              <a:t> 35.606 </a:t>
+            </a:r>
+            <a:r>
+              <a:rPr lang="pt-PT" dirty="0" err="1"/>
+              <a:t>and</a:t>
+            </a:r>
+            <a:r>
+              <a:rPr lang="pt-PT" dirty="0"/>
+              <a:t> 363.472 – </a:t>
+            </a:r>
+            <a:r>
+              <a:rPr lang="pt-PT" dirty="0" err="1"/>
+              <a:t>Mean</a:t>
+            </a:r>
+            <a:r>
+              <a:rPr lang="pt-PT" dirty="0"/>
+              <a:t> 25.580</a:t>
+            </a:r>
+          </a:p>
+          <a:p>
+            <a:r>
+              <a:rPr lang="pt-PT" dirty="0"/>
+              <a:t>TBED1 (0 OS out </a:t>
+            </a:r>
+            <a:r>
+              <a:rPr lang="pt-PT" dirty="0" err="1"/>
+              <a:t>of</a:t>
+            </a:r>
+            <a:r>
+              <a:rPr lang="pt-PT" dirty="0"/>
+              <a:t> 60)</a:t>
+            </a:r>
+          </a:p>
+          <a:p>
+            <a:pPr lvl="1"/>
+            <a:r>
+              <a:rPr lang="pt-PT" dirty="0"/>
+              <a:t>Gap - </a:t>
+            </a:r>
+            <a:r>
+              <a:rPr lang="pt-PT" dirty="0" err="1"/>
+              <a:t>between</a:t>
+            </a:r>
+            <a:r>
+              <a:rPr lang="pt-PT" dirty="0"/>
+              <a:t> 33.776 </a:t>
+            </a:r>
+            <a:r>
+              <a:rPr lang="pt-PT" dirty="0" err="1"/>
+              <a:t>and</a:t>
+            </a:r>
+            <a:r>
+              <a:rPr lang="pt-PT" dirty="0"/>
+              <a:t> 210.352 – </a:t>
+            </a:r>
+            <a:r>
+              <a:rPr lang="pt-PT" dirty="0" err="1"/>
+              <a:t>Mean</a:t>
+            </a:r>
+            <a:r>
+              <a:rPr lang="pt-PT" dirty="0"/>
+              <a:t>  75.948</a:t>
+            </a:r>
+          </a:p>
+          <a:p>
+            <a:pPr lvl="1"/>
+            <a:r>
+              <a:rPr lang="pt-PT" dirty="0"/>
+              <a:t>Time - </a:t>
+            </a:r>
+            <a:r>
+              <a:rPr lang="pt-PT" dirty="0" err="1"/>
+              <a:t>between</a:t>
+            </a:r>
+            <a:r>
+              <a:rPr lang="pt-PT" dirty="0"/>
+              <a:t> 143.401 </a:t>
+            </a:r>
+            <a:r>
+              <a:rPr lang="pt-PT" dirty="0" err="1"/>
+              <a:t>and</a:t>
+            </a:r>
+            <a:r>
+              <a:rPr lang="pt-PT" dirty="0"/>
+              <a:t> 24081.043 – </a:t>
+            </a:r>
+            <a:r>
+              <a:rPr lang="pt-PT" dirty="0" err="1"/>
+              <a:t>Mean</a:t>
+            </a:r>
+            <a:r>
+              <a:rPr lang="pt-PT" dirty="0"/>
+              <a:t>  3501.798</a:t>
+            </a:r>
+          </a:p>
+          <a:p>
+            <a:endParaRPr lang="pt-PT" dirty="0"/>
+          </a:p>
+        </p:txBody>
+      </p:sp>
+      <p:sp>
+        <p:nvSpPr>
+          <p:cNvPr id="4" name="Marcador de Posição do Número do Diapositivo 3">
+            <a:extLst>
+              <a:ext uri="{FF2B5EF4-FFF2-40B4-BE49-F238E27FC236}">
+                <a16:creationId xmlns:a16="http://schemas.microsoft.com/office/drawing/2014/main" id="{A98A618A-07DC-D3A1-2BAF-C187644F30B2}"/>
+              </a:ext>
+            </a:extLst>
+          </p:cNvPr>
+          <p:cNvSpPr>
+            <a:spLocks noGrp="1"/>
+          </p:cNvSpPr>
+          <p:nvPr>
+            <p:ph type="sldNum" sz="quarter" idx="12"/>
+          </p:nvPr>
+        </p:nvSpPr>
+        <p:spPr/>
+        <p:txBody>
+          <a:bodyPr/>
+          <a:lstStyle/>
+          <a:p>
+            <a:fld id="{91727942-0F31-8246-9E69-0AE29DBBE5E4}" type="slidenum">
+              <a:rPr lang="en-US" smtClean="0">
+                <a:solidFill>
+                  <a:prstClr val="black">
+                    <a:tint val="75000"/>
+                  </a:prstClr>
+                </a:solidFill>
+              </a:rPr>
+              <a:pPr/>
+              <a:t>18</a:t>
+            </a:fld>
+            <a:endParaRPr lang="en-US">
+              <a:solidFill>
+                <a:prstClr val="black">
+                  <a:tint val="75000"/>
+                </a:prstClr>
+              </a:solidFill>
+            </a:endParaRPr>
+          </a:p>
+        </p:txBody>
+      </p:sp>
+    </p:spTree>
+    <p:extLst>
+      <p:ext uri="{BB962C8B-B14F-4D97-AF65-F5344CB8AC3E}">
+        <p14:creationId xmlns:p14="http://schemas.microsoft.com/office/powerpoint/2010/main" val="2526834256"/>
+      </p:ext>
+    </p:extLst>
+  </p:cSld>
+  <p:clrMapOvr>
+    <a:masterClrMapping/>
+  </p:clrMapOvr>
+</p:sld>
+</file>
+
+<file path=ppt/slides/slide19.xml><?xml version="1.0" encoding="utf-8"?>
+<p:sld xmlns:a="http://schemas.openxmlformats.org/drawingml/2006/main" xmlns:r="http://schemas.openxmlformats.org/officeDocument/2006/relationships" xmlns:p="http://schemas.openxmlformats.org/presentationml/2006/main">
+  <p:cSld>
+    <p:spTree>
+      <p:nvGrpSpPr>
+        <p:cNvPr id="1" name=""/>
+        <p:cNvGrpSpPr/>
+        <p:nvPr/>
+      </p:nvGrpSpPr>
+      <p:grpSpPr>
+        <a:xfrm>
+          <a:off x="0" y="0"/>
+          <a:ext cx="0" cy="0"/>
+          <a:chOff x="0" y="0"/>
+          <a:chExt cx="0" cy="0"/>
+        </a:xfrm>
+      </p:grpSpPr>
+      <p:sp>
+        <p:nvSpPr>
           <p:cNvPr id="2" name="Título 1"/>
           <p:cNvSpPr>
             <a:spLocks noGrp="1"/>
@@ -10004,6 +11045,48 @@
           </a:p>
         </p:txBody>
       </p:sp>
+      <p:sp>
+        <p:nvSpPr>
+          <p:cNvPr id="6" name="Marcador de Posição do Número do Diapositivo 5">
+            <a:extLst>
+              <a:ext uri="{FF2B5EF4-FFF2-40B4-BE49-F238E27FC236}">
+                <a16:creationId xmlns:a16="http://schemas.microsoft.com/office/drawing/2014/main" id="{79EC42E5-1449-586F-8C62-4A56383F6511}"/>
+              </a:ext>
+            </a:extLst>
+          </p:cNvPr>
+          <p:cNvSpPr>
+            <a:spLocks noGrp="1"/>
+          </p:cNvSpPr>
+          <p:nvPr>
+            <p:ph type="sldNum" sz="quarter" idx="12"/>
+          </p:nvPr>
+        </p:nvSpPr>
+        <p:spPr/>
+        <p:txBody>
+          <a:bodyPr/>
+          <a:lstStyle/>
+          <a:p>
+            <a:fld id="{91727942-0F31-8246-9E69-0AE29DBBE5E4}" type="slidenum">
+              <a:rPr lang="en-US" smtClean="0">
+                <a:solidFill>
+                  <a:prstClr val="black">
+                    <a:tint val="75000"/>
+                  </a:prstClr>
+                </a:solidFill>
+              </a:rPr>
+              <a:pPr/>
+              <a:t>19</a:t>
+            </a:fld>
+            <a:endParaRPr lang="en-US">
+              <a:solidFill>
+                <a:prstClr val="black">
+                  <a:tint val="75000"/>
+                </a:prstClr>
+              </a:solidFill>
+            </a:endParaRPr>
+          </a:p>
+        </p:txBody>
+      </p:sp>
     </p:spTree>
     <p:extLst>
       <p:ext uri="{BB962C8B-B14F-4D97-AF65-F5344CB8AC3E}">
@@ -10017,7 +11100,454 @@
 </p:sld>
 </file>
 
-<file path=ppt/slides/slide19.xml><?xml version="1.0" encoding="utf-8"?>
+<file path=ppt/slides/slide2.xml><?xml version="1.0" encoding="utf-8"?>
+<p:sld xmlns:a="http://schemas.openxmlformats.org/drawingml/2006/main" xmlns:r="http://schemas.openxmlformats.org/officeDocument/2006/relationships" xmlns:p="http://schemas.openxmlformats.org/presentationml/2006/main">
+  <p:cSld>
+    <p:spTree>
+      <p:nvGrpSpPr>
+        <p:cNvPr id="1" name=""/>
+        <p:cNvGrpSpPr/>
+        <p:nvPr/>
+      </p:nvGrpSpPr>
+      <p:grpSpPr>
+        <a:xfrm>
+          <a:off x="0" y="0"/>
+          <a:ext cx="0" cy="0"/>
+          <a:chOff x="0" y="0"/>
+          <a:chExt cx="0" cy="0"/>
+        </a:xfrm>
+      </p:grpSpPr>
+      <p:sp>
+        <p:nvSpPr>
+          <p:cNvPr id="2" name="Título 1"/>
+          <p:cNvSpPr>
+            <a:spLocks noGrp="1"/>
+          </p:cNvSpPr>
+          <p:nvPr>
+            <p:ph type="title"/>
+          </p:nvPr>
+        </p:nvSpPr>
+        <p:spPr/>
+        <p:txBody>
+          <a:bodyPr>
+            <a:normAutofit fontScale="90000"/>
+          </a:bodyPr>
+          <a:lstStyle/>
+          <a:p>
+            <a:r>
+              <a:rPr lang="en-US" dirty="0"/>
+              <a:t>Introduction</a:t>
+            </a:r>
+            <a:endParaRPr lang="pt-PT" dirty="0"/>
+          </a:p>
+        </p:txBody>
+      </p:sp>
+      <p:sp>
+        <p:nvSpPr>
+          <p:cNvPr id="3" name="Marcador de Posição de Conteúdo 2"/>
+          <p:cNvSpPr>
+            <a:spLocks noGrp="1"/>
+          </p:cNvSpPr>
+          <p:nvPr>
+            <p:ph idx="1"/>
+          </p:nvPr>
+        </p:nvSpPr>
+        <p:spPr/>
+        <p:txBody>
+          <a:bodyPr/>
+          <a:lstStyle/>
+          <a:p>
+            <a:r>
+              <a:rPr lang="en-US" dirty="0"/>
+              <a:t>In this presentation</a:t>
+            </a:r>
+            <a:r>
+              <a:rPr lang="pt-PT" dirty="0"/>
+              <a:t>, </a:t>
+            </a:r>
+            <a:r>
+              <a:rPr lang="en-US" dirty="0"/>
+              <a:t>we will approach the SSCFLP with an Exact Method Algorithm, Heuristics and Metaheuristic approach.</a:t>
+            </a:r>
+          </a:p>
+          <a:p>
+            <a:r>
+              <a:rPr lang="en-US" dirty="0"/>
+              <a:t>Firstly, we will discuss the SSCFLP with some approaches from literature. Our approach is then presented with computational results. Lastly, we compare our results (Optimal Solution and Gap) with the literature.</a:t>
+            </a:r>
+          </a:p>
+          <a:p>
+            <a:endParaRPr lang="pt-PT" dirty="0"/>
+          </a:p>
+        </p:txBody>
+      </p:sp>
+      <p:sp>
+        <p:nvSpPr>
+          <p:cNvPr id="4" name="CaixaDeTexto 1"/>
+          <p:cNvSpPr txBox="1">
+            <a:spLocks noChangeArrowheads="1"/>
+          </p:cNvSpPr>
+          <p:nvPr/>
+        </p:nvSpPr>
+        <p:spPr bwMode="auto">
+          <a:xfrm>
+            <a:off x="6228184" y="6309320"/>
+            <a:ext cx="2387228" cy="461665"/>
+          </a:xfrm>
+          <a:prstGeom prst="rect">
+            <a:avLst/>
+          </a:prstGeom>
+          <a:noFill/>
+          <a:ln>
+            <a:noFill/>
+          </a:ln>
+          <a:extLst>
+            <a:ext uri="{909E8E84-426E-40DD-AFC4-6F175D3DCCD1}">
+              <a14:hiddenFill xmlns:a14="http://schemas.microsoft.com/office/drawing/2010/main">
+                <a:solidFill>
+                  <a:srgbClr val="FFFFFF"/>
+                </a:solidFill>
+              </a14:hiddenFill>
+            </a:ext>
+            <a:ext uri="{91240B29-F687-4F45-9708-019B960494DF}">
+              <a14:hiddenLine xmlns:a14="http://schemas.microsoft.com/office/drawing/2010/main" w="9525">
+                <a:solidFill>
+                  <a:srgbClr val="000000"/>
+                </a:solidFill>
+                <a:miter lim="800000"/>
+                <a:headEnd/>
+                <a:tailEnd/>
+              </a14:hiddenLine>
+            </a:ext>
+          </a:extLst>
+        </p:spPr>
+        <p:txBody>
+          <a:bodyPr wrap="square">
+            <a:spAutoFit/>
+          </a:bodyPr>
+          <a:lstStyle>
+            <a:lvl1pPr>
+              <a:defRPr>
+                <a:solidFill>
+                  <a:schemeClr val="tx1"/>
+                </a:solidFill>
+                <a:latin typeface="Calibri" panose="020F0502020204030204" pitchFamily="34" charset="0"/>
+              </a:defRPr>
+            </a:lvl1pPr>
+            <a:lvl2pPr marL="742950" indent="-285750">
+              <a:defRPr>
+                <a:solidFill>
+                  <a:schemeClr val="tx1"/>
+                </a:solidFill>
+                <a:latin typeface="Calibri" panose="020F0502020204030204" pitchFamily="34" charset="0"/>
+              </a:defRPr>
+            </a:lvl2pPr>
+            <a:lvl3pPr marL="1143000" indent="-228600">
+              <a:defRPr>
+                <a:solidFill>
+                  <a:schemeClr val="tx1"/>
+                </a:solidFill>
+                <a:latin typeface="Calibri" panose="020F0502020204030204" pitchFamily="34" charset="0"/>
+              </a:defRPr>
+            </a:lvl3pPr>
+            <a:lvl4pPr marL="1600200" indent="-228600">
+              <a:defRPr>
+                <a:solidFill>
+                  <a:schemeClr val="tx1"/>
+                </a:solidFill>
+                <a:latin typeface="Calibri" panose="020F0502020204030204" pitchFamily="34" charset="0"/>
+              </a:defRPr>
+            </a:lvl4pPr>
+            <a:lvl5pPr marL="2057400" indent="-228600">
+              <a:defRPr>
+                <a:solidFill>
+                  <a:schemeClr val="tx1"/>
+                </a:solidFill>
+                <a:latin typeface="Calibri" panose="020F0502020204030204" pitchFamily="34" charset="0"/>
+              </a:defRPr>
+            </a:lvl5pPr>
+            <a:lvl6pPr marL="2514600" indent="-228600" defTabSz="457200" fontAlgn="base">
+              <a:spcBef>
+                <a:spcPct val="0"/>
+              </a:spcBef>
+              <a:spcAft>
+                <a:spcPct val="0"/>
+              </a:spcAft>
+              <a:defRPr>
+                <a:solidFill>
+                  <a:schemeClr val="tx1"/>
+                </a:solidFill>
+                <a:latin typeface="Calibri" panose="020F0502020204030204" pitchFamily="34" charset="0"/>
+              </a:defRPr>
+            </a:lvl6pPr>
+            <a:lvl7pPr marL="2971800" indent="-228600" defTabSz="457200" fontAlgn="base">
+              <a:spcBef>
+                <a:spcPct val="0"/>
+              </a:spcBef>
+              <a:spcAft>
+                <a:spcPct val="0"/>
+              </a:spcAft>
+              <a:defRPr>
+                <a:solidFill>
+                  <a:schemeClr val="tx1"/>
+                </a:solidFill>
+                <a:latin typeface="Calibri" panose="020F0502020204030204" pitchFamily="34" charset="0"/>
+              </a:defRPr>
+            </a:lvl7pPr>
+            <a:lvl8pPr marL="3429000" indent="-228600" defTabSz="457200" fontAlgn="base">
+              <a:spcBef>
+                <a:spcPct val="0"/>
+              </a:spcBef>
+              <a:spcAft>
+                <a:spcPct val="0"/>
+              </a:spcAft>
+              <a:defRPr>
+                <a:solidFill>
+                  <a:schemeClr val="tx1"/>
+                </a:solidFill>
+                <a:latin typeface="Calibri" panose="020F0502020204030204" pitchFamily="34" charset="0"/>
+              </a:defRPr>
+            </a:lvl8pPr>
+            <a:lvl9pPr marL="3886200" indent="-228600" defTabSz="457200" fontAlgn="base">
+              <a:spcBef>
+                <a:spcPct val="0"/>
+              </a:spcBef>
+              <a:spcAft>
+                <a:spcPct val="0"/>
+              </a:spcAft>
+              <a:defRPr>
+                <a:solidFill>
+                  <a:schemeClr val="tx1"/>
+                </a:solidFill>
+                <a:latin typeface="Calibri" panose="020F0502020204030204" pitchFamily="34" charset="0"/>
+              </a:defRPr>
+            </a:lvl9pPr>
+          </a:lstStyle>
+          <a:p>
+            <a:r>
+              <a:rPr lang="pt-PT" sz="1200" dirty="0">
+                <a:latin typeface="Porto Sans Light" panose="00000400000000000000" pitchFamily="50" charset="0"/>
+              </a:rPr>
+              <a:t>João Silva | Olavo Alves | Luís Silva</a:t>
+            </a:r>
+          </a:p>
+          <a:p>
+            <a:pPr eaLnBrk="1" hangingPunct="1"/>
+            <a:endParaRPr lang="pt-PT" altLang="pt-PT" sz="1200" dirty="0">
+              <a:latin typeface="Porto Sans Light" panose="00000400000000000000" pitchFamily="50" charset="0"/>
+            </a:endParaRPr>
+          </a:p>
+        </p:txBody>
+      </p:sp>
+      <p:sp>
+        <p:nvSpPr>
+          <p:cNvPr id="5" name="CaixaDeTexto 2"/>
+          <p:cNvSpPr txBox="1">
+            <a:spLocks noChangeArrowheads="1"/>
+          </p:cNvSpPr>
+          <p:nvPr/>
+        </p:nvSpPr>
+        <p:spPr bwMode="auto">
+          <a:xfrm>
+            <a:off x="462100" y="6309320"/>
+            <a:ext cx="3317812" cy="276999"/>
+          </a:xfrm>
+          <a:prstGeom prst="rect">
+            <a:avLst/>
+          </a:prstGeom>
+          <a:noFill/>
+          <a:ln>
+            <a:noFill/>
+          </a:ln>
+          <a:extLst>
+            <a:ext uri="{909E8E84-426E-40DD-AFC4-6F175D3DCCD1}">
+              <a14:hiddenFill xmlns:a14="http://schemas.microsoft.com/office/drawing/2010/main">
+                <a:solidFill>
+                  <a:srgbClr val="FFFFFF"/>
+                </a:solidFill>
+              </a14:hiddenFill>
+            </a:ext>
+            <a:ext uri="{91240B29-F687-4F45-9708-019B960494DF}">
+              <a14:hiddenLine xmlns:a14="http://schemas.microsoft.com/office/drawing/2010/main" w="9525">
+                <a:solidFill>
+                  <a:srgbClr val="000000"/>
+                </a:solidFill>
+                <a:miter lim="800000"/>
+                <a:headEnd/>
+                <a:tailEnd/>
+              </a14:hiddenLine>
+            </a:ext>
+          </a:extLst>
+        </p:spPr>
+        <p:txBody>
+          <a:bodyPr wrap="square">
+            <a:spAutoFit/>
+          </a:bodyPr>
+          <a:lstStyle>
+            <a:lvl1pPr>
+              <a:defRPr>
+                <a:solidFill>
+                  <a:schemeClr val="tx1"/>
+                </a:solidFill>
+                <a:latin typeface="Calibri" panose="020F0502020204030204" pitchFamily="34" charset="0"/>
+              </a:defRPr>
+            </a:lvl1pPr>
+            <a:lvl2pPr marL="742950" indent="-285750">
+              <a:defRPr>
+                <a:solidFill>
+                  <a:schemeClr val="tx1"/>
+                </a:solidFill>
+                <a:latin typeface="Calibri" panose="020F0502020204030204" pitchFamily="34" charset="0"/>
+              </a:defRPr>
+            </a:lvl2pPr>
+            <a:lvl3pPr marL="1143000" indent="-228600">
+              <a:defRPr>
+                <a:solidFill>
+                  <a:schemeClr val="tx1"/>
+                </a:solidFill>
+                <a:latin typeface="Calibri" panose="020F0502020204030204" pitchFamily="34" charset="0"/>
+              </a:defRPr>
+            </a:lvl3pPr>
+            <a:lvl4pPr marL="1600200" indent="-228600">
+              <a:defRPr>
+                <a:solidFill>
+                  <a:schemeClr val="tx1"/>
+                </a:solidFill>
+                <a:latin typeface="Calibri" panose="020F0502020204030204" pitchFamily="34" charset="0"/>
+              </a:defRPr>
+            </a:lvl4pPr>
+            <a:lvl5pPr marL="2057400" indent="-228600">
+              <a:defRPr>
+                <a:solidFill>
+                  <a:schemeClr val="tx1"/>
+                </a:solidFill>
+                <a:latin typeface="Calibri" panose="020F0502020204030204" pitchFamily="34" charset="0"/>
+              </a:defRPr>
+            </a:lvl5pPr>
+            <a:lvl6pPr marL="2514600" indent="-228600" defTabSz="457200" fontAlgn="base">
+              <a:spcBef>
+                <a:spcPct val="0"/>
+              </a:spcBef>
+              <a:spcAft>
+                <a:spcPct val="0"/>
+              </a:spcAft>
+              <a:defRPr>
+                <a:solidFill>
+                  <a:schemeClr val="tx1"/>
+                </a:solidFill>
+                <a:latin typeface="Calibri" panose="020F0502020204030204" pitchFamily="34" charset="0"/>
+              </a:defRPr>
+            </a:lvl6pPr>
+            <a:lvl7pPr marL="2971800" indent="-228600" defTabSz="457200" fontAlgn="base">
+              <a:spcBef>
+                <a:spcPct val="0"/>
+              </a:spcBef>
+              <a:spcAft>
+                <a:spcPct val="0"/>
+              </a:spcAft>
+              <a:defRPr>
+                <a:solidFill>
+                  <a:schemeClr val="tx1"/>
+                </a:solidFill>
+                <a:latin typeface="Calibri" panose="020F0502020204030204" pitchFamily="34" charset="0"/>
+              </a:defRPr>
+            </a:lvl7pPr>
+            <a:lvl8pPr marL="3429000" indent="-228600" defTabSz="457200" fontAlgn="base">
+              <a:spcBef>
+                <a:spcPct val="0"/>
+              </a:spcBef>
+              <a:spcAft>
+                <a:spcPct val="0"/>
+              </a:spcAft>
+              <a:defRPr>
+                <a:solidFill>
+                  <a:schemeClr val="tx1"/>
+                </a:solidFill>
+                <a:latin typeface="Calibri" panose="020F0502020204030204" pitchFamily="34" charset="0"/>
+              </a:defRPr>
+            </a:lvl8pPr>
+            <a:lvl9pPr marL="3886200" indent="-228600" defTabSz="457200" fontAlgn="base">
+              <a:spcBef>
+                <a:spcPct val="0"/>
+              </a:spcBef>
+              <a:spcAft>
+                <a:spcPct val="0"/>
+              </a:spcAft>
+              <a:defRPr>
+                <a:solidFill>
+                  <a:schemeClr val="tx1"/>
+                </a:solidFill>
+                <a:latin typeface="Calibri" panose="020F0502020204030204" pitchFamily="34" charset="0"/>
+              </a:defRPr>
+            </a:lvl9pPr>
+          </a:lstStyle>
+          <a:p>
+            <a:pPr eaLnBrk="1" hangingPunct="1"/>
+            <a:r>
+              <a:rPr lang="pt-PT" altLang="pt-PT" sz="1200" dirty="0">
+                <a:latin typeface="Porto Sans Light" panose="00000400000000000000" pitchFamily="50" charset="0"/>
+              </a:rPr>
+              <a:t>Óscar Oliveira / Simulação e Otimização (2022/23)</a:t>
+            </a:r>
+          </a:p>
+        </p:txBody>
+      </p:sp>
+      <p:sp>
+        <p:nvSpPr>
+          <p:cNvPr id="6" name="Marcador de Posição do Número do Diapositivo 5">
+            <a:extLst>
+              <a:ext uri="{FF2B5EF4-FFF2-40B4-BE49-F238E27FC236}">
+                <a16:creationId xmlns:a16="http://schemas.microsoft.com/office/drawing/2014/main" id="{2BE94D1E-F85D-E928-8505-26B47F5500E0}"/>
+              </a:ext>
+            </a:extLst>
+          </p:cNvPr>
+          <p:cNvSpPr>
+            <a:spLocks noGrp="1"/>
+          </p:cNvSpPr>
+          <p:nvPr>
+            <p:ph type="sldNum" sz="quarter" idx="12"/>
+          </p:nvPr>
+        </p:nvSpPr>
+        <p:spPr/>
+        <p:txBody>
+          <a:bodyPr/>
+          <a:lstStyle/>
+          <a:p>
+            <a:fld id="{91727942-0F31-8246-9E69-0AE29DBBE5E4}" type="slidenum">
+              <a:rPr lang="en-US" smtClean="0">
+                <a:solidFill>
+                  <a:prstClr val="black">
+                    <a:tint val="75000"/>
+                  </a:prstClr>
+                </a:solidFill>
+              </a:rPr>
+              <a:pPr/>
+              <a:t>2</a:t>
+            </a:fld>
+            <a:endParaRPr lang="en-US">
+              <a:solidFill>
+                <a:prstClr val="black">
+                  <a:tint val="75000"/>
+                </a:prstClr>
+              </a:solidFill>
+            </a:endParaRPr>
+          </a:p>
+        </p:txBody>
+      </p:sp>
+    </p:spTree>
+    <p:extLst>
+      <p:ext uri="{BB962C8B-B14F-4D97-AF65-F5344CB8AC3E}">
+        <p14:creationId xmlns:p14="http://schemas.microsoft.com/office/powerpoint/2010/main" val="3990843653"/>
+      </p:ext>
+    </p:extLst>
+  </p:cSld>
+  <p:clrMapOvr>
+    <a:masterClrMapping/>
+  </p:clrMapOvr>
+</p:sld>
+</file>
+
+<file path=ppt/slides/slide20.xml><?xml version="1.0" encoding="utf-8"?>
 <p:sld xmlns:a="http://schemas.openxmlformats.org/drawingml/2006/main" xmlns:r="http://schemas.openxmlformats.org/officeDocument/2006/relationships" xmlns:p="http://schemas.openxmlformats.org/presentationml/2006/main" showMasterSp="0">
   <p:cSld>
     <p:spTree>
@@ -10134,411 +11664,6 @@
 </p:sld>
 </file>
 
-<file path=ppt/slides/slide2.xml><?xml version="1.0" encoding="utf-8"?>
-<p:sld xmlns:a="http://schemas.openxmlformats.org/drawingml/2006/main" xmlns:r="http://schemas.openxmlformats.org/officeDocument/2006/relationships" xmlns:p="http://schemas.openxmlformats.org/presentationml/2006/main">
-  <p:cSld>
-    <p:spTree>
-      <p:nvGrpSpPr>
-        <p:cNvPr id="1" name=""/>
-        <p:cNvGrpSpPr/>
-        <p:nvPr/>
-      </p:nvGrpSpPr>
-      <p:grpSpPr>
-        <a:xfrm>
-          <a:off x="0" y="0"/>
-          <a:ext cx="0" cy="0"/>
-          <a:chOff x="0" y="0"/>
-          <a:chExt cx="0" cy="0"/>
-        </a:xfrm>
-      </p:grpSpPr>
-      <p:sp>
-        <p:nvSpPr>
-          <p:cNvPr id="2" name="Título 1"/>
-          <p:cNvSpPr>
-            <a:spLocks noGrp="1"/>
-          </p:cNvSpPr>
-          <p:nvPr>
-            <p:ph type="title"/>
-          </p:nvPr>
-        </p:nvSpPr>
-        <p:spPr/>
-        <p:txBody>
-          <a:bodyPr>
-            <a:normAutofit fontScale="90000"/>
-          </a:bodyPr>
-          <a:lstStyle/>
-          <a:p>
-            <a:r>
-              <a:rPr lang="en-US" dirty="0"/>
-              <a:t>Introduction</a:t>
-            </a:r>
-            <a:endParaRPr lang="pt-PT" dirty="0"/>
-          </a:p>
-        </p:txBody>
-      </p:sp>
-      <p:sp>
-        <p:nvSpPr>
-          <p:cNvPr id="3" name="Marcador de Posição de Conteúdo 2"/>
-          <p:cNvSpPr>
-            <a:spLocks noGrp="1"/>
-          </p:cNvSpPr>
-          <p:nvPr>
-            <p:ph idx="1"/>
-          </p:nvPr>
-        </p:nvSpPr>
-        <p:spPr/>
-        <p:txBody>
-          <a:bodyPr/>
-          <a:lstStyle/>
-          <a:p>
-            <a:r>
-              <a:rPr lang="en-US" dirty="0"/>
-              <a:t>In this presentation</a:t>
-            </a:r>
-            <a:r>
-              <a:rPr lang="pt-PT" dirty="0"/>
-              <a:t>, </a:t>
-            </a:r>
-            <a:r>
-              <a:rPr lang="en-US" dirty="0"/>
-              <a:t>we will approach the SSCFLP with an Exact Method Algorithm, Heuristics and Metaheuristic approach.</a:t>
-            </a:r>
-          </a:p>
-          <a:p>
-            <a:r>
-              <a:rPr lang="en-US" dirty="0"/>
-              <a:t>Firstly, we will discuss the SSCFLP with some approaches from literature. Our approach is then presented with computational results. Lastly, we compare our results (Optimal Solution and Gap) with the literature.</a:t>
-            </a:r>
-          </a:p>
-          <a:p>
-            <a:endParaRPr lang="pt-PT" dirty="0"/>
-          </a:p>
-        </p:txBody>
-      </p:sp>
-      <p:sp>
-        <p:nvSpPr>
-          <p:cNvPr id="4" name="CaixaDeTexto 1"/>
-          <p:cNvSpPr txBox="1">
-            <a:spLocks noChangeArrowheads="1"/>
-          </p:cNvSpPr>
-          <p:nvPr/>
-        </p:nvSpPr>
-        <p:spPr bwMode="auto">
-          <a:xfrm>
-            <a:off x="6228184" y="6309320"/>
-            <a:ext cx="2387228" cy="461665"/>
-          </a:xfrm>
-          <a:prstGeom prst="rect">
-            <a:avLst/>
-          </a:prstGeom>
-          <a:noFill/>
-          <a:ln>
-            <a:noFill/>
-          </a:ln>
-          <a:extLst>
-            <a:ext uri="{909E8E84-426E-40DD-AFC4-6F175D3DCCD1}">
-              <a14:hiddenFill xmlns:a14="http://schemas.microsoft.com/office/drawing/2010/main">
-                <a:solidFill>
-                  <a:srgbClr val="FFFFFF"/>
-                </a:solidFill>
-              </a14:hiddenFill>
-            </a:ext>
-            <a:ext uri="{91240B29-F687-4F45-9708-019B960494DF}">
-              <a14:hiddenLine xmlns:a14="http://schemas.microsoft.com/office/drawing/2010/main" w="9525">
-                <a:solidFill>
-                  <a:srgbClr val="000000"/>
-                </a:solidFill>
-                <a:miter lim="800000"/>
-                <a:headEnd/>
-                <a:tailEnd/>
-              </a14:hiddenLine>
-            </a:ext>
-          </a:extLst>
-        </p:spPr>
-        <p:txBody>
-          <a:bodyPr wrap="square">
-            <a:spAutoFit/>
-          </a:bodyPr>
-          <a:lstStyle>
-            <a:lvl1pPr>
-              <a:defRPr>
-                <a:solidFill>
-                  <a:schemeClr val="tx1"/>
-                </a:solidFill>
-                <a:latin typeface="Calibri" panose="020F0502020204030204" pitchFamily="34" charset="0"/>
-              </a:defRPr>
-            </a:lvl1pPr>
-            <a:lvl2pPr marL="742950" indent="-285750">
-              <a:defRPr>
-                <a:solidFill>
-                  <a:schemeClr val="tx1"/>
-                </a:solidFill>
-                <a:latin typeface="Calibri" panose="020F0502020204030204" pitchFamily="34" charset="0"/>
-              </a:defRPr>
-            </a:lvl2pPr>
-            <a:lvl3pPr marL="1143000" indent="-228600">
-              <a:defRPr>
-                <a:solidFill>
-                  <a:schemeClr val="tx1"/>
-                </a:solidFill>
-                <a:latin typeface="Calibri" panose="020F0502020204030204" pitchFamily="34" charset="0"/>
-              </a:defRPr>
-            </a:lvl3pPr>
-            <a:lvl4pPr marL="1600200" indent="-228600">
-              <a:defRPr>
-                <a:solidFill>
-                  <a:schemeClr val="tx1"/>
-                </a:solidFill>
-                <a:latin typeface="Calibri" panose="020F0502020204030204" pitchFamily="34" charset="0"/>
-              </a:defRPr>
-            </a:lvl4pPr>
-            <a:lvl5pPr marL="2057400" indent="-228600">
-              <a:defRPr>
-                <a:solidFill>
-                  <a:schemeClr val="tx1"/>
-                </a:solidFill>
-                <a:latin typeface="Calibri" panose="020F0502020204030204" pitchFamily="34" charset="0"/>
-              </a:defRPr>
-            </a:lvl5pPr>
-            <a:lvl6pPr marL="2514600" indent="-228600" defTabSz="457200" fontAlgn="base">
-              <a:spcBef>
-                <a:spcPct val="0"/>
-              </a:spcBef>
-              <a:spcAft>
-                <a:spcPct val="0"/>
-              </a:spcAft>
-              <a:defRPr>
-                <a:solidFill>
-                  <a:schemeClr val="tx1"/>
-                </a:solidFill>
-                <a:latin typeface="Calibri" panose="020F0502020204030204" pitchFamily="34" charset="0"/>
-              </a:defRPr>
-            </a:lvl6pPr>
-            <a:lvl7pPr marL="2971800" indent="-228600" defTabSz="457200" fontAlgn="base">
-              <a:spcBef>
-                <a:spcPct val="0"/>
-              </a:spcBef>
-              <a:spcAft>
-                <a:spcPct val="0"/>
-              </a:spcAft>
-              <a:defRPr>
-                <a:solidFill>
-                  <a:schemeClr val="tx1"/>
-                </a:solidFill>
-                <a:latin typeface="Calibri" panose="020F0502020204030204" pitchFamily="34" charset="0"/>
-              </a:defRPr>
-            </a:lvl7pPr>
-            <a:lvl8pPr marL="3429000" indent="-228600" defTabSz="457200" fontAlgn="base">
-              <a:spcBef>
-                <a:spcPct val="0"/>
-              </a:spcBef>
-              <a:spcAft>
-                <a:spcPct val="0"/>
-              </a:spcAft>
-              <a:defRPr>
-                <a:solidFill>
-                  <a:schemeClr val="tx1"/>
-                </a:solidFill>
-                <a:latin typeface="Calibri" panose="020F0502020204030204" pitchFamily="34" charset="0"/>
-              </a:defRPr>
-            </a:lvl8pPr>
-            <a:lvl9pPr marL="3886200" indent="-228600" defTabSz="457200" fontAlgn="base">
-              <a:spcBef>
-                <a:spcPct val="0"/>
-              </a:spcBef>
-              <a:spcAft>
-                <a:spcPct val="0"/>
-              </a:spcAft>
-              <a:defRPr>
-                <a:solidFill>
-                  <a:schemeClr val="tx1"/>
-                </a:solidFill>
-                <a:latin typeface="Calibri" panose="020F0502020204030204" pitchFamily="34" charset="0"/>
-              </a:defRPr>
-            </a:lvl9pPr>
-          </a:lstStyle>
-          <a:p>
-            <a:r>
-              <a:rPr lang="pt-PT" sz="1200" dirty="0">
-                <a:latin typeface="Porto Sans Light" panose="00000400000000000000" pitchFamily="50" charset="0"/>
-              </a:rPr>
-              <a:t>João Silva | Olavo Alves | Luís Silva</a:t>
-            </a:r>
-          </a:p>
-          <a:p>
-            <a:pPr eaLnBrk="1" hangingPunct="1"/>
-            <a:endParaRPr lang="pt-PT" altLang="pt-PT" sz="1200" dirty="0">
-              <a:latin typeface="Porto Sans Light" panose="00000400000000000000" pitchFamily="50" charset="0"/>
-            </a:endParaRPr>
-          </a:p>
-        </p:txBody>
-      </p:sp>
-      <p:sp>
-        <p:nvSpPr>
-          <p:cNvPr id="5" name="CaixaDeTexto 2"/>
-          <p:cNvSpPr txBox="1">
-            <a:spLocks noChangeArrowheads="1"/>
-          </p:cNvSpPr>
-          <p:nvPr/>
-        </p:nvSpPr>
-        <p:spPr bwMode="auto">
-          <a:xfrm>
-            <a:off x="462100" y="6309320"/>
-            <a:ext cx="3317812" cy="276999"/>
-          </a:xfrm>
-          <a:prstGeom prst="rect">
-            <a:avLst/>
-          </a:prstGeom>
-          <a:noFill/>
-          <a:ln>
-            <a:noFill/>
-          </a:ln>
-          <a:extLst>
-            <a:ext uri="{909E8E84-426E-40DD-AFC4-6F175D3DCCD1}">
-              <a14:hiddenFill xmlns:a14="http://schemas.microsoft.com/office/drawing/2010/main">
-                <a:solidFill>
-                  <a:srgbClr val="FFFFFF"/>
-                </a:solidFill>
-              </a14:hiddenFill>
-            </a:ext>
-            <a:ext uri="{91240B29-F687-4F45-9708-019B960494DF}">
-              <a14:hiddenLine xmlns:a14="http://schemas.microsoft.com/office/drawing/2010/main" w="9525">
-                <a:solidFill>
-                  <a:srgbClr val="000000"/>
-                </a:solidFill>
-                <a:miter lim="800000"/>
-                <a:headEnd/>
-                <a:tailEnd/>
-              </a14:hiddenLine>
-            </a:ext>
-          </a:extLst>
-        </p:spPr>
-        <p:txBody>
-          <a:bodyPr wrap="square">
-            <a:spAutoFit/>
-          </a:bodyPr>
-          <a:lstStyle>
-            <a:lvl1pPr>
-              <a:defRPr>
-                <a:solidFill>
-                  <a:schemeClr val="tx1"/>
-                </a:solidFill>
-                <a:latin typeface="Calibri" panose="020F0502020204030204" pitchFamily="34" charset="0"/>
-              </a:defRPr>
-            </a:lvl1pPr>
-            <a:lvl2pPr marL="742950" indent="-285750">
-              <a:defRPr>
-                <a:solidFill>
-                  <a:schemeClr val="tx1"/>
-                </a:solidFill>
-                <a:latin typeface="Calibri" panose="020F0502020204030204" pitchFamily="34" charset="0"/>
-              </a:defRPr>
-            </a:lvl2pPr>
-            <a:lvl3pPr marL="1143000" indent="-228600">
-              <a:defRPr>
-                <a:solidFill>
-                  <a:schemeClr val="tx1"/>
-                </a:solidFill>
-                <a:latin typeface="Calibri" panose="020F0502020204030204" pitchFamily="34" charset="0"/>
-              </a:defRPr>
-            </a:lvl3pPr>
-            <a:lvl4pPr marL="1600200" indent="-228600">
-              <a:defRPr>
-                <a:solidFill>
-                  <a:schemeClr val="tx1"/>
-                </a:solidFill>
-                <a:latin typeface="Calibri" panose="020F0502020204030204" pitchFamily="34" charset="0"/>
-              </a:defRPr>
-            </a:lvl4pPr>
-            <a:lvl5pPr marL="2057400" indent="-228600">
-              <a:defRPr>
-                <a:solidFill>
-                  <a:schemeClr val="tx1"/>
-                </a:solidFill>
-                <a:latin typeface="Calibri" panose="020F0502020204030204" pitchFamily="34" charset="0"/>
-              </a:defRPr>
-            </a:lvl5pPr>
-            <a:lvl6pPr marL="2514600" indent="-228600" defTabSz="457200" fontAlgn="base">
-              <a:spcBef>
-                <a:spcPct val="0"/>
-              </a:spcBef>
-              <a:spcAft>
-                <a:spcPct val="0"/>
-              </a:spcAft>
-              <a:defRPr>
-                <a:solidFill>
-                  <a:schemeClr val="tx1"/>
-                </a:solidFill>
-                <a:latin typeface="Calibri" panose="020F0502020204030204" pitchFamily="34" charset="0"/>
-              </a:defRPr>
-            </a:lvl6pPr>
-            <a:lvl7pPr marL="2971800" indent="-228600" defTabSz="457200" fontAlgn="base">
-              <a:spcBef>
-                <a:spcPct val="0"/>
-              </a:spcBef>
-              <a:spcAft>
-                <a:spcPct val="0"/>
-              </a:spcAft>
-              <a:defRPr>
-                <a:solidFill>
-                  <a:schemeClr val="tx1"/>
-                </a:solidFill>
-                <a:latin typeface="Calibri" panose="020F0502020204030204" pitchFamily="34" charset="0"/>
-              </a:defRPr>
-            </a:lvl7pPr>
-            <a:lvl8pPr marL="3429000" indent="-228600" defTabSz="457200" fontAlgn="base">
-              <a:spcBef>
-                <a:spcPct val="0"/>
-              </a:spcBef>
-              <a:spcAft>
-                <a:spcPct val="0"/>
-              </a:spcAft>
-              <a:defRPr>
-                <a:solidFill>
-                  <a:schemeClr val="tx1"/>
-                </a:solidFill>
-                <a:latin typeface="Calibri" panose="020F0502020204030204" pitchFamily="34" charset="0"/>
-              </a:defRPr>
-            </a:lvl8pPr>
-            <a:lvl9pPr marL="3886200" indent="-228600" defTabSz="457200" fontAlgn="base">
-              <a:spcBef>
-                <a:spcPct val="0"/>
-              </a:spcBef>
-              <a:spcAft>
-                <a:spcPct val="0"/>
-              </a:spcAft>
-              <a:defRPr>
-                <a:solidFill>
-                  <a:schemeClr val="tx1"/>
-                </a:solidFill>
-                <a:latin typeface="Calibri" panose="020F0502020204030204" pitchFamily="34" charset="0"/>
-              </a:defRPr>
-            </a:lvl9pPr>
-          </a:lstStyle>
-          <a:p>
-            <a:pPr eaLnBrk="1" hangingPunct="1"/>
-            <a:r>
-              <a:rPr lang="pt-PT" altLang="pt-PT" sz="1200" dirty="0">
-                <a:latin typeface="Porto Sans Light" panose="00000400000000000000" pitchFamily="50" charset="0"/>
-              </a:rPr>
-              <a:t>Óscar Oliveira / Simulação e Otimização (2022/23)</a:t>
-            </a:r>
-          </a:p>
-        </p:txBody>
-      </p:sp>
-    </p:spTree>
-    <p:extLst>
-      <p:ext uri="{BB962C8B-B14F-4D97-AF65-F5344CB8AC3E}">
-        <p14:creationId xmlns:p14="http://schemas.microsoft.com/office/powerpoint/2010/main" val="3990843653"/>
-      </p:ext>
-    </p:extLst>
-  </p:cSld>
-  <p:clrMapOvr>
-    <a:masterClrMapping/>
-  </p:clrMapOvr>
-</p:sld>
-</file>
-
 <file path=ppt/slides/slide3.xml><?xml version="1.0" encoding="utf-8"?>
 <p:sld xmlns:a="http://schemas.openxmlformats.org/drawingml/2006/main" xmlns:r="http://schemas.openxmlformats.org/officeDocument/2006/relationships" xmlns:p="http://schemas.openxmlformats.org/presentationml/2006/main">
   <p:cSld>
@@ -10611,6 +11736,13 @@
             </a:r>
           </a:p>
           <a:p>
+            <a:r>
+              <a:rPr lang="pt-PT" dirty="0"/>
+              <a:t>PN-Hard</a:t>
+            </a:r>
+            <a:endParaRPr lang="en-GB" dirty="0"/>
+          </a:p>
+          <a:p>
             <a:endParaRPr lang="en-GB" dirty="0"/>
           </a:p>
           <a:p>
@@ -10926,6 +12058,48 @@
               </a:rPr>
               <a:t>Óscar Oliveira / Simulação e Otimização (2022/23)</a:t>
             </a:r>
+          </a:p>
+        </p:txBody>
+      </p:sp>
+      <p:sp>
+        <p:nvSpPr>
+          <p:cNvPr id="6" name="Marcador de Posição do Número do Diapositivo 5">
+            <a:extLst>
+              <a:ext uri="{FF2B5EF4-FFF2-40B4-BE49-F238E27FC236}">
+                <a16:creationId xmlns:a16="http://schemas.microsoft.com/office/drawing/2014/main" id="{0B6DF9C6-8C91-9A95-BF28-EB191B0A32DC}"/>
+              </a:ext>
+            </a:extLst>
+          </p:cNvPr>
+          <p:cNvSpPr>
+            <a:spLocks noGrp="1"/>
+          </p:cNvSpPr>
+          <p:nvPr>
+            <p:ph type="sldNum" sz="quarter" idx="12"/>
+          </p:nvPr>
+        </p:nvSpPr>
+        <p:spPr/>
+        <p:txBody>
+          <a:bodyPr/>
+          <a:lstStyle/>
+          <a:p>
+            <a:fld id="{91727942-0F31-8246-9E69-0AE29DBBE5E4}" type="slidenum">
+              <a:rPr lang="en-US" smtClean="0">
+                <a:solidFill>
+                  <a:prstClr val="black">
+                    <a:tint val="75000"/>
+                  </a:prstClr>
+                </a:solidFill>
+              </a:rPr>
+              <a:pPr/>
+              <a:t>3</a:t>
+            </a:fld>
+            <a:endParaRPr lang="en-US">
+              <a:solidFill>
+                <a:prstClr val="black">
+                  <a:tint val="75000"/>
+                </a:prstClr>
+              </a:solidFill>
+            </a:endParaRPr>
           </a:p>
         </p:txBody>
       </p:sp>
@@ -11370,6 +12544,48 @@
           </a:p>
         </p:txBody>
       </p:sp>
+      <p:sp>
+        <p:nvSpPr>
+          <p:cNvPr id="6" name="Marcador de Posição do Número do Diapositivo 5">
+            <a:extLst>
+              <a:ext uri="{FF2B5EF4-FFF2-40B4-BE49-F238E27FC236}">
+                <a16:creationId xmlns:a16="http://schemas.microsoft.com/office/drawing/2014/main" id="{1E28EEA9-BC5B-7394-7963-4D85A6E72B19}"/>
+              </a:ext>
+            </a:extLst>
+          </p:cNvPr>
+          <p:cNvSpPr>
+            <a:spLocks noGrp="1"/>
+          </p:cNvSpPr>
+          <p:nvPr>
+            <p:ph type="sldNum" sz="quarter" idx="12"/>
+          </p:nvPr>
+        </p:nvSpPr>
+        <p:spPr/>
+        <p:txBody>
+          <a:bodyPr/>
+          <a:lstStyle/>
+          <a:p>
+            <a:fld id="{91727942-0F31-8246-9E69-0AE29DBBE5E4}" type="slidenum">
+              <a:rPr lang="en-US" smtClean="0">
+                <a:solidFill>
+                  <a:prstClr val="black">
+                    <a:tint val="75000"/>
+                  </a:prstClr>
+                </a:solidFill>
+              </a:rPr>
+              <a:pPr/>
+              <a:t>4</a:t>
+            </a:fld>
+            <a:endParaRPr lang="en-US">
+              <a:solidFill>
+                <a:prstClr val="black">
+                  <a:tint val="75000"/>
+                </a:prstClr>
+              </a:solidFill>
+            </a:endParaRPr>
+          </a:p>
+        </p:txBody>
+      </p:sp>
     </p:spTree>
     <p:extLst>
       <p:ext uri="{BB962C8B-B14F-4D97-AF65-F5344CB8AC3E}">
@@ -11936,6 +13152,48 @@
           </a:p>
         </p:txBody>
       </p:sp>
+      <p:sp>
+        <p:nvSpPr>
+          <p:cNvPr id="3" name="Marcador de Posição do Número do Diapositivo 2">
+            <a:extLst>
+              <a:ext uri="{FF2B5EF4-FFF2-40B4-BE49-F238E27FC236}">
+                <a16:creationId xmlns:a16="http://schemas.microsoft.com/office/drawing/2014/main" id="{47F4A5A6-7A48-85BE-F258-341E9B89524A}"/>
+              </a:ext>
+            </a:extLst>
+          </p:cNvPr>
+          <p:cNvSpPr>
+            <a:spLocks noGrp="1"/>
+          </p:cNvSpPr>
+          <p:nvPr>
+            <p:ph type="sldNum" sz="quarter" idx="12"/>
+          </p:nvPr>
+        </p:nvSpPr>
+        <p:spPr/>
+        <p:txBody>
+          <a:bodyPr/>
+          <a:lstStyle/>
+          <a:p>
+            <a:fld id="{91727942-0F31-8246-9E69-0AE29DBBE5E4}" type="slidenum">
+              <a:rPr lang="en-US" smtClean="0">
+                <a:solidFill>
+                  <a:prstClr val="black">
+                    <a:tint val="75000"/>
+                  </a:prstClr>
+                </a:solidFill>
+              </a:rPr>
+              <a:pPr/>
+              <a:t>5</a:t>
+            </a:fld>
+            <a:endParaRPr lang="en-US">
+              <a:solidFill>
+                <a:prstClr val="black">
+                  <a:tint val="75000"/>
+                </a:prstClr>
+              </a:solidFill>
+            </a:endParaRPr>
+          </a:p>
+        </p:txBody>
+      </p:sp>
     </p:spTree>
     <p:extLst>
       <p:ext uri="{BB962C8B-B14F-4D97-AF65-F5344CB8AC3E}">
@@ -12459,6 +13717,48 @@
           </a:p>
         </p:txBody>
       </p:sp>
+      <p:sp>
+        <p:nvSpPr>
+          <p:cNvPr id="3" name="Marcador de Posição do Número do Diapositivo 2">
+            <a:extLst>
+              <a:ext uri="{FF2B5EF4-FFF2-40B4-BE49-F238E27FC236}">
+                <a16:creationId xmlns:a16="http://schemas.microsoft.com/office/drawing/2014/main" id="{42AD7048-E4D6-7C8B-1394-1ADC533E87BC}"/>
+              </a:ext>
+            </a:extLst>
+          </p:cNvPr>
+          <p:cNvSpPr>
+            <a:spLocks noGrp="1"/>
+          </p:cNvSpPr>
+          <p:nvPr>
+            <p:ph type="sldNum" sz="quarter" idx="12"/>
+          </p:nvPr>
+        </p:nvSpPr>
+        <p:spPr/>
+        <p:txBody>
+          <a:bodyPr/>
+          <a:lstStyle/>
+          <a:p>
+            <a:fld id="{91727942-0F31-8246-9E69-0AE29DBBE5E4}" type="slidenum">
+              <a:rPr lang="en-US" smtClean="0">
+                <a:solidFill>
+                  <a:prstClr val="black">
+                    <a:tint val="75000"/>
+                  </a:prstClr>
+                </a:solidFill>
+              </a:rPr>
+              <a:pPr/>
+              <a:t>6</a:t>
+            </a:fld>
+            <a:endParaRPr lang="en-US">
+              <a:solidFill>
+                <a:prstClr val="black">
+                  <a:tint val="75000"/>
+                </a:prstClr>
+              </a:solidFill>
+            </a:endParaRPr>
+          </a:p>
+        </p:txBody>
+      </p:sp>
     </p:spTree>
     <p:extLst>
       <p:ext uri="{BB962C8B-B14F-4D97-AF65-F5344CB8AC3E}">
@@ -12491,7 +13791,13 @@
       </p:grpSpPr>
       <p:sp>
         <p:nvSpPr>
-          <p:cNvPr id="2" name="Título 1"/>
+          <p:cNvPr id="2" name="Título 1">
+            <a:extLst>
+              <a:ext uri="{FF2B5EF4-FFF2-40B4-BE49-F238E27FC236}">
+                <a16:creationId xmlns:a16="http://schemas.microsoft.com/office/drawing/2014/main" id="{C500F8D2-45C6-485E-ECB5-015377BD10A5}"/>
+              </a:ext>
+            </a:extLst>
+          </p:cNvPr>
           <p:cNvSpPr>
             <a:spLocks noGrp="1"/>
           </p:cNvSpPr>
@@ -12499,409 +13805,134 @@
             <p:ph type="title"/>
           </p:nvPr>
         </p:nvSpPr>
-        <p:spPr/>
+        <p:spPr>
+          <a:xfrm>
+            <a:off x="457200" y="980728"/>
+            <a:ext cx="8229600" cy="720080"/>
+          </a:xfrm>
+        </p:spPr>
         <p:txBody>
-          <a:bodyPr>
-            <a:normAutofit fontScale="90000"/>
+          <a:bodyPr anchor="ctr">
+            <a:normAutofit/>
           </a:bodyPr>
           <a:lstStyle/>
           <a:p>
-            <a:r>
-              <a:rPr lang="pt-PT" dirty="0" err="1"/>
-              <a:t>Exact</a:t>
-            </a:r>
-            <a:r>
-              <a:rPr lang="pt-PT" dirty="0"/>
+            <a:pPr>
+              <a:lnSpc>
+                <a:spcPct val="90000"/>
+              </a:lnSpc>
+            </a:pPr>
+            <a:r>
+              <a:rPr lang="pt-PT" sz="2100" err="1"/>
+              <a:t>Optimization</a:t>
+            </a:r>
+            <a:r>
+              <a:rPr lang="pt-PT" sz="2100"/>
               <a:t> </a:t>
             </a:r>
             <a:r>
-              <a:rPr lang="pt-PT" dirty="0" err="1"/>
-              <a:t>Method</a:t>
-            </a:r>
-            <a:r>
-              <a:rPr lang="pt-PT" dirty="0"/>
-              <a:t> </a:t>
-            </a:r>
-            <a:r>
-              <a:rPr lang="pt-PT" dirty="0" err="1"/>
-              <a:t>Algorithm</a:t>
-            </a:r>
-            <a:endParaRPr lang="en-US" dirty="0"/>
+              <a:rPr lang="pt-PT" sz="2100" err="1"/>
+              <a:t>Methods</a:t>
+            </a:r>
+            <a:br>
+              <a:rPr lang="pt-PT" sz="2100"/>
+            </a:br>
+            <a:endParaRPr lang="pt-PT" sz="2100"/>
           </a:p>
         </p:txBody>
       </p:sp>
-      <p:sp>
-        <p:nvSpPr>
-          <p:cNvPr id="3" name="Marcador de Posição de Conteúdo 2"/>
+      <p:pic>
+        <p:nvPicPr>
+          <p:cNvPr id="6" name="Marcador de Posição de Conteúdo 5" descr="Uma imagem com texto, diagrama, file, Paralelo&#10;&#10;Descrição gerada automaticamente">
+            <a:extLst>
+              <a:ext uri="{FF2B5EF4-FFF2-40B4-BE49-F238E27FC236}">
+                <a16:creationId xmlns:a16="http://schemas.microsoft.com/office/drawing/2014/main" id="{DAC3C223-2436-B9CC-6088-307F37BBBD46}"/>
+              </a:ext>
+            </a:extLst>
+          </p:cNvPr>
+          <p:cNvPicPr>
+            <a:picLocks noGrp="1" noChangeAspect="1"/>
+          </p:cNvPicPr>
+          <p:nvPr>
+            <p:ph idx="1"/>
+          </p:nvPr>
+        </p:nvPicPr>
+        <p:blipFill>
+          <a:blip r:embed="rId2"/>
+          <a:stretch>
+            <a:fillRect/>
+          </a:stretch>
+        </p:blipFill>
+        <p:spPr>
+          <a:xfrm>
+            <a:off x="1701750" y="1844825"/>
+            <a:ext cx="5740500" cy="4104456"/>
+          </a:xfrm>
+          <a:noFill/>
+        </p:spPr>
+      </p:pic>
+      <p:sp>
+        <p:nvSpPr>
+          <p:cNvPr id="4" name="Marcador de Posição do Número do Diapositivo 3">
+            <a:extLst>
+              <a:ext uri="{FF2B5EF4-FFF2-40B4-BE49-F238E27FC236}">
+                <a16:creationId xmlns:a16="http://schemas.microsoft.com/office/drawing/2014/main" id="{F6B1C488-37EF-4CA0-0C41-E542F19E3F96}"/>
+              </a:ext>
+            </a:extLst>
+          </p:cNvPr>
           <p:cNvSpPr>
             <a:spLocks noGrp="1"/>
           </p:cNvSpPr>
           <p:nvPr>
-            <p:ph idx="1"/>
+            <p:ph type="sldNum" sz="quarter" idx="12"/>
           </p:nvPr>
         </p:nvSpPr>
-        <p:spPr/>
+        <p:spPr>
+          <a:xfrm>
+            <a:off x="6553200" y="6356350"/>
+            <a:ext cx="2133600" cy="365125"/>
+          </a:xfrm>
+        </p:spPr>
         <p:txBody>
-          <a:bodyPr>
+          <a:bodyPr anchor="ctr">
             <a:normAutofit/>
           </a:bodyPr>
           <a:lstStyle/>
           <a:p>
-            <a:pPr algn="just"/>
-            <a:r>
-              <a:rPr lang="en-US" sz="2200" dirty="0"/>
-              <a:t>We decided to approach this problem using an exact method algorithm.</a:t>
-            </a:r>
-          </a:p>
-          <a:p>
-            <a:pPr algn="just"/>
-            <a:r>
-              <a:rPr lang="en-US" sz="2200" dirty="0"/>
-              <a:t>In order to reproduce the equations, we used the OR-Tools Library in Python.</a:t>
-            </a:r>
-          </a:p>
-          <a:p>
-            <a:pPr algn="just"/>
-            <a:r>
-              <a:rPr lang="en-US" sz="2200" dirty="0"/>
-              <a:t>OR-Tools is an open-source software for combinatorial optimization, which seeks to find the best solution to a problem from a very large number of possible solutions.</a:t>
-            </a:r>
-          </a:p>
-          <a:p>
-            <a:pPr algn="just"/>
-            <a:r>
-              <a:rPr lang="en-US" sz="2200" dirty="0"/>
-              <a:t>The solver was used in 5 instances of datasets (</a:t>
-            </a:r>
-            <a:r>
-              <a:rPr lang="en-US" sz="2200" dirty="0" err="1"/>
-              <a:t>Delmaire</a:t>
-            </a:r>
-            <a:r>
-              <a:rPr lang="en-US" sz="2200" dirty="0"/>
-              <a:t>, Holmberg, OR-library, Yang, TBED1). </a:t>
-            </a:r>
-          </a:p>
-          <a:p>
-            <a:endParaRPr lang="en-US" dirty="0"/>
-          </a:p>
-        </p:txBody>
-      </p:sp>
-      <p:sp>
-        <p:nvSpPr>
-          <p:cNvPr id="4" name="CaixaDeTexto 1"/>
-          <p:cNvSpPr txBox="1">
-            <a:spLocks noChangeArrowheads="1"/>
-          </p:cNvSpPr>
-          <p:nvPr/>
-        </p:nvSpPr>
-        <p:spPr bwMode="auto">
-          <a:xfrm>
-            <a:off x="6228184" y="6309320"/>
-            <a:ext cx="2387228" cy="461665"/>
-          </a:xfrm>
-          <a:prstGeom prst="rect">
-            <a:avLst/>
-          </a:prstGeom>
-          <a:noFill/>
-          <a:ln>
-            <a:noFill/>
-          </a:ln>
-          <a:extLst>
-            <a:ext uri="{909E8E84-426E-40DD-AFC4-6F175D3DCCD1}">
-              <a14:hiddenFill xmlns:a14="http://schemas.microsoft.com/office/drawing/2010/main">
-                <a:solidFill>
-                  <a:srgbClr val="FFFFFF"/>
-                </a:solidFill>
-              </a14:hiddenFill>
-            </a:ext>
-            <a:ext uri="{91240B29-F687-4F45-9708-019B960494DF}">
-              <a14:hiddenLine xmlns:a14="http://schemas.microsoft.com/office/drawing/2010/main" w="9525">
-                <a:solidFill>
-                  <a:srgbClr val="000000"/>
-                </a:solidFill>
-                <a:miter lim="800000"/>
-                <a:headEnd/>
-                <a:tailEnd/>
-              </a14:hiddenLine>
-            </a:ext>
-          </a:extLst>
-        </p:spPr>
-        <p:txBody>
-          <a:bodyPr wrap="square">
-            <a:spAutoFit/>
-          </a:bodyPr>
-          <a:lstStyle>
-            <a:lvl1pPr>
-              <a:defRPr>
-                <a:solidFill>
-                  <a:schemeClr val="tx1"/>
-                </a:solidFill>
-                <a:latin typeface="Calibri" panose="020F0502020204030204" pitchFamily="34" charset="0"/>
-              </a:defRPr>
-            </a:lvl1pPr>
-            <a:lvl2pPr marL="742950" indent="-285750">
-              <a:defRPr>
-                <a:solidFill>
-                  <a:schemeClr val="tx1"/>
-                </a:solidFill>
-                <a:latin typeface="Calibri" panose="020F0502020204030204" pitchFamily="34" charset="0"/>
-              </a:defRPr>
-            </a:lvl2pPr>
-            <a:lvl3pPr marL="1143000" indent="-228600">
-              <a:defRPr>
-                <a:solidFill>
-                  <a:schemeClr val="tx1"/>
-                </a:solidFill>
-                <a:latin typeface="Calibri" panose="020F0502020204030204" pitchFamily="34" charset="0"/>
-              </a:defRPr>
-            </a:lvl3pPr>
-            <a:lvl4pPr marL="1600200" indent="-228600">
-              <a:defRPr>
-                <a:solidFill>
-                  <a:schemeClr val="tx1"/>
-                </a:solidFill>
-                <a:latin typeface="Calibri" panose="020F0502020204030204" pitchFamily="34" charset="0"/>
-              </a:defRPr>
-            </a:lvl4pPr>
-            <a:lvl5pPr marL="2057400" indent="-228600">
-              <a:defRPr>
-                <a:solidFill>
-                  <a:schemeClr val="tx1"/>
-                </a:solidFill>
-                <a:latin typeface="Calibri" panose="020F0502020204030204" pitchFamily="34" charset="0"/>
-              </a:defRPr>
-            </a:lvl5pPr>
-            <a:lvl6pPr marL="2514600" indent="-228600" defTabSz="457200" fontAlgn="base">
-              <a:spcBef>
-                <a:spcPct val="0"/>
-              </a:spcBef>
+            <a:pPr>
               <a:spcAft>
-                <a:spcPct val="0"/>
+                <a:spcPts val="600"/>
               </a:spcAft>
-              <a:defRPr>
-                <a:solidFill>
-                  <a:schemeClr val="tx1"/>
-                </a:solidFill>
-                <a:latin typeface="Calibri" panose="020F0502020204030204" pitchFamily="34" charset="0"/>
-              </a:defRPr>
-            </a:lvl6pPr>
-            <a:lvl7pPr marL="2971800" indent="-228600" defTabSz="457200" fontAlgn="base">
-              <a:spcBef>
-                <a:spcPct val="0"/>
-              </a:spcBef>
-              <a:spcAft>
-                <a:spcPct val="0"/>
-              </a:spcAft>
-              <a:defRPr>
-                <a:solidFill>
-                  <a:schemeClr val="tx1"/>
-                </a:solidFill>
-                <a:latin typeface="Calibri" panose="020F0502020204030204" pitchFamily="34" charset="0"/>
-              </a:defRPr>
-            </a:lvl7pPr>
-            <a:lvl8pPr marL="3429000" indent="-228600" defTabSz="457200" fontAlgn="base">
-              <a:spcBef>
-                <a:spcPct val="0"/>
-              </a:spcBef>
-              <a:spcAft>
-                <a:spcPct val="0"/>
-              </a:spcAft>
-              <a:defRPr>
-                <a:solidFill>
-                  <a:schemeClr val="tx1"/>
-                </a:solidFill>
-                <a:latin typeface="Calibri" panose="020F0502020204030204" pitchFamily="34" charset="0"/>
-              </a:defRPr>
-            </a:lvl8pPr>
-            <a:lvl9pPr marL="3886200" indent="-228600" defTabSz="457200" fontAlgn="base">
-              <a:spcBef>
-                <a:spcPct val="0"/>
-              </a:spcBef>
-              <a:spcAft>
-                <a:spcPct val="0"/>
-              </a:spcAft>
-              <a:defRPr>
-                <a:solidFill>
-                  <a:schemeClr val="tx1"/>
-                </a:solidFill>
-                <a:latin typeface="Calibri" panose="020F0502020204030204" pitchFamily="34" charset="0"/>
-              </a:defRPr>
-            </a:lvl9pPr>
-          </a:lstStyle>
-          <a:p>
-            <a:r>
-              <a:rPr lang="pt-PT" sz="1200" dirty="0">
-                <a:latin typeface="Porto Sans Light" panose="00000400000000000000" pitchFamily="50" charset="0"/>
+            </a:pPr>
+            <a:fld id="{91727942-0F31-8246-9E69-0AE29DBBE5E4}" type="slidenum">
+              <a:rPr lang="en-US" smtClean="0">
+                <a:solidFill>
+                  <a:prstClr val="black">
+                    <a:tint val="75000"/>
+                  </a:prstClr>
+                </a:solidFill>
               </a:rPr>
-              <a:t>João Silva | Olavo Alves | Luís Silva</a:t>
-            </a:r>
-          </a:p>
-          <a:p>
-            <a:pPr eaLnBrk="1" hangingPunct="1"/>
-            <a:endParaRPr lang="pt-PT" altLang="pt-PT" sz="1200" dirty="0">
-              <a:latin typeface="Porto Sans Light" panose="00000400000000000000" pitchFamily="50" charset="0"/>
+              <a:pPr>
+                <a:spcAft>
+                  <a:spcPts val="600"/>
+                </a:spcAft>
+              </a:pPr>
+              <a:t>7</a:t>
+            </a:fld>
+            <a:endParaRPr lang="en-US">
+              <a:solidFill>
+                <a:prstClr val="black">
+                  <a:tint val="75000"/>
+                </a:prstClr>
+              </a:solidFill>
             </a:endParaRPr>
-          </a:p>
-        </p:txBody>
-      </p:sp>
-      <p:sp>
-        <p:nvSpPr>
-          <p:cNvPr id="5" name="CaixaDeTexto 2"/>
-          <p:cNvSpPr txBox="1">
-            <a:spLocks noChangeArrowheads="1"/>
-          </p:cNvSpPr>
-          <p:nvPr/>
-        </p:nvSpPr>
-        <p:spPr bwMode="auto">
-          <a:xfrm>
-            <a:off x="457200" y="6309320"/>
-            <a:ext cx="3317812" cy="276999"/>
-          </a:xfrm>
-          <a:prstGeom prst="rect">
-            <a:avLst/>
-          </a:prstGeom>
-          <a:noFill/>
-          <a:ln>
-            <a:noFill/>
-          </a:ln>
-          <a:extLst>
-            <a:ext uri="{909E8E84-426E-40DD-AFC4-6F175D3DCCD1}">
-              <a14:hiddenFill xmlns:a14="http://schemas.microsoft.com/office/drawing/2010/main">
-                <a:solidFill>
-                  <a:srgbClr val="FFFFFF"/>
-                </a:solidFill>
-              </a14:hiddenFill>
-            </a:ext>
-            <a:ext uri="{91240B29-F687-4F45-9708-019B960494DF}">
-              <a14:hiddenLine xmlns:a14="http://schemas.microsoft.com/office/drawing/2010/main" w="9525">
-                <a:solidFill>
-                  <a:srgbClr val="000000"/>
-                </a:solidFill>
-                <a:miter lim="800000"/>
-                <a:headEnd/>
-                <a:tailEnd/>
-              </a14:hiddenLine>
-            </a:ext>
-          </a:extLst>
-        </p:spPr>
-        <p:txBody>
-          <a:bodyPr wrap="square">
-            <a:spAutoFit/>
-          </a:bodyPr>
-          <a:lstStyle>
-            <a:lvl1pPr>
-              <a:defRPr>
-                <a:solidFill>
-                  <a:schemeClr val="tx1"/>
-                </a:solidFill>
-                <a:latin typeface="Calibri" panose="020F0502020204030204" pitchFamily="34" charset="0"/>
-              </a:defRPr>
-            </a:lvl1pPr>
-            <a:lvl2pPr marL="742950" indent="-285750">
-              <a:defRPr>
-                <a:solidFill>
-                  <a:schemeClr val="tx1"/>
-                </a:solidFill>
-                <a:latin typeface="Calibri" panose="020F0502020204030204" pitchFamily="34" charset="0"/>
-              </a:defRPr>
-            </a:lvl2pPr>
-            <a:lvl3pPr marL="1143000" indent="-228600">
-              <a:defRPr>
-                <a:solidFill>
-                  <a:schemeClr val="tx1"/>
-                </a:solidFill>
-                <a:latin typeface="Calibri" panose="020F0502020204030204" pitchFamily="34" charset="0"/>
-              </a:defRPr>
-            </a:lvl3pPr>
-            <a:lvl4pPr marL="1600200" indent="-228600">
-              <a:defRPr>
-                <a:solidFill>
-                  <a:schemeClr val="tx1"/>
-                </a:solidFill>
-                <a:latin typeface="Calibri" panose="020F0502020204030204" pitchFamily="34" charset="0"/>
-              </a:defRPr>
-            </a:lvl4pPr>
-            <a:lvl5pPr marL="2057400" indent="-228600">
-              <a:defRPr>
-                <a:solidFill>
-                  <a:schemeClr val="tx1"/>
-                </a:solidFill>
-                <a:latin typeface="Calibri" panose="020F0502020204030204" pitchFamily="34" charset="0"/>
-              </a:defRPr>
-            </a:lvl5pPr>
-            <a:lvl6pPr marL="2514600" indent="-228600" defTabSz="457200" fontAlgn="base">
-              <a:spcBef>
-                <a:spcPct val="0"/>
-              </a:spcBef>
-              <a:spcAft>
-                <a:spcPct val="0"/>
-              </a:spcAft>
-              <a:defRPr>
-                <a:solidFill>
-                  <a:schemeClr val="tx1"/>
-                </a:solidFill>
-                <a:latin typeface="Calibri" panose="020F0502020204030204" pitchFamily="34" charset="0"/>
-              </a:defRPr>
-            </a:lvl6pPr>
-            <a:lvl7pPr marL="2971800" indent="-228600" defTabSz="457200" fontAlgn="base">
-              <a:spcBef>
-                <a:spcPct val="0"/>
-              </a:spcBef>
-              <a:spcAft>
-                <a:spcPct val="0"/>
-              </a:spcAft>
-              <a:defRPr>
-                <a:solidFill>
-                  <a:schemeClr val="tx1"/>
-                </a:solidFill>
-                <a:latin typeface="Calibri" panose="020F0502020204030204" pitchFamily="34" charset="0"/>
-              </a:defRPr>
-            </a:lvl7pPr>
-            <a:lvl8pPr marL="3429000" indent="-228600" defTabSz="457200" fontAlgn="base">
-              <a:spcBef>
-                <a:spcPct val="0"/>
-              </a:spcBef>
-              <a:spcAft>
-                <a:spcPct val="0"/>
-              </a:spcAft>
-              <a:defRPr>
-                <a:solidFill>
-                  <a:schemeClr val="tx1"/>
-                </a:solidFill>
-                <a:latin typeface="Calibri" panose="020F0502020204030204" pitchFamily="34" charset="0"/>
-              </a:defRPr>
-            </a:lvl8pPr>
-            <a:lvl9pPr marL="3886200" indent="-228600" defTabSz="457200" fontAlgn="base">
-              <a:spcBef>
-                <a:spcPct val="0"/>
-              </a:spcBef>
-              <a:spcAft>
-                <a:spcPct val="0"/>
-              </a:spcAft>
-              <a:defRPr>
-                <a:solidFill>
-                  <a:schemeClr val="tx1"/>
-                </a:solidFill>
-                <a:latin typeface="Calibri" panose="020F0502020204030204" pitchFamily="34" charset="0"/>
-              </a:defRPr>
-            </a:lvl9pPr>
-          </a:lstStyle>
-          <a:p>
-            <a:pPr eaLnBrk="1" hangingPunct="1"/>
-            <a:r>
-              <a:rPr lang="pt-PT" altLang="pt-PT" sz="1200" dirty="0">
-                <a:latin typeface="Porto Sans Light" panose="00000400000000000000" pitchFamily="50" charset="0"/>
-              </a:rPr>
-              <a:t>Óscar Oliveira / Simulação e Otimização (2022/23)</a:t>
-            </a:r>
           </a:p>
         </p:txBody>
       </p:sp>
     </p:spTree>
     <p:extLst>
       <p:ext uri="{BB962C8B-B14F-4D97-AF65-F5344CB8AC3E}">
-        <p14:creationId xmlns:p14="http://schemas.microsoft.com/office/powerpoint/2010/main" val="4051685628"/>
+        <p14:creationId xmlns:p14="http://schemas.microsoft.com/office/powerpoint/2010/main" val="1901890372"/>
       </p:ext>
     </p:extLst>
   </p:cSld>
@@ -12930,6 +13961,487 @@
       </p:grpSpPr>
       <p:sp>
         <p:nvSpPr>
+          <p:cNvPr id="2" name="Título 1"/>
+          <p:cNvSpPr>
+            <a:spLocks noGrp="1"/>
+          </p:cNvSpPr>
+          <p:nvPr>
+            <p:ph type="title"/>
+          </p:nvPr>
+        </p:nvSpPr>
+        <p:spPr/>
+        <p:txBody>
+          <a:bodyPr>
+            <a:normAutofit fontScale="90000"/>
+          </a:bodyPr>
+          <a:lstStyle/>
+          <a:p>
+            <a:r>
+              <a:rPr lang="pt-PT" dirty="0" err="1"/>
+              <a:t>Exact</a:t>
+            </a:r>
+            <a:r>
+              <a:rPr lang="pt-PT" dirty="0"/>
+              <a:t> </a:t>
+            </a:r>
+            <a:r>
+              <a:rPr lang="pt-PT" dirty="0" err="1"/>
+              <a:t>Method</a:t>
+            </a:r>
+            <a:r>
+              <a:rPr lang="pt-PT" dirty="0"/>
+              <a:t> </a:t>
+            </a:r>
+            <a:r>
+              <a:rPr lang="pt-PT" dirty="0" err="1"/>
+              <a:t>Algorithm</a:t>
+            </a:r>
+            <a:endParaRPr lang="en-US" dirty="0"/>
+          </a:p>
+        </p:txBody>
+      </p:sp>
+      <p:sp>
+        <p:nvSpPr>
+          <p:cNvPr id="3" name="Marcador de Posição de Conteúdo 2"/>
+          <p:cNvSpPr>
+            <a:spLocks noGrp="1"/>
+          </p:cNvSpPr>
+          <p:nvPr>
+            <p:ph idx="1"/>
+          </p:nvPr>
+        </p:nvSpPr>
+        <p:spPr/>
+        <p:txBody>
+          <a:bodyPr>
+            <a:normAutofit/>
+          </a:bodyPr>
+          <a:lstStyle/>
+          <a:p>
+            <a:pPr algn="just"/>
+            <a:r>
+              <a:rPr lang="en-US" sz="2200" dirty="0"/>
+              <a:t>We decided to approach this problem using an exact method algorithm.</a:t>
+            </a:r>
+          </a:p>
+          <a:p>
+            <a:pPr algn="just"/>
+            <a:r>
+              <a:rPr lang="en-US" sz="2200" dirty="0"/>
+              <a:t>In order to reproduce the equations, we used the OR-Tools Library in Python.</a:t>
+            </a:r>
+          </a:p>
+          <a:p>
+            <a:pPr algn="just"/>
+            <a:r>
+              <a:rPr lang="en-US" sz="2200" dirty="0"/>
+              <a:t>OR-Tools is an open-source software for combinatorial optimization, which seeks to find the best solution to a problem from a very large number of possible solutions.</a:t>
+            </a:r>
+          </a:p>
+          <a:p>
+            <a:pPr algn="just"/>
+            <a:r>
+              <a:rPr lang="en-US" sz="2200" dirty="0"/>
+              <a:t>The solver was used in 5 instances of datasets (</a:t>
+            </a:r>
+            <a:r>
+              <a:rPr lang="en-US" sz="2200" dirty="0" err="1"/>
+              <a:t>Delmaire</a:t>
+            </a:r>
+            <a:r>
+              <a:rPr lang="en-US" sz="2200" dirty="0"/>
+              <a:t>, Holmberg, OR-library, Yang, TBED1). </a:t>
+            </a:r>
+          </a:p>
+          <a:p>
+            <a:endParaRPr lang="en-US" dirty="0"/>
+          </a:p>
+        </p:txBody>
+      </p:sp>
+      <p:sp>
+        <p:nvSpPr>
+          <p:cNvPr id="4" name="CaixaDeTexto 1"/>
+          <p:cNvSpPr txBox="1">
+            <a:spLocks noChangeArrowheads="1"/>
+          </p:cNvSpPr>
+          <p:nvPr/>
+        </p:nvSpPr>
+        <p:spPr bwMode="auto">
+          <a:xfrm>
+            <a:off x="6228184" y="6309320"/>
+            <a:ext cx="2387228" cy="461665"/>
+          </a:xfrm>
+          <a:prstGeom prst="rect">
+            <a:avLst/>
+          </a:prstGeom>
+          <a:noFill/>
+          <a:ln>
+            <a:noFill/>
+          </a:ln>
+          <a:extLst>
+            <a:ext uri="{909E8E84-426E-40DD-AFC4-6F175D3DCCD1}">
+              <a14:hiddenFill xmlns:a14="http://schemas.microsoft.com/office/drawing/2010/main">
+                <a:solidFill>
+                  <a:srgbClr val="FFFFFF"/>
+                </a:solidFill>
+              </a14:hiddenFill>
+            </a:ext>
+            <a:ext uri="{91240B29-F687-4F45-9708-019B960494DF}">
+              <a14:hiddenLine xmlns:a14="http://schemas.microsoft.com/office/drawing/2010/main" w="9525">
+                <a:solidFill>
+                  <a:srgbClr val="000000"/>
+                </a:solidFill>
+                <a:miter lim="800000"/>
+                <a:headEnd/>
+                <a:tailEnd/>
+              </a14:hiddenLine>
+            </a:ext>
+          </a:extLst>
+        </p:spPr>
+        <p:txBody>
+          <a:bodyPr wrap="square">
+            <a:spAutoFit/>
+          </a:bodyPr>
+          <a:lstStyle>
+            <a:lvl1pPr>
+              <a:defRPr>
+                <a:solidFill>
+                  <a:schemeClr val="tx1"/>
+                </a:solidFill>
+                <a:latin typeface="Calibri" panose="020F0502020204030204" pitchFamily="34" charset="0"/>
+              </a:defRPr>
+            </a:lvl1pPr>
+            <a:lvl2pPr marL="742950" indent="-285750">
+              <a:defRPr>
+                <a:solidFill>
+                  <a:schemeClr val="tx1"/>
+                </a:solidFill>
+                <a:latin typeface="Calibri" panose="020F0502020204030204" pitchFamily="34" charset="0"/>
+              </a:defRPr>
+            </a:lvl2pPr>
+            <a:lvl3pPr marL="1143000" indent="-228600">
+              <a:defRPr>
+                <a:solidFill>
+                  <a:schemeClr val="tx1"/>
+                </a:solidFill>
+                <a:latin typeface="Calibri" panose="020F0502020204030204" pitchFamily="34" charset="0"/>
+              </a:defRPr>
+            </a:lvl3pPr>
+            <a:lvl4pPr marL="1600200" indent="-228600">
+              <a:defRPr>
+                <a:solidFill>
+                  <a:schemeClr val="tx1"/>
+                </a:solidFill>
+                <a:latin typeface="Calibri" panose="020F0502020204030204" pitchFamily="34" charset="0"/>
+              </a:defRPr>
+            </a:lvl4pPr>
+            <a:lvl5pPr marL="2057400" indent="-228600">
+              <a:defRPr>
+                <a:solidFill>
+                  <a:schemeClr val="tx1"/>
+                </a:solidFill>
+                <a:latin typeface="Calibri" panose="020F0502020204030204" pitchFamily="34" charset="0"/>
+              </a:defRPr>
+            </a:lvl5pPr>
+            <a:lvl6pPr marL="2514600" indent="-228600" defTabSz="457200" fontAlgn="base">
+              <a:spcBef>
+                <a:spcPct val="0"/>
+              </a:spcBef>
+              <a:spcAft>
+                <a:spcPct val="0"/>
+              </a:spcAft>
+              <a:defRPr>
+                <a:solidFill>
+                  <a:schemeClr val="tx1"/>
+                </a:solidFill>
+                <a:latin typeface="Calibri" panose="020F0502020204030204" pitchFamily="34" charset="0"/>
+              </a:defRPr>
+            </a:lvl6pPr>
+            <a:lvl7pPr marL="2971800" indent="-228600" defTabSz="457200" fontAlgn="base">
+              <a:spcBef>
+                <a:spcPct val="0"/>
+              </a:spcBef>
+              <a:spcAft>
+                <a:spcPct val="0"/>
+              </a:spcAft>
+              <a:defRPr>
+                <a:solidFill>
+                  <a:schemeClr val="tx1"/>
+                </a:solidFill>
+                <a:latin typeface="Calibri" panose="020F0502020204030204" pitchFamily="34" charset="0"/>
+              </a:defRPr>
+            </a:lvl7pPr>
+            <a:lvl8pPr marL="3429000" indent="-228600" defTabSz="457200" fontAlgn="base">
+              <a:spcBef>
+                <a:spcPct val="0"/>
+              </a:spcBef>
+              <a:spcAft>
+                <a:spcPct val="0"/>
+              </a:spcAft>
+              <a:defRPr>
+                <a:solidFill>
+                  <a:schemeClr val="tx1"/>
+                </a:solidFill>
+                <a:latin typeface="Calibri" panose="020F0502020204030204" pitchFamily="34" charset="0"/>
+              </a:defRPr>
+            </a:lvl8pPr>
+            <a:lvl9pPr marL="3886200" indent="-228600" defTabSz="457200" fontAlgn="base">
+              <a:spcBef>
+                <a:spcPct val="0"/>
+              </a:spcBef>
+              <a:spcAft>
+                <a:spcPct val="0"/>
+              </a:spcAft>
+              <a:defRPr>
+                <a:solidFill>
+                  <a:schemeClr val="tx1"/>
+                </a:solidFill>
+                <a:latin typeface="Calibri" panose="020F0502020204030204" pitchFamily="34" charset="0"/>
+              </a:defRPr>
+            </a:lvl9pPr>
+          </a:lstStyle>
+          <a:p>
+            <a:r>
+              <a:rPr lang="pt-PT" sz="1200" dirty="0">
+                <a:latin typeface="Porto Sans Light" panose="00000400000000000000" pitchFamily="50" charset="0"/>
+              </a:rPr>
+              <a:t>João Silva | Olavo Alves | Luís Silva</a:t>
+            </a:r>
+          </a:p>
+          <a:p>
+            <a:pPr eaLnBrk="1" hangingPunct="1"/>
+            <a:endParaRPr lang="pt-PT" altLang="pt-PT" sz="1200" dirty="0">
+              <a:latin typeface="Porto Sans Light" panose="00000400000000000000" pitchFamily="50" charset="0"/>
+            </a:endParaRPr>
+          </a:p>
+        </p:txBody>
+      </p:sp>
+      <p:sp>
+        <p:nvSpPr>
+          <p:cNvPr id="5" name="CaixaDeTexto 2"/>
+          <p:cNvSpPr txBox="1">
+            <a:spLocks noChangeArrowheads="1"/>
+          </p:cNvSpPr>
+          <p:nvPr/>
+        </p:nvSpPr>
+        <p:spPr bwMode="auto">
+          <a:xfrm>
+            <a:off x="457200" y="6309320"/>
+            <a:ext cx="3317812" cy="276999"/>
+          </a:xfrm>
+          <a:prstGeom prst="rect">
+            <a:avLst/>
+          </a:prstGeom>
+          <a:noFill/>
+          <a:ln>
+            <a:noFill/>
+          </a:ln>
+          <a:extLst>
+            <a:ext uri="{909E8E84-426E-40DD-AFC4-6F175D3DCCD1}">
+              <a14:hiddenFill xmlns:a14="http://schemas.microsoft.com/office/drawing/2010/main">
+                <a:solidFill>
+                  <a:srgbClr val="FFFFFF"/>
+                </a:solidFill>
+              </a14:hiddenFill>
+            </a:ext>
+            <a:ext uri="{91240B29-F687-4F45-9708-019B960494DF}">
+              <a14:hiddenLine xmlns:a14="http://schemas.microsoft.com/office/drawing/2010/main" w="9525">
+                <a:solidFill>
+                  <a:srgbClr val="000000"/>
+                </a:solidFill>
+                <a:miter lim="800000"/>
+                <a:headEnd/>
+                <a:tailEnd/>
+              </a14:hiddenLine>
+            </a:ext>
+          </a:extLst>
+        </p:spPr>
+        <p:txBody>
+          <a:bodyPr wrap="square">
+            <a:spAutoFit/>
+          </a:bodyPr>
+          <a:lstStyle>
+            <a:lvl1pPr>
+              <a:defRPr>
+                <a:solidFill>
+                  <a:schemeClr val="tx1"/>
+                </a:solidFill>
+                <a:latin typeface="Calibri" panose="020F0502020204030204" pitchFamily="34" charset="0"/>
+              </a:defRPr>
+            </a:lvl1pPr>
+            <a:lvl2pPr marL="742950" indent="-285750">
+              <a:defRPr>
+                <a:solidFill>
+                  <a:schemeClr val="tx1"/>
+                </a:solidFill>
+                <a:latin typeface="Calibri" panose="020F0502020204030204" pitchFamily="34" charset="0"/>
+              </a:defRPr>
+            </a:lvl2pPr>
+            <a:lvl3pPr marL="1143000" indent="-228600">
+              <a:defRPr>
+                <a:solidFill>
+                  <a:schemeClr val="tx1"/>
+                </a:solidFill>
+                <a:latin typeface="Calibri" panose="020F0502020204030204" pitchFamily="34" charset="0"/>
+              </a:defRPr>
+            </a:lvl3pPr>
+            <a:lvl4pPr marL="1600200" indent="-228600">
+              <a:defRPr>
+                <a:solidFill>
+                  <a:schemeClr val="tx1"/>
+                </a:solidFill>
+                <a:latin typeface="Calibri" panose="020F0502020204030204" pitchFamily="34" charset="0"/>
+              </a:defRPr>
+            </a:lvl4pPr>
+            <a:lvl5pPr marL="2057400" indent="-228600">
+              <a:defRPr>
+                <a:solidFill>
+                  <a:schemeClr val="tx1"/>
+                </a:solidFill>
+                <a:latin typeface="Calibri" panose="020F0502020204030204" pitchFamily="34" charset="0"/>
+              </a:defRPr>
+            </a:lvl5pPr>
+            <a:lvl6pPr marL="2514600" indent="-228600" defTabSz="457200" fontAlgn="base">
+              <a:spcBef>
+                <a:spcPct val="0"/>
+              </a:spcBef>
+              <a:spcAft>
+                <a:spcPct val="0"/>
+              </a:spcAft>
+              <a:defRPr>
+                <a:solidFill>
+                  <a:schemeClr val="tx1"/>
+                </a:solidFill>
+                <a:latin typeface="Calibri" panose="020F0502020204030204" pitchFamily="34" charset="0"/>
+              </a:defRPr>
+            </a:lvl6pPr>
+            <a:lvl7pPr marL="2971800" indent="-228600" defTabSz="457200" fontAlgn="base">
+              <a:spcBef>
+                <a:spcPct val="0"/>
+              </a:spcBef>
+              <a:spcAft>
+                <a:spcPct val="0"/>
+              </a:spcAft>
+              <a:defRPr>
+                <a:solidFill>
+                  <a:schemeClr val="tx1"/>
+                </a:solidFill>
+                <a:latin typeface="Calibri" panose="020F0502020204030204" pitchFamily="34" charset="0"/>
+              </a:defRPr>
+            </a:lvl7pPr>
+            <a:lvl8pPr marL="3429000" indent="-228600" defTabSz="457200" fontAlgn="base">
+              <a:spcBef>
+                <a:spcPct val="0"/>
+              </a:spcBef>
+              <a:spcAft>
+                <a:spcPct val="0"/>
+              </a:spcAft>
+              <a:defRPr>
+                <a:solidFill>
+                  <a:schemeClr val="tx1"/>
+                </a:solidFill>
+                <a:latin typeface="Calibri" panose="020F0502020204030204" pitchFamily="34" charset="0"/>
+              </a:defRPr>
+            </a:lvl8pPr>
+            <a:lvl9pPr marL="3886200" indent="-228600" defTabSz="457200" fontAlgn="base">
+              <a:spcBef>
+                <a:spcPct val="0"/>
+              </a:spcBef>
+              <a:spcAft>
+                <a:spcPct val="0"/>
+              </a:spcAft>
+              <a:defRPr>
+                <a:solidFill>
+                  <a:schemeClr val="tx1"/>
+                </a:solidFill>
+                <a:latin typeface="Calibri" panose="020F0502020204030204" pitchFamily="34" charset="0"/>
+              </a:defRPr>
+            </a:lvl9pPr>
+          </a:lstStyle>
+          <a:p>
+            <a:pPr eaLnBrk="1" hangingPunct="1"/>
+            <a:r>
+              <a:rPr lang="pt-PT" altLang="pt-PT" sz="1200" dirty="0">
+                <a:latin typeface="Porto Sans Light" panose="00000400000000000000" pitchFamily="50" charset="0"/>
+              </a:rPr>
+              <a:t>Óscar Oliveira / Simulação e Otimização (2022/23)</a:t>
+            </a:r>
+          </a:p>
+        </p:txBody>
+      </p:sp>
+      <p:sp>
+        <p:nvSpPr>
+          <p:cNvPr id="6" name="Marcador de Posição do Número do Diapositivo 5">
+            <a:extLst>
+              <a:ext uri="{FF2B5EF4-FFF2-40B4-BE49-F238E27FC236}">
+                <a16:creationId xmlns:a16="http://schemas.microsoft.com/office/drawing/2014/main" id="{93C6D070-2481-AA2B-843E-35526B076807}"/>
+              </a:ext>
+            </a:extLst>
+          </p:cNvPr>
+          <p:cNvSpPr>
+            <a:spLocks noGrp="1"/>
+          </p:cNvSpPr>
+          <p:nvPr>
+            <p:ph type="sldNum" sz="quarter" idx="12"/>
+          </p:nvPr>
+        </p:nvSpPr>
+        <p:spPr/>
+        <p:txBody>
+          <a:bodyPr/>
+          <a:lstStyle/>
+          <a:p>
+            <a:fld id="{91727942-0F31-8246-9E69-0AE29DBBE5E4}" type="slidenum">
+              <a:rPr lang="en-US" smtClean="0">
+                <a:solidFill>
+                  <a:prstClr val="black">
+                    <a:tint val="75000"/>
+                  </a:prstClr>
+                </a:solidFill>
+              </a:rPr>
+              <a:pPr/>
+              <a:t>8</a:t>
+            </a:fld>
+            <a:endParaRPr lang="en-US">
+              <a:solidFill>
+                <a:prstClr val="black">
+                  <a:tint val="75000"/>
+                </a:prstClr>
+              </a:solidFill>
+            </a:endParaRPr>
+          </a:p>
+        </p:txBody>
+      </p:sp>
+    </p:spTree>
+    <p:extLst>
+      <p:ext uri="{BB962C8B-B14F-4D97-AF65-F5344CB8AC3E}">
+        <p14:creationId xmlns:p14="http://schemas.microsoft.com/office/powerpoint/2010/main" val="4051685628"/>
+      </p:ext>
+    </p:extLst>
+  </p:cSld>
+  <p:clrMapOvr>
+    <a:masterClrMapping/>
+  </p:clrMapOvr>
+</p:sld>
+</file>
+
+<file path=ppt/slides/slide9.xml><?xml version="1.0" encoding="utf-8"?>
+<p:sld xmlns:a="http://schemas.openxmlformats.org/drawingml/2006/main" xmlns:r="http://schemas.openxmlformats.org/officeDocument/2006/relationships" xmlns:p="http://schemas.openxmlformats.org/presentationml/2006/main">
+  <p:cSld>
+    <p:spTree>
+      <p:nvGrpSpPr>
+        <p:cNvPr id="1" name=""/>
+        <p:cNvGrpSpPr/>
+        <p:nvPr/>
+      </p:nvGrpSpPr>
+      <p:grpSpPr>
+        <a:xfrm>
+          <a:off x="0" y="0"/>
+          <a:ext cx="0" cy="0"/>
+          <a:chOff x="0" y="0"/>
+          <a:chExt cx="0" cy="0"/>
+        </a:xfrm>
+      </p:grpSpPr>
+      <p:sp>
+        <p:nvSpPr>
           <p:cNvPr id="2" name="Título 1">
             <a:extLst>
               <a:ext uri="{FF2B5EF4-FFF2-40B4-BE49-F238E27FC236}">
@@ -13217,42 +14729,12 @@
           </a:p>
         </p:txBody>
       </p:sp>
-    </p:spTree>
-    <p:extLst>
-      <p:ext uri="{BB962C8B-B14F-4D97-AF65-F5344CB8AC3E}">
-        <p14:creationId xmlns:p14="http://schemas.microsoft.com/office/powerpoint/2010/main" val="689335268"/>
-      </p:ext>
-    </p:extLst>
-  </p:cSld>
-  <p:clrMapOvr>
-    <a:masterClrMapping/>
-  </p:clrMapOvr>
-</p:sld>
-</file>
-
-<file path=ppt/slides/slide9.xml><?xml version="1.0" encoding="utf-8"?>
-<p:sld xmlns:a="http://schemas.openxmlformats.org/drawingml/2006/main" xmlns:r="http://schemas.openxmlformats.org/officeDocument/2006/relationships" xmlns:p="http://schemas.openxmlformats.org/presentationml/2006/main">
-  <p:cSld>
-    <p:spTree>
-      <p:nvGrpSpPr>
-        <p:cNvPr id="1" name=""/>
-        <p:cNvGrpSpPr/>
-        <p:nvPr/>
-      </p:nvGrpSpPr>
-      <p:grpSpPr>
-        <a:xfrm>
-          <a:off x="0" y="0"/>
-          <a:ext cx="0" cy="0"/>
-          <a:chOff x="0" y="0"/>
-          <a:chExt cx="0" cy="0"/>
-        </a:xfrm>
-      </p:grpSpPr>
-      <p:sp>
-        <p:nvSpPr>
-          <p:cNvPr id="2" name="Título 1">
+      <p:sp>
+        <p:nvSpPr>
+          <p:cNvPr id="8" name="Marcador de Posição do Número do Diapositivo 7">
             <a:extLst>
               <a:ext uri="{FF2B5EF4-FFF2-40B4-BE49-F238E27FC236}">
-                <a16:creationId xmlns:a16="http://schemas.microsoft.com/office/drawing/2014/main" id="{691E9056-392D-6BDD-F868-B90A18A9C3DE}"/>
+                <a16:creationId xmlns:a16="http://schemas.microsoft.com/office/drawing/2014/main" id="{71C5ADA6-985B-11F3-35FA-94D1E8B2EBD5}"/>
               </a:ext>
             </a:extLst>
           </p:cNvPr>
@@ -13260,83 +14742,31 @@
             <a:spLocks noGrp="1"/>
           </p:cNvSpPr>
           <p:nvPr>
-            <p:ph type="title"/>
+            <p:ph type="sldNum" sz="quarter" idx="12"/>
           </p:nvPr>
         </p:nvSpPr>
         <p:spPr/>
         <p:txBody>
-          <a:bodyPr>
-            <a:normAutofit fontScale="90000"/>
-          </a:bodyPr>
+          <a:bodyPr/>
           <a:lstStyle/>
           <a:p>
-            <a:r>
-              <a:rPr lang="pt-PT" dirty="0" err="1"/>
-              <a:t>Constructive</a:t>
-            </a:r>
-            <a:r>
-              <a:rPr lang="pt-PT" dirty="0"/>
-              <a:t> </a:t>
-            </a:r>
-            <a:r>
-              <a:rPr lang="pt-PT" dirty="0" err="1"/>
-              <a:t>Heuristic</a:t>
-            </a:r>
-            <a:endParaRPr lang="pt-PT" dirty="0"/>
-          </a:p>
-        </p:txBody>
-      </p:sp>
-      <p:sp>
-        <p:nvSpPr>
-          <p:cNvPr id="3" name="Marcador de Posição de Conteúdo 2">
-            <a:extLst>
-              <a:ext uri="{FF2B5EF4-FFF2-40B4-BE49-F238E27FC236}">
-                <a16:creationId xmlns:a16="http://schemas.microsoft.com/office/drawing/2014/main" id="{01A67FE9-9BF4-B942-8E9B-6E04A1A965B2}"/>
-              </a:ext>
-            </a:extLst>
-          </p:cNvPr>
-          <p:cNvSpPr>
-            <a:spLocks noGrp="1"/>
-          </p:cNvSpPr>
-          <p:nvPr>
-            <p:ph idx="1"/>
-          </p:nvPr>
-        </p:nvSpPr>
-        <p:spPr/>
-        <p:txBody>
-          <a:bodyPr>
-            <a:normAutofit/>
-          </a:bodyPr>
-          <a:lstStyle/>
-          <a:p>
-            <a:pPr algn="just"/>
-            <a:r>
-              <a:rPr lang="en-US" sz="1800" dirty="0">
-                <a:latin typeface="Porto Sans Light (corpo)"/>
+            <a:fld id="{91727942-0F31-8246-9E69-0AE29DBBE5E4}" type="slidenum">
+              <a:rPr lang="en-US" smtClean="0">
+                <a:solidFill>
+                  <a:prstClr val="black">
+                    <a:tint val="75000"/>
+                  </a:prstClr>
+                </a:solidFill>
               </a:rPr>
-              <a:t>Constructive heuristics generate a solution by iteratively adding an element to the solution until an admissible solution is generated.</a:t>
-            </a:r>
-          </a:p>
-          <a:p>
-            <a:pPr algn="just"/>
-            <a:r>
-              <a:rPr lang="en-US" sz="1800" b="0" i="0" dirty="0">
-                <a:effectLst/>
-                <a:latin typeface="Porto Sans Light (corpo)"/>
-              </a:rPr>
-              <a:t>In the case of the Constructive Heuristic, it was decided to allocate customers to facilities, promoting an allocation criterion based on the lowest ratio between the cost of opening a Facility and the Facility’s initial capacity.</a:t>
-            </a:r>
-          </a:p>
-          <a:p>
-            <a:pPr algn="just"/>
-            <a:r>
-              <a:rPr lang="en-US" sz="1800" dirty="0">
-                <a:latin typeface="Porto Sans Light (corpo)"/>
-              </a:rPr>
-              <a:t>In the case of greedy heuristics, the choice of the next element to be inserted in the solution is done by what most favors the objective of the problem in the time.</a:t>
-            </a:r>
-            <a:endParaRPr lang="pt-PT" sz="1800" dirty="0">
-              <a:latin typeface="Porto Sans Light (corpo)"/>
+              <a:pPr/>
+              <a:t>9</a:t>
+            </a:fld>
+            <a:endParaRPr lang="en-US">
+              <a:solidFill>
+                <a:prstClr val="black">
+                  <a:tint val="75000"/>
+                </a:prstClr>
+              </a:solidFill>
             </a:endParaRPr>
           </a:p>
         </p:txBody>
@@ -13344,7 +14774,7 @@
     </p:spTree>
     <p:extLst>
       <p:ext uri="{BB962C8B-B14F-4D97-AF65-F5344CB8AC3E}">
-        <p14:creationId xmlns:p14="http://schemas.microsoft.com/office/powerpoint/2010/main" val="4178277529"/>
+        <p14:creationId xmlns:p14="http://schemas.microsoft.com/office/powerpoint/2010/main" val="689335268"/>
       </p:ext>
     </p:extLst>
   </p:cSld>

--- a/P_POINT_SO.pptx
+++ b/P_POINT_SO.pptx
@@ -1,11 +1,11 @@
 
 <file path=ppt/presentation.xml><?xml version="1.0" encoding="utf-8"?>
-<p:presentation xmlns:a="http://schemas.openxmlformats.org/drawingml/2006/main" xmlns:r="http://schemas.openxmlformats.org/officeDocument/2006/relationships" xmlns:p="http://schemas.openxmlformats.org/presentationml/2006/main" saveSubsetFonts="1">
+<p:presentation xmlns:a="http://schemas.openxmlformats.org/drawingml/2006/main" xmlns:r="http://schemas.openxmlformats.org/officeDocument/2006/relationships" xmlns:p="http://schemas.openxmlformats.org/presentationml/2006/main" showSpecialPlsOnTitleSld="0" saveSubsetFonts="1">
   <p:sldMasterIdLst>
     <p:sldMasterId id="2147483660" r:id="rId1"/>
   </p:sldMasterIdLst>
   <p:notesMasterIdLst>
-    <p:notesMasterId r:id="rId21"/>
+    <p:notesMasterId r:id="rId22"/>
   </p:notesMasterIdLst>
   <p:sldIdLst>
     <p:sldId id="369" r:id="rId2"/>
@@ -14,19 +14,20 @@
     <p:sldId id="371" r:id="rId5"/>
     <p:sldId id="376" r:id="rId6"/>
     <p:sldId id="381" r:id="rId7"/>
-    <p:sldId id="372" r:id="rId8"/>
-    <p:sldId id="378" r:id="rId9"/>
-    <p:sldId id="380" r:id="rId10"/>
-    <p:sldId id="379" r:id="rId11"/>
-    <p:sldId id="377" r:id="rId12"/>
-    <p:sldId id="373" r:id="rId13"/>
-    <p:sldId id="382" r:id="rId14"/>
-    <p:sldId id="384" r:id="rId15"/>
-    <p:sldId id="385" r:id="rId16"/>
-    <p:sldId id="383" r:id="rId17"/>
-    <p:sldId id="386" r:id="rId18"/>
-    <p:sldId id="374" r:id="rId19"/>
-    <p:sldId id="359" r:id="rId20"/>
+    <p:sldId id="387" r:id="rId8"/>
+    <p:sldId id="372" r:id="rId9"/>
+    <p:sldId id="378" r:id="rId10"/>
+    <p:sldId id="380" r:id="rId11"/>
+    <p:sldId id="379" r:id="rId12"/>
+    <p:sldId id="377" r:id="rId13"/>
+    <p:sldId id="373" r:id="rId14"/>
+    <p:sldId id="382" r:id="rId15"/>
+    <p:sldId id="384" r:id="rId16"/>
+    <p:sldId id="385" r:id="rId17"/>
+    <p:sldId id="383" r:id="rId18"/>
+    <p:sldId id="386" r:id="rId19"/>
+    <p:sldId id="374" r:id="rId20"/>
+    <p:sldId id="359" r:id="rId21"/>
   </p:sldIdLst>
   <p:sldSz cx="9144000" cy="6858000" type="screen4x3"/>
   <p:notesSz cx="6858000" cy="9144000"/>
@@ -240,7 +241,7 @@
           <a:p>
             <a:fld id="{0FF640A4-F258-4979-A828-AC330B9379A5}" type="datetimeFigureOut">
               <a:rPr lang="pt-PT" smtClean="0"/>
-              <a:t>08/06/2023</a:t>
+              <a:t>14/06/2023</a:t>
             </a:fld>
             <a:endParaRPr lang="pt-PT"/>
           </a:p>
@@ -547,6 +548,67 @@
           <a:bodyPr/>
           <a:lstStyle/>
           <a:p>
+            <a:endParaRPr lang="pt-PT"/>
+          </a:p>
+        </p:txBody>
+      </p:sp>
+    </p:spTree>
+    <p:extLst>
+      <p:ext uri="{BB962C8B-B14F-4D97-AF65-F5344CB8AC3E}">
+        <p14:creationId xmlns:p14="http://schemas.microsoft.com/office/powerpoint/2010/main" val="2107396055"/>
+      </p:ext>
+    </p:extLst>
+  </p:cSld>
+  <p:clrMapOvr>
+    <a:masterClrMapping/>
+  </p:clrMapOvr>
+</p:notes>
+</file>
+
+<file path=ppt/notesSlides/notesSlide3.xml><?xml version="1.0" encoding="utf-8"?>
+<p:notes xmlns:a="http://schemas.openxmlformats.org/drawingml/2006/main" xmlns:r="http://schemas.openxmlformats.org/officeDocument/2006/relationships" xmlns:p="http://schemas.openxmlformats.org/presentationml/2006/main">
+  <p:cSld>
+    <p:spTree>
+      <p:nvGrpSpPr>
+        <p:cNvPr id="1" name=""/>
+        <p:cNvGrpSpPr/>
+        <p:nvPr/>
+      </p:nvGrpSpPr>
+      <p:grpSpPr>
+        <a:xfrm>
+          <a:off x="0" y="0"/>
+          <a:ext cx="0" cy="0"/>
+          <a:chOff x="0" y="0"/>
+          <a:chExt cx="0" cy="0"/>
+        </a:xfrm>
+      </p:grpSpPr>
+      <p:sp>
+        <p:nvSpPr>
+          <p:cNvPr id="2" name="Marcador de Posição da Imagem do Diapositivo 1"/>
+          <p:cNvSpPr>
+            <a:spLocks noGrp="1" noRot="1" noChangeAspect="1"/>
+          </p:cNvSpPr>
+          <p:nvPr>
+            <p:ph type="sldImg"/>
+          </p:nvPr>
+        </p:nvSpPr>
+        <p:spPr/>
+      </p:sp>
+      <p:sp>
+        <p:nvSpPr>
+          <p:cNvPr id="3" name="Marcador de Posição de Notas 2"/>
+          <p:cNvSpPr>
+            <a:spLocks noGrp="1"/>
+          </p:cNvSpPr>
+          <p:nvPr>
+            <p:ph type="body" idx="1"/>
+          </p:nvPr>
+        </p:nvSpPr>
+        <p:spPr/>
+        <p:txBody>
+          <a:bodyPr/>
+          <a:lstStyle/>
+          <a:p>
             <a:endParaRPr lang="pt-PT" dirty="0"/>
           </a:p>
         </p:txBody>
@@ -743,7 +805,7 @@
           <a:bodyPr/>
           <a:lstStyle/>
           <a:p>
-            <a:fld id="{87E7692C-3577-F745-8DF3-D399A394EE18}" type="datetimeFigureOut">
+            <a:fld id="{5E04D6E8-DC42-41F3-A9E3-5E1A9ED2157C}" type="datetime1">
               <a:rPr lang="en-US" smtClean="0">
                 <a:solidFill>
                   <a:prstClr val="black">
@@ -751,8 +813,7 @@
                   </a:prstClr>
                 </a:solidFill>
               </a:rPr>
-              <a:pPr/>
-              <a:t>6/8/2023</a:t>
+              <a:t>6/14/2023</a:t>
             </a:fld>
             <a:endParaRPr lang="en-US">
               <a:solidFill>
@@ -945,7 +1006,7 @@
           <a:bodyPr/>
           <a:lstStyle/>
           <a:p>
-            <a:fld id="{87E7692C-3577-F745-8DF3-D399A394EE18}" type="datetimeFigureOut">
+            <a:fld id="{310A9B98-BE9B-4D4C-BC14-998B50A823E9}" type="datetime1">
               <a:rPr lang="en-US" smtClean="0">
                 <a:solidFill>
                   <a:prstClr val="black">
@@ -953,8 +1014,7 @@
                   </a:prstClr>
                 </a:solidFill>
               </a:rPr>
-              <a:pPr/>
-              <a:t>6/8/2023</a:t>
+              <a:t>6/14/2023</a:t>
             </a:fld>
             <a:endParaRPr lang="en-US">
               <a:solidFill>
@@ -1157,7 +1217,7 @@
           <a:bodyPr/>
           <a:lstStyle/>
           <a:p>
-            <a:fld id="{87E7692C-3577-F745-8DF3-D399A394EE18}" type="datetimeFigureOut">
+            <a:fld id="{27BE7833-5B94-48E3-9189-11066A4E5D7C}" type="datetime1">
               <a:rPr lang="en-US" smtClean="0">
                 <a:solidFill>
                   <a:prstClr val="black">
@@ -1165,8 +1225,7 @@
                   </a:prstClr>
                 </a:solidFill>
               </a:rPr>
-              <a:pPr/>
-              <a:t>6/8/2023</a:t>
+              <a:t>6/14/2023</a:t>
             </a:fld>
             <a:endParaRPr lang="en-US">
               <a:solidFill>
@@ -1453,7 +1512,7 @@
           <a:bodyPr/>
           <a:lstStyle/>
           <a:p>
-            <a:fld id="{87E7692C-3577-F745-8DF3-D399A394EE18}" type="datetimeFigureOut">
+            <a:fld id="{860114CB-C8A4-4173-8707-24878323E6CE}" type="datetime1">
               <a:rPr lang="en-US" smtClean="0">
                 <a:solidFill>
                   <a:prstClr val="black">
@@ -1461,8 +1520,7 @@
                   </a:prstClr>
                 </a:solidFill>
               </a:rPr>
-              <a:pPr/>
-              <a:t>6/8/2023</a:t>
+              <a:t>6/14/2023</a:t>
             </a:fld>
             <a:endParaRPr lang="en-US" dirty="0">
               <a:solidFill>
@@ -1731,7 +1789,7 @@
           <a:bodyPr/>
           <a:lstStyle/>
           <a:p>
-            <a:fld id="{87E7692C-3577-F745-8DF3-D399A394EE18}" type="datetimeFigureOut">
+            <a:fld id="{F39A7A6A-2849-4DEE-9063-881D93742784}" type="datetime1">
               <a:rPr lang="en-US" smtClean="0">
                 <a:solidFill>
                   <a:prstClr val="black">
@@ -1739,8 +1797,7 @@
                   </a:prstClr>
                 </a:solidFill>
               </a:rPr>
-              <a:pPr/>
-              <a:t>6/8/2023</a:t>
+              <a:t>6/14/2023</a:t>
             </a:fld>
             <a:endParaRPr lang="en-US">
               <a:solidFill>
@@ -2051,7 +2108,7 @@
           <a:bodyPr/>
           <a:lstStyle/>
           <a:p>
-            <a:fld id="{87E7692C-3577-F745-8DF3-D399A394EE18}" type="datetimeFigureOut">
+            <a:fld id="{70AC530A-6DD0-47CD-AA50-EEA24249130C}" type="datetime1">
               <a:rPr lang="en-US" smtClean="0">
                 <a:solidFill>
                   <a:prstClr val="black">
@@ -2059,8 +2116,7 @@
                   </a:prstClr>
                 </a:solidFill>
               </a:rPr>
-              <a:pPr/>
-              <a:t>6/8/2023</a:t>
+              <a:t>6/14/2023</a:t>
             </a:fld>
             <a:endParaRPr lang="en-US">
               <a:solidFill>
@@ -2505,7 +2561,7 @@
           <a:bodyPr/>
           <a:lstStyle/>
           <a:p>
-            <a:fld id="{87E7692C-3577-F745-8DF3-D399A394EE18}" type="datetimeFigureOut">
+            <a:fld id="{FD07DCE6-BEBA-4F56-AE81-4749A02CBF70}" type="datetime1">
               <a:rPr lang="en-US" smtClean="0">
                 <a:solidFill>
                   <a:prstClr val="black">
@@ -2513,8 +2569,7 @@
                   </a:prstClr>
                 </a:solidFill>
               </a:rPr>
-              <a:pPr/>
-              <a:t>6/8/2023</a:t>
+              <a:t>6/14/2023</a:t>
             </a:fld>
             <a:endParaRPr lang="en-US">
               <a:solidFill>
@@ -2655,7 +2710,7 @@
           <a:bodyPr/>
           <a:lstStyle/>
           <a:p>
-            <a:fld id="{87E7692C-3577-F745-8DF3-D399A394EE18}" type="datetimeFigureOut">
+            <a:fld id="{0D6DD824-C881-474D-990D-467C014E30FE}" type="datetime1">
               <a:rPr lang="en-US" smtClean="0">
                 <a:solidFill>
                   <a:prstClr val="black">
@@ -2663,8 +2718,7 @@
                   </a:prstClr>
                 </a:solidFill>
               </a:rPr>
-              <a:pPr/>
-              <a:t>6/8/2023</a:t>
+              <a:t>6/14/2023</a:t>
             </a:fld>
             <a:endParaRPr lang="en-US">
               <a:solidFill>
@@ -2782,7 +2836,7 @@
           <a:bodyPr/>
           <a:lstStyle/>
           <a:p>
-            <a:fld id="{87E7692C-3577-F745-8DF3-D399A394EE18}" type="datetimeFigureOut">
+            <a:fld id="{57FB523F-9C13-4477-A843-AFBD6BB0AF0D}" type="datetime1">
               <a:rPr lang="en-US" smtClean="0">
                 <a:solidFill>
                   <a:prstClr val="black">
@@ -2790,8 +2844,7 @@
                   </a:prstClr>
                 </a:solidFill>
               </a:rPr>
-              <a:pPr/>
-              <a:t>6/8/2023</a:t>
+              <a:t>6/14/2023</a:t>
             </a:fld>
             <a:endParaRPr lang="en-US">
               <a:solidFill>
@@ -3091,7 +3144,7 @@
           <a:bodyPr/>
           <a:lstStyle/>
           <a:p>
-            <a:fld id="{87E7692C-3577-F745-8DF3-D399A394EE18}" type="datetimeFigureOut">
+            <a:fld id="{46C29ED2-8F8E-44EF-9B9E-18C50F061346}" type="datetime1">
               <a:rPr lang="en-US" smtClean="0">
                 <a:solidFill>
                   <a:prstClr val="black">
@@ -3099,8 +3152,7 @@
                   </a:prstClr>
                 </a:solidFill>
               </a:rPr>
-              <a:pPr/>
-              <a:t>6/8/2023</a:t>
+              <a:t>6/14/2023</a:t>
             </a:fld>
             <a:endParaRPr lang="en-US">
               <a:solidFill>
@@ -3376,7 +3428,7 @@
           <a:bodyPr/>
           <a:lstStyle/>
           <a:p>
-            <a:fld id="{87E7692C-3577-F745-8DF3-D399A394EE18}" type="datetimeFigureOut">
+            <a:fld id="{FBFA73CA-0D4B-4651-AB91-A288752E04DA}" type="datetime1">
               <a:rPr lang="en-US" smtClean="0">
                 <a:solidFill>
                   <a:prstClr val="black">
@@ -3384,8 +3436,7 @@
                   </a:prstClr>
                 </a:solidFill>
               </a:rPr>
-              <a:pPr/>
-              <a:t>6/8/2023</a:t>
+              <a:t>6/14/2023</a:t>
             </a:fld>
             <a:endParaRPr lang="en-US">
               <a:solidFill>
@@ -3625,7 +3676,7 @@
           </a:lstStyle>
           <a:p>
             <a:pPr defTabSz="457200"/>
-            <a:fld id="{87E7692C-3577-F745-8DF3-D399A394EE18}" type="datetimeFigureOut">
+            <a:fld id="{067DDBD3-CAC8-4877-8EB2-A7449BAA2583}" type="datetime1">
               <a:rPr lang="en-US" smtClean="0">
                 <a:solidFill>
                   <a:prstClr val="black">
@@ -3633,8 +3684,7 @@
                   </a:prstClr>
                 </a:solidFill>
               </a:rPr>
-              <a:pPr defTabSz="457200"/>
-              <a:t>6/8/2023</a:t>
+              <a:t>6/14/2023</a:t>
             </a:fld>
             <a:endParaRPr lang="en-US">
               <a:solidFill>
@@ -3929,6 +3979,7 @@
     <p:sldLayoutId id="2147483670" r:id="rId10"/>
     <p:sldLayoutId id="2147483671" r:id="rId11"/>
   </p:sldLayoutIdLst>
+  <p:hf hdr="0" ftr="0" dt="0"/>
   <p:txStyles>
     <p:titleStyle>
       <a:lvl1pPr algn="ctr" defTabSz="457200" rtl="0" eaLnBrk="1" latinLnBrk="0" hangingPunct="1">
@@ -4321,6 +4372,172 @@
           <p:cNvPr id="2" name="Título 1">
             <a:extLst>
               <a:ext uri="{FF2B5EF4-FFF2-40B4-BE49-F238E27FC236}">
+                <a16:creationId xmlns:a16="http://schemas.microsoft.com/office/drawing/2014/main" id="{691E9056-392D-6BDD-F868-B90A18A9C3DE}"/>
+              </a:ext>
+            </a:extLst>
+          </p:cNvPr>
+          <p:cNvSpPr>
+            <a:spLocks noGrp="1"/>
+          </p:cNvSpPr>
+          <p:nvPr>
+            <p:ph type="title"/>
+          </p:nvPr>
+        </p:nvSpPr>
+        <p:spPr/>
+        <p:txBody>
+          <a:bodyPr>
+            <a:normAutofit fontScale="90000"/>
+          </a:bodyPr>
+          <a:lstStyle/>
+          <a:p>
+            <a:r>
+              <a:rPr lang="pt-PT" dirty="0" err="1"/>
+              <a:t>Constructive</a:t>
+            </a:r>
+            <a:r>
+              <a:rPr lang="pt-PT" dirty="0"/>
+              <a:t> </a:t>
+            </a:r>
+            <a:r>
+              <a:rPr lang="pt-PT" dirty="0" err="1"/>
+              <a:t>Heuristic</a:t>
+            </a:r>
+            <a:endParaRPr lang="pt-PT" dirty="0"/>
+          </a:p>
+        </p:txBody>
+      </p:sp>
+      <p:sp>
+        <p:nvSpPr>
+          <p:cNvPr id="3" name="Marcador de Posição de Conteúdo 2">
+            <a:extLst>
+              <a:ext uri="{FF2B5EF4-FFF2-40B4-BE49-F238E27FC236}">
+                <a16:creationId xmlns:a16="http://schemas.microsoft.com/office/drawing/2014/main" id="{01A67FE9-9BF4-B942-8E9B-6E04A1A965B2}"/>
+              </a:ext>
+            </a:extLst>
+          </p:cNvPr>
+          <p:cNvSpPr>
+            <a:spLocks noGrp="1"/>
+          </p:cNvSpPr>
+          <p:nvPr>
+            <p:ph idx="1"/>
+          </p:nvPr>
+        </p:nvSpPr>
+        <p:spPr/>
+        <p:txBody>
+          <a:bodyPr>
+            <a:normAutofit/>
+          </a:bodyPr>
+          <a:lstStyle/>
+          <a:p>
+            <a:pPr algn="just"/>
+            <a:r>
+              <a:rPr lang="en-US" sz="1800" dirty="0">
+                <a:latin typeface="Porto Sans Light (corpo)"/>
+              </a:rPr>
+              <a:t>Constructive heuristics generate a solution by iteratively adding an element to the solution until an admissible solution is generated.</a:t>
+            </a:r>
+          </a:p>
+          <a:p>
+            <a:pPr algn="just"/>
+            <a:r>
+              <a:rPr lang="en-US" sz="1800" b="0" i="0" dirty="0">
+                <a:effectLst/>
+                <a:latin typeface="Porto Sans Light (corpo)"/>
+              </a:rPr>
+              <a:t>In the case of the Constructive Heuristic, it was decided to allocate customers to facilities, promoting an allocation criterion based on the lowest ratio between the cost of opening a Facility and the Facility’s initial capacity.</a:t>
+            </a:r>
+          </a:p>
+          <a:p>
+            <a:pPr algn="just"/>
+            <a:r>
+              <a:rPr lang="en-US" sz="1800" dirty="0">
+                <a:latin typeface="Porto Sans Light (corpo)"/>
+              </a:rPr>
+              <a:t>In the case of greedy heuristics, the choice of the next element to be inserted in the solution is done by what most favors the objective of the problem in the time.</a:t>
+            </a:r>
+            <a:endParaRPr lang="pt-PT" sz="1800" dirty="0">
+              <a:latin typeface="Porto Sans Light (corpo)"/>
+            </a:endParaRPr>
+          </a:p>
+        </p:txBody>
+      </p:sp>
+      <p:sp>
+        <p:nvSpPr>
+          <p:cNvPr id="4" name="Marcador de Posição do Número do Diapositivo 3">
+            <a:extLst>
+              <a:ext uri="{FF2B5EF4-FFF2-40B4-BE49-F238E27FC236}">
+                <a16:creationId xmlns:a16="http://schemas.microsoft.com/office/drawing/2014/main" id="{A8285C5A-0150-888C-66FE-48666A1C0992}"/>
+              </a:ext>
+            </a:extLst>
+          </p:cNvPr>
+          <p:cNvSpPr>
+            <a:spLocks noGrp="1"/>
+          </p:cNvSpPr>
+          <p:nvPr>
+            <p:ph type="sldNum" sz="quarter" idx="12"/>
+          </p:nvPr>
+        </p:nvSpPr>
+        <p:spPr/>
+        <p:txBody>
+          <a:bodyPr/>
+          <a:lstStyle/>
+          <a:p>
+            <a:fld id="{91727942-0F31-8246-9E69-0AE29DBBE5E4}" type="slidenum">
+              <a:rPr lang="en-US" smtClean="0">
+                <a:solidFill>
+                  <a:prstClr val="black">
+                    <a:tint val="75000"/>
+                  </a:prstClr>
+                </a:solidFill>
+              </a:rPr>
+              <a:pPr/>
+              <a:t>10</a:t>
+            </a:fld>
+            <a:endParaRPr lang="en-US">
+              <a:solidFill>
+                <a:prstClr val="black">
+                  <a:tint val="75000"/>
+                </a:prstClr>
+              </a:solidFill>
+            </a:endParaRPr>
+          </a:p>
+        </p:txBody>
+      </p:sp>
+    </p:spTree>
+    <p:extLst>
+      <p:ext uri="{BB962C8B-B14F-4D97-AF65-F5344CB8AC3E}">
+        <p14:creationId xmlns:p14="http://schemas.microsoft.com/office/powerpoint/2010/main" val="4178277529"/>
+      </p:ext>
+    </p:extLst>
+  </p:cSld>
+  <p:clrMapOvr>
+    <a:masterClrMapping/>
+  </p:clrMapOvr>
+</p:sld>
+</file>
+
+<file path=ppt/slides/slide11.xml><?xml version="1.0" encoding="utf-8"?>
+<p:sld xmlns:a="http://schemas.openxmlformats.org/drawingml/2006/main" xmlns:r="http://schemas.openxmlformats.org/officeDocument/2006/relationships" xmlns:p="http://schemas.openxmlformats.org/presentationml/2006/main">
+  <p:cSld>
+    <p:spTree>
+      <p:nvGrpSpPr>
+        <p:cNvPr id="1" name=""/>
+        <p:cNvGrpSpPr/>
+        <p:nvPr/>
+      </p:nvGrpSpPr>
+      <p:grpSpPr>
+        <a:xfrm>
+          <a:off x="0" y="0"/>
+          <a:ext cx="0" cy="0"/>
+          <a:chOff x="0" y="0"/>
+          <a:chExt cx="0" cy="0"/>
+        </a:xfrm>
+      </p:grpSpPr>
+      <p:sp>
+        <p:nvSpPr>
+          <p:cNvPr id="2" name="Título 1">
+            <a:extLst>
+              <a:ext uri="{FF2B5EF4-FFF2-40B4-BE49-F238E27FC236}">
                 <a16:creationId xmlns:a16="http://schemas.microsoft.com/office/drawing/2014/main" id="{A8485180-9441-B495-E912-C7A78A4A251E}"/>
               </a:ext>
             </a:extLst>
@@ -4413,6 +4630,48 @@
           </a:p>
         </p:txBody>
       </p:sp>
+      <p:sp>
+        <p:nvSpPr>
+          <p:cNvPr id="3" name="Marcador de Posição do Número do Diapositivo 2">
+            <a:extLst>
+              <a:ext uri="{FF2B5EF4-FFF2-40B4-BE49-F238E27FC236}">
+                <a16:creationId xmlns:a16="http://schemas.microsoft.com/office/drawing/2014/main" id="{82CD84DF-44A4-336D-CCA8-3C7D35122B30}"/>
+              </a:ext>
+            </a:extLst>
+          </p:cNvPr>
+          <p:cNvSpPr>
+            <a:spLocks noGrp="1"/>
+          </p:cNvSpPr>
+          <p:nvPr>
+            <p:ph type="sldNum" sz="quarter" idx="12"/>
+          </p:nvPr>
+        </p:nvSpPr>
+        <p:spPr/>
+        <p:txBody>
+          <a:bodyPr/>
+          <a:lstStyle/>
+          <a:p>
+            <a:fld id="{91727942-0F31-8246-9E69-0AE29DBBE5E4}" type="slidenum">
+              <a:rPr lang="en-US" smtClean="0">
+                <a:solidFill>
+                  <a:prstClr val="black">
+                    <a:tint val="75000"/>
+                  </a:prstClr>
+                </a:solidFill>
+              </a:rPr>
+              <a:pPr/>
+              <a:t>11</a:t>
+            </a:fld>
+            <a:endParaRPr lang="en-US">
+              <a:solidFill>
+                <a:prstClr val="black">
+                  <a:tint val="75000"/>
+                </a:prstClr>
+              </a:solidFill>
+            </a:endParaRPr>
+          </a:p>
+        </p:txBody>
+      </p:sp>
     </p:spTree>
     <p:extLst>
       <p:ext uri="{BB962C8B-B14F-4D97-AF65-F5344CB8AC3E}">
@@ -4426,7 +4685,7 @@
 </p:sld>
 </file>
 
-<file path=ppt/slides/slide11.xml><?xml version="1.0" encoding="utf-8"?>
+<file path=ppt/slides/slide12.xml><?xml version="1.0" encoding="utf-8"?>
 <p:sld xmlns:a="http://schemas.openxmlformats.org/drawingml/2006/main" xmlns:r="http://schemas.openxmlformats.org/officeDocument/2006/relationships" xmlns:p="http://schemas.openxmlformats.org/presentationml/2006/main">
   <p:cSld>
     <p:spTree>
@@ -6943,543 +7202,52 @@
           </a:p>
         </p:txBody>
       </p:sp>
+      <p:sp>
+        <p:nvSpPr>
+          <p:cNvPr id="21" name="Marcador de Posição do Número do Diapositivo 20">
+            <a:extLst>
+              <a:ext uri="{FF2B5EF4-FFF2-40B4-BE49-F238E27FC236}">
+                <a16:creationId xmlns:a16="http://schemas.microsoft.com/office/drawing/2014/main" id="{6203BA5D-C52C-5835-B82C-78E331969F76}"/>
+              </a:ext>
+            </a:extLst>
+          </p:cNvPr>
+          <p:cNvSpPr>
+            <a:spLocks noGrp="1"/>
+          </p:cNvSpPr>
+          <p:nvPr>
+            <p:ph type="sldNum" sz="quarter" idx="12"/>
+          </p:nvPr>
+        </p:nvSpPr>
+        <p:spPr/>
+        <p:txBody>
+          <a:bodyPr/>
+          <a:lstStyle/>
+          <a:p>
+            <a:fld id="{91727942-0F31-8246-9E69-0AE29DBBE5E4}" type="slidenum">
+              <a:rPr lang="en-US" smtClean="0">
+                <a:solidFill>
+                  <a:prstClr val="black">
+                    <a:tint val="75000"/>
+                  </a:prstClr>
+                </a:solidFill>
+              </a:rPr>
+              <a:pPr/>
+              <a:t>12</a:t>
+            </a:fld>
+            <a:endParaRPr lang="en-US">
+              <a:solidFill>
+                <a:prstClr val="black">
+                  <a:tint val="75000"/>
+                </a:prstClr>
+              </a:solidFill>
+            </a:endParaRPr>
+          </a:p>
+        </p:txBody>
+      </p:sp>
     </p:spTree>
     <p:extLst>
       <p:ext uri="{BB962C8B-B14F-4D97-AF65-F5344CB8AC3E}">
         <p14:creationId xmlns:p14="http://schemas.microsoft.com/office/powerpoint/2010/main" val="2381588700"/>
-      </p:ext>
-    </p:extLst>
-  </p:cSld>
-  <p:clrMapOvr>
-    <a:masterClrMapping/>
-  </p:clrMapOvr>
-</p:sld>
-</file>
-
-<file path=ppt/slides/slide12.xml><?xml version="1.0" encoding="utf-8"?>
-<p:sld xmlns:a="http://schemas.openxmlformats.org/drawingml/2006/main" xmlns:r="http://schemas.openxmlformats.org/officeDocument/2006/relationships" xmlns:p="http://schemas.openxmlformats.org/presentationml/2006/main">
-  <p:cSld>
-    <p:spTree>
-      <p:nvGrpSpPr>
-        <p:cNvPr id="1" name=""/>
-        <p:cNvGrpSpPr/>
-        <p:nvPr/>
-      </p:nvGrpSpPr>
-      <p:grpSpPr>
-        <a:xfrm>
-          <a:off x="0" y="0"/>
-          <a:ext cx="0" cy="0"/>
-          <a:chOff x="0" y="0"/>
-          <a:chExt cx="0" cy="0"/>
-        </a:xfrm>
-      </p:grpSpPr>
-      <p:sp>
-        <p:nvSpPr>
-          <p:cNvPr id="2" name="Título 1"/>
-          <p:cNvSpPr>
-            <a:spLocks noGrp="1"/>
-          </p:cNvSpPr>
-          <p:nvPr>
-            <p:ph type="title"/>
-          </p:nvPr>
-        </p:nvSpPr>
-        <p:spPr/>
-        <p:txBody>
-          <a:bodyPr>
-            <a:normAutofit fontScale="90000"/>
-          </a:bodyPr>
-          <a:lstStyle/>
-          <a:p>
-            <a:r>
-              <a:rPr lang="en-GB" dirty="0"/>
-              <a:t>Results of the Exact Method</a:t>
-            </a:r>
-          </a:p>
-        </p:txBody>
-      </p:sp>
-      <p:sp>
-        <p:nvSpPr>
-          <p:cNvPr id="3" name="Marcador de Posição de Conteúdo 2"/>
-          <p:cNvSpPr>
-            <a:spLocks noGrp="1"/>
-          </p:cNvSpPr>
-          <p:nvPr>
-            <p:ph idx="1"/>
-          </p:nvPr>
-        </p:nvSpPr>
-        <p:spPr>
-          <a:xfrm>
-            <a:off x="457200" y="1844825"/>
-            <a:ext cx="8229600" cy="3096343"/>
-          </a:xfrm>
-        </p:spPr>
-        <p:txBody>
-          <a:bodyPr/>
-          <a:lstStyle/>
-          <a:p>
-            <a:r>
-              <a:rPr lang="pt-PT" dirty="0" err="1"/>
-              <a:t>Delmaire</a:t>
-            </a:r>
-            <a:r>
-              <a:rPr lang="pt-PT" dirty="0"/>
-              <a:t> (52 OS out </a:t>
-            </a:r>
-            <a:r>
-              <a:rPr lang="pt-PT" dirty="0" err="1"/>
-              <a:t>of</a:t>
-            </a:r>
-            <a:r>
-              <a:rPr lang="pt-PT" dirty="0"/>
-              <a:t> 57)</a:t>
-            </a:r>
-          </a:p>
-          <a:p>
-            <a:r>
-              <a:rPr lang="pt-PT" dirty="0" err="1"/>
-              <a:t>Holmberg</a:t>
-            </a:r>
-            <a:r>
-              <a:rPr lang="pt-PT" dirty="0"/>
-              <a:t> (71 OS out </a:t>
-            </a:r>
-            <a:r>
-              <a:rPr lang="pt-PT" dirty="0" err="1"/>
-              <a:t>of</a:t>
-            </a:r>
-            <a:r>
-              <a:rPr lang="pt-PT" dirty="0"/>
-              <a:t> 71)</a:t>
-            </a:r>
-          </a:p>
-          <a:p>
-            <a:r>
-              <a:rPr lang="pt-PT" dirty="0"/>
-              <a:t>OR-</a:t>
-            </a:r>
-            <a:r>
-              <a:rPr lang="pt-PT" dirty="0" err="1"/>
-              <a:t>Library</a:t>
-            </a:r>
-            <a:r>
-              <a:rPr lang="pt-PT" dirty="0"/>
-              <a:t> (9 OS out </a:t>
-            </a:r>
-            <a:r>
-              <a:rPr lang="pt-PT" dirty="0" err="1"/>
-              <a:t>of</a:t>
-            </a:r>
-            <a:r>
-              <a:rPr lang="pt-PT" dirty="0"/>
-              <a:t> </a:t>
-            </a:r>
-            <a:r>
-              <a:rPr lang="pt-PT" u="sng" dirty="0"/>
-              <a:t>36</a:t>
-            </a:r>
-            <a:r>
-              <a:rPr lang="pt-PT" dirty="0"/>
-              <a:t>)</a:t>
-            </a:r>
-          </a:p>
-          <a:p>
-            <a:r>
-              <a:rPr lang="pt-PT" dirty="0"/>
-              <a:t>Yang (9 OS out </a:t>
-            </a:r>
-            <a:r>
-              <a:rPr lang="pt-PT" dirty="0" err="1"/>
-              <a:t>of</a:t>
-            </a:r>
-            <a:r>
-              <a:rPr lang="pt-PT" dirty="0"/>
-              <a:t> 20)</a:t>
-            </a:r>
-          </a:p>
-          <a:p>
-            <a:r>
-              <a:rPr lang="pt-PT" dirty="0"/>
-              <a:t>TBED1 (0 OS out </a:t>
-            </a:r>
-            <a:r>
-              <a:rPr lang="pt-PT" dirty="0" err="1"/>
-              <a:t>of</a:t>
-            </a:r>
-            <a:r>
-              <a:rPr lang="pt-PT" dirty="0"/>
-              <a:t> 60)</a:t>
-            </a:r>
-          </a:p>
-        </p:txBody>
-      </p:sp>
-      <p:sp>
-        <p:nvSpPr>
-          <p:cNvPr id="4" name="CaixaDeTexto 1"/>
-          <p:cNvSpPr txBox="1">
-            <a:spLocks noChangeArrowheads="1"/>
-          </p:cNvSpPr>
-          <p:nvPr/>
-        </p:nvSpPr>
-        <p:spPr bwMode="auto">
-          <a:xfrm>
-            <a:off x="6228184" y="6309320"/>
-            <a:ext cx="2387228" cy="461665"/>
-          </a:xfrm>
-          <a:prstGeom prst="rect">
-            <a:avLst/>
-          </a:prstGeom>
-          <a:noFill/>
-          <a:ln>
-            <a:noFill/>
-          </a:ln>
-          <a:extLst>
-            <a:ext uri="{909E8E84-426E-40DD-AFC4-6F175D3DCCD1}">
-              <a14:hiddenFill xmlns:a14="http://schemas.microsoft.com/office/drawing/2010/main">
-                <a:solidFill>
-                  <a:srgbClr val="FFFFFF"/>
-                </a:solidFill>
-              </a14:hiddenFill>
-            </a:ext>
-            <a:ext uri="{91240B29-F687-4F45-9708-019B960494DF}">
-              <a14:hiddenLine xmlns:a14="http://schemas.microsoft.com/office/drawing/2010/main" w="9525">
-                <a:solidFill>
-                  <a:srgbClr val="000000"/>
-                </a:solidFill>
-                <a:miter lim="800000"/>
-                <a:headEnd/>
-                <a:tailEnd/>
-              </a14:hiddenLine>
-            </a:ext>
-          </a:extLst>
-        </p:spPr>
-        <p:txBody>
-          <a:bodyPr wrap="square">
-            <a:spAutoFit/>
-          </a:bodyPr>
-          <a:lstStyle>
-            <a:lvl1pPr>
-              <a:defRPr>
-                <a:solidFill>
-                  <a:schemeClr val="tx1"/>
-                </a:solidFill>
-                <a:latin typeface="Calibri" panose="020F0502020204030204" pitchFamily="34" charset="0"/>
-              </a:defRPr>
-            </a:lvl1pPr>
-            <a:lvl2pPr marL="742950" indent="-285750">
-              <a:defRPr>
-                <a:solidFill>
-                  <a:schemeClr val="tx1"/>
-                </a:solidFill>
-                <a:latin typeface="Calibri" panose="020F0502020204030204" pitchFamily="34" charset="0"/>
-              </a:defRPr>
-            </a:lvl2pPr>
-            <a:lvl3pPr marL="1143000" indent="-228600">
-              <a:defRPr>
-                <a:solidFill>
-                  <a:schemeClr val="tx1"/>
-                </a:solidFill>
-                <a:latin typeface="Calibri" panose="020F0502020204030204" pitchFamily="34" charset="0"/>
-              </a:defRPr>
-            </a:lvl3pPr>
-            <a:lvl4pPr marL="1600200" indent="-228600">
-              <a:defRPr>
-                <a:solidFill>
-                  <a:schemeClr val="tx1"/>
-                </a:solidFill>
-                <a:latin typeface="Calibri" panose="020F0502020204030204" pitchFamily="34" charset="0"/>
-              </a:defRPr>
-            </a:lvl4pPr>
-            <a:lvl5pPr marL="2057400" indent="-228600">
-              <a:defRPr>
-                <a:solidFill>
-                  <a:schemeClr val="tx1"/>
-                </a:solidFill>
-                <a:latin typeface="Calibri" panose="020F0502020204030204" pitchFamily="34" charset="0"/>
-              </a:defRPr>
-            </a:lvl5pPr>
-            <a:lvl6pPr marL="2514600" indent="-228600" defTabSz="457200" fontAlgn="base">
-              <a:spcBef>
-                <a:spcPct val="0"/>
-              </a:spcBef>
-              <a:spcAft>
-                <a:spcPct val="0"/>
-              </a:spcAft>
-              <a:defRPr>
-                <a:solidFill>
-                  <a:schemeClr val="tx1"/>
-                </a:solidFill>
-                <a:latin typeface="Calibri" panose="020F0502020204030204" pitchFamily="34" charset="0"/>
-              </a:defRPr>
-            </a:lvl6pPr>
-            <a:lvl7pPr marL="2971800" indent="-228600" defTabSz="457200" fontAlgn="base">
-              <a:spcBef>
-                <a:spcPct val="0"/>
-              </a:spcBef>
-              <a:spcAft>
-                <a:spcPct val="0"/>
-              </a:spcAft>
-              <a:defRPr>
-                <a:solidFill>
-                  <a:schemeClr val="tx1"/>
-                </a:solidFill>
-                <a:latin typeface="Calibri" panose="020F0502020204030204" pitchFamily="34" charset="0"/>
-              </a:defRPr>
-            </a:lvl7pPr>
-            <a:lvl8pPr marL="3429000" indent="-228600" defTabSz="457200" fontAlgn="base">
-              <a:spcBef>
-                <a:spcPct val="0"/>
-              </a:spcBef>
-              <a:spcAft>
-                <a:spcPct val="0"/>
-              </a:spcAft>
-              <a:defRPr>
-                <a:solidFill>
-                  <a:schemeClr val="tx1"/>
-                </a:solidFill>
-                <a:latin typeface="Calibri" panose="020F0502020204030204" pitchFamily="34" charset="0"/>
-              </a:defRPr>
-            </a:lvl8pPr>
-            <a:lvl9pPr marL="3886200" indent="-228600" defTabSz="457200" fontAlgn="base">
-              <a:spcBef>
-                <a:spcPct val="0"/>
-              </a:spcBef>
-              <a:spcAft>
-                <a:spcPct val="0"/>
-              </a:spcAft>
-              <a:defRPr>
-                <a:solidFill>
-                  <a:schemeClr val="tx1"/>
-                </a:solidFill>
-                <a:latin typeface="Calibri" panose="020F0502020204030204" pitchFamily="34" charset="0"/>
-              </a:defRPr>
-            </a:lvl9pPr>
-          </a:lstStyle>
-          <a:p>
-            <a:r>
-              <a:rPr lang="pt-PT" sz="1200" dirty="0">
-                <a:latin typeface="Porto Sans Light" panose="00000400000000000000" pitchFamily="50" charset="0"/>
-              </a:rPr>
-              <a:t>João Silva | Olavo Alves | Luís Silva</a:t>
-            </a:r>
-          </a:p>
-          <a:p>
-            <a:pPr eaLnBrk="1" hangingPunct="1"/>
-            <a:endParaRPr lang="pt-PT" altLang="pt-PT" sz="1200" dirty="0">
-              <a:latin typeface="Porto Sans Light" panose="00000400000000000000" pitchFamily="50" charset="0"/>
-            </a:endParaRPr>
-          </a:p>
-        </p:txBody>
-      </p:sp>
-      <p:sp>
-        <p:nvSpPr>
-          <p:cNvPr id="5" name="CaixaDeTexto 2"/>
-          <p:cNvSpPr txBox="1">
-            <a:spLocks noChangeArrowheads="1"/>
-          </p:cNvSpPr>
-          <p:nvPr/>
-        </p:nvSpPr>
-        <p:spPr bwMode="auto">
-          <a:xfrm>
-            <a:off x="462100" y="6309320"/>
-            <a:ext cx="3317812" cy="276999"/>
-          </a:xfrm>
-          <a:prstGeom prst="rect">
-            <a:avLst/>
-          </a:prstGeom>
-          <a:noFill/>
-          <a:ln>
-            <a:noFill/>
-          </a:ln>
-          <a:extLst>
-            <a:ext uri="{909E8E84-426E-40DD-AFC4-6F175D3DCCD1}">
-              <a14:hiddenFill xmlns:a14="http://schemas.microsoft.com/office/drawing/2010/main">
-                <a:solidFill>
-                  <a:srgbClr val="FFFFFF"/>
-                </a:solidFill>
-              </a14:hiddenFill>
-            </a:ext>
-            <a:ext uri="{91240B29-F687-4F45-9708-019B960494DF}">
-              <a14:hiddenLine xmlns:a14="http://schemas.microsoft.com/office/drawing/2010/main" w="9525">
-                <a:solidFill>
-                  <a:srgbClr val="000000"/>
-                </a:solidFill>
-                <a:miter lim="800000"/>
-                <a:headEnd/>
-                <a:tailEnd/>
-              </a14:hiddenLine>
-            </a:ext>
-          </a:extLst>
-        </p:spPr>
-        <p:txBody>
-          <a:bodyPr wrap="square">
-            <a:spAutoFit/>
-          </a:bodyPr>
-          <a:lstStyle>
-            <a:lvl1pPr>
-              <a:defRPr>
-                <a:solidFill>
-                  <a:schemeClr val="tx1"/>
-                </a:solidFill>
-                <a:latin typeface="Calibri" panose="020F0502020204030204" pitchFamily="34" charset="0"/>
-              </a:defRPr>
-            </a:lvl1pPr>
-            <a:lvl2pPr marL="742950" indent="-285750">
-              <a:defRPr>
-                <a:solidFill>
-                  <a:schemeClr val="tx1"/>
-                </a:solidFill>
-                <a:latin typeface="Calibri" panose="020F0502020204030204" pitchFamily="34" charset="0"/>
-              </a:defRPr>
-            </a:lvl2pPr>
-            <a:lvl3pPr marL="1143000" indent="-228600">
-              <a:defRPr>
-                <a:solidFill>
-                  <a:schemeClr val="tx1"/>
-                </a:solidFill>
-                <a:latin typeface="Calibri" panose="020F0502020204030204" pitchFamily="34" charset="0"/>
-              </a:defRPr>
-            </a:lvl3pPr>
-            <a:lvl4pPr marL="1600200" indent="-228600">
-              <a:defRPr>
-                <a:solidFill>
-                  <a:schemeClr val="tx1"/>
-                </a:solidFill>
-                <a:latin typeface="Calibri" panose="020F0502020204030204" pitchFamily="34" charset="0"/>
-              </a:defRPr>
-            </a:lvl4pPr>
-            <a:lvl5pPr marL="2057400" indent="-228600">
-              <a:defRPr>
-                <a:solidFill>
-                  <a:schemeClr val="tx1"/>
-                </a:solidFill>
-                <a:latin typeface="Calibri" panose="020F0502020204030204" pitchFamily="34" charset="0"/>
-              </a:defRPr>
-            </a:lvl5pPr>
-            <a:lvl6pPr marL="2514600" indent="-228600" defTabSz="457200" fontAlgn="base">
-              <a:spcBef>
-                <a:spcPct val="0"/>
-              </a:spcBef>
-              <a:spcAft>
-                <a:spcPct val="0"/>
-              </a:spcAft>
-              <a:defRPr>
-                <a:solidFill>
-                  <a:schemeClr val="tx1"/>
-                </a:solidFill>
-                <a:latin typeface="Calibri" panose="020F0502020204030204" pitchFamily="34" charset="0"/>
-              </a:defRPr>
-            </a:lvl6pPr>
-            <a:lvl7pPr marL="2971800" indent="-228600" defTabSz="457200" fontAlgn="base">
-              <a:spcBef>
-                <a:spcPct val="0"/>
-              </a:spcBef>
-              <a:spcAft>
-                <a:spcPct val="0"/>
-              </a:spcAft>
-              <a:defRPr>
-                <a:solidFill>
-                  <a:schemeClr val="tx1"/>
-                </a:solidFill>
-                <a:latin typeface="Calibri" panose="020F0502020204030204" pitchFamily="34" charset="0"/>
-              </a:defRPr>
-            </a:lvl7pPr>
-            <a:lvl8pPr marL="3429000" indent="-228600" defTabSz="457200" fontAlgn="base">
-              <a:spcBef>
-                <a:spcPct val="0"/>
-              </a:spcBef>
-              <a:spcAft>
-                <a:spcPct val="0"/>
-              </a:spcAft>
-              <a:defRPr>
-                <a:solidFill>
-                  <a:schemeClr val="tx1"/>
-                </a:solidFill>
-                <a:latin typeface="Calibri" panose="020F0502020204030204" pitchFamily="34" charset="0"/>
-              </a:defRPr>
-            </a:lvl8pPr>
-            <a:lvl9pPr marL="3886200" indent="-228600" defTabSz="457200" fontAlgn="base">
-              <a:spcBef>
-                <a:spcPct val="0"/>
-              </a:spcBef>
-              <a:spcAft>
-                <a:spcPct val="0"/>
-              </a:spcAft>
-              <a:defRPr>
-                <a:solidFill>
-                  <a:schemeClr val="tx1"/>
-                </a:solidFill>
-                <a:latin typeface="Calibri" panose="020F0502020204030204" pitchFamily="34" charset="0"/>
-              </a:defRPr>
-            </a:lvl9pPr>
-          </a:lstStyle>
-          <a:p>
-            <a:pPr eaLnBrk="1" hangingPunct="1"/>
-            <a:r>
-              <a:rPr lang="pt-PT" altLang="pt-PT" sz="1200" dirty="0">
-                <a:latin typeface="Porto Sans Light" panose="00000400000000000000" pitchFamily="50" charset="0"/>
-              </a:rPr>
-              <a:t>Óscar Oliveira / Simulação e Otimização (2022/23)</a:t>
-            </a:r>
-          </a:p>
-        </p:txBody>
-      </p:sp>
-      <p:sp>
-        <p:nvSpPr>
-          <p:cNvPr id="6" name="TextBox 5">
-            <a:extLst>
-              <a:ext uri="{FF2B5EF4-FFF2-40B4-BE49-F238E27FC236}">
-                <a16:creationId xmlns:a16="http://schemas.microsoft.com/office/drawing/2014/main" id="{C79ADF5F-C195-05E1-0173-75597FC02C5A}"/>
-              </a:ext>
-            </a:extLst>
-          </p:cNvPr>
-          <p:cNvSpPr txBox="1"/>
-          <p:nvPr/>
-        </p:nvSpPr>
-        <p:spPr>
-          <a:xfrm>
-            <a:off x="457200" y="5302078"/>
-            <a:ext cx="7211144" cy="646331"/>
-          </a:xfrm>
-          <a:prstGeom prst="rect">
-            <a:avLst/>
-          </a:prstGeom>
-          <a:noFill/>
-        </p:spPr>
-        <p:txBody>
-          <a:bodyPr wrap="square" rtlCol="0">
-            <a:spAutoFit/>
-          </a:bodyPr>
-          <a:lstStyle/>
-          <a:p>
-            <a:r>
-              <a:rPr lang="pt-PT" dirty="0"/>
-              <a:t>*OS – </a:t>
-            </a:r>
-            <a:r>
-              <a:rPr lang="en-US" dirty="0"/>
-              <a:t>Optimal Solutions</a:t>
-            </a:r>
-          </a:p>
-          <a:p>
-            <a:r>
-              <a:rPr lang="en-US" dirty="0"/>
-              <a:t>** Optimal Solutions considered when </a:t>
-            </a:r>
-            <a:r>
-              <a:rPr lang="en-US" dirty="0">
-                <a:effectLst/>
-                <a:latin typeface="Arial" panose="020B0604020202020204" pitchFamily="34" charset="0"/>
-              </a:rPr>
-              <a:t>Z-Z* was 0 or ≈0 </a:t>
-            </a:r>
-            <a:endParaRPr lang="en-US" dirty="0"/>
-          </a:p>
-        </p:txBody>
-      </p:sp>
-    </p:spTree>
-    <p:extLst>
-      <p:ext uri="{BB962C8B-B14F-4D97-AF65-F5344CB8AC3E}">
-        <p14:creationId xmlns:p14="http://schemas.microsoft.com/office/powerpoint/2010/main" val="2513354738"/>
       </p:ext>
     </p:extLst>
   </p:cSld>
@@ -7508,10 +7276,513 @@
       </p:grpSpPr>
       <p:sp>
         <p:nvSpPr>
-          <p:cNvPr id="2" name="Título 1">
+          <p:cNvPr id="2" name="Título 1"/>
+          <p:cNvSpPr>
+            <a:spLocks noGrp="1"/>
+          </p:cNvSpPr>
+          <p:nvPr>
+            <p:ph type="title"/>
+          </p:nvPr>
+        </p:nvSpPr>
+        <p:spPr/>
+        <p:txBody>
+          <a:bodyPr>
+            <a:normAutofit fontScale="90000"/>
+          </a:bodyPr>
+          <a:lstStyle/>
+          <a:p>
+            <a:r>
+              <a:rPr lang="en-GB" dirty="0"/>
+              <a:t>Results of the Exact Method</a:t>
+            </a:r>
+          </a:p>
+        </p:txBody>
+      </p:sp>
+      <p:sp>
+        <p:nvSpPr>
+          <p:cNvPr id="3" name="Marcador de Posição de Conteúdo 2"/>
+          <p:cNvSpPr>
+            <a:spLocks noGrp="1"/>
+          </p:cNvSpPr>
+          <p:nvPr>
+            <p:ph idx="1"/>
+          </p:nvPr>
+        </p:nvSpPr>
+        <p:spPr>
+          <a:xfrm>
+            <a:off x="457200" y="1844825"/>
+            <a:ext cx="8229600" cy="3096343"/>
+          </a:xfrm>
+        </p:spPr>
+        <p:txBody>
+          <a:bodyPr/>
+          <a:lstStyle/>
+          <a:p>
+            <a:r>
+              <a:rPr lang="pt-PT" dirty="0" err="1"/>
+              <a:t>Delmaire</a:t>
+            </a:r>
+            <a:r>
+              <a:rPr lang="pt-PT" dirty="0"/>
+              <a:t> (52 OS out </a:t>
+            </a:r>
+            <a:r>
+              <a:rPr lang="pt-PT" dirty="0" err="1"/>
+              <a:t>of</a:t>
+            </a:r>
+            <a:r>
+              <a:rPr lang="pt-PT" dirty="0"/>
+              <a:t> 57)</a:t>
+            </a:r>
+          </a:p>
+          <a:p>
+            <a:r>
+              <a:rPr lang="pt-PT" dirty="0" err="1"/>
+              <a:t>Holmberg</a:t>
+            </a:r>
+            <a:r>
+              <a:rPr lang="pt-PT" dirty="0"/>
+              <a:t> (71 OS out </a:t>
+            </a:r>
+            <a:r>
+              <a:rPr lang="pt-PT" dirty="0" err="1"/>
+              <a:t>of</a:t>
+            </a:r>
+            <a:r>
+              <a:rPr lang="pt-PT" dirty="0"/>
+              <a:t> 71)</a:t>
+            </a:r>
+          </a:p>
+          <a:p>
+            <a:r>
+              <a:rPr lang="pt-PT" dirty="0"/>
+              <a:t>OR-</a:t>
+            </a:r>
+            <a:r>
+              <a:rPr lang="pt-PT" dirty="0" err="1"/>
+              <a:t>Library</a:t>
+            </a:r>
+            <a:r>
+              <a:rPr lang="pt-PT" dirty="0"/>
+              <a:t> (9 OS out </a:t>
+            </a:r>
+            <a:r>
+              <a:rPr lang="pt-PT" dirty="0" err="1"/>
+              <a:t>of</a:t>
+            </a:r>
+            <a:r>
+              <a:rPr lang="pt-PT" dirty="0"/>
+              <a:t> </a:t>
+            </a:r>
+            <a:r>
+              <a:rPr lang="pt-PT" u="sng" dirty="0"/>
+              <a:t>36</a:t>
+            </a:r>
+            <a:r>
+              <a:rPr lang="pt-PT" dirty="0"/>
+              <a:t>)</a:t>
+            </a:r>
+          </a:p>
+          <a:p>
+            <a:r>
+              <a:rPr lang="pt-PT" dirty="0"/>
+              <a:t>Yang (9 OS out </a:t>
+            </a:r>
+            <a:r>
+              <a:rPr lang="pt-PT" dirty="0" err="1"/>
+              <a:t>of</a:t>
+            </a:r>
+            <a:r>
+              <a:rPr lang="pt-PT" dirty="0"/>
+              <a:t> 20)</a:t>
+            </a:r>
+          </a:p>
+          <a:p>
+            <a:r>
+              <a:rPr lang="pt-PT" dirty="0"/>
+              <a:t>TBED1 (0 OS out </a:t>
+            </a:r>
+            <a:r>
+              <a:rPr lang="pt-PT" dirty="0" err="1"/>
+              <a:t>of</a:t>
+            </a:r>
+            <a:r>
+              <a:rPr lang="pt-PT" dirty="0"/>
+              <a:t> 60)</a:t>
+            </a:r>
+          </a:p>
+        </p:txBody>
+      </p:sp>
+      <p:sp>
+        <p:nvSpPr>
+          <p:cNvPr id="4" name="CaixaDeTexto 1"/>
+          <p:cNvSpPr txBox="1">
+            <a:spLocks noChangeArrowheads="1"/>
+          </p:cNvSpPr>
+          <p:nvPr/>
+        </p:nvSpPr>
+        <p:spPr bwMode="auto">
+          <a:xfrm>
+            <a:off x="6228184" y="6309320"/>
+            <a:ext cx="2387228" cy="461665"/>
+          </a:xfrm>
+          <a:prstGeom prst="rect">
+            <a:avLst/>
+          </a:prstGeom>
+          <a:noFill/>
+          <a:ln>
+            <a:noFill/>
+          </a:ln>
+          <a:extLst>
+            <a:ext uri="{909E8E84-426E-40DD-AFC4-6F175D3DCCD1}">
+              <a14:hiddenFill xmlns:a14="http://schemas.microsoft.com/office/drawing/2010/main">
+                <a:solidFill>
+                  <a:srgbClr val="FFFFFF"/>
+                </a:solidFill>
+              </a14:hiddenFill>
+            </a:ext>
+            <a:ext uri="{91240B29-F687-4F45-9708-019B960494DF}">
+              <a14:hiddenLine xmlns:a14="http://schemas.microsoft.com/office/drawing/2010/main" w="9525">
+                <a:solidFill>
+                  <a:srgbClr val="000000"/>
+                </a:solidFill>
+                <a:miter lim="800000"/>
+                <a:headEnd/>
+                <a:tailEnd/>
+              </a14:hiddenLine>
+            </a:ext>
+          </a:extLst>
+        </p:spPr>
+        <p:txBody>
+          <a:bodyPr wrap="square">
+            <a:spAutoFit/>
+          </a:bodyPr>
+          <a:lstStyle>
+            <a:lvl1pPr>
+              <a:defRPr>
+                <a:solidFill>
+                  <a:schemeClr val="tx1"/>
+                </a:solidFill>
+                <a:latin typeface="Calibri" panose="020F0502020204030204" pitchFamily="34" charset="0"/>
+              </a:defRPr>
+            </a:lvl1pPr>
+            <a:lvl2pPr marL="742950" indent="-285750">
+              <a:defRPr>
+                <a:solidFill>
+                  <a:schemeClr val="tx1"/>
+                </a:solidFill>
+                <a:latin typeface="Calibri" panose="020F0502020204030204" pitchFamily="34" charset="0"/>
+              </a:defRPr>
+            </a:lvl2pPr>
+            <a:lvl3pPr marL="1143000" indent="-228600">
+              <a:defRPr>
+                <a:solidFill>
+                  <a:schemeClr val="tx1"/>
+                </a:solidFill>
+                <a:latin typeface="Calibri" panose="020F0502020204030204" pitchFamily="34" charset="0"/>
+              </a:defRPr>
+            </a:lvl3pPr>
+            <a:lvl4pPr marL="1600200" indent="-228600">
+              <a:defRPr>
+                <a:solidFill>
+                  <a:schemeClr val="tx1"/>
+                </a:solidFill>
+                <a:latin typeface="Calibri" panose="020F0502020204030204" pitchFamily="34" charset="0"/>
+              </a:defRPr>
+            </a:lvl4pPr>
+            <a:lvl5pPr marL="2057400" indent="-228600">
+              <a:defRPr>
+                <a:solidFill>
+                  <a:schemeClr val="tx1"/>
+                </a:solidFill>
+                <a:latin typeface="Calibri" panose="020F0502020204030204" pitchFamily="34" charset="0"/>
+              </a:defRPr>
+            </a:lvl5pPr>
+            <a:lvl6pPr marL="2514600" indent="-228600" defTabSz="457200" fontAlgn="base">
+              <a:spcBef>
+                <a:spcPct val="0"/>
+              </a:spcBef>
+              <a:spcAft>
+                <a:spcPct val="0"/>
+              </a:spcAft>
+              <a:defRPr>
+                <a:solidFill>
+                  <a:schemeClr val="tx1"/>
+                </a:solidFill>
+                <a:latin typeface="Calibri" panose="020F0502020204030204" pitchFamily="34" charset="0"/>
+              </a:defRPr>
+            </a:lvl6pPr>
+            <a:lvl7pPr marL="2971800" indent="-228600" defTabSz="457200" fontAlgn="base">
+              <a:spcBef>
+                <a:spcPct val="0"/>
+              </a:spcBef>
+              <a:spcAft>
+                <a:spcPct val="0"/>
+              </a:spcAft>
+              <a:defRPr>
+                <a:solidFill>
+                  <a:schemeClr val="tx1"/>
+                </a:solidFill>
+                <a:latin typeface="Calibri" panose="020F0502020204030204" pitchFamily="34" charset="0"/>
+              </a:defRPr>
+            </a:lvl7pPr>
+            <a:lvl8pPr marL="3429000" indent="-228600" defTabSz="457200" fontAlgn="base">
+              <a:spcBef>
+                <a:spcPct val="0"/>
+              </a:spcBef>
+              <a:spcAft>
+                <a:spcPct val="0"/>
+              </a:spcAft>
+              <a:defRPr>
+                <a:solidFill>
+                  <a:schemeClr val="tx1"/>
+                </a:solidFill>
+                <a:latin typeface="Calibri" panose="020F0502020204030204" pitchFamily="34" charset="0"/>
+              </a:defRPr>
+            </a:lvl8pPr>
+            <a:lvl9pPr marL="3886200" indent="-228600" defTabSz="457200" fontAlgn="base">
+              <a:spcBef>
+                <a:spcPct val="0"/>
+              </a:spcBef>
+              <a:spcAft>
+                <a:spcPct val="0"/>
+              </a:spcAft>
+              <a:defRPr>
+                <a:solidFill>
+                  <a:schemeClr val="tx1"/>
+                </a:solidFill>
+                <a:latin typeface="Calibri" panose="020F0502020204030204" pitchFamily="34" charset="0"/>
+              </a:defRPr>
+            </a:lvl9pPr>
+          </a:lstStyle>
+          <a:p>
+            <a:r>
+              <a:rPr lang="pt-PT" sz="1200" dirty="0">
+                <a:latin typeface="Porto Sans Light" panose="00000400000000000000" pitchFamily="50" charset="0"/>
+              </a:rPr>
+              <a:t>João Silva | Olavo Alves | Luís Silva</a:t>
+            </a:r>
+          </a:p>
+          <a:p>
+            <a:pPr eaLnBrk="1" hangingPunct="1"/>
+            <a:endParaRPr lang="pt-PT" altLang="pt-PT" sz="1200" dirty="0">
+              <a:latin typeface="Porto Sans Light" panose="00000400000000000000" pitchFamily="50" charset="0"/>
+            </a:endParaRPr>
+          </a:p>
+        </p:txBody>
+      </p:sp>
+      <p:sp>
+        <p:nvSpPr>
+          <p:cNvPr id="5" name="CaixaDeTexto 2"/>
+          <p:cNvSpPr txBox="1">
+            <a:spLocks noChangeArrowheads="1"/>
+          </p:cNvSpPr>
+          <p:nvPr/>
+        </p:nvSpPr>
+        <p:spPr bwMode="auto">
+          <a:xfrm>
+            <a:off x="462100" y="6309320"/>
+            <a:ext cx="3317812" cy="276999"/>
+          </a:xfrm>
+          <a:prstGeom prst="rect">
+            <a:avLst/>
+          </a:prstGeom>
+          <a:noFill/>
+          <a:ln>
+            <a:noFill/>
+          </a:ln>
+          <a:extLst>
+            <a:ext uri="{909E8E84-426E-40DD-AFC4-6F175D3DCCD1}">
+              <a14:hiddenFill xmlns:a14="http://schemas.microsoft.com/office/drawing/2010/main">
+                <a:solidFill>
+                  <a:srgbClr val="FFFFFF"/>
+                </a:solidFill>
+              </a14:hiddenFill>
+            </a:ext>
+            <a:ext uri="{91240B29-F687-4F45-9708-019B960494DF}">
+              <a14:hiddenLine xmlns:a14="http://schemas.microsoft.com/office/drawing/2010/main" w="9525">
+                <a:solidFill>
+                  <a:srgbClr val="000000"/>
+                </a:solidFill>
+                <a:miter lim="800000"/>
+                <a:headEnd/>
+                <a:tailEnd/>
+              </a14:hiddenLine>
+            </a:ext>
+          </a:extLst>
+        </p:spPr>
+        <p:txBody>
+          <a:bodyPr wrap="square">
+            <a:spAutoFit/>
+          </a:bodyPr>
+          <a:lstStyle>
+            <a:lvl1pPr>
+              <a:defRPr>
+                <a:solidFill>
+                  <a:schemeClr val="tx1"/>
+                </a:solidFill>
+                <a:latin typeface="Calibri" panose="020F0502020204030204" pitchFamily="34" charset="0"/>
+              </a:defRPr>
+            </a:lvl1pPr>
+            <a:lvl2pPr marL="742950" indent="-285750">
+              <a:defRPr>
+                <a:solidFill>
+                  <a:schemeClr val="tx1"/>
+                </a:solidFill>
+                <a:latin typeface="Calibri" panose="020F0502020204030204" pitchFamily="34" charset="0"/>
+              </a:defRPr>
+            </a:lvl2pPr>
+            <a:lvl3pPr marL="1143000" indent="-228600">
+              <a:defRPr>
+                <a:solidFill>
+                  <a:schemeClr val="tx1"/>
+                </a:solidFill>
+                <a:latin typeface="Calibri" panose="020F0502020204030204" pitchFamily="34" charset="0"/>
+              </a:defRPr>
+            </a:lvl3pPr>
+            <a:lvl4pPr marL="1600200" indent="-228600">
+              <a:defRPr>
+                <a:solidFill>
+                  <a:schemeClr val="tx1"/>
+                </a:solidFill>
+                <a:latin typeface="Calibri" panose="020F0502020204030204" pitchFamily="34" charset="0"/>
+              </a:defRPr>
+            </a:lvl4pPr>
+            <a:lvl5pPr marL="2057400" indent="-228600">
+              <a:defRPr>
+                <a:solidFill>
+                  <a:schemeClr val="tx1"/>
+                </a:solidFill>
+                <a:latin typeface="Calibri" panose="020F0502020204030204" pitchFamily="34" charset="0"/>
+              </a:defRPr>
+            </a:lvl5pPr>
+            <a:lvl6pPr marL="2514600" indent="-228600" defTabSz="457200" fontAlgn="base">
+              <a:spcBef>
+                <a:spcPct val="0"/>
+              </a:spcBef>
+              <a:spcAft>
+                <a:spcPct val="0"/>
+              </a:spcAft>
+              <a:defRPr>
+                <a:solidFill>
+                  <a:schemeClr val="tx1"/>
+                </a:solidFill>
+                <a:latin typeface="Calibri" panose="020F0502020204030204" pitchFamily="34" charset="0"/>
+              </a:defRPr>
+            </a:lvl6pPr>
+            <a:lvl7pPr marL="2971800" indent="-228600" defTabSz="457200" fontAlgn="base">
+              <a:spcBef>
+                <a:spcPct val="0"/>
+              </a:spcBef>
+              <a:spcAft>
+                <a:spcPct val="0"/>
+              </a:spcAft>
+              <a:defRPr>
+                <a:solidFill>
+                  <a:schemeClr val="tx1"/>
+                </a:solidFill>
+                <a:latin typeface="Calibri" panose="020F0502020204030204" pitchFamily="34" charset="0"/>
+              </a:defRPr>
+            </a:lvl7pPr>
+            <a:lvl8pPr marL="3429000" indent="-228600" defTabSz="457200" fontAlgn="base">
+              <a:spcBef>
+                <a:spcPct val="0"/>
+              </a:spcBef>
+              <a:spcAft>
+                <a:spcPct val="0"/>
+              </a:spcAft>
+              <a:defRPr>
+                <a:solidFill>
+                  <a:schemeClr val="tx1"/>
+                </a:solidFill>
+                <a:latin typeface="Calibri" panose="020F0502020204030204" pitchFamily="34" charset="0"/>
+              </a:defRPr>
+            </a:lvl8pPr>
+            <a:lvl9pPr marL="3886200" indent="-228600" defTabSz="457200" fontAlgn="base">
+              <a:spcBef>
+                <a:spcPct val="0"/>
+              </a:spcBef>
+              <a:spcAft>
+                <a:spcPct val="0"/>
+              </a:spcAft>
+              <a:defRPr>
+                <a:solidFill>
+                  <a:schemeClr val="tx1"/>
+                </a:solidFill>
+                <a:latin typeface="Calibri" panose="020F0502020204030204" pitchFamily="34" charset="0"/>
+              </a:defRPr>
+            </a:lvl9pPr>
+          </a:lstStyle>
+          <a:p>
+            <a:pPr eaLnBrk="1" hangingPunct="1"/>
+            <a:r>
+              <a:rPr lang="pt-PT" altLang="pt-PT" sz="1200" dirty="0">
+                <a:latin typeface="Porto Sans Light" panose="00000400000000000000" pitchFamily="50" charset="0"/>
+              </a:rPr>
+              <a:t>Óscar Oliveira / Simulação e Otimização (2022/23)</a:t>
+            </a:r>
+          </a:p>
+        </p:txBody>
+      </p:sp>
+      <p:sp>
+        <p:nvSpPr>
+          <p:cNvPr id="6" name="TextBox 5">
             <a:extLst>
               <a:ext uri="{FF2B5EF4-FFF2-40B4-BE49-F238E27FC236}">
-                <a16:creationId xmlns:a16="http://schemas.microsoft.com/office/drawing/2014/main" id="{04E4B5AE-7F82-3BFF-C656-BDBEBAC95271}"/>
+                <a16:creationId xmlns:a16="http://schemas.microsoft.com/office/drawing/2014/main" id="{C79ADF5F-C195-05E1-0173-75597FC02C5A}"/>
+              </a:ext>
+            </a:extLst>
+          </p:cNvPr>
+          <p:cNvSpPr txBox="1"/>
+          <p:nvPr/>
+        </p:nvSpPr>
+        <p:spPr>
+          <a:xfrm>
+            <a:off x="457200" y="5302078"/>
+            <a:ext cx="7211144" cy="646331"/>
+          </a:xfrm>
+          <a:prstGeom prst="rect">
+            <a:avLst/>
+          </a:prstGeom>
+          <a:noFill/>
+        </p:spPr>
+        <p:txBody>
+          <a:bodyPr wrap="square" rtlCol="0">
+            <a:spAutoFit/>
+          </a:bodyPr>
+          <a:lstStyle/>
+          <a:p>
+            <a:r>
+              <a:rPr lang="pt-PT" dirty="0"/>
+              <a:t>*OS – </a:t>
+            </a:r>
+            <a:r>
+              <a:rPr lang="en-US" dirty="0"/>
+              <a:t>Optimal Solutions</a:t>
+            </a:r>
+          </a:p>
+          <a:p>
+            <a:r>
+              <a:rPr lang="en-US" dirty="0"/>
+              <a:t>** Optimal Solutions considered when </a:t>
+            </a:r>
+            <a:r>
+              <a:rPr lang="en-US" dirty="0">
+                <a:effectLst/>
+                <a:latin typeface="Arial" panose="020B0604020202020204" pitchFamily="34" charset="0"/>
+              </a:rPr>
+              <a:t>Z-Z* was 0 or ≈0 </a:t>
+            </a:r>
+            <a:endParaRPr lang="en-US" dirty="0"/>
+          </a:p>
+        </p:txBody>
+      </p:sp>
+      <p:sp>
+        <p:nvSpPr>
+          <p:cNvPr id="7" name="Marcador de Posição do Número do Diapositivo 6">
+            <a:extLst>
+              <a:ext uri="{FF2B5EF4-FFF2-40B4-BE49-F238E27FC236}">
+                <a16:creationId xmlns:a16="http://schemas.microsoft.com/office/drawing/2014/main" id="{FB385335-AA4B-F77D-A9FA-757E54E2C532}"/>
               </a:ext>
             </a:extLst>
           </p:cNvPr>
@@ -7519,395 +7790,39 @@
             <a:spLocks noGrp="1"/>
           </p:cNvSpPr>
           <p:nvPr>
-            <p:ph type="title"/>
+            <p:ph type="sldNum" sz="quarter" idx="12"/>
           </p:nvPr>
         </p:nvSpPr>
         <p:spPr/>
         <p:txBody>
-          <a:bodyPr>
-            <a:normAutofit fontScale="90000"/>
-          </a:bodyPr>
+          <a:bodyPr/>
           <a:lstStyle/>
           <a:p>
-            <a:r>
-              <a:rPr lang="pt-PT" dirty="0" err="1"/>
-              <a:t>Results</a:t>
-            </a:r>
-            <a:r>
-              <a:rPr lang="pt-PT" dirty="0"/>
-              <a:t> </a:t>
-            </a:r>
-            <a:r>
-              <a:rPr lang="pt-PT" dirty="0" err="1"/>
-              <a:t>of</a:t>
-            </a:r>
-            <a:r>
-              <a:rPr lang="pt-PT" dirty="0"/>
-              <a:t> </a:t>
-            </a:r>
-            <a:r>
-              <a:rPr lang="pt-PT" dirty="0" err="1"/>
-              <a:t>the</a:t>
-            </a:r>
-            <a:r>
-              <a:rPr lang="pt-PT" dirty="0"/>
-              <a:t> </a:t>
-            </a:r>
-            <a:r>
-              <a:rPr lang="pt-PT" dirty="0" err="1"/>
-              <a:t>Heuristic</a:t>
-            </a:r>
-            <a:r>
-              <a:rPr lang="pt-PT" dirty="0"/>
-              <a:t> </a:t>
-            </a:r>
-            <a:r>
-              <a:rPr lang="pt-PT" dirty="0" err="1"/>
-              <a:t>Constructive</a:t>
-            </a:r>
-            <a:endParaRPr lang="pt-PT" dirty="0"/>
-          </a:p>
-        </p:txBody>
-      </p:sp>
-      <p:sp>
-        <p:nvSpPr>
-          <p:cNvPr id="3" name="Marcador de Posição de Conteúdo 2">
-            <a:extLst>
-              <a:ext uri="{FF2B5EF4-FFF2-40B4-BE49-F238E27FC236}">
-                <a16:creationId xmlns:a16="http://schemas.microsoft.com/office/drawing/2014/main" id="{D0EE71FC-D94D-00ED-191F-1FA4CC307E9B}"/>
-              </a:ext>
-            </a:extLst>
-          </p:cNvPr>
-          <p:cNvSpPr>
-            <a:spLocks noGrp="1"/>
-          </p:cNvSpPr>
-          <p:nvPr>
-            <p:ph idx="1"/>
-          </p:nvPr>
-        </p:nvSpPr>
-        <p:spPr/>
-        <p:txBody>
-          <a:bodyPr>
-            <a:normAutofit fontScale="55000" lnSpcReduction="20000"/>
-          </a:bodyPr>
-          <a:lstStyle/>
-          <a:p>
-            <a:r>
-              <a:rPr lang="pt-PT" dirty="0" err="1"/>
-              <a:t>Delmaire</a:t>
-            </a:r>
-            <a:r>
-              <a:rPr lang="pt-PT" dirty="0"/>
-              <a:t>:</a:t>
-            </a:r>
-          </a:p>
-          <a:p>
-            <a:pPr lvl="1"/>
-            <a:r>
-              <a:rPr lang="pt-PT" dirty="0"/>
-              <a:t>Gap - </a:t>
-            </a:r>
-            <a:r>
-              <a:rPr lang="pt-PT" dirty="0" err="1"/>
-              <a:t>between</a:t>
-            </a:r>
-            <a:r>
-              <a:rPr lang="pt-PT" dirty="0"/>
-              <a:t> 6.853 </a:t>
-            </a:r>
-            <a:r>
-              <a:rPr lang="pt-PT" dirty="0" err="1"/>
-              <a:t>and</a:t>
-            </a:r>
-            <a:r>
-              <a:rPr lang="pt-PT" dirty="0"/>
-              <a:t> 69.391</a:t>
-            </a:r>
-          </a:p>
-          <a:p>
-            <a:pPr lvl="1"/>
-            <a:r>
-              <a:rPr lang="pt-PT" dirty="0"/>
-              <a:t>Time - </a:t>
-            </a:r>
-            <a:r>
-              <a:rPr lang="pt-PT" dirty="0" err="1"/>
-              <a:t>between</a:t>
-            </a:r>
-            <a:r>
-              <a:rPr lang="pt-PT" dirty="0"/>
-              <a:t> 0.147 </a:t>
-            </a:r>
-            <a:r>
-              <a:rPr lang="pt-PT" dirty="0" err="1"/>
-              <a:t>and</a:t>
-            </a:r>
-            <a:r>
-              <a:rPr lang="pt-PT" dirty="0"/>
-              <a:t> 0.962</a:t>
-            </a:r>
-          </a:p>
-          <a:p>
-            <a:r>
-              <a:rPr lang="pt-PT" dirty="0" err="1"/>
-              <a:t>Holmberg</a:t>
-            </a:r>
-            <a:r>
-              <a:rPr lang="pt-PT" dirty="0"/>
-              <a:t>:</a:t>
-            </a:r>
-          </a:p>
-          <a:p>
-            <a:pPr lvl="1"/>
-            <a:r>
-              <a:rPr lang="pt-PT" dirty="0"/>
-              <a:t>Gap - </a:t>
-            </a:r>
-            <a:r>
-              <a:rPr lang="pt-PT" dirty="0" err="1"/>
-              <a:t>between</a:t>
-            </a:r>
-            <a:r>
-              <a:rPr lang="pt-PT" dirty="0"/>
-              <a:t> 40.570 </a:t>
-            </a:r>
-            <a:r>
-              <a:rPr lang="pt-PT" dirty="0" err="1"/>
-              <a:t>and</a:t>
-            </a:r>
-            <a:r>
-              <a:rPr lang="pt-PT" dirty="0"/>
-              <a:t> 967.445</a:t>
-            </a:r>
-          </a:p>
-          <a:p>
-            <a:pPr lvl="1"/>
-            <a:r>
-              <a:rPr lang="pt-PT" dirty="0"/>
-              <a:t>Time - </a:t>
-            </a:r>
-            <a:r>
-              <a:rPr lang="pt-PT" dirty="0" err="1"/>
-              <a:t>between</a:t>
-            </a:r>
-            <a:r>
-              <a:rPr lang="pt-PT" dirty="0"/>
-              <a:t> 0.386 </a:t>
-            </a:r>
-            <a:r>
-              <a:rPr lang="pt-PT" dirty="0" err="1"/>
-              <a:t>and</a:t>
-            </a:r>
-            <a:r>
-              <a:rPr lang="pt-PT" dirty="0"/>
-              <a:t> 2.273</a:t>
-            </a:r>
-          </a:p>
-          <a:p>
-            <a:r>
-              <a:rPr lang="pt-PT" dirty="0"/>
-              <a:t>OR-</a:t>
-            </a:r>
-            <a:r>
-              <a:rPr lang="pt-PT" dirty="0" err="1"/>
-              <a:t>Library</a:t>
-            </a:r>
-            <a:r>
-              <a:rPr lang="pt-PT" dirty="0"/>
-              <a:t> (9 OS out </a:t>
-            </a:r>
-            <a:r>
-              <a:rPr lang="pt-PT" dirty="0" err="1"/>
-              <a:t>of</a:t>
-            </a:r>
-            <a:r>
-              <a:rPr lang="pt-PT" dirty="0"/>
-              <a:t> </a:t>
-            </a:r>
-            <a:r>
-              <a:rPr lang="pt-PT" u="sng" dirty="0"/>
-              <a:t>36</a:t>
-            </a:r>
-            <a:r>
-              <a:rPr lang="pt-PT" dirty="0"/>
-              <a:t>)</a:t>
-            </a:r>
-          </a:p>
-          <a:p>
-            <a:pPr lvl="1"/>
-            <a:r>
-              <a:rPr lang="pt-PT" dirty="0"/>
-              <a:t>Gap - </a:t>
-            </a:r>
-            <a:r>
-              <a:rPr lang="pt-PT" dirty="0" err="1"/>
-              <a:t>between</a:t>
-            </a:r>
-            <a:r>
-              <a:rPr lang="pt-PT" dirty="0"/>
-              <a:t> 20.596 </a:t>
-            </a:r>
-            <a:r>
-              <a:rPr lang="pt-PT" dirty="0" err="1"/>
-              <a:t>and</a:t>
-            </a:r>
-            <a:r>
-              <a:rPr lang="pt-PT" dirty="0"/>
-              <a:t> 197.881</a:t>
-            </a:r>
-          </a:p>
-          <a:p>
-            <a:pPr lvl="1"/>
-            <a:r>
-              <a:rPr lang="pt-PT" dirty="0"/>
-              <a:t>Time - </a:t>
-            </a:r>
-            <a:r>
-              <a:rPr lang="pt-PT" dirty="0" err="1"/>
-              <a:t>between</a:t>
-            </a:r>
-            <a:r>
-              <a:rPr lang="pt-PT" dirty="0"/>
-              <a:t> 0.151 </a:t>
-            </a:r>
-            <a:r>
-              <a:rPr lang="pt-PT" dirty="0" err="1"/>
-              <a:t>and</a:t>
-            </a:r>
-            <a:r>
-              <a:rPr lang="pt-PT" dirty="0"/>
-              <a:t> 38.465</a:t>
-            </a:r>
-          </a:p>
-          <a:p>
-            <a:r>
-              <a:rPr lang="pt-PT" dirty="0"/>
-              <a:t>Yang (9 OS out </a:t>
-            </a:r>
-            <a:r>
-              <a:rPr lang="pt-PT" dirty="0" err="1"/>
-              <a:t>of</a:t>
-            </a:r>
-            <a:r>
-              <a:rPr lang="pt-PT" dirty="0"/>
-              <a:t> 20)</a:t>
-            </a:r>
-          </a:p>
-          <a:p>
-            <a:pPr lvl="1"/>
-            <a:r>
-              <a:rPr lang="pt-PT" dirty="0"/>
-              <a:t>Gap - </a:t>
-            </a:r>
-            <a:r>
-              <a:rPr lang="pt-PT" dirty="0" err="1"/>
-              <a:t>between</a:t>
-            </a:r>
-            <a:r>
-              <a:rPr lang="pt-PT" dirty="0"/>
-              <a:t> 47.066 </a:t>
-            </a:r>
-            <a:r>
-              <a:rPr lang="pt-PT" dirty="0" err="1"/>
-              <a:t>and</a:t>
-            </a:r>
-            <a:r>
-              <a:rPr lang="pt-PT" dirty="0"/>
-              <a:t> 87.332</a:t>
-            </a:r>
-          </a:p>
-          <a:p>
-            <a:pPr lvl="1"/>
-            <a:r>
-              <a:rPr lang="pt-PT" dirty="0"/>
-              <a:t>Time - </a:t>
-            </a:r>
-            <a:r>
-              <a:rPr lang="pt-PT" dirty="0" err="1"/>
-              <a:t>between</a:t>
-            </a:r>
-            <a:r>
-              <a:rPr lang="pt-PT" dirty="0"/>
-              <a:t> 1.459 </a:t>
-            </a:r>
-            <a:r>
-              <a:rPr lang="pt-PT" dirty="0" err="1"/>
-              <a:t>and</a:t>
-            </a:r>
-            <a:r>
-              <a:rPr lang="pt-PT" dirty="0"/>
-              <a:t> 6.131</a:t>
-            </a:r>
-          </a:p>
-          <a:p>
-            <a:r>
-              <a:rPr lang="pt-PT" dirty="0"/>
-              <a:t>TBED1 (0 OS out </a:t>
-            </a:r>
-            <a:r>
-              <a:rPr lang="pt-PT" dirty="0" err="1"/>
-              <a:t>of</a:t>
-            </a:r>
-            <a:r>
-              <a:rPr lang="pt-PT" dirty="0"/>
-              <a:t> 60)</a:t>
-            </a:r>
-          </a:p>
-          <a:p>
-            <a:pPr lvl="1"/>
-            <a:r>
-              <a:rPr lang="pt-PT" dirty="0"/>
-              <a:t>Gap - </a:t>
-            </a:r>
-            <a:r>
-              <a:rPr lang="pt-PT" dirty="0" err="1"/>
-              <a:t>between</a:t>
-            </a:r>
-            <a:r>
-              <a:rPr lang="pt-PT" dirty="0"/>
-              <a:t> 138.103 </a:t>
-            </a:r>
-            <a:r>
-              <a:rPr lang="pt-PT" dirty="0" err="1"/>
-              <a:t>and</a:t>
-            </a:r>
-            <a:r>
-              <a:rPr lang="pt-PT" dirty="0"/>
-              <a:t> 935.264</a:t>
-            </a:r>
-          </a:p>
-          <a:p>
-            <a:pPr lvl="1"/>
-            <a:r>
-              <a:rPr lang="pt-PT" dirty="0"/>
-              <a:t>Time - </a:t>
-            </a:r>
-            <a:r>
-              <a:rPr lang="pt-PT" dirty="0" err="1"/>
-              <a:t>between</a:t>
-            </a:r>
-            <a:r>
-              <a:rPr lang="pt-PT" dirty="0"/>
-              <a:t> 3.461 </a:t>
-            </a:r>
-            <a:r>
-              <a:rPr lang="pt-PT" dirty="0" err="1"/>
-              <a:t>and</a:t>
-            </a:r>
-            <a:r>
-              <a:rPr lang="pt-PT" dirty="0"/>
-              <a:t> 335.711 </a:t>
-            </a:r>
-          </a:p>
-          <a:p>
-            <a:endParaRPr lang="pt-PT" dirty="0"/>
+            <a:fld id="{91727942-0F31-8246-9E69-0AE29DBBE5E4}" type="slidenum">
+              <a:rPr lang="en-US" smtClean="0">
+                <a:solidFill>
+                  <a:prstClr val="black">
+                    <a:tint val="75000"/>
+                  </a:prstClr>
+                </a:solidFill>
+              </a:rPr>
+              <a:pPr/>
+              <a:t>13</a:t>
+            </a:fld>
+            <a:endParaRPr lang="en-US">
+              <a:solidFill>
+                <a:prstClr val="black">
+                  <a:tint val="75000"/>
+                </a:prstClr>
+              </a:solidFill>
+            </a:endParaRPr>
           </a:p>
         </p:txBody>
       </p:sp>
     </p:spTree>
     <p:extLst>
       <p:ext uri="{BB962C8B-B14F-4D97-AF65-F5344CB8AC3E}">
-        <p14:creationId xmlns:p14="http://schemas.microsoft.com/office/powerpoint/2010/main" val="2921815347"/>
+        <p14:creationId xmlns:p14="http://schemas.microsoft.com/office/powerpoint/2010/main" val="2513354738"/>
       </p:ext>
     </p:extLst>
   </p:cSld>
@@ -7979,16 +7894,21 @@
             </a:r>
             <a:r>
               <a:rPr lang="pt-PT" dirty="0"/>
-              <a:t> Local </a:t>
-            </a:r>
-            <a:r>
-              <a:rPr lang="pt-PT" dirty="0" err="1"/>
-              <a:t>Search</a:t>
-            </a:r>
-            <a:r>
-              <a:rPr lang="pt-PT" dirty="0"/>
-              <a:t> Shift</a:t>
-            </a:r>
+              <a:t> </a:t>
+            </a:r>
+            <a:r>
+              <a:rPr lang="pt-PT" dirty="0" err="1"/>
+              <a:t>Heuristic</a:t>
+            </a:r>
+            <a:r>
+              <a:rPr lang="pt-PT" dirty="0"/>
+              <a:t> </a:t>
+            </a:r>
+            <a:r>
+              <a:rPr lang="pt-PT" dirty="0" err="1"/>
+              <a:t>Constructive</a:t>
+            </a:r>
+            <a:endParaRPr lang="pt-PT" dirty="0"/>
           </a:p>
         </p:txBody>
       </p:sp>
@@ -8028,7 +7948,7 @@
             <a:pPr lvl="1"/>
             <a:r>
               <a:rPr lang="pt-PT" dirty="0"/>
-              <a:t>Gap - </a:t>
+              <a:t>Gap </a:t>
             </a:r>
             <a:r>
               <a:rPr lang="pt-PT" dirty="0" err="1"/>
@@ -8036,7 +7956,7 @@
             </a:r>
             <a:r>
               <a:rPr lang="pt-PT" dirty="0"/>
-              <a:t> 5.949 </a:t>
+              <a:t> 6.853 </a:t>
             </a:r>
             <a:r>
               <a:rPr lang="pt-PT" dirty="0" err="1"/>
@@ -8044,14 +7964,30 @@
             </a:r>
             <a:r>
               <a:rPr lang="pt-PT" dirty="0"/>
-              <a:t> 49.677</a:t>
+              <a:t> 69.391 – </a:t>
+            </a:r>
+            <a:r>
+              <a:rPr lang="pt-PT" dirty="0" err="1"/>
+              <a:t>Mean</a:t>
+            </a:r>
+            <a:r>
+              <a:rPr lang="pt-PT" dirty="0"/>
+              <a:t> 29.442</a:t>
             </a:r>
           </a:p>
           <a:p>
             <a:pPr lvl="1"/>
             <a:r>
               <a:rPr lang="pt-PT" dirty="0"/>
-              <a:t>Time - </a:t>
+              <a:t>Time(</a:t>
+            </a:r>
+            <a:r>
+              <a:rPr lang="pt-PT" dirty="0" err="1"/>
+              <a:t>ms</a:t>
+            </a:r>
+            <a:r>
+              <a:rPr lang="pt-PT" dirty="0"/>
+              <a:t>) </a:t>
             </a:r>
             <a:r>
               <a:rPr lang="pt-PT" dirty="0" err="1"/>
@@ -8059,7 +7995,7 @@
             </a:r>
             <a:r>
               <a:rPr lang="pt-PT" dirty="0"/>
-              <a:t> 0.049 </a:t>
+              <a:t> 0.147 </a:t>
             </a:r>
             <a:r>
               <a:rPr lang="pt-PT" dirty="0" err="1"/>
@@ -8067,7 +8003,15 @@
             </a:r>
             <a:r>
               <a:rPr lang="pt-PT" dirty="0"/>
-              <a:t> 0.427</a:t>
+              <a:t> 0.962 – </a:t>
+            </a:r>
+            <a:r>
+              <a:rPr lang="pt-PT" dirty="0" err="1"/>
+              <a:t>Mean</a:t>
+            </a:r>
+            <a:r>
+              <a:rPr lang="pt-PT" dirty="0"/>
+              <a:t> 0.433</a:t>
             </a:r>
           </a:p>
           <a:p>
@@ -8084,7 +8028,7 @@
             <a:pPr lvl="1"/>
             <a:r>
               <a:rPr lang="pt-PT" dirty="0"/>
-              <a:t>Gap - </a:t>
+              <a:t>Gap </a:t>
             </a:r>
             <a:r>
               <a:rPr lang="pt-PT" dirty="0" err="1"/>
@@ -8092,7 +8036,7 @@
             </a:r>
             <a:r>
               <a:rPr lang="pt-PT" dirty="0"/>
-              <a:t> 38.231 </a:t>
+              <a:t> 40.570 </a:t>
             </a:r>
             <a:r>
               <a:rPr lang="pt-PT" dirty="0" err="1"/>
@@ -8100,14 +8044,30 @@
             </a:r>
             <a:r>
               <a:rPr lang="pt-PT" dirty="0"/>
-              <a:t> 967.445</a:t>
+              <a:t> 967.445 – </a:t>
+            </a:r>
+            <a:r>
+              <a:rPr lang="pt-PT" dirty="0" err="1"/>
+              <a:t>Mean</a:t>
+            </a:r>
+            <a:r>
+              <a:rPr lang="pt-PT" dirty="0"/>
+              <a:t> 275.177</a:t>
             </a:r>
           </a:p>
           <a:p>
             <a:pPr lvl="1"/>
             <a:r>
               <a:rPr lang="pt-PT" dirty="0"/>
-              <a:t>Time - </a:t>
+              <a:t>Time(</a:t>
+            </a:r>
+            <a:r>
+              <a:rPr lang="pt-PT" dirty="0" err="1"/>
+              <a:t>ms</a:t>
+            </a:r>
+            <a:r>
+              <a:rPr lang="pt-PT" dirty="0"/>
+              <a:t>) </a:t>
             </a:r>
             <a:r>
               <a:rPr lang="pt-PT" dirty="0" err="1"/>
@@ -8115,7 +8075,7 @@
             </a:r>
             <a:r>
               <a:rPr lang="pt-PT" dirty="0"/>
-              <a:t> 0.070 </a:t>
+              <a:t> 0.386 </a:t>
             </a:r>
             <a:r>
               <a:rPr lang="pt-PT" dirty="0" err="1"/>
@@ -8123,7 +8083,15 @@
             </a:r>
             <a:r>
               <a:rPr lang="pt-PT" dirty="0"/>
-              <a:t> 1.045</a:t>
+              <a:t> 2.273 – </a:t>
+            </a:r>
+            <a:r>
+              <a:rPr lang="pt-PT" dirty="0" err="1"/>
+              <a:t>Mean</a:t>
+            </a:r>
+            <a:r>
+              <a:rPr lang="pt-PT" dirty="0"/>
+              <a:t> 0.857</a:t>
             </a:r>
           </a:p>
           <a:p>
@@ -8160,7 +8128,7 @@
             <a:pPr lvl="1"/>
             <a:r>
               <a:rPr lang="pt-PT" dirty="0"/>
-              <a:t>Gap - </a:t>
+              <a:t>Gap </a:t>
             </a:r>
             <a:r>
               <a:rPr lang="pt-PT" dirty="0" err="1"/>
@@ -8176,14 +8144,30 @@
             </a:r>
             <a:r>
               <a:rPr lang="pt-PT" dirty="0"/>
-              <a:t> 181.168</a:t>
+              <a:t> 197.881 – </a:t>
+            </a:r>
+            <a:r>
+              <a:rPr lang="pt-PT" dirty="0" err="1"/>
+              <a:t>Mean</a:t>
+            </a:r>
+            <a:r>
+              <a:rPr lang="pt-PT" dirty="0"/>
+              <a:t> 98.012</a:t>
             </a:r>
           </a:p>
           <a:p>
             <a:pPr lvl="1"/>
             <a:r>
               <a:rPr lang="pt-PT" dirty="0"/>
-              <a:t>Time - </a:t>
+              <a:t>Time(</a:t>
+            </a:r>
+            <a:r>
+              <a:rPr lang="pt-PT" dirty="0" err="1"/>
+              <a:t>ms</a:t>
+            </a:r>
+            <a:r>
+              <a:rPr lang="pt-PT" dirty="0"/>
+              <a:t>) </a:t>
             </a:r>
             <a:r>
               <a:rPr lang="pt-PT" dirty="0" err="1"/>
@@ -8191,7 +8175,7 @@
             </a:r>
             <a:r>
               <a:rPr lang="pt-PT" dirty="0"/>
-              <a:t> 0.071 </a:t>
+              <a:t> 0.151 </a:t>
             </a:r>
             <a:r>
               <a:rPr lang="pt-PT" dirty="0" err="1"/>
@@ -8199,7 +8183,15 @@
             </a:r>
             <a:r>
               <a:rPr lang="pt-PT" dirty="0"/>
-              <a:t> 11.022</a:t>
+              <a:t> 38.465 – </a:t>
+            </a:r>
+            <a:r>
+              <a:rPr lang="pt-PT" dirty="0" err="1"/>
+              <a:t>Mean</a:t>
+            </a:r>
+            <a:r>
+              <a:rPr lang="pt-PT" dirty="0"/>
+              <a:t> 7.848</a:t>
             </a:r>
           </a:p>
           <a:p>
@@ -8220,7 +8212,7 @@
             <a:pPr lvl="1"/>
             <a:r>
               <a:rPr lang="pt-PT" dirty="0"/>
-              <a:t>Gap - </a:t>
+              <a:t>Gap </a:t>
             </a:r>
             <a:r>
               <a:rPr lang="pt-PT" dirty="0" err="1"/>
@@ -8228,7 +8220,7 @@
             </a:r>
             <a:r>
               <a:rPr lang="pt-PT" dirty="0"/>
-              <a:t> 32.868 </a:t>
+              <a:t> 47.066 </a:t>
             </a:r>
             <a:r>
               <a:rPr lang="pt-PT" dirty="0" err="1"/>
@@ -8236,14 +8228,30 @@
             </a:r>
             <a:r>
               <a:rPr lang="pt-PT" dirty="0"/>
-              <a:t> 70.159</a:t>
+              <a:t> 87.332 – </a:t>
+            </a:r>
+            <a:r>
+              <a:rPr lang="pt-PT" dirty="0" err="1"/>
+              <a:t>Mean</a:t>
+            </a:r>
+            <a:r>
+              <a:rPr lang="pt-PT" dirty="0"/>
+              <a:t> 63.852</a:t>
             </a:r>
           </a:p>
           <a:p>
             <a:pPr lvl="1"/>
             <a:r>
               <a:rPr lang="pt-PT" dirty="0"/>
-              <a:t>Time - </a:t>
+              <a:t>Time(</a:t>
+            </a:r>
+            <a:r>
+              <a:rPr lang="pt-PT" dirty="0" err="1"/>
+              <a:t>ms</a:t>
+            </a:r>
+            <a:r>
+              <a:rPr lang="pt-PT" dirty="0"/>
+              <a:t>) </a:t>
             </a:r>
             <a:r>
               <a:rPr lang="pt-PT" dirty="0" err="1"/>
@@ -8251,7 +8259,7 @@
             </a:r>
             <a:r>
               <a:rPr lang="pt-PT" dirty="0"/>
-              <a:t> 0.571 </a:t>
+              <a:t> 1.459 </a:t>
             </a:r>
             <a:r>
               <a:rPr lang="pt-PT" dirty="0" err="1"/>
@@ -8259,7 +8267,15 @@
             </a:r>
             <a:r>
               <a:rPr lang="pt-PT" dirty="0"/>
-              <a:t> 2.791</a:t>
+              <a:t> 6.131 – </a:t>
+            </a:r>
+            <a:r>
+              <a:rPr lang="pt-PT" dirty="0" err="1"/>
+              <a:t>Mean</a:t>
+            </a:r>
+            <a:r>
+              <a:rPr lang="pt-PT" dirty="0"/>
+              <a:t> 2.978</a:t>
             </a:r>
           </a:p>
           <a:p>
@@ -8280,7 +8296,7 @@
             <a:pPr lvl="1"/>
             <a:r>
               <a:rPr lang="pt-PT" dirty="0"/>
-              <a:t>Gap - </a:t>
+              <a:t>Gap </a:t>
             </a:r>
             <a:r>
               <a:rPr lang="pt-PT" dirty="0" err="1"/>
@@ -8288,7 +8304,7 @@
             </a:r>
             <a:r>
               <a:rPr lang="pt-PT" dirty="0"/>
-              <a:t> 103.657 </a:t>
+              <a:t> 138.103 </a:t>
             </a:r>
             <a:r>
               <a:rPr lang="pt-PT" dirty="0" err="1"/>
@@ -8296,14 +8312,30 @@
             </a:r>
             <a:r>
               <a:rPr lang="pt-PT" dirty="0"/>
-              <a:t> 891.159</a:t>
+              <a:t> 935.264 – </a:t>
+            </a:r>
+            <a:r>
+              <a:rPr lang="pt-PT" dirty="0" err="1"/>
+              <a:t>Mean</a:t>
+            </a:r>
+            <a:r>
+              <a:rPr lang="pt-PT" dirty="0"/>
+              <a:t> 394.944</a:t>
             </a:r>
           </a:p>
           <a:p>
             <a:pPr lvl="1"/>
             <a:r>
               <a:rPr lang="pt-PT" dirty="0"/>
-              <a:t>Time - </a:t>
+              <a:t>Time(</a:t>
+            </a:r>
+            <a:r>
+              <a:rPr lang="pt-PT" dirty="0" err="1"/>
+              <a:t>ms</a:t>
+            </a:r>
+            <a:r>
+              <a:rPr lang="pt-PT" dirty="0"/>
+              <a:t>) </a:t>
             </a:r>
             <a:r>
               <a:rPr lang="pt-PT" dirty="0" err="1"/>
@@ -8311,7 +8343,7 @@
             </a:r>
             <a:r>
               <a:rPr lang="pt-PT" dirty="0"/>
-              <a:t> 103.051 </a:t>
+              <a:t> 3.461 </a:t>
             </a:r>
             <a:r>
               <a:rPr lang="pt-PT" dirty="0" err="1"/>
@@ -8319,18 +8351,68 @@
             </a:r>
             <a:r>
               <a:rPr lang="pt-PT" dirty="0"/>
-              <a:t> 4.188</a:t>
+              <a:t> 335.711 – </a:t>
+            </a:r>
+            <a:r>
+              <a:rPr lang="pt-PT" dirty="0" err="1"/>
+              <a:t>Mean</a:t>
+            </a:r>
+            <a:r>
+              <a:rPr lang="pt-PT" dirty="0"/>
+              <a:t> 81.912</a:t>
             </a:r>
           </a:p>
           <a:p>
             <a:endParaRPr lang="pt-PT" dirty="0"/>
+          </a:p>
+        </p:txBody>
+      </p:sp>
+      <p:sp>
+        <p:nvSpPr>
+          <p:cNvPr id="4" name="Marcador de Posição do Número do Diapositivo 3">
+            <a:extLst>
+              <a:ext uri="{FF2B5EF4-FFF2-40B4-BE49-F238E27FC236}">
+                <a16:creationId xmlns:a16="http://schemas.microsoft.com/office/drawing/2014/main" id="{5234237C-0714-42F0-5C55-34F5A85336EE}"/>
+              </a:ext>
+            </a:extLst>
+          </p:cNvPr>
+          <p:cNvSpPr>
+            <a:spLocks noGrp="1"/>
+          </p:cNvSpPr>
+          <p:nvPr>
+            <p:ph type="sldNum" sz="quarter" idx="12"/>
+          </p:nvPr>
+        </p:nvSpPr>
+        <p:spPr/>
+        <p:txBody>
+          <a:bodyPr/>
+          <a:lstStyle/>
+          <a:p>
+            <a:fld id="{91727942-0F31-8246-9E69-0AE29DBBE5E4}" type="slidenum">
+              <a:rPr lang="en-US" smtClean="0">
+                <a:solidFill>
+                  <a:prstClr val="black">
+                    <a:tint val="75000"/>
+                  </a:prstClr>
+                </a:solidFill>
+              </a:rPr>
+              <a:pPr/>
+              <a:t>14</a:t>
+            </a:fld>
+            <a:endParaRPr lang="en-US">
+              <a:solidFill>
+                <a:prstClr val="black">
+                  <a:tint val="75000"/>
+                </a:prstClr>
+              </a:solidFill>
+            </a:endParaRPr>
           </a:p>
         </p:txBody>
       </p:sp>
     </p:spTree>
     <p:extLst>
       <p:ext uri="{BB962C8B-B14F-4D97-AF65-F5344CB8AC3E}">
-        <p14:creationId xmlns:p14="http://schemas.microsoft.com/office/powerpoint/2010/main" val="2908959682"/>
+        <p14:creationId xmlns:p14="http://schemas.microsoft.com/office/powerpoint/2010/main" val="2921815347"/>
       </p:ext>
     </p:extLst>
   </p:cSld>
@@ -8410,13 +8492,8 @@
             </a:r>
             <a:r>
               <a:rPr lang="pt-PT" dirty="0"/>
-              <a:t> </a:t>
-            </a:r>
-            <a:r>
-              <a:rPr lang="pt-PT" dirty="0" err="1"/>
-              <a:t>Swap</a:t>
-            </a:r>
-            <a:endParaRPr lang="pt-PT" dirty="0"/>
+              <a:t> Shift</a:t>
+            </a:r>
           </a:p>
         </p:txBody>
       </p:sp>
@@ -8456,7 +8533,7 @@
             <a:pPr lvl="1"/>
             <a:r>
               <a:rPr lang="pt-PT" dirty="0"/>
-              <a:t>Gap - </a:t>
+              <a:t>Gap </a:t>
             </a:r>
             <a:r>
               <a:rPr lang="pt-PT" dirty="0" err="1"/>
@@ -8464,7 +8541,7 @@
             </a:r>
             <a:r>
               <a:rPr lang="pt-PT" dirty="0"/>
-              <a:t> 2.165 </a:t>
+              <a:t> 5.949 </a:t>
             </a:r>
             <a:r>
               <a:rPr lang="pt-PT" dirty="0" err="1"/>
@@ -8472,14 +8549,30 @@
             </a:r>
             <a:r>
               <a:rPr lang="pt-PT" dirty="0"/>
-              <a:t> 32.991</a:t>
+              <a:t> 49.677 – </a:t>
+            </a:r>
+            <a:r>
+              <a:rPr lang="pt-PT" dirty="0" err="1"/>
+              <a:t>Mean</a:t>
+            </a:r>
+            <a:r>
+              <a:rPr lang="pt-PT" dirty="0"/>
+              <a:t> 20.852</a:t>
             </a:r>
           </a:p>
           <a:p>
             <a:pPr lvl="1"/>
             <a:r>
               <a:rPr lang="pt-PT" dirty="0"/>
-              <a:t>Time - </a:t>
+              <a:t>Time(</a:t>
+            </a:r>
+            <a:r>
+              <a:rPr lang="pt-PT" dirty="0" err="1"/>
+              <a:t>ms</a:t>
+            </a:r>
+            <a:r>
+              <a:rPr lang="pt-PT" dirty="0"/>
+              <a:t>) </a:t>
             </a:r>
             <a:r>
               <a:rPr lang="pt-PT" dirty="0" err="1"/>
@@ -8487,7 +8580,7 @@
             </a:r>
             <a:r>
               <a:rPr lang="pt-PT" dirty="0"/>
-              <a:t> 0.113 </a:t>
+              <a:t> 0.049 </a:t>
             </a:r>
             <a:r>
               <a:rPr lang="pt-PT" dirty="0" err="1"/>
@@ -8495,7 +8588,15 @@
             </a:r>
             <a:r>
               <a:rPr lang="pt-PT" dirty="0"/>
-              <a:t> 17.235</a:t>
+              <a:t> 0.427 – </a:t>
+            </a:r>
+            <a:r>
+              <a:rPr lang="pt-PT" dirty="0" err="1"/>
+              <a:t>Mean</a:t>
+            </a:r>
+            <a:r>
+              <a:rPr lang="pt-PT" dirty="0"/>
+              <a:t> 0.195</a:t>
             </a:r>
           </a:p>
           <a:p>
@@ -8512,7 +8613,7 @@
             <a:pPr lvl="1"/>
             <a:r>
               <a:rPr lang="pt-PT" dirty="0"/>
-              <a:t>Gap - </a:t>
+              <a:t>Gap </a:t>
             </a:r>
             <a:r>
               <a:rPr lang="pt-PT" dirty="0" err="1"/>
@@ -8520,7 +8621,7 @@
             </a:r>
             <a:r>
               <a:rPr lang="pt-PT" dirty="0"/>
-              <a:t> 22.246 </a:t>
+              <a:t> 38.231 </a:t>
             </a:r>
             <a:r>
               <a:rPr lang="pt-PT" dirty="0" err="1"/>
@@ -8528,14 +8629,30 @@
             </a:r>
             <a:r>
               <a:rPr lang="pt-PT" dirty="0"/>
-              <a:t> 796.071</a:t>
+              <a:t> 967.445 – </a:t>
+            </a:r>
+            <a:r>
+              <a:rPr lang="pt-PT" dirty="0" err="1"/>
+              <a:t>Mean</a:t>
+            </a:r>
+            <a:r>
+              <a:rPr lang="pt-PT" dirty="0"/>
+              <a:t> 215.618</a:t>
             </a:r>
           </a:p>
           <a:p>
             <a:pPr lvl="1"/>
             <a:r>
               <a:rPr lang="pt-PT" dirty="0"/>
-              <a:t>Time - </a:t>
+              <a:t>Time(</a:t>
+            </a:r>
+            <a:r>
+              <a:rPr lang="pt-PT" dirty="0" err="1"/>
+              <a:t>ms</a:t>
+            </a:r>
+            <a:r>
+              <a:rPr lang="pt-PT" dirty="0"/>
+              <a:t>) </a:t>
             </a:r>
             <a:r>
               <a:rPr lang="pt-PT" dirty="0" err="1"/>
@@ -8543,7 +8660,7 @@
             </a:r>
             <a:r>
               <a:rPr lang="pt-PT" dirty="0"/>
-              <a:t> 1.184  </a:t>
+              <a:t> 0.070 </a:t>
             </a:r>
             <a:r>
               <a:rPr lang="pt-PT" dirty="0" err="1"/>
@@ -8551,7 +8668,15 @@
             </a:r>
             <a:r>
               <a:rPr lang="pt-PT" dirty="0"/>
-              <a:t> 164.174</a:t>
+              <a:t> 1.045 – </a:t>
+            </a:r>
+            <a:r>
+              <a:rPr lang="pt-PT" dirty="0" err="1"/>
+              <a:t>Mean</a:t>
+            </a:r>
+            <a:r>
+              <a:rPr lang="pt-PT" dirty="0"/>
+              <a:t> 0.376</a:t>
             </a:r>
           </a:p>
           <a:p>
@@ -8588,7 +8713,7 @@
             <a:pPr lvl="1"/>
             <a:r>
               <a:rPr lang="pt-PT" dirty="0"/>
-              <a:t>Gap - </a:t>
+              <a:t>Gap </a:t>
             </a:r>
             <a:r>
               <a:rPr lang="pt-PT" dirty="0" err="1"/>
@@ -8604,14 +8729,30 @@
             </a:r>
             <a:r>
               <a:rPr lang="pt-PT" dirty="0"/>
-              <a:t> 90.992</a:t>
+              <a:t> 181.168 – </a:t>
+            </a:r>
+            <a:r>
+              <a:rPr lang="pt-PT" dirty="0" err="1"/>
+              <a:t>Mean</a:t>
+            </a:r>
+            <a:r>
+              <a:rPr lang="pt-PT" dirty="0"/>
+              <a:t> 77.976</a:t>
             </a:r>
           </a:p>
           <a:p>
             <a:pPr lvl="1"/>
             <a:r>
               <a:rPr lang="pt-PT" dirty="0"/>
-              <a:t>Time - </a:t>
+              <a:t>Time(</a:t>
+            </a:r>
+            <a:r>
+              <a:rPr lang="pt-PT" dirty="0" err="1"/>
+              <a:t>ms</a:t>
+            </a:r>
+            <a:r>
+              <a:rPr lang="pt-PT" dirty="0"/>
+              <a:t>) </a:t>
             </a:r>
             <a:r>
               <a:rPr lang="pt-PT" dirty="0" err="1"/>
@@ -8619,7 +8760,7 @@
             </a:r>
             <a:r>
               <a:rPr lang="pt-PT" dirty="0"/>
-              <a:t>  </a:t>
+              <a:t> 0.071 </a:t>
             </a:r>
             <a:r>
               <a:rPr lang="pt-PT" dirty="0" err="1"/>
@@ -8627,7 +8768,15 @@
             </a:r>
             <a:r>
               <a:rPr lang="pt-PT" dirty="0"/>
-              <a:t> 22156.194</a:t>
+              <a:t> 11.022 – </a:t>
+            </a:r>
+            <a:r>
+              <a:rPr lang="pt-PT" dirty="0" err="1"/>
+              <a:t>Mean</a:t>
+            </a:r>
+            <a:r>
+              <a:rPr lang="pt-PT" dirty="0"/>
+              <a:t> 2.889</a:t>
             </a:r>
           </a:p>
           <a:p>
@@ -8648,7 +8797,7 @@
             <a:pPr lvl="1"/>
             <a:r>
               <a:rPr lang="pt-PT" dirty="0"/>
-              <a:t>Gap - </a:t>
+              <a:t>Gap </a:t>
             </a:r>
             <a:r>
               <a:rPr lang="pt-PT" dirty="0" err="1"/>
@@ -8656,7 +8805,7 @@
             </a:r>
             <a:r>
               <a:rPr lang="pt-PT" dirty="0"/>
-              <a:t> 10.054 </a:t>
+              <a:t> 32.868 </a:t>
             </a:r>
             <a:r>
               <a:rPr lang="pt-PT" dirty="0" err="1"/>
@@ -8664,14 +8813,30 @@
             </a:r>
             <a:r>
               <a:rPr lang="pt-PT" dirty="0"/>
-              <a:t> 29.627</a:t>
+              <a:t> 70.159 – </a:t>
+            </a:r>
+            <a:r>
+              <a:rPr lang="pt-PT" dirty="0" err="1"/>
+              <a:t>Mean</a:t>
+            </a:r>
+            <a:r>
+              <a:rPr lang="pt-PT" dirty="0"/>
+              <a:t> 48.246</a:t>
             </a:r>
           </a:p>
           <a:p>
             <a:pPr lvl="1"/>
             <a:r>
               <a:rPr lang="pt-PT" dirty="0"/>
-              <a:t>Time - </a:t>
+              <a:t>Time(</a:t>
+            </a:r>
+            <a:r>
+              <a:rPr lang="pt-PT" dirty="0" err="1"/>
+              <a:t>ms</a:t>
+            </a:r>
+            <a:r>
+              <a:rPr lang="pt-PT" dirty="0"/>
+              <a:t>) </a:t>
             </a:r>
             <a:r>
               <a:rPr lang="pt-PT" dirty="0" err="1"/>
@@ -8679,7 +8844,7 @@
             </a:r>
             <a:r>
               <a:rPr lang="pt-PT" dirty="0"/>
-              <a:t> 84.428 </a:t>
+              <a:t> 0.571 </a:t>
             </a:r>
             <a:r>
               <a:rPr lang="pt-PT" dirty="0" err="1"/>
@@ -8687,7 +8852,15 @@
             </a:r>
             <a:r>
               <a:rPr lang="pt-PT" dirty="0"/>
-              <a:t> 1029.903</a:t>
+              <a:t> 2.791 – </a:t>
+            </a:r>
+            <a:r>
+              <a:rPr lang="pt-PT" dirty="0" err="1"/>
+              <a:t>Mean</a:t>
+            </a:r>
+            <a:r>
+              <a:rPr lang="pt-PT" dirty="0"/>
+              <a:t> 1.300</a:t>
             </a:r>
           </a:p>
           <a:p>
@@ -8708,7 +8881,7 @@
             <a:pPr lvl="1"/>
             <a:r>
               <a:rPr lang="pt-PT" dirty="0"/>
-              <a:t>Gap - </a:t>
+              <a:t>Gap </a:t>
             </a:r>
             <a:r>
               <a:rPr lang="pt-PT" dirty="0" err="1"/>
@@ -8716,7 +8889,7 @@
             </a:r>
             <a:r>
               <a:rPr lang="pt-PT" dirty="0"/>
-              <a:t> 21.465 </a:t>
+              <a:t> 103.657 </a:t>
             </a:r>
             <a:r>
               <a:rPr lang="pt-PT" dirty="0" err="1"/>
@@ -8724,14 +8897,30 @@
             </a:r>
             <a:r>
               <a:rPr lang="pt-PT" dirty="0"/>
-              <a:t> 486.662</a:t>
+              <a:t> 891.159 – </a:t>
+            </a:r>
+            <a:r>
+              <a:rPr lang="pt-PT" dirty="0" err="1"/>
+              <a:t>Mean</a:t>
+            </a:r>
+            <a:r>
+              <a:rPr lang="pt-PT" dirty="0"/>
+              <a:t> 307.471</a:t>
             </a:r>
           </a:p>
           <a:p>
             <a:pPr lvl="1"/>
             <a:r>
               <a:rPr lang="pt-PT" dirty="0"/>
-              <a:t>Time - </a:t>
+              <a:t>Time(</a:t>
+            </a:r>
+            <a:r>
+              <a:rPr lang="pt-PT" dirty="0" err="1"/>
+              <a:t>ms</a:t>
+            </a:r>
+            <a:r>
+              <a:rPr lang="pt-PT" dirty="0"/>
+              <a:t>) </a:t>
             </a:r>
             <a:r>
               <a:rPr lang="pt-PT" dirty="0" err="1"/>
@@ -8739,7 +8928,7 @@
             </a:r>
             <a:r>
               <a:rPr lang="pt-PT" dirty="0"/>
-              <a:t> 289.036 </a:t>
+              <a:t> 4.188 </a:t>
             </a:r>
             <a:r>
               <a:rPr lang="pt-PT" dirty="0" err="1"/>
@@ -8747,18 +8936,68 @@
             </a:r>
             <a:r>
               <a:rPr lang="pt-PT" dirty="0"/>
-              <a:t> 132175.172</a:t>
+              <a:t> 103.051 – </a:t>
+            </a:r>
+            <a:r>
+              <a:rPr lang="pt-PT" dirty="0" err="1"/>
+              <a:t>Mean</a:t>
+            </a:r>
+            <a:r>
+              <a:rPr lang="pt-PT" dirty="0"/>
+              <a:t> 33.445</a:t>
             </a:r>
           </a:p>
           <a:p>
             <a:endParaRPr lang="pt-PT" dirty="0"/>
+          </a:p>
+        </p:txBody>
+      </p:sp>
+      <p:sp>
+        <p:nvSpPr>
+          <p:cNvPr id="4" name="Marcador de Posição do Número do Diapositivo 3">
+            <a:extLst>
+              <a:ext uri="{FF2B5EF4-FFF2-40B4-BE49-F238E27FC236}">
+                <a16:creationId xmlns:a16="http://schemas.microsoft.com/office/drawing/2014/main" id="{FA48C35D-5771-7FE7-4660-F09925634B31}"/>
+              </a:ext>
+            </a:extLst>
+          </p:cNvPr>
+          <p:cNvSpPr>
+            <a:spLocks noGrp="1"/>
+          </p:cNvSpPr>
+          <p:nvPr>
+            <p:ph type="sldNum" sz="quarter" idx="12"/>
+          </p:nvPr>
+        </p:nvSpPr>
+        <p:spPr/>
+        <p:txBody>
+          <a:bodyPr/>
+          <a:lstStyle/>
+          <a:p>
+            <a:fld id="{91727942-0F31-8246-9E69-0AE29DBBE5E4}" type="slidenum">
+              <a:rPr lang="en-US" smtClean="0">
+                <a:solidFill>
+                  <a:prstClr val="black">
+                    <a:tint val="75000"/>
+                  </a:prstClr>
+                </a:solidFill>
+              </a:rPr>
+              <a:pPr/>
+              <a:t>15</a:t>
+            </a:fld>
+            <a:endParaRPr lang="en-US">
+              <a:solidFill>
+                <a:prstClr val="black">
+                  <a:tint val="75000"/>
+                </a:prstClr>
+              </a:solidFill>
+            </a:endParaRPr>
           </a:p>
         </p:txBody>
       </p:sp>
     </p:spTree>
     <p:extLst>
       <p:ext uri="{BB962C8B-B14F-4D97-AF65-F5344CB8AC3E}">
-        <p14:creationId xmlns:p14="http://schemas.microsoft.com/office/powerpoint/2010/main" val="3048003526"/>
+        <p14:creationId xmlns:p14="http://schemas.microsoft.com/office/powerpoint/2010/main" val="2908959682"/>
       </p:ext>
     </p:extLst>
   </p:cSld>
@@ -8790,7 +9029,7 @@
           <p:cNvPr id="2" name="Título 1">
             <a:extLst>
               <a:ext uri="{FF2B5EF4-FFF2-40B4-BE49-F238E27FC236}">
-                <a16:creationId xmlns:a16="http://schemas.microsoft.com/office/drawing/2014/main" id="{733842DD-E028-2728-5794-61A1920AA9AF}"/>
+                <a16:creationId xmlns:a16="http://schemas.microsoft.com/office/drawing/2014/main" id="{04E4B5AE-7F82-3BFF-C656-BDBEBAC95271}"/>
               </a:ext>
             </a:extLst>
           </p:cNvPr>
@@ -8830,7 +9069,7 @@
             </a:r>
             <a:r>
               <a:rPr lang="pt-PT" dirty="0"/>
-              <a:t> GRASP – Local </a:t>
+              <a:t> Local </a:t>
             </a:r>
             <a:r>
               <a:rPr lang="pt-PT" dirty="0" err="1"/>
@@ -8838,8 +9077,13 @@
             </a:r>
             <a:r>
               <a:rPr lang="pt-PT" dirty="0"/>
-              <a:t> Shift</a:t>
-            </a:r>
+              <a:t> </a:t>
+            </a:r>
+            <a:r>
+              <a:rPr lang="pt-PT" dirty="0" err="1"/>
+              <a:t>Swap</a:t>
+            </a:r>
+            <a:endParaRPr lang="pt-PT" dirty="0"/>
           </a:p>
         </p:txBody>
       </p:sp>
@@ -8848,7 +9092,7 @@
           <p:cNvPr id="3" name="Marcador de Posição de Conteúdo 2">
             <a:extLst>
               <a:ext uri="{FF2B5EF4-FFF2-40B4-BE49-F238E27FC236}">
-                <a16:creationId xmlns:a16="http://schemas.microsoft.com/office/drawing/2014/main" id="{81537AC6-9F9F-4B01-DC13-1FF456F37681}"/>
+                <a16:creationId xmlns:a16="http://schemas.microsoft.com/office/drawing/2014/main" id="{D0EE71FC-D94D-00ED-191F-1FA4CC307E9B}"/>
               </a:ext>
             </a:extLst>
           </p:cNvPr>
@@ -8879,6 +9123,86 @@
             <a:pPr lvl="1"/>
             <a:r>
               <a:rPr lang="pt-PT" dirty="0"/>
+              <a:t>Gap(</a:t>
+            </a:r>
+            <a:r>
+              <a:rPr lang="pt-PT" dirty="0" err="1"/>
+              <a:t>ms</a:t>
+            </a:r>
+            <a:r>
+              <a:rPr lang="pt-PT" dirty="0"/>
+              <a:t>) </a:t>
+            </a:r>
+            <a:r>
+              <a:rPr lang="pt-PT" dirty="0" err="1"/>
+              <a:t>between</a:t>
+            </a:r>
+            <a:r>
+              <a:rPr lang="pt-PT" dirty="0"/>
+              <a:t> 2.165 </a:t>
+            </a:r>
+            <a:r>
+              <a:rPr lang="pt-PT" dirty="0" err="1"/>
+              <a:t>and</a:t>
+            </a:r>
+            <a:r>
+              <a:rPr lang="pt-PT" dirty="0"/>
+              <a:t> 32.991 – </a:t>
+            </a:r>
+            <a:r>
+              <a:rPr lang="pt-PT" dirty="0" err="1"/>
+              <a:t>Mean</a:t>
+            </a:r>
+            <a:r>
+              <a:rPr lang="pt-PT" dirty="0"/>
+              <a:t> 13.307</a:t>
+            </a:r>
+          </a:p>
+          <a:p>
+            <a:pPr lvl="1"/>
+            <a:r>
+              <a:rPr lang="pt-PT" dirty="0"/>
+              <a:t>Time - </a:t>
+            </a:r>
+            <a:r>
+              <a:rPr lang="pt-PT" dirty="0" err="1"/>
+              <a:t>between</a:t>
+            </a:r>
+            <a:r>
+              <a:rPr lang="pt-PT" dirty="0"/>
+              <a:t> 0.113 </a:t>
+            </a:r>
+            <a:r>
+              <a:rPr lang="pt-PT" dirty="0" err="1"/>
+              <a:t>and</a:t>
+            </a:r>
+            <a:r>
+              <a:rPr lang="pt-PT" dirty="0"/>
+              <a:t> 17.235 – </a:t>
+            </a:r>
+            <a:r>
+              <a:rPr lang="pt-PT" dirty="0" err="1"/>
+              <a:t>Mean</a:t>
+            </a:r>
+            <a:r>
+              <a:rPr lang="pt-PT" dirty="0"/>
+              <a:t> 3.505</a:t>
+            </a:r>
+          </a:p>
+          <a:p>
+            <a:r>
+              <a:rPr lang="pt-PT" dirty="0" err="1"/>
+              <a:t>Holmberg</a:t>
+            </a:r>
+            <a:r>
+              <a:rPr lang="pt-PT" dirty="0"/>
+              <a:t>:</a:t>
+            </a:r>
+          </a:p>
+          <a:p>
+            <a:pPr lvl="1"/>
+            <a:r>
+              <a:rPr lang="pt-PT" dirty="0"/>
               <a:t>Gap - </a:t>
             </a:r>
             <a:r>
@@ -8887,7 +9211,7 @@
             </a:r>
             <a:r>
               <a:rPr lang="pt-PT" dirty="0"/>
-              <a:t> 1.398 </a:t>
+              <a:t> 22.246 </a:t>
             </a:r>
             <a:r>
               <a:rPr lang="pt-PT" dirty="0" err="1"/>
@@ -8895,7 +9219,15 @@
             </a:r>
             <a:r>
               <a:rPr lang="pt-PT" dirty="0"/>
-              <a:t> 34.360</a:t>
+              <a:t> 796.071 – </a:t>
+            </a:r>
+            <a:r>
+              <a:rPr lang="pt-PT" dirty="0" err="1"/>
+              <a:t>Mean</a:t>
+            </a:r>
+            <a:r>
+              <a:rPr lang="pt-PT" dirty="0"/>
+              <a:t> 139.359</a:t>
             </a:r>
           </a:p>
           <a:p>
@@ -8910,7 +9242,7 @@
             </a:r>
             <a:r>
               <a:rPr lang="pt-PT" dirty="0"/>
-              <a:t> 0.636 </a:t>
+              <a:t> 1.184  </a:t>
             </a:r>
             <a:r>
               <a:rPr lang="pt-PT" dirty="0" err="1"/>
@@ -8918,63 +9250,15 @@
             </a:r>
             <a:r>
               <a:rPr lang="pt-PT" dirty="0"/>
-              <a:t> 2.566</a:t>
-            </a:r>
-          </a:p>
-          <a:p>
-            <a:r>
-              <a:rPr lang="pt-PT" dirty="0" err="1"/>
-              <a:t>Holmberg</a:t>
-            </a:r>
-            <a:r>
-              <a:rPr lang="pt-PT" dirty="0"/>
-              <a:t>:</a:t>
-            </a:r>
-          </a:p>
-          <a:p>
-            <a:pPr lvl="1"/>
-            <a:r>
-              <a:rPr lang="pt-PT" dirty="0"/>
-              <a:t>Gap - </a:t>
-            </a:r>
-            <a:r>
-              <a:rPr lang="pt-PT" dirty="0" err="1"/>
-              <a:t>between</a:t>
-            </a:r>
-            <a:r>
-              <a:rPr lang="pt-PT" dirty="0"/>
-              <a:t> 2.363 </a:t>
-            </a:r>
-            <a:r>
-              <a:rPr lang="pt-PT" dirty="0" err="1"/>
-              <a:t>and</a:t>
-            </a:r>
-            <a:r>
-              <a:rPr lang="pt-PT" dirty="0"/>
-              <a:t> 113.402</a:t>
-            </a:r>
-          </a:p>
-          <a:p>
-            <a:pPr lvl="1"/>
-            <a:r>
-              <a:rPr lang="pt-PT" dirty="0"/>
-              <a:t>Time - </a:t>
-            </a:r>
-            <a:r>
-              <a:rPr lang="pt-PT" dirty="0" err="1"/>
-              <a:t>between</a:t>
-            </a:r>
-            <a:r>
-              <a:rPr lang="pt-PT" dirty="0"/>
-              <a:t> 0.802 </a:t>
-            </a:r>
-            <a:r>
-              <a:rPr lang="pt-PT" dirty="0" err="1"/>
-              <a:t>and</a:t>
-            </a:r>
-            <a:r>
-              <a:rPr lang="pt-PT" dirty="0"/>
-              <a:t> 4.753</a:t>
+              <a:t> 164.174 – </a:t>
+            </a:r>
+            <a:r>
+              <a:rPr lang="pt-PT" dirty="0" err="1"/>
+              <a:t>Mean</a:t>
+            </a:r>
+            <a:r>
+              <a:rPr lang="pt-PT" dirty="0"/>
+              <a:t> 32.331</a:t>
             </a:r>
           </a:p>
           <a:p>
@@ -9019,7 +9303,7 @@
             </a:r>
             <a:r>
               <a:rPr lang="pt-PT" dirty="0"/>
-              <a:t> 3.300 </a:t>
+              <a:t> 20.596 </a:t>
             </a:r>
             <a:r>
               <a:rPr lang="pt-PT" dirty="0" err="1"/>
@@ -9027,7 +9311,15 @@
             </a:r>
             <a:r>
               <a:rPr lang="pt-PT" dirty="0"/>
-              <a:t> 57.308</a:t>
+              <a:t> 90.992 – </a:t>
+            </a:r>
+            <a:r>
+              <a:rPr lang="pt-PT" dirty="0" err="1"/>
+              <a:t>Mean</a:t>
+            </a:r>
+            <a:r>
+              <a:rPr lang="pt-PT" dirty="0"/>
+              <a:t> 47.222</a:t>
             </a:r>
           </a:p>
           <a:p>
@@ -9042,7 +9334,7 @@
             </a:r>
             <a:r>
               <a:rPr lang="pt-PT" dirty="0"/>
-              <a:t> 0.890 </a:t>
+              <a:t> 0.019 </a:t>
             </a:r>
             <a:r>
               <a:rPr lang="pt-PT" dirty="0" err="1"/>
@@ -9050,7 +9342,15 @@
             </a:r>
             <a:r>
               <a:rPr lang="pt-PT" dirty="0"/>
-              <a:t> 45.524</a:t>
+              <a:t> 22156.194 – </a:t>
+            </a:r>
+            <a:r>
+              <a:rPr lang="pt-PT" dirty="0" err="1"/>
+              <a:t>Mean</a:t>
+            </a:r>
+            <a:r>
+              <a:rPr lang="pt-PT" dirty="0"/>
+              <a:t> 3720.548</a:t>
             </a:r>
           </a:p>
           <a:p>
@@ -9079,7 +9379,7 @@
             </a:r>
             <a:r>
               <a:rPr lang="pt-PT" dirty="0"/>
-              <a:t> 12.349 </a:t>
+              <a:t> 10.054 </a:t>
             </a:r>
             <a:r>
               <a:rPr lang="pt-PT" dirty="0" err="1"/>
@@ -9087,7 +9387,15 @@
             </a:r>
             <a:r>
               <a:rPr lang="pt-PT" dirty="0"/>
-              <a:t> 25.308</a:t>
+              <a:t> 29.627 - </a:t>
+            </a:r>
+            <a:r>
+              <a:rPr lang="pt-PT" dirty="0" err="1"/>
+              <a:t>Mean</a:t>
+            </a:r>
+            <a:r>
+              <a:rPr lang="pt-PT" dirty="0"/>
+              <a:t> 19.652</a:t>
             </a:r>
           </a:p>
           <a:p>
@@ -9102,7 +9410,7 @@
             </a:r>
             <a:r>
               <a:rPr lang="pt-PT" dirty="0"/>
-              <a:t> 3.587 </a:t>
+              <a:t> 84.428 </a:t>
             </a:r>
             <a:r>
               <a:rPr lang="pt-PT" dirty="0" err="1"/>
@@ -9110,7 +9418,15 @@
             </a:r>
             <a:r>
               <a:rPr lang="pt-PT" dirty="0"/>
-              <a:t> 21.335</a:t>
+              <a:t> 1029.903 – </a:t>
+            </a:r>
+            <a:r>
+              <a:rPr lang="pt-PT" dirty="0" err="1"/>
+              <a:t>Mean</a:t>
+            </a:r>
+            <a:r>
+              <a:rPr lang="pt-PT" dirty="0"/>
+              <a:t> 332.113</a:t>
             </a:r>
           </a:p>
           <a:p>
@@ -9139,7 +9455,7 @@
             </a:r>
             <a:r>
               <a:rPr lang="pt-PT" dirty="0"/>
-              <a:t> 24.413 </a:t>
+              <a:t> 21.465 </a:t>
             </a:r>
             <a:r>
               <a:rPr lang="pt-PT" dirty="0" err="1"/>
@@ -9147,7 +9463,15 @@
             </a:r>
             <a:r>
               <a:rPr lang="pt-PT" dirty="0"/>
-              <a:t> 203.048</a:t>
+              <a:t> 486.662 – </a:t>
+            </a:r>
+            <a:r>
+              <a:rPr lang="pt-PT" dirty="0" err="1"/>
+              <a:t>Mean</a:t>
+            </a:r>
+            <a:r>
+              <a:rPr lang="pt-PT" dirty="0"/>
+              <a:t> 111.792</a:t>
             </a:r>
           </a:p>
           <a:p>
@@ -9162,7 +9486,7 @@
             </a:r>
             <a:r>
               <a:rPr lang="pt-PT" dirty="0"/>
-              <a:t> 152.889 </a:t>
+              <a:t> 289.036 </a:t>
             </a:r>
             <a:r>
               <a:rPr lang="pt-PT" dirty="0" err="1"/>
@@ -9170,15 +9494,68 @@
             </a:r>
             <a:r>
               <a:rPr lang="pt-PT" dirty="0"/>
-              <a:t> 27589.182</a:t>
-            </a:r>
+              <a:t> 132175.172 – </a:t>
+            </a:r>
+            <a:r>
+              <a:rPr lang="pt-PT" dirty="0" err="1"/>
+              <a:t>Mean</a:t>
+            </a:r>
+            <a:r>
+              <a:rPr lang="pt-PT" dirty="0"/>
+              <a:t> 25223.940</a:t>
+            </a:r>
+          </a:p>
+          <a:p>
+            <a:endParaRPr lang="pt-PT" dirty="0"/>
+          </a:p>
+        </p:txBody>
+      </p:sp>
+      <p:sp>
+        <p:nvSpPr>
+          <p:cNvPr id="4" name="Marcador de Posição do Número do Diapositivo 3">
+            <a:extLst>
+              <a:ext uri="{FF2B5EF4-FFF2-40B4-BE49-F238E27FC236}">
+                <a16:creationId xmlns:a16="http://schemas.microsoft.com/office/drawing/2014/main" id="{BD5D1C43-7DF6-65CB-A434-F78AFDA9D579}"/>
+              </a:ext>
+            </a:extLst>
+          </p:cNvPr>
+          <p:cNvSpPr>
+            <a:spLocks noGrp="1"/>
+          </p:cNvSpPr>
+          <p:nvPr>
+            <p:ph type="sldNum" sz="quarter" idx="12"/>
+          </p:nvPr>
+        </p:nvSpPr>
+        <p:spPr/>
+        <p:txBody>
+          <a:bodyPr/>
+          <a:lstStyle/>
+          <a:p>
+            <a:fld id="{91727942-0F31-8246-9E69-0AE29DBBE5E4}" type="slidenum">
+              <a:rPr lang="en-US" smtClean="0">
+                <a:solidFill>
+                  <a:prstClr val="black">
+                    <a:tint val="75000"/>
+                  </a:prstClr>
+                </a:solidFill>
+              </a:rPr>
+              <a:pPr/>
+              <a:t>16</a:t>
+            </a:fld>
+            <a:endParaRPr lang="en-US">
+              <a:solidFill>
+                <a:prstClr val="black">
+                  <a:tint val="75000"/>
+                </a:prstClr>
+              </a:solidFill>
+            </a:endParaRPr>
           </a:p>
         </p:txBody>
       </p:sp>
     </p:spTree>
     <p:extLst>
       <p:ext uri="{BB962C8B-B14F-4D97-AF65-F5344CB8AC3E}">
-        <p14:creationId xmlns:p14="http://schemas.microsoft.com/office/powerpoint/2010/main" val="3595565641"/>
+        <p14:creationId xmlns:p14="http://schemas.microsoft.com/office/powerpoint/2010/main" val="3048003526"/>
       </p:ext>
     </p:extLst>
   </p:cSld>
@@ -9258,13 +9635,8 @@
             </a:r>
             <a:r>
               <a:rPr lang="pt-PT" dirty="0"/>
-              <a:t> </a:t>
-            </a:r>
-            <a:r>
-              <a:rPr lang="pt-PT" dirty="0" err="1"/>
-              <a:t>Swap</a:t>
-            </a:r>
-            <a:endParaRPr lang="pt-PT" dirty="0"/>
+              <a:t> Shift</a:t>
+            </a:r>
           </a:p>
         </p:txBody>
       </p:sp>
@@ -9304,7 +9676,7 @@
             <a:pPr lvl="1"/>
             <a:r>
               <a:rPr lang="pt-PT" dirty="0"/>
-              <a:t>Gap - </a:t>
+              <a:t>Gap  </a:t>
             </a:r>
             <a:r>
               <a:rPr lang="pt-PT" dirty="0" err="1"/>
@@ -9312,7 +9684,7 @@
             </a:r>
             <a:r>
               <a:rPr lang="pt-PT" dirty="0"/>
-              <a:t> 0.397 </a:t>
+              <a:t> 1.398 </a:t>
             </a:r>
             <a:r>
               <a:rPr lang="pt-PT" dirty="0" err="1"/>
@@ -9320,14 +9692,22 @@
             </a:r>
             <a:r>
               <a:rPr lang="pt-PT" dirty="0"/>
-              <a:t> 36.852</a:t>
+              <a:t> 34.360 – </a:t>
+            </a:r>
+            <a:r>
+              <a:rPr lang="pt-PT" dirty="0" err="1"/>
+              <a:t>Mean</a:t>
+            </a:r>
+            <a:r>
+              <a:rPr lang="pt-PT" dirty="0"/>
+              <a:t> 14.197</a:t>
             </a:r>
           </a:p>
           <a:p>
             <a:pPr lvl="1"/>
             <a:r>
               <a:rPr lang="pt-PT" dirty="0"/>
-              <a:t>Time - </a:t>
+              <a:t>Time </a:t>
             </a:r>
             <a:r>
               <a:rPr lang="pt-PT" dirty="0" err="1"/>
@@ -9335,7 +9715,7 @@
             </a:r>
             <a:r>
               <a:rPr lang="pt-PT" dirty="0"/>
-              <a:t> 0.930 </a:t>
+              <a:t> 0.636 </a:t>
             </a:r>
             <a:r>
               <a:rPr lang="pt-PT" dirty="0" err="1"/>
@@ -9343,7 +9723,15 @@
             </a:r>
             <a:r>
               <a:rPr lang="pt-PT" dirty="0"/>
-              <a:t> 5.553</a:t>
+              <a:t> 2.566 – </a:t>
+            </a:r>
+            <a:r>
+              <a:rPr lang="pt-PT" dirty="0" err="1"/>
+              <a:t>Mean</a:t>
+            </a:r>
+            <a:r>
+              <a:rPr lang="pt-PT" dirty="0"/>
+              <a:t> 1.306</a:t>
             </a:r>
           </a:p>
           <a:p>
@@ -9360,7 +9748,7 @@
             <a:pPr lvl="1"/>
             <a:r>
               <a:rPr lang="pt-PT" dirty="0"/>
-              <a:t>Gap - </a:t>
+              <a:t>Gap </a:t>
             </a:r>
             <a:r>
               <a:rPr lang="pt-PT" dirty="0" err="1"/>
@@ -9368,7 +9756,7 @@
             </a:r>
             <a:r>
               <a:rPr lang="pt-PT" dirty="0"/>
-              <a:t> 4.599 </a:t>
+              <a:t> 2.363 </a:t>
             </a:r>
             <a:r>
               <a:rPr lang="pt-PT" dirty="0" err="1"/>
@@ -9376,14 +9764,22 @@
             </a:r>
             <a:r>
               <a:rPr lang="pt-PT" dirty="0"/>
-              <a:t> 125.677</a:t>
+              <a:t> 113.402 – </a:t>
+            </a:r>
+            <a:r>
+              <a:rPr lang="pt-PT" dirty="0" err="1"/>
+              <a:t>Mean</a:t>
+            </a:r>
+            <a:r>
+              <a:rPr lang="pt-PT" dirty="0"/>
+              <a:t> 34.209</a:t>
             </a:r>
           </a:p>
           <a:p>
             <a:pPr lvl="1"/>
             <a:r>
               <a:rPr lang="pt-PT" dirty="0"/>
-              <a:t>Time - </a:t>
+              <a:t>Time </a:t>
             </a:r>
             <a:r>
               <a:rPr lang="pt-PT" dirty="0" err="1"/>
@@ -9391,7 +9787,7 @@
             </a:r>
             <a:r>
               <a:rPr lang="pt-PT" dirty="0"/>
-              <a:t> 1.719 </a:t>
+              <a:t> 0.802 </a:t>
             </a:r>
             <a:r>
               <a:rPr lang="pt-PT" dirty="0" err="1"/>
@@ -9399,7 +9795,15 @@
             </a:r>
             <a:r>
               <a:rPr lang="pt-PT" dirty="0"/>
-              <a:t> 35.11</a:t>
+              <a:t> 4.753 – </a:t>
+            </a:r>
+            <a:r>
+              <a:rPr lang="pt-PT" dirty="0" err="1"/>
+              <a:t>Mean</a:t>
+            </a:r>
+            <a:r>
+              <a:rPr lang="pt-PT" dirty="0"/>
+              <a:t> 1.902</a:t>
             </a:r>
           </a:p>
           <a:p>
@@ -9436,7 +9840,7 @@
             <a:pPr lvl="1"/>
             <a:r>
               <a:rPr lang="pt-PT" dirty="0"/>
-              <a:t>Gap - </a:t>
+              <a:t>Gap </a:t>
             </a:r>
             <a:r>
               <a:rPr lang="pt-PT" dirty="0" err="1"/>
@@ -9444,7 +9848,7 @@
             </a:r>
             <a:r>
               <a:rPr lang="pt-PT" dirty="0"/>
-              <a:t> 9.029 </a:t>
+              <a:t> 3.300 </a:t>
             </a:r>
             <a:r>
               <a:rPr lang="pt-PT" dirty="0" err="1"/>
@@ -9452,14 +9856,22 @@
             </a:r>
             <a:r>
               <a:rPr lang="pt-PT" dirty="0"/>
-              <a:t> 57.308</a:t>
+              <a:t> 57.308 – </a:t>
+            </a:r>
+            <a:r>
+              <a:rPr lang="pt-PT" dirty="0" err="1"/>
+              <a:t>Mean</a:t>
+            </a:r>
+            <a:r>
+              <a:rPr lang="pt-PT" dirty="0"/>
+              <a:t> 24.928</a:t>
             </a:r>
           </a:p>
           <a:p>
             <a:pPr lvl="1"/>
             <a:r>
               <a:rPr lang="pt-PT" dirty="0"/>
-              <a:t>Time - </a:t>
+              <a:t>Time </a:t>
             </a:r>
             <a:r>
               <a:rPr lang="pt-PT" dirty="0" err="1"/>
@@ -9467,7 +9879,7 @@
             </a:r>
             <a:r>
               <a:rPr lang="pt-PT" dirty="0"/>
-              <a:t> 1.810 </a:t>
+              <a:t> 0.890 </a:t>
             </a:r>
             <a:r>
               <a:rPr lang="pt-PT" dirty="0" err="1"/>
@@ -9475,7 +9887,15 @@
             </a:r>
             <a:r>
               <a:rPr lang="pt-PT" dirty="0"/>
-              <a:t> 8493.712</a:t>
+              <a:t> 45.524 – </a:t>
+            </a:r>
+            <a:r>
+              <a:rPr lang="pt-PT" dirty="0" err="1"/>
+              <a:t>Mean</a:t>
+            </a:r>
+            <a:r>
+              <a:rPr lang="pt-PT" dirty="0"/>
+              <a:t> 17.690</a:t>
             </a:r>
           </a:p>
           <a:p>
@@ -9496,7 +9916,7 @@
             <a:pPr lvl="1"/>
             <a:r>
               <a:rPr lang="pt-PT" dirty="0"/>
-              <a:t>Gap - </a:t>
+              <a:t>Gap </a:t>
             </a:r>
             <a:r>
               <a:rPr lang="pt-PT" dirty="0" err="1"/>
@@ -9504,7 +9924,7 @@
             </a:r>
             <a:r>
               <a:rPr lang="pt-PT" dirty="0"/>
-              <a:t> 11.289 </a:t>
+              <a:t> 12.349 </a:t>
             </a:r>
             <a:r>
               <a:rPr lang="pt-PT" dirty="0" err="1"/>
@@ -9512,14 +9932,22 @@
             </a:r>
             <a:r>
               <a:rPr lang="pt-PT" dirty="0"/>
-              <a:t> 23.885</a:t>
+              <a:t> 25.308 – </a:t>
+            </a:r>
+            <a:r>
+              <a:rPr lang="pt-PT" dirty="0" err="1"/>
+              <a:t>Mean</a:t>
+            </a:r>
+            <a:r>
+              <a:rPr lang="pt-PT" dirty="0"/>
+              <a:t> 18.722</a:t>
             </a:r>
           </a:p>
           <a:p>
             <a:pPr lvl="1"/>
             <a:r>
               <a:rPr lang="pt-PT" dirty="0"/>
-              <a:t>Time - </a:t>
+              <a:t>Time </a:t>
             </a:r>
             <a:r>
               <a:rPr lang="pt-PT" dirty="0" err="1"/>
@@ -9527,7 +9955,7 @@
             </a:r>
             <a:r>
               <a:rPr lang="pt-PT" dirty="0"/>
-              <a:t> 35.606 </a:t>
+              <a:t> 3.587 </a:t>
             </a:r>
             <a:r>
               <a:rPr lang="pt-PT" dirty="0" err="1"/>
@@ -9535,7 +9963,15 @@
             </a:r>
             <a:r>
               <a:rPr lang="pt-PT" dirty="0"/>
-              <a:t> 363.472</a:t>
+              <a:t> 21.335 – </a:t>
+            </a:r>
+            <a:r>
+              <a:rPr lang="pt-PT" dirty="0" err="1"/>
+              <a:t>Mean</a:t>
+            </a:r>
+            <a:r>
+              <a:rPr lang="pt-PT" dirty="0"/>
+              <a:t> 10.263</a:t>
             </a:r>
           </a:p>
           <a:p>
@@ -9556,7 +9992,7 @@
             <a:pPr lvl="1"/>
             <a:r>
               <a:rPr lang="pt-PT" dirty="0"/>
-              <a:t>Gap - </a:t>
+              <a:t>Gap </a:t>
             </a:r>
             <a:r>
               <a:rPr lang="pt-PT" dirty="0" err="1"/>
@@ -9564,7 +10000,7 @@
             </a:r>
             <a:r>
               <a:rPr lang="pt-PT" dirty="0"/>
-              <a:t> 33.776 </a:t>
+              <a:t> 24.413 </a:t>
             </a:r>
             <a:r>
               <a:rPr lang="pt-PT" dirty="0" err="1"/>
@@ -9572,14 +10008,22 @@
             </a:r>
             <a:r>
               <a:rPr lang="pt-PT" dirty="0"/>
-              <a:t> 210.352</a:t>
+              <a:t> 203.048 – </a:t>
+            </a:r>
+            <a:r>
+              <a:rPr lang="pt-PT" dirty="0" err="1"/>
+              <a:t>Mean</a:t>
+            </a:r>
+            <a:r>
+              <a:rPr lang="pt-PT" dirty="0"/>
+              <a:t> 71.222</a:t>
             </a:r>
           </a:p>
           <a:p>
             <a:pPr lvl="1"/>
             <a:r>
               <a:rPr lang="pt-PT" dirty="0"/>
-              <a:t>Time - </a:t>
+              <a:t>Time </a:t>
             </a:r>
             <a:r>
               <a:rPr lang="pt-PT" dirty="0" err="1"/>
@@ -9587,7 +10031,7 @@
             </a:r>
             <a:r>
               <a:rPr lang="pt-PT" dirty="0"/>
-              <a:t> 143.401 </a:t>
+              <a:t> 152.889 </a:t>
             </a:r>
             <a:r>
               <a:rPr lang="pt-PT" dirty="0" err="1"/>
@@ -9595,18 +10039,65 @@
             </a:r>
             <a:r>
               <a:rPr lang="pt-PT" dirty="0"/>
-              <a:t> 24081.043</a:t>
-            </a:r>
-          </a:p>
-          <a:p>
-            <a:endParaRPr lang="pt-PT" dirty="0"/>
+              <a:t> 27589.182 – </a:t>
+            </a:r>
+            <a:r>
+              <a:rPr lang="pt-PT" dirty="0" err="1"/>
+              <a:t>Mean</a:t>
+            </a:r>
+            <a:r>
+              <a:rPr lang="pt-PT" dirty="0"/>
+              <a:t> 5562.016</a:t>
+            </a:r>
+          </a:p>
+        </p:txBody>
+      </p:sp>
+      <p:sp>
+        <p:nvSpPr>
+          <p:cNvPr id="4" name="Marcador de Posição do Número do Diapositivo 3">
+            <a:extLst>
+              <a:ext uri="{FF2B5EF4-FFF2-40B4-BE49-F238E27FC236}">
+                <a16:creationId xmlns:a16="http://schemas.microsoft.com/office/drawing/2014/main" id="{4D9747ED-B2F6-EC34-8525-58847E9A98CA}"/>
+              </a:ext>
+            </a:extLst>
+          </p:cNvPr>
+          <p:cNvSpPr>
+            <a:spLocks noGrp="1"/>
+          </p:cNvSpPr>
+          <p:nvPr>
+            <p:ph type="sldNum" sz="quarter" idx="12"/>
+          </p:nvPr>
+        </p:nvSpPr>
+        <p:spPr/>
+        <p:txBody>
+          <a:bodyPr/>
+          <a:lstStyle/>
+          <a:p>
+            <a:fld id="{91727942-0F31-8246-9E69-0AE29DBBE5E4}" type="slidenum">
+              <a:rPr lang="en-US" smtClean="0">
+                <a:solidFill>
+                  <a:prstClr val="black">
+                    <a:tint val="75000"/>
+                  </a:prstClr>
+                </a:solidFill>
+              </a:rPr>
+              <a:pPr/>
+              <a:t>17</a:t>
+            </a:fld>
+            <a:endParaRPr lang="en-US">
+              <a:solidFill>
+                <a:prstClr val="black">
+                  <a:tint val="75000"/>
+                </a:prstClr>
+              </a:solidFill>
+            </a:endParaRPr>
           </a:p>
         </p:txBody>
       </p:sp>
     </p:spTree>
     <p:extLst>
       <p:ext uri="{BB962C8B-B14F-4D97-AF65-F5344CB8AC3E}">
-        <p14:creationId xmlns:p14="http://schemas.microsoft.com/office/powerpoint/2010/main" val="2526834256"/>
+        <p14:creationId xmlns:p14="http://schemas.microsoft.com/office/powerpoint/2010/main" val="3595565641"/>
       </p:ext>
     </p:extLst>
   </p:cSld>
@@ -9635,6 +10126,556 @@
       </p:grpSpPr>
       <p:sp>
         <p:nvSpPr>
+          <p:cNvPr id="2" name="Título 1">
+            <a:extLst>
+              <a:ext uri="{FF2B5EF4-FFF2-40B4-BE49-F238E27FC236}">
+                <a16:creationId xmlns:a16="http://schemas.microsoft.com/office/drawing/2014/main" id="{733842DD-E028-2728-5794-61A1920AA9AF}"/>
+              </a:ext>
+            </a:extLst>
+          </p:cNvPr>
+          <p:cNvSpPr>
+            <a:spLocks noGrp="1"/>
+          </p:cNvSpPr>
+          <p:nvPr>
+            <p:ph type="title"/>
+          </p:nvPr>
+        </p:nvSpPr>
+        <p:spPr/>
+        <p:txBody>
+          <a:bodyPr>
+            <a:normAutofit fontScale="90000"/>
+          </a:bodyPr>
+          <a:lstStyle/>
+          <a:p>
+            <a:r>
+              <a:rPr lang="pt-PT" dirty="0" err="1"/>
+              <a:t>Results</a:t>
+            </a:r>
+            <a:r>
+              <a:rPr lang="pt-PT" dirty="0"/>
+              <a:t> </a:t>
+            </a:r>
+            <a:r>
+              <a:rPr lang="pt-PT" dirty="0" err="1"/>
+              <a:t>of</a:t>
+            </a:r>
+            <a:r>
+              <a:rPr lang="pt-PT" dirty="0"/>
+              <a:t> </a:t>
+            </a:r>
+            <a:r>
+              <a:rPr lang="pt-PT" dirty="0" err="1"/>
+              <a:t>the</a:t>
+            </a:r>
+            <a:r>
+              <a:rPr lang="pt-PT" dirty="0"/>
+              <a:t> GRASP – Local </a:t>
+            </a:r>
+            <a:r>
+              <a:rPr lang="pt-PT" dirty="0" err="1"/>
+              <a:t>Search</a:t>
+            </a:r>
+            <a:r>
+              <a:rPr lang="pt-PT" dirty="0"/>
+              <a:t> </a:t>
+            </a:r>
+            <a:r>
+              <a:rPr lang="pt-PT" dirty="0" err="1"/>
+              <a:t>Swap</a:t>
+            </a:r>
+            <a:endParaRPr lang="pt-PT" dirty="0"/>
+          </a:p>
+        </p:txBody>
+      </p:sp>
+      <p:sp>
+        <p:nvSpPr>
+          <p:cNvPr id="3" name="Marcador de Posição de Conteúdo 2">
+            <a:extLst>
+              <a:ext uri="{FF2B5EF4-FFF2-40B4-BE49-F238E27FC236}">
+                <a16:creationId xmlns:a16="http://schemas.microsoft.com/office/drawing/2014/main" id="{81537AC6-9F9F-4B01-DC13-1FF456F37681}"/>
+              </a:ext>
+            </a:extLst>
+          </p:cNvPr>
+          <p:cNvSpPr>
+            <a:spLocks noGrp="1"/>
+          </p:cNvSpPr>
+          <p:nvPr>
+            <p:ph idx="1"/>
+          </p:nvPr>
+        </p:nvSpPr>
+        <p:spPr/>
+        <p:txBody>
+          <a:bodyPr>
+            <a:normAutofit fontScale="55000" lnSpcReduction="20000"/>
+          </a:bodyPr>
+          <a:lstStyle/>
+          <a:p>
+            <a:r>
+              <a:rPr lang="pt-PT" dirty="0" err="1"/>
+              <a:t>Delmaire</a:t>
+            </a:r>
+            <a:r>
+              <a:rPr lang="pt-PT" dirty="0"/>
+              <a:t>:</a:t>
+            </a:r>
+          </a:p>
+          <a:p>
+            <a:pPr lvl="1"/>
+            <a:r>
+              <a:rPr lang="pt-PT" dirty="0"/>
+              <a:t>Gap - </a:t>
+            </a:r>
+            <a:r>
+              <a:rPr lang="pt-PT" dirty="0" err="1"/>
+              <a:t>between</a:t>
+            </a:r>
+            <a:r>
+              <a:rPr lang="pt-PT" dirty="0"/>
+              <a:t> 0.397 </a:t>
+            </a:r>
+            <a:r>
+              <a:rPr lang="pt-PT" dirty="0" err="1"/>
+              <a:t>and</a:t>
+            </a:r>
+            <a:r>
+              <a:rPr lang="pt-PT" dirty="0"/>
+              <a:t> 36.852 – </a:t>
+            </a:r>
+            <a:r>
+              <a:rPr lang="pt-PT" dirty="0" err="1"/>
+              <a:t>Mean</a:t>
+            </a:r>
+            <a:r>
+              <a:rPr lang="pt-PT" dirty="0"/>
+              <a:t> 13.552</a:t>
+            </a:r>
+          </a:p>
+          <a:p>
+            <a:pPr lvl="1"/>
+            <a:r>
+              <a:rPr lang="pt-PT" dirty="0"/>
+              <a:t>Time - </a:t>
+            </a:r>
+            <a:r>
+              <a:rPr lang="pt-PT" dirty="0" err="1"/>
+              <a:t>between</a:t>
+            </a:r>
+            <a:r>
+              <a:rPr lang="pt-PT" dirty="0"/>
+              <a:t> 0.930 </a:t>
+            </a:r>
+            <a:r>
+              <a:rPr lang="pt-PT" dirty="0" err="1"/>
+              <a:t>and</a:t>
+            </a:r>
+            <a:r>
+              <a:rPr lang="pt-PT" dirty="0"/>
+              <a:t> 5.553 – </a:t>
+            </a:r>
+            <a:r>
+              <a:rPr lang="pt-PT" dirty="0" err="1"/>
+              <a:t>Mean</a:t>
+            </a:r>
+            <a:r>
+              <a:rPr lang="pt-PT" dirty="0"/>
+              <a:t> 3.265</a:t>
+            </a:r>
+          </a:p>
+          <a:p>
+            <a:r>
+              <a:rPr lang="pt-PT" dirty="0" err="1"/>
+              <a:t>Holmberg</a:t>
+            </a:r>
+            <a:r>
+              <a:rPr lang="pt-PT" dirty="0"/>
+              <a:t>:</a:t>
+            </a:r>
+          </a:p>
+          <a:p>
+            <a:pPr lvl="1"/>
+            <a:r>
+              <a:rPr lang="pt-PT" dirty="0"/>
+              <a:t>Gap - </a:t>
+            </a:r>
+            <a:r>
+              <a:rPr lang="pt-PT" dirty="0" err="1"/>
+              <a:t>between</a:t>
+            </a:r>
+            <a:r>
+              <a:rPr lang="pt-PT" dirty="0"/>
+              <a:t> 4.599 </a:t>
+            </a:r>
+            <a:r>
+              <a:rPr lang="pt-PT" dirty="0" err="1"/>
+              <a:t>and</a:t>
+            </a:r>
+            <a:r>
+              <a:rPr lang="pt-PT" dirty="0"/>
+              <a:t> 125.677 – </a:t>
+            </a:r>
+            <a:r>
+              <a:rPr lang="pt-PT" dirty="0" err="1"/>
+              <a:t>Mean</a:t>
+            </a:r>
+            <a:r>
+              <a:rPr lang="pt-PT" dirty="0"/>
+              <a:t> 34.710</a:t>
+            </a:r>
+          </a:p>
+          <a:p>
+            <a:pPr lvl="1"/>
+            <a:r>
+              <a:rPr lang="pt-PT" dirty="0"/>
+              <a:t>Time - </a:t>
+            </a:r>
+            <a:r>
+              <a:rPr lang="pt-PT" dirty="0" err="1"/>
+              <a:t>between</a:t>
+            </a:r>
+            <a:r>
+              <a:rPr lang="pt-PT" dirty="0"/>
+              <a:t> 1.719 </a:t>
+            </a:r>
+            <a:r>
+              <a:rPr lang="pt-PT" dirty="0" err="1"/>
+              <a:t>and</a:t>
+            </a:r>
+            <a:r>
+              <a:rPr lang="pt-PT" dirty="0"/>
+              <a:t> 35.11 – </a:t>
+            </a:r>
+            <a:r>
+              <a:rPr lang="pt-PT" dirty="0" err="1"/>
+              <a:t>Mean</a:t>
+            </a:r>
+            <a:r>
+              <a:rPr lang="pt-PT" dirty="0"/>
+              <a:t> 15.710</a:t>
+            </a:r>
+          </a:p>
+          <a:p>
+            <a:r>
+              <a:rPr lang="pt-PT" dirty="0"/>
+              <a:t>OR-</a:t>
+            </a:r>
+            <a:r>
+              <a:rPr lang="pt-PT" dirty="0" err="1"/>
+              <a:t>Library</a:t>
+            </a:r>
+            <a:r>
+              <a:rPr lang="pt-PT" dirty="0"/>
+              <a:t> (9 OS out </a:t>
+            </a:r>
+            <a:r>
+              <a:rPr lang="pt-PT" dirty="0" err="1"/>
+              <a:t>of</a:t>
+            </a:r>
+            <a:r>
+              <a:rPr lang="pt-PT" dirty="0"/>
+              <a:t> </a:t>
+            </a:r>
+            <a:r>
+              <a:rPr lang="pt-PT" u="sng" dirty="0"/>
+              <a:t>36</a:t>
+            </a:r>
+            <a:r>
+              <a:rPr lang="pt-PT" dirty="0"/>
+              <a:t>)</a:t>
+            </a:r>
+          </a:p>
+          <a:p>
+            <a:pPr lvl="1"/>
+            <a:r>
+              <a:rPr lang="pt-PT" dirty="0"/>
+              <a:t>Gap - </a:t>
+            </a:r>
+            <a:r>
+              <a:rPr lang="pt-PT" dirty="0" err="1"/>
+              <a:t>between</a:t>
+            </a:r>
+            <a:r>
+              <a:rPr lang="pt-PT" dirty="0"/>
+              <a:t> 9.029 </a:t>
+            </a:r>
+            <a:r>
+              <a:rPr lang="pt-PT" dirty="0" err="1"/>
+              <a:t>and</a:t>
+            </a:r>
+            <a:r>
+              <a:rPr lang="pt-PT" dirty="0"/>
+              <a:t> 57.308 – </a:t>
+            </a:r>
+            <a:r>
+              <a:rPr lang="pt-PT" dirty="0" err="1"/>
+              <a:t>Mean</a:t>
+            </a:r>
+            <a:r>
+              <a:rPr lang="pt-PT" dirty="0"/>
+              <a:t> 27.207</a:t>
+            </a:r>
+          </a:p>
+          <a:p>
+            <a:pPr lvl="1"/>
+            <a:r>
+              <a:rPr lang="pt-PT" dirty="0"/>
+              <a:t>Time - </a:t>
+            </a:r>
+            <a:r>
+              <a:rPr lang="pt-PT" dirty="0" err="1"/>
+              <a:t>between</a:t>
+            </a:r>
+            <a:r>
+              <a:rPr lang="pt-PT" dirty="0"/>
+              <a:t> 1.810 </a:t>
+            </a:r>
+            <a:r>
+              <a:rPr lang="pt-PT" dirty="0" err="1"/>
+              <a:t>and</a:t>
+            </a:r>
+            <a:r>
+              <a:rPr lang="pt-PT" dirty="0"/>
+              <a:t> 8493.712 – </a:t>
+            </a:r>
+            <a:r>
+              <a:rPr lang="pt-PT" dirty="0" err="1"/>
+              <a:t>Mean</a:t>
+            </a:r>
+            <a:r>
+              <a:rPr lang="pt-PT" dirty="0"/>
+              <a:t> 2076.865</a:t>
+            </a:r>
+          </a:p>
+          <a:p>
+            <a:r>
+              <a:rPr lang="pt-PT" dirty="0"/>
+              <a:t>Yang (9 OS out </a:t>
+            </a:r>
+            <a:r>
+              <a:rPr lang="pt-PT" dirty="0" err="1"/>
+              <a:t>of</a:t>
+            </a:r>
+            <a:r>
+              <a:rPr lang="pt-PT" dirty="0"/>
+              <a:t> 20)</a:t>
+            </a:r>
+          </a:p>
+          <a:p>
+            <a:pPr lvl="1"/>
+            <a:r>
+              <a:rPr lang="pt-PT" dirty="0"/>
+              <a:t>Gap - </a:t>
+            </a:r>
+            <a:r>
+              <a:rPr lang="pt-PT" dirty="0" err="1"/>
+              <a:t>between</a:t>
+            </a:r>
+            <a:r>
+              <a:rPr lang="pt-PT" dirty="0"/>
+              <a:t> 11.289 </a:t>
+            </a:r>
+            <a:r>
+              <a:rPr lang="pt-PT" dirty="0" err="1"/>
+              <a:t>and</a:t>
+            </a:r>
+            <a:r>
+              <a:rPr lang="pt-PT" dirty="0"/>
+              <a:t> 23.885 – </a:t>
+            </a:r>
+            <a:r>
+              <a:rPr lang="pt-PT" dirty="0" err="1"/>
+              <a:t>Mean</a:t>
+            </a:r>
+            <a:r>
+              <a:rPr lang="pt-PT" dirty="0"/>
+              <a:t>  17.986</a:t>
+            </a:r>
+          </a:p>
+          <a:p>
+            <a:pPr lvl="1"/>
+            <a:r>
+              <a:rPr lang="pt-PT" dirty="0"/>
+              <a:t>Time - </a:t>
+            </a:r>
+            <a:r>
+              <a:rPr lang="pt-PT" dirty="0" err="1"/>
+              <a:t>between</a:t>
+            </a:r>
+            <a:r>
+              <a:rPr lang="pt-PT" dirty="0"/>
+              <a:t> 35.606 </a:t>
+            </a:r>
+            <a:r>
+              <a:rPr lang="pt-PT" dirty="0" err="1"/>
+              <a:t>and</a:t>
+            </a:r>
+            <a:r>
+              <a:rPr lang="pt-PT" dirty="0"/>
+              <a:t> 363.472 – </a:t>
+            </a:r>
+            <a:r>
+              <a:rPr lang="pt-PT" dirty="0" err="1"/>
+              <a:t>Mean</a:t>
+            </a:r>
+            <a:r>
+              <a:rPr lang="pt-PT" dirty="0"/>
+              <a:t> 145.807</a:t>
+            </a:r>
+          </a:p>
+          <a:p>
+            <a:r>
+              <a:rPr lang="pt-PT" dirty="0"/>
+              <a:t>TBED1 (0 OS out </a:t>
+            </a:r>
+            <a:r>
+              <a:rPr lang="pt-PT" dirty="0" err="1"/>
+              <a:t>of</a:t>
+            </a:r>
+            <a:r>
+              <a:rPr lang="pt-PT" dirty="0"/>
+              <a:t> 60)</a:t>
+            </a:r>
+          </a:p>
+          <a:p>
+            <a:pPr lvl="1"/>
+            <a:r>
+              <a:rPr lang="pt-PT" dirty="0"/>
+              <a:t>Gap - </a:t>
+            </a:r>
+            <a:r>
+              <a:rPr lang="pt-PT" dirty="0" err="1"/>
+              <a:t>between</a:t>
+            </a:r>
+            <a:r>
+              <a:rPr lang="pt-PT" dirty="0"/>
+              <a:t> 33.776 </a:t>
+            </a:r>
+            <a:r>
+              <a:rPr lang="pt-PT" dirty="0" err="1"/>
+              <a:t>and</a:t>
+            </a:r>
+            <a:r>
+              <a:rPr lang="pt-PT" dirty="0"/>
+              <a:t> 210.352 – </a:t>
+            </a:r>
+            <a:r>
+              <a:rPr lang="pt-PT" dirty="0" err="1"/>
+              <a:t>Mean</a:t>
+            </a:r>
+            <a:r>
+              <a:rPr lang="pt-PT" dirty="0"/>
+              <a:t>  69.617</a:t>
+            </a:r>
+          </a:p>
+          <a:p>
+            <a:pPr lvl="1"/>
+            <a:r>
+              <a:rPr lang="pt-PT" dirty="0"/>
+              <a:t>Time - </a:t>
+            </a:r>
+            <a:r>
+              <a:rPr lang="pt-PT" dirty="0" err="1"/>
+              <a:t>between</a:t>
+            </a:r>
+            <a:r>
+              <a:rPr lang="pt-PT" dirty="0"/>
+              <a:t> 143.401 </a:t>
+            </a:r>
+            <a:r>
+              <a:rPr lang="pt-PT" dirty="0" err="1"/>
+              <a:t>and</a:t>
+            </a:r>
+            <a:r>
+              <a:rPr lang="pt-PT" dirty="0"/>
+              <a:t> 24081.043 – </a:t>
+            </a:r>
+            <a:r>
+              <a:rPr lang="pt-PT" dirty="0" err="1"/>
+              <a:t>Mean</a:t>
+            </a:r>
+            <a:r>
+              <a:rPr lang="pt-PT" dirty="0"/>
+              <a:t>  5412.7</a:t>
+            </a:r>
+          </a:p>
+          <a:p>
+            <a:endParaRPr lang="pt-PT" dirty="0"/>
+          </a:p>
+        </p:txBody>
+      </p:sp>
+      <p:sp>
+        <p:nvSpPr>
+          <p:cNvPr id="4" name="Marcador de Posição do Número do Diapositivo 3">
+            <a:extLst>
+              <a:ext uri="{FF2B5EF4-FFF2-40B4-BE49-F238E27FC236}">
+                <a16:creationId xmlns:a16="http://schemas.microsoft.com/office/drawing/2014/main" id="{A98A618A-07DC-D3A1-2BAF-C187644F30B2}"/>
+              </a:ext>
+            </a:extLst>
+          </p:cNvPr>
+          <p:cNvSpPr>
+            <a:spLocks noGrp="1"/>
+          </p:cNvSpPr>
+          <p:nvPr>
+            <p:ph type="sldNum" sz="quarter" idx="12"/>
+          </p:nvPr>
+        </p:nvSpPr>
+        <p:spPr/>
+        <p:txBody>
+          <a:bodyPr/>
+          <a:lstStyle/>
+          <a:p>
+            <a:fld id="{91727942-0F31-8246-9E69-0AE29DBBE5E4}" type="slidenum">
+              <a:rPr lang="en-US" smtClean="0">
+                <a:solidFill>
+                  <a:prstClr val="black">
+                    <a:tint val="75000"/>
+                  </a:prstClr>
+                </a:solidFill>
+              </a:rPr>
+              <a:pPr/>
+              <a:t>18</a:t>
+            </a:fld>
+            <a:endParaRPr lang="en-US">
+              <a:solidFill>
+                <a:prstClr val="black">
+                  <a:tint val="75000"/>
+                </a:prstClr>
+              </a:solidFill>
+            </a:endParaRPr>
+          </a:p>
+        </p:txBody>
+      </p:sp>
+    </p:spTree>
+    <p:extLst>
+      <p:ext uri="{BB962C8B-B14F-4D97-AF65-F5344CB8AC3E}">
+        <p14:creationId xmlns:p14="http://schemas.microsoft.com/office/powerpoint/2010/main" val="2526834256"/>
+      </p:ext>
+    </p:extLst>
+  </p:cSld>
+  <p:clrMapOvr>
+    <a:masterClrMapping/>
+  </p:clrMapOvr>
+</p:sld>
+</file>
+
+<file path=ppt/slides/slide19.xml><?xml version="1.0" encoding="utf-8"?>
+<p:sld xmlns:a="http://schemas.openxmlformats.org/drawingml/2006/main" xmlns:r="http://schemas.openxmlformats.org/officeDocument/2006/relationships" xmlns:p="http://schemas.openxmlformats.org/presentationml/2006/main">
+  <p:cSld>
+    <p:spTree>
+      <p:nvGrpSpPr>
+        <p:cNvPr id="1" name=""/>
+        <p:cNvGrpSpPr/>
+        <p:nvPr/>
+      </p:nvGrpSpPr>
+      <p:grpSpPr>
+        <a:xfrm>
+          <a:off x="0" y="0"/>
+          <a:ext cx="0" cy="0"/>
+          <a:chOff x="0" y="0"/>
+          <a:chExt cx="0" cy="0"/>
+        </a:xfrm>
+      </p:grpSpPr>
+      <p:sp>
+        <p:nvSpPr>
           <p:cNvPr id="2" name="Título 1"/>
           <p:cNvSpPr>
             <a:spLocks noGrp="1"/>
@@ -10004,6 +11045,48 @@
           </a:p>
         </p:txBody>
       </p:sp>
+      <p:sp>
+        <p:nvSpPr>
+          <p:cNvPr id="6" name="Marcador de Posição do Número do Diapositivo 5">
+            <a:extLst>
+              <a:ext uri="{FF2B5EF4-FFF2-40B4-BE49-F238E27FC236}">
+                <a16:creationId xmlns:a16="http://schemas.microsoft.com/office/drawing/2014/main" id="{79EC42E5-1449-586F-8C62-4A56383F6511}"/>
+              </a:ext>
+            </a:extLst>
+          </p:cNvPr>
+          <p:cNvSpPr>
+            <a:spLocks noGrp="1"/>
+          </p:cNvSpPr>
+          <p:nvPr>
+            <p:ph type="sldNum" sz="quarter" idx="12"/>
+          </p:nvPr>
+        </p:nvSpPr>
+        <p:spPr/>
+        <p:txBody>
+          <a:bodyPr/>
+          <a:lstStyle/>
+          <a:p>
+            <a:fld id="{91727942-0F31-8246-9E69-0AE29DBBE5E4}" type="slidenum">
+              <a:rPr lang="en-US" smtClean="0">
+                <a:solidFill>
+                  <a:prstClr val="black">
+                    <a:tint val="75000"/>
+                  </a:prstClr>
+                </a:solidFill>
+              </a:rPr>
+              <a:pPr/>
+              <a:t>19</a:t>
+            </a:fld>
+            <a:endParaRPr lang="en-US">
+              <a:solidFill>
+                <a:prstClr val="black">
+                  <a:tint val="75000"/>
+                </a:prstClr>
+              </a:solidFill>
+            </a:endParaRPr>
+          </a:p>
+        </p:txBody>
+      </p:sp>
     </p:spTree>
     <p:extLst>
       <p:ext uri="{BB962C8B-B14F-4D97-AF65-F5344CB8AC3E}">
@@ -10017,7 +11100,454 @@
 </p:sld>
 </file>
 
-<file path=ppt/slides/slide19.xml><?xml version="1.0" encoding="utf-8"?>
+<file path=ppt/slides/slide2.xml><?xml version="1.0" encoding="utf-8"?>
+<p:sld xmlns:a="http://schemas.openxmlformats.org/drawingml/2006/main" xmlns:r="http://schemas.openxmlformats.org/officeDocument/2006/relationships" xmlns:p="http://schemas.openxmlformats.org/presentationml/2006/main">
+  <p:cSld>
+    <p:spTree>
+      <p:nvGrpSpPr>
+        <p:cNvPr id="1" name=""/>
+        <p:cNvGrpSpPr/>
+        <p:nvPr/>
+      </p:nvGrpSpPr>
+      <p:grpSpPr>
+        <a:xfrm>
+          <a:off x="0" y="0"/>
+          <a:ext cx="0" cy="0"/>
+          <a:chOff x="0" y="0"/>
+          <a:chExt cx="0" cy="0"/>
+        </a:xfrm>
+      </p:grpSpPr>
+      <p:sp>
+        <p:nvSpPr>
+          <p:cNvPr id="2" name="Título 1"/>
+          <p:cNvSpPr>
+            <a:spLocks noGrp="1"/>
+          </p:cNvSpPr>
+          <p:nvPr>
+            <p:ph type="title"/>
+          </p:nvPr>
+        </p:nvSpPr>
+        <p:spPr/>
+        <p:txBody>
+          <a:bodyPr>
+            <a:normAutofit fontScale="90000"/>
+          </a:bodyPr>
+          <a:lstStyle/>
+          <a:p>
+            <a:r>
+              <a:rPr lang="en-US" dirty="0"/>
+              <a:t>Introduction</a:t>
+            </a:r>
+            <a:endParaRPr lang="pt-PT" dirty="0"/>
+          </a:p>
+        </p:txBody>
+      </p:sp>
+      <p:sp>
+        <p:nvSpPr>
+          <p:cNvPr id="3" name="Marcador de Posição de Conteúdo 2"/>
+          <p:cNvSpPr>
+            <a:spLocks noGrp="1"/>
+          </p:cNvSpPr>
+          <p:nvPr>
+            <p:ph idx="1"/>
+          </p:nvPr>
+        </p:nvSpPr>
+        <p:spPr/>
+        <p:txBody>
+          <a:bodyPr/>
+          <a:lstStyle/>
+          <a:p>
+            <a:r>
+              <a:rPr lang="en-US" dirty="0"/>
+              <a:t>In this presentation</a:t>
+            </a:r>
+            <a:r>
+              <a:rPr lang="pt-PT" dirty="0"/>
+              <a:t>, </a:t>
+            </a:r>
+            <a:r>
+              <a:rPr lang="en-US" dirty="0"/>
+              <a:t>we will approach the SSCFLP with an Exact Method Algorithm, Heuristics and Metaheuristic approach.</a:t>
+            </a:r>
+          </a:p>
+          <a:p>
+            <a:r>
+              <a:rPr lang="en-US" dirty="0"/>
+              <a:t>Firstly, we will discuss the SSCFLP with some approaches from literature. Our approach is then presented with computational results. Lastly, we compare our results (Optimal Solution and Gap) with the literature.</a:t>
+            </a:r>
+          </a:p>
+          <a:p>
+            <a:endParaRPr lang="pt-PT" dirty="0"/>
+          </a:p>
+        </p:txBody>
+      </p:sp>
+      <p:sp>
+        <p:nvSpPr>
+          <p:cNvPr id="4" name="CaixaDeTexto 1"/>
+          <p:cNvSpPr txBox="1">
+            <a:spLocks noChangeArrowheads="1"/>
+          </p:cNvSpPr>
+          <p:nvPr/>
+        </p:nvSpPr>
+        <p:spPr bwMode="auto">
+          <a:xfrm>
+            <a:off x="6228184" y="6309320"/>
+            <a:ext cx="2387228" cy="461665"/>
+          </a:xfrm>
+          <a:prstGeom prst="rect">
+            <a:avLst/>
+          </a:prstGeom>
+          <a:noFill/>
+          <a:ln>
+            <a:noFill/>
+          </a:ln>
+          <a:extLst>
+            <a:ext uri="{909E8E84-426E-40DD-AFC4-6F175D3DCCD1}">
+              <a14:hiddenFill xmlns:a14="http://schemas.microsoft.com/office/drawing/2010/main">
+                <a:solidFill>
+                  <a:srgbClr val="FFFFFF"/>
+                </a:solidFill>
+              </a14:hiddenFill>
+            </a:ext>
+            <a:ext uri="{91240B29-F687-4F45-9708-019B960494DF}">
+              <a14:hiddenLine xmlns:a14="http://schemas.microsoft.com/office/drawing/2010/main" w="9525">
+                <a:solidFill>
+                  <a:srgbClr val="000000"/>
+                </a:solidFill>
+                <a:miter lim="800000"/>
+                <a:headEnd/>
+                <a:tailEnd/>
+              </a14:hiddenLine>
+            </a:ext>
+          </a:extLst>
+        </p:spPr>
+        <p:txBody>
+          <a:bodyPr wrap="square">
+            <a:spAutoFit/>
+          </a:bodyPr>
+          <a:lstStyle>
+            <a:lvl1pPr>
+              <a:defRPr>
+                <a:solidFill>
+                  <a:schemeClr val="tx1"/>
+                </a:solidFill>
+                <a:latin typeface="Calibri" panose="020F0502020204030204" pitchFamily="34" charset="0"/>
+              </a:defRPr>
+            </a:lvl1pPr>
+            <a:lvl2pPr marL="742950" indent="-285750">
+              <a:defRPr>
+                <a:solidFill>
+                  <a:schemeClr val="tx1"/>
+                </a:solidFill>
+                <a:latin typeface="Calibri" panose="020F0502020204030204" pitchFamily="34" charset="0"/>
+              </a:defRPr>
+            </a:lvl2pPr>
+            <a:lvl3pPr marL="1143000" indent="-228600">
+              <a:defRPr>
+                <a:solidFill>
+                  <a:schemeClr val="tx1"/>
+                </a:solidFill>
+                <a:latin typeface="Calibri" panose="020F0502020204030204" pitchFamily="34" charset="0"/>
+              </a:defRPr>
+            </a:lvl3pPr>
+            <a:lvl4pPr marL="1600200" indent="-228600">
+              <a:defRPr>
+                <a:solidFill>
+                  <a:schemeClr val="tx1"/>
+                </a:solidFill>
+                <a:latin typeface="Calibri" panose="020F0502020204030204" pitchFamily="34" charset="0"/>
+              </a:defRPr>
+            </a:lvl4pPr>
+            <a:lvl5pPr marL="2057400" indent="-228600">
+              <a:defRPr>
+                <a:solidFill>
+                  <a:schemeClr val="tx1"/>
+                </a:solidFill>
+                <a:latin typeface="Calibri" panose="020F0502020204030204" pitchFamily="34" charset="0"/>
+              </a:defRPr>
+            </a:lvl5pPr>
+            <a:lvl6pPr marL="2514600" indent="-228600" defTabSz="457200" fontAlgn="base">
+              <a:spcBef>
+                <a:spcPct val="0"/>
+              </a:spcBef>
+              <a:spcAft>
+                <a:spcPct val="0"/>
+              </a:spcAft>
+              <a:defRPr>
+                <a:solidFill>
+                  <a:schemeClr val="tx1"/>
+                </a:solidFill>
+                <a:latin typeface="Calibri" panose="020F0502020204030204" pitchFamily="34" charset="0"/>
+              </a:defRPr>
+            </a:lvl6pPr>
+            <a:lvl7pPr marL="2971800" indent="-228600" defTabSz="457200" fontAlgn="base">
+              <a:spcBef>
+                <a:spcPct val="0"/>
+              </a:spcBef>
+              <a:spcAft>
+                <a:spcPct val="0"/>
+              </a:spcAft>
+              <a:defRPr>
+                <a:solidFill>
+                  <a:schemeClr val="tx1"/>
+                </a:solidFill>
+                <a:latin typeface="Calibri" panose="020F0502020204030204" pitchFamily="34" charset="0"/>
+              </a:defRPr>
+            </a:lvl7pPr>
+            <a:lvl8pPr marL="3429000" indent="-228600" defTabSz="457200" fontAlgn="base">
+              <a:spcBef>
+                <a:spcPct val="0"/>
+              </a:spcBef>
+              <a:spcAft>
+                <a:spcPct val="0"/>
+              </a:spcAft>
+              <a:defRPr>
+                <a:solidFill>
+                  <a:schemeClr val="tx1"/>
+                </a:solidFill>
+                <a:latin typeface="Calibri" panose="020F0502020204030204" pitchFamily="34" charset="0"/>
+              </a:defRPr>
+            </a:lvl8pPr>
+            <a:lvl9pPr marL="3886200" indent="-228600" defTabSz="457200" fontAlgn="base">
+              <a:spcBef>
+                <a:spcPct val="0"/>
+              </a:spcBef>
+              <a:spcAft>
+                <a:spcPct val="0"/>
+              </a:spcAft>
+              <a:defRPr>
+                <a:solidFill>
+                  <a:schemeClr val="tx1"/>
+                </a:solidFill>
+                <a:latin typeface="Calibri" panose="020F0502020204030204" pitchFamily="34" charset="0"/>
+              </a:defRPr>
+            </a:lvl9pPr>
+          </a:lstStyle>
+          <a:p>
+            <a:r>
+              <a:rPr lang="pt-PT" sz="1200" dirty="0">
+                <a:latin typeface="Porto Sans Light" panose="00000400000000000000" pitchFamily="50" charset="0"/>
+              </a:rPr>
+              <a:t>João Silva | Olavo Alves | Luís Silva</a:t>
+            </a:r>
+          </a:p>
+          <a:p>
+            <a:pPr eaLnBrk="1" hangingPunct="1"/>
+            <a:endParaRPr lang="pt-PT" altLang="pt-PT" sz="1200" dirty="0">
+              <a:latin typeface="Porto Sans Light" panose="00000400000000000000" pitchFamily="50" charset="0"/>
+            </a:endParaRPr>
+          </a:p>
+        </p:txBody>
+      </p:sp>
+      <p:sp>
+        <p:nvSpPr>
+          <p:cNvPr id="5" name="CaixaDeTexto 2"/>
+          <p:cNvSpPr txBox="1">
+            <a:spLocks noChangeArrowheads="1"/>
+          </p:cNvSpPr>
+          <p:nvPr/>
+        </p:nvSpPr>
+        <p:spPr bwMode="auto">
+          <a:xfrm>
+            <a:off x="462100" y="6309320"/>
+            <a:ext cx="3317812" cy="276999"/>
+          </a:xfrm>
+          <a:prstGeom prst="rect">
+            <a:avLst/>
+          </a:prstGeom>
+          <a:noFill/>
+          <a:ln>
+            <a:noFill/>
+          </a:ln>
+          <a:extLst>
+            <a:ext uri="{909E8E84-426E-40DD-AFC4-6F175D3DCCD1}">
+              <a14:hiddenFill xmlns:a14="http://schemas.microsoft.com/office/drawing/2010/main">
+                <a:solidFill>
+                  <a:srgbClr val="FFFFFF"/>
+                </a:solidFill>
+              </a14:hiddenFill>
+            </a:ext>
+            <a:ext uri="{91240B29-F687-4F45-9708-019B960494DF}">
+              <a14:hiddenLine xmlns:a14="http://schemas.microsoft.com/office/drawing/2010/main" w="9525">
+                <a:solidFill>
+                  <a:srgbClr val="000000"/>
+                </a:solidFill>
+                <a:miter lim="800000"/>
+                <a:headEnd/>
+                <a:tailEnd/>
+              </a14:hiddenLine>
+            </a:ext>
+          </a:extLst>
+        </p:spPr>
+        <p:txBody>
+          <a:bodyPr wrap="square">
+            <a:spAutoFit/>
+          </a:bodyPr>
+          <a:lstStyle>
+            <a:lvl1pPr>
+              <a:defRPr>
+                <a:solidFill>
+                  <a:schemeClr val="tx1"/>
+                </a:solidFill>
+                <a:latin typeface="Calibri" panose="020F0502020204030204" pitchFamily="34" charset="0"/>
+              </a:defRPr>
+            </a:lvl1pPr>
+            <a:lvl2pPr marL="742950" indent="-285750">
+              <a:defRPr>
+                <a:solidFill>
+                  <a:schemeClr val="tx1"/>
+                </a:solidFill>
+                <a:latin typeface="Calibri" panose="020F0502020204030204" pitchFamily="34" charset="0"/>
+              </a:defRPr>
+            </a:lvl2pPr>
+            <a:lvl3pPr marL="1143000" indent="-228600">
+              <a:defRPr>
+                <a:solidFill>
+                  <a:schemeClr val="tx1"/>
+                </a:solidFill>
+                <a:latin typeface="Calibri" panose="020F0502020204030204" pitchFamily="34" charset="0"/>
+              </a:defRPr>
+            </a:lvl3pPr>
+            <a:lvl4pPr marL="1600200" indent="-228600">
+              <a:defRPr>
+                <a:solidFill>
+                  <a:schemeClr val="tx1"/>
+                </a:solidFill>
+                <a:latin typeface="Calibri" panose="020F0502020204030204" pitchFamily="34" charset="0"/>
+              </a:defRPr>
+            </a:lvl4pPr>
+            <a:lvl5pPr marL="2057400" indent="-228600">
+              <a:defRPr>
+                <a:solidFill>
+                  <a:schemeClr val="tx1"/>
+                </a:solidFill>
+                <a:latin typeface="Calibri" panose="020F0502020204030204" pitchFamily="34" charset="0"/>
+              </a:defRPr>
+            </a:lvl5pPr>
+            <a:lvl6pPr marL="2514600" indent="-228600" defTabSz="457200" fontAlgn="base">
+              <a:spcBef>
+                <a:spcPct val="0"/>
+              </a:spcBef>
+              <a:spcAft>
+                <a:spcPct val="0"/>
+              </a:spcAft>
+              <a:defRPr>
+                <a:solidFill>
+                  <a:schemeClr val="tx1"/>
+                </a:solidFill>
+                <a:latin typeface="Calibri" panose="020F0502020204030204" pitchFamily="34" charset="0"/>
+              </a:defRPr>
+            </a:lvl6pPr>
+            <a:lvl7pPr marL="2971800" indent="-228600" defTabSz="457200" fontAlgn="base">
+              <a:spcBef>
+                <a:spcPct val="0"/>
+              </a:spcBef>
+              <a:spcAft>
+                <a:spcPct val="0"/>
+              </a:spcAft>
+              <a:defRPr>
+                <a:solidFill>
+                  <a:schemeClr val="tx1"/>
+                </a:solidFill>
+                <a:latin typeface="Calibri" panose="020F0502020204030204" pitchFamily="34" charset="0"/>
+              </a:defRPr>
+            </a:lvl7pPr>
+            <a:lvl8pPr marL="3429000" indent="-228600" defTabSz="457200" fontAlgn="base">
+              <a:spcBef>
+                <a:spcPct val="0"/>
+              </a:spcBef>
+              <a:spcAft>
+                <a:spcPct val="0"/>
+              </a:spcAft>
+              <a:defRPr>
+                <a:solidFill>
+                  <a:schemeClr val="tx1"/>
+                </a:solidFill>
+                <a:latin typeface="Calibri" panose="020F0502020204030204" pitchFamily="34" charset="0"/>
+              </a:defRPr>
+            </a:lvl8pPr>
+            <a:lvl9pPr marL="3886200" indent="-228600" defTabSz="457200" fontAlgn="base">
+              <a:spcBef>
+                <a:spcPct val="0"/>
+              </a:spcBef>
+              <a:spcAft>
+                <a:spcPct val="0"/>
+              </a:spcAft>
+              <a:defRPr>
+                <a:solidFill>
+                  <a:schemeClr val="tx1"/>
+                </a:solidFill>
+                <a:latin typeface="Calibri" panose="020F0502020204030204" pitchFamily="34" charset="0"/>
+              </a:defRPr>
+            </a:lvl9pPr>
+          </a:lstStyle>
+          <a:p>
+            <a:pPr eaLnBrk="1" hangingPunct="1"/>
+            <a:r>
+              <a:rPr lang="pt-PT" altLang="pt-PT" sz="1200" dirty="0">
+                <a:latin typeface="Porto Sans Light" panose="00000400000000000000" pitchFamily="50" charset="0"/>
+              </a:rPr>
+              <a:t>Óscar Oliveira / Simulação e Otimização (2022/23)</a:t>
+            </a:r>
+          </a:p>
+        </p:txBody>
+      </p:sp>
+      <p:sp>
+        <p:nvSpPr>
+          <p:cNvPr id="6" name="Marcador de Posição do Número do Diapositivo 5">
+            <a:extLst>
+              <a:ext uri="{FF2B5EF4-FFF2-40B4-BE49-F238E27FC236}">
+                <a16:creationId xmlns:a16="http://schemas.microsoft.com/office/drawing/2014/main" id="{2BE94D1E-F85D-E928-8505-26B47F5500E0}"/>
+              </a:ext>
+            </a:extLst>
+          </p:cNvPr>
+          <p:cNvSpPr>
+            <a:spLocks noGrp="1"/>
+          </p:cNvSpPr>
+          <p:nvPr>
+            <p:ph type="sldNum" sz="quarter" idx="12"/>
+          </p:nvPr>
+        </p:nvSpPr>
+        <p:spPr/>
+        <p:txBody>
+          <a:bodyPr/>
+          <a:lstStyle/>
+          <a:p>
+            <a:fld id="{91727942-0F31-8246-9E69-0AE29DBBE5E4}" type="slidenum">
+              <a:rPr lang="en-US" smtClean="0">
+                <a:solidFill>
+                  <a:prstClr val="black">
+                    <a:tint val="75000"/>
+                  </a:prstClr>
+                </a:solidFill>
+              </a:rPr>
+              <a:pPr/>
+              <a:t>2</a:t>
+            </a:fld>
+            <a:endParaRPr lang="en-US">
+              <a:solidFill>
+                <a:prstClr val="black">
+                  <a:tint val="75000"/>
+                </a:prstClr>
+              </a:solidFill>
+            </a:endParaRPr>
+          </a:p>
+        </p:txBody>
+      </p:sp>
+    </p:spTree>
+    <p:extLst>
+      <p:ext uri="{BB962C8B-B14F-4D97-AF65-F5344CB8AC3E}">
+        <p14:creationId xmlns:p14="http://schemas.microsoft.com/office/powerpoint/2010/main" val="3990843653"/>
+      </p:ext>
+    </p:extLst>
+  </p:cSld>
+  <p:clrMapOvr>
+    <a:masterClrMapping/>
+  </p:clrMapOvr>
+</p:sld>
+</file>
+
+<file path=ppt/slides/slide20.xml><?xml version="1.0" encoding="utf-8"?>
 <p:sld xmlns:a="http://schemas.openxmlformats.org/drawingml/2006/main" xmlns:r="http://schemas.openxmlformats.org/officeDocument/2006/relationships" xmlns:p="http://schemas.openxmlformats.org/presentationml/2006/main" showMasterSp="0">
   <p:cSld>
     <p:spTree>
@@ -10134,411 +11664,6 @@
 </p:sld>
 </file>
 
-<file path=ppt/slides/slide2.xml><?xml version="1.0" encoding="utf-8"?>
-<p:sld xmlns:a="http://schemas.openxmlformats.org/drawingml/2006/main" xmlns:r="http://schemas.openxmlformats.org/officeDocument/2006/relationships" xmlns:p="http://schemas.openxmlformats.org/presentationml/2006/main">
-  <p:cSld>
-    <p:spTree>
-      <p:nvGrpSpPr>
-        <p:cNvPr id="1" name=""/>
-        <p:cNvGrpSpPr/>
-        <p:nvPr/>
-      </p:nvGrpSpPr>
-      <p:grpSpPr>
-        <a:xfrm>
-          <a:off x="0" y="0"/>
-          <a:ext cx="0" cy="0"/>
-          <a:chOff x="0" y="0"/>
-          <a:chExt cx="0" cy="0"/>
-        </a:xfrm>
-      </p:grpSpPr>
-      <p:sp>
-        <p:nvSpPr>
-          <p:cNvPr id="2" name="Título 1"/>
-          <p:cNvSpPr>
-            <a:spLocks noGrp="1"/>
-          </p:cNvSpPr>
-          <p:nvPr>
-            <p:ph type="title"/>
-          </p:nvPr>
-        </p:nvSpPr>
-        <p:spPr/>
-        <p:txBody>
-          <a:bodyPr>
-            <a:normAutofit fontScale="90000"/>
-          </a:bodyPr>
-          <a:lstStyle/>
-          <a:p>
-            <a:r>
-              <a:rPr lang="en-US" dirty="0"/>
-              <a:t>Introduction</a:t>
-            </a:r>
-            <a:endParaRPr lang="pt-PT" dirty="0"/>
-          </a:p>
-        </p:txBody>
-      </p:sp>
-      <p:sp>
-        <p:nvSpPr>
-          <p:cNvPr id="3" name="Marcador de Posição de Conteúdo 2"/>
-          <p:cNvSpPr>
-            <a:spLocks noGrp="1"/>
-          </p:cNvSpPr>
-          <p:nvPr>
-            <p:ph idx="1"/>
-          </p:nvPr>
-        </p:nvSpPr>
-        <p:spPr/>
-        <p:txBody>
-          <a:bodyPr/>
-          <a:lstStyle/>
-          <a:p>
-            <a:r>
-              <a:rPr lang="en-US" dirty="0"/>
-              <a:t>In this presentation</a:t>
-            </a:r>
-            <a:r>
-              <a:rPr lang="pt-PT" dirty="0"/>
-              <a:t>, </a:t>
-            </a:r>
-            <a:r>
-              <a:rPr lang="en-US" dirty="0"/>
-              <a:t>we will approach the SSCFLP with an Exact Method Algorithm, Heuristics and Metaheuristic approach.</a:t>
-            </a:r>
-          </a:p>
-          <a:p>
-            <a:r>
-              <a:rPr lang="en-US" dirty="0"/>
-              <a:t>Firstly, we will discuss the SSCFLP with some approaches from literature. Our approach is then presented with computational results. Lastly, we compare our results (Optimal Solution and Gap) with the literature.</a:t>
-            </a:r>
-          </a:p>
-          <a:p>
-            <a:endParaRPr lang="pt-PT" dirty="0"/>
-          </a:p>
-        </p:txBody>
-      </p:sp>
-      <p:sp>
-        <p:nvSpPr>
-          <p:cNvPr id="4" name="CaixaDeTexto 1"/>
-          <p:cNvSpPr txBox="1">
-            <a:spLocks noChangeArrowheads="1"/>
-          </p:cNvSpPr>
-          <p:nvPr/>
-        </p:nvSpPr>
-        <p:spPr bwMode="auto">
-          <a:xfrm>
-            <a:off x="6228184" y="6309320"/>
-            <a:ext cx="2387228" cy="461665"/>
-          </a:xfrm>
-          <a:prstGeom prst="rect">
-            <a:avLst/>
-          </a:prstGeom>
-          <a:noFill/>
-          <a:ln>
-            <a:noFill/>
-          </a:ln>
-          <a:extLst>
-            <a:ext uri="{909E8E84-426E-40DD-AFC4-6F175D3DCCD1}">
-              <a14:hiddenFill xmlns:a14="http://schemas.microsoft.com/office/drawing/2010/main">
-                <a:solidFill>
-                  <a:srgbClr val="FFFFFF"/>
-                </a:solidFill>
-              </a14:hiddenFill>
-            </a:ext>
-            <a:ext uri="{91240B29-F687-4F45-9708-019B960494DF}">
-              <a14:hiddenLine xmlns:a14="http://schemas.microsoft.com/office/drawing/2010/main" w="9525">
-                <a:solidFill>
-                  <a:srgbClr val="000000"/>
-                </a:solidFill>
-                <a:miter lim="800000"/>
-                <a:headEnd/>
-                <a:tailEnd/>
-              </a14:hiddenLine>
-            </a:ext>
-          </a:extLst>
-        </p:spPr>
-        <p:txBody>
-          <a:bodyPr wrap="square">
-            <a:spAutoFit/>
-          </a:bodyPr>
-          <a:lstStyle>
-            <a:lvl1pPr>
-              <a:defRPr>
-                <a:solidFill>
-                  <a:schemeClr val="tx1"/>
-                </a:solidFill>
-                <a:latin typeface="Calibri" panose="020F0502020204030204" pitchFamily="34" charset="0"/>
-              </a:defRPr>
-            </a:lvl1pPr>
-            <a:lvl2pPr marL="742950" indent="-285750">
-              <a:defRPr>
-                <a:solidFill>
-                  <a:schemeClr val="tx1"/>
-                </a:solidFill>
-                <a:latin typeface="Calibri" panose="020F0502020204030204" pitchFamily="34" charset="0"/>
-              </a:defRPr>
-            </a:lvl2pPr>
-            <a:lvl3pPr marL="1143000" indent="-228600">
-              <a:defRPr>
-                <a:solidFill>
-                  <a:schemeClr val="tx1"/>
-                </a:solidFill>
-                <a:latin typeface="Calibri" panose="020F0502020204030204" pitchFamily="34" charset="0"/>
-              </a:defRPr>
-            </a:lvl3pPr>
-            <a:lvl4pPr marL="1600200" indent="-228600">
-              <a:defRPr>
-                <a:solidFill>
-                  <a:schemeClr val="tx1"/>
-                </a:solidFill>
-                <a:latin typeface="Calibri" panose="020F0502020204030204" pitchFamily="34" charset="0"/>
-              </a:defRPr>
-            </a:lvl4pPr>
-            <a:lvl5pPr marL="2057400" indent="-228600">
-              <a:defRPr>
-                <a:solidFill>
-                  <a:schemeClr val="tx1"/>
-                </a:solidFill>
-                <a:latin typeface="Calibri" panose="020F0502020204030204" pitchFamily="34" charset="0"/>
-              </a:defRPr>
-            </a:lvl5pPr>
-            <a:lvl6pPr marL="2514600" indent="-228600" defTabSz="457200" fontAlgn="base">
-              <a:spcBef>
-                <a:spcPct val="0"/>
-              </a:spcBef>
-              <a:spcAft>
-                <a:spcPct val="0"/>
-              </a:spcAft>
-              <a:defRPr>
-                <a:solidFill>
-                  <a:schemeClr val="tx1"/>
-                </a:solidFill>
-                <a:latin typeface="Calibri" panose="020F0502020204030204" pitchFamily="34" charset="0"/>
-              </a:defRPr>
-            </a:lvl6pPr>
-            <a:lvl7pPr marL="2971800" indent="-228600" defTabSz="457200" fontAlgn="base">
-              <a:spcBef>
-                <a:spcPct val="0"/>
-              </a:spcBef>
-              <a:spcAft>
-                <a:spcPct val="0"/>
-              </a:spcAft>
-              <a:defRPr>
-                <a:solidFill>
-                  <a:schemeClr val="tx1"/>
-                </a:solidFill>
-                <a:latin typeface="Calibri" panose="020F0502020204030204" pitchFamily="34" charset="0"/>
-              </a:defRPr>
-            </a:lvl7pPr>
-            <a:lvl8pPr marL="3429000" indent="-228600" defTabSz="457200" fontAlgn="base">
-              <a:spcBef>
-                <a:spcPct val="0"/>
-              </a:spcBef>
-              <a:spcAft>
-                <a:spcPct val="0"/>
-              </a:spcAft>
-              <a:defRPr>
-                <a:solidFill>
-                  <a:schemeClr val="tx1"/>
-                </a:solidFill>
-                <a:latin typeface="Calibri" panose="020F0502020204030204" pitchFamily="34" charset="0"/>
-              </a:defRPr>
-            </a:lvl8pPr>
-            <a:lvl9pPr marL="3886200" indent="-228600" defTabSz="457200" fontAlgn="base">
-              <a:spcBef>
-                <a:spcPct val="0"/>
-              </a:spcBef>
-              <a:spcAft>
-                <a:spcPct val="0"/>
-              </a:spcAft>
-              <a:defRPr>
-                <a:solidFill>
-                  <a:schemeClr val="tx1"/>
-                </a:solidFill>
-                <a:latin typeface="Calibri" panose="020F0502020204030204" pitchFamily="34" charset="0"/>
-              </a:defRPr>
-            </a:lvl9pPr>
-          </a:lstStyle>
-          <a:p>
-            <a:r>
-              <a:rPr lang="pt-PT" sz="1200" dirty="0">
-                <a:latin typeface="Porto Sans Light" panose="00000400000000000000" pitchFamily="50" charset="0"/>
-              </a:rPr>
-              <a:t>João Silva | Olavo Alves | Luís Silva</a:t>
-            </a:r>
-          </a:p>
-          <a:p>
-            <a:pPr eaLnBrk="1" hangingPunct="1"/>
-            <a:endParaRPr lang="pt-PT" altLang="pt-PT" sz="1200" dirty="0">
-              <a:latin typeface="Porto Sans Light" panose="00000400000000000000" pitchFamily="50" charset="0"/>
-            </a:endParaRPr>
-          </a:p>
-        </p:txBody>
-      </p:sp>
-      <p:sp>
-        <p:nvSpPr>
-          <p:cNvPr id="5" name="CaixaDeTexto 2"/>
-          <p:cNvSpPr txBox="1">
-            <a:spLocks noChangeArrowheads="1"/>
-          </p:cNvSpPr>
-          <p:nvPr/>
-        </p:nvSpPr>
-        <p:spPr bwMode="auto">
-          <a:xfrm>
-            <a:off x="462100" y="6309320"/>
-            <a:ext cx="3317812" cy="276999"/>
-          </a:xfrm>
-          <a:prstGeom prst="rect">
-            <a:avLst/>
-          </a:prstGeom>
-          <a:noFill/>
-          <a:ln>
-            <a:noFill/>
-          </a:ln>
-          <a:extLst>
-            <a:ext uri="{909E8E84-426E-40DD-AFC4-6F175D3DCCD1}">
-              <a14:hiddenFill xmlns:a14="http://schemas.microsoft.com/office/drawing/2010/main">
-                <a:solidFill>
-                  <a:srgbClr val="FFFFFF"/>
-                </a:solidFill>
-              </a14:hiddenFill>
-            </a:ext>
-            <a:ext uri="{91240B29-F687-4F45-9708-019B960494DF}">
-              <a14:hiddenLine xmlns:a14="http://schemas.microsoft.com/office/drawing/2010/main" w="9525">
-                <a:solidFill>
-                  <a:srgbClr val="000000"/>
-                </a:solidFill>
-                <a:miter lim="800000"/>
-                <a:headEnd/>
-                <a:tailEnd/>
-              </a14:hiddenLine>
-            </a:ext>
-          </a:extLst>
-        </p:spPr>
-        <p:txBody>
-          <a:bodyPr wrap="square">
-            <a:spAutoFit/>
-          </a:bodyPr>
-          <a:lstStyle>
-            <a:lvl1pPr>
-              <a:defRPr>
-                <a:solidFill>
-                  <a:schemeClr val="tx1"/>
-                </a:solidFill>
-                <a:latin typeface="Calibri" panose="020F0502020204030204" pitchFamily="34" charset="0"/>
-              </a:defRPr>
-            </a:lvl1pPr>
-            <a:lvl2pPr marL="742950" indent="-285750">
-              <a:defRPr>
-                <a:solidFill>
-                  <a:schemeClr val="tx1"/>
-                </a:solidFill>
-                <a:latin typeface="Calibri" panose="020F0502020204030204" pitchFamily="34" charset="0"/>
-              </a:defRPr>
-            </a:lvl2pPr>
-            <a:lvl3pPr marL="1143000" indent="-228600">
-              <a:defRPr>
-                <a:solidFill>
-                  <a:schemeClr val="tx1"/>
-                </a:solidFill>
-                <a:latin typeface="Calibri" panose="020F0502020204030204" pitchFamily="34" charset="0"/>
-              </a:defRPr>
-            </a:lvl3pPr>
-            <a:lvl4pPr marL="1600200" indent="-228600">
-              <a:defRPr>
-                <a:solidFill>
-                  <a:schemeClr val="tx1"/>
-                </a:solidFill>
-                <a:latin typeface="Calibri" panose="020F0502020204030204" pitchFamily="34" charset="0"/>
-              </a:defRPr>
-            </a:lvl4pPr>
-            <a:lvl5pPr marL="2057400" indent="-228600">
-              <a:defRPr>
-                <a:solidFill>
-                  <a:schemeClr val="tx1"/>
-                </a:solidFill>
-                <a:latin typeface="Calibri" panose="020F0502020204030204" pitchFamily="34" charset="0"/>
-              </a:defRPr>
-            </a:lvl5pPr>
-            <a:lvl6pPr marL="2514600" indent="-228600" defTabSz="457200" fontAlgn="base">
-              <a:spcBef>
-                <a:spcPct val="0"/>
-              </a:spcBef>
-              <a:spcAft>
-                <a:spcPct val="0"/>
-              </a:spcAft>
-              <a:defRPr>
-                <a:solidFill>
-                  <a:schemeClr val="tx1"/>
-                </a:solidFill>
-                <a:latin typeface="Calibri" panose="020F0502020204030204" pitchFamily="34" charset="0"/>
-              </a:defRPr>
-            </a:lvl6pPr>
-            <a:lvl7pPr marL="2971800" indent="-228600" defTabSz="457200" fontAlgn="base">
-              <a:spcBef>
-                <a:spcPct val="0"/>
-              </a:spcBef>
-              <a:spcAft>
-                <a:spcPct val="0"/>
-              </a:spcAft>
-              <a:defRPr>
-                <a:solidFill>
-                  <a:schemeClr val="tx1"/>
-                </a:solidFill>
-                <a:latin typeface="Calibri" panose="020F0502020204030204" pitchFamily="34" charset="0"/>
-              </a:defRPr>
-            </a:lvl7pPr>
-            <a:lvl8pPr marL="3429000" indent="-228600" defTabSz="457200" fontAlgn="base">
-              <a:spcBef>
-                <a:spcPct val="0"/>
-              </a:spcBef>
-              <a:spcAft>
-                <a:spcPct val="0"/>
-              </a:spcAft>
-              <a:defRPr>
-                <a:solidFill>
-                  <a:schemeClr val="tx1"/>
-                </a:solidFill>
-                <a:latin typeface="Calibri" panose="020F0502020204030204" pitchFamily="34" charset="0"/>
-              </a:defRPr>
-            </a:lvl8pPr>
-            <a:lvl9pPr marL="3886200" indent="-228600" defTabSz="457200" fontAlgn="base">
-              <a:spcBef>
-                <a:spcPct val="0"/>
-              </a:spcBef>
-              <a:spcAft>
-                <a:spcPct val="0"/>
-              </a:spcAft>
-              <a:defRPr>
-                <a:solidFill>
-                  <a:schemeClr val="tx1"/>
-                </a:solidFill>
-                <a:latin typeface="Calibri" panose="020F0502020204030204" pitchFamily="34" charset="0"/>
-              </a:defRPr>
-            </a:lvl9pPr>
-          </a:lstStyle>
-          <a:p>
-            <a:pPr eaLnBrk="1" hangingPunct="1"/>
-            <a:r>
-              <a:rPr lang="pt-PT" altLang="pt-PT" sz="1200" dirty="0">
-                <a:latin typeface="Porto Sans Light" panose="00000400000000000000" pitchFamily="50" charset="0"/>
-              </a:rPr>
-              <a:t>Óscar Oliveira / Simulação e Otimização (2022/23)</a:t>
-            </a:r>
-          </a:p>
-        </p:txBody>
-      </p:sp>
-    </p:spTree>
-    <p:extLst>
-      <p:ext uri="{BB962C8B-B14F-4D97-AF65-F5344CB8AC3E}">
-        <p14:creationId xmlns:p14="http://schemas.microsoft.com/office/powerpoint/2010/main" val="3990843653"/>
-      </p:ext>
-    </p:extLst>
-  </p:cSld>
-  <p:clrMapOvr>
-    <a:masterClrMapping/>
-  </p:clrMapOvr>
-</p:sld>
-</file>
-
 <file path=ppt/slides/slide3.xml><?xml version="1.0" encoding="utf-8"?>
 <p:sld xmlns:a="http://schemas.openxmlformats.org/drawingml/2006/main" xmlns:r="http://schemas.openxmlformats.org/officeDocument/2006/relationships" xmlns:p="http://schemas.openxmlformats.org/presentationml/2006/main">
   <p:cSld>
@@ -10611,6 +11736,13 @@
             </a:r>
           </a:p>
           <a:p>
+            <a:r>
+              <a:rPr lang="pt-PT" dirty="0"/>
+              <a:t>PN-Hard</a:t>
+            </a:r>
+            <a:endParaRPr lang="en-GB" dirty="0"/>
+          </a:p>
+          <a:p>
             <a:endParaRPr lang="en-GB" dirty="0"/>
           </a:p>
           <a:p>
@@ -10926,6 +12058,48 @@
               </a:rPr>
               <a:t>Óscar Oliveira / Simulação e Otimização (2022/23)</a:t>
             </a:r>
+          </a:p>
+        </p:txBody>
+      </p:sp>
+      <p:sp>
+        <p:nvSpPr>
+          <p:cNvPr id="6" name="Marcador de Posição do Número do Diapositivo 5">
+            <a:extLst>
+              <a:ext uri="{FF2B5EF4-FFF2-40B4-BE49-F238E27FC236}">
+                <a16:creationId xmlns:a16="http://schemas.microsoft.com/office/drawing/2014/main" id="{0B6DF9C6-8C91-9A95-BF28-EB191B0A32DC}"/>
+              </a:ext>
+            </a:extLst>
+          </p:cNvPr>
+          <p:cNvSpPr>
+            <a:spLocks noGrp="1"/>
+          </p:cNvSpPr>
+          <p:nvPr>
+            <p:ph type="sldNum" sz="quarter" idx="12"/>
+          </p:nvPr>
+        </p:nvSpPr>
+        <p:spPr/>
+        <p:txBody>
+          <a:bodyPr/>
+          <a:lstStyle/>
+          <a:p>
+            <a:fld id="{91727942-0F31-8246-9E69-0AE29DBBE5E4}" type="slidenum">
+              <a:rPr lang="en-US" smtClean="0">
+                <a:solidFill>
+                  <a:prstClr val="black">
+                    <a:tint val="75000"/>
+                  </a:prstClr>
+                </a:solidFill>
+              </a:rPr>
+              <a:pPr/>
+              <a:t>3</a:t>
+            </a:fld>
+            <a:endParaRPr lang="en-US">
+              <a:solidFill>
+                <a:prstClr val="black">
+                  <a:tint val="75000"/>
+                </a:prstClr>
+              </a:solidFill>
+            </a:endParaRPr>
           </a:p>
         </p:txBody>
       </p:sp>
@@ -11370,6 +12544,48 @@
           </a:p>
         </p:txBody>
       </p:sp>
+      <p:sp>
+        <p:nvSpPr>
+          <p:cNvPr id="6" name="Marcador de Posição do Número do Diapositivo 5">
+            <a:extLst>
+              <a:ext uri="{FF2B5EF4-FFF2-40B4-BE49-F238E27FC236}">
+                <a16:creationId xmlns:a16="http://schemas.microsoft.com/office/drawing/2014/main" id="{1E28EEA9-BC5B-7394-7963-4D85A6E72B19}"/>
+              </a:ext>
+            </a:extLst>
+          </p:cNvPr>
+          <p:cNvSpPr>
+            <a:spLocks noGrp="1"/>
+          </p:cNvSpPr>
+          <p:nvPr>
+            <p:ph type="sldNum" sz="quarter" idx="12"/>
+          </p:nvPr>
+        </p:nvSpPr>
+        <p:spPr/>
+        <p:txBody>
+          <a:bodyPr/>
+          <a:lstStyle/>
+          <a:p>
+            <a:fld id="{91727942-0F31-8246-9E69-0AE29DBBE5E4}" type="slidenum">
+              <a:rPr lang="en-US" smtClean="0">
+                <a:solidFill>
+                  <a:prstClr val="black">
+                    <a:tint val="75000"/>
+                  </a:prstClr>
+                </a:solidFill>
+              </a:rPr>
+              <a:pPr/>
+              <a:t>4</a:t>
+            </a:fld>
+            <a:endParaRPr lang="en-US">
+              <a:solidFill>
+                <a:prstClr val="black">
+                  <a:tint val="75000"/>
+                </a:prstClr>
+              </a:solidFill>
+            </a:endParaRPr>
+          </a:p>
+        </p:txBody>
+      </p:sp>
     </p:spTree>
     <p:extLst>
       <p:ext uri="{BB962C8B-B14F-4D97-AF65-F5344CB8AC3E}">
@@ -11936,6 +13152,48 @@
           </a:p>
         </p:txBody>
       </p:sp>
+      <p:sp>
+        <p:nvSpPr>
+          <p:cNvPr id="3" name="Marcador de Posição do Número do Diapositivo 2">
+            <a:extLst>
+              <a:ext uri="{FF2B5EF4-FFF2-40B4-BE49-F238E27FC236}">
+                <a16:creationId xmlns:a16="http://schemas.microsoft.com/office/drawing/2014/main" id="{47F4A5A6-7A48-85BE-F258-341E9B89524A}"/>
+              </a:ext>
+            </a:extLst>
+          </p:cNvPr>
+          <p:cNvSpPr>
+            <a:spLocks noGrp="1"/>
+          </p:cNvSpPr>
+          <p:nvPr>
+            <p:ph type="sldNum" sz="quarter" idx="12"/>
+          </p:nvPr>
+        </p:nvSpPr>
+        <p:spPr/>
+        <p:txBody>
+          <a:bodyPr/>
+          <a:lstStyle/>
+          <a:p>
+            <a:fld id="{91727942-0F31-8246-9E69-0AE29DBBE5E4}" type="slidenum">
+              <a:rPr lang="en-US" smtClean="0">
+                <a:solidFill>
+                  <a:prstClr val="black">
+                    <a:tint val="75000"/>
+                  </a:prstClr>
+                </a:solidFill>
+              </a:rPr>
+              <a:pPr/>
+              <a:t>5</a:t>
+            </a:fld>
+            <a:endParaRPr lang="en-US">
+              <a:solidFill>
+                <a:prstClr val="black">
+                  <a:tint val="75000"/>
+                </a:prstClr>
+              </a:solidFill>
+            </a:endParaRPr>
+          </a:p>
+        </p:txBody>
+      </p:sp>
     </p:spTree>
     <p:extLst>
       <p:ext uri="{BB962C8B-B14F-4D97-AF65-F5344CB8AC3E}">
@@ -12459,6 +13717,48 @@
           </a:p>
         </p:txBody>
       </p:sp>
+      <p:sp>
+        <p:nvSpPr>
+          <p:cNvPr id="3" name="Marcador de Posição do Número do Diapositivo 2">
+            <a:extLst>
+              <a:ext uri="{FF2B5EF4-FFF2-40B4-BE49-F238E27FC236}">
+                <a16:creationId xmlns:a16="http://schemas.microsoft.com/office/drawing/2014/main" id="{42AD7048-E4D6-7C8B-1394-1ADC533E87BC}"/>
+              </a:ext>
+            </a:extLst>
+          </p:cNvPr>
+          <p:cNvSpPr>
+            <a:spLocks noGrp="1"/>
+          </p:cNvSpPr>
+          <p:nvPr>
+            <p:ph type="sldNum" sz="quarter" idx="12"/>
+          </p:nvPr>
+        </p:nvSpPr>
+        <p:spPr/>
+        <p:txBody>
+          <a:bodyPr/>
+          <a:lstStyle/>
+          <a:p>
+            <a:fld id="{91727942-0F31-8246-9E69-0AE29DBBE5E4}" type="slidenum">
+              <a:rPr lang="en-US" smtClean="0">
+                <a:solidFill>
+                  <a:prstClr val="black">
+                    <a:tint val="75000"/>
+                  </a:prstClr>
+                </a:solidFill>
+              </a:rPr>
+              <a:pPr/>
+              <a:t>6</a:t>
+            </a:fld>
+            <a:endParaRPr lang="en-US">
+              <a:solidFill>
+                <a:prstClr val="black">
+                  <a:tint val="75000"/>
+                </a:prstClr>
+              </a:solidFill>
+            </a:endParaRPr>
+          </a:p>
+        </p:txBody>
+      </p:sp>
     </p:spTree>
     <p:extLst>
       <p:ext uri="{BB962C8B-B14F-4D97-AF65-F5344CB8AC3E}">
@@ -12491,7 +13791,13 @@
       </p:grpSpPr>
       <p:sp>
         <p:nvSpPr>
-          <p:cNvPr id="2" name="Título 1"/>
+          <p:cNvPr id="2" name="Título 1">
+            <a:extLst>
+              <a:ext uri="{FF2B5EF4-FFF2-40B4-BE49-F238E27FC236}">
+                <a16:creationId xmlns:a16="http://schemas.microsoft.com/office/drawing/2014/main" id="{C500F8D2-45C6-485E-ECB5-015377BD10A5}"/>
+              </a:ext>
+            </a:extLst>
+          </p:cNvPr>
           <p:cNvSpPr>
             <a:spLocks noGrp="1"/>
           </p:cNvSpPr>
@@ -12499,409 +13805,134 @@
             <p:ph type="title"/>
           </p:nvPr>
         </p:nvSpPr>
-        <p:spPr/>
+        <p:spPr>
+          <a:xfrm>
+            <a:off x="457200" y="980728"/>
+            <a:ext cx="8229600" cy="720080"/>
+          </a:xfrm>
+        </p:spPr>
         <p:txBody>
-          <a:bodyPr>
-            <a:normAutofit fontScale="90000"/>
+          <a:bodyPr anchor="ctr">
+            <a:normAutofit/>
           </a:bodyPr>
           <a:lstStyle/>
           <a:p>
-            <a:r>
-              <a:rPr lang="pt-PT" dirty="0" err="1"/>
-              <a:t>Exact</a:t>
-            </a:r>
-            <a:r>
-              <a:rPr lang="pt-PT" dirty="0"/>
+            <a:pPr>
+              <a:lnSpc>
+                <a:spcPct val="90000"/>
+              </a:lnSpc>
+            </a:pPr>
+            <a:r>
+              <a:rPr lang="pt-PT" sz="2100" err="1"/>
+              <a:t>Optimization</a:t>
+            </a:r>
+            <a:r>
+              <a:rPr lang="pt-PT" sz="2100"/>
               <a:t> </a:t>
             </a:r>
             <a:r>
-              <a:rPr lang="pt-PT" dirty="0" err="1"/>
-              <a:t>Method</a:t>
-            </a:r>
-            <a:r>
-              <a:rPr lang="pt-PT" dirty="0"/>
-              <a:t> </a:t>
-            </a:r>
-            <a:r>
-              <a:rPr lang="pt-PT" dirty="0" err="1"/>
-              <a:t>Algorithm</a:t>
-            </a:r>
-            <a:endParaRPr lang="en-US" dirty="0"/>
+              <a:rPr lang="pt-PT" sz="2100" err="1"/>
+              <a:t>Methods</a:t>
+            </a:r>
+            <a:br>
+              <a:rPr lang="pt-PT" sz="2100"/>
+            </a:br>
+            <a:endParaRPr lang="pt-PT" sz="2100"/>
           </a:p>
         </p:txBody>
       </p:sp>
-      <p:sp>
-        <p:nvSpPr>
-          <p:cNvPr id="3" name="Marcador de Posição de Conteúdo 2"/>
+      <p:pic>
+        <p:nvPicPr>
+          <p:cNvPr id="6" name="Marcador de Posição de Conteúdo 5" descr="Uma imagem com texto, diagrama, file, Paralelo&#10;&#10;Descrição gerada automaticamente">
+            <a:extLst>
+              <a:ext uri="{FF2B5EF4-FFF2-40B4-BE49-F238E27FC236}">
+                <a16:creationId xmlns:a16="http://schemas.microsoft.com/office/drawing/2014/main" id="{DAC3C223-2436-B9CC-6088-307F37BBBD46}"/>
+              </a:ext>
+            </a:extLst>
+          </p:cNvPr>
+          <p:cNvPicPr>
+            <a:picLocks noGrp="1" noChangeAspect="1"/>
+          </p:cNvPicPr>
+          <p:nvPr>
+            <p:ph idx="1"/>
+          </p:nvPr>
+        </p:nvPicPr>
+        <p:blipFill>
+          <a:blip r:embed="rId2"/>
+          <a:stretch>
+            <a:fillRect/>
+          </a:stretch>
+        </p:blipFill>
+        <p:spPr>
+          <a:xfrm>
+            <a:off x="1701750" y="1844825"/>
+            <a:ext cx="5740500" cy="4104456"/>
+          </a:xfrm>
+          <a:noFill/>
+        </p:spPr>
+      </p:pic>
+      <p:sp>
+        <p:nvSpPr>
+          <p:cNvPr id="4" name="Marcador de Posição do Número do Diapositivo 3">
+            <a:extLst>
+              <a:ext uri="{FF2B5EF4-FFF2-40B4-BE49-F238E27FC236}">
+                <a16:creationId xmlns:a16="http://schemas.microsoft.com/office/drawing/2014/main" id="{F6B1C488-37EF-4CA0-0C41-E542F19E3F96}"/>
+              </a:ext>
+            </a:extLst>
+          </p:cNvPr>
           <p:cNvSpPr>
             <a:spLocks noGrp="1"/>
           </p:cNvSpPr>
           <p:nvPr>
-            <p:ph idx="1"/>
+            <p:ph type="sldNum" sz="quarter" idx="12"/>
           </p:nvPr>
         </p:nvSpPr>
-        <p:spPr/>
+        <p:spPr>
+          <a:xfrm>
+            <a:off x="6553200" y="6356350"/>
+            <a:ext cx="2133600" cy="365125"/>
+          </a:xfrm>
+        </p:spPr>
         <p:txBody>
-          <a:bodyPr>
+          <a:bodyPr anchor="ctr">
             <a:normAutofit/>
           </a:bodyPr>
           <a:lstStyle/>
           <a:p>
-            <a:pPr algn="just"/>
-            <a:r>
-              <a:rPr lang="en-US" sz="2200" dirty="0"/>
-              <a:t>We decided to approach this problem using an exact method algorithm.</a:t>
-            </a:r>
-          </a:p>
-          <a:p>
-            <a:pPr algn="just"/>
-            <a:r>
-              <a:rPr lang="en-US" sz="2200" dirty="0"/>
-              <a:t>In order to reproduce the equations, we used the OR-Tools Library in Python.</a:t>
-            </a:r>
-          </a:p>
-          <a:p>
-            <a:pPr algn="just"/>
-            <a:r>
-              <a:rPr lang="en-US" sz="2200" dirty="0"/>
-              <a:t>OR-Tools is an open-source software for combinatorial optimization, which seeks to find the best solution to a problem from a very large number of possible solutions.</a:t>
-            </a:r>
-          </a:p>
-          <a:p>
-            <a:pPr algn="just"/>
-            <a:r>
-              <a:rPr lang="en-US" sz="2200" dirty="0"/>
-              <a:t>The solver was used in 5 instances of datasets (</a:t>
-            </a:r>
-            <a:r>
-              <a:rPr lang="en-US" sz="2200" dirty="0" err="1"/>
-              <a:t>Delmaire</a:t>
-            </a:r>
-            <a:r>
-              <a:rPr lang="en-US" sz="2200" dirty="0"/>
-              <a:t>, Holmberg, OR-library, Yang, TBED1). </a:t>
-            </a:r>
-          </a:p>
-          <a:p>
-            <a:endParaRPr lang="en-US" dirty="0"/>
-          </a:p>
-        </p:txBody>
-      </p:sp>
-      <p:sp>
-        <p:nvSpPr>
-          <p:cNvPr id="4" name="CaixaDeTexto 1"/>
-          <p:cNvSpPr txBox="1">
-            <a:spLocks noChangeArrowheads="1"/>
-          </p:cNvSpPr>
-          <p:nvPr/>
-        </p:nvSpPr>
-        <p:spPr bwMode="auto">
-          <a:xfrm>
-            <a:off x="6228184" y="6309320"/>
-            <a:ext cx="2387228" cy="461665"/>
-          </a:xfrm>
-          <a:prstGeom prst="rect">
-            <a:avLst/>
-          </a:prstGeom>
-          <a:noFill/>
-          <a:ln>
-            <a:noFill/>
-          </a:ln>
-          <a:extLst>
-            <a:ext uri="{909E8E84-426E-40DD-AFC4-6F175D3DCCD1}">
-              <a14:hiddenFill xmlns:a14="http://schemas.microsoft.com/office/drawing/2010/main">
-                <a:solidFill>
-                  <a:srgbClr val="FFFFFF"/>
-                </a:solidFill>
-              </a14:hiddenFill>
-            </a:ext>
-            <a:ext uri="{91240B29-F687-4F45-9708-019B960494DF}">
-              <a14:hiddenLine xmlns:a14="http://schemas.microsoft.com/office/drawing/2010/main" w="9525">
-                <a:solidFill>
-                  <a:srgbClr val="000000"/>
-                </a:solidFill>
-                <a:miter lim="800000"/>
-                <a:headEnd/>
-                <a:tailEnd/>
-              </a14:hiddenLine>
-            </a:ext>
-          </a:extLst>
-        </p:spPr>
-        <p:txBody>
-          <a:bodyPr wrap="square">
-            <a:spAutoFit/>
-          </a:bodyPr>
-          <a:lstStyle>
-            <a:lvl1pPr>
-              <a:defRPr>
-                <a:solidFill>
-                  <a:schemeClr val="tx1"/>
-                </a:solidFill>
-                <a:latin typeface="Calibri" panose="020F0502020204030204" pitchFamily="34" charset="0"/>
-              </a:defRPr>
-            </a:lvl1pPr>
-            <a:lvl2pPr marL="742950" indent="-285750">
-              <a:defRPr>
-                <a:solidFill>
-                  <a:schemeClr val="tx1"/>
-                </a:solidFill>
-                <a:latin typeface="Calibri" panose="020F0502020204030204" pitchFamily="34" charset="0"/>
-              </a:defRPr>
-            </a:lvl2pPr>
-            <a:lvl3pPr marL="1143000" indent="-228600">
-              <a:defRPr>
-                <a:solidFill>
-                  <a:schemeClr val="tx1"/>
-                </a:solidFill>
-                <a:latin typeface="Calibri" panose="020F0502020204030204" pitchFamily="34" charset="0"/>
-              </a:defRPr>
-            </a:lvl3pPr>
-            <a:lvl4pPr marL="1600200" indent="-228600">
-              <a:defRPr>
-                <a:solidFill>
-                  <a:schemeClr val="tx1"/>
-                </a:solidFill>
-                <a:latin typeface="Calibri" panose="020F0502020204030204" pitchFamily="34" charset="0"/>
-              </a:defRPr>
-            </a:lvl4pPr>
-            <a:lvl5pPr marL="2057400" indent="-228600">
-              <a:defRPr>
-                <a:solidFill>
-                  <a:schemeClr val="tx1"/>
-                </a:solidFill>
-                <a:latin typeface="Calibri" panose="020F0502020204030204" pitchFamily="34" charset="0"/>
-              </a:defRPr>
-            </a:lvl5pPr>
-            <a:lvl6pPr marL="2514600" indent="-228600" defTabSz="457200" fontAlgn="base">
-              <a:spcBef>
-                <a:spcPct val="0"/>
-              </a:spcBef>
+            <a:pPr>
               <a:spcAft>
-                <a:spcPct val="0"/>
+                <a:spcPts val="600"/>
               </a:spcAft>
-              <a:defRPr>
-                <a:solidFill>
-                  <a:schemeClr val="tx1"/>
-                </a:solidFill>
-                <a:latin typeface="Calibri" panose="020F0502020204030204" pitchFamily="34" charset="0"/>
-              </a:defRPr>
-            </a:lvl6pPr>
-            <a:lvl7pPr marL="2971800" indent="-228600" defTabSz="457200" fontAlgn="base">
-              <a:spcBef>
-                <a:spcPct val="0"/>
-              </a:spcBef>
-              <a:spcAft>
-                <a:spcPct val="0"/>
-              </a:spcAft>
-              <a:defRPr>
-                <a:solidFill>
-                  <a:schemeClr val="tx1"/>
-                </a:solidFill>
-                <a:latin typeface="Calibri" panose="020F0502020204030204" pitchFamily="34" charset="0"/>
-              </a:defRPr>
-            </a:lvl7pPr>
-            <a:lvl8pPr marL="3429000" indent="-228600" defTabSz="457200" fontAlgn="base">
-              <a:spcBef>
-                <a:spcPct val="0"/>
-              </a:spcBef>
-              <a:spcAft>
-                <a:spcPct val="0"/>
-              </a:spcAft>
-              <a:defRPr>
-                <a:solidFill>
-                  <a:schemeClr val="tx1"/>
-                </a:solidFill>
-                <a:latin typeface="Calibri" panose="020F0502020204030204" pitchFamily="34" charset="0"/>
-              </a:defRPr>
-            </a:lvl8pPr>
-            <a:lvl9pPr marL="3886200" indent="-228600" defTabSz="457200" fontAlgn="base">
-              <a:spcBef>
-                <a:spcPct val="0"/>
-              </a:spcBef>
-              <a:spcAft>
-                <a:spcPct val="0"/>
-              </a:spcAft>
-              <a:defRPr>
-                <a:solidFill>
-                  <a:schemeClr val="tx1"/>
-                </a:solidFill>
-                <a:latin typeface="Calibri" panose="020F0502020204030204" pitchFamily="34" charset="0"/>
-              </a:defRPr>
-            </a:lvl9pPr>
-          </a:lstStyle>
-          <a:p>
-            <a:r>
-              <a:rPr lang="pt-PT" sz="1200" dirty="0">
-                <a:latin typeface="Porto Sans Light" panose="00000400000000000000" pitchFamily="50" charset="0"/>
+            </a:pPr>
+            <a:fld id="{91727942-0F31-8246-9E69-0AE29DBBE5E4}" type="slidenum">
+              <a:rPr lang="en-US" smtClean="0">
+                <a:solidFill>
+                  <a:prstClr val="black">
+                    <a:tint val="75000"/>
+                  </a:prstClr>
+                </a:solidFill>
               </a:rPr>
-              <a:t>João Silva | Olavo Alves | Luís Silva</a:t>
-            </a:r>
-          </a:p>
-          <a:p>
-            <a:pPr eaLnBrk="1" hangingPunct="1"/>
-            <a:endParaRPr lang="pt-PT" altLang="pt-PT" sz="1200" dirty="0">
-              <a:latin typeface="Porto Sans Light" panose="00000400000000000000" pitchFamily="50" charset="0"/>
+              <a:pPr>
+                <a:spcAft>
+                  <a:spcPts val="600"/>
+                </a:spcAft>
+              </a:pPr>
+              <a:t>7</a:t>
+            </a:fld>
+            <a:endParaRPr lang="en-US">
+              <a:solidFill>
+                <a:prstClr val="black">
+                  <a:tint val="75000"/>
+                </a:prstClr>
+              </a:solidFill>
             </a:endParaRPr>
-          </a:p>
-        </p:txBody>
-      </p:sp>
-      <p:sp>
-        <p:nvSpPr>
-          <p:cNvPr id="5" name="CaixaDeTexto 2"/>
-          <p:cNvSpPr txBox="1">
-            <a:spLocks noChangeArrowheads="1"/>
-          </p:cNvSpPr>
-          <p:nvPr/>
-        </p:nvSpPr>
-        <p:spPr bwMode="auto">
-          <a:xfrm>
-            <a:off x="457200" y="6309320"/>
-            <a:ext cx="3317812" cy="276999"/>
-          </a:xfrm>
-          <a:prstGeom prst="rect">
-            <a:avLst/>
-          </a:prstGeom>
-          <a:noFill/>
-          <a:ln>
-            <a:noFill/>
-          </a:ln>
-          <a:extLst>
-            <a:ext uri="{909E8E84-426E-40DD-AFC4-6F175D3DCCD1}">
-              <a14:hiddenFill xmlns:a14="http://schemas.microsoft.com/office/drawing/2010/main">
-                <a:solidFill>
-                  <a:srgbClr val="FFFFFF"/>
-                </a:solidFill>
-              </a14:hiddenFill>
-            </a:ext>
-            <a:ext uri="{91240B29-F687-4F45-9708-019B960494DF}">
-              <a14:hiddenLine xmlns:a14="http://schemas.microsoft.com/office/drawing/2010/main" w="9525">
-                <a:solidFill>
-                  <a:srgbClr val="000000"/>
-                </a:solidFill>
-                <a:miter lim="800000"/>
-                <a:headEnd/>
-                <a:tailEnd/>
-              </a14:hiddenLine>
-            </a:ext>
-          </a:extLst>
-        </p:spPr>
-        <p:txBody>
-          <a:bodyPr wrap="square">
-            <a:spAutoFit/>
-          </a:bodyPr>
-          <a:lstStyle>
-            <a:lvl1pPr>
-              <a:defRPr>
-                <a:solidFill>
-                  <a:schemeClr val="tx1"/>
-                </a:solidFill>
-                <a:latin typeface="Calibri" panose="020F0502020204030204" pitchFamily="34" charset="0"/>
-              </a:defRPr>
-            </a:lvl1pPr>
-            <a:lvl2pPr marL="742950" indent="-285750">
-              <a:defRPr>
-                <a:solidFill>
-                  <a:schemeClr val="tx1"/>
-                </a:solidFill>
-                <a:latin typeface="Calibri" panose="020F0502020204030204" pitchFamily="34" charset="0"/>
-              </a:defRPr>
-            </a:lvl2pPr>
-            <a:lvl3pPr marL="1143000" indent="-228600">
-              <a:defRPr>
-                <a:solidFill>
-                  <a:schemeClr val="tx1"/>
-                </a:solidFill>
-                <a:latin typeface="Calibri" panose="020F0502020204030204" pitchFamily="34" charset="0"/>
-              </a:defRPr>
-            </a:lvl3pPr>
-            <a:lvl4pPr marL="1600200" indent="-228600">
-              <a:defRPr>
-                <a:solidFill>
-                  <a:schemeClr val="tx1"/>
-                </a:solidFill>
-                <a:latin typeface="Calibri" panose="020F0502020204030204" pitchFamily="34" charset="0"/>
-              </a:defRPr>
-            </a:lvl4pPr>
-            <a:lvl5pPr marL="2057400" indent="-228600">
-              <a:defRPr>
-                <a:solidFill>
-                  <a:schemeClr val="tx1"/>
-                </a:solidFill>
-                <a:latin typeface="Calibri" panose="020F0502020204030204" pitchFamily="34" charset="0"/>
-              </a:defRPr>
-            </a:lvl5pPr>
-            <a:lvl6pPr marL="2514600" indent="-228600" defTabSz="457200" fontAlgn="base">
-              <a:spcBef>
-                <a:spcPct val="0"/>
-              </a:spcBef>
-              <a:spcAft>
-                <a:spcPct val="0"/>
-              </a:spcAft>
-              <a:defRPr>
-                <a:solidFill>
-                  <a:schemeClr val="tx1"/>
-                </a:solidFill>
-                <a:latin typeface="Calibri" panose="020F0502020204030204" pitchFamily="34" charset="0"/>
-              </a:defRPr>
-            </a:lvl6pPr>
-            <a:lvl7pPr marL="2971800" indent="-228600" defTabSz="457200" fontAlgn="base">
-              <a:spcBef>
-                <a:spcPct val="0"/>
-              </a:spcBef>
-              <a:spcAft>
-                <a:spcPct val="0"/>
-              </a:spcAft>
-              <a:defRPr>
-                <a:solidFill>
-                  <a:schemeClr val="tx1"/>
-                </a:solidFill>
-                <a:latin typeface="Calibri" panose="020F0502020204030204" pitchFamily="34" charset="0"/>
-              </a:defRPr>
-            </a:lvl7pPr>
-            <a:lvl8pPr marL="3429000" indent="-228600" defTabSz="457200" fontAlgn="base">
-              <a:spcBef>
-                <a:spcPct val="0"/>
-              </a:spcBef>
-              <a:spcAft>
-                <a:spcPct val="0"/>
-              </a:spcAft>
-              <a:defRPr>
-                <a:solidFill>
-                  <a:schemeClr val="tx1"/>
-                </a:solidFill>
-                <a:latin typeface="Calibri" panose="020F0502020204030204" pitchFamily="34" charset="0"/>
-              </a:defRPr>
-            </a:lvl8pPr>
-            <a:lvl9pPr marL="3886200" indent="-228600" defTabSz="457200" fontAlgn="base">
-              <a:spcBef>
-                <a:spcPct val="0"/>
-              </a:spcBef>
-              <a:spcAft>
-                <a:spcPct val="0"/>
-              </a:spcAft>
-              <a:defRPr>
-                <a:solidFill>
-                  <a:schemeClr val="tx1"/>
-                </a:solidFill>
-                <a:latin typeface="Calibri" panose="020F0502020204030204" pitchFamily="34" charset="0"/>
-              </a:defRPr>
-            </a:lvl9pPr>
-          </a:lstStyle>
-          <a:p>
-            <a:pPr eaLnBrk="1" hangingPunct="1"/>
-            <a:r>
-              <a:rPr lang="pt-PT" altLang="pt-PT" sz="1200" dirty="0">
-                <a:latin typeface="Porto Sans Light" panose="00000400000000000000" pitchFamily="50" charset="0"/>
-              </a:rPr>
-              <a:t>Óscar Oliveira / Simulação e Otimização (2022/23)</a:t>
-            </a:r>
           </a:p>
         </p:txBody>
       </p:sp>
     </p:spTree>
     <p:extLst>
       <p:ext uri="{BB962C8B-B14F-4D97-AF65-F5344CB8AC3E}">
-        <p14:creationId xmlns:p14="http://schemas.microsoft.com/office/powerpoint/2010/main" val="4051685628"/>
+        <p14:creationId xmlns:p14="http://schemas.microsoft.com/office/powerpoint/2010/main" val="1901890372"/>
       </p:ext>
     </p:extLst>
   </p:cSld>
@@ -12930,6 +13961,487 @@
       </p:grpSpPr>
       <p:sp>
         <p:nvSpPr>
+          <p:cNvPr id="2" name="Título 1"/>
+          <p:cNvSpPr>
+            <a:spLocks noGrp="1"/>
+          </p:cNvSpPr>
+          <p:nvPr>
+            <p:ph type="title"/>
+          </p:nvPr>
+        </p:nvSpPr>
+        <p:spPr/>
+        <p:txBody>
+          <a:bodyPr>
+            <a:normAutofit fontScale="90000"/>
+          </a:bodyPr>
+          <a:lstStyle/>
+          <a:p>
+            <a:r>
+              <a:rPr lang="pt-PT" dirty="0" err="1"/>
+              <a:t>Exact</a:t>
+            </a:r>
+            <a:r>
+              <a:rPr lang="pt-PT" dirty="0"/>
+              <a:t> </a:t>
+            </a:r>
+            <a:r>
+              <a:rPr lang="pt-PT" dirty="0" err="1"/>
+              <a:t>Method</a:t>
+            </a:r>
+            <a:r>
+              <a:rPr lang="pt-PT" dirty="0"/>
+              <a:t> </a:t>
+            </a:r>
+            <a:r>
+              <a:rPr lang="pt-PT" dirty="0" err="1"/>
+              <a:t>Algorithm</a:t>
+            </a:r>
+            <a:endParaRPr lang="en-US" dirty="0"/>
+          </a:p>
+        </p:txBody>
+      </p:sp>
+      <p:sp>
+        <p:nvSpPr>
+          <p:cNvPr id="3" name="Marcador de Posição de Conteúdo 2"/>
+          <p:cNvSpPr>
+            <a:spLocks noGrp="1"/>
+          </p:cNvSpPr>
+          <p:nvPr>
+            <p:ph idx="1"/>
+          </p:nvPr>
+        </p:nvSpPr>
+        <p:spPr/>
+        <p:txBody>
+          <a:bodyPr>
+            <a:normAutofit/>
+          </a:bodyPr>
+          <a:lstStyle/>
+          <a:p>
+            <a:pPr algn="just"/>
+            <a:r>
+              <a:rPr lang="en-US" sz="2200" dirty="0"/>
+              <a:t>We decided to approach this problem using an exact method algorithm.</a:t>
+            </a:r>
+          </a:p>
+          <a:p>
+            <a:pPr algn="just"/>
+            <a:r>
+              <a:rPr lang="en-US" sz="2200" dirty="0"/>
+              <a:t>In order to reproduce the equations, we used the OR-Tools Library in Python.</a:t>
+            </a:r>
+          </a:p>
+          <a:p>
+            <a:pPr algn="just"/>
+            <a:r>
+              <a:rPr lang="en-US" sz="2200" dirty="0"/>
+              <a:t>OR-Tools is an open-source software for combinatorial optimization, which seeks to find the best solution to a problem from a very large number of possible solutions.</a:t>
+            </a:r>
+          </a:p>
+          <a:p>
+            <a:pPr algn="just"/>
+            <a:r>
+              <a:rPr lang="en-US" sz="2200" dirty="0"/>
+              <a:t>The solver was used in 5 instances of datasets (</a:t>
+            </a:r>
+            <a:r>
+              <a:rPr lang="en-US" sz="2200" dirty="0" err="1"/>
+              <a:t>Delmaire</a:t>
+            </a:r>
+            <a:r>
+              <a:rPr lang="en-US" sz="2200" dirty="0"/>
+              <a:t>, Holmberg, OR-library, Yang, TBED1). </a:t>
+            </a:r>
+          </a:p>
+          <a:p>
+            <a:endParaRPr lang="en-US" dirty="0"/>
+          </a:p>
+        </p:txBody>
+      </p:sp>
+      <p:sp>
+        <p:nvSpPr>
+          <p:cNvPr id="4" name="CaixaDeTexto 1"/>
+          <p:cNvSpPr txBox="1">
+            <a:spLocks noChangeArrowheads="1"/>
+          </p:cNvSpPr>
+          <p:nvPr/>
+        </p:nvSpPr>
+        <p:spPr bwMode="auto">
+          <a:xfrm>
+            <a:off x="6228184" y="6309320"/>
+            <a:ext cx="2387228" cy="461665"/>
+          </a:xfrm>
+          <a:prstGeom prst="rect">
+            <a:avLst/>
+          </a:prstGeom>
+          <a:noFill/>
+          <a:ln>
+            <a:noFill/>
+          </a:ln>
+          <a:extLst>
+            <a:ext uri="{909E8E84-426E-40DD-AFC4-6F175D3DCCD1}">
+              <a14:hiddenFill xmlns:a14="http://schemas.microsoft.com/office/drawing/2010/main">
+                <a:solidFill>
+                  <a:srgbClr val="FFFFFF"/>
+                </a:solidFill>
+              </a14:hiddenFill>
+            </a:ext>
+            <a:ext uri="{91240B29-F687-4F45-9708-019B960494DF}">
+              <a14:hiddenLine xmlns:a14="http://schemas.microsoft.com/office/drawing/2010/main" w="9525">
+                <a:solidFill>
+                  <a:srgbClr val="000000"/>
+                </a:solidFill>
+                <a:miter lim="800000"/>
+                <a:headEnd/>
+                <a:tailEnd/>
+              </a14:hiddenLine>
+            </a:ext>
+          </a:extLst>
+        </p:spPr>
+        <p:txBody>
+          <a:bodyPr wrap="square">
+            <a:spAutoFit/>
+          </a:bodyPr>
+          <a:lstStyle>
+            <a:lvl1pPr>
+              <a:defRPr>
+                <a:solidFill>
+                  <a:schemeClr val="tx1"/>
+                </a:solidFill>
+                <a:latin typeface="Calibri" panose="020F0502020204030204" pitchFamily="34" charset="0"/>
+              </a:defRPr>
+            </a:lvl1pPr>
+            <a:lvl2pPr marL="742950" indent="-285750">
+              <a:defRPr>
+                <a:solidFill>
+                  <a:schemeClr val="tx1"/>
+                </a:solidFill>
+                <a:latin typeface="Calibri" panose="020F0502020204030204" pitchFamily="34" charset="0"/>
+              </a:defRPr>
+            </a:lvl2pPr>
+            <a:lvl3pPr marL="1143000" indent="-228600">
+              <a:defRPr>
+                <a:solidFill>
+                  <a:schemeClr val="tx1"/>
+                </a:solidFill>
+                <a:latin typeface="Calibri" panose="020F0502020204030204" pitchFamily="34" charset="0"/>
+              </a:defRPr>
+            </a:lvl3pPr>
+            <a:lvl4pPr marL="1600200" indent="-228600">
+              <a:defRPr>
+                <a:solidFill>
+                  <a:schemeClr val="tx1"/>
+                </a:solidFill>
+                <a:latin typeface="Calibri" panose="020F0502020204030204" pitchFamily="34" charset="0"/>
+              </a:defRPr>
+            </a:lvl4pPr>
+            <a:lvl5pPr marL="2057400" indent="-228600">
+              <a:defRPr>
+                <a:solidFill>
+                  <a:schemeClr val="tx1"/>
+                </a:solidFill>
+                <a:latin typeface="Calibri" panose="020F0502020204030204" pitchFamily="34" charset="0"/>
+              </a:defRPr>
+            </a:lvl5pPr>
+            <a:lvl6pPr marL="2514600" indent="-228600" defTabSz="457200" fontAlgn="base">
+              <a:spcBef>
+                <a:spcPct val="0"/>
+              </a:spcBef>
+              <a:spcAft>
+                <a:spcPct val="0"/>
+              </a:spcAft>
+              <a:defRPr>
+                <a:solidFill>
+                  <a:schemeClr val="tx1"/>
+                </a:solidFill>
+                <a:latin typeface="Calibri" panose="020F0502020204030204" pitchFamily="34" charset="0"/>
+              </a:defRPr>
+            </a:lvl6pPr>
+            <a:lvl7pPr marL="2971800" indent="-228600" defTabSz="457200" fontAlgn="base">
+              <a:spcBef>
+                <a:spcPct val="0"/>
+              </a:spcBef>
+              <a:spcAft>
+                <a:spcPct val="0"/>
+              </a:spcAft>
+              <a:defRPr>
+                <a:solidFill>
+                  <a:schemeClr val="tx1"/>
+                </a:solidFill>
+                <a:latin typeface="Calibri" panose="020F0502020204030204" pitchFamily="34" charset="0"/>
+              </a:defRPr>
+            </a:lvl7pPr>
+            <a:lvl8pPr marL="3429000" indent="-228600" defTabSz="457200" fontAlgn="base">
+              <a:spcBef>
+                <a:spcPct val="0"/>
+              </a:spcBef>
+              <a:spcAft>
+                <a:spcPct val="0"/>
+              </a:spcAft>
+              <a:defRPr>
+                <a:solidFill>
+                  <a:schemeClr val="tx1"/>
+                </a:solidFill>
+                <a:latin typeface="Calibri" panose="020F0502020204030204" pitchFamily="34" charset="0"/>
+              </a:defRPr>
+            </a:lvl8pPr>
+            <a:lvl9pPr marL="3886200" indent="-228600" defTabSz="457200" fontAlgn="base">
+              <a:spcBef>
+                <a:spcPct val="0"/>
+              </a:spcBef>
+              <a:spcAft>
+                <a:spcPct val="0"/>
+              </a:spcAft>
+              <a:defRPr>
+                <a:solidFill>
+                  <a:schemeClr val="tx1"/>
+                </a:solidFill>
+                <a:latin typeface="Calibri" panose="020F0502020204030204" pitchFamily="34" charset="0"/>
+              </a:defRPr>
+            </a:lvl9pPr>
+          </a:lstStyle>
+          <a:p>
+            <a:r>
+              <a:rPr lang="pt-PT" sz="1200" dirty="0">
+                <a:latin typeface="Porto Sans Light" panose="00000400000000000000" pitchFamily="50" charset="0"/>
+              </a:rPr>
+              <a:t>João Silva | Olavo Alves | Luís Silva</a:t>
+            </a:r>
+          </a:p>
+          <a:p>
+            <a:pPr eaLnBrk="1" hangingPunct="1"/>
+            <a:endParaRPr lang="pt-PT" altLang="pt-PT" sz="1200" dirty="0">
+              <a:latin typeface="Porto Sans Light" panose="00000400000000000000" pitchFamily="50" charset="0"/>
+            </a:endParaRPr>
+          </a:p>
+        </p:txBody>
+      </p:sp>
+      <p:sp>
+        <p:nvSpPr>
+          <p:cNvPr id="5" name="CaixaDeTexto 2"/>
+          <p:cNvSpPr txBox="1">
+            <a:spLocks noChangeArrowheads="1"/>
+          </p:cNvSpPr>
+          <p:nvPr/>
+        </p:nvSpPr>
+        <p:spPr bwMode="auto">
+          <a:xfrm>
+            <a:off x="457200" y="6309320"/>
+            <a:ext cx="3317812" cy="276999"/>
+          </a:xfrm>
+          <a:prstGeom prst="rect">
+            <a:avLst/>
+          </a:prstGeom>
+          <a:noFill/>
+          <a:ln>
+            <a:noFill/>
+          </a:ln>
+          <a:extLst>
+            <a:ext uri="{909E8E84-426E-40DD-AFC4-6F175D3DCCD1}">
+              <a14:hiddenFill xmlns:a14="http://schemas.microsoft.com/office/drawing/2010/main">
+                <a:solidFill>
+                  <a:srgbClr val="FFFFFF"/>
+                </a:solidFill>
+              </a14:hiddenFill>
+            </a:ext>
+            <a:ext uri="{91240B29-F687-4F45-9708-019B960494DF}">
+              <a14:hiddenLine xmlns:a14="http://schemas.microsoft.com/office/drawing/2010/main" w="9525">
+                <a:solidFill>
+                  <a:srgbClr val="000000"/>
+                </a:solidFill>
+                <a:miter lim="800000"/>
+                <a:headEnd/>
+                <a:tailEnd/>
+              </a14:hiddenLine>
+            </a:ext>
+          </a:extLst>
+        </p:spPr>
+        <p:txBody>
+          <a:bodyPr wrap="square">
+            <a:spAutoFit/>
+          </a:bodyPr>
+          <a:lstStyle>
+            <a:lvl1pPr>
+              <a:defRPr>
+                <a:solidFill>
+                  <a:schemeClr val="tx1"/>
+                </a:solidFill>
+                <a:latin typeface="Calibri" panose="020F0502020204030204" pitchFamily="34" charset="0"/>
+              </a:defRPr>
+            </a:lvl1pPr>
+            <a:lvl2pPr marL="742950" indent="-285750">
+              <a:defRPr>
+                <a:solidFill>
+                  <a:schemeClr val="tx1"/>
+                </a:solidFill>
+                <a:latin typeface="Calibri" panose="020F0502020204030204" pitchFamily="34" charset="0"/>
+              </a:defRPr>
+            </a:lvl2pPr>
+            <a:lvl3pPr marL="1143000" indent="-228600">
+              <a:defRPr>
+                <a:solidFill>
+                  <a:schemeClr val="tx1"/>
+                </a:solidFill>
+                <a:latin typeface="Calibri" panose="020F0502020204030204" pitchFamily="34" charset="0"/>
+              </a:defRPr>
+            </a:lvl3pPr>
+            <a:lvl4pPr marL="1600200" indent="-228600">
+              <a:defRPr>
+                <a:solidFill>
+                  <a:schemeClr val="tx1"/>
+                </a:solidFill>
+                <a:latin typeface="Calibri" panose="020F0502020204030204" pitchFamily="34" charset="0"/>
+              </a:defRPr>
+            </a:lvl4pPr>
+            <a:lvl5pPr marL="2057400" indent="-228600">
+              <a:defRPr>
+                <a:solidFill>
+                  <a:schemeClr val="tx1"/>
+                </a:solidFill>
+                <a:latin typeface="Calibri" panose="020F0502020204030204" pitchFamily="34" charset="0"/>
+              </a:defRPr>
+            </a:lvl5pPr>
+            <a:lvl6pPr marL="2514600" indent="-228600" defTabSz="457200" fontAlgn="base">
+              <a:spcBef>
+                <a:spcPct val="0"/>
+              </a:spcBef>
+              <a:spcAft>
+                <a:spcPct val="0"/>
+              </a:spcAft>
+              <a:defRPr>
+                <a:solidFill>
+                  <a:schemeClr val="tx1"/>
+                </a:solidFill>
+                <a:latin typeface="Calibri" panose="020F0502020204030204" pitchFamily="34" charset="0"/>
+              </a:defRPr>
+            </a:lvl6pPr>
+            <a:lvl7pPr marL="2971800" indent="-228600" defTabSz="457200" fontAlgn="base">
+              <a:spcBef>
+                <a:spcPct val="0"/>
+              </a:spcBef>
+              <a:spcAft>
+                <a:spcPct val="0"/>
+              </a:spcAft>
+              <a:defRPr>
+                <a:solidFill>
+                  <a:schemeClr val="tx1"/>
+                </a:solidFill>
+                <a:latin typeface="Calibri" panose="020F0502020204030204" pitchFamily="34" charset="0"/>
+              </a:defRPr>
+            </a:lvl7pPr>
+            <a:lvl8pPr marL="3429000" indent="-228600" defTabSz="457200" fontAlgn="base">
+              <a:spcBef>
+                <a:spcPct val="0"/>
+              </a:spcBef>
+              <a:spcAft>
+                <a:spcPct val="0"/>
+              </a:spcAft>
+              <a:defRPr>
+                <a:solidFill>
+                  <a:schemeClr val="tx1"/>
+                </a:solidFill>
+                <a:latin typeface="Calibri" panose="020F0502020204030204" pitchFamily="34" charset="0"/>
+              </a:defRPr>
+            </a:lvl8pPr>
+            <a:lvl9pPr marL="3886200" indent="-228600" defTabSz="457200" fontAlgn="base">
+              <a:spcBef>
+                <a:spcPct val="0"/>
+              </a:spcBef>
+              <a:spcAft>
+                <a:spcPct val="0"/>
+              </a:spcAft>
+              <a:defRPr>
+                <a:solidFill>
+                  <a:schemeClr val="tx1"/>
+                </a:solidFill>
+                <a:latin typeface="Calibri" panose="020F0502020204030204" pitchFamily="34" charset="0"/>
+              </a:defRPr>
+            </a:lvl9pPr>
+          </a:lstStyle>
+          <a:p>
+            <a:pPr eaLnBrk="1" hangingPunct="1"/>
+            <a:r>
+              <a:rPr lang="pt-PT" altLang="pt-PT" sz="1200" dirty="0">
+                <a:latin typeface="Porto Sans Light" panose="00000400000000000000" pitchFamily="50" charset="0"/>
+              </a:rPr>
+              <a:t>Óscar Oliveira / Simulação e Otimização (2022/23)</a:t>
+            </a:r>
+          </a:p>
+        </p:txBody>
+      </p:sp>
+      <p:sp>
+        <p:nvSpPr>
+          <p:cNvPr id="6" name="Marcador de Posição do Número do Diapositivo 5">
+            <a:extLst>
+              <a:ext uri="{FF2B5EF4-FFF2-40B4-BE49-F238E27FC236}">
+                <a16:creationId xmlns:a16="http://schemas.microsoft.com/office/drawing/2014/main" id="{93C6D070-2481-AA2B-843E-35526B076807}"/>
+              </a:ext>
+            </a:extLst>
+          </p:cNvPr>
+          <p:cNvSpPr>
+            <a:spLocks noGrp="1"/>
+          </p:cNvSpPr>
+          <p:nvPr>
+            <p:ph type="sldNum" sz="quarter" idx="12"/>
+          </p:nvPr>
+        </p:nvSpPr>
+        <p:spPr/>
+        <p:txBody>
+          <a:bodyPr/>
+          <a:lstStyle/>
+          <a:p>
+            <a:fld id="{91727942-0F31-8246-9E69-0AE29DBBE5E4}" type="slidenum">
+              <a:rPr lang="en-US" smtClean="0">
+                <a:solidFill>
+                  <a:prstClr val="black">
+                    <a:tint val="75000"/>
+                  </a:prstClr>
+                </a:solidFill>
+              </a:rPr>
+              <a:pPr/>
+              <a:t>8</a:t>
+            </a:fld>
+            <a:endParaRPr lang="en-US">
+              <a:solidFill>
+                <a:prstClr val="black">
+                  <a:tint val="75000"/>
+                </a:prstClr>
+              </a:solidFill>
+            </a:endParaRPr>
+          </a:p>
+        </p:txBody>
+      </p:sp>
+    </p:spTree>
+    <p:extLst>
+      <p:ext uri="{BB962C8B-B14F-4D97-AF65-F5344CB8AC3E}">
+        <p14:creationId xmlns:p14="http://schemas.microsoft.com/office/powerpoint/2010/main" val="4051685628"/>
+      </p:ext>
+    </p:extLst>
+  </p:cSld>
+  <p:clrMapOvr>
+    <a:masterClrMapping/>
+  </p:clrMapOvr>
+</p:sld>
+</file>
+
+<file path=ppt/slides/slide9.xml><?xml version="1.0" encoding="utf-8"?>
+<p:sld xmlns:a="http://schemas.openxmlformats.org/drawingml/2006/main" xmlns:r="http://schemas.openxmlformats.org/officeDocument/2006/relationships" xmlns:p="http://schemas.openxmlformats.org/presentationml/2006/main">
+  <p:cSld>
+    <p:spTree>
+      <p:nvGrpSpPr>
+        <p:cNvPr id="1" name=""/>
+        <p:cNvGrpSpPr/>
+        <p:nvPr/>
+      </p:nvGrpSpPr>
+      <p:grpSpPr>
+        <a:xfrm>
+          <a:off x="0" y="0"/>
+          <a:ext cx="0" cy="0"/>
+          <a:chOff x="0" y="0"/>
+          <a:chExt cx="0" cy="0"/>
+        </a:xfrm>
+      </p:grpSpPr>
+      <p:sp>
+        <p:nvSpPr>
           <p:cNvPr id="2" name="Título 1">
             <a:extLst>
               <a:ext uri="{FF2B5EF4-FFF2-40B4-BE49-F238E27FC236}">
@@ -13217,42 +14729,12 @@
           </a:p>
         </p:txBody>
       </p:sp>
-    </p:spTree>
-    <p:extLst>
-      <p:ext uri="{BB962C8B-B14F-4D97-AF65-F5344CB8AC3E}">
-        <p14:creationId xmlns:p14="http://schemas.microsoft.com/office/powerpoint/2010/main" val="689335268"/>
-      </p:ext>
-    </p:extLst>
-  </p:cSld>
-  <p:clrMapOvr>
-    <a:masterClrMapping/>
-  </p:clrMapOvr>
-</p:sld>
-</file>
-
-<file path=ppt/slides/slide9.xml><?xml version="1.0" encoding="utf-8"?>
-<p:sld xmlns:a="http://schemas.openxmlformats.org/drawingml/2006/main" xmlns:r="http://schemas.openxmlformats.org/officeDocument/2006/relationships" xmlns:p="http://schemas.openxmlformats.org/presentationml/2006/main">
-  <p:cSld>
-    <p:spTree>
-      <p:nvGrpSpPr>
-        <p:cNvPr id="1" name=""/>
-        <p:cNvGrpSpPr/>
-        <p:nvPr/>
-      </p:nvGrpSpPr>
-      <p:grpSpPr>
-        <a:xfrm>
-          <a:off x="0" y="0"/>
-          <a:ext cx="0" cy="0"/>
-          <a:chOff x="0" y="0"/>
-          <a:chExt cx="0" cy="0"/>
-        </a:xfrm>
-      </p:grpSpPr>
-      <p:sp>
-        <p:nvSpPr>
-          <p:cNvPr id="2" name="Título 1">
+      <p:sp>
+        <p:nvSpPr>
+          <p:cNvPr id="8" name="Marcador de Posição do Número do Diapositivo 7">
             <a:extLst>
               <a:ext uri="{FF2B5EF4-FFF2-40B4-BE49-F238E27FC236}">
-                <a16:creationId xmlns:a16="http://schemas.microsoft.com/office/drawing/2014/main" id="{691E9056-392D-6BDD-F868-B90A18A9C3DE}"/>
+                <a16:creationId xmlns:a16="http://schemas.microsoft.com/office/drawing/2014/main" id="{71C5ADA6-985B-11F3-35FA-94D1E8B2EBD5}"/>
               </a:ext>
             </a:extLst>
           </p:cNvPr>
@@ -13260,83 +14742,31 @@
             <a:spLocks noGrp="1"/>
           </p:cNvSpPr>
           <p:nvPr>
-            <p:ph type="title"/>
+            <p:ph type="sldNum" sz="quarter" idx="12"/>
           </p:nvPr>
         </p:nvSpPr>
         <p:spPr/>
         <p:txBody>
-          <a:bodyPr>
-            <a:normAutofit fontScale="90000"/>
-          </a:bodyPr>
+          <a:bodyPr/>
           <a:lstStyle/>
           <a:p>
-            <a:r>
-              <a:rPr lang="pt-PT" dirty="0" err="1"/>
-              <a:t>Constructive</a:t>
-            </a:r>
-            <a:r>
-              <a:rPr lang="pt-PT" dirty="0"/>
-              <a:t> </a:t>
-            </a:r>
-            <a:r>
-              <a:rPr lang="pt-PT" dirty="0" err="1"/>
-              <a:t>Heuristic</a:t>
-            </a:r>
-            <a:endParaRPr lang="pt-PT" dirty="0"/>
-          </a:p>
-        </p:txBody>
-      </p:sp>
-      <p:sp>
-        <p:nvSpPr>
-          <p:cNvPr id="3" name="Marcador de Posição de Conteúdo 2">
-            <a:extLst>
-              <a:ext uri="{FF2B5EF4-FFF2-40B4-BE49-F238E27FC236}">
-                <a16:creationId xmlns:a16="http://schemas.microsoft.com/office/drawing/2014/main" id="{01A67FE9-9BF4-B942-8E9B-6E04A1A965B2}"/>
-              </a:ext>
-            </a:extLst>
-          </p:cNvPr>
-          <p:cNvSpPr>
-            <a:spLocks noGrp="1"/>
-          </p:cNvSpPr>
-          <p:nvPr>
-            <p:ph idx="1"/>
-          </p:nvPr>
-        </p:nvSpPr>
-        <p:spPr/>
-        <p:txBody>
-          <a:bodyPr>
-            <a:normAutofit/>
-          </a:bodyPr>
-          <a:lstStyle/>
-          <a:p>
-            <a:pPr algn="just"/>
-            <a:r>
-              <a:rPr lang="en-US" sz="1800" dirty="0">
-                <a:latin typeface="Porto Sans Light (corpo)"/>
+            <a:fld id="{91727942-0F31-8246-9E69-0AE29DBBE5E4}" type="slidenum">
+              <a:rPr lang="en-US" smtClean="0">
+                <a:solidFill>
+                  <a:prstClr val="black">
+                    <a:tint val="75000"/>
+                  </a:prstClr>
+                </a:solidFill>
               </a:rPr>
-              <a:t>Constructive heuristics generate a solution by iteratively adding an element to the solution until an admissible solution is generated.</a:t>
-            </a:r>
-          </a:p>
-          <a:p>
-            <a:pPr algn="just"/>
-            <a:r>
-              <a:rPr lang="en-US" sz="1800" b="0" i="0" dirty="0">
-                <a:effectLst/>
-                <a:latin typeface="Porto Sans Light (corpo)"/>
-              </a:rPr>
-              <a:t>In the case of the Constructive Heuristic, it was decided to allocate customers to facilities, promoting an allocation criterion based on the lowest ratio between the cost of opening a Facility and the Facility’s initial capacity.</a:t>
-            </a:r>
-          </a:p>
-          <a:p>
-            <a:pPr algn="just"/>
-            <a:r>
-              <a:rPr lang="en-US" sz="1800" dirty="0">
-                <a:latin typeface="Porto Sans Light (corpo)"/>
-              </a:rPr>
-              <a:t>In the case of greedy heuristics, the choice of the next element to be inserted in the solution is done by what most favors the objective of the problem in the time.</a:t>
-            </a:r>
-            <a:endParaRPr lang="pt-PT" sz="1800" dirty="0">
-              <a:latin typeface="Porto Sans Light (corpo)"/>
+              <a:pPr/>
+              <a:t>9</a:t>
+            </a:fld>
+            <a:endParaRPr lang="en-US">
+              <a:solidFill>
+                <a:prstClr val="black">
+                  <a:tint val="75000"/>
+                </a:prstClr>
+              </a:solidFill>
             </a:endParaRPr>
           </a:p>
         </p:txBody>
@@ -13344,7 +14774,7 @@
     </p:spTree>
     <p:extLst>
       <p:ext uri="{BB962C8B-B14F-4D97-AF65-F5344CB8AC3E}">
-        <p14:creationId xmlns:p14="http://schemas.microsoft.com/office/powerpoint/2010/main" val="4178277529"/>
+        <p14:creationId xmlns:p14="http://schemas.microsoft.com/office/powerpoint/2010/main" val="689335268"/>
       </p:ext>
     </p:extLst>
   </p:cSld>

--- a/P_POINT_SO.pptx
+++ b/P_POINT_SO.pptx
@@ -9731,7 +9731,7 @@
             </a:r>
             <a:r>
               <a:rPr lang="pt-PT" dirty="0"/>
-              <a:t> 0.653</a:t>
+              <a:t> 1.306</a:t>
             </a:r>
           </a:p>
           <a:p>
@@ -9803,7 +9803,7 @@
             </a:r>
             <a:r>
               <a:rPr lang="pt-PT" dirty="0"/>
-              <a:t> 1.185</a:t>
+              <a:t> 1.902</a:t>
             </a:r>
           </a:p>
           <a:p>
@@ -9895,7 +9895,7 @@
             </a:r>
             <a:r>
               <a:rPr lang="pt-PT" dirty="0"/>
-              <a:t> 5.586</a:t>
+              <a:t> 17.690</a:t>
             </a:r>
           </a:p>
           <a:p>
@@ -10016,7 +10016,7 @@
             </a:r>
             <a:r>
               <a:rPr lang="pt-PT" dirty="0"/>
-              <a:t> 77.911</a:t>
+              <a:t> 71.222</a:t>
             </a:r>
           </a:p>
           <a:p>
@@ -10047,7 +10047,7 @@
             </a:r>
             <a:r>
               <a:rPr lang="pt-PT" dirty="0"/>
-              <a:t> 3704.759</a:t>
+              <a:t> 5562.016</a:t>
             </a:r>
           </a:p>
         </p:txBody>
@@ -10278,7 +10278,7 @@
             </a:r>
             <a:r>
               <a:rPr lang="pt-PT" dirty="0"/>
-              <a:t> 1.633</a:t>
+              <a:t> 3.265</a:t>
             </a:r>
           </a:p>
           <a:p>
@@ -10350,7 +10350,7 @@
             </a:r>
             <a:r>
               <a:rPr lang="pt-PT" dirty="0"/>
-              <a:t> 9.784</a:t>
+              <a:t> 15.710</a:t>
             </a:r>
           </a:p>
           <a:p>
@@ -10442,7 +10442,7 @@
             </a:r>
             <a:r>
               <a:rPr lang="pt-PT" dirty="0"/>
-              <a:t> 655.852</a:t>
+              <a:t> 2076.865</a:t>
             </a:r>
           </a:p>
           <a:p>
@@ -10518,7 +10518,7 @@
             </a:r>
             <a:r>
               <a:rPr lang="pt-PT" dirty="0"/>
-              <a:t> 25.580</a:t>
+              <a:t> 145.807</a:t>
             </a:r>
           </a:p>
           <a:p>
@@ -10563,7 +10563,7 @@
             </a:r>
             <a:r>
               <a:rPr lang="pt-PT" dirty="0"/>
-              <a:t>  75.948</a:t>
+              <a:t>  69.617</a:t>
             </a:r>
           </a:p>
           <a:p>
@@ -10594,7 +10594,7 @@
             </a:r>
             <a:r>
               <a:rPr lang="pt-PT" dirty="0"/>
-              <a:t>  3501.798</a:t>
+              <a:t>  5412.7</a:t>
             </a:r>
           </a:p>
           <a:p>
